--- a/专题研究/晨会主题/201904财务自由.pptx
+++ b/专题研究/晨会主题/201904财务自由.pptx
@@ -5,7 +5,7 @@
     <p:sldMasterId id="2147483663" r:id="rId1"/>
   </p:sldMasterIdLst>
   <p:notesMasterIdLst>
-    <p:notesMasterId r:id="rId16"/>
+    <p:notesMasterId r:id="rId17"/>
   </p:notesMasterIdLst>
   <p:sldIdLst>
     <p:sldId id="2404" r:id="rId2"/>
@@ -20,8 +20,9 @@
     <p:sldId id="2432" r:id="rId11"/>
     <p:sldId id="2434" r:id="rId12"/>
     <p:sldId id="2443" r:id="rId13"/>
-    <p:sldId id="2436" r:id="rId14"/>
-    <p:sldId id="2405" r:id="rId15"/>
+    <p:sldId id="2446" r:id="rId14"/>
+    <p:sldId id="2436" r:id="rId15"/>
+    <p:sldId id="2405" r:id="rId16"/>
   </p:sldIdLst>
   <p:sldSz cx="12192000" cy="6858000"/>
   <p:notesSz cx="6858000" cy="9144000"/>
@@ -122,7 +123,7 @@
   </p:defaultTextStyle>
   <p:extLst>
     <p:ext uri="{521415D9-36F7-43E2-AB2F-B90AF26B5E84}">
-      <p14:sectionLst xmlns:p14="http://schemas.microsoft.com/office/powerpoint/2010/main" xmlns="">
+      <p14:sectionLst xmlns="" xmlns:p14="http://schemas.microsoft.com/office/powerpoint/2010/main">
         <p14:section name="封面" id="{D7D87A2E-EAB7-4E0B-91AB-5997C8278163}">
           <p14:sldIdLst>
             <p14:sldId id="2404"/>
@@ -160,7 +161,7 @@
       </p14:sectionLst>
     </p:ext>
     <p:ext uri="{EFAFB233-063F-42B5-8137-9DF3F51BA10A}">
-      <p15:sldGuideLst xmlns:p15="http://schemas.microsoft.com/office/powerpoint/2012/main" xmlns="">
+      <p15:sldGuideLst xmlns="" xmlns:p15="http://schemas.microsoft.com/office/powerpoint/2012/main">
         <p15:guide id="2" pos="3840" userDrawn="1">
           <p15:clr>
             <a:srgbClr val="A4A3A4"/>
@@ -265,7 +266,7 @@
             <a:fld id="{B0728DFB-0508-4D26-AE5C-71BF0E2783C5}" type="datetimeFigureOut">
               <a:rPr lang="zh-CN" altLang="en-US" smtClean="0"/>
               <a:pPr/>
-              <a:t>2019/4/23</a:t>
+              <a:t>2019/4/24</a:t>
             </a:fld>
             <a:endParaRPr lang="zh-CN" altLang="en-US"/>
           </a:p>
@@ -433,7 +434,7 @@
     </p:spTree>
     <p:extLst>
       <p:ext uri="{BB962C8B-B14F-4D97-AF65-F5344CB8AC3E}">
-        <p14:creationId xmlns:p14="http://schemas.microsoft.com/office/powerpoint/2010/main" xmlns="" val="3786332847"/>
+        <p14:creationId xmlns="" xmlns:p14="http://schemas.microsoft.com/office/powerpoint/2010/main" val="3786332847"/>
       </p:ext>
     </p:extLst>
   </p:cSld>
@@ -946,6 +947,395 @@
             <p:ph type="sldImg"/>
           </p:nvPr>
         </p:nvSpPr>
+        <p:spPr>
+          <a:xfrm>
+            <a:off x="685800" y="1143000"/>
+            <a:ext cx="5486400" cy="3086100"/>
+          </a:xfrm>
+        </p:spPr>
+      </p:sp>
+      <p:sp>
+        <p:nvSpPr>
+          <p:cNvPr id="3" name="备注占位符 2"/>
+          <p:cNvSpPr>
+            <a:spLocks noGrp="1"/>
+          </p:cNvSpPr>
+          <p:nvPr>
+            <p:ph type="body" idx="1"/>
+          </p:nvPr>
+        </p:nvSpPr>
+        <p:spPr/>
+        <p:txBody>
+          <a:bodyPr>
+            <a:normAutofit/>
+          </a:bodyPr>
+          <a:lstStyle/>
+          <a:p>
+            <a:r>
+              <a:rPr lang="en-US" altLang="zh-CN" sz="1200" b="0" i="0" kern="1200" dirty="0" smtClean="0">
+                <a:solidFill>
+                  <a:schemeClr val="tx1"/>
+                </a:solidFill>
+                <a:latin typeface="+mn-lt"/>
+                <a:ea typeface="+mn-ea"/>
+                <a:cs typeface="+mn-cs"/>
+              </a:rPr>
+              <a:t>1</a:t>
+            </a:r>
+            <a:r>
+              <a:rPr lang="zh-CN" altLang="en-US" sz="1200" b="0" i="0" kern="1200" dirty="0" smtClean="0">
+                <a:solidFill>
+                  <a:schemeClr val="tx1"/>
+                </a:solidFill>
+                <a:latin typeface="+mn-lt"/>
+                <a:ea typeface="+mn-ea"/>
+                <a:cs typeface="+mn-cs"/>
+              </a:rPr>
+              <a:t>、前段时间，有一个新闻，唐山撤销收费站，一大批收费站员工下岗，一位</a:t>
+            </a:r>
+            <a:r>
+              <a:rPr lang="en-US" altLang="zh-CN" sz="1200" b="0" i="0" kern="1200" dirty="0" smtClean="0">
+                <a:solidFill>
+                  <a:schemeClr val="tx1"/>
+                </a:solidFill>
+                <a:latin typeface="+mn-lt"/>
+                <a:ea typeface="+mn-ea"/>
+                <a:cs typeface="+mn-cs"/>
+              </a:rPr>
+              <a:t>36</a:t>
+            </a:r>
+            <a:r>
+              <a:rPr lang="zh-CN" altLang="en-US" sz="1200" b="0" i="0" kern="1200" dirty="0" smtClean="0">
+                <a:solidFill>
+                  <a:schemeClr val="tx1"/>
+                </a:solidFill>
+                <a:latin typeface="+mn-lt"/>
+                <a:ea typeface="+mn-ea"/>
+                <a:cs typeface="+mn-cs"/>
+              </a:rPr>
+              <a:t>岁的女士突然之间茫然不知所措。</a:t>
+            </a:r>
+          </a:p>
+          <a:p>
+            <a:r>
+              <a:rPr lang="zh-CN" altLang="en-US" sz="1200" b="0" i="0" kern="1200" dirty="0" smtClean="0">
+                <a:solidFill>
+                  <a:schemeClr val="tx1"/>
+                </a:solidFill>
+                <a:latin typeface="+mn-lt"/>
+                <a:ea typeface="+mn-ea"/>
+                <a:cs typeface="+mn-cs"/>
+              </a:rPr>
+              <a:t>“我在收费站呆了十几年了，我从毕业就来收费站了，我除了收费，我什么也不会干呀。”</a:t>
+            </a:r>
+            <a:endParaRPr lang="en-US" altLang="zh-CN" sz="1200" b="0" i="0" kern="1200" dirty="0" smtClean="0">
+              <a:solidFill>
+                <a:schemeClr val="tx1"/>
+              </a:solidFill>
+              <a:latin typeface="+mn-lt"/>
+              <a:ea typeface="+mn-ea"/>
+              <a:cs typeface="+mn-cs"/>
+            </a:endParaRPr>
+          </a:p>
+          <a:p>
+            <a:r>
+              <a:rPr lang="en-US" altLang="zh-CN" sz="1200" b="0" i="0" kern="1200" dirty="0" smtClean="0">
+                <a:solidFill>
+                  <a:schemeClr val="tx1"/>
+                </a:solidFill>
+                <a:latin typeface="+mn-lt"/>
+                <a:ea typeface="+mn-ea"/>
+                <a:cs typeface="+mn-cs"/>
+              </a:rPr>
+              <a:t>2</a:t>
+            </a:r>
+            <a:r>
+              <a:rPr lang="zh-CN" altLang="en-US" sz="1200" b="0" i="0" kern="1200" dirty="0" smtClean="0">
+                <a:solidFill>
+                  <a:schemeClr val="tx1"/>
+                </a:solidFill>
+                <a:latin typeface="+mn-lt"/>
+                <a:ea typeface="+mn-ea"/>
+                <a:cs typeface="+mn-cs"/>
+              </a:rPr>
+              <a:t>、即使是陆奇，即使已经爬到了雅虎总裁，做过百度总裁，他依然保持每天学习，坚持阅读最前沿的论文，获知最前沿的科技思潮。</a:t>
+            </a:r>
+            <a:endParaRPr lang="en-US" altLang="zh-CN" sz="1200" b="0" i="0" kern="1200" dirty="0" smtClean="0">
+              <a:solidFill>
+                <a:schemeClr val="tx1"/>
+              </a:solidFill>
+              <a:latin typeface="+mn-lt"/>
+              <a:ea typeface="+mn-ea"/>
+              <a:cs typeface="+mn-cs"/>
+            </a:endParaRPr>
+          </a:p>
+          <a:p>
+            <a:r>
+              <a:rPr lang="en-US" altLang="zh-CN" sz="1200" b="0" i="0" kern="1200" dirty="0" smtClean="0">
+                <a:solidFill>
+                  <a:schemeClr val="tx1"/>
+                </a:solidFill>
+                <a:latin typeface="+mn-lt"/>
+                <a:ea typeface="+mn-ea"/>
+                <a:cs typeface="+mn-cs"/>
+              </a:rPr>
+              <a:t>3</a:t>
+            </a:r>
+            <a:r>
+              <a:rPr lang="zh-CN" altLang="en-US" sz="1200" b="0" i="0" kern="1200" dirty="0" smtClean="0">
+                <a:solidFill>
+                  <a:schemeClr val="tx1"/>
+                </a:solidFill>
+                <a:latin typeface="+mn-lt"/>
+                <a:ea typeface="+mn-ea"/>
+                <a:cs typeface="+mn-cs"/>
+              </a:rPr>
+              <a:t>、</a:t>
+            </a:r>
+            <a:r>
+              <a:rPr lang="en-US" altLang="zh-CN" sz="1200" b="0" i="0" kern="1200" dirty="0" smtClean="0">
+                <a:solidFill>
+                  <a:schemeClr val="tx1"/>
+                </a:solidFill>
+                <a:latin typeface="+mn-lt"/>
+                <a:ea typeface="+mn-ea"/>
+                <a:cs typeface="+mn-cs"/>
+              </a:rPr>
+              <a:t>《</a:t>
+            </a:r>
+            <a:r>
+              <a:rPr lang="zh-CN" altLang="en-US" sz="1200" b="0" i="0" kern="1200" dirty="0" smtClean="0">
+                <a:solidFill>
+                  <a:schemeClr val="tx1"/>
+                </a:solidFill>
+                <a:latin typeface="+mn-lt"/>
+                <a:ea typeface="+mn-ea"/>
+                <a:cs typeface="+mn-cs"/>
+              </a:rPr>
+              <a:t>人民日报</a:t>
+            </a:r>
+            <a:r>
+              <a:rPr lang="en-US" altLang="zh-CN" sz="1200" b="0" i="0" kern="1200" dirty="0" smtClean="0">
+                <a:solidFill>
+                  <a:schemeClr val="tx1"/>
+                </a:solidFill>
+                <a:latin typeface="+mn-lt"/>
+                <a:ea typeface="+mn-ea"/>
+                <a:cs typeface="+mn-cs"/>
+              </a:rPr>
+              <a:t>》</a:t>
+            </a:r>
+            <a:r>
+              <a:rPr lang="zh-CN" altLang="en-US" sz="1200" b="0" i="0" kern="1200" dirty="0" smtClean="0">
+                <a:solidFill>
+                  <a:schemeClr val="tx1"/>
+                </a:solidFill>
+                <a:latin typeface="+mn-lt"/>
+                <a:ea typeface="+mn-ea"/>
+                <a:cs typeface="+mn-cs"/>
+              </a:rPr>
+              <a:t>曾经发表过一篇文章</a:t>
+            </a:r>
+            <a:r>
+              <a:rPr lang="en-US" altLang="zh-CN" sz="1200" b="0" i="0" kern="1200" dirty="0" smtClean="0">
+                <a:solidFill>
+                  <a:schemeClr val="tx1"/>
+                </a:solidFill>
+                <a:latin typeface="+mn-lt"/>
+                <a:ea typeface="+mn-ea"/>
+                <a:cs typeface="+mn-cs"/>
+              </a:rPr>
+              <a:t>《</a:t>
+            </a:r>
+            <a:r>
+              <a:rPr lang="zh-CN" altLang="en-US" sz="1200" b="0" i="0" kern="1200" dirty="0" smtClean="0">
+                <a:solidFill>
+                  <a:schemeClr val="tx1"/>
+                </a:solidFill>
+                <a:latin typeface="+mn-lt"/>
+                <a:ea typeface="+mn-ea"/>
+                <a:cs typeface="+mn-cs"/>
+              </a:rPr>
+              <a:t>靠物质获取幸福的时代已经过去了</a:t>
+            </a:r>
+            <a:r>
+              <a:rPr lang="en-US" altLang="zh-CN" sz="1200" b="0" i="0" kern="1200" dirty="0" smtClean="0">
+                <a:solidFill>
+                  <a:schemeClr val="tx1"/>
+                </a:solidFill>
+                <a:latin typeface="+mn-lt"/>
+                <a:ea typeface="+mn-ea"/>
+                <a:cs typeface="+mn-cs"/>
+              </a:rPr>
+              <a:t>》</a:t>
+            </a:r>
+            <a:r>
+              <a:rPr lang="zh-CN" altLang="en-US" sz="1200" b="0" i="0" kern="1200" dirty="0" smtClean="0">
+                <a:solidFill>
+                  <a:schemeClr val="tx1"/>
+                </a:solidFill>
+                <a:latin typeface="+mn-lt"/>
+                <a:ea typeface="+mn-ea"/>
+                <a:cs typeface="+mn-cs"/>
+              </a:rPr>
+              <a:t>，今天的人们，看着物质基础的同时，也更看重精神层面的滋养。</a:t>
+            </a:r>
+          </a:p>
+          <a:p>
+            <a:r>
+              <a:rPr lang="zh-CN" altLang="en-US" sz="1200" b="0" i="0" kern="1200" dirty="0" smtClean="0">
+                <a:solidFill>
+                  <a:schemeClr val="tx1"/>
+                </a:solidFill>
+                <a:latin typeface="+mn-lt"/>
+                <a:ea typeface="+mn-ea"/>
+                <a:cs typeface="+mn-cs"/>
+              </a:rPr>
+              <a:t>做有钱阶级，不如做有闲阶级：在体面生活的基础上，不追求大富大贵，彻底的自由自在，有收入，有空闲时间，陪家人，做一些有意义的事情，还能做公益。这是一种“新幸福指数”。</a:t>
+            </a:r>
+            <a:endParaRPr lang="en-US" altLang="zh-CN" sz="1200" b="0" i="0" kern="1200" dirty="0" smtClean="0">
+              <a:solidFill>
+                <a:schemeClr val="tx1"/>
+              </a:solidFill>
+              <a:latin typeface="+mn-lt"/>
+              <a:ea typeface="+mn-ea"/>
+              <a:cs typeface="+mn-cs"/>
+            </a:endParaRPr>
+          </a:p>
+          <a:p>
+            <a:r>
+              <a:rPr lang="en-US" altLang="zh-CN" sz="1200" b="0" i="0" kern="1200" dirty="0" smtClean="0">
+                <a:solidFill>
+                  <a:schemeClr val="tx1"/>
+                </a:solidFill>
+                <a:latin typeface="+mn-lt"/>
+                <a:ea typeface="+mn-ea"/>
+                <a:cs typeface="+mn-cs"/>
+              </a:rPr>
+              <a:t>4</a:t>
+            </a:r>
+            <a:r>
+              <a:rPr lang="zh-CN" altLang="en-US" sz="1200" b="0" i="0" kern="1200" dirty="0" smtClean="0">
+                <a:solidFill>
+                  <a:schemeClr val="tx1"/>
+                </a:solidFill>
+                <a:latin typeface="+mn-lt"/>
+                <a:ea typeface="+mn-ea"/>
+                <a:cs typeface="+mn-cs"/>
+              </a:rPr>
+              <a:t>、工作带来收入，兴趣带来价值感。</a:t>
+            </a:r>
+          </a:p>
+          <a:p>
+            <a:r>
+              <a:rPr lang="zh-CN" altLang="en-US" sz="1200" b="0" i="0" kern="1200" dirty="0" smtClean="0">
+                <a:solidFill>
+                  <a:schemeClr val="tx1"/>
+                </a:solidFill>
+                <a:latin typeface="+mn-lt"/>
+                <a:ea typeface="+mn-ea"/>
+                <a:cs typeface="+mn-cs"/>
+              </a:rPr>
+              <a:t>一份无法带来价值感的工作，你可能可以做一段时间，但无法坚持，更无法深入。</a:t>
+            </a:r>
+          </a:p>
+          <a:p>
+            <a:r>
+              <a:rPr lang="zh-CN" altLang="en-US" sz="1200" b="0" i="0" kern="1200" dirty="0" smtClean="0">
+                <a:solidFill>
+                  <a:schemeClr val="tx1"/>
+                </a:solidFill>
+                <a:latin typeface="+mn-lt"/>
+                <a:ea typeface="+mn-ea"/>
+                <a:cs typeface="+mn-cs"/>
+              </a:rPr>
+              <a:t>每一个人在一开始的时候，都不可能幸运地找到自己终其一生要从事的事业，这需要慢慢摸索。</a:t>
+            </a:r>
+          </a:p>
+          <a:p>
+            <a:r>
+              <a:rPr lang="zh-CN" altLang="en-US" sz="1200" b="0" i="0" kern="1200" dirty="0" smtClean="0">
+                <a:solidFill>
+                  <a:schemeClr val="tx1"/>
+                </a:solidFill>
+                <a:latin typeface="+mn-lt"/>
+                <a:ea typeface="+mn-ea"/>
+                <a:cs typeface="+mn-cs"/>
+              </a:rPr>
+              <a:t>但这摸索是必要的。如果你做一份自己丝毫不感兴趣的工作，你不仅会变得憋屈，而且经常自我贬低自己。</a:t>
+            </a:r>
+          </a:p>
+          <a:p>
+            <a:endParaRPr lang="zh-CN" altLang="en-US" sz="1200" b="0" i="0" kern="1200" dirty="0" smtClean="0">
+              <a:solidFill>
+                <a:schemeClr val="tx1"/>
+              </a:solidFill>
+              <a:latin typeface="+mn-lt"/>
+              <a:ea typeface="+mn-ea"/>
+              <a:cs typeface="+mn-cs"/>
+            </a:endParaRPr>
+          </a:p>
+        </p:txBody>
+      </p:sp>
+      <p:sp>
+        <p:nvSpPr>
+          <p:cNvPr id="4" name="灯片编号占位符 3"/>
+          <p:cNvSpPr>
+            <a:spLocks noGrp="1"/>
+          </p:cNvSpPr>
+          <p:nvPr>
+            <p:ph type="sldNum" sz="quarter" idx="10"/>
+          </p:nvPr>
+        </p:nvSpPr>
+        <p:spPr/>
+        <p:txBody>
+          <a:bodyPr/>
+          <a:lstStyle/>
+          <a:p>
+            <a:fld id="{A82FCF1A-DE1D-4A03-B432-41B70649DC02}" type="slidenum">
+              <a:rPr lang="zh-CN" altLang="en-US" smtClean="0"/>
+              <a:pPr/>
+              <a:t>13</a:t>
+            </a:fld>
+            <a:endParaRPr lang="zh-CN" altLang="en-US"/>
+          </a:p>
+        </p:txBody>
+      </p:sp>
+    </p:spTree>
+  </p:cSld>
+  <p:clrMapOvr>
+    <a:masterClrMapping/>
+  </p:clrMapOvr>
+</p:notes>
+</file>
+
+<file path=ppt/notesSlides/notesSlide13.xml><?xml version="1.0" encoding="utf-8"?>
+<p:notes xmlns:a="http://schemas.openxmlformats.org/drawingml/2006/main" xmlns:r="http://schemas.openxmlformats.org/officeDocument/2006/relationships" xmlns:p="http://schemas.openxmlformats.org/presentationml/2006/main">
+  <p:cSld>
+    <p:spTree>
+      <p:nvGrpSpPr>
+        <p:cNvPr id="1" name=""/>
+        <p:cNvGrpSpPr/>
+        <p:nvPr/>
+      </p:nvGrpSpPr>
+      <p:grpSpPr>
+        <a:xfrm>
+          <a:off x="0" y="0"/>
+          <a:ext cx="0" cy="0"/>
+          <a:chOff x="0" y="0"/>
+          <a:chExt cx="0" cy="0"/>
+        </a:xfrm>
+      </p:grpSpPr>
+      <p:sp>
+        <p:nvSpPr>
+          <p:cNvPr id="2" name="幻灯片图像占位符 1"/>
+          <p:cNvSpPr>
+            <a:spLocks noGrp="1" noRot="1" noChangeAspect="1"/>
+          </p:cNvSpPr>
+          <p:nvPr>
+            <p:ph type="sldImg"/>
+          </p:nvPr>
+        </p:nvSpPr>
         <p:spPr/>
       </p:sp>
       <p:sp>
@@ -1011,7 +1401,7 @@
             <a:fld id="{A82FCF1A-DE1D-4A03-B432-41B70649DC02}" type="slidenum">
               <a:rPr lang="zh-CN" altLang="en-US" smtClean="0"/>
               <a:pPr/>
-              <a:t>13</a:t>
+              <a:t>14</a:t>
             </a:fld>
             <a:endParaRPr lang="zh-CN" altLang="en-US"/>
           </a:p>
@@ -1124,7 +1514,7 @@
     </p:spTree>
     <p:extLst>
       <p:ext uri="{BB962C8B-B14F-4D97-AF65-F5344CB8AC3E}">
-        <p14:creationId xmlns:p14="http://schemas.microsoft.com/office/powerpoint/2010/main" xmlns="" val="1012520732"/>
+        <p14:creationId xmlns="" xmlns:p14="http://schemas.microsoft.com/office/powerpoint/2010/main" val="1012520732"/>
       </p:ext>
     </p:extLst>
   </p:cSld>
@@ -1186,7 +1576,7 @@
           <a:lstStyle/>
           <a:p>
             <a:r>
-              <a:rPr lang="zh-CN" altLang="en-US" sz="1200" b="0" i="0" kern="1200" dirty="0" smtClean="0">
+              <a:rPr lang="en-US" altLang="zh-CN" sz="1200" b="0" i="0" kern="1200" dirty="0" smtClean="0">
                 <a:solidFill>
                   <a:schemeClr val="tx1"/>
                 </a:solidFill>
@@ -1194,7 +1584,73 @@
                 <a:ea typeface="+mn-ea"/>
                 <a:cs typeface="+mn-cs"/>
               </a:rPr>
-              <a:t>人人生而自由，但无往而不在牢笼之中。自由是相对的，想要获得所谓的自由，最重要的还是内心的平静，今天的主题是“财务自由”，并不是贩卖焦虑，也不是传销推销</a:t>
+              <a:t>1</a:t>
+            </a:r>
+            <a:r>
+              <a:rPr lang="zh-CN" altLang="en-US" sz="1200" b="0" i="0" kern="1200" dirty="0" smtClean="0">
+                <a:solidFill>
+                  <a:schemeClr val="tx1"/>
+                </a:solidFill>
+                <a:latin typeface="+mn-lt"/>
+                <a:ea typeface="+mn-ea"/>
+                <a:cs typeface="+mn-cs"/>
+              </a:rPr>
+              <a:t>、人</a:t>
+            </a:r>
+            <a:r>
+              <a:rPr lang="zh-CN" altLang="en-US" sz="1200" b="0" i="0" kern="1200" dirty="0" smtClean="0">
+                <a:solidFill>
+                  <a:schemeClr val="tx1"/>
+                </a:solidFill>
+                <a:latin typeface="+mn-lt"/>
+                <a:ea typeface="+mn-ea"/>
+                <a:cs typeface="+mn-cs"/>
+              </a:rPr>
+              <a:t>人生而自由，但无往而不在牢笼之中。自由是相对的</a:t>
+            </a:r>
+            <a:r>
+              <a:rPr lang="zh-CN" altLang="en-US" sz="1200" b="0" i="0" kern="1200" dirty="0" smtClean="0">
+                <a:solidFill>
+                  <a:schemeClr val="tx1"/>
+                </a:solidFill>
+                <a:latin typeface="+mn-lt"/>
+                <a:ea typeface="+mn-ea"/>
+                <a:cs typeface="+mn-cs"/>
+              </a:rPr>
+              <a:t>，今天</a:t>
+            </a:r>
+            <a:r>
+              <a:rPr lang="zh-CN" altLang="en-US" sz="1200" b="0" i="0" kern="1200" dirty="0" smtClean="0">
+                <a:solidFill>
+                  <a:schemeClr val="tx1"/>
+                </a:solidFill>
+                <a:latin typeface="+mn-lt"/>
+                <a:ea typeface="+mn-ea"/>
+                <a:cs typeface="+mn-cs"/>
+              </a:rPr>
+              <a:t>的主题是“财务自由”</a:t>
+            </a:r>
+            <a:r>
+              <a:rPr lang="zh-CN" altLang="en-US" sz="1200" b="0" i="0" kern="1200" dirty="0" smtClean="0">
+                <a:solidFill>
+                  <a:schemeClr val="tx1"/>
+                </a:solidFill>
+                <a:latin typeface="+mn-lt"/>
+                <a:ea typeface="+mn-ea"/>
+                <a:cs typeface="+mn-cs"/>
+              </a:rPr>
+              <a:t>，不是</a:t>
+            </a:r>
+            <a:r>
+              <a:rPr lang="zh-CN" altLang="en-US" sz="1200" b="0" i="0" kern="1200" dirty="0" smtClean="0">
+                <a:solidFill>
+                  <a:schemeClr val="tx1"/>
+                </a:solidFill>
+                <a:latin typeface="+mn-lt"/>
+                <a:ea typeface="+mn-ea"/>
+                <a:cs typeface="+mn-cs"/>
+              </a:rPr>
+              <a:t>贩卖焦虑，也不是传销推销</a:t>
             </a:r>
             <a:r>
               <a:rPr lang="en-US" altLang="zh-CN" sz="1200" b="0" i="0" kern="1200" dirty="0" smtClean="0">
@@ -1207,8 +1663,6 @@
               </a:rPr>
               <a:t>……</a:t>
             </a:r>
-          </a:p>
-          <a:p>
             <a:r>
               <a:rPr lang="zh-CN" altLang="en-US" sz="1200" b="0" i="0" kern="1200" dirty="0" smtClean="0">
                 <a:solidFill>
@@ -1218,7 +1672,82 @@
                 <a:ea typeface="+mn-ea"/>
                 <a:cs typeface="+mn-cs"/>
               </a:rPr>
-              <a:t>一个人要拥有几百亿身价的可能性非常低，但达至财务自由还是可能的，所以，我提出的观点是：我们可以实现财务自由</a:t>
+              <a:t>我们聊聊人生。</a:t>
+            </a:r>
+            <a:endParaRPr lang="en-US" altLang="zh-CN" sz="1200" b="0" i="0" kern="1200" dirty="0" smtClean="0">
+              <a:solidFill>
+                <a:schemeClr val="tx1"/>
+              </a:solidFill>
+              <a:latin typeface="+mn-lt"/>
+              <a:ea typeface="+mn-ea"/>
+              <a:cs typeface="+mn-cs"/>
+            </a:endParaRPr>
+          </a:p>
+          <a:p>
+            <a:r>
+              <a:rPr lang="zh-CN" altLang="en-US" sz="1200" b="0" i="0" kern="1200" dirty="0" smtClean="0">
+                <a:solidFill>
+                  <a:schemeClr val="tx1"/>
+                </a:solidFill>
+                <a:latin typeface="+mn-lt"/>
+                <a:ea typeface="+mn-ea"/>
+                <a:cs typeface="+mn-cs"/>
+              </a:rPr>
+              <a:t>我们大部分人，一辈子都是在为钱努力工作中度过。一个人</a:t>
+            </a:r>
+            <a:r>
+              <a:rPr lang="zh-CN" altLang="en-US" sz="1200" b="0" i="0" kern="1200" dirty="0" smtClean="0">
+                <a:solidFill>
+                  <a:schemeClr val="tx1"/>
+                </a:solidFill>
+                <a:latin typeface="+mn-lt"/>
+                <a:ea typeface="+mn-ea"/>
+                <a:cs typeface="+mn-cs"/>
+              </a:rPr>
+              <a:t>要拥有几百亿身价的可能性非常</a:t>
+            </a:r>
+            <a:r>
+              <a:rPr lang="zh-CN" altLang="en-US" sz="1200" b="0" i="0" kern="1200" dirty="0" smtClean="0">
+                <a:solidFill>
+                  <a:schemeClr val="tx1"/>
+                </a:solidFill>
+                <a:latin typeface="+mn-lt"/>
+                <a:ea typeface="+mn-ea"/>
+                <a:cs typeface="+mn-cs"/>
+              </a:rPr>
+              <a:t>低。</a:t>
+            </a:r>
+            <a:endParaRPr lang="en-US" altLang="zh-CN" sz="1200" b="0" i="0" kern="1200" dirty="0" smtClean="0">
+              <a:solidFill>
+                <a:schemeClr val="tx1"/>
+              </a:solidFill>
+              <a:latin typeface="+mn-lt"/>
+              <a:ea typeface="+mn-ea"/>
+              <a:cs typeface="+mn-cs"/>
+            </a:endParaRPr>
+          </a:p>
+          <a:p>
+            <a:r>
+              <a:rPr lang="en-US" altLang="zh-CN" sz="1200" b="0" i="0" kern="1200" dirty="0" smtClean="0">
+                <a:solidFill>
+                  <a:schemeClr val="tx1"/>
+                </a:solidFill>
+                <a:latin typeface="+mn-lt"/>
+                <a:ea typeface="+mn-ea"/>
+                <a:cs typeface="+mn-cs"/>
+              </a:rPr>
+              <a:t>2</a:t>
+            </a:r>
+            <a:r>
+              <a:rPr lang="zh-CN" altLang="en-US" sz="1200" b="0" i="0" kern="1200" dirty="0" smtClean="0">
+                <a:solidFill>
+                  <a:schemeClr val="tx1"/>
+                </a:solidFill>
+                <a:latin typeface="+mn-lt"/>
+                <a:ea typeface="+mn-ea"/>
+                <a:cs typeface="+mn-cs"/>
+              </a:rPr>
+              <a:t>、财富的多少是否衡量一个人的成功和幸福？</a:t>
             </a:r>
             <a:endParaRPr lang="zh-CN" altLang="en-US" dirty="0" smtClean="0"/>
           </a:p>
@@ -1316,18 +1845,7 @@
                 <a:ea typeface="+mn-ea"/>
                 <a:cs typeface="+mn-cs"/>
               </a:rPr>
-              <a:t>概括</a:t>
-            </a:r>
-            <a:r>
-              <a:rPr lang="zh-CN" altLang="en-US" sz="1200" b="0" i="0" kern="1200" dirty="0" smtClean="0">
-                <a:solidFill>
-                  <a:schemeClr val="tx1"/>
-                </a:solidFill>
-                <a:latin typeface="+mn-lt"/>
-                <a:ea typeface="+mn-ea"/>
-                <a:cs typeface="+mn-cs"/>
-              </a:rPr>
-              <a:t>有几条：</a:t>
+              <a:t>概括有几条：</a:t>
             </a:r>
             <a:r>
               <a:rPr lang="en-US" altLang="zh-CN" sz="1200" b="0" i="0" kern="1200" dirty="0" smtClean="0">
@@ -1393,18 +1911,7 @@
                 <a:ea typeface="+mn-ea"/>
                 <a:cs typeface="+mn-cs"/>
               </a:rPr>
-              <a:t>、保有一定量的净资产</a:t>
-            </a:r>
-            <a:r>
-              <a:rPr lang="zh-CN" altLang="en-US" sz="1200" b="0" i="0" kern="1200" dirty="0" smtClean="0">
-                <a:solidFill>
-                  <a:schemeClr val="tx1"/>
-                </a:solidFill>
-                <a:latin typeface="+mn-lt"/>
-                <a:ea typeface="+mn-ea"/>
-                <a:cs typeface="+mn-cs"/>
-              </a:rPr>
-              <a:t>；</a:t>
+              <a:t>、保有一定量的净资产；</a:t>
             </a:r>
             <a:r>
               <a:rPr lang="en-US" altLang="zh-CN" sz="1200" b="0" i="0" kern="1200" dirty="0" smtClean="0">
@@ -1426,18 +1933,7 @@
                 <a:ea typeface="+mn-ea"/>
                 <a:cs typeface="+mn-cs"/>
               </a:rPr>
-              <a:t>、保有一个平常和自由的心，过上自己真实想要的生活，这里的真实指符合实际的内心期待的</a:t>
-            </a:r>
-            <a:r>
-              <a:rPr lang="zh-CN" altLang="en-US" sz="1200" b="0" i="0" kern="1200" dirty="0" smtClean="0">
-                <a:solidFill>
-                  <a:schemeClr val="tx1"/>
-                </a:solidFill>
-                <a:latin typeface="+mn-lt"/>
-                <a:ea typeface="+mn-ea"/>
-                <a:cs typeface="+mn-cs"/>
-              </a:rPr>
-              <a:t>；</a:t>
+              <a:t>、保有一个平常和自由的心，过上自己真实想要的生活，这里的真实指符合实际的内心期待的；</a:t>
             </a:r>
             <a:endParaRPr lang="en-US" altLang="zh-CN" sz="1200" b="0" i="0" kern="1200" dirty="0" smtClean="0">
               <a:solidFill>
@@ -1575,19 +2071,7 @@
             </a:r>
             <a:r>
               <a:rPr lang="zh-CN" altLang="en-US" dirty="0" smtClean="0"/>
-              <a:t>、人是需要意外支出的</a:t>
-            </a:r>
-            <a:r>
-              <a:rPr lang="zh-CN" altLang="en-US" dirty="0" smtClean="0"/>
-              <a:t>，生病、交际</a:t>
-            </a:r>
-            <a:r>
-              <a:rPr lang="zh-CN" altLang="en-US" dirty="0" smtClean="0"/>
-              <a:t>应酬</a:t>
-            </a:r>
-            <a:r>
-              <a:rPr lang="zh-CN" altLang="en-US" dirty="0" smtClean="0"/>
-              <a:t>、送礼</a:t>
+              <a:t>、人是需要意外支出的，生病、交际应酬、送礼</a:t>
             </a:r>
             <a:endParaRPr lang="en-US" altLang="zh-CN" dirty="0" smtClean="0"/>
           </a:p>
@@ -1939,18 +2423,7 @@
                 <a:ea typeface="+mn-ea"/>
                 <a:cs typeface="+mn-cs"/>
               </a:rPr>
-              <a:t>那时候非常流行“逃离北上广”的说法</a:t>
-            </a:r>
-            <a:r>
-              <a:rPr lang="zh-CN" altLang="en-US" sz="1200" b="0" i="0" kern="1200" dirty="0" smtClean="0">
-                <a:solidFill>
-                  <a:schemeClr val="tx1"/>
-                </a:solidFill>
-                <a:latin typeface="+mn-lt"/>
-                <a:ea typeface="+mn-ea"/>
-                <a:cs typeface="+mn-cs"/>
-              </a:rPr>
-              <a:t>，但也有不少人坚持下去，这个是值得我们思考的问题啊。一线大城市带给我们是什么？</a:t>
+              <a:t>那时候非常流行“逃离北上广”的说法，但也有不少人坚持下去，这个是值得我们思考的问题啊。一线大城市带给我们是什么？</a:t>
             </a:r>
             <a:endParaRPr lang="en-US" altLang="zh-CN" sz="1200" b="0" i="0" kern="1200" dirty="0" smtClean="0">
               <a:solidFill>
@@ -2083,18 +2556,7 @@
                 <a:ea typeface="+mn-ea"/>
                 <a:cs typeface="+mn-cs"/>
               </a:rPr>
-              <a:t>品质和自由同等重要，做到适度就好</a:t>
-            </a:r>
-            <a:r>
-              <a:rPr lang="zh-CN" altLang="en-US" sz="1200" b="0" i="0" kern="1200" dirty="0" smtClean="0">
-                <a:solidFill>
-                  <a:schemeClr val="tx1"/>
-                </a:solidFill>
-                <a:latin typeface="+mn-lt"/>
-                <a:ea typeface="+mn-ea"/>
-                <a:cs typeface="+mn-cs"/>
-              </a:rPr>
-              <a:t>。</a:t>
+              <a:t>品质和自由同等重要，做到适度就好。</a:t>
             </a:r>
             <a:endParaRPr lang="en-US" altLang="zh-CN" sz="1200" b="0" i="0" kern="1200" dirty="0" smtClean="0">
               <a:solidFill>
@@ -2191,7 +2653,62 @@
             </a:r>
             <a:r>
               <a:rPr lang="zh-CN" altLang="en-US" dirty="0" smtClean="0"/>
-              <a:t>、你幸福吗？ 你的理想是什么？上小学一年级的时候，你的理想估计还是医生和军人、老师。你现在可能更多的是希望可以赚得多一点，让身边的人过得容易一点。</a:t>
+              <a:t>、</a:t>
+            </a:r>
+            <a:r>
+              <a:rPr lang="zh-CN" altLang="en-US" sz="1200" b="0" i="0" kern="1200" dirty="0" smtClean="0">
+                <a:solidFill>
+                  <a:schemeClr val="tx1"/>
+                </a:solidFill>
+                <a:latin typeface="+mn-lt"/>
+                <a:ea typeface="+mn-ea"/>
+                <a:cs typeface="+mn-cs"/>
+              </a:rPr>
+              <a:t>所谓自由，就是一个人可以按自己的意愿去生活，自己给自己作主。自由有多么可贵呢？匈牙利著名诗人裴多菲的</a:t>
+            </a:r>
+            <a:r>
+              <a:rPr lang="en-US" altLang="zh-CN" sz="1200" b="0" i="0" kern="1200" dirty="0" smtClean="0">
+                <a:solidFill>
+                  <a:schemeClr val="tx1"/>
+                </a:solidFill>
+                <a:latin typeface="+mn-lt"/>
+                <a:ea typeface="+mn-ea"/>
+                <a:cs typeface="+mn-cs"/>
+              </a:rPr>
+              <a:t>《</a:t>
+            </a:r>
+            <a:r>
+              <a:rPr lang="zh-CN" altLang="en-US" sz="1200" b="0" i="0" kern="1200" dirty="0" smtClean="0">
+                <a:solidFill>
+                  <a:schemeClr val="tx1"/>
+                </a:solidFill>
+                <a:latin typeface="+mn-lt"/>
+                <a:ea typeface="+mn-ea"/>
+                <a:cs typeface="+mn-cs"/>
+              </a:rPr>
+              <a:t>自由与爱情</a:t>
+            </a:r>
+            <a:r>
+              <a:rPr lang="en-US" altLang="zh-CN" sz="1200" b="0" i="0" kern="1200" dirty="0" smtClean="0">
+                <a:solidFill>
+                  <a:schemeClr val="tx1"/>
+                </a:solidFill>
+                <a:latin typeface="+mn-lt"/>
+                <a:ea typeface="+mn-ea"/>
+                <a:cs typeface="+mn-cs"/>
+              </a:rPr>
+              <a:t>》</a:t>
+            </a:r>
+            <a:r>
+              <a:rPr lang="zh-CN" altLang="en-US" sz="1200" b="0" i="0" kern="1200" dirty="0" smtClean="0">
+                <a:solidFill>
+                  <a:schemeClr val="tx1"/>
+                </a:solidFill>
+                <a:latin typeface="+mn-lt"/>
+                <a:ea typeface="+mn-ea"/>
+                <a:cs typeface="+mn-cs"/>
+              </a:rPr>
+              <a:t>一诗，给出了最好的答案：生命诚可贵，爱情价更高。若为自由故，二者皆可抛。</a:t>
             </a:r>
             <a:endParaRPr lang="en-US" altLang="zh-CN" dirty="0" smtClean="0"/>
           </a:p>
@@ -2396,7 +2913,7 @@
           <p:cNvPr id="2" name="矩形 1">
             <a:extLst>
               <a:ext uri="{FF2B5EF4-FFF2-40B4-BE49-F238E27FC236}">
-                <a16:creationId xmlns:a16="http://schemas.microsoft.com/office/drawing/2014/main" xmlns="" id="{FE720040-6A73-4D7E-88A3-11A25FE289F6}"/>
+                <a16:creationId xmlns="" xmlns:a16="http://schemas.microsoft.com/office/drawing/2014/main" id="{FE720040-6A73-4D7E-88A3-11A25FE289F6}"/>
               </a:ext>
             </a:extLst>
           </p:cNvPr>
@@ -2447,7 +2964,7 @@
     </p:spTree>
     <p:extLst>
       <p:ext uri="{BB962C8B-B14F-4D97-AF65-F5344CB8AC3E}">
-        <p14:creationId xmlns:p14="http://schemas.microsoft.com/office/powerpoint/2010/main" xmlns="" val="2957361615"/>
+        <p14:creationId xmlns="" xmlns:p14="http://schemas.microsoft.com/office/powerpoint/2010/main" val="2957361615"/>
       </p:ext>
     </p:extLst>
   </p:cSld>
@@ -2479,7 +2996,7 @@
           <p:cNvPr id="4" name="矩形 3">
             <a:extLst>
               <a:ext uri="{FF2B5EF4-FFF2-40B4-BE49-F238E27FC236}">
-                <a16:creationId xmlns:a16="http://schemas.microsoft.com/office/drawing/2014/main" xmlns="" id="{727F4D38-7936-420D-BB2A-2AB2DA277905}"/>
+                <a16:creationId xmlns="" xmlns:a16="http://schemas.microsoft.com/office/drawing/2014/main" id="{727F4D38-7936-420D-BB2A-2AB2DA277905}"/>
               </a:ext>
             </a:extLst>
           </p:cNvPr>
@@ -2532,7 +3049,7 @@
           <p:cNvPr id="10" name="矩形 9">
             <a:extLst>
               <a:ext uri="{FF2B5EF4-FFF2-40B4-BE49-F238E27FC236}">
-                <a16:creationId xmlns:a16="http://schemas.microsoft.com/office/drawing/2014/main" xmlns="" id="{BF2368AD-72E6-411D-8E44-8798DE8DE854}"/>
+                <a16:creationId xmlns="" xmlns:a16="http://schemas.microsoft.com/office/drawing/2014/main" id="{BF2368AD-72E6-411D-8E44-8798DE8DE854}"/>
               </a:ext>
             </a:extLst>
           </p:cNvPr>
@@ -2581,7 +3098,7 @@
           <p:cNvPr id="11" name="组合 10">
             <a:extLst>
               <a:ext uri="{FF2B5EF4-FFF2-40B4-BE49-F238E27FC236}">
-                <a16:creationId xmlns:a16="http://schemas.microsoft.com/office/drawing/2014/main" xmlns="" id="{A7555473-BEC3-4523-99BC-DDEFB4A6AE0E}"/>
+                <a16:creationId xmlns="" xmlns:a16="http://schemas.microsoft.com/office/drawing/2014/main" id="{A7555473-BEC3-4523-99BC-DDEFB4A6AE0E}"/>
               </a:ext>
             </a:extLst>
           </p:cNvPr>
@@ -2601,7 +3118,7 @@
             <p:cNvPr id="12" name="图片 11">
               <a:extLst>
                 <a:ext uri="{FF2B5EF4-FFF2-40B4-BE49-F238E27FC236}">
-                  <a16:creationId xmlns:a16="http://schemas.microsoft.com/office/drawing/2014/main" xmlns="" id="{8D41D6E8-4E63-404B-BE01-AFDAC7B49A50}"/>
+                  <a16:creationId xmlns="" xmlns:a16="http://schemas.microsoft.com/office/drawing/2014/main" id="{8D41D6E8-4E63-404B-BE01-AFDAC7B49A50}"/>
                 </a:ext>
               </a:extLst>
             </p:cNvPr>
@@ -2614,7 +3131,7 @@
             <a:blip r:embed="rId2" cstate="print">
               <a:extLst>
                 <a:ext uri="{28A0092B-C50C-407E-A947-70E740481C1C}">
-                  <a14:useLocalDpi xmlns:a14="http://schemas.microsoft.com/office/drawing/2010/main" xmlns="" val="0"/>
+                  <a14:useLocalDpi xmlns="" xmlns:a14="http://schemas.microsoft.com/office/drawing/2010/main" val="0"/>
                 </a:ext>
               </a:extLst>
             </a:blip>
@@ -2637,7 +3154,7 @@
             <p:cNvPr id="15" name="Freeform 197" descr="e7d195523061f1c03a90ee8e42cb24248e56383cd534985688F9F494128731F165EE95AB4B0C0A38076AAEA07667B1565C446FC45FF01DFB0E885BCDBDF3A284F3DB14DA61DD97F0BAB2E6C668FB4931659DCAC52277681B35A97A58EB1CDE1A30E511E1F70EEB23193653529328E29B82636547E25AC41088D20F0A52114429D13EF1D12E4FBA26373564D4CAB325C9">
               <a:extLst>
                 <a:ext uri="{FF2B5EF4-FFF2-40B4-BE49-F238E27FC236}">
-                  <a16:creationId xmlns:a16="http://schemas.microsoft.com/office/drawing/2014/main" xmlns="" id="{693A3A7E-8A6F-43C4-8924-BE4267DA1AFA}"/>
+                  <a16:creationId xmlns="" xmlns:a16="http://schemas.microsoft.com/office/drawing/2014/main" id="{693A3A7E-8A6F-43C4-8924-BE4267DA1AFA}"/>
                 </a:ext>
               </a:extLst>
             </p:cNvPr>
@@ -3145,7 +3662,7 @@
           <p:cNvPr id="16" name="文本框 17" descr="e7d195523061f1c03a90ee8e42cb24248e56383cd534985688F9F494128731F165EE95AB4B0C0A38076AAEA07667B1565C446FC45FF01DFB0E885BCDBDF3A284F3DB14DA61DD97F0BAB2E6C668FB4931659DCAC52277681B35A97A58EB1CDE1A30E511E1F70EEB23193653529328E29B82636547E25AC41088D20F0A52114429D13EF1D12E4FBA26373564D4CAB325C9">
             <a:extLst>
               <a:ext uri="{FF2B5EF4-FFF2-40B4-BE49-F238E27FC236}">
-                <a16:creationId xmlns:a16="http://schemas.microsoft.com/office/drawing/2014/main" xmlns="" id="{DC8306CE-23BC-43E0-B271-F7BDFAD2BE97}"/>
+                <a16:creationId xmlns="" xmlns:a16="http://schemas.microsoft.com/office/drawing/2014/main" id="{DC8306CE-23BC-43E0-B271-F7BDFAD2BE97}"/>
               </a:ext>
             </a:extLst>
           </p:cNvPr>
@@ -3351,7 +3868,7 @@
     </p:spTree>
     <p:extLst>
       <p:ext uri="{BB962C8B-B14F-4D97-AF65-F5344CB8AC3E}">
-        <p14:creationId xmlns:p14="http://schemas.microsoft.com/office/powerpoint/2010/main" xmlns="" val="1252666115"/>
+        <p14:creationId xmlns="" xmlns:p14="http://schemas.microsoft.com/office/powerpoint/2010/main" val="1252666115"/>
       </p:ext>
     </p:extLst>
   </p:cSld>
@@ -3383,7 +3900,7 @@
           <p:cNvPr id="12" name="矩形 11">
             <a:extLst>
               <a:ext uri="{FF2B5EF4-FFF2-40B4-BE49-F238E27FC236}">
-                <a16:creationId xmlns:a16="http://schemas.microsoft.com/office/drawing/2014/main" xmlns="" id="{A2934E02-885F-4DE5-A8CD-A0B755BCF10C}"/>
+                <a16:creationId xmlns="" xmlns:a16="http://schemas.microsoft.com/office/drawing/2014/main" id="{A2934E02-885F-4DE5-A8CD-A0B755BCF10C}"/>
               </a:ext>
             </a:extLst>
           </p:cNvPr>
@@ -3436,7 +3953,7 @@
           <p:cNvPr id="3" name="组合 2">
             <a:extLst>
               <a:ext uri="{FF2B5EF4-FFF2-40B4-BE49-F238E27FC236}">
-                <a16:creationId xmlns:a16="http://schemas.microsoft.com/office/drawing/2014/main" xmlns="" id="{35C4FA5F-A368-4CE1-B551-429560142B43}"/>
+                <a16:creationId xmlns="" xmlns:a16="http://schemas.microsoft.com/office/drawing/2014/main" id="{35C4FA5F-A368-4CE1-B551-429560142B43}"/>
               </a:ext>
             </a:extLst>
           </p:cNvPr>
@@ -3456,7 +3973,7 @@
             <p:cNvPr id="4" name="文本框 17" descr="e7d195523061f1c03a90ee8e42cb24248e56383cd534985688F9F494128731F165EE95AB4B0C0A38076AAEA07667B1565C446FC45FF01DFB0E885BCDBDF3A284F3DB14DA61DD97F0BAB2E6C668FB4931659DCAC52277681B35A97A58EB1CDE1A30E511E1F70EEB23193653529328E29B82636547E25AC41088D20F0A52114429D13EF1D12E4FBA26373564D4CAB325C9">
               <a:extLst>
                 <a:ext uri="{FF2B5EF4-FFF2-40B4-BE49-F238E27FC236}">
-                  <a16:creationId xmlns:a16="http://schemas.microsoft.com/office/drawing/2014/main" xmlns="" id="{D9028075-8FE7-4A48-8137-1C92E6CFA414}"/>
+                  <a16:creationId xmlns="" xmlns:a16="http://schemas.microsoft.com/office/drawing/2014/main" id="{D9028075-8FE7-4A48-8137-1C92E6CFA414}"/>
                 </a:ext>
               </a:extLst>
             </p:cNvPr>
@@ -3664,7 +4181,7 @@
             <p:cNvPr id="5" name="Freeform 197" descr="e7d195523061f1c03a90ee8e42cb24248e56383cd534985688F9F494128731F165EE95AB4B0C0A38076AAEA07667B1565C446FC45FF01DFB0E885BCDBDF3A284F3DB14DA61DD97F0BAB2E6C668FB4931659DCAC52277681B35A97A58EB1CDE1A30E511E1F70EEB23193653529328E29B82636547E25AC41088D20F0A52114429D13EF1D12E4FBA26373564D4CAB325C9">
               <a:extLst>
                 <a:ext uri="{FF2B5EF4-FFF2-40B4-BE49-F238E27FC236}">
-                  <a16:creationId xmlns:a16="http://schemas.microsoft.com/office/drawing/2014/main" xmlns="" id="{F0EFBFDE-6013-42FF-91E7-778DBD6B7790}"/>
+                  <a16:creationId xmlns="" xmlns:a16="http://schemas.microsoft.com/office/drawing/2014/main" id="{F0EFBFDE-6013-42FF-91E7-778DBD6B7790}"/>
                 </a:ext>
               </a:extLst>
             </p:cNvPr>
@@ -4170,7 +4687,7 @@
             <p:cNvPr id="6" name="图片 5">
               <a:extLst>
                 <a:ext uri="{FF2B5EF4-FFF2-40B4-BE49-F238E27FC236}">
-                  <a16:creationId xmlns:a16="http://schemas.microsoft.com/office/drawing/2014/main" xmlns="" id="{F41DDECF-8C72-49B8-A170-462E1808EE82}"/>
+                  <a16:creationId xmlns="" xmlns:a16="http://schemas.microsoft.com/office/drawing/2014/main" id="{F41DDECF-8C72-49B8-A170-462E1808EE82}"/>
                 </a:ext>
               </a:extLst>
             </p:cNvPr>
@@ -4183,7 +4700,7 @@
             <a:blip r:embed="rId2" cstate="screen">
               <a:extLst>
                 <a:ext uri="{28A0092B-C50C-407E-A947-70E740481C1C}">
-                  <a14:useLocalDpi xmlns:a14="http://schemas.microsoft.com/office/drawing/2010/main" xmlns=""/>
+                  <a14:useLocalDpi xmlns="" xmlns:a14="http://schemas.microsoft.com/office/drawing/2010/main"/>
                 </a:ext>
               </a:extLst>
             </a:blip>
@@ -4205,7 +4722,7 @@
     </p:spTree>
     <p:extLst>
       <p:ext uri="{BB962C8B-B14F-4D97-AF65-F5344CB8AC3E}">
-        <p14:creationId xmlns:p14="http://schemas.microsoft.com/office/powerpoint/2010/main" xmlns="" val="681434284"/>
+        <p14:creationId xmlns="" xmlns:p14="http://schemas.microsoft.com/office/powerpoint/2010/main" val="681434284"/>
       </p:ext>
     </p:extLst>
   </p:cSld>
@@ -4345,7 +4862,7 @@
             <a:fld id="{B1319713-D4D7-42AA-83A4-99C7908F9AC2}" type="datetimeFigureOut">
               <a:rPr lang="zh-CN" altLang="en-US" smtClean="0"/>
               <a:pPr/>
-              <a:t>2019/4/23</a:t>
+              <a:t>2019/4/24</a:t>
             </a:fld>
             <a:endParaRPr lang="zh-CN" altLang="en-US" dirty="0"/>
           </a:p>
@@ -4397,7 +4914,7 @@
     </p:spTree>
     <p:extLst>
       <p:ext uri="{BB962C8B-B14F-4D97-AF65-F5344CB8AC3E}">
-        <p14:creationId xmlns:p14="http://schemas.microsoft.com/office/powerpoint/2010/main" xmlns="" val="913174607"/>
+        <p14:creationId xmlns="" xmlns:p14="http://schemas.microsoft.com/office/powerpoint/2010/main" val="913174607"/>
       </p:ext>
     </p:extLst>
   </p:cSld>
@@ -4441,7 +4958,7 @@
     </p:spTree>
     <p:extLst>
       <p:ext uri="{BB962C8B-B14F-4D97-AF65-F5344CB8AC3E}">
-        <p14:creationId xmlns:p14="http://schemas.microsoft.com/office/powerpoint/2010/main" xmlns="" val="3673115167"/>
+        <p14:creationId xmlns="" xmlns:p14="http://schemas.microsoft.com/office/powerpoint/2010/main" val="3673115167"/>
       </p:ext>
     </p:extLst>
   </p:cSld>
@@ -4757,7 +5274,7 @@
           <p:cNvPr id="5" name="图片 4" descr="图片包含 户外, 天空, 建筑物, 时钟&#10;&#10;已生成极高可信度的说明">
             <a:extLst>
               <a:ext uri="{FF2B5EF4-FFF2-40B4-BE49-F238E27FC236}">
-                <a16:creationId xmlns:a16="http://schemas.microsoft.com/office/drawing/2014/main" xmlns="" id="{E742670A-5F99-4FC0-B09D-715419AF7596}"/>
+                <a16:creationId xmlns="" xmlns:a16="http://schemas.microsoft.com/office/drawing/2014/main" id="{E742670A-5F99-4FC0-B09D-715419AF7596}"/>
               </a:ext>
             </a:extLst>
           </p:cNvPr>
@@ -4770,7 +5287,7 @@
           <a:blip r:embed="rId3" cstate="screen">
             <a:extLst>
               <a:ext uri="{28A0092B-C50C-407E-A947-70E740481C1C}">
-                <a14:useLocalDpi xmlns:a14="http://schemas.microsoft.com/office/drawing/2010/main" xmlns="" val="0"/>
+                <a14:useLocalDpi xmlns="" xmlns:a14="http://schemas.microsoft.com/office/drawing/2010/main" val="0"/>
               </a:ext>
             </a:extLst>
           </a:blip>
@@ -4792,7 +5309,7 @@
           <p:cNvPr id="22" name="任意多边形: 形状 21">
             <a:extLst>
               <a:ext uri="{FF2B5EF4-FFF2-40B4-BE49-F238E27FC236}">
-                <a16:creationId xmlns:a16="http://schemas.microsoft.com/office/drawing/2014/main" xmlns="" id="{8B512DC7-300D-4210-A41E-42FB36991E9E}"/>
+                <a16:creationId xmlns="" xmlns:a16="http://schemas.microsoft.com/office/drawing/2014/main" id="{8B512DC7-300D-4210-A41E-42FB36991E9E}"/>
               </a:ext>
             </a:extLst>
           </p:cNvPr>
@@ -4897,7 +5414,7 @@
           <p:cNvPr id="15" name="文本框 14">
             <a:extLst>
               <a:ext uri="{FF2B5EF4-FFF2-40B4-BE49-F238E27FC236}">
-                <a16:creationId xmlns:a16="http://schemas.microsoft.com/office/drawing/2014/main" xmlns="" id="{CF7CF6A1-F42F-4345-8E65-512E3468ABDA}"/>
+                <a16:creationId xmlns="" xmlns:a16="http://schemas.microsoft.com/office/drawing/2014/main" id="{CF7CF6A1-F42F-4345-8E65-512E3468ABDA}"/>
               </a:ext>
             </a:extLst>
           </p:cNvPr>
@@ -4945,7 +5462,7 @@
           <p:cNvPr id="16" name="文本框 15">
             <a:extLst>
               <a:ext uri="{FF2B5EF4-FFF2-40B4-BE49-F238E27FC236}">
-                <a16:creationId xmlns:a16="http://schemas.microsoft.com/office/drawing/2014/main" xmlns="" id="{E3C4B4E8-ECCF-4E52-9071-7F4A94909060}"/>
+                <a16:creationId xmlns="" xmlns:a16="http://schemas.microsoft.com/office/drawing/2014/main" id="{E3C4B4E8-ECCF-4E52-9071-7F4A94909060}"/>
               </a:ext>
             </a:extLst>
           </p:cNvPr>
@@ -4986,7 +5503,7 @@
           <p:cNvPr id="17" name="文本框 16">
             <a:extLst>
               <a:ext uri="{FF2B5EF4-FFF2-40B4-BE49-F238E27FC236}">
-                <a16:creationId xmlns:a16="http://schemas.microsoft.com/office/drawing/2014/main" xmlns="" id="{7E55C8BE-7C88-4A39-9A21-F62BEB66A5C6}"/>
+                <a16:creationId xmlns="" xmlns:a16="http://schemas.microsoft.com/office/drawing/2014/main" id="{7E55C8BE-7C88-4A39-9A21-F62BEB66A5C6}"/>
               </a:ext>
             </a:extLst>
           </p:cNvPr>
@@ -5037,7 +5554,7 @@
           <p:cNvPr id="18" name="文本框 17">
             <a:extLst>
               <a:ext uri="{FF2B5EF4-FFF2-40B4-BE49-F238E27FC236}">
-                <a16:creationId xmlns:a16="http://schemas.microsoft.com/office/drawing/2014/main" xmlns="" id="{E686CBDB-D9D1-4811-9A5B-F924146BFAE3}"/>
+                <a16:creationId xmlns="" xmlns:a16="http://schemas.microsoft.com/office/drawing/2014/main" id="{E686CBDB-D9D1-4811-9A5B-F924146BFAE3}"/>
               </a:ext>
             </a:extLst>
           </p:cNvPr>
@@ -5104,7 +5621,7 @@
           <p:cNvPr id="23" name="任意多边形: 形状 22">
             <a:extLst>
               <a:ext uri="{FF2B5EF4-FFF2-40B4-BE49-F238E27FC236}">
-                <a16:creationId xmlns:a16="http://schemas.microsoft.com/office/drawing/2014/main" xmlns="" id="{2AB7E925-98D4-4048-93D2-B55FDA2BA567}"/>
+                <a16:creationId xmlns="" xmlns:a16="http://schemas.microsoft.com/office/drawing/2014/main" id="{2AB7E925-98D4-4048-93D2-B55FDA2BA567}"/>
               </a:ext>
             </a:extLst>
           </p:cNvPr>
@@ -5197,7 +5714,7 @@
     </p:spTree>
     <p:extLst>
       <p:ext uri="{BB962C8B-B14F-4D97-AF65-F5344CB8AC3E}">
-        <p14:creationId xmlns:p14="http://schemas.microsoft.com/office/powerpoint/2010/main" xmlns="" val="2097106355"/>
+        <p14:creationId xmlns="" xmlns:p14="http://schemas.microsoft.com/office/powerpoint/2010/main" val="2097106355"/>
       </p:ext>
     </p:extLst>
   </p:cSld>
@@ -5229,7 +5746,7 @@
           <p:cNvPr id="2" name="组合 1">
             <a:extLst>
               <a:ext uri="{FF2B5EF4-FFF2-40B4-BE49-F238E27FC236}">
-                <a16:creationId xmlns:a16="http://schemas.microsoft.com/office/drawing/2014/main" xmlns="" id="{E50DEB0B-1C12-44D1-AAA1-F4E0A4F19E17}"/>
+                <a16:creationId xmlns="" xmlns:a16="http://schemas.microsoft.com/office/drawing/2014/main" id="{E50DEB0B-1C12-44D1-AAA1-F4E0A4F19E17}"/>
               </a:ext>
             </a:extLst>
           </p:cNvPr>
@@ -5249,7 +5766,7 @@
             <p:cNvPr id="7" name="矩形 6">
               <a:extLst>
                 <a:ext uri="{FF2B5EF4-FFF2-40B4-BE49-F238E27FC236}">
-                  <a16:creationId xmlns:a16="http://schemas.microsoft.com/office/drawing/2014/main" xmlns="" id="{D5213AAE-A69E-40F7-931A-4EAD7707F511}"/>
+                  <a16:creationId xmlns="" xmlns:a16="http://schemas.microsoft.com/office/drawing/2014/main" id="{D5213AAE-A69E-40F7-931A-4EAD7707F511}"/>
                 </a:ext>
               </a:extLst>
             </p:cNvPr>
@@ -5298,7 +5815,7 @@
             <p:cNvPr id="8" name="矩形 7">
               <a:extLst>
                 <a:ext uri="{FF2B5EF4-FFF2-40B4-BE49-F238E27FC236}">
-                  <a16:creationId xmlns:a16="http://schemas.microsoft.com/office/drawing/2014/main" xmlns="" id="{F74F58D4-5D9A-43AA-A842-4414D43E7D86}"/>
+                  <a16:creationId xmlns="" xmlns:a16="http://schemas.microsoft.com/office/drawing/2014/main" id="{F74F58D4-5D9A-43AA-A842-4414D43E7D86}"/>
                 </a:ext>
               </a:extLst>
             </p:cNvPr>
@@ -5352,7 +5869,7 @@
           <p:cNvPr id="28" name="TextBox 9">
             <a:extLst>
               <a:ext uri="{FF2B5EF4-FFF2-40B4-BE49-F238E27FC236}">
-                <a16:creationId xmlns:a16="http://schemas.microsoft.com/office/drawing/2014/main" xmlns="" id="{F9620907-505E-4433-8CD6-0B35E582F63E}"/>
+                <a16:creationId xmlns="" xmlns:a16="http://schemas.microsoft.com/office/drawing/2014/main" id="{F9620907-505E-4433-8CD6-0B35E582F63E}"/>
               </a:ext>
             </a:extLst>
           </p:cNvPr>
@@ -5562,7 +6079,6 @@
               <a:rPr lang="zh-CN" altLang="en-US" sz="2400" b="1" dirty="0" smtClean="0"/>
               <a:t>让感情回归纯粹，不为钱所累</a:t>
             </a:r>
-            <a:endParaRPr lang="zh-CN" altLang="en-US" sz="2400" b="1" dirty="0" smtClean="0"/>
           </a:p>
         </p:txBody>
       </p:sp>
@@ -5595,23 +6111,7 @@
           <a:p>
             <a:r>
               <a:rPr lang="zh-CN" altLang="en-US" sz="2400" dirty="0" smtClean="0"/>
-              <a:t>一个风和日丽的早上，在美丽</a:t>
-            </a:r>
-            <a:r>
-              <a:rPr lang="zh-CN" altLang="en-US" sz="2400" dirty="0" smtClean="0"/>
-              <a:t>的海滩上，渔夫在懒洋洋晒太阳，旁边的一位正在度假的富翁问：你为什么不趁天气好去捕鱼，赚更多的钱呢？</a:t>
-            </a:r>
-            <a:r>
-              <a:rPr lang="zh-CN" altLang="en-US" sz="2400" dirty="0" smtClean="0"/>
-              <a:t>赚到了钱就可以做自己喜欢做</a:t>
-            </a:r>
-            <a:r>
-              <a:rPr lang="zh-CN" altLang="en-US" sz="2400" dirty="0" smtClean="0"/>
-              <a:t>的</a:t>
-            </a:r>
-            <a:r>
-              <a:rPr lang="zh-CN" altLang="en-US" sz="2400" dirty="0" smtClean="0"/>
-              <a:t>事情和享受生活。</a:t>
+              <a:t>一个风和日丽的早上，在美丽的海滩上，渔夫在懒洋洋晒太阳，旁边的一位正在度假的富翁问：你为什么不趁天气好去捕鱼，赚更多的钱呢？赚到了钱就可以做自己喜欢做的事情和享受生活。</a:t>
             </a:r>
             <a:endParaRPr lang="en-US" altLang="zh-CN" sz="2400" dirty="0" smtClean="0"/>
           </a:p>
@@ -5621,15 +6121,7 @@
           <a:p>
             <a:r>
               <a:rPr lang="zh-CN" altLang="en-US" sz="2400" dirty="0" smtClean="0"/>
-              <a:t>渔夫：</a:t>
-            </a:r>
-            <a:r>
-              <a:rPr lang="zh-CN" altLang="en-US" sz="2400" dirty="0" smtClean="0"/>
-              <a:t>我现在</a:t>
-            </a:r>
-            <a:r>
-              <a:rPr lang="zh-CN" altLang="en-US" sz="2400" dirty="0" smtClean="0"/>
-              <a:t>就在做喜欢的事情和享受生活。</a:t>
+              <a:t>渔夫：我现在就在做喜欢的事情和享受生活。</a:t>
             </a:r>
             <a:endParaRPr lang="zh-CN" altLang="en-US" sz="2400" dirty="0"/>
           </a:p>
@@ -5638,7 +6130,7 @@
     </p:spTree>
     <p:extLst>
       <p:ext uri="{BB962C8B-B14F-4D97-AF65-F5344CB8AC3E}">
-        <p14:creationId xmlns:p14="http://schemas.microsoft.com/office/powerpoint/2010/main" xmlns="" val="257282595"/>
+        <p14:creationId xmlns="" xmlns:p14="http://schemas.microsoft.com/office/powerpoint/2010/main" val="257282595"/>
       </p:ext>
     </p:extLst>
   </p:cSld>
@@ -5646,7 +6138,7 @@
     <a:masterClrMapping/>
   </p:clrMapOvr>
   <mc:AlternateContent xmlns:mc="http://schemas.openxmlformats.org/markup-compatibility/2006">
-    <mc:Choice xmlns:p14="http://schemas.microsoft.com/office/powerpoint/2010/main" xmlns="" Requires="p14">
+    <mc:Choice xmlns="" xmlns:p14="http://schemas.microsoft.com/office/powerpoint/2010/main" Requires="p14">
       <p:transition spd="slow" p14:dur="1600">
         <p:blinds dir="vert"/>
       </p:transition>
@@ -5689,7 +6181,7 @@
           <p:cNvPr id="2" name="组合 1">
             <a:extLst>
               <a:ext uri="{FF2B5EF4-FFF2-40B4-BE49-F238E27FC236}">
-                <a16:creationId xmlns:a16="http://schemas.microsoft.com/office/drawing/2014/main" xmlns="" id="{E50DEB0B-1C12-44D1-AAA1-F4E0A4F19E17}"/>
+                <a16:creationId xmlns="" xmlns:a16="http://schemas.microsoft.com/office/drawing/2014/main" id="{E50DEB0B-1C12-44D1-AAA1-F4E0A4F19E17}"/>
               </a:ext>
             </a:extLst>
           </p:cNvPr>
@@ -5709,7 +6201,7 @@
             <p:cNvPr id="7" name="矩形 6">
               <a:extLst>
                 <a:ext uri="{FF2B5EF4-FFF2-40B4-BE49-F238E27FC236}">
-                  <a16:creationId xmlns:a16="http://schemas.microsoft.com/office/drawing/2014/main" xmlns="" id="{D5213AAE-A69E-40F7-931A-4EAD7707F511}"/>
+                  <a16:creationId xmlns="" xmlns:a16="http://schemas.microsoft.com/office/drawing/2014/main" id="{D5213AAE-A69E-40F7-931A-4EAD7707F511}"/>
                 </a:ext>
               </a:extLst>
             </p:cNvPr>
@@ -5758,7 +6250,7 @@
             <p:cNvPr id="8" name="矩形 7">
               <a:extLst>
                 <a:ext uri="{FF2B5EF4-FFF2-40B4-BE49-F238E27FC236}">
-                  <a16:creationId xmlns:a16="http://schemas.microsoft.com/office/drawing/2014/main" xmlns="" id="{F74F58D4-5D9A-43AA-A842-4414D43E7D86}"/>
+                  <a16:creationId xmlns="" xmlns:a16="http://schemas.microsoft.com/office/drawing/2014/main" id="{F74F58D4-5D9A-43AA-A842-4414D43E7D86}"/>
                 </a:ext>
               </a:extLst>
             </p:cNvPr>
@@ -5812,7 +6304,7 @@
           <p:cNvPr id="28" name="TextBox 9">
             <a:extLst>
               <a:ext uri="{FF2B5EF4-FFF2-40B4-BE49-F238E27FC236}">
-                <a16:creationId xmlns:a16="http://schemas.microsoft.com/office/drawing/2014/main" xmlns="" id="{F9620907-505E-4433-8CD6-0B35E582F63E}"/>
+                <a16:creationId xmlns="" xmlns:a16="http://schemas.microsoft.com/office/drawing/2014/main" id="{F9620907-505E-4433-8CD6-0B35E582F63E}"/>
               </a:ext>
             </a:extLst>
           </p:cNvPr>
@@ -7311,7 +7803,7 @@
     </p:spTree>
     <p:extLst>
       <p:ext uri="{BB962C8B-B14F-4D97-AF65-F5344CB8AC3E}">
-        <p14:creationId xmlns:p14="http://schemas.microsoft.com/office/powerpoint/2010/main" xmlns="" val="257282595"/>
+        <p14:creationId xmlns="" xmlns:p14="http://schemas.microsoft.com/office/powerpoint/2010/main" val="257282595"/>
       </p:ext>
     </p:extLst>
   </p:cSld>
@@ -7319,7 +7811,7 @@
     <a:masterClrMapping/>
   </p:clrMapOvr>
   <mc:AlternateContent xmlns:mc="http://schemas.openxmlformats.org/markup-compatibility/2006">
-    <mc:Choice xmlns:p14="http://schemas.microsoft.com/office/powerpoint/2010/main" xmlns="" Requires="p14">
+    <mc:Choice xmlns="" xmlns:p14="http://schemas.microsoft.com/office/powerpoint/2010/main" Requires="p14">
       <p:transition spd="slow" p14:dur="1600">
         <p:blinds dir="vert"/>
       </p:transition>
@@ -7362,7 +7854,7 @@
           <p:cNvPr id="31" name="TextBox 9">
             <a:extLst>
               <a:ext uri="{FF2B5EF4-FFF2-40B4-BE49-F238E27FC236}">
-                <a16:creationId xmlns:a16="http://schemas.microsoft.com/office/drawing/2014/main" xmlns="" id="{196AEFB1-B5B8-48EC-BBBA-092BE2D0990E}"/>
+                <a16:creationId xmlns="" xmlns:a16="http://schemas.microsoft.com/office/drawing/2014/main" id="{196AEFB1-B5B8-48EC-BBBA-092BE2D0990E}"/>
               </a:ext>
             </a:extLst>
           </p:cNvPr>
@@ -7876,7 +8368,7 @@
             <a:effectLst/>
             <a:extLst>
               <a:ext uri="{C572A759-6A51-4108-AA02-DFA0A04FC94B}">
-                <ma14:wrappingTextBoxFlag xmlns:ma14="http://schemas.microsoft.com/office/mac/drawingml/2011/main" xmlns="" val="1"/>
+                <ma14:wrappingTextBoxFlag xmlns="" xmlns:ma14="http://schemas.microsoft.com/office/mac/drawingml/2011/main" val="1"/>
               </a:ext>
             </a:extLst>
           </p:spPr>
@@ -8057,7 +8549,7 @@
             <a:effectLst/>
             <a:extLst>
               <a:ext uri="{C572A759-6A51-4108-AA02-DFA0A04FC94B}">
-                <ma14:wrappingTextBoxFlag xmlns:ma14="http://schemas.microsoft.com/office/mac/drawingml/2011/main" xmlns="" val="1"/>
+                <ma14:wrappingTextBoxFlag xmlns="" xmlns:ma14="http://schemas.microsoft.com/office/mac/drawingml/2011/main" val="1"/>
               </a:ext>
             </a:extLst>
           </p:spPr>
@@ -8231,7 +8723,7 @@
             <a:effectLst/>
             <a:extLst>
               <a:ext uri="{C572A759-6A51-4108-AA02-DFA0A04FC94B}">
-                <ma14:wrappingTextBoxFlag xmlns:ma14="http://schemas.microsoft.com/office/mac/drawingml/2011/main" xmlns="" val="1"/>
+                <ma14:wrappingTextBoxFlag xmlns="" xmlns:ma14="http://schemas.microsoft.com/office/mac/drawingml/2011/main" val="1"/>
               </a:ext>
             </a:extLst>
           </p:spPr>
@@ -8405,7 +8897,7 @@
             <a:effectLst/>
             <a:extLst>
               <a:ext uri="{C572A759-6A51-4108-AA02-DFA0A04FC94B}">
-                <ma14:wrappingTextBoxFlag xmlns:ma14="http://schemas.microsoft.com/office/mac/drawingml/2011/main" xmlns="" val="1"/>
+                <ma14:wrappingTextBoxFlag xmlns="" xmlns:ma14="http://schemas.microsoft.com/office/mac/drawingml/2011/main" val="1"/>
               </a:ext>
             </a:extLst>
           </p:spPr>
@@ -8859,7 +9351,7 @@
     </p:spTree>
     <p:extLst>
       <p:ext uri="{BB962C8B-B14F-4D97-AF65-F5344CB8AC3E}">
-        <p14:creationId xmlns:p14="http://schemas.microsoft.com/office/powerpoint/2010/main" xmlns="" val="4095140424"/>
+        <p14:creationId xmlns="" xmlns:p14="http://schemas.microsoft.com/office/powerpoint/2010/main" val="4095140424"/>
       </p:ext>
     </p:extLst>
   </p:cSld>
@@ -8867,7 +9359,7 @@
     <a:masterClrMapping/>
   </p:clrMapOvr>
   <mc:AlternateContent xmlns:mc="http://schemas.openxmlformats.org/markup-compatibility/2006">
-    <mc:Choice xmlns:p14="http://schemas.microsoft.com/office/powerpoint/2010/main" xmlns="" Requires="p14">
+    <mc:Choice xmlns="" xmlns:p14="http://schemas.microsoft.com/office/powerpoint/2010/main" Requires="p14">
       <p:transition spd="slow" p14:dur="1600">
         <p:blinds dir="vert"/>
       </p:transition>
@@ -8898,12 +9390,6037 @@
           <a:chExt cx="0" cy="0"/>
         </a:xfrm>
       </p:grpSpPr>
+      <p:sp>
+        <p:nvSpPr>
+          <p:cNvPr id="31" name="TextBox 9">
+            <a:extLst>
+              <a:ext uri="{FF2B5EF4-FFF2-40B4-BE49-F238E27FC236}">
+                <a16:creationId xmlns="" xmlns:a16="http://schemas.microsoft.com/office/drawing/2014/main" id="{196AEFB1-B5B8-48EC-BBBA-092BE2D0990E}"/>
+              </a:ext>
+            </a:extLst>
+          </p:cNvPr>
+          <p:cNvSpPr txBox="1"/>
+          <p:nvPr/>
+        </p:nvSpPr>
+        <p:spPr>
+          <a:xfrm>
+            <a:off x="1009935" y="837525"/>
+            <a:ext cx="9908275" cy="861774"/>
+          </a:xfrm>
+          <a:prstGeom prst="rect">
+            <a:avLst/>
+          </a:prstGeom>
+          <a:noFill/>
+        </p:spPr>
+        <p:txBody>
+          <a:bodyPr wrap="square" rtlCol="0">
+            <a:spAutoFit/>
+          </a:bodyPr>
+          <a:lstStyle/>
+          <a:p>
+            <a:pPr algn="ctr"/>
+            <a:r>
+              <a:rPr lang="zh-CN" altLang="en-US" sz="3200" dirty="0" smtClean="0">
+                <a:gradFill>
+                  <a:gsLst>
+                    <a:gs pos="100000">
+                      <a:srgbClr val="00469C"/>
+                    </a:gs>
+                    <a:gs pos="0">
+                      <a:srgbClr val="00A0E8"/>
+                    </a:gs>
+                  </a:gsLst>
+                  <a:lin ang="5400000"/>
+                </a:gradFill>
+                <a:latin typeface="微软雅黑" panose="020B0503020204020204" pitchFamily="34" charset="-122"/>
+                <a:ea typeface="微软雅黑" panose="020B0503020204020204" pitchFamily="34" charset="-122"/>
+              </a:rPr>
+              <a:t>如何实现财务自由</a:t>
+            </a:r>
+            <a:endParaRPr lang="en-US" altLang="zh-CN" sz="3200" dirty="0">
+              <a:gradFill>
+                <a:gsLst>
+                  <a:gs pos="100000">
+                    <a:srgbClr val="00469C"/>
+                  </a:gs>
+                  <a:gs pos="0">
+                    <a:srgbClr val="00A0E8"/>
+                  </a:gs>
+                </a:gsLst>
+                <a:lin ang="5400000"/>
+              </a:gradFill>
+              <a:latin typeface="微软雅黑" panose="020B0503020204020204" pitchFamily="34" charset="-122"/>
+              <a:ea typeface="微软雅黑" panose="020B0503020204020204" pitchFamily="34" charset="-122"/>
+            </a:endParaRPr>
+          </a:p>
+          <a:p>
+            <a:pPr algn="ctr"/>
+            <a:r>
+              <a:rPr lang="zh-CN" altLang="en-US" dirty="0" smtClean="0">
+                <a:gradFill>
+                  <a:gsLst>
+                    <a:gs pos="100000">
+                      <a:srgbClr val="00469C"/>
+                    </a:gs>
+                    <a:gs pos="0">
+                      <a:srgbClr val="00A0E8"/>
+                    </a:gs>
+                  </a:gsLst>
+                  <a:lin ang="5400000"/>
+                </a:gradFill>
+                <a:latin typeface="微软雅黑 Light" panose="020B0502040204020203" pitchFamily="34" charset="-122"/>
+                <a:ea typeface="微软雅黑 Light" panose="020B0502040204020203" pitchFamily="34" charset="-122"/>
+              </a:rPr>
+              <a:t>关于财务自由的四点想法</a:t>
+            </a:r>
+            <a:endParaRPr lang="zh-HK" altLang="en-US" dirty="0" smtClean="0">
+              <a:gradFill>
+                <a:gsLst>
+                  <a:gs pos="100000">
+                    <a:srgbClr val="00469C"/>
+                  </a:gs>
+                  <a:gs pos="0">
+                    <a:srgbClr val="00A0E8"/>
+                  </a:gs>
+                </a:gsLst>
+                <a:lin ang="5400000"/>
+              </a:gradFill>
+              <a:latin typeface="微软雅黑 Light" panose="020B0502040204020203" pitchFamily="34" charset="-122"/>
+              <a:ea typeface="微软雅黑 Light" panose="020B0502040204020203" pitchFamily="34" charset="-122"/>
+            </a:endParaRPr>
+          </a:p>
+        </p:txBody>
+      </p:sp>
+      <p:sp>
+        <p:nvSpPr>
+          <p:cNvPr id="67" name="矩形 32"/>
+          <p:cNvSpPr>
+            <a:spLocks noChangeArrowheads="1"/>
+          </p:cNvSpPr>
+          <p:nvPr/>
+        </p:nvSpPr>
+        <p:spPr bwMode="auto">
+          <a:xfrm>
+            <a:off x="177609" y="3786152"/>
+            <a:ext cx="11777334" cy="1007585"/>
+          </a:xfrm>
+          <a:prstGeom prst="rect">
+            <a:avLst/>
+          </a:prstGeom>
+          <a:solidFill>
+            <a:schemeClr val="bg1">
+              <a:lumMod val="85000"/>
+            </a:schemeClr>
+          </a:solidFill>
+          <a:ln>
+            <a:noFill/>
+          </a:ln>
+        </p:spPr>
+        <p:txBody>
+          <a:bodyPr lIns="62084" tIns="31042" rIns="62084" bIns="31042"/>
+          <a:lstStyle>
+            <a:lvl1pPr eaLnBrk="0" hangingPunct="0">
+              <a:spcBef>
+                <a:spcPct val="20000"/>
+              </a:spcBef>
+              <a:buChar char="•"/>
+              <a:defRPr sz="2000">
+                <a:solidFill>
+                  <a:schemeClr val="accent1"/>
+                </a:solidFill>
+                <a:latin typeface="Arial" pitchFamily="34" charset="0"/>
+                <a:ea typeface="微软雅黑" pitchFamily="34" charset="-122"/>
+              </a:defRPr>
+            </a:lvl1pPr>
+            <a:lvl2pPr marL="742950" indent="-285750" eaLnBrk="0" hangingPunct="0">
+              <a:spcBef>
+                <a:spcPct val="20000"/>
+              </a:spcBef>
+              <a:buChar char="–"/>
+              <a:defRPr sz="2000">
+                <a:solidFill>
+                  <a:schemeClr val="accent1"/>
+                </a:solidFill>
+                <a:latin typeface="Arial" pitchFamily="34" charset="0"/>
+                <a:ea typeface="仿宋_GB2312" pitchFamily="1" charset="-122"/>
+              </a:defRPr>
+            </a:lvl2pPr>
+            <a:lvl3pPr marL="1143000" indent="-228600" eaLnBrk="0" hangingPunct="0">
+              <a:spcBef>
+                <a:spcPct val="20000"/>
+              </a:spcBef>
+              <a:buChar char="•"/>
+              <a:defRPr sz="2400">
+                <a:solidFill>
+                  <a:schemeClr val="tx1"/>
+                </a:solidFill>
+                <a:latin typeface="Arial" pitchFamily="34" charset="0"/>
+                <a:ea typeface="宋体" pitchFamily="2" charset="-122"/>
+              </a:defRPr>
+            </a:lvl3pPr>
+            <a:lvl4pPr marL="1600200" indent="-228600" eaLnBrk="0" hangingPunct="0">
+              <a:spcBef>
+                <a:spcPct val="20000"/>
+              </a:spcBef>
+              <a:buChar char="–"/>
+              <a:defRPr sz="2000">
+                <a:solidFill>
+                  <a:schemeClr val="tx1"/>
+                </a:solidFill>
+                <a:latin typeface="Arial" pitchFamily="34" charset="0"/>
+                <a:ea typeface="宋体" pitchFamily="2" charset="-122"/>
+              </a:defRPr>
+            </a:lvl4pPr>
+            <a:lvl5pPr marL="2057400" indent="-228600" eaLnBrk="0" hangingPunct="0">
+              <a:spcBef>
+                <a:spcPct val="20000"/>
+              </a:spcBef>
+              <a:buChar char="»"/>
+              <a:defRPr sz="2000">
+                <a:solidFill>
+                  <a:schemeClr val="tx1"/>
+                </a:solidFill>
+                <a:latin typeface="Arial" pitchFamily="34" charset="0"/>
+                <a:ea typeface="宋体" pitchFamily="2" charset="-122"/>
+              </a:defRPr>
+            </a:lvl5pPr>
+            <a:lvl6pPr marL="2514600" indent="-228600" eaLnBrk="0" fontAlgn="base" hangingPunct="0">
+              <a:spcBef>
+                <a:spcPct val="20000"/>
+              </a:spcBef>
+              <a:spcAft>
+                <a:spcPct val="0"/>
+              </a:spcAft>
+              <a:buChar char="»"/>
+              <a:defRPr sz="2000">
+                <a:solidFill>
+                  <a:schemeClr val="tx1"/>
+                </a:solidFill>
+                <a:latin typeface="Arial" pitchFamily="34" charset="0"/>
+                <a:ea typeface="宋体" pitchFamily="2" charset="-122"/>
+              </a:defRPr>
+            </a:lvl6pPr>
+            <a:lvl7pPr marL="2971800" indent="-228600" eaLnBrk="0" fontAlgn="base" hangingPunct="0">
+              <a:spcBef>
+                <a:spcPct val="20000"/>
+              </a:spcBef>
+              <a:spcAft>
+                <a:spcPct val="0"/>
+              </a:spcAft>
+              <a:buChar char="»"/>
+              <a:defRPr sz="2000">
+                <a:solidFill>
+                  <a:schemeClr val="tx1"/>
+                </a:solidFill>
+                <a:latin typeface="Arial" pitchFamily="34" charset="0"/>
+                <a:ea typeface="宋体" pitchFamily="2" charset="-122"/>
+              </a:defRPr>
+            </a:lvl7pPr>
+            <a:lvl8pPr marL="3429000" indent="-228600" eaLnBrk="0" fontAlgn="base" hangingPunct="0">
+              <a:spcBef>
+                <a:spcPct val="20000"/>
+              </a:spcBef>
+              <a:spcAft>
+                <a:spcPct val="0"/>
+              </a:spcAft>
+              <a:buChar char="»"/>
+              <a:defRPr sz="2000">
+                <a:solidFill>
+                  <a:schemeClr val="tx1"/>
+                </a:solidFill>
+                <a:latin typeface="Arial" pitchFamily="34" charset="0"/>
+                <a:ea typeface="宋体" pitchFamily="2" charset="-122"/>
+              </a:defRPr>
+            </a:lvl8pPr>
+            <a:lvl9pPr marL="3886200" indent="-228600" eaLnBrk="0" fontAlgn="base" hangingPunct="0">
+              <a:spcBef>
+                <a:spcPct val="20000"/>
+              </a:spcBef>
+              <a:spcAft>
+                <a:spcPct val="0"/>
+              </a:spcAft>
+              <a:buChar char="»"/>
+              <a:defRPr sz="2000">
+                <a:solidFill>
+                  <a:schemeClr val="tx1"/>
+                </a:solidFill>
+                <a:latin typeface="Arial" pitchFamily="34" charset="0"/>
+                <a:ea typeface="宋体" pitchFamily="2" charset="-122"/>
+              </a:defRPr>
+            </a:lvl9pPr>
+          </a:lstStyle>
+          <a:p>
+            <a:pPr eaLnBrk="1" hangingPunct="1">
+              <a:spcBef>
+                <a:spcPct val="0"/>
+              </a:spcBef>
+              <a:buFontTx/>
+              <a:buNone/>
+            </a:pPr>
+            <a:endParaRPr lang="zh-CN" altLang="en-US" sz="1200">
+              <a:solidFill>
+                <a:schemeClr val="tx1"/>
+              </a:solidFill>
+              <a:latin typeface="微软雅黑" panose="020B0503020204020204" pitchFamily="34" charset="-122"/>
+            </a:endParaRPr>
+          </a:p>
+        </p:txBody>
+      </p:sp>
+      <p:sp>
+        <p:nvSpPr>
+          <p:cNvPr id="69" name="Freeform 42"/>
+          <p:cNvSpPr>
+            <a:spLocks/>
+          </p:cNvSpPr>
+          <p:nvPr/>
+        </p:nvSpPr>
+        <p:spPr bwMode="auto">
+          <a:xfrm>
+            <a:off x="1459311" y="2445019"/>
+            <a:ext cx="3417489" cy="647635"/>
+          </a:xfrm>
+          <a:custGeom>
+            <a:avLst/>
+            <a:gdLst>
+              <a:gd name="T0" fmla="*/ 0 w 4673"/>
+              <a:gd name="T1" fmla="*/ 739775 h 1547"/>
+              <a:gd name="T2" fmla="*/ 0 w 4673"/>
+              <a:gd name="T3" fmla="*/ 0 h 1547"/>
+              <a:gd name="T4" fmla="*/ 3246437 w 4673"/>
+              <a:gd name="T5" fmla="*/ 0 h 1547"/>
+              <a:gd name="T6" fmla="*/ 0 60000 65536"/>
+              <a:gd name="T7" fmla="*/ 0 60000 65536"/>
+              <a:gd name="T8" fmla="*/ 0 60000 65536"/>
+            </a:gdLst>
+            <a:ahLst/>
+            <a:cxnLst>
+              <a:cxn ang="T6">
+                <a:pos x="T0" y="T1"/>
+              </a:cxn>
+              <a:cxn ang="T7">
+                <a:pos x="T2" y="T3"/>
+              </a:cxn>
+              <a:cxn ang="T8">
+                <a:pos x="T4" y="T5"/>
+              </a:cxn>
+            </a:cxnLst>
+            <a:rect l="0" t="0" r="r" b="b"/>
+            <a:pathLst>
+              <a:path w="4673" h="1547">
+                <a:moveTo>
+                  <a:pt x="0" y="1547"/>
+                </a:moveTo>
+                <a:lnTo>
+                  <a:pt x="0" y="0"/>
+                </a:lnTo>
+                <a:lnTo>
+                  <a:pt x="4673" y="0"/>
+                </a:lnTo>
+              </a:path>
+            </a:pathLst>
+          </a:custGeom>
+          <a:noFill/>
+          <a:ln w="9" cap="flat" cmpd="sng">
+            <a:solidFill>
+              <a:srgbClr val="7F7F7F"/>
+            </a:solidFill>
+            <a:prstDash val="dash"/>
+            <a:round/>
+            <a:headEnd type="oval" w="med" len="med"/>
+            <a:tailEnd type="oval" w="med" len="med"/>
+          </a:ln>
+          <a:extLst>
+            <a:ext uri="{909E8E84-426E-40DD-AFC4-6F175D3DCCD1}">
+              <a14:hiddenFill xmlns="" xmlns:a14="http://schemas.microsoft.com/office/drawing/2010/main">
+                <a:solidFill>
+                  <a:srgbClr val="FFFFFF"/>
+                </a:solidFill>
+              </a14:hiddenFill>
+            </a:ext>
+          </a:extLst>
+        </p:spPr>
+        <p:txBody>
+          <a:bodyPr lIns="62084" tIns="31042" rIns="62084" bIns="31042"/>
+          <a:lstStyle/>
+          <a:p>
+            <a:endParaRPr lang="zh-CN" altLang="en-US">
+              <a:latin typeface="微软雅黑" panose="020B0503020204020204" pitchFamily="34" charset="-122"/>
+              <a:ea typeface="微软雅黑" panose="020B0503020204020204" pitchFamily="34" charset="-122"/>
+            </a:endParaRPr>
+          </a:p>
+        </p:txBody>
+      </p:sp>
+      <p:sp>
+        <p:nvSpPr>
+          <p:cNvPr id="70" name="Freeform 42"/>
+          <p:cNvSpPr>
+            <a:spLocks/>
+          </p:cNvSpPr>
+          <p:nvPr/>
+        </p:nvSpPr>
+        <p:spPr bwMode="auto">
+          <a:xfrm flipH="1">
+            <a:off x="6790267" y="2445019"/>
+            <a:ext cx="3656290" cy="647635"/>
+          </a:xfrm>
+          <a:custGeom>
+            <a:avLst/>
+            <a:gdLst>
+              <a:gd name="T0" fmla="*/ 0 w 4673"/>
+              <a:gd name="T1" fmla="*/ 739775 h 1547"/>
+              <a:gd name="T2" fmla="*/ 0 w 4673"/>
+              <a:gd name="T3" fmla="*/ 0 h 1547"/>
+              <a:gd name="T4" fmla="*/ 3246438 w 4673"/>
+              <a:gd name="T5" fmla="*/ 0 h 1547"/>
+              <a:gd name="T6" fmla="*/ 0 60000 65536"/>
+              <a:gd name="T7" fmla="*/ 0 60000 65536"/>
+              <a:gd name="T8" fmla="*/ 0 60000 65536"/>
+            </a:gdLst>
+            <a:ahLst/>
+            <a:cxnLst>
+              <a:cxn ang="T6">
+                <a:pos x="T0" y="T1"/>
+              </a:cxn>
+              <a:cxn ang="T7">
+                <a:pos x="T2" y="T3"/>
+              </a:cxn>
+              <a:cxn ang="T8">
+                <a:pos x="T4" y="T5"/>
+              </a:cxn>
+            </a:cxnLst>
+            <a:rect l="0" t="0" r="r" b="b"/>
+            <a:pathLst>
+              <a:path w="4673" h="1547">
+                <a:moveTo>
+                  <a:pt x="0" y="1547"/>
+                </a:moveTo>
+                <a:lnTo>
+                  <a:pt x="0" y="0"/>
+                </a:lnTo>
+                <a:lnTo>
+                  <a:pt x="4673" y="0"/>
+                </a:lnTo>
+              </a:path>
+            </a:pathLst>
+          </a:custGeom>
+          <a:noFill/>
+          <a:ln w="9" cap="flat" cmpd="sng">
+            <a:solidFill>
+              <a:srgbClr val="7F7F7F"/>
+            </a:solidFill>
+            <a:prstDash val="dash"/>
+            <a:round/>
+            <a:headEnd type="oval" w="med" len="med"/>
+            <a:tailEnd type="oval" w="med" len="med"/>
+          </a:ln>
+          <a:extLst>
+            <a:ext uri="{909E8E84-426E-40DD-AFC4-6F175D3DCCD1}">
+              <a14:hiddenFill xmlns="" xmlns:a14="http://schemas.microsoft.com/office/drawing/2010/main">
+                <a:solidFill>
+                  <a:srgbClr val="FFFFFF"/>
+                </a:solidFill>
+              </a14:hiddenFill>
+            </a:ext>
+          </a:extLst>
+        </p:spPr>
+        <p:txBody>
+          <a:bodyPr lIns="62084" tIns="31042" rIns="62084" bIns="31042"/>
+          <a:lstStyle/>
+          <a:p>
+            <a:endParaRPr lang="zh-CN" altLang="en-US">
+              <a:latin typeface="微软雅黑" panose="020B0503020204020204" pitchFamily="34" charset="-122"/>
+              <a:ea typeface="微软雅黑" panose="020B0503020204020204" pitchFamily="34" charset="-122"/>
+            </a:endParaRPr>
+          </a:p>
+        </p:txBody>
+      </p:sp>
+      <p:sp>
+        <p:nvSpPr>
+          <p:cNvPr id="71" name="Freeform 42"/>
+          <p:cNvSpPr>
+            <a:spLocks/>
+          </p:cNvSpPr>
+          <p:nvPr/>
+        </p:nvSpPr>
+        <p:spPr bwMode="auto">
+          <a:xfrm flipV="1">
+            <a:off x="1459311" y="5362156"/>
+            <a:ext cx="3840822" cy="646244"/>
+          </a:xfrm>
+          <a:custGeom>
+            <a:avLst/>
+            <a:gdLst>
+              <a:gd name="T0" fmla="*/ 0 w 4673"/>
+              <a:gd name="T1" fmla="*/ 738187 h 1547"/>
+              <a:gd name="T2" fmla="*/ 0 w 4673"/>
+              <a:gd name="T3" fmla="*/ 0 h 1547"/>
+              <a:gd name="T4" fmla="*/ 3246437 w 4673"/>
+              <a:gd name="T5" fmla="*/ 0 h 1547"/>
+              <a:gd name="T6" fmla="*/ 0 60000 65536"/>
+              <a:gd name="T7" fmla="*/ 0 60000 65536"/>
+              <a:gd name="T8" fmla="*/ 0 60000 65536"/>
+            </a:gdLst>
+            <a:ahLst/>
+            <a:cxnLst>
+              <a:cxn ang="T6">
+                <a:pos x="T0" y="T1"/>
+              </a:cxn>
+              <a:cxn ang="T7">
+                <a:pos x="T2" y="T3"/>
+              </a:cxn>
+              <a:cxn ang="T8">
+                <a:pos x="T4" y="T5"/>
+              </a:cxn>
+            </a:cxnLst>
+            <a:rect l="0" t="0" r="r" b="b"/>
+            <a:pathLst>
+              <a:path w="4673" h="1547">
+                <a:moveTo>
+                  <a:pt x="0" y="1547"/>
+                </a:moveTo>
+                <a:lnTo>
+                  <a:pt x="0" y="0"/>
+                </a:lnTo>
+                <a:lnTo>
+                  <a:pt x="4673" y="0"/>
+                </a:lnTo>
+              </a:path>
+            </a:pathLst>
+          </a:custGeom>
+          <a:noFill/>
+          <a:ln w="9" cap="flat" cmpd="sng">
+            <a:solidFill>
+              <a:srgbClr val="7F7F7F"/>
+            </a:solidFill>
+            <a:prstDash val="dash"/>
+            <a:round/>
+            <a:headEnd type="oval" w="med" len="med"/>
+            <a:tailEnd type="oval" w="med" len="med"/>
+          </a:ln>
+          <a:extLst>
+            <a:ext uri="{909E8E84-426E-40DD-AFC4-6F175D3DCCD1}">
+              <a14:hiddenFill xmlns="" xmlns:a14="http://schemas.microsoft.com/office/drawing/2010/main">
+                <a:solidFill>
+                  <a:srgbClr val="FFFFFF"/>
+                </a:solidFill>
+              </a14:hiddenFill>
+            </a:ext>
+          </a:extLst>
+        </p:spPr>
+        <p:txBody>
+          <a:bodyPr lIns="62084" tIns="31042" rIns="62084" bIns="31042"/>
+          <a:lstStyle/>
+          <a:p>
+            <a:endParaRPr lang="zh-CN" altLang="en-US">
+              <a:latin typeface="微软雅黑" panose="020B0503020204020204" pitchFamily="34" charset="-122"/>
+              <a:ea typeface="微软雅黑" panose="020B0503020204020204" pitchFamily="34" charset="-122"/>
+            </a:endParaRPr>
+          </a:p>
+        </p:txBody>
+      </p:sp>
+      <p:sp>
+        <p:nvSpPr>
+          <p:cNvPr id="72" name="Freeform 42"/>
+          <p:cNvSpPr>
+            <a:spLocks/>
+          </p:cNvSpPr>
+          <p:nvPr/>
+        </p:nvSpPr>
+        <p:spPr bwMode="auto">
+          <a:xfrm flipH="1" flipV="1">
+            <a:off x="6976533" y="5362156"/>
+            <a:ext cx="3470024" cy="615311"/>
+          </a:xfrm>
+          <a:custGeom>
+            <a:avLst/>
+            <a:gdLst>
+              <a:gd name="T0" fmla="*/ 0 w 4673"/>
+              <a:gd name="T1" fmla="*/ 738187 h 1547"/>
+              <a:gd name="T2" fmla="*/ 0 w 4673"/>
+              <a:gd name="T3" fmla="*/ 0 h 1547"/>
+              <a:gd name="T4" fmla="*/ 3246438 w 4673"/>
+              <a:gd name="T5" fmla="*/ 0 h 1547"/>
+              <a:gd name="T6" fmla="*/ 0 60000 65536"/>
+              <a:gd name="T7" fmla="*/ 0 60000 65536"/>
+              <a:gd name="T8" fmla="*/ 0 60000 65536"/>
+            </a:gdLst>
+            <a:ahLst/>
+            <a:cxnLst>
+              <a:cxn ang="T6">
+                <a:pos x="T0" y="T1"/>
+              </a:cxn>
+              <a:cxn ang="T7">
+                <a:pos x="T2" y="T3"/>
+              </a:cxn>
+              <a:cxn ang="T8">
+                <a:pos x="T4" y="T5"/>
+              </a:cxn>
+            </a:cxnLst>
+            <a:rect l="0" t="0" r="r" b="b"/>
+            <a:pathLst>
+              <a:path w="4673" h="1547">
+                <a:moveTo>
+                  <a:pt x="0" y="1547"/>
+                </a:moveTo>
+                <a:lnTo>
+                  <a:pt x="0" y="0"/>
+                </a:lnTo>
+                <a:lnTo>
+                  <a:pt x="4673" y="0"/>
+                </a:lnTo>
+              </a:path>
+            </a:pathLst>
+          </a:custGeom>
+          <a:noFill/>
+          <a:ln w="9" cap="flat" cmpd="sng">
+            <a:solidFill>
+              <a:srgbClr val="7F7F7F"/>
+            </a:solidFill>
+            <a:prstDash val="dash"/>
+            <a:round/>
+            <a:headEnd type="oval" w="med" len="med"/>
+            <a:tailEnd type="oval" w="med" len="med"/>
+          </a:ln>
+          <a:extLst>
+            <a:ext uri="{909E8E84-426E-40DD-AFC4-6F175D3DCCD1}">
+              <a14:hiddenFill xmlns="" xmlns:a14="http://schemas.microsoft.com/office/drawing/2010/main">
+                <a:solidFill>
+                  <a:srgbClr val="FFFFFF"/>
+                </a:solidFill>
+              </a14:hiddenFill>
+            </a:ext>
+          </a:extLst>
+        </p:spPr>
+        <p:txBody>
+          <a:bodyPr lIns="62084" tIns="31042" rIns="62084" bIns="31042"/>
+          <a:lstStyle/>
+          <a:p>
+            <a:endParaRPr lang="zh-CN" altLang="en-US">
+              <a:latin typeface="微软雅黑" panose="020B0503020204020204" pitchFamily="34" charset="-122"/>
+              <a:ea typeface="微软雅黑" panose="020B0503020204020204" pitchFamily="34" charset="-122"/>
+            </a:endParaRPr>
+          </a:p>
+        </p:txBody>
+      </p:sp>
+      <p:sp>
+        <p:nvSpPr>
+          <p:cNvPr id="73" name="TextBox 33"/>
+          <p:cNvSpPr txBox="1">
+            <a:spLocks noChangeArrowheads="1"/>
+          </p:cNvSpPr>
+          <p:nvPr/>
+        </p:nvSpPr>
+        <p:spPr bwMode="auto">
+          <a:xfrm>
+            <a:off x="4304117" y="4072444"/>
+            <a:ext cx="3793051" cy="462800"/>
+          </a:xfrm>
+          <a:prstGeom prst="rect">
+            <a:avLst/>
+          </a:prstGeom>
+          <a:noFill/>
+          <a:ln>
+            <a:noFill/>
+          </a:ln>
+        </p:spPr>
+        <p:txBody>
+          <a:bodyPr wrap="none" lIns="62084" tIns="31042" rIns="62084" bIns="31042">
+            <a:spAutoFit/>
+          </a:bodyPr>
+          <a:lstStyle>
+            <a:lvl1pPr eaLnBrk="0" hangingPunct="0">
+              <a:spcBef>
+                <a:spcPct val="20000"/>
+              </a:spcBef>
+              <a:buChar char="•"/>
+              <a:defRPr sz="2000">
+                <a:solidFill>
+                  <a:schemeClr val="accent1"/>
+                </a:solidFill>
+                <a:latin typeface="Arial" pitchFamily="34" charset="0"/>
+                <a:ea typeface="微软雅黑" pitchFamily="34" charset="-122"/>
+              </a:defRPr>
+            </a:lvl1pPr>
+            <a:lvl2pPr marL="742950" indent="-285750" eaLnBrk="0" hangingPunct="0">
+              <a:spcBef>
+                <a:spcPct val="20000"/>
+              </a:spcBef>
+              <a:buChar char="–"/>
+              <a:defRPr sz="2000">
+                <a:solidFill>
+                  <a:schemeClr val="accent1"/>
+                </a:solidFill>
+                <a:latin typeface="Arial" pitchFamily="34" charset="0"/>
+                <a:ea typeface="仿宋_GB2312" pitchFamily="1" charset="-122"/>
+              </a:defRPr>
+            </a:lvl2pPr>
+            <a:lvl3pPr marL="1143000" indent="-228600" eaLnBrk="0" hangingPunct="0">
+              <a:spcBef>
+                <a:spcPct val="20000"/>
+              </a:spcBef>
+              <a:buChar char="•"/>
+              <a:defRPr sz="2400">
+                <a:solidFill>
+                  <a:schemeClr val="tx1"/>
+                </a:solidFill>
+                <a:latin typeface="Arial" pitchFamily="34" charset="0"/>
+                <a:ea typeface="宋体" pitchFamily="2" charset="-122"/>
+              </a:defRPr>
+            </a:lvl3pPr>
+            <a:lvl4pPr marL="1600200" indent="-228600" eaLnBrk="0" hangingPunct="0">
+              <a:spcBef>
+                <a:spcPct val="20000"/>
+              </a:spcBef>
+              <a:buChar char="–"/>
+              <a:defRPr sz="2000">
+                <a:solidFill>
+                  <a:schemeClr val="tx1"/>
+                </a:solidFill>
+                <a:latin typeface="Arial" pitchFamily="34" charset="0"/>
+                <a:ea typeface="宋体" pitchFamily="2" charset="-122"/>
+              </a:defRPr>
+            </a:lvl4pPr>
+            <a:lvl5pPr marL="2057400" indent="-228600" eaLnBrk="0" hangingPunct="0">
+              <a:spcBef>
+                <a:spcPct val="20000"/>
+              </a:spcBef>
+              <a:buChar char="»"/>
+              <a:defRPr sz="2000">
+                <a:solidFill>
+                  <a:schemeClr val="tx1"/>
+                </a:solidFill>
+                <a:latin typeface="Arial" pitchFamily="34" charset="0"/>
+                <a:ea typeface="宋体" pitchFamily="2" charset="-122"/>
+              </a:defRPr>
+            </a:lvl5pPr>
+            <a:lvl6pPr marL="2514600" indent="-228600" eaLnBrk="0" fontAlgn="base" hangingPunct="0">
+              <a:spcBef>
+                <a:spcPct val="20000"/>
+              </a:spcBef>
+              <a:spcAft>
+                <a:spcPct val="0"/>
+              </a:spcAft>
+              <a:buChar char="»"/>
+              <a:defRPr sz="2000">
+                <a:solidFill>
+                  <a:schemeClr val="tx1"/>
+                </a:solidFill>
+                <a:latin typeface="Arial" pitchFamily="34" charset="0"/>
+                <a:ea typeface="宋体" pitchFamily="2" charset="-122"/>
+              </a:defRPr>
+            </a:lvl6pPr>
+            <a:lvl7pPr marL="2971800" indent="-228600" eaLnBrk="0" fontAlgn="base" hangingPunct="0">
+              <a:spcBef>
+                <a:spcPct val="20000"/>
+              </a:spcBef>
+              <a:spcAft>
+                <a:spcPct val="0"/>
+              </a:spcAft>
+              <a:buChar char="»"/>
+              <a:defRPr sz="2000">
+                <a:solidFill>
+                  <a:schemeClr val="tx1"/>
+                </a:solidFill>
+                <a:latin typeface="Arial" pitchFamily="34" charset="0"/>
+                <a:ea typeface="宋体" pitchFamily="2" charset="-122"/>
+              </a:defRPr>
+            </a:lvl7pPr>
+            <a:lvl8pPr marL="3429000" indent="-228600" eaLnBrk="0" fontAlgn="base" hangingPunct="0">
+              <a:spcBef>
+                <a:spcPct val="20000"/>
+              </a:spcBef>
+              <a:spcAft>
+                <a:spcPct val="0"/>
+              </a:spcAft>
+              <a:buChar char="»"/>
+              <a:defRPr sz="2000">
+                <a:solidFill>
+                  <a:schemeClr val="tx1"/>
+                </a:solidFill>
+                <a:latin typeface="Arial" pitchFamily="34" charset="0"/>
+                <a:ea typeface="宋体" pitchFamily="2" charset="-122"/>
+              </a:defRPr>
+            </a:lvl8pPr>
+            <a:lvl9pPr marL="3886200" indent="-228600" eaLnBrk="0" fontAlgn="base" hangingPunct="0">
+              <a:spcBef>
+                <a:spcPct val="20000"/>
+              </a:spcBef>
+              <a:spcAft>
+                <a:spcPct val="0"/>
+              </a:spcAft>
+              <a:buChar char="»"/>
+              <a:defRPr sz="2000">
+                <a:solidFill>
+                  <a:schemeClr val="tx1"/>
+                </a:solidFill>
+                <a:latin typeface="Arial" pitchFamily="34" charset="0"/>
+                <a:ea typeface="宋体" pitchFamily="2" charset="-122"/>
+              </a:defRPr>
+            </a:lvl9pPr>
+          </a:lstStyle>
+          <a:p>
+            <a:pPr eaLnBrk="1" hangingPunct="1">
+              <a:spcBef>
+                <a:spcPct val="0"/>
+              </a:spcBef>
+              <a:buFontTx/>
+              <a:buNone/>
+            </a:pPr>
+            <a:r>
+              <a:rPr lang="zh-CN" altLang="en-US" sz="2600" b="1" dirty="0" smtClean="0">
+                <a:solidFill>
+                  <a:schemeClr val="tx1">
+                    <a:lumMod val="75000"/>
+                    <a:lumOff val="25000"/>
+                  </a:schemeClr>
+                </a:solidFill>
+                <a:latin typeface="微软雅黑" pitchFamily="34" charset="-122"/>
+              </a:rPr>
+              <a:t>关于财务自由的四点想法</a:t>
+            </a:r>
+            <a:endParaRPr lang="zh-CN" altLang="en-US" sz="2600" b="1" dirty="0">
+              <a:solidFill>
+                <a:schemeClr val="tx1">
+                  <a:lumMod val="75000"/>
+                  <a:lumOff val="25000"/>
+                </a:schemeClr>
+              </a:solidFill>
+              <a:latin typeface="微软雅黑" pitchFamily="34" charset="-122"/>
+            </a:endParaRPr>
+          </a:p>
+        </p:txBody>
+      </p:sp>
+      <p:grpSp>
+        <p:nvGrpSpPr>
+          <p:cNvPr id="74" name="组合 34"/>
+          <p:cNvGrpSpPr>
+            <a:grpSpLocks/>
+          </p:cNvGrpSpPr>
+          <p:nvPr/>
+        </p:nvGrpSpPr>
+        <p:grpSpPr bwMode="auto">
+          <a:xfrm>
+            <a:off x="969363" y="3030115"/>
+            <a:ext cx="1009042" cy="1011755"/>
+            <a:chOff x="0" y="0"/>
+            <a:chExt cx="1154113" cy="1155699"/>
+          </a:xfrm>
+          <a:solidFill>
+            <a:schemeClr val="bg1">
+              <a:lumMod val="65000"/>
+            </a:schemeClr>
+          </a:solidFill>
+        </p:grpSpPr>
+        <p:sp>
+          <p:nvSpPr>
+            <p:cNvPr id="92" name="Oval 30"/>
+            <p:cNvSpPr>
+              <a:spLocks noChangeArrowheads="1"/>
+            </p:cNvSpPr>
+            <p:nvPr/>
+          </p:nvSpPr>
+          <p:spPr bwMode="auto">
+            <a:xfrm>
+              <a:off x="0" y="0"/>
+              <a:ext cx="1154113" cy="1155699"/>
+            </a:xfrm>
+            <a:prstGeom prst="ellipse">
+              <a:avLst/>
+            </a:prstGeom>
+            <a:solidFill>
+              <a:schemeClr val="accent1"/>
+            </a:solidFill>
+            <a:ln w="63500">
+              <a:solidFill>
+                <a:schemeClr val="bg1"/>
+              </a:solidFill>
+              <a:round/>
+              <a:headEnd/>
+              <a:tailEnd/>
+            </a:ln>
+            <a:effectLst>
+              <a:outerShdw blurRad="101600" dist="38100" dir="8100000" algn="tr" rotWithShape="0">
+                <a:prstClr val="black">
+                  <a:alpha val="40000"/>
+                </a:prstClr>
+              </a:outerShdw>
+            </a:effectLst>
+            <a:extLst/>
+          </p:spPr>
+          <p:txBody>
+            <a:bodyPr/>
+            <a:lstStyle>
+              <a:lvl1pPr eaLnBrk="0" hangingPunct="0">
+                <a:spcBef>
+                  <a:spcPct val="20000"/>
+                </a:spcBef>
+                <a:buChar char="•"/>
+                <a:defRPr sz="2000">
+                  <a:solidFill>
+                    <a:schemeClr val="accent1"/>
+                  </a:solidFill>
+                  <a:latin typeface="Arial" pitchFamily="34" charset="0"/>
+                  <a:ea typeface="微软雅黑" pitchFamily="34" charset="-122"/>
+                </a:defRPr>
+              </a:lvl1pPr>
+              <a:lvl2pPr marL="742950" indent="-285750" eaLnBrk="0" hangingPunct="0">
+                <a:spcBef>
+                  <a:spcPct val="20000"/>
+                </a:spcBef>
+                <a:buChar char="–"/>
+                <a:defRPr sz="2000">
+                  <a:solidFill>
+                    <a:schemeClr val="accent1"/>
+                  </a:solidFill>
+                  <a:latin typeface="Arial" pitchFamily="34" charset="0"/>
+                  <a:ea typeface="仿宋_GB2312" pitchFamily="1" charset="-122"/>
+                </a:defRPr>
+              </a:lvl2pPr>
+              <a:lvl3pPr marL="1143000" indent="-228600" eaLnBrk="0" hangingPunct="0">
+                <a:spcBef>
+                  <a:spcPct val="20000"/>
+                </a:spcBef>
+                <a:buChar char="•"/>
+                <a:defRPr sz="2400">
+                  <a:solidFill>
+                    <a:schemeClr val="tx1"/>
+                  </a:solidFill>
+                  <a:latin typeface="Arial" pitchFamily="34" charset="0"/>
+                  <a:ea typeface="宋体" pitchFamily="2" charset="-122"/>
+                </a:defRPr>
+              </a:lvl3pPr>
+              <a:lvl4pPr marL="1600200" indent="-228600" eaLnBrk="0" hangingPunct="0">
+                <a:spcBef>
+                  <a:spcPct val="20000"/>
+                </a:spcBef>
+                <a:buChar char="–"/>
+                <a:defRPr sz="2000">
+                  <a:solidFill>
+                    <a:schemeClr val="tx1"/>
+                  </a:solidFill>
+                  <a:latin typeface="Arial" pitchFamily="34" charset="0"/>
+                  <a:ea typeface="宋体" pitchFamily="2" charset="-122"/>
+                </a:defRPr>
+              </a:lvl4pPr>
+              <a:lvl5pPr marL="2057400" indent="-228600" eaLnBrk="0" hangingPunct="0">
+                <a:spcBef>
+                  <a:spcPct val="20000"/>
+                </a:spcBef>
+                <a:buChar char="»"/>
+                <a:defRPr sz="2000">
+                  <a:solidFill>
+                    <a:schemeClr val="tx1"/>
+                  </a:solidFill>
+                  <a:latin typeface="Arial" pitchFamily="34" charset="0"/>
+                  <a:ea typeface="宋体" pitchFamily="2" charset="-122"/>
+                </a:defRPr>
+              </a:lvl5pPr>
+              <a:lvl6pPr marL="2514600" indent="-228600" eaLnBrk="0" fontAlgn="base" hangingPunct="0">
+                <a:spcBef>
+                  <a:spcPct val="20000"/>
+                </a:spcBef>
+                <a:spcAft>
+                  <a:spcPct val="0"/>
+                </a:spcAft>
+                <a:buChar char="»"/>
+                <a:defRPr sz="2000">
+                  <a:solidFill>
+                    <a:schemeClr val="tx1"/>
+                  </a:solidFill>
+                  <a:latin typeface="Arial" pitchFamily="34" charset="0"/>
+                  <a:ea typeface="宋体" pitchFamily="2" charset="-122"/>
+                </a:defRPr>
+              </a:lvl6pPr>
+              <a:lvl7pPr marL="2971800" indent="-228600" eaLnBrk="0" fontAlgn="base" hangingPunct="0">
+                <a:spcBef>
+                  <a:spcPct val="20000"/>
+                </a:spcBef>
+                <a:spcAft>
+                  <a:spcPct val="0"/>
+                </a:spcAft>
+                <a:buChar char="»"/>
+                <a:defRPr sz="2000">
+                  <a:solidFill>
+                    <a:schemeClr val="tx1"/>
+                  </a:solidFill>
+                  <a:latin typeface="Arial" pitchFamily="34" charset="0"/>
+                  <a:ea typeface="宋体" pitchFamily="2" charset="-122"/>
+                </a:defRPr>
+              </a:lvl7pPr>
+              <a:lvl8pPr marL="3429000" indent="-228600" eaLnBrk="0" fontAlgn="base" hangingPunct="0">
+                <a:spcBef>
+                  <a:spcPct val="20000"/>
+                </a:spcBef>
+                <a:spcAft>
+                  <a:spcPct val="0"/>
+                </a:spcAft>
+                <a:buChar char="»"/>
+                <a:defRPr sz="2000">
+                  <a:solidFill>
+                    <a:schemeClr val="tx1"/>
+                  </a:solidFill>
+                  <a:latin typeface="Arial" pitchFamily="34" charset="0"/>
+                  <a:ea typeface="宋体" pitchFamily="2" charset="-122"/>
+                </a:defRPr>
+              </a:lvl8pPr>
+              <a:lvl9pPr marL="3886200" indent="-228600" eaLnBrk="0" fontAlgn="base" hangingPunct="0">
+                <a:spcBef>
+                  <a:spcPct val="20000"/>
+                </a:spcBef>
+                <a:spcAft>
+                  <a:spcPct val="0"/>
+                </a:spcAft>
+                <a:buChar char="»"/>
+                <a:defRPr sz="2000">
+                  <a:solidFill>
+                    <a:schemeClr val="tx1"/>
+                  </a:solidFill>
+                  <a:latin typeface="Arial" pitchFamily="34" charset="0"/>
+                  <a:ea typeface="宋体" pitchFamily="2" charset="-122"/>
+                </a:defRPr>
+              </a:lvl9pPr>
+            </a:lstStyle>
+            <a:p>
+              <a:pPr eaLnBrk="1" hangingPunct="1">
+                <a:spcBef>
+                  <a:spcPct val="0"/>
+                </a:spcBef>
+                <a:buFontTx/>
+                <a:buNone/>
+              </a:pPr>
+              <a:endParaRPr lang="zh-CN" altLang="en-US" sz="1200">
+                <a:solidFill>
+                  <a:schemeClr val="tx1"/>
+                </a:solidFill>
+                <a:latin typeface="微软雅黑" panose="020B0503020204020204" pitchFamily="34" charset="-122"/>
+              </a:endParaRPr>
+            </a:p>
+          </p:txBody>
+        </p:sp>
+        <p:sp>
+          <p:nvSpPr>
+            <p:cNvPr id="93" name="Freeform 34"/>
+            <p:cNvSpPr>
+              <a:spLocks noEditPoints="1"/>
+            </p:cNvSpPr>
+            <p:nvPr/>
+          </p:nvSpPr>
+          <p:spPr bwMode="auto">
+            <a:xfrm>
+              <a:off x="266700" y="128587"/>
+              <a:ext cx="638175" cy="868362"/>
+            </a:xfrm>
+            <a:custGeom>
+              <a:avLst/>
+              <a:gdLst>
+                <a:gd name="T0" fmla="*/ 128715 w 709"/>
+                <a:gd name="T1" fmla="*/ 322149 h 965"/>
+                <a:gd name="T2" fmla="*/ 196223 w 709"/>
+                <a:gd name="T3" fmla="*/ 480524 h 965"/>
+                <a:gd name="T4" fmla="*/ 251130 w 709"/>
+                <a:gd name="T5" fmla="*/ 607403 h 965"/>
+                <a:gd name="T6" fmla="*/ 374444 w 709"/>
+                <a:gd name="T7" fmla="*/ 611003 h 965"/>
+                <a:gd name="T8" fmla="*/ 401447 w 709"/>
+                <a:gd name="T9" fmla="*/ 560611 h 965"/>
+                <a:gd name="T10" fmla="*/ 469855 w 709"/>
+                <a:gd name="T11" fmla="*/ 432831 h 965"/>
+                <a:gd name="T12" fmla="*/ 319538 w 709"/>
+                <a:gd name="T13" fmla="*/ 132279 h 965"/>
+                <a:gd name="T14" fmla="*/ 264631 w 709"/>
+                <a:gd name="T15" fmla="*/ 650597 h 965"/>
+                <a:gd name="T16" fmla="*/ 201624 w 709"/>
+                <a:gd name="T17" fmla="*/ 578608 h 965"/>
+                <a:gd name="T18" fmla="*/ 135916 w 709"/>
+                <a:gd name="T19" fmla="*/ 455328 h 965"/>
+                <a:gd name="T20" fmla="*/ 319538 w 709"/>
+                <a:gd name="T21" fmla="*/ 91785 h 965"/>
+                <a:gd name="T22" fmla="*/ 503159 w 709"/>
+                <a:gd name="T23" fmla="*/ 455328 h 965"/>
+                <a:gd name="T24" fmla="*/ 436551 w 709"/>
+                <a:gd name="T25" fmla="*/ 578608 h 965"/>
+                <a:gd name="T26" fmla="*/ 374444 w 709"/>
+                <a:gd name="T27" fmla="*/ 650597 h 965"/>
+                <a:gd name="T28" fmla="*/ 228627 w 709"/>
+                <a:gd name="T29" fmla="*/ 778376 h 965"/>
+                <a:gd name="T30" fmla="*/ 383445 w 709"/>
+                <a:gd name="T31" fmla="*/ 807172 h 965"/>
+                <a:gd name="T32" fmla="*/ 383445 w 709"/>
+                <a:gd name="T33" fmla="*/ 748681 h 965"/>
+                <a:gd name="T34" fmla="*/ 246629 w 709"/>
+                <a:gd name="T35" fmla="*/ 796373 h 965"/>
+                <a:gd name="T36" fmla="*/ 395146 w 709"/>
+                <a:gd name="T37" fmla="*/ 796373 h 965"/>
+                <a:gd name="T38" fmla="*/ 413149 w 709"/>
+                <a:gd name="T39" fmla="*/ 778376 h 965"/>
+                <a:gd name="T40" fmla="*/ 228627 w 709"/>
+                <a:gd name="T41" fmla="*/ 685691 h 965"/>
+                <a:gd name="T42" fmla="*/ 413149 w 709"/>
+                <a:gd name="T43" fmla="*/ 778376 h 965"/>
+                <a:gd name="T44" fmla="*/ 411348 w 709"/>
+                <a:gd name="T45" fmla="*/ 362642 h 965"/>
+                <a:gd name="T46" fmla="*/ 349241 w 709"/>
+                <a:gd name="T47" fmla="*/ 424733 h 965"/>
+                <a:gd name="T48" fmla="*/ 288934 w 709"/>
+                <a:gd name="T49" fmla="*/ 424733 h 965"/>
+                <a:gd name="T50" fmla="*/ 226827 w 709"/>
+                <a:gd name="T51" fmla="*/ 362642 h 965"/>
+                <a:gd name="T52" fmla="*/ 226827 w 709"/>
+                <a:gd name="T53" fmla="*/ 302352 h 965"/>
+                <a:gd name="T54" fmla="*/ 288934 w 709"/>
+                <a:gd name="T55" fmla="*/ 239362 h 965"/>
+                <a:gd name="T56" fmla="*/ 349241 w 709"/>
+                <a:gd name="T57" fmla="*/ 239362 h 965"/>
+                <a:gd name="T58" fmla="*/ 411348 w 709"/>
+                <a:gd name="T59" fmla="*/ 302352 h 965"/>
+                <a:gd name="T60" fmla="*/ 612972 w 709"/>
+                <a:gd name="T61" fmla="*/ 293353 h 965"/>
+                <a:gd name="T62" fmla="*/ 580568 w 709"/>
+                <a:gd name="T63" fmla="*/ 322149 h 965"/>
+                <a:gd name="T64" fmla="*/ 612972 w 709"/>
+                <a:gd name="T65" fmla="*/ 341046 h 965"/>
+                <a:gd name="T66" fmla="*/ 612972 w 709"/>
+                <a:gd name="T67" fmla="*/ 293353 h 965"/>
+                <a:gd name="T68" fmla="*/ 542764 w 709"/>
+                <a:gd name="T69" fmla="*/ 127780 h 965"/>
+                <a:gd name="T70" fmla="*/ 509460 w 709"/>
+                <a:gd name="T71" fmla="*/ 94485 h 965"/>
+                <a:gd name="T72" fmla="*/ 518461 w 709"/>
+                <a:gd name="T73" fmla="*/ 152976 h 965"/>
+                <a:gd name="T74" fmla="*/ 342040 w 709"/>
+                <a:gd name="T75" fmla="*/ 61190 h 965"/>
+                <a:gd name="T76" fmla="*/ 318637 w 709"/>
+                <a:gd name="T77" fmla="*/ 0 h 965"/>
+                <a:gd name="T78" fmla="*/ 294335 w 709"/>
+                <a:gd name="T79" fmla="*/ 61190 h 965"/>
+                <a:gd name="T80" fmla="*/ 117014 w 709"/>
+                <a:gd name="T81" fmla="*/ 155675 h 965"/>
+                <a:gd name="T82" fmla="*/ 127815 w 709"/>
+                <a:gd name="T83" fmla="*/ 98084 h 965"/>
+                <a:gd name="T84" fmla="*/ 93611 w 709"/>
+                <a:gd name="T85" fmla="*/ 132279 h 965"/>
+                <a:gd name="T86" fmla="*/ 57607 w 709"/>
+                <a:gd name="T87" fmla="*/ 322149 h 965"/>
+                <a:gd name="T88" fmla="*/ 25203 w 709"/>
+                <a:gd name="T89" fmla="*/ 293353 h 965"/>
+                <a:gd name="T90" fmla="*/ 25203 w 709"/>
+                <a:gd name="T91" fmla="*/ 341046 h 965"/>
+                <a:gd name="T92" fmla="*/ 57607 w 709"/>
+                <a:gd name="T93" fmla="*/ 322149 h 965"/>
+                <a:gd name="T94" fmla="*/ 0 60000 65536"/>
+                <a:gd name="T95" fmla="*/ 0 60000 65536"/>
+                <a:gd name="T96" fmla="*/ 0 60000 65536"/>
+                <a:gd name="T97" fmla="*/ 0 60000 65536"/>
+                <a:gd name="T98" fmla="*/ 0 60000 65536"/>
+                <a:gd name="T99" fmla="*/ 0 60000 65536"/>
+                <a:gd name="T100" fmla="*/ 0 60000 65536"/>
+                <a:gd name="T101" fmla="*/ 0 60000 65536"/>
+                <a:gd name="T102" fmla="*/ 0 60000 65536"/>
+                <a:gd name="T103" fmla="*/ 0 60000 65536"/>
+                <a:gd name="T104" fmla="*/ 0 60000 65536"/>
+                <a:gd name="T105" fmla="*/ 0 60000 65536"/>
+                <a:gd name="T106" fmla="*/ 0 60000 65536"/>
+                <a:gd name="T107" fmla="*/ 0 60000 65536"/>
+                <a:gd name="T108" fmla="*/ 0 60000 65536"/>
+                <a:gd name="T109" fmla="*/ 0 60000 65536"/>
+                <a:gd name="T110" fmla="*/ 0 60000 65536"/>
+                <a:gd name="T111" fmla="*/ 0 60000 65536"/>
+                <a:gd name="T112" fmla="*/ 0 60000 65536"/>
+                <a:gd name="T113" fmla="*/ 0 60000 65536"/>
+                <a:gd name="T114" fmla="*/ 0 60000 65536"/>
+                <a:gd name="T115" fmla="*/ 0 60000 65536"/>
+                <a:gd name="T116" fmla="*/ 0 60000 65536"/>
+                <a:gd name="T117" fmla="*/ 0 60000 65536"/>
+                <a:gd name="T118" fmla="*/ 0 60000 65536"/>
+                <a:gd name="T119" fmla="*/ 0 60000 65536"/>
+                <a:gd name="T120" fmla="*/ 0 60000 65536"/>
+                <a:gd name="T121" fmla="*/ 0 60000 65536"/>
+                <a:gd name="T122" fmla="*/ 0 60000 65536"/>
+                <a:gd name="T123" fmla="*/ 0 60000 65536"/>
+                <a:gd name="T124" fmla="*/ 0 60000 65536"/>
+                <a:gd name="T125" fmla="*/ 0 60000 65536"/>
+                <a:gd name="T126" fmla="*/ 0 60000 65536"/>
+                <a:gd name="T127" fmla="*/ 0 60000 65536"/>
+                <a:gd name="T128" fmla="*/ 0 60000 65536"/>
+                <a:gd name="T129" fmla="*/ 0 60000 65536"/>
+                <a:gd name="T130" fmla="*/ 0 60000 65536"/>
+                <a:gd name="T131" fmla="*/ 0 60000 65536"/>
+                <a:gd name="T132" fmla="*/ 0 60000 65536"/>
+                <a:gd name="T133" fmla="*/ 0 60000 65536"/>
+                <a:gd name="T134" fmla="*/ 0 60000 65536"/>
+                <a:gd name="T135" fmla="*/ 0 60000 65536"/>
+                <a:gd name="T136" fmla="*/ 0 60000 65536"/>
+                <a:gd name="T137" fmla="*/ 0 60000 65536"/>
+                <a:gd name="T138" fmla="*/ 0 60000 65536"/>
+                <a:gd name="T139" fmla="*/ 0 60000 65536"/>
+                <a:gd name="T140" fmla="*/ 0 60000 65536"/>
+              </a:gdLst>
+              <a:ahLst/>
+              <a:cxnLst>
+                <a:cxn ang="T94">
+                  <a:pos x="T0" y="T1"/>
+                </a:cxn>
+                <a:cxn ang="T95">
+                  <a:pos x="T2" y="T3"/>
+                </a:cxn>
+                <a:cxn ang="T96">
+                  <a:pos x="T4" y="T5"/>
+                </a:cxn>
+                <a:cxn ang="T97">
+                  <a:pos x="T6" y="T7"/>
+                </a:cxn>
+                <a:cxn ang="T98">
+                  <a:pos x="T8" y="T9"/>
+                </a:cxn>
+                <a:cxn ang="T99">
+                  <a:pos x="T10" y="T11"/>
+                </a:cxn>
+                <a:cxn ang="T100">
+                  <a:pos x="T12" y="T13"/>
+                </a:cxn>
+                <a:cxn ang="T101">
+                  <a:pos x="T14" y="T15"/>
+                </a:cxn>
+                <a:cxn ang="T102">
+                  <a:pos x="T16" y="T17"/>
+                </a:cxn>
+                <a:cxn ang="T103">
+                  <a:pos x="T18" y="T19"/>
+                </a:cxn>
+                <a:cxn ang="T104">
+                  <a:pos x="T20" y="T21"/>
+                </a:cxn>
+                <a:cxn ang="T105">
+                  <a:pos x="T22" y="T23"/>
+                </a:cxn>
+                <a:cxn ang="T106">
+                  <a:pos x="T24" y="T25"/>
+                </a:cxn>
+                <a:cxn ang="T107">
+                  <a:pos x="T26" y="T27"/>
+                </a:cxn>
+                <a:cxn ang="T108">
+                  <a:pos x="T28" y="T29"/>
+                </a:cxn>
+                <a:cxn ang="T109">
+                  <a:pos x="T30" y="T31"/>
+                </a:cxn>
+                <a:cxn ang="T110">
+                  <a:pos x="T32" y="T33"/>
+                </a:cxn>
+                <a:cxn ang="T111">
+                  <a:pos x="T34" y="T35"/>
+                </a:cxn>
+                <a:cxn ang="T112">
+                  <a:pos x="T36" y="T37"/>
+                </a:cxn>
+                <a:cxn ang="T113">
+                  <a:pos x="T38" y="T39"/>
+                </a:cxn>
+                <a:cxn ang="T114">
+                  <a:pos x="T40" y="T41"/>
+                </a:cxn>
+                <a:cxn ang="T115">
+                  <a:pos x="T42" y="T43"/>
+                </a:cxn>
+                <a:cxn ang="T116">
+                  <a:pos x="T44" y="T45"/>
+                </a:cxn>
+                <a:cxn ang="T117">
+                  <a:pos x="T46" y="T47"/>
+                </a:cxn>
+                <a:cxn ang="T118">
+                  <a:pos x="T48" y="T49"/>
+                </a:cxn>
+                <a:cxn ang="T119">
+                  <a:pos x="T50" y="T51"/>
+                </a:cxn>
+                <a:cxn ang="T120">
+                  <a:pos x="T52" y="T53"/>
+                </a:cxn>
+                <a:cxn ang="T121">
+                  <a:pos x="T54" y="T55"/>
+                </a:cxn>
+                <a:cxn ang="T122">
+                  <a:pos x="T56" y="T57"/>
+                </a:cxn>
+                <a:cxn ang="T123">
+                  <a:pos x="T58" y="T59"/>
+                </a:cxn>
+                <a:cxn ang="T124">
+                  <a:pos x="T60" y="T61"/>
+                </a:cxn>
+                <a:cxn ang="T125">
+                  <a:pos x="T62" y="T63"/>
+                </a:cxn>
+                <a:cxn ang="T126">
+                  <a:pos x="T64" y="T65"/>
+                </a:cxn>
+                <a:cxn ang="T127">
+                  <a:pos x="T66" y="T67"/>
+                </a:cxn>
+                <a:cxn ang="T128">
+                  <a:pos x="T68" y="T69"/>
+                </a:cxn>
+                <a:cxn ang="T129">
+                  <a:pos x="T70" y="T71"/>
+                </a:cxn>
+                <a:cxn ang="T130">
+                  <a:pos x="T72" y="T73"/>
+                </a:cxn>
+                <a:cxn ang="T131">
+                  <a:pos x="T74" y="T75"/>
+                </a:cxn>
+                <a:cxn ang="T132">
+                  <a:pos x="T76" y="T77"/>
+                </a:cxn>
+                <a:cxn ang="T133">
+                  <a:pos x="T78" y="T79"/>
+                </a:cxn>
+                <a:cxn ang="T134">
+                  <a:pos x="T80" y="T81"/>
+                </a:cxn>
+                <a:cxn ang="T135">
+                  <a:pos x="T82" y="T83"/>
+                </a:cxn>
+                <a:cxn ang="T136">
+                  <a:pos x="T84" y="T85"/>
+                </a:cxn>
+                <a:cxn ang="T137">
+                  <a:pos x="T86" y="T87"/>
+                </a:cxn>
+                <a:cxn ang="T138">
+                  <a:pos x="T88" y="T89"/>
+                </a:cxn>
+                <a:cxn ang="T139">
+                  <a:pos x="T90" y="T91"/>
+                </a:cxn>
+                <a:cxn ang="T140">
+                  <a:pos x="T92" y="T93"/>
+                </a:cxn>
+              </a:cxnLst>
+              <a:rect l="0" t="0" r="r" b="b"/>
+              <a:pathLst>
+                <a:path w="709" h="965">
+                  <a:moveTo>
+                    <a:pt x="355" y="147"/>
+                  </a:moveTo>
+                  <a:cubicBezTo>
+                    <a:pt x="238" y="147"/>
+                    <a:pt x="143" y="241"/>
+                    <a:pt x="143" y="358"/>
+                  </a:cubicBezTo>
+                  <a:cubicBezTo>
+                    <a:pt x="143" y="414"/>
+                    <a:pt x="187" y="481"/>
+                    <a:pt x="188" y="481"/>
+                  </a:cubicBezTo>
+                  <a:cubicBezTo>
+                    <a:pt x="197" y="496"/>
+                    <a:pt x="210" y="519"/>
+                    <a:pt x="218" y="534"/>
+                  </a:cubicBezTo>
+                  <a:lnTo>
+                    <a:pt x="264" y="623"/>
+                  </a:lnTo>
+                  <a:cubicBezTo>
+                    <a:pt x="272" y="639"/>
+                    <a:pt x="279" y="662"/>
+                    <a:pt x="279" y="675"/>
+                  </a:cubicBezTo>
+                  <a:cubicBezTo>
+                    <a:pt x="279" y="675"/>
+                    <a:pt x="284" y="679"/>
+                    <a:pt x="294" y="679"/>
+                  </a:cubicBezTo>
+                  <a:lnTo>
+                    <a:pt x="416" y="679"/>
+                  </a:lnTo>
+                  <a:cubicBezTo>
+                    <a:pt x="425" y="679"/>
+                    <a:pt x="430" y="675"/>
+                    <a:pt x="431" y="674"/>
+                  </a:cubicBezTo>
+                  <a:cubicBezTo>
+                    <a:pt x="430" y="662"/>
+                    <a:pt x="437" y="639"/>
+                    <a:pt x="446" y="623"/>
+                  </a:cubicBezTo>
+                  <a:lnTo>
+                    <a:pt x="491" y="534"/>
+                  </a:lnTo>
+                  <a:cubicBezTo>
+                    <a:pt x="499" y="519"/>
+                    <a:pt x="513" y="495"/>
+                    <a:pt x="522" y="481"/>
+                  </a:cubicBezTo>
+                  <a:cubicBezTo>
+                    <a:pt x="537" y="458"/>
+                    <a:pt x="566" y="402"/>
+                    <a:pt x="566" y="358"/>
+                  </a:cubicBezTo>
+                  <a:cubicBezTo>
+                    <a:pt x="566" y="241"/>
+                    <a:pt x="471" y="147"/>
+                    <a:pt x="355" y="147"/>
+                  </a:cubicBezTo>
+                  <a:close/>
+                  <a:moveTo>
+                    <a:pt x="416" y="723"/>
+                  </a:moveTo>
+                  <a:lnTo>
+                    <a:pt x="294" y="723"/>
+                  </a:lnTo>
+                  <a:cubicBezTo>
+                    <a:pt x="261" y="723"/>
+                    <a:pt x="235" y="702"/>
+                    <a:pt x="235" y="675"/>
+                  </a:cubicBezTo>
+                  <a:cubicBezTo>
+                    <a:pt x="235" y="671"/>
+                    <a:pt x="231" y="656"/>
+                    <a:pt x="224" y="643"/>
+                  </a:cubicBezTo>
+                  <a:lnTo>
+                    <a:pt x="179" y="554"/>
+                  </a:lnTo>
+                  <a:cubicBezTo>
+                    <a:pt x="172" y="540"/>
+                    <a:pt x="159" y="519"/>
+                    <a:pt x="151" y="506"/>
+                  </a:cubicBezTo>
+                  <a:cubicBezTo>
+                    <a:pt x="145" y="498"/>
+                    <a:pt x="99" y="425"/>
+                    <a:pt x="99" y="358"/>
+                  </a:cubicBezTo>
+                  <a:cubicBezTo>
+                    <a:pt x="99" y="217"/>
+                    <a:pt x="214" y="102"/>
+                    <a:pt x="355" y="102"/>
+                  </a:cubicBezTo>
+                  <a:cubicBezTo>
+                    <a:pt x="495" y="102"/>
+                    <a:pt x="610" y="217"/>
+                    <a:pt x="610" y="358"/>
+                  </a:cubicBezTo>
+                  <a:cubicBezTo>
+                    <a:pt x="610" y="425"/>
+                    <a:pt x="564" y="498"/>
+                    <a:pt x="559" y="506"/>
+                  </a:cubicBezTo>
+                  <a:cubicBezTo>
+                    <a:pt x="550" y="518"/>
+                    <a:pt x="537" y="541"/>
+                    <a:pt x="530" y="554"/>
+                  </a:cubicBezTo>
+                  <a:lnTo>
+                    <a:pt x="485" y="643"/>
+                  </a:lnTo>
+                  <a:cubicBezTo>
+                    <a:pt x="478" y="656"/>
+                    <a:pt x="475" y="671"/>
+                    <a:pt x="475" y="675"/>
+                  </a:cubicBezTo>
+                  <a:cubicBezTo>
+                    <a:pt x="475" y="702"/>
+                    <a:pt x="449" y="723"/>
+                    <a:pt x="416" y="723"/>
+                  </a:cubicBezTo>
+                  <a:close/>
+                  <a:moveTo>
+                    <a:pt x="287" y="832"/>
+                  </a:moveTo>
+                  <a:cubicBezTo>
+                    <a:pt x="269" y="832"/>
+                    <a:pt x="254" y="846"/>
+                    <a:pt x="254" y="865"/>
+                  </a:cubicBezTo>
+                  <a:cubicBezTo>
+                    <a:pt x="254" y="883"/>
+                    <a:pt x="269" y="897"/>
+                    <a:pt x="287" y="897"/>
+                  </a:cubicBezTo>
+                  <a:lnTo>
+                    <a:pt x="426" y="897"/>
+                  </a:lnTo>
+                  <a:cubicBezTo>
+                    <a:pt x="444" y="897"/>
+                    <a:pt x="459" y="883"/>
+                    <a:pt x="459" y="865"/>
+                  </a:cubicBezTo>
+                  <a:cubicBezTo>
+                    <a:pt x="459" y="846"/>
+                    <a:pt x="444" y="832"/>
+                    <a:pt x="426" y="832"/>
+                  </a:cubicBezTo>
+                  <a:lnTo>
+                    <a:pt x="287" y="832"/>
+                  </a:lnTo>
+                  <a:close/>
+                  <a:moveTo>
+                    <a:pt x="274" y="885"/>
+                  </a:moveTo>
+                  <a:cubicBezTo>
+                    <a:pt x="276" y="929"/>
+                    <a:pt x="312" y="965"/>
+                    <a:pt x="356" y="965"/>
+                  </a:cubicBezTo>
+                  <a:cubicBezTo>
+                    <a:pt x="401" y="965"/>
+                    <a:pt x="437" y="929"/>
+                    <a:pt x="439" y="885"/>
+                  </a:cubicBezTo>
+                  <a:lnTo>
+                    <a:pt x="274" y="885"/>
+                  </a:lnTo>
+                  <a:close/>
+                  <a:moveTo>
+                    <a:pt x="459" y="865"/>
+                  </a:moveTo>
+                  <a:lnTo>
+                    <a:pt x="254" y="865"/>
+                  </a:lnTo>
+                  <a:lnTo>
+                    <a:pt x="254" y="762"/>
+                  </a:lnTo>
+                  <a:lnTo>
+                    <a:pt x="459" y="762"/>
+                  </a:lnTo>
+                  <a:lnTo>
+                    <a:pt x="459" y="865"/>
+                  </a:lnTo>
+                  <a:close/>
+                  <a:moveTo>
+                    <a:pt x="491" y="369"/>
+                  </a:moveTo>
+                  <a:cubicBezTo>
+                    <a:pt x="491" y="388"/>
+                    <a:pt x="476" y="403"/>
+                    <a:pt x="457" y="403"/>
+                  </a:cubicBezTo>
+                  <a:lnTo>
+                    <a:pt x="388" y="403"/>
+                  </a:lnTo>
+                  <a:lnTo>
+                    <a:pt x="388" y="472"/>
+                  </a:lnTo>
+                  <a:cubicBezTo>
+                    <a:pt x="388" y="491"/>
+                    <a:pt x="373" y="506"/>
+                    <a:pt x="355" y="506"/>
+                  </a:cubicBezTo>
+                  <a:cubicBezTo>
+                    <a:pt x="336" y="506"/>
+                    <a:pt x="321" y="491"/>
+                    <a:pt x="321" y="472"/>
+                  </a:cubicBezTo>
+                  <a:lnTo>
+                    <a:pt x="321" y="403"/>
+                  </a:lnTo>
+                  <a:lnTo>
+                    <a:pt x="252" y="403"/>
+                  </a:lnTo>
+                  <a:cubicBezTo>
+                    <a:pt x="233" y="403"/>
+                    <a:pt x="218" y="388"/>
+                    <a:pt x="218" y="369"/>
+                  </a:cubicBezTo>
+                  <a:cubicBezTo>
+                    <a:pt x="218" y="351"/>
+                    <a:pt x="233" y="336"/>
+                    <a:pt x="252" y="336"/>
+                  </a:cubicBezTo>
+                  <a:lnTo>
+                    <a:pt x="321" y="336"/>
+                  </a:lnTo>
+                  <a:lnTo>
+                    <a:pt x="321" y="266"/>
+                  </a:lnTo>
+                  <a:cubicBezTo>
+                    <a:pt x="321" y="248"/>
+                    <a:pt x="336" y="233"/>
+                    <a:pt x="355" y="233"/>
+                  </a:cubicBezTo>
+                  <a:cubicBezTo>
+                    <a:pt x="373" y="233"/>
+                    <a:pt x="388" y="248"/>
+                    <a:pt x="388" y="266"/>
+                  </a:cubicBezTo>
+                  <a:lnTo>
+                    <a:pt x="388" y="336"/>
+                  </a:lnTo>
+                  <a:lnTo>
+                    <a:pt x="457" y="336"/>
+                  </a:lnTo>
+                  <a:cubicBezTo>
+                    <a:pt x="476" y="336"/>
+                    <a:pt x="491" y="351"/>
+                    <a:pt x="491" y="369"/>
+                  </a:cubicBezTo>
+                  <a:close/>
+                  <a:moveTo>
+                    <a:pt x="681" y="326"/>
+                  </a:moveTo>
+                  <a:lnTo>
+                    <a:pt x="643" y="326"/>
+                  </a:lnTo>
+                  <a:cubicBezTo>
+                    <a:pt x="644" y="336"/>
+                    <a:pt x="645" y="347"/>
+                    <a:pt x="645" y="358"/>
+                  </a:cubicBezTo>
+                  <a:cubicBezTo>
+                    <a:pt x="645" y="365"/>
+                    <a:pt x="644" y="372"/>
+                    <a:pt x="643" y="379"/>
+                  </a:cubicBezTo>
+                  <a:lnTo>
+                    <a:pt x="681" y="379"/>
+                  </a:lnTo>
+                  <a:cubicBezTo>
+                    <a:pt x="696" y="379"/>
+                    <a:pt x="709" y="367"/>
+                    <a:pt x="709" y="352"/>
+                  </a:cubicBezTo>
+                  <a:cubicBezTo>
+                    <a:pt x="709" y="338"/>
+                    <a:pt x="696" y="326"/>
+                    <a:pt x="681" y="326"/>
+                  </a:cubicBezTo>
+                  <a:close/>
+                  <a:moveTo>
+                    <a:pt x="576" y="170"/>
+                  </a:moveTo>
+                  <a:lnTo>
+                    <a:pt x="603" y="142"/>
+                  </a:lnTo>
+                  <a:cubicBezTo>
+                    <a:pt x="614" y="131"/>
+                    <a:pt x="614" y="114"/>
+                    <a:pt x="604" y="104"/>
+                  </a:cubicBezTo>
+                  <a:cubicBezTo>
+                    <a:pt x="594" y="94"/>
+                    <a:pt x="577" y="94"/>
+                    <a:pt x="566" y="105"/>
+                  </a:cubicBezTo>
+                  <a:lnTo>
+                    <a:pt x="538" y="132"/>
+                  </a:lnTo>
+                  <a:cubicBezTo>
+                    <a:pt x="552" y="144"/>
+                    <a:pt x="564" y="156"/>
+                    <a:pt x="576" y="170"/>
+                  </a:cubicBezTo>
+                  <a:close/>
+                  <a:moveTo>
+                    <a:pt x="354" y="67"/>
+                  </a:moveTo>
+                  <a:cubicBezTo>
+                    <a:pt x="363" y="67"/>
+                    <a:pt x="372" y="68"/>
+                    <a:pt x="380" y="68"/>
+                  </a:cubicBezTo>
+                  <a:lnTo>
+                    <a:pt x="380" y="27"/>
+                  </a:lnTo>
+                  <a:cubicBezTo>
+                    <a:pt x="380" y="12"/>
+                    <a:pt x="368" y="0"/>
+                    <a:pt x="354" y="0"/>
+                  </a:cubicBezTo>
+                  <a:cubicBezTo>
+                    <a:pt x="339" y="0"/>
+                    <a:pt x="327" y="12"/>
+                    <a:pt x="327" y="27"/>
+                  </a:cubicBezTo>
+                  <a:lnTo>
+                    <a:pt x="327" y="68"/>
+                  </a:lnTo>
+                  <a:cubicBezTo>
+                    <a:pt x="336" y="68"/>
+                    <a:pt x="345" y="67"/>
+                    <a:pt x="354" y="67"/>
+                  </a:cubicBezTo>
+                  <a:close/>
+                  <a:moveTo>
+                    <a:pt x="130" y="173"/>
+                  </a:moveTo>
+                  <a:cubicBezTo>
+                    <a:pt x="142" y="159"/>
+                    <a:pt x="154" y="147"/>
+                    <a:pt x="168" y="135"/>
+                  </a:cubicBezTo>
+                  <a:lnTo>
+                    <a:pt x="142" y="109"/>
+                  </a:lnTo>
+                  <a:cubicBezTo>
+                    <a:pt x="131" y="99"/>
+                    <a:pt x="114" y="98"/>
+                    <a:pt x="104" y="109"/>
+                  </a:cubicBezTo>
+                  <a:cubicBezTo>
+                    <a:pt x="93" y="119"/>
+                    <a:pt x="94" y="136"/>
+                    <a:pt x="104" y="147"/>
+                  </a:cubicBezTo>
+                  <a:lnTo>
+                    <a:pt x="130" y="173"/>
+                  </a:lnTo>
+                  <a:close/>
+                  <a:moveTo>
+                    <a:pt x="64" y="358"/>
+                  </a:moveTo>
+                  <a:cubicBezTo>
+                    <a:pt x="64" y="347"/>
+                    <a:pt x="64" y="336"/>
+                    <a:pt x="66" y="326"/>
+                  </a:cubicBezTo>
+                  <a:lnTo>
+                    <a:pt x="28" y="326"/>
+                  </a:lnTo>
+                  <a:cubicBezTo>
+                    <a:pt x="13" y="326"/>
+                    <a:pt x="0" y="338"/>
+                    <a:pt x="0" y="352"/>
+                  </a:cubicBezTo>
+                  <a:cubicBezTo>
+                    <a:pt x="0" y="367"/>
+                    <a:pt x="13" y="379"/>
+                    <a:pt x="28" y="379"/>
+                  </a:cubicBezTo>
+                  <a:lnTo>
+                    <a:pt x="65" y="379"/>
+                  </a:lnTo>
+                  <a:cubicBezTo>
+                    <a:pt x="64" y="372"/>
+                    <a:pt x="64" y="365"/>
+                    <a:pt x="64" y="358"/>
+                  </a:cubicBezTo>
+                  <a:close/>
+                </a:path>
+              </a:pathLst>
+            </a:custGeom>
+            <a:solidFill>
+              <a:schemeClr val="bg1"/>
+            </a:solidFill>
+            <a:ln>
+              <a:noFill/>
+            </a:ln>
+            <a:extLst>
+              <a:ext uri="{91240B29-F687-4F45-9708-019B960494DF}">
+                <a14:hiddenLine xmlns="" xmlns:a14="http://schemas.microsoft.com/office/drawing/2010/main" w="9525">
+                  <a:solidFill>
+                    <a:srgbClr val="000000"/>
+                  </a:solidFill>
+                  <a:round/>
+                  <a:headEnd/>
+                  <a:tailEnd/>
+                </a14:hiddenLine>
+              </a:ext>
+            </a:extLst>
+          </p:spPr>
+          <p:txBody>
+            <a:bodyPr/>
+            <a:lstStyle/>
+            <a:p>
+              <a:endParaRPr lang="zh-CN" altLang="en-US">
+                <a:latin typeface="微软雅黑" panose="020B0503020204020204" pitchFamily="34" charset="-122"/>
+                <a:ea typeface="微软雅黑" panose="020B0503020204020204" pitchFamily="34" charset="-122"/>
+              </a:endParaRPr>
+            </a:p>
+          </p:txBody>
+        </p:sp>
+      </p:grpSp>
+      <p:grpSp>
+        <p:nvGrpSpPr>
+          <p:cNvPr id="75" name="组合 37"/>
+          <p:cNvGrpSpPr>
+            <a:grpSpLocks/>
+          </p:cNvGrpSpPr>
+          <p:nvPr/>
+        </p:nvGrpSpPr>
+        <p:grpSpPr bwMode="auto">
+          <a:xfrm>
+            <a:off x="991570" y="4408771"/>
+            <a:ext cx="1009042" cy="1011756"/>
+            <a:chOff x="0" y="0"/>
+            <a:chExt cx="1154113" cy="1155699"/>
+          </a:xfrm>
+          <a:solidFill>
+            <a:schemeClr val="bg1">
+              <a:lumMod val="65000"/>
+            </a:schemeClr>
+          </a:solidFill>
+        </p:grpSpPr>
+        <p:sp>
+          <p:nvSpPr>
+            <p:cNvPr id="90" name="Oval 31"/>
+            <p:cNvSpPr>
+              <a:spLocks noChangeArrowheads="1"/>
+            </p:cNvSpPr>
+            <p:nvPr/>
+          </p:nvSpPr>
+          <p:spPr bwMode="auto">
+            <a:xfrm>
+              <a:off x="0" y="0"/>
+              <a:ext cx="1154113" cy="1155699"/>
+            </a:xfrm>
+            <a:prstGeom prst="ellipse">
+              <a:avLst/>
+            </a:prstGeom>
+            <a:solidFill>
+              <a:schemeClr val="accent2"/>
+            </a:solidFill>
+            <a:ln w="63500">
+              <a:solidFill>
+                <a:schemeClr val="bg1"/>
+              </a:solidFill>
+              <a:round/>
+              <a:headEnd/>
+              <a:tailEnd/>
+            </a:ln>
+            <a:effectLst>
+              <a:outerShdw blurRad="101600" dist="38100" dir="8100000" algn="tr" rotWithShape="0">
+                <a:prstClr val="black">
+                  <a:alpha val="40000"/>
+                </a:prstClr>
+              </a:outerShdw>
+            </a:effectLst>
+            <a:extLst/>
+          </p:spPr>
+          <p:txBody>
+            <a:bodyPr/>
+            <a:lstStyle>
+              <a:lvl1pPr eaLnBrk="0" hangingPunct="0">
+                <a:spcBef>
+                  <a:spcPct val="20000"/>
+                </a:spcBef>
+                <a:buChar char="•"/>
+                <a:defRPr sz="2000">
+                  <a:solidFill>
+                    <a:schemeClr val="accent1"/>
+                  </a:solidFill>
+                  <a:latin typeface="Arial" pitchFamily="34" charset="0"/>
+                  <a:ea typeface="微软雅黑" pitchFamily="34" charset="-122"/>
+                </a:defRPr>
+              </a:lvl1pPr>
+              <a:lvl2pPr marL="742950" indent="-285750" eaLnBrk="0" hangingPunct="0">
+                <a:spcBef>
+                  <a:spcPct val="20000"/>
+                </a:spcBef>
+                <a:buChar char="–"/>
+                <a:defRPr sz="2000">
+                  <a:solidFill>
+                    <a:schemeClr val="accent1"/>
+                  </a:solidFill>
+                  <a:latin typeface="Arial" pitchFamily="34" charset="0"/>
+                  <a:ea typeface="仿宋_GB2312" pitchFamily="1" charset="-122"/>
+                </a:defRPr>
+              </a:lvl2pPr>
+              <a:lvl3pPr marL="1143000" indent="-228600" eaLnBrk="0" hangingPunct="0">
+                <a:spcBef>
+                  <a:spcPct val="20000"/>
+                </a:spcBef>
+                <a:buChar char="•"/>
+                <a:defRPr sz="2400">
+                  <a:solidFill>
+                    <a:schemeClr val="tx1"/>
+                  </a:solidFill>
+                  <a:latin typeface="Arial" pitchFamily="34" charset="0"/>
+                  <a:ea typeface="宋体" pitchFamily="2" charset="-122"/>
+                </a:defRPr>
+              </a:lvl3pPr>
+              <a:lvl4pPr marL="1600200" indent="-228600" eaLnBrk="0" hangingPunct="0">
+                <a:spcBef>
+                  <a:spcPct val="20000"/>
+                </a:spcBef>
+                <a:buChar char="–"/>
+                <a:defRPr sz="2000">
+                  <a:solidFill>
+                    <a:schemeClr val="tx1"/>
+                  </a:solidFill>
+                  <a:latin typeface="Arial" pitchFamily="34" charset="0"/>
+                  <a:ea typeface="宋体" pitchFamily="2" charset="-122"/>
+                </a:defRPr>
+              </a:lvl4pPr>
+              <a:lvl5pPr marL="2057400" indent="-228600" eaLnBrk="0" hangingPunct="0">
+                <a:spcBef>
+                  <a:spcPct val="20000"/>
+                </a:spcBef>
+                <a:buChar char="»"/>
+                <a:defRPr sz="2000">
+                  <a:solidFill>
+                    <a:schemeClr val="tx1"/>
+                  </a:solidFill>
+                  <a:latin typeface="Arial" pitchFamily="34" charset="0"/>
+                  <a:ea typeface="宋体" pitchFamily="2" charset="-122"/>
+                </a:defRPr>
+              </a:lvl5pPr>
+              <a:lvl6pPr marL="2514600" indent="-228600" eaLnBrk="0" fontAlgn="base" hangingPunct="0">
+                <a:spcBef>
+                  <a:spcPct val="20000"/>
+                </a:spcBef>
+                <a:spcAft>
+                  <a:spcPct val="0"/>
+                </a:spcAft>
+                <a:buChar char="»"/>
+                <a:defRPr sz="2000">
+                  <a:solidFill>
+                    <a:schemeClr val="tx1"/>
+                  </a:solidFill>
+                  <a:latin typeface="Arial" pitchFamily="34" charset="0"/>
+                  <a:ea typeface="宋体" pitchFamily="2" charset="-122"/>
+                </a:defRPr>
+              </a:lvl6pPr>
+              <a:lvl7pPr marL="2971800" indent="-228600" eaLnBrk="0" fontAlgn="base" hangingPunct="0">
+                <a:spcBef>
+                  <a:spcPct val="20000"/>
+                </a:spcBef>
+                <a:spcAft>
+                  <a:spcPct val="0"/>
+                </a:spcAft>
+                <a:buChar char="»"/>
+                <a:defRPr sz="2000">
+                  <a:solidFill>
+                    <a:schemeClr val="tx1"/>
+                  </a:solidFill>
+                  <a:latin typeface="Arial" pitchFamily="34" charset="0"/>
+                  <a:ea typeface="宋体" pitchFamily="2" charset="-122"/>
+                </a:defRPr>
+              </a:lvl7pPr>
+              <a:lvl8pPr marL="3429000" indent="-228600" eaLnBrk="0" fontAlgn="base" hangingPunct="0">
+                <a:spcBef>
+                  <a:spcPct val="20000"/>
+                </a:spcBef>
+                <a:spcAft>
+                  <a:spcPct val="0"/>
+                </a:spcAft>
+                <a:buChar char="»"/>
+                <a:defRPr sz="2000">
+                  <a:solidFill>
+                    <a:schemeClr val="tx1"/>
+                  </a:solidFill>
+                  <a:latin typeface="Arial" pitchFamily="34" charset="0"/>
+                  <a:ea typeface="宋体" pitchFamily="2" charset="-122"/>
+                </a:defRPr>
+              </a:lvl8pPr>
+              <a:lvl9pPr marL="3886200" indent="-228600" eaLnBrk="0" fontAlgn="base" hangingPunct="0">
+                <a:spcBef>
+                  <a:spcPct val="20000"/>
+                </a:spcBef>
+                <a:spcAft>
+                  <a:spcPct val="0"/>
+                </a:spcAft>
+                <a:buChar char="»"/>
+                <a:defRPr sz="2000">
+                  <a:solidFill>
+                    <a:schemeClr val="tx1"/>
+                  </a:solidFill>
+                  <a:latin typeface="Arial" pitchFamily="34" charset="0"/>
+                  <a:ea typeface="宋体" pitchFamily="2" charset="-122"/>
+                </a:defRPr>
+              </a:lvl9pPr>
+            </a:lstStyle>
+            <a:p>
+              <a:pPr eaLnBrk="1" hangingPunct="1">
+                <a:spcBef>
+                  <a:spcPct val="0"/>
+                </a:spcBef>
+                <a:buFontTx/>
+                <a:buNone/>
+              </a:pPr>
+              <a:endParaRPr lang="zh-CN" altLang="en-US" sz="1200">
+                <a:solidFill>
+                  <a:schemeClr val="tx1"/>
+                </a:solidFill>
+                <a:latin typeface="微软雅黑" panose="020B0503020204020204" pitchFamily="34" charset="-122"/>
+              </a:endParaRPr>
+            </a:p>
+          </p:txBody>
+        </p:sp>
+        <p:sp>
+          <p:nvSpPr>
+            <p:cNvPr id="91" name="Freeform 35"/>
+            <p:cNvSpPr>
+              <a:spLocks noEditPoints="1"/>
+            </p:cNvSpPr>
+            <p:nvPr/>
+          </p:nvSpPr>
+          <p:spPr bwMode="auto">
+            <a:xfrm>
+              <a:off x="269875" y="169862"/>
+              <a:ext cx="563563" cy="766762"/>
+            </a:xfrm>
+            <a:custGeom>
+              <a:avLst/>
+              <a:gdLst>
+                <a:gd name="T0" fmla="*/ 73939 w 625"/>
+                <a:gd name="T1" fmla="*/ 124194 h 852"/>
+                <a:gd name="T2" fmla="*/ 62217 w 625"/>
+                <a:gd name="T3" fmla="*/ 766762 h 852"/>
+                <a:gd name="T4" fmla="*/ 563563 w 625"/>
+                <a:gd name="T5" fmla="*/ 188091 h 852"/>
+                <a:gd name="T6" fmla="*/ 520281 w 625"/>
+                <a:gd name="T7" fmla="*/ 201590 h 852"/>
+                <a:gd name="T8" fmla="*/ 64021 w 625"/>
+                <a:gd name="T9" fmla="*/ 722664 h 852"/>
+                <a:gd name="T10" fmla="*/ 243459 w 625"/>
+                <a:gd name="T11" fmla="*/ 81896 h 852"/>
+                <a:gd name="T12" fmla="*/ 320104 w 625"/>
+                <a:gd name="T13" fmla="*/ 81896 h 852"/>
+                <a:gd name="T14" fmla="*/ 280429 w 625"/>
+                <a:gd name="T15" fmla="*/ 122394 h 852"/>
+                <a:gd name="T16" fmla="*/ 196571 w 625"/>
+                <a:gd name="T17" fmla="*/ 83696 h 852"/>
+                <a:gd name="T18" fmla="*/ 103696 w 625"/>
+                <a:gd name="T19" fmla="*/ 194390 h 852"/>
+                <a:gd name="T20" fmla="*/ 459867 w 625"/>
+                <a:gd name="T21" fmla="*/ 194390 h 852"/>
+                <a:gd name="T22" fmla="*/ 366992 w 625"/>
+                <a:gd name="T23" fmla="*/ 83696 h 852"/>
+                <a:gd name="T24" fmla="*/ 196571 w 625"/>
+                <a:gd name="T25" fmla="*/ 83696 h 852"/>
+                <a:gd name="T26" fmla="*/ 199276 w 625"/>
+                <a:gd name="T27" fmla="*/ 582271 h 852"/>
+                <a:gd name="T28" fmla="*/ 136157 w 625"/>
+                <a:gd name="T29" fmla="*/ 600270 h 852"/>
+                <a:gd name="T30" fmla="*/ 122631 w 625"/>
+                <a:gd name="T31" fmla="*/ 613770 h 852"/>
+                <a:gd name="T32" fmla="*/ 199276 w 625"/>
+                <a:gd name="T33" fmla="*/ 619169 h 852"/>
+                <a:gd name="T34" fmla="*/ 119025 w 625"/>
+                <a:gd name="T35" fmla="*/ 658767 h 852"/>
+                <a:gd name="T36" fmla="*/ 218212 w 625"/>
+                <a:gd name="T37" fmla="*/ 610170 h 852"/>
+                <a:gd name="T38" fmla="*/ 218212 w 625"/>
+                <a:gd name="T39" fmla="*/ 578671 h 852"/>
+                <a:gd name="T40" fmla="*/ 99187 w 625"/>
+                <a:gd name="T41" fmla="*/ 584971 h 852"/>
+                <a:gd name="T42" fmla="*/ 192964 w 625"/>
+                <a:gd name="T43" fmla="*/ 683966 h 852"/>
+                <a:gd name="T44" fmla="*/ 192964 w 625"/>
+                <a:gd name="T45" fmla="*/ 301485 h 852"/>
+                <a:gd name="T46" fmla="*/ 136157 w 625"/>
+                <a:gd name="T47" fmla="*/ 318584 h 852"/>
+                <a:gd name="T48" fmla="*/ 155994 w 625"/>
+                <a:gd name="T49" fmla="*/ 368982 h 852"/>
+                <a:gd name="T50" fmla="*/ 119025 w 625"/>
+                <a:gd name="T51" fmla="*/ 382481 h 852"/>
+                <a:gd name="T52" fmla="*/ 192964 w 625"/>
+                <a:gd name="T53" fmla="*/ 281686 h 852"/>
+                <a:gd name="T54" fmla="*/ 99187 w 625"/>
+                <a:gd name="T55" fmla="*/ 380681 h 852"/>
+                <a:gd name="T56" fmla="*/ 217310 w 625"/>
+                <a:gd name="T57" fmla="*/ 323084 h 852"/>
+                <a:gd name="T58" fmla="*/ 216408 w 625"/>
+                <a:gd name="T59" fmla="*/ 296985 h 852"/>
+                <a:gd name="T60" fmla="*/ 199276 w 625"/>
+                <a:gd name="T61" fmla="*/ 452678 h 852"/>
+                <a:gd name="T62" fmla="*/ 122631 w 625"/>
+                <a:gd name="T63" fmla="*/ 471577 h 852"/>
+                <a:gd name="T64" fmla="*/ 199276 w 625"/>
+                <a:gd name="T65" fmla="*/ 522874 h 852"/>
+                <a:gd name="T66" fmla="*/ 218212 w 625"/>
+                <a:gd name="T67" fmla="*/ 438278 h 852"/>
+                <a:gd name="T68" fmla="*/ 99187 w 625"/>
+                <a:gd name="T69" fmla="*/ 442778 h 852"/>
+                <a:gd name="T70" fmla="*/ 199276 w 625"/>
+                <a:gd name="T71" fmla="*/ 541773 h 852"/>
+                <a:gd name="T72" fmla="*/ 260592 w 625"/>
+                <a:gd name="T73" fmla="*/ 418479 h 852"/>
+                <a:gd name="T74" fmla="*/ 294856 w 625"/>
+                <a:gd name="T75" fmla="*/ 650668 h 852"/>
+                <a:gd name="T76" fmla="*/ 452654 w 625"/>
+                <a:gd name="T77" fmla="*/ 602070 h 852"/>
+                <a:gd name="T78" fmla="*/ 288544 w 625"/>
+                <a:gd name="T79" fmla="*/ 644368 h 852"/>
+                <a:gd name="T80" fmla="*/ 452654 w 625"/>
+                <a:gd name="T81" fmla="*/ 456277 h 852"/>
+                <a:gd name="T82" fmla="*/ 288544 w 625"/>
+                <a:gd name="T83" fmla="*/ 368982 h 852"/>
+                <a:gd name="T84" fmla="*/ 288544 w 625"/>
+                <a:gd name="T85" fmla="*/ 316784 h 852"/>
+                <a:gd name="T86" fmla="*/ 0 60000 65536"/>
+                <a:gd name="T87" fmla="*/ 0 60000 65536"/>
+                <a:gd name="T88" fmla="*/ 0 60000 65536"/>
+                <a:gd name="T89" fmla="*/ 0 60000 65536"/>
+                <a:gd name="T90" fmla="*/ 0 60000 65536"/>
+                <a:gd name="T91" fmla="*/ 0 60000 65536"/>
+                <a:gd name="T92" fmla="*/ 0 60000 65536"/>
+                <a:gd name="T93" fmla="*/ 0 60000 65536"/>
+                <a:gd name="T94" fmla="*/ 0 60000 65536"/>
+                <a:gd name="T95" fmla="*/ 0 60000 65536"/>
+                <a:gd name="T96" fmla="*/ 0 60000 65536"/>
+                <a:gd name="T97" fmla="*/ 0 60000 65536"/>
+                <a:gd name="T98" fmla="*/ 0 60000 65536"/>
+                <a:gd name="T99" fmla="*/ 0 60000 65536"/>
+                <a:gd name="T100" fmla="*/ 0 60000 65536"/>
+                <a:gd name="T101" fmla="*/ 0 60000 65536"/>
+                <a:gd name="T102" fmla="*/ 0 60000 65536"/>
+                <a:gd name="T103" fmla="*/ 0 60000 65536"/>
+                <a:gd name="T104" fmla="*/ 0 60000 65536"/>
+                <a:gd name="T105" fmla="*/ 0 60000 65536"/>
+                <a:gd name="T106" fmla="*/ 0 60000 65536"/>
+                <a:gd name="T107" fmla="*/ 0 60000 65536"/>
+                <a:gd name="T108" fmla="*/ 0 60000 65536"/>
+                <a:gd name="T109" fmla="*/ 0 60000 65536"/>
+                <a:gd name="T110" fmla="*/ 0 60000 65536"/>
+                <a:gd name="T111" fmla="*/ 0 60000 65536"/>
+                <a:gd name="T112" fmla="*/ 0 60000 65536"/>
+                <a:gd name="T113" fmla="*/ 0 60000 65536"/>
+                <a:gd name="T114" fmla="*/ 0 60000 65536"/>
+                <a:gd name="T115" fmla="*/ 0 60000 65536"/>
+                <a:gd name="T116" fmla="*/ 0 60000 65536"/>
+                <a:gd name="T117" fmla="*/ 0 60000 65536"/>
+                <a:gd name="T118" fmla="*/ 0 60000 65536"/>
+                <a:gd name="T119" fmla="*/ 0 60000 65536"/>
+                <a:gd name="T120" fmla="*/ 0 60000 65536"/>
+                <a:gd name="T121" fmla="*/ 0 60000 65536"/>
+                <a:gd name="T122" fmla="*/ 0 60000 65536"/>
+                <a:gd name="T123" fmla="*/ 0 60000 65536"/>
+                <a:gd name="T124" fmla="*/ 0 60000 65536"/>
+                <a:gd name="T125" fmla="*/ 0 60000 65536"/>
+                <a:gd name="T126" fmla="*/ 0 60000 65536"/>
+                <a:gd name="T127" fmla="*/ 0 60000 65536"/>
+                <a:gd name="T128" fmla="*/ 0 60000 65536"/>
+              </a:gdLst>
+              <a:ahLst/>
+              <a:cxnLst>
+                <a:cxn ang="T86">
+                  <a:pos x="T0" y="T1"/>
+                </a:cxn>
+                <a:cxn ang="T87">
+                  <a:pos x="T2" y="T3"/>
+                </a:cxn>
+                <a:cxn ang="T88">
+                  <a:pos x="T4" y="T5"/>
+                </a:cxn>
+                <a:cxn ang="T89">
+                  <a:pos x="T6" y="T7"/>
+                </a:cxn>
+                <a:cxn ang="T90">
+                  <a:pos x="T8" y="T9"/>
+                </a:cxn>
+                <a:cxn ang="T91">
+                  <a:pos x="T10" y="T11"/>
+                </a:cxn>
+                <a:cxn ang="T92">
+                  <a:pos x="T12" y="T13"/>
+                </a:cxn>
+                <a:cxn ang="T93">
+                  <a:pos x="T14" y="T15"/>
+                </a:cxn>
+                <a:cxn ang="T94">
+                  <a:pos x="T16" y="T17"/>
+                </a:cxn>
+                <a:cxn ang="T95">
+                  <a:pos x="T18" y="T19"/>
+                </a:cxn>
+                <a:cxn ang="T96">
+                  <a:pos x="T20" y="T21"/>
+                </a:cxn>
+                <a:cxn ang="T97">
+                  <a:pos x="T22" y="T23"/>
+                </a:cxn>
+                <a:cxn ang="T98">
+                  <a:pos x="T24" y="T25"/>
+                </a:cxn>
+                <a:cxn ang="T99">
+                  <a:pos x="T26" y="T27"/>
+                </a:cxn>
+                <a:cxn ang="T100">
+                  <a:pos x="T28" y="T29"/>
+                </a:cxn>
+                <a:cxn ang="T101">
+                  <a:pos x="T30" y="T31"/>
+                </a:cxn>
+                <a:cxn ang="T102">
+                  <a:pos x="T32" y="T33"/>
+                </a:cxn>
+                <a:cxn ang="T103">
+                  <a:pos x="T34" y="T35"/>
+                </a:cxn>
+                <a:cxn ang="T104">
+                  <a:pos x="T36" y="T37"/>
+                </a:cxn>
+                <a:cxn ang="T105">
+                  <a:pos x="T38" y="T39"/>
+                </a:cxn>
+                <a:cxn ang="T106">
+                  <a:pos x="T40" y="T41"/>
+                </a:cxn>
+                <a:cxn ang="T107">
+                  <a:pos x="T42" y="T43"/>
+                </a:cxn>
+                <a:cxn ang="T108">
+                  <a:pos x="T44" y="T45"/>
+                </a:cxn>
+                <a:cxn ang="T109">
+                  <a:pos x="T46" y="T47"/>
+                </a:cxn>
+                <a:cxn ang="T110">
+                  <a:pos x="T48" y="T49"/>
+                </a:cxn>
+                <a:cxn ang="T111">
+                  <a:pos x="T50" y="T51"/>
+                </a:cxn>
+                <a:cxn ang="T112">
+                  <a:pos x="T52" y="T53"/>
+                </a:cxn>
+                <a:cxn ang="T113">
+                  <a:pos x="T54" y="T55"/>
+                </a:cxn>
+                <a:cxn ang="T114">
+                  <a:pos x="T56" y="T57"/>
+                </a:cxn>
+                <a:cxn ang="T115">
+                  <a:pos x="T58" y="T59"/>
+                </a:cxn>
+                <a:cxn ang="T116">
+                  <a:pos x="T60" y="T61"/>
+                </a:cxn>
+                <a:cxn ang="T117">
+                  <a:pos x="T62" y="T63"/>
+                </a:cxn>
+                <a:cxn ang="T118">
+                  <a:pos x="T64" y="T65"/>
+                </a:cxn>
+                <a:cxn ang="T119">
+                  <a:pos x="T66" y="T67"/>
+                </a:cxn>
+                <a:cxn ang="T120">
+                  <a:pos x="T68" y="T69"/>
+                </a:cxn>
+                <a:cxn ang="T121">
+                  <a:pos x="T70" y="T71"/>
+                </a:cxn>
+                <a:cxn ang="T122">
+                  <a:pos x="T72" y="T73"/>
+                </a:cxn>
+                <a:cxn ang="T123">
+                  <a:pos x="T74" y="T75"/>
+                </a:cxn>
+                <a:cxn ang="T124">
+                  <a:pos x="T76" y="T77"/>
+                </a:cxn>
+                <a:cxn ang="T125">
+                  <a:pos x="T78" y="T79"/>
+                </a:cxn>
+                <a:cxn ang="T126">
+                  <a:pos x="T80" y="T81"/>
+                </a:cxn>
+                <a:cxn ang="T127">
+                  <a:pos x="T82" y="T83"/>
+                </a:cxn>
+                <a:cxn ang="T128">
+                  <a:pos x="T84" y="T85"/>
+                </a:cxn>
+              </a:cxnLst>
+              <a:rect l="0" t="0" r="r" b="b"/>
+              <a:pathLst>
+                <a:path w="625" h="852">
+                  <a:moveTo>
+                    <a:pt x="48" y="224"/>
+                  </a:moveTo>
+                  <a:cubicBezTo>
+                    <a:pt x="48" y="200"/>
+                    <a:pt x="59" y="188"/>
+                    <a:pt x="82" y="188"/>
+                  </a:cubicBezTo>
+                  <a:lnTo>
+                    <a:pt x="82" y="138"/>
+                  </a:lnTo>
+                  <a:cubicBezTo>
+                    <a:pt x="39" y="139"/>
+                    <a:pt x="0" y="167"/>
+                    <a:pt x="0" y="209"/>
+                  </a:cubicBezTo>
+                  <a:lnTo>
+                    <a:pt x="0" y="783"/>
+                  </a:lnTo>
+                  <a:cubicBezTo>
+                    <a:pt x="0" y="818"/>
+                    <a:pt x="34" y="852"/>
+                    <a:pt x="69" y="852"/>
+                  </a:cubicBezTo>
+                  <a:lnTo>
+                    <a:pt x="556" y="852"/>
+                  </a:lnTo>
+                  <a:cubicBezTo>
+                    <a:pt x="591" y="852"/>
+                    <a:pt x="625" y="818"/>
+                    <a:pt x="625" y="783"/>
+                  </a:cubicBezTo>
+                  <a:lnTo>
+                    <a:pt x="625" y="209"/>
+                  </a:lnTo>
+                  <a:cubicBezTo>
+                    <a:pt x="625" y="167"/>
+                    <a:pt x="586" y="139"/>
+                    <a:pt x="543" y="138"/>
+                  </a:cubicBezTo>
+                  <a:lnTo>
+                    <a:pt x="543" y="188"/>
+                  </a:lnTo>
+                  <a:cubicBezTo>
+                    <a:pt x="566" y="188"/>
+                    <a:pt x="577" y="200"/>
+                    <a:pt x="577" y="224"/>
+                  </a:cubicBezTo>
+                  <a:lnTo>
+                    <a:pt x="577" y="768"/>
+                  </a:lnTo>
+                  <a:cubicBezTo>
+                    <a:pt x="577" y="785"/>
+                    <a:pt x="570" y="803"/>
+                    <a:pt x="554" y="803"/>
+                  </a:cubicBezTo>
+                  <a:lnTo>
+                    <a:pt x="71" y="803"/>
+                  </a:lnTo>
+                  <a:cubicBezTo>
+                    <a:pt x="53" y="803"/>
+                    <a:pt x="48" y="783"/>
+                    <a:pt x="48" y="764"/>
+                  </a:cubicBezTo>
+                  <a:lnTo>
+                    <a:pt x="48" y="224"/>
+                  </a:lnTo>
+                  <a:close/>
+                  <a:moveTo>
+                    <a:pt x="270" y="91"/>
+                  </a:moveTo>
+                  <a:cubicBezTo>
+                    <a:pt x="270" y="71"/>
+                    <a:pt x="289" y="52"/>
+                    <a:pt x="309" y="52"/>
+                  </a:cubicBezTo>
+                  <a:lnTo>
+                    <a:pt x="316" y="52"/>
+                  </a:lnTo>
+                  <a:cubicBezTo>
+                    <a:pt x="336" y="52"/>
+                    <a:pt x="355" y="71"/>
+                    <a:pt x="355" y="91"/>
+                  </a:cubicBezTo>
+                  <a:lnTo>
+                    <a:pt x="355" y="95"/>
+                  </a:lnTo>
+                  <a:cubicBezTo>
+                    <a:pt x="355" y="117"/>
+                    <a:pt x="336" y="136"/>
+                    <a:pt x="314" y="136"/>
+                  </a:cubicBezTo>
+                  <a:lnTo>
+                    <a:pt x="311" y="136"/>
+                  </a:lnTo>
+                  <a:cubicBezTo>
+                    <a:pt x="289" y="136"/>
+                    <a:pt x="270" y="117"/>
+                    <a:pt x="270" y="95"/>
+                  </a:cubicBezTo>
+                  <a:lnTo>
+                    <a:pt x="270" y="91"/>
+                  </a:lnTo>
+                  <a:close/>
+                  <a:moveTo>
+                    <a:pt x="218" y="93"/>
+                  </a:moveTo>
+                  <a:lnTo>
+                    <a:pt x="149" y="93"/>
+                  </a:lnTo>
+                  <a:cubicBezTo>
+                    <a:pt x="126" y="93"/>
+                    <a:pt x="115" y="104"/>
+                    <a:pt x="115" y="127"/>
+                  </a:cubicBezTo>
+                  <a:lnTo>
+                    <a:pt x="115" y="216"/>
+                  </a:lnTo>
+                  <a:cubicBezTo>
+                    <a:pt x="115" y="231"/>
+                    <a:pt x="124" y="246"/>
+                    <a:pt x="138" y="246"/>
+                  </a:cubicBezTo>
+                  <a:lnTo>
+                    <a:pt x="487" y="246"/>
+                  </a:lnTo>
+                  <a:cubicBezTo>
+                    <a:pt x="501" y="246"/>
+                    <a:pt x="510" y="231"/>
+                    <a:pt x="510" y="216"/>
+                  </a:cubicBezTo>
+                  <a:lnTo>
+                    <a:pt x="510" y="127"/>
+                  </a:lnTo>
+                  <a:cubicBezTo>
+                    <a:pt x="510" y="104"/>
+                    <a:pt x="499" y="93"/>
+                    <a:pt x="476" y="93"/>
+                  </a:cubicBezTo>
+                  <a:lnTo>
+                    <a:pt x="407" y="93"/>
+                  </a:lnTo>
+                  <a:cubicBezTo>
+                    <a:pt x="407" y="45"/>
+                    <a:pt x="366" y="0"/>
+                    <a:pt x="320" y="0"/>
+                  </a:cubicBezTo>
+                  <a:lnTo>
+                    <a:pt x="305" y="0"/>
+                  </a:lnTo>
+                  <a:cubicBezTo>
+                    <a:pt x="259" y="0"/>
+                    <a:pt x="218" y="45"/>
+                    <a:pt x="218" y="93"/>
+                  </a:cubicBezTo>
+                  <a:close/>
+                  <a:moveTo>
+                    <a:pt x="132" y="654"/>
+                  </a:moveTo>
+                  <a:cubicBezTo>
+                    <a:pt x="132" y="649"/>
+                    <a:pt x="133" y="647"/>
+                    <a:pt x="138" y="647"/>
+                  </a:cubicBezTo>
+                  <a:lnTo>
+                    <a:pt x="221" y="647"/>
+                  </a:lnTo>
+                  <a:lnTo>
+                    <a:pt x="221" y="654"/>
+                  </a:lnTo>
+                  <a:cubicBezTo>
+                    <a:pt x="221" y="661"/>
+                    <a:pt x="186" y="680"/>
+                    <a:pt x="180" y="684"/>
+                  </a:cubicBezTo>
+                  <a:cubicBezTo>
+                    <a:pt x="174" y="679"/>
+                    <a:pt x="161" y="667"/>
+                    <a:pt x="151" y="667"/>
+                  </a:cubicBezTo>
+                  <a:lnTo>
+                    <a:pt x="149" y="667"/>
+                  </a:lnTo>
+                  <a:cubicBezTo>
+                    <a:pt x="144" y="667"/>
+                    <a:pt x="136" y="675"/>
+                    <a:pt x="136" y="680"/>
+                  </a:cubicBezTo>
+                  <a:lnTo>
+                    <a:pt x="136" y="682"/>
+                  </a:lnTo>
+                  <a:cubicBezTo>
+                    <a:pt x="136" y="688"/>
+                    <a:pt x="167" y="721"/>
+                    <a:pt x="173" y="721"/>
+                  </a:cubicBezTo>
+                  <a:lnTo>
+                    <a:pt x="175" y="721"/>
+                  </a:lnTo>
+                  <a:cubicBezTo>
+                    <a:pt x="180" y="721"/>
+                    <a:pt x="214" y="693"/>
+                    <a:pt x="221" y="688"/>
+                  </a:cubicBezTo>
+                  <a:cubicBezTo>
+                    <a:pt x="221" y="700"/>
+                    <a:pt x="225" y="738"/>
+                    <a:pt x="214" y="738"/>
+                  </a:cubicBezTo>
+                  <a:lnTo>
+                    <a:pt x="138" y="738"/>
+                  </a:lnTo>
+                  <a:cubicBezTo>
+                    <a:pt x="133" y="738"/>
+                    <a:pt x="132" y="737"/>
+                    <a:pt x="132" y="732"/>
+                  </a:cubicBezTo>
+                  <a:lnTo>
+                    <a:pt x="132" y="654"/>
+                  </a:lnTo>
+                  <a:close/>
+                  <a:moveTo>
+                    <a:pt x="214" y="760"/>
+                  </a:moveTo>
+                  <a:cubicBezTo>
+                    <a:pt x="255" y="760"/>
+                    <a:pt x="240" y="715"/>
+                    <a:pt x="242" y="678"/>
+                  </a:cubicBezTo>
+                  <a:cubicBezTo>
+                    <a:pt x="243" y="658"/>
+                    <a:pt x="292" y="642"/>
+                    <a:pt x="296" y="624"/>
+                  </a:cubicBezTo>
+                  <a:lnTo>
+                    <a:pt x="290" y="624"/>
+                  </a:lnTo>
+                  <a:cubicBezTo>
+                    <a:pt x="275" y="624"/>
+                    <a:pt x="253" y="637"/>
+                    <a:pt x="242" y="643"/>
+                  </a:cubicBezTo>
+                  <a:cubicBezTo>
+                    <a:pt x="237" y="635"/>
+                    <a:pt x="232" y="626"/>
+                    <a:pt x="218" y="626"/>
+                  </a:cubicBezTo>
+                  <a:lnTo>
+                    <a:pt x="134" y="626"/>
+                  </a:lnTo>
+                  <a:cubicBezTo>
+                    <a:pt x="122" y="626"/>
+                    <a:pt x="110" y="637"/>
+                    <a:pt x="110" y="650"/>
+                  </a:cubicBezTo>
+                  <a:lnTo>
+                    <a:pt x="110" y="736"/>
+                  </a:lnTo>
+                  <a:cubicBezTo>
+                    <a:pt x="110" y="750"/>
+                    <a:pt x="123" y="760"/>
+                    <a:pt x="138" y="760"/>
+                  </a:cubicBezTo>
+                  <a:lnTo>
+                    <a:pt x="214" y="760"/>
+                  </a:lnTo>
+                  <a:close/>
+                  <a:moveTo>
+                    <a:pt x="132" y="341"/>
+                  </a:moveTo>
+                  <a:cubicBezTo>
+                    <a:pt x="132" y="336"/>
+                    <a:pt x="133" y="335"/>
+                    <a:pt x="138" y="335"/>
+                  </a:cubicBezTo>
+                  <a:lnTo>
+                    <a:pt x="214" y="335"/>
+                  </a:lnTo>
+                  <a:cubicBezTo>
+                    <a:pt x="219" y="335"/>
+                    <a:pt x="221" y="336"/>
+                    <a:pt x="221" y="341"/>
+                  </a:cubicBezTo>
+                  <a:cubicBezTo>
+                    <a:pt x="221" y="346"/>
+                    <a:pt x="184" y="371"/>
+                    <a:pt x="180" y="371"/>
+                  </a:cubicBezTo>
+                  <a:cubicBezTo>
+                    <a:pt x="175" y="371"/>
+                    <a:pt x="164" y="354"/>
+                    <a:pt x="151" y="354"/>
+                  </a:cubicBezTo>
+                  <a:cubicBezTo>
+                    <a:pt x="145" y="354"/>
+                    <a:pt x="136" y="361"/>
+                    <a:pt x="136" y="367"/>
+                  </a:cubicBezTo>
+                  <a:lnTo>
+                    <a:pt x="136" y="369"/>
+                  </a:lnTo>
+                  <a:cubicBezTo>
+                    <a:pt x="136" y="378"/>
+                    <a:pt x="166" y="406"/>
+                    <a:pt x="173" y="410"/>
+                  </a:cubicBezTo>
+                  <a:lnTo>
+                    <a:pt x="221" y="376"/>
+                  </a:lnTo>
+                  <a:lnTo>
+                    <a:pt x="221" y="425"/>
+                  </a:lnTo>
+                  <a:lnTo>
+                    <a:pt x="132" y="425"/>
+                  </a:lnTo>
+                  <a:lnTo>
+                    <a:pt x="132" y="341"/>
+                  </a:lnTo>
+                  <a:close/>
+                  <a:moveTo>
+                    <a:pt x="240" y="330"/>
+                  </a:moveTo>
+                  <a:cubicBezTo>
+                    <a:pt x="237" y="319"/>
+                    <a:pt x="228" y="313"/>
+                    <a:pt x="214" y="313"/>
+                  </a:cubicBezTo>
+                  <a:lnTo>
+                    <a:pt x="138" y="313"/>
+                  </a:lnTo>
+                  <a:cubicBezTo>
+                    <a:pt x="123" y="313"/>
+                    <a:pt x="110" y="322"/>
+                    <a:pt x="110" y="337"/>
+                  </a:cubicBezTo>
+                  <a:lnTo>
+                    <a:pt x="110" y="423"/>
+                  </a:lnTo>
+                  <a:cubicBezTo>
+                    <a:pt x="110" y="436"/>
+                    <a:pt x="122" y="447"/>
+                    <a:pt x="134" y="447"/>
+                  </a:cubicBezTo>
+                  <a:lnTo>
+                    <a:pt x="218" y="447"/>
+                  </a:lnTo>
+                  <a:cubicBezTo>
+                    <a:pt x="252" y="447"/>
+                    <a:pt x="242" y="393"/>
+                    <a:pt x="241" y="359"/>
+                  </a:cubicBezTo>
+                  <a:lnTo>
+                    <a:pt x="296" y="313"/>
+                  </a:lnTo>
+                  <a:cubicBezTo>
+                    <a:pt x="296" y="313"/>
+                    <a:pt x="292" y="311"/>
+                    <a:pt x="292" y="311"/>
+                  </a:cubicBezTo>
+                  <a:cubicBezTo>
+                    <a:pt x="271" y="311"/>
+                    <a:pt x="253" y="329"/>
+                    <a:pt x="240" y="330"/>
+                  </a:cubicBezTo>
+                  <a:close/>
+                  <a:moveTo>
+                    <a:pt x="132" y="492"/>
+                  </a:moveTo>
+                  <a:lnTo>
+                    <a:pt x="221" y="492"/>
+                  </a:lnTo>
+                  <a:lnTo>
+                    <a:pt x="221" y="503"/>
+                  </a:lnTo>
+                  <a:lnTo>
+                    <a:pt x="180" y="529"/>
+                  </a:lnTo>
+                  <a:lnTo>
+                    <a:pt x="152" y="508"/>
+                  </a:lnTo>
+                  <a:cubicBezTo>
+                    <a:pt x="145" y="513"/>
+                    <a:pt x="136" y="515"/>
+                    <a:pt x="136" y="524"/>
+                  </a:cubicBezTo>
+                  <a:cubicBezTo>
+                    <a:pt x="136" y="531"/>
+                    <a:pt x="167" y="565"/>
+                    <a:pt x="173" y="565"/>
+                  </a:cubicBezTo>
+                  <a:cubicBezTo>
+                    <a:pt x="183" y="565"/>
+                    <a:pt x="209" y="536"/>
+                    <a:pt x="221" y="533"/>
+                  </a:cubicBezTo>
+                  <a:lnTo>
+                    <a:pt x="221" y="581"/>
+                  </a:lnTo>
+                  <a:lnTo>
+                    <a:pt x="132" y="581"/>
+                  </a:lnTo>
+                  <a:lnTo>
+                    <a:pt x="132" y="492"/>
+                  </a:lnTo>
+                  <a:close/>
+                  <a:moveTo>
+                    <a:pt x="242" y="487"/>
+                  </a:moveTo>
+                  <a:cubicBezTo>
+                    <a:pt x="238" y="480"/>
+                    <a:pt x="233" y="470"/>
+                    <a:pt x="221" y="470"/>
+                  </a:cubicBezTo>
+                  <a:lnTo>
+                    <a:pt x="132" y="470"/>
+                  </a:lnTo>
+                  <a:cubicBezTo>
+                    <a:pt x="121" y="470"/>
+                    <a:pt x="110" y="481"/>
+                    <a:pt x="110" y="492"/>
+                  </a:cubicBezTo>
+                  <a:lnTo>
+                    <a:pt x="110" y="581"/>
+                  </a:lnTo>
+                  <a:cubicBezTo>
+                    <a:pt x="110" y="591"/>
+                    <a:pt x="121" y="602"/>
+                    <a:pt x="132" y="602"/>
+                  </a:cubicBezTo>
+                  <a:lnTo>
+                    <a:pt x="221" y="602"/>
+                  </a:lnTo>
+                  <a:cubicBezTo>
+                    <a:pt x="252" y="602"/>
+                    <a:pt x="242" y="547"/>
+                    <a:pt x="242" y="515"/>
+                  </a:cubicBezTo>
+                  <a:lnTo>
+                    <a:pt x="296" y="469"/>
+                  </a:lnTo>
+                  <a:lnTo>
+                    <a:pt x="289" y="465"/>
+                  </a:lnTo>
+                  <a:lnTo>
+                    <a:pt x="242" y="487"/>
+                  </a:lnTo>
+                  <a:close/>
+                  <a:moveTo>
+                    <a:pt x="320" y="716"/>
+                  </a:moveTo>
+                  <a:cubicBezTo>
+                    <a:pt x="320" y="721"/>
+                    <a:pt x="322" y="723"/>
+                    <a:pt x="327" y="723"/>
+                  </a:cubicBezTo>
+                  <a:lnTo>
+                    <a:pt x="495" y="723"/>
+                  </a:lnTo>
+                  <a:cubicBezTo>
+                    <a:pt x="500" y="723"/>
+                    <a:pt x="502" y="721"/>
+                    <a:pt x="502" y="716"/>
+                  </a:cubicBezTo>
+                  <a:lnTo>
+                    <a:pt x="502" y="669"/>
+                  </a:lnTo>
+                  <a:cubicBezTo>
+                    <a:pt x="502" y="664"/>
+                    <a:pt x="500" y="663"/>
+                    <a:pt x="495" y="663"/>
+                  </a:cubicBezTo>
+                  <a:lnTo>
+                    <a:pt x="320" y="663"/>
+                  </a:lnTo>
+                  <a:lnTo>
+                    <a:pt x="320" y="716"/>
+                  </a:lnTo>
+                  <a:close/>
+                  <a:moveTo>
+                    <a:pt x="320" y="565"/>
+                  </a:moveTo>
+                  <a:lnTo>
+                    <a:pt x="502" y="565"/>
+                  </a:lnTo>
+                  <a:lnTo>
+                    <a:pt x="502" y="507"/>
+                  </a:lnTo>
+                  <a:lnTo>
+                    <a:pt x="320" y="507"/>
+                  </a:lnTo>
+                  <a:lnTo>
+                    <a:pt x="320" y="565"/>
+                  </a:lnTo>
+                  <a:close/>
+                  <a:moveTo>
+                    <a:pt x="320" y="410"/>
+                  </a:moveTo>
+                  <a:lnTo>
+                    <a:pt x="452" y="410"/>
+                  </a:lnTo>
+                  <a:lnTo>
+                    <a:pt x="452" y="352"/>
+                  </a:lnTo>
+                  <a:lnTo>
+                    <a:pt x="320" y="352"/>
+                  </a:lnTo>
+                  <a:lnTo>
+                    <a:pt x="320" y="410"/>
+                  </a:lnTo>
+                  <a:close/>
+                </a:path>
+              </a:pathLst>
+            </a:custGeom>
+            <a:solidFill>
+              <a:schemeClr val="bg1"/>
+            </a:solidFill>
+            <a:ln>
+              <a:noFill/>
+            </a:ln>
+            <a:extLst>
+              <a:ext uri="{91240B29-F687-4F45-9708-019B960494DF}">
+                <a14:hiddenLine xmlns="" xmlns:a14="http://schemas.microsoft.com/office/drawing/2010/main" w="9525">
+                  <a:solidFill>
+                    <a:srgbClr val="000000"/>
+                  </a:solidFill>
+                  <a:round/>
+                  <a:headEnd/>
+                  <a:tailEnd/>
+                </a14:hiddenLine>
+              </a:ext>
+            </a:extLst>
+          </p:spPr>
+          <p:txBody>
+            <a:bodyPr/>
+            <a:lstStyle/>
+            <a:p>
+              <a:endParaRPr lang="zh-CN" altLang="en-US">
+                <a:latin typeface="微软雅黑" panose="020B0503020204020204" pitchFamily="34" charset="-122"/>
+                <a:ea typeface="微软雅黑" panose="020B0503020204020204" pitchFamily="34" charset="-122"/>
+              </a:endParaRPr>
+            </a:p>
+          </p:txBody>
+        </p:sp>
+      </p:grpSp>
+      <p:grpSp>
+        <p:nvGrpSpPr>
+          <p:cNvPr id="76" name="组合 40"/>
+          <p:cNvGrpSpPr>
+            <a:grpSpLocks/>
+          </p:cNvGrpSpPr>
+          <p:nvPr/>
+        </p:nvGrpSpPr>
+        <p:grpSpPr bwMode="auto">
+          <a:xfrm>
+            <a:off x="9901089" y="3057910"/>
+            <a:ext cx="1010431" cy="1011755"/>
+            <a:chOff x="0" y="0"/>
+            <a:chExt cx="1155700" cy="1155698"/>
+          </a:xfrm>
+          <a:solidFill>
+            <a:schemeClr val="bg1">
+              <a:lumMod val="65000"/>
+            </a:schemeClr>
+          </a:solidFill>
+        </p:grpSpPr>
+        <p:sp>
+          <p:nvSpPr>
+            <p:cNvPr id="88" name="Oval 33"/>
+            <p:cNvSpPr>
+              <a:spLocks noChangeArrowheads="1"/>
+            </p:cNvSpPr>
+            <p:nvPr/>
+          </p:nvSpPr>
+          <p:spPr bwMode="auto">
+            <a:xfrm>
+              <a:off x="0" y="0"/>
+              <a:ext cx="1155700" cy="1155698"/>
+            </a:xfrm>
+            <a:prstGeom prst="ellipse">
+              <a:avLst/>
+            </a:prstGeom>
+            <a:solidFill>
+              <a:schemeClr val="accent3"/>
+            </a:solidFill>
+            <a:ln w="63500">
+              <a:solidFill>
+                <a:schemeClr val="bg1"/>
+              </a:solidFill>
+              <a:round/>
+              <a:headEnd/>
+              <a:tailEnd/>
+            </a:ln>
+            <a:effectLst>
+              <a:outerShdw blurRad="101600" dist="38100" dir="8100000" algn="tr" rotWithShape="0">
+                <a:prstClr val="black">
+                  <a:alpha val="40000"/>
+                </a:prstClr>
+              </a:outerShdw>
+            </a:effectLst>
+            <a:extLst/>
+          </p:spPr>
+          <p:txBody>
+            <a:bodyPr/>
+            <a:lstStyle>
+              <a:lvl1pPr eaLnBrk="0" hangingPunct="0">
+                <a:spcBef>
+                  <a:spcPct val="20000"/>
+                </a:spcBef>
+                <a:buChar char="•"/>
+                <a:defRPr sz="2000">
+                  <a:solidFill>
+                    <a:schemeClr val="accent1"/>
+                  </a:solidFill>
+                  <a:latin typeface="Arial" pitchFamily="34" charset="0"/>
+                  <a:ea typeface="微软雅黑" pitchFamily="34" charset="-122"/>
+                </a:defRPr>
+              </a:lvl1pPr>
+              <a:lvl2pPr marL="742950" indent="-285750" eaLnBrk="0" hangingPunct="0">
+                <a:spcBef>
+                  <a:spcPct val="20000"/>
+                </a:spcBef>
+                <a:buChar char="–"/>
+                <a:defRPr sz="2000">
+                  <a:solidFill>
+                    <a:schemeClr val="accent1"/>
+                  </a:solidFill>
+                  <a:latin typeface="Arial" pitchFamily="34" charset="0"/>
+                  <a:ea typeface="仿宋_GB2312" pitchFamily="1" charset="-122"/>
+                </a:defRPr>
+              </a:lvl2pPr>
+              <a:lvl3pPr marL="1143000" indent="-228600" eaLnBrk="0" hangingPunct="0">
+                <a:spcBef>
+                  <a:spcPct val="20000"/>
+                </a:spcBef>
+                <a:buChar char="•"/>
+                <a:defRPr sz="2400">
+                  <a:solidFill>
+                    <a:schemeClr val="tx1"/>
+                  </a:solidFill>
+                  <a:latin typeface="Arial" pitchFamily="34" charset="0"/>
+                  <a:ea typeface="宋体" pitchFamily="2" charset="-122"/>
+                </a:defRPr>
+              </a:lvl3pPr>
+              <a:lvl4pPr marL="1600200" indent="-228600" eaLnBrk="0" hangingPunct="0">
+                <a:spcBef>
+                  <a:spcPct val="20000"/>
+                </a:spcBef>
+                <a:buChar char="–"/>
+                <a:defRPr sz="2000">
+                  <a:solidFill>
+                    <a:schemeClr val="tx1"/>
+                  </a:solidFill>
+                  <a:latin typeface="Arial" pitchFamily="34" charset="0"/>
+                  <a:ea typeface="宋体" pitchFamily="2" charset="-122"/>
+                </a:defRPr>
+              </a:lvl4pPr>
+              <a:lvl5pPr marL="2057400" indent="-228600" eaLnBrk="0" hangingPunct="0">
+                <a:spcBef>
+                  <a:spcPct val="20000"/>
+                </a:spcBef>
+                <a:buChar char="»"/>
+                <a:defRPr sz="2000">
+                  <a:solidFill>
+                    <a:schemeClr val="tx1"/>
+                  </a:solidFill>
+                  <a:latin typeface="Arial" pitchFamily="34" charset="0"/>
+                  <a:ea typeface="宋体" pitchFamily="2" charset="-122"/>
+                </a:defRPr>
+              </a:lvl5pPr>
+              <a:lvl6pPr marL="2514600" indent="-228600" eaLnBrk="0" fontAlgn="base" hangingPunct="0">
+                <a:spcBef>
+                  <a:spcPct val="20000"/>
+                </a:spcBef>
+                <a:spcAft>
+                  <a:spcPct val="0"/>
+                </a:spcAft>
+                <a:buChar char="»"/>
+                <a:defRPr sz="2000">
+                  <a:solidFill>
+                    <a:schemeClr val="tx1"/>
+                  </a:solidFill>
+                  <a:latin typeface="Arial" pitchFamily="34" charset="0"/>
+                  <a:ea typeface="宋体" pitchFamily="2" charset="-122"/>
+                </a:defRPr>
+              </a:lvl6pPr>
+              <a:lvl7pPr marL="2971800" indent="-228600" eaLnBrk="0" fontAlgn="base" hangingPunct="0">
+                <a:spcBef>
+                  <a:spcPct val="20000"/>
+                </a:spcBef>
+                <a:spcAft>
+                  <a:spcPct val="0"/>
+                </a:spcAft>
+                <a:buChar char="»"/>
+                <a:defRPr sz="2000">
+                  <a:solidFill>
+                    <a:schemeClr val="tx1"/>
+                  </a:solidFill>
+                  <a:latin typeface="Arial" pitchFamily="34" charset="0"/>
+                  <a:ea typeface="宋体" pitchFamily="2" charset="-122"/>
+                </a:defRPr>
+              </a:lvl7pPr>
+              <a:lvl8pPr marL="3429000" indent="-228600" eaLnBrk="0" fontAlgn="base" hangingPunct="0">
+                <a:spcBef>
+                  <a:spcPct val="20000"/>
+                </a:spcBef>
+                <a:spcAft>
+                  <a:spcPct val="0"/>
+                </a:spcAft>
+                <a:buChar char="»"/>
+                <a:defRPr sz="2000">
+                  <a:solidFill>
+                    <a:schemeClr val="tx1"/>
+                  </a:solidFill>
+                  <a:latin typeface="Arial" pitchFamily="34" charset="0"/>
+                  <a:ea typeface="宋体" pitchFamily="2" charset="-122"/>
+                </a:defRPr>
+              </a:lvl8pPr>
+              <a:lvl9pPr marL="3886200" indent="-228600" eaLnBrk="0" fontAlgn="base" hangingPunct="0">
+                <a:spcBef>
+                  <a:spcPct val="20000"/>
+                </a:spcBef>
+                <a:spcAft>
+                  <a:spcPct val="0"/>
+                </a:spcAft>
+                <a:buChar char="»"/>
+                <a:defRPr sz="2000">
+                  <a:solidFill>
+                    <a:schemeClr val="tx1"/>
+                  </a:solidFill>
+                  <a:latin typeface="Arial" pitchFamily="34" charset="0"/>
+                  <a:ea typeface="宋体" pitchFamily="2" charset="-122"/>
+                </a:defRPr>
+              </a:lvl9pPr>
+            </a:lstStyle>
+            <a:p>
+              <a:pPr eaLnBrk="1" hangingPunct="1">
+                <a:spcBef>
+                  <a:spcPct val="0"/>
+                </a:spcBef>
+                <a:buFontTx/>
+                <a:buNone/>
+              </a:pPr>
+              <a:endParaRPr lang="zh-CN" altLang="en-US" sz="1200">
+                <a:solidFill>
+                  <a:schemeClr val="tx1"/>
+                </a:solidFill>
+                <a:latin typeface="微软雅黑" panose="020B0503020204020204" pitchFamily="34" charset="-122"/>
+              </a:endParaRPr>
+            </a:p>
+          </p:txBody>
+        </p:sp>
+        <p:sp>
+          <p:nvSpPr>
+            <p:cNvPr id="89" name="Freeform 36"/>
+            <p:cNvSpPr>
+              <a:spLocks noEditPoints="1"/>
+            </p:cNvSpPr>
+            <p:nvPr/>
+          </p:nvSpPr>
+          <p:spPr bwMode="auto">
+            <a:xfrm>
+              <a:off x="261937" y="217487"/>
+              <a:ext cx="712788" cy="701675"/>
+            </a:xfrm>
+            <a:custGeom>
+              <a:avLst/>
+              <a:gdLst>
+                <a:gd name="T0" fmla="*/ 188097 w 792"/>
+                <a:gd name="T1" fmla="*/ 307152 h 779"/>
+                <a:gd name="T2" fmla="*/ 249296 w 792"/>
+                <a:gd name="T3" fmla="*/ 200865 h 779"/>
+                <a:gd name="T4" fmla="*/ 350994 w 792"/>
+                <a:gd name="T5" fmla="*/ 290938 h 779"/>
+                <a:gd name="T6" fmla="*/ 264596 w 792"/>
+                <a:gd name="T7" fmla="*/ 182850 h 779"/>
+                <a:gd name="T8" fmla="*/ 350994 w 792"/>
+                <a:gd name="T9" fmla="*/ 290938 h 779"/>
+                <a:gd name="T10" fmla="*/ 350994 w 792"/>
+                <a:gd name="T11" fmla="*/ 290938 h 779"/>
+                <a:gd name="T12" fmla="*/ 420293 w 792"/>
+                <a:gd name="T13" fmla="*/ 174743 h 779"/>
+                <a:gd name="T14" fmla="*/ 442793 w 792"/>
+                <a:gd name="T15" fmla="*/ 163034 h 779"/>
+                <a:gd name="T16" fmla="*/ 445493 w 792"/>
+                <a:gd name="T17" fmla="*/ 182850 h 779"/>
+                <a:gd name="T18" fmla="*/ 439193 w 792"/>
+                <a:gd name="T19" fmla="*/ 215276 h 779"/>
+                <a:gd name="T20" fmla="*/ 418493 w 792"/>
+                <a:gd name="T21" fmla="*/ 207170 h 779"/>
+                <a:gd name="T22" fmla="*/ 393293 w 792"/>
+                <a:gd name="T23" fmla="*/ 185552 h 779"/>
+                <a:gd name="T24" fmla="*/ 410393 w 792"/>
+                <a:gd name="T25" fmla="*/ 172942 h 779"/>
+                <a:gd name="T26" fmla="*/ 442793 w 792"/>
+                <a:gd name="T27" fmla="*/ 163034 h 779"/>
+                <a:gd name="T28" fmla="*/ 337494 w 792"/>
+                <a:gd name="T29" fmla="*/ 308953 h 779"/>
+                <a:gd name="T30" fmla="*/ 325795 w 792"/>
+                <a:gd name="T31" fmla="*/ 440461 h 779"/>
+                <a:gd name="T32" fmla="*/ 371694 w 792"/>
+                <a:gd name="T33" fmla="*/ 320663 h 779"/>
+                <a:gd name="T34" fmla="*/ 280795 w 792"/>
+                <a:gd name="T35" fmla="*/ 268420 h 779"/>
+                <a:gd name="T36" fmla="*/ 246596 w 792"/>
+                <a:gd name="T37" fmla="*/ 280130 h 779"/>
+                <a:gd name="T38" fmla="*/ 292495 w 792"/>
+                <a:gd name="T39" fmla="*/ 440461 h 779"/>
+                <a:gd name="T40" fmla="*/ 280795 w 792"/>
+                <a:gd name="T41" fmla="*/ 268420 h 779"/>
+                <a:gd name="T42" fmla="*/ 416693 w 792"/>
+                <a:gd name="T43" fmla="*/ 240497 h 779"/>
+                <a:gd name="T44" fmla="*/ 404993 w 792"/>
+                <a:gd name="T45" fmla="*/ 440461 h 779"/>
+                <a:gd name="T46" fmla="*/ 450892 w 792"/>
+                <a:gd name="T47" fmla="*/ 253107 h 779"/>
+                <a:gd name="T48" fmla="*/ 201597 w 792"/>
+                <a:gd name="T49" fmla="*/ 351288 h 779"/>
+                <a:gd name="T50" fmla="*/ 167397 w 792"/>
+                <a:gd name="T51" fmla="*/ 362997 h 779"/>
+                <a:gd name="T52" fmla="*/ 213296 w 792"/>
+                <a:gd name="T53" fmla="*/ 440461 h 779"/>
+                <a:gd name="T54" fmla="*/ 201597 w 792"/>
+                <a:gd name="T55" fmla="*/ 351288 h 779"/>
+                <a:gd name="T56" fmla="*/ 122398 w 792"/>
+                <a:gd name="T57" fmla="*/ 440461 h 779"/>
+                <a:gd name="T58" fmla="*/ 110698 w 792"/>
+                <a:gd name="T59" fmla="*/ 170240 h 779"/>
+                <a:gd name="T60" fmla="*/ 134098 w 792"/>
+                <a:gd name="T61" fmla="*/ 170240 h 779"/>
+                <a:gd name="T62" fmla="*/ 477892 w 792"/>
+                <a:gd name="T63" fmla="*/ 417042 h 779"/>
+                <a:gd name="T64" fmla="*/ 477892 w 792"/>
+                <a:gd name="T65" fmla="*/ 440461 h 779"/>
+                <a:gd name="T66" fmla="*/ 110698 w 792"/>
+                <a:gd name="T67" fmla="*/ 428751 h 779"/>
+                <a:gd name="T68" fmla="*/ 477892 w 792"/>
+                <a:gd name="T69" fmla="*/ 417042 h 779"/>
+                <a:gd name="T70" fmla="*/ 611990 w 792"/>
+                <a:gd name="T71" fmla="*/ 701675 h 779"/>
+                <a:gd name="T72" fmla="*/ 436493 w 792"/>
+                <a:gd name="T73" fmla="*/ 566564 h 779"/>
+                <a:gd name="T74" fmla="*/ 0 w 792"/>
+                <a:gd name="T75" fmla="*/ 299045 h 779"/>
+                <a:gd name="T76" fmla="*/ 599390 w 792"/>
+                <a:gd name="T77" fmla="*/ 299045 h 779"/>
+                <a:gd name="T78" fmla="*/ 677689 w 792"/>
+                <a:gd name="T79" fmla="*/ 544947 h 779"/>
+                <a:gd name="T80" fmla="*/ 300595 w 792"/>
+                <a:gd name="T81" fmla="*/ 561160 h 779"/>
+                <a:gd name="T82" fmla="*/ 561591 w 792"/>
+                <a:gd name="T83" fmla="*/ 299045 h 779"/>
+                <a:gd name="T84" fmla="*/ 38699 w 792"/>
+                <a:gd name="T85" fmla="*/ 299045 h 779"/>
+                <a:gd name="T86" fmla="*/ 0 60000 65536"/>
+                <a:gd name="T87" fmla="*/ 0 60000 65536"/>
+                <a:gd name="T88" fmla="*/ 0 60000 65536"/>
+                <a:gd name="T89" fmla="*/ 0 60000 65536"/>
+                <a:gd name="T90" fmla="*/ 0 60000 65536"/>
+                <a:gd name="T91" fmla="*/ 0 60000 65536"/>
+                <a:gd name="T92" fmla="*/ 0 60000 65536"/>
+                <a:gd name="T93" fmla="*/ 0 60000 65536"/>
+                <a:gd name="T94" fmla="*/ 0 60000 65536"/>
+                <a:gd name="T95" fmla="*/ 0 60000 65536"/>
+                <a:gd name="T96" fmla="*/ 0 60000 65536"/>
+                <a:gd name="T97" fmla="*/ 0 60000 65536"/>
+                <a:gd name="T98" fmla="*/ 0 60000 65536"/>
+                <a:gd name="T99" fmla="*/ 0 60000 65536"/>
+                <a:gd name="T100" fmla="*/ 0 60000 65536"/>
+                <a:gd name="T101" fmla="*/ 0 60000 65536"/>
+                <a:gd name="T102" fmla="*/ 0 60000 65536"/>
+                <a:gd name="T103" fmla="*/ 0 60000 65536"/>
+                <a:gd name="T104" fmla="*/ 0 60000 65536"/>
+                <a:gd name="T105" fmla="*/ 0 60000 65536"/>
+                <a:gd name="T106" fmla="*/ 0 60000 65536"/>
+                <a:gd name="T107" fmla="*/ 0 60000 65536"/>
+                <a:gd name="T108" fmla="*/ 0 60000 65536"/>
+                <a:gd name="T109" fmla="*/ 0 60000 65536"/>
+                <a:gd name="T110" fmla="*/ 0 60000 65536"/>
+                <a:gd name="T111" fmla="*/ 0 60000 65536"/>
+                <a:gd name="T112" fmla="*/ 0 60000 65536"/>
+                <a:gd name="T113" fmla="*/ 0 60000 65536"/>
+                <a:gd name="T114" fmla="*/ 0 60000 65536"/>
+                <a:gd name="T115" fmla="*/ 0 60000 65536"/>
+                <a:gd name="T116" fmla="*/ 0 60000 65536"/>
+                <a:gd name="T117" fmla="*/ 0 60000 65536"/>
+                <a:gd name="T118" fmla="*/ 0 60000 65536"/>
+                <a:gd name="T119" fmla="*/ 0 60000 65536"/>
+                <a:gd name="T120" fmla="*/ 0 60000 65536"/>
+                <a:gd name="T121" fmla="*/ 0 60000 65536"/>
+                <a:gd name="T122" fmla="*/ 0 60000 65536"/>
+                <a:gd name="T123" fmla="*/ 0 60000 65536"/>
+                <a:gd name="T124" fmla="*/ 0 60000 65536"/>
+                <a:gd name="T125" fmla="*/ 0 60000 65536"/>
+                <a:gd name="T126" fmla="*/ 0 60000 65536"/>
+                <a:gd name="T127" fmla="*/ 0 60000 65536"/>
+                <a:gd name="T128" fmla="*/ 0 60000 65536"/>
+              </a:gdLst>
+              <a:ahLst/>
+              <a:cxnLst>
+                <a:cxn ang="T86">
+                  <a:pos x="T0" y="T1"/>
+                </a:cxn>
+                <a:cxn ang="T87">
+                  <a:pos x="T2" y="T3"/>
+                </a:cxn>
+                <a:cxn ang="T88">
+                  <a:pos x="T4" y="T5"/>
+                </a:cxn>
+                <a:cxn ang="T89">
+                  <a:pos x="T6" y="T7"/>
+                </a:cxn>
+                <a:cxn ang="T90">
+                  <a:pos x="T8" y="T9"/>
+                </a:cxn>
+                <a:cxn ang="T91">
+                  <a:pos x="T10" y="T11"/>
+                </a:cxn>
+                <a:cxn ang="T92">
+                  <a:pos x="T12" y="T13"/>
+                </a:cxn>
+                <a:cxn ang="T93">
+                  <a:pos x="T14" y="T15"/>
+                </a:cxn>
+                <a:cxn ang="T94">
+                  <a:pos x="T16" y="T17"/>
+                </a:cxn>
+                <a:cxn ang="T95">
+                  <a:pos x="T18" y="T19"/>
+                </a:cxn>
+                <a:cxn ang="T96">
+                  <a:pos x="T20" y="T21"/>
+                </a:cxn>
+                <a:cxn ang="T97">
+                  <a:pos x="T22" y="T23"/>
+                </a:cxn>
+                <a:cxn ang="T98">
+                  <a:pos x="T24" y="T25"/>
+                </a:cxn>
+                <a:cxn ang="T99">
+                  <a:pos x="T26" y="T27"/>
+                </a:cxn>
+                <a:cxn ang="T100">
+                  <a:pos x="T28" y="T29"/>
+                </a:cxn>
+                <a:cxn ang="T101">
+                  <a:pos x="T30" y="T31"/>
+                </a:cxn>
+                <a:cxn ang="T102">
+                  <a:pos x="T32" y="T33"/>
+                </a:cxn>
+                <a:cxn ang="T103">
+                  <a:pos x="T34" y="T35"/>
+                </a:cxn>
+                <a:cxn ang="T104">
+                  <a:pos x="T36" y="T37"/>
+                </a:cxn>
+                <a:cxn ang="T105">
+                  <a:pos x="T38" y="T39"/>
+                </a:cxn>
+                <a:cxn ang="T106">
+                  <a:pos x="T40" y="T41"/>
+                </a:cxn>
+                <a:cxn ang="T107">
+                  <a:pos x="T42" y="T43"/>
+                </a:cxn>
+                <a:cxn ang="T108">
+                  <a:pos x="T44" y="T45"/>
+                </a:cxn>
+                <a:cxn ang="T109">
+                  <a:pos x="T46" y="T47"/>
+                </a:cxn>
+                <a:cxn ang="T110">
+                  <a:pos x="T48" y="T49"/>
+                </a:cxn>
+                <a:cxn ang="T111">
+                  <a:pos x="T50" y="T51"/>
+                </a:cxn>
+                <a:cxn ang="T112">
+                  <a:pos x="T52" y="T53"/>
+                </a:cxn>
+                <a:cxn ang="T113">
+                  <a:pos x="T54" y="T55"/>
+                </a:cxn>
+                <a:cxn ang="T114">
+                  <a:pos x="T56" y="T57"/>
+                </a:cxn>
+                <a:cxn ang="T115">
+                  <a:pos x="T58" y="T59"/>
+                </a:cxn>
+                <a:cxn ang="T116">
+                  <a:pos x="T60" y="T61"/>
+                </a:cxn>
+                <a:cxn ang="T117">
+                  <a:pos x="T62" y="T63"/>
+                </a:cxn>
+                <a:cxn ang="T118">
+                  <a:pos x="T64" y="T65"/>
+                </a:cxn>
+                <a:cxn ang="T119">
+                  <a:pos x="T66" y="T67"/>
+                </a:cxn>
+                <a:cxn ang="T120">
+                  <a:pos x="T68" y="T69"/>
+                </a:cxn>
+                <a:cxn ang="T121">
+                  <a:pos x="T70" y="T71"/>
+                </a:cxn>
+                <a:cxn ang="T122">
+                  <a:pos x="T72" y="T73"/>
+                </a:cxn>
+                <a:cxn ang="T123">
+                  <a:pos x="T74" y="T75"/>
+                </a:cxn>
+                <a:cxn ang="T124">
+                  <a:pos x="T76" y="T77"/>
+                </a:cxn>
+                <a:cxn ang="T125">
+                  <a:pos x="T78" y="T79"/>
+                </a:cxn>
+                <a:cxn ang="T126">
+                  <a:pos x="T80" y="T81"/>
+                </a:cxn>
+                <a:cxn ang="T127">
+                  <a:pos x="T82" y="T83"/>
+                </a:cxn>
+                <a:cxn ang="T128">
+                  <a:pos x="T84" y="T85"/>
+                </a:cxn>
+              </a:cxnLst>
+              <a:rect l="0" t="0" r="r" b="b"/>
+              <a:pathLst>
+                <a:path w="792" h="779">
+                  <a:moveTo>
+                    <a:pt x="297" y="240"/>
+                  </a:moveTo>
+                  <a:lnTo>
+                    <a:pt x="209" y="341"/>
+                  </a:lnTo>
+                  <a:lnTo>
+                    <a:pt x="188" y="323"/>
+                  </a:lnTo>
+                  <a:lnTo>
+                    <a:pt x="277" y="223"/>
+                  </a:lnTo>
+                  <a:lnTo>
+                    <a:pt x="297" y="240"/>
+                  </a:lnTo>
+                  <a:close/>
+                  <a:moveTo>
+                    <a:pt x="390" y="323"/>
+                  </a:moveTo>
+                  <a:lnTo>
+                    <a:pt x="276" y="224"/>
+                  </a:lnTo>
+                  <a:lnTo>
+                    <a:pt x="294" y="203"/>
+                  </a:lnTo>
+                  <a:lnTo>
+                    <a:pt x="408" y="303"/>
+                  </a:lnTo>
+                  <a:lnTo>
+                    <a:pt x="390" y="323"/>
+                  </a:lnTo>
+                  <a:close/>
+                  <a:moveTo>
+                    <a:pt x="487" y="212"/>
+                  </a:moveTo>
+                  <a:lnTo>
+                    <a:pt x="390" y="323"/>
+                  </a:lnTo>
+                  <a:lnTo>
+                    <a:pt x="369" y="305"/>
+                  </a:lnTo>
+                  <a:lnTo>
+                    <a:pt x="467" y="194"/>
+                  </a:lnTo>
+                  <a:lnTo>
+                    <a:pt x="487" y="212"/>
+                  </a:lnTo>
+                  <a:close/>
+                  <a:moveTo>
+                    <a:pt x="492" y="181"/>
+                  </a:moveTo>
+                  <a:cubicBezTo>
+                    <a:pt x="497" y="179"/>
+                    <a:pt x="500" y="182"/>
+                    <a:pt x="499" y="187"/>
+                  </a:cubicBezTo>
+                  <a:lnTo>
+                    <a:pt x="495" y="203"/>
+                  </a:lnTo>
+                  <a:cubicBezTo>
+                    <a:pt x="494" y="209"/>
+                    <a:pt x="492" y="217"/>
+                    <a:pt x="491" y="222"/>
+                  </a:cubicBezTo>
+                  <a:lnTo>
+                    <a:pt x="488" y="239"/>
+                  </a:lnTo>
+                  <a:cubicBezTo>
+                    <a:pt x="487" y="244"/>
+                    <a:pt x="483" y="245"/>
+                    <a:pt x="479" y="242"/>
+                  </a:cubicBezTo>
+                  <a:lnTo>
+                    <a:pt x="465" y="230"/>
+                  </a:lnTo>
+                  <a:cubicBezTo>
+                    <a:pt x="461" y="227"/>
+                    <a:pt x="455" y="221"/>
+                    <a:pt x="451" y="217"/>
+                  </a:cubicBezTo>
+                  <a:lnTo>
+                    <a:pt x="437" y="206"/>
+                  </a:lnTo>
+                  <a:cubicBezTo>
+                    <a:pt x="433" y="202"/>
+                    <a:pt x="434" y="198"/>
+                    <a:pt x="439" y="197"/>
+                  </a:cubicBezTo>
+                  <a:lnTo>
+                    <a:pt x="456" y="192"/>
+                  </a:lnTo>
+                  <a:cubicBezTo>
+                    <a:pt x="461" y="190"/>
+                    <a:pt x="470" y="187"/>
+                    <a:pt x="475" y="186"/>
+                  </a:cubicBezTo>
+                  <a:lnTo>
+                    <a:pt x="492" y="181"/>
+                  </a:lnTo>
+                  <a:close/>
+                  <a:moveTo>
+                    <a:pt x="400" y="343"/>
+                  </a:moveTo>
+                  <a:lnTo>
+                    <a:pt x="375" y="343"/>
+                  </a:lnTo>
+                  <a:cubicBezTo>
+                    <a:pt x="368" y="343"/>
+                    <a:pt x="362" y="349"/>
+                    <a:pt x="362" y="356"/>
+                  </a:cubicBezTo>
+                  <a:lnTo>
+                    <a:pt x="362" y="489"/>
+                  </a:lnTo>
+                  <a:lnTo>
+                    <a:pt x="413" y="489"/>
+                  </a:lnTo>
+                  <a:lnTo>
+                    <a:pt x="413" y="356"/>
+                  </a:lnTo>
+                  <a:cubicBezTo>
+                    <a:pt x="413" y="349"/>
+                    <a:pt x="407" y="343"/>
+                    <a:pt x="400" y="343"/>
+                  </a:cubicBezTo>
+                  <a:close/>
+                  <a:moveTo>
+                    <a:pt x="312" y="298"/>
+                  </a:moveTo>
+                  <a:lnTo>
+                    <a:pt x="287" y="298"/>
+                  </a:lnTo>
+                  <a:cubicBezTo>
+                    <a:pt x="280" y="298"/>
+                    <a:pt x="274" y="304"/>
+                    <a:pt x="274" y="311"/>
+                  </a:cubicBezTo>
+                  <a:lnTo>
+                    <a:pt x="274" y="489"/>
+                  </a:lnTo>
+                  <a:lnTo>
+                    <a:pt x="325" y="489"/>
+                  </a:lnTo>
+                  <a:lnTo>
+                    <a:pt x="325" y="311"/>
+                  </a:lnTo>
+                  <a:cubicBezTo>
+                    <a:pt x="325" y="304"/>
+                    <a:pt x="319" y="298"/>
+                    <a:pt x="312" y="298"/>
+                  </a:cubicBezTo>
+                  <a:close/>
+                  <a:moveTo>
+                    <a:pt x="488" y="267"/>
+                  </a:moveTo>
+                  <a:lnTo>
+                    <a:pt x="463" y="267"/>
+                  </a:lnTo>
+                  <a:cubicBezTo>
+                    <a:pt x="456" y="267"/>
+                    <a:pt x="450" y="273"/>
+                    <a:pt x="450" y="281"/>
+                  </a:cubicBezTo>
+                  <a:lnTo>
+                    <a:pt x="450" y="489"/>
+                  </a:lnTo>
+                  <a:lnTo>
+                    <a:pt x="501" y="489"/>
+                  </a:lnTo>
+                  <a:lnTo>
+                    <a:pt x="501" y="281"/>
+                  </a:lnTo>
+                  <a:cubicBezTo>
+                    <a:pt x="501" y="273"/>
+                    <a:pt x="495" y="267"/>
+                    <a:pt x="488" y="267"/>
+                  </a:cubicBezTo>
+                  <a:close/>
+                  <a:moveTo>
+                    <a:pt x="224" y="390"/>
+                  </a:moveTo>
+                  <a:lnTo>
+                    <a:pt x="200" y="390"/>
+                  </a:lnTo>
+                  <a:cubicBezTo>
+                    <a:pt x="192" y="390"/>
+                    <a:pt x="186" y="396"/>
+                    <a:pt x="186" y="403"/>
+                  </a:cubicBezTo>
+                  <a:lnTo>
+                    <a:pt x="186" y="489"/>
+                  </a:lnTo>
+                  <a:lnTo>
+                    <a:pt x="237" y="489"/>
+                  </a:lnTo>
+                  <a:lnTo>
+                    <a:pt x="237" y="403"/>
+                  </a:lnTo>
+                  <a:cubicBezTo>
+                    <a:pt x="237" y="396"/>
+                    <a:pt x="231" y="390"/>
+                    <a:pt x="224" y="390"/>
+                  </a:cubicBezTo>
+                  <a:close/>
+                  <a:moveTo>
+                    <a:pt x="149" y="476"/>
+                  </a:moveTo>
+                  <a:cubicBezTo>
+                    <a:pt x="149" y="483"/>
+                    <a:pt x="144" y="489"/>
+                    <a:pt x="136" y="489"/>
+                  </a:cubicBezTo>
+                  <a:cubicBezTo>
+                    <a:pt x="129" y="489"/>
+                    <a:pt x="123" y="483"/>
+                    <a:pt x="123" y="476"/>
+                  </a:cubicBezTo>
+                  <a:lnTo>
+                    <a:pt x="123" y="189"/>
+                  </a:lnTo>
+                  <a:cubicBezTo>
+                    <a:pt x="123" y="182"/>
+                    <a:pt x="129" y="176"/>
+                    <a:pt x="136" y="176"/>
+                  </a:cubicBezTo>
+                  <a:cubicBezTo>
+                    <a:pt x="143" y="176"/>
+                    <a:pt x="149" y="182"/>
+                    <a:pt x="149" y="189"/>
+                  </a:cubicBezTo>
+                  <a:lnTo>
+                    <a:pt x="149" y="476"/>
+                  </a:lnTo>
+                  <a:close/>
+                  <a:moveTo>
+                    <a:pt x="531" y="463"/>
+                  </a:moveTo>
+                  <a:cubicBezTo>
+                    <a:pt x="538" y="463"/>
+                    <a:pt x="544" y="469"/>
+                    <a:pt x="544" y="476"/>
+                  </a:cubicBezTo>
+                  <a:cubicBezTo>
+                    <a:pt x="544" y="483"/>
+                    <a:pt x="538" y="489"/>
+                    <a:pt x="531" y="489"/>
+                  </a:cubicBezTo>
+                  <a:lnTo>
+                    <a:pt x="136" y="489"/>
+                  </a:lnTo>
+                  <a:cubicBezTo>
+                    <a:pt x="129" y="489"/>
+                    <a:pt x="123" y="483"/>
+                    <a:pt x="123" y="476"/>
+                  </a:cubicBezTo>
+                  <a:cubicBezTo>
+                    <a:pt x="123" y="469"/>
+                    <a:pt x="129" y="463"/>
+                    <a:pt x="136" y="463"/>
+                  </a:cubicBezTo>
+                  <a:lnTo>
+                    <a:pt x="531" y="463"/>
+                  </a:lnTo>
+                  <a:close/>
+                  <a:moveTo>
+                    <a:pt x="753" y="750"/>
+                  </a:moveTo>
+                  <a:cubicBezTo>
+                    <a:pt x="732" y="770"/>
+                    <a:pt x="706" y="779"/>
+                    <a:pt x="680" y="779"/>
+                  </a:cubicBezTo>
+                  <a:cubicBezTo>
+                    <a:pt x="654" y="779"/>
+                    <a:pt x="628" y="770"/>
+                    <a:pt x="608" y="750"/>
+                  </a:cubicBezTo>
+                  <a:lnTo>
+                    <a:pt x="485" y="629"/>
+                  </a:lnTo>
+                  <a:cubicBezTo>
+                    <a:pt x="440" y="653"/>
+                    <a:pt x="388" y="666"/>
+                    <a:pt x="334" y="666"/>
+                  </a:cubicBezTo>
+                  <a:cubicBezTo>
+                    <a:pt x="149" y="666"/>
+                    <a:pt x="0" y="517"/>
+                    <a:pt x="0" y="332"/>
+                  </a:cubicBezTo>
+                  <a:cubicBezTo>
+                    <a:pt x="0" y="149"/>
+                    <a:pt x="149" y="0"/>
+                    <a:pt x="334" y="0"/>
+                  </a:cubicBezTo>
+                  <a:cubicBezTo>
+                    <a:pt x="517" y="0"/>
+                    <a:pt x="666" y="149"/>
+                    <a:pt x="666" y="332"/>
+                  </a:cubicBezTo>
+                  <a:cubicBezTo>
+                    <a:pt x="666" y="387"/>
+                    <a:pt x="653" y="439"/>
+                    <a:pt x="630" y="484"/>
+                  </a:cubicBezTo>
+                  <a:lnTo>
+                    <a:pt x="753" y="605"/>
+                  </a:lnTo>
+                  <a:cubicBezTo>
+                    <a:pt x="792" y="645"/>
+                    <a:pt x="792" y="709"/>
+                    <a:pt x="753" y="750"/>
+                  </a:cubicBezTo>
+                  <a:close/>
+                  <a:moveTo>
+                    <a:pt x="334" y="623"/>
+                  </a:moveTo>
+                  <a:lnTo>
+                    <a:pt x="334" y="623"/>
+                  </a:lnTo>
+                  <a:cubicBezTo>
+                    <a:pt x="494" y="623"/>
+                    <a:pt x="624" y="493"/>
+                    <a:pt x="624" y="332"/>
+                  </a:cubicBezTo>
+                  <a:cubicBezTo>
+                    <a:pt x="624" y="172"/>
+                    <a:pt x="494" y="42"/>
+                    <a:pt x="334" y="42"/>
+                  </a:cubicBezTo>
+                  <a:cubicBezTo>
+                    <a:pt x="173" y="42"/>
+                    <a:pt x="43" y="172"/>
+                    <a:pt x="43" y="332"/>
+                  </a:cubicBezTo>
+                  <a:cubicBezTo>
+                    <a:pt x="43" y="493"/>
+                    <a:pt x="173" y="623"/>
+                    <a:pt x="334" y="623"/>
+                  </a:cubicBezTo>
+                  <a:close/>
+                </a:path>
+              </a:pathLst>
+            </a:custGeom>
+            <a:solidFill>
+              <a:schemeClr val="bg1"/>
+            </a:solidFill>
+            <a:ln>
+              <a:noFill/>
+            </a:ln>
+            <a:extLst>
+              <a:ext uri="{91240B29-F687-4F45-9708-019B960494DF}">
+                <a14:hiddenLine xmlns="" xmlns:a14="http://schemas.microsoft.com/office/drawing/2010/main" w="9525">
+                  <a:solidFill>
+                    <a:srgbClr val="000000"/>
+                  </a:solidFill>
+                  <a:round/>
+                  <a:headEnd/>
+                  <a:tailEnd/>
+                </a14:hiddenLine>
+              </a:ext>
+            </a:extLst>
+          </p:spPr>
+          <p:txBody>
+            <a:bodyPr/>
+            <a:lstStyle/>
+            <a:p>
+              <a:endParaRPr lang="zh-CN" altLang="en-US">
+                <a:latin typeface="微软雅黑" panose="020B0503020204020204" pitchFamily="34" charset="-122"/>
+                <a:ea typeface="微软雅黑" panose="020B0503020204020204" pitchFamily="34" charset="-122"/>
+              </a:endParaRPr>
+            </a:p>
+          </p:txBody>
+        </p:sp>
+      </p:grpSp>
+      <p:grpSp>
+        <p:nvGrpSpPr>
+          <p:cNvPr id="77" name="组合 43"/>
+          <p:cNvGrpSpPr>
+            <a:grpSpLocks/>
+          </p:cNvGrpSpPr>
+          <p:nvPr/>
+        </p:nvGrpSpPr>
+        <p:grpSpPr bwMode="auto">
+          <a:xfrm>
+            <a:off x="9942728" y="4435177"/>
+            <a:ext cx="1009042" cy="1011755"/>
+            <a:chOff x="0" y="0"/>
+            <a:chExt cx="1154113" cy="1155698"/>
+          </a:xfrm>
+          <a:solidFill>
+            <a:schemeClr val="bg1">
+              <a:lumMod val="65000"/>
+            </a:schemeClr>
+          </a:solidFill>
+        </p:grpSpPr>
+        <p:sp>
+          <p:nvSpPr>
+            <p:cNvPr id="86" name="Oval 32"/>
+            <p:cNvSpPr>
+              <a:spLocks noChangeArrowheads="1"/>
+            </p:cNvSpPr>
+            <p:nvPr/>
+          </p:nvSpPr>
+          <p:spPr bwMode="auto">
+            <a:xfrm>
+              <a:off x="0" y="0"/>
+              <a:ext cx="1154113" cy="1155698"/>
+            </a:xfrm>
+            <a:prstGeom prst="ellipse">
+              <a:avLst/>
+            </a:prstGeom>
+            <a:solidFill>
+              <a:schemeClr val="accent4"/>
+            </a:solidFill>
+            <a:ln w="63500">
+              <a:solidFill>
+                <a:schemeClr val="bg1"/>
+              </a:solidFill>
+              <a:round/>
+              <a:headEnd/>
+              <a:tailEnd/>
+            </a:ln>
+            <a:effectLst>
+              <a:outerShdw blurRad="101600" dist="38100" dir="8100000" algn="tr" rotWithShape="0">
+                <a:prstClr val="black">
+                  <a:alpha val="40000"/>
+                </a:prstClr>
+              </a:outerShdw>
+            </a:effectLst>
+            <a:extLst/>
+          </p:spPr>
+          <p:txBody>
+            <a:bodyPr/>
+            <a:lstStyle>
+              <a:lvl1pPr eaLnBrk="0" hangingPunct="0">
+                <a:spcBef>
+                  <a:spcPct val="20000"/>
+                </a:spcBef>
+                <a:buChar char="•"/>
+                <a:defRPr sz="2000">
+                  <a:solidFill>
+                    <a:schemeClr val="accent1"/>
+                  </a:solidFill>
+                  <a:latin typeface="Arial" pitchFamily="34" charset="0"/>
+                  <a:ea typeface="微软雅黑" pitchFamily="34" charset="-122"/>
+                </a:defRPr>
+              </a:lvl1pPr>
+              <a:lvl2pPr marL="742950" indent="-285750" eaLnBrk="0" hangingPunct="0">
+                <a:spcBef>
+                  <a:spcPct val="20000"/>
+                </a:spcBef>
+                <a:buChar char="–"/>
+                <a:defRPr sz="2000">
+                  <a:solidFill>
+                    <a:schemeClr val="accent1"/>
+                  </a:solidFill>
+                  <a:latin typeface="Arial" pitchFamily="34" charset="0"/>
+                  <a:ea typeface="仿宋_GB2312" pitchFamily="1" charset="-122"/>
+                </a:defRPr>
+              </a:lvl2pPr>
+              <a:lvl3pPr marL="1143000" indent="-228600" eaLnBrk="0" hangingPunct="0">
+                <a:spcBef>
+                  <a:spcPct val="20000"/>
+                </a:spcBef>
+                <a:buChar char="•"/>
+                <a:defRPr sz="2400">
+                  <a:solidFill>
+                    <a:schemeClr val="tx1"/>
+                  </a:solidFill>
+                  <a:latin typeface="Arial" pitchFamily="34" charset="0"/>
+                  <a:ea typeface="宋体" pitchFamily="2" charset="-122"/>
+                </a:defRPr>
+              </a:lvl3pPr>
+              <a:lvl4pPr marL="1600200" indent="-228600" eaLnBrk="0" hangingPunct="0">
+                <a:spcBef>
+                  <a:spcPct val="20000"/>
+                </a:spcBef>
+                <a:buChar char="–"/>
+                <a:defRPr sz="2000">
+                  <a:solidFill>
+                    <a:schemeClr val="tx1"/>
+                  </a:solidFill>
+                  <a:latin typeface="Arial" pitchFamily="34" charset="0"/>
+                  <a:ea typeface="宋体" pitchFamily="2" charset="-122"/>
+                </a:defRPr>
+              </a:lvl4pPr>
+              <a:lvl5pPr marL="2057400" indent="-228600" eaLnBrk="0" hangingPunct="0">
+                <a:spcBef>
+                  <a:spcPct val="20000"/>
+                </a:spcBef>
+                <a:buChar char="»"/>
+                <a:defRPr sz="2000">
+                  <a:solidFill>
+                    <a:schemeClr val="tx1"/>
+                  </a:solidFill>
+                  <a:latin typeface="Arial" pitchFamily="34" charset="0"/>
+                  <a:ea typeface="宋体" pitchFamily="2" charset="-122"/>
+                </a:defRPr>
+              </a:lvl5pPr>
+              <a:lvl6pPr marL="2514600" indent="-228600" eaLnBrk="0" fontAlgn="base" hangingPunct="0">
+                <a:spcBef>
+                  <a:spcPct val="20000"/>
+                </a:spcBef>
+                <a:spcAft>
+                  <a:spcPct val="0"/>
+                </a:spcAft>
+                <a:buChar char="»"/>
+                <a:defRPr sz="2000">
+                  <a:solidFill>
+                    <a:schemeClr val="tx1"/>
+                  </a:solidFill>
+                  <a:latin typeface="Arial" pitchFamily="34" charset="0"/>
+                  <a:ea typeface="宋体" pitchFamily="2" charset="-122"/>
+                </a:defRPr>
+              </a:lvl6pPr>
+              <a:lvl7pPr marL="2971800" indent="-228600" eaLnBrk="0" fontAlgn="base" hangingPunct="0">
+                <a:spcBef>
+                  <a:spcPct val="20000"/>
+                </a:spcBef>
+                <a:spcAft>
+                  <a:spcPct val="0"/>
+                </a:spcAft>
+                <a:buChar char="»"/>
+                <a:defRPr sz="2000">
+                  <a:solidFill>
+                    <a:schemeClr val="tx1"/>
+                  </a:solidFill>
+                  <a:latin typeface="Arial" pitchFamily="34" charset="0"/>
+                  <a:ea typeface="宋体" pitchFamily="2" charset="-122"/>
+                </a:defRPr>
+              </a:lvl7pPr>
+              <a:lvl8pPr marL="3429000" indent="-228600" eaLnBrk="0" fontAlgn="base" hangingPunct="0">
+                <a:spcBef>
+                  <a:spcPct val="20000"/>
+                </a:spcBef>
+                <a:spcAft>
+                  <a:spcPct val="0"/>
+                </a:spcAft>
+                <a:buChar char="»"/>
+                <a:defRPr sz="2000">
+                  <a:solidFill>
+                    <a:schemeClr val="tx1"/>
+                  </a:solidFill>
+                  <a:latin typeface="Arial" pitchFamily="34" charset="0"/>
+                  <a:ea typeface="宋体" pitchFamily="2" charset="-122"/>
+                </a:defRPr>
+              </a:lvl8pPr>
+              <a:lvl9pPr marL="3886200" indent="-228600" eaLnBrk="0" fontAlgn="base" hangingPunct="0">
+                <a:spcBef>
+                  <a:spcPct val="20000"/>
+                </a:spcBef>
+                <a:spcAft>
+                  <a:spcPct val="0"/>
+                </a:spcAft>
+                <a:buChar char="»"/>
+                <a:defRPr sz="2000">
+                  <a:solidFill>
+                    <a:schemeClr val="tx1"/>
+                  </a:solidFill>
+                  <a:latin typeface="Arial" pitchFamily="34" charset="0"/>
+                  <a:ea typeface="宋体" pitchFamily="2" charset="-122"/>
+                </a:defRPr>
+              </a:lvl9pPr>
+            </a:lstStyle>
+            <a:p>
+              <a:pPr eaLnBrk="1" hangingPunct="1">
+                <a:spcBef>
+                  <a:spcPct val="0"/>
+                </a:spcBef>
+                <a:buFontTx/>
+                <a:buNone/>
+              </a:pPr>
+              <a:endParaRPr lang="zh-CN" altLang="en-US" sz="1200">
+                <a:solidFill>
+                  <a:schemeClr val="tx1"/>
+                </a:solidFill>
+                <a:latin typeface="微软雅黑" panose="020B0503020204020204" pitchFamily="34" charset="-122"/>
+              </a:endParaRPr>
+            </a:p>
+          </p:txBody>
+        </p:sp>
+        <p:sp>
+          <p:nvSpPr>
+            <p:cNvPr id="87" name="Freeform 37"/>
+            <p:cNvSpPr>
+              <a:spLocks noEditPoints="1"/>
+            </p:cNvSpPr>
+            <p:nvPr/>
+          </p:nvSpPr>
+          <p:spPr bwMode="auto">
+            <a:xfrm>
+              <a:off x="268287" y="254000"/>
+              <a:ext cx="658813" cy="652462"/>
+            </a:xfrm>
+            <a:custGeom>
+              <a:avLst/>
+              <a:gdLst>
+                <a:gd name="T0" fmla="*/ 594912 w 732"/>
+                <a:gd name="T1" fmla="*/ 562343 h 724"/>
+                <a:gd name="T2" fmla="*/ 526510 w 732"/>
+                <a:gd name="T3" fmla="*/ 562343 h 724"/>
+                <a:gd name="T4" fmla="*/ 431109 w 732"/>
+                <a:gd name="T5" fmla="*/ 379401 h 724"/>
+                <a:gd name="T6" fmla="*/ 421208 w 732"/>
+                <a:gd name="T7" fmla="*/ 415449 h 724"/>
+                <a:gd name="T8" fmla="*/ 369007 w 732"/>
+                <a:gd name="T9" fmla="*/ 455101 h 724"/>
+                <a:gd name="T10" fmla="*/ 540011 w 732"/>
+                <a:gd name="T11" fmla="*/ 644351 h 724"/>
+                <a:gd name="T12" fmla="*/ 649813 w 732"/>
+                <a:gd name="T13" fmla="*/ 570454 h 724"/>
+                <a:gd name="T14" fmla="*/ 568811 w 732"/>
+                <a:gd name="T15" fmla="*/ 486643 h 724"/>
+                <a:gd name="T16" fmla="*/ 449109 w 732"/>
+                <a:gd name="T17" fmla="*/ 388413 h 724"/>
+                <a:gd name="T18" fmla="*/ 237605 w 732"/>
+                <a:gd name="T19" fmla="*/ 231606 h 724"/>
+                <a:gd name="T20" fmla="*/ 273605 w 732"/>
+                <a:gd name="T21" fmla="*/ 221693 h 724"/>
+                <a:gd name="T22" fmla="*/ 283506 w 732"/>
+                <a:gd name="T23" fmla="*/ 186546 h 724"/>
+                <a:gd name="T24" fmla="*/ 292506 w 732"/>
+                <a:gd name="T25" fmla="*/ 153202 h 724"/>
+                <a:gd name="T26" fmla="*/ 126903 w 732"/>
+                <a:gd name="T27" fmla="*/ 14419 h 724"/>
+                <a:gd name="T28" fmla="*/ 104402 w 732"/>
+                <a:gd name="T29" fmla="*/ 184744 h 724"/>
+                <a:gd name="T30" fmla="*/ 900 w 732"/>
+                <a:gd name="T31" fmla="*/ 141487 h 724"/>
+                <a:gd name="T32" fmla="*/ 196204 w 732"/>
+                <a:gd name="T33" fmla="*/ 281171 h 724"/>
+                <a:gd name="T34" fmla="*/ 221404 w 732"/>
+                <a:gd name="T35" fmla="*/ 248729 h 724"/>
+                <a:gd name="T36" fmla="*/ 634513 w 732"/>
+                <a:gd name="T37" fmla="*/ 63985 h 724"/>
+                <a:gd name="T38" fmla="*/ 546311 w 732"/>
+                <a:gd name="T39" fmla="*/ 0 h 724"/>
+                <a:gd name="T40" fmla="*/ 309606 w 732"/>
+                <a:gd name="T41" fmla="*/ 211780 h 724"/>
+                <a:gd name="T42" fmla="*/ 275405 w 732"/>
+                <a:gd name="T43" fmla="*/ 260444 h 724"/>
+                <a:gd name="T44" fmla="*/ 246605 w 732"/>
+                <a:gd name="T45" fmla="*/ 274863 h 724"/>
+                <a:gd name="T46" fmla="*/ 250205 w 732"/>
+                <a:gd name="T47" fmla="*/ 364982 h 724"/>
+                <a:gd name="T48" fmla="*/ 58501 w 732"/>
+                <a:gd name="T49" fmla="*/ 530801 h 724"/>
+                <a:gd name="T50" fmla="*/ 37801 w 732"/>
+                <a:gd name="T51" fmla="*/ 652462 h 724"/>
+                <a:gd name="T52" fmla="*/ 136803 w 732"/>
+                <a:gd name="T53" fmla="*/ 553331 h 724"/>
+                <a:gd name="T54" fmla="*/ 291606 w 732"/>
+                <a:gd name="T55" fmla="*/ 406437 h 724"/>
+                <a:gd name="T56" fmla="*/ 378907 w 732"/>
+                <a:gd name="T57" fmla="*/ 406437 h 724"/>
+                <a:gd name="T58" fmla="*/ 404108 w 732"/>
+                <a:gd name="T59" fmla="*/ 352366 h 724"/>
+                <a:gd name="T60" fmla="*/ 441009 w 732"/>
+                <a:gd name="T61" fmla="*/ 344255 h 724"/>
+                <a:gd name="T62" fmla="*/ 634513 w 732"/>
+                <a:gd name="T63" fmla="*/ 63985 h 724"/>
+                <a:gd name="T64" fmla="*/ 0 60000 65536"/>
+                <a:gd name="T65" fmla="*/ 0 60000 65536"/>
+                <a:gd name="T66" fmla="*/ 0 60000 65536"/>
+                <a:gd name="T67" fmla="*/ 0 60000 65536"/>
+                <a:gd name="T68" fmla="*/ 0 60000 65536"/>
+                <a:gd name="T69" fmla="*/ 0 60000 65536"/>
+                <a:gd name="T70" fmla="*/ 0 60000 65536"/>
+                <a:gd name="T71" fmla="*/ 0 60000 65536"/>
+                <a:gd name="T72" fmla="*/ 0 60000 65536"/>
+                <a:gd name="T73" fmla="*/ 0 60000 65536"/>
+                <a:gd name="T74" fmla="*/ 0 60000 65536"/>
+                <a:gd name="T75" fmla="*/ 0 60000 65536"/>
+                <a:gd name="T76" fmla="*/ 0 60000 65536"/>
+                <a:gd name="T77" fmla="*/ 0 60000 65536"/>
+                <a:gd name="T78" fmla="*/ 0 60000 65536"/>
+                <a:gd name="T79" fmla="*/ 0 60000 65536"/>
+                <a:gd name="T80" fmla="*/ 0 60000 65536"/>
+                <a:gd name="T81" fmla="*/ 0 60000 65536"/>
+                <a:gd name="T82" fmla="*/ 0 60000 65536"/>
+                <a:gd name="T83" fmla="*/ 0 60000 65536"/>
+                <a:gd name="T84" fmla="*/ 0 60000 65536"/>
+                <a:gd name="T85" fmla="*/ 0 60000 65536"/>
+                <a:gd name="T86" fmla="*/ 0 60000 65536"/>
+                <a:gd name="T87" fmla="*/ 0 60000 65536"/>
+                <a:gd name="T88" fmla="*/ 0 60000 65536"/>
+                <a:gd name="T89" fmla="*/ 0 60000 65536"/>
+                <a:gd name="T90" fmla="*/ 0 60000 65536"/>
+                <a:gd name="T91" fmla="*/ 0 60000 65536"/>
+                <a:gd name="T92" fmla="*/ 0 60000 65536"/>
+                <a:gd name="T93" fmla="*/ 0 60000 65536"/>
+                <a:gd name="T94" fmla="*/ 0 60000 65536"/>
+                <a:gd name="T95" fmla="*/ 0 60000 65536"/>
+              </a:gdLst>
+              <a:ahLst/>
+              <a:cxnLst>
+                <a:cxn ang="T64">
+                  <a:pos x="T0" y="T1"/>
+                </a:cxn>
+                <a:cxn ang="T65">
+                  <a:pos x="T2" y="T3"/>
+                </a:cxn>
+                <a:cxn ang="T66">
+                  <a:pos x="T4" y="T5"/>
+                </a:cxn>
+                <a:cxn ang="T67">
+                  <a:pos x="T6" y="T7"/>
+                </a:cxn>
+                <a:cxn ang="T68">
+                  <a:pos x="T8" y="T9"/>
+                </a:cxn>
+                <a:cxn ang="T69">
+                  <a:pos x="T10" y="T11"/>
+                </a:cxn>
+                <a:cxn ang="T70">
+                  <a:pos x="T12" y="T13"/>
+                </a:cxn>
+                <a:cxn ang="T71">
+                  <a:pos x="T14" y="T15"/>
+                </a:cxn>
+                <a:cxn ang="T72">
+                  <a:pos x="T16" y="T17"/>
+                </a:cxn>
+                <a:cxn ang="T73">
+                  <a:pos x="T18" y="T19"/>
+                </a:cxn>
+                <a:cxn ang="T74">
+                  <a:pos x="T20" y="T21"/>
+                </a:cxn>
+                <a:cxn ang="T75">
+                  <a:pos x="T22" y="T23"/>
+                </a:cxn>
+                <a:cxn ang="T76">
+                  <a:pos x="T24" y="T25"/>
+                </a:cxn>
+                <a:cxn ang="T77">
+                  <a:pos x="T26" y="T27"/>
+                </a:cxn>
+                <a:cxn ang="T78">
+                  <a:pos x="T28" y="T29"/>
+                </a:cxn>
+                <a:cxn ang="T79">
+                  <a:pos x="T30" y="T31"/>
+                </a:cxn>
+                <a:cxn ang="T80">
+                  <a:pos x="T32" y="T33"/>
+                </a:cxn>
+                <a:cxn ang="T81">
+                  <a:pos x="T34" y="T35"/>
+                </a:cxn>
+                <a:cxn ang="T82">
+                  <a:pos x="T36" y="T37"/>
+                </a:cxn>
+                <a:cxn ang="T83">
+                  <a:pos x="T38" y="T39"/>
+                </a:cxn>
+                <a:cxn ang="T84">
+                  <a:pos x="T40" y="T41"/>
+                </a:cxn>
+                <a:cxn ang="T85">
+                  <a:pos x="T42" y="T43"/>
+                </a:cxn>
+                <a:cxn ang="T86">
+                  <a:pos x="T44" y="T45"/>
+                </a:cxn>
+                <a:cxn ang="T87">
+                  <a:pos x="T46" y="T47"/>
+                </a:cxn>
+                <a:cxn ang="T88">
+                  <a:pos x="T48" y="T49"/>
+                </a:cxn>
+                <a:cxn ang="T89">
+                  <a:pos x="T50" y="T51"/>
+                </a:cxn>
+                <a:cxn ang="T90">
+                  <a:pos x="T52" y="T53"/>
+                </a:cxn>
+                <a:cxn ang="T91">
+                  <a:pos x="T54" y="T55"/>
+                </a:cxn>
+                <a:cxn ang="T92">
+                  <a:pos x="T56" y="T57"/>
+                </a:cxn>
+                <a:cxn ang="T93">
+                  <a:pos x="T58" y="T59"/>
+                </a:cxn>
+                <a:cxn ang="T94">
+                  <a:pos x="T60" y="T61"/>
+                </a:cxn>
+                <a:cxn ang="T95">
+                  <a:pos x="T62" y="T63"/>
+                </a:cxn>
+              </a:cxnLst>
+              <a:rect l="0" t="0" r="r" b="b"/>
+              <a:pathLst>
+                <a:path w="732" h="724">
+                  <a:moveTo>
+                    <a:pt x="623" y="586"/>
+                  </a:moveTo>
+                  <a:cubicBezTo>
+                    <a:pt x="644" y="586"/>
+                    <a:pt x="661" y="603"/>
+                    <a:pt x="661" y="624"/>
+                  </a:cubicBezTo>
+                  <a:cubicBezTo>
+                    <a:pt x="661" y="645"/>
+                    <a:pt x="644" y="662"/>
+                    <a:pt x="623" y="662"/>
+                  </a:cubicBezTo>
+                  <a:cubicBezTo>
+                    <a:pt x="602" y="662"/>
+                    <a:pt x="585" y="645"/>
+                    <a:pt x="585" y="624"/>
+                  </a:cubicBezTo>
+                  <a:cubicBezTo>
+                    <a:pt x="585" y="603"/>
+                    <a:pt x="602" y="586"/>
+                    <a:pt x="623" y="586"/>
+                  </a:cubicBezTo>
+                  <a:close/>
+                  <a:moveTo>
+                    <a:pt x="479" y="421"/>
+                  </a:moveTo>
+                  <a:lnTo>
+                    <a:pt x="489" y="441"/>
+                  </a:lnTo>
+                  <a:lnTo>
+                    <a:pt x="468" y="461"/>
+                  </a:lnTo>
+                  <a:lnTo>
+                    <a:pt x="449" y="480"/>
+                  </a:lnTo>
+                  <a:cubicBezTo>
+                    <a:pt x="438" y="491"/>
+                    <a:pt x="425" y="500"/>
+                    <a:pt x="410" y="505"/>
+                  </a:cubicBezTo>
+                  <a:lnTo>
+                    <a:pt x="539" y="633"/>
+                  </a:lnTo>
+                  <a:lnTo>
+                    <a:pt x="600" y="715"/>
+                  </a:lnTo>
+                  <a:lnTo>
+                    <a:pt x="632" y="724"/>
+                  </a:lnTo>
+                  <a:lnTo>
+                    <a:pt x="722" y="633"/>
+                  </a:lnTo>
+                  <a:lnTo>
+                    <a:pt x="713" y="600"/>
+                  </a:lnTo>
+                  <a:lnTo>
+                    <a:pt x="632" y="540"/>
+                  </a:lnTo>
+                  <a:lnTo>
+                    <a:pt x="511" y="419"/>
+                  </a:lnTo>
+                  <a:lnTo>
+                    <a:pt x="499" y="431"/>
+                  </a:lnTo>
+                  <a:lnTo>
+                    <a:pt x="479" y="421"/>
+                  </a:lnTo>
+                  <a:close/>
+                  <a:moveTo>
+                    <a:pt x="264" y="257"/>
+                  </a:moveTo>
+                  <a:lnTo>
+                    <a:pt x="285" y="237"/>
+                  </a:lnTo>
+                  <a:lnTo>
+                    <a:pt x="304" y="246"/>
+                  </a:lnTo>
+                  <a:lnTo>
+                    <a:pt x="294" y="227"/>
+                  </a:lnTo>
+                  <a:lnTo>
+                    <a:pt x="315" y="207"/>
+                  </a:lnTo>
+                  <a:lnTo>
+                    <a:pt x="317" y="205"/>
+                  </a:lnTo>
+                  <a:cubicBezTo>
+                    <a:pt x="322" y="193"/>
+                    <a:pt x="325" y="181"/>
+                    <a:pt x="325" y="170"/>
+                  </a:cubicBezTo>
+                  <a:cubicBezTo>
+                    <a:pt x="325" y="84"/>
+                    <a:pt x="242" y="0"/>
+                    <a:pt x="156" y="1"/>
+                  </a:cubicBezTo>
+                  <a:cubicBezTo>
+                    <a:pt x="156" y="1"/>
+                    <a:pt x="146" y="11"/>
+                    <a:pt x="141" y="16"/>
+                  </a:cubicBezTo>
+                  <a:cubicBezTo>
+                    <a:pt x="210" y="85"/>
+                    <a:pt x="204" y="74"/>
+                    <a:pt x="204" y="116"/>
+                  </a:cubicBezTo>
+                  <a:cubicBezTo>
+                    <a:pt x="204" y="151"/>
+                    <a:pt x="149" y="205"/>
+                    <a:pt x="116" y="205"/>
+                  </a:cubicBezTo>
+                  <a:cubicBezTo>
+                    <a:pt x="72" y="205"/>
+                    <a:pt x="86" y="212"/>
+                    <a:pt x="16" y="142"/>
+                  </a:cubicBezTo>
+                  <a:cubicBezTo>
+                    <a:pt x="10" y="147"/>
+                    <a:pt x="1" y="157"/>
+                    <a:pt x="1" y="157"/>
+                  </a:cubicBezTo>
+                  <a:cubicBezTo>
+                    <a:pt x="2" y="243"/>
+                    <a:pt x="83" y="325"/>
+                    <a:pt x="169" y="325"/>
+                  </a:cubicBezTo>
+                  <a:cubicBezTo>
+                    <a:pt x="185" y="325"/>
+                    <a:pt x="201" y="320"/>
+                    <a:pt x="218" y="312"/>
+                  </a:cubicBezTo>
+                  <a:lnTo>
+                    <a:pt x="221" y="315"/>
+                  </a:lnTo>
+                  <a:cubicBezTo>
+                    <a:pt x="226" y="301"/>
+                    <a:pt x="234" y="288"/>
+                    <a:pt x="246" y="276"/>
+                  </a:cubicBezTo>
+                  <a:lnTo>
+                    <a:pt x="264" y="257"/>
+                  </a:lnTo>
+                  <a:close/>
+                  <a:moveTo>
+                    <a:pt x="705" y="71"/>
+                  </a:moveTo>
+                  <a:lnTo>
+                    <a:pt x="655" y="20"/>
+                  </a:lnTo>
+                  <a:cubicBezTo>
+                    <a:pt x="642" y="7"/>
+                    <a:pt x="624" y="0"/>
+                    <a:pt x="607" y="0"/>
+                  </a:cubicBezTo>
+                  <a:cubicBezTo>
+                    <a:pt x="589" y="0"/>
+                    <a:pt x="572" y="7"/>
+                    <a:pt x="558" y="20"/>
+                  </a:cubicBezTo>
+                  <a:lnTo>
+                    <a:pt x="344" y="235"/>
+                  </a:lnTo>
+                  <a:cubicBezTo>
+                    <a:pt x="350" y="248"/>
+                    <a:pt x="345" y="267"/>
+                    <a:pt x="335" y="277"/>
+                  </a:cubicBezTo>
+                  <a:cubicBezTo>
+                    <a:pt x="328" y="284"/>
+                    <a:pt x="317" y="289"/>
+                    <a:pt x="306" y="289"/>
+                  </a:cubicBezTo>
+                  <a:cubicBezTo>
+                    <a:pt x="302" y="289"/>
+                    <a:pt x="297" y="288"/>
+                    <a:pt x="293" y="286"/>
+                  </a:cubicBezTo>
+                  <a:lnTo>
+                    <a:pt x="274" y="305"/>
+                  </a:lnTo>
+                  <a:cubicBezTo>
+                    <a:pt x="247" y="331"/>
+                    <a:pt x="247" y="375"/>
+                    <a:pt x="274" y="401"/>
+                  </a:cubicBezTo>
+                  <a:lnTo>
+                    <a:pt x="278" y="405"/>
+                  </a:lnTo>
+                  <a:lnTo>
+                    <a:pt x="110" y="572"/>
+                  </a:lnTo>
+                  <a:lnTo>
+                    <a:pt x="65" y="589"/>
+                  </a:lnTo>
+                  <a:lnTo>
+                    <a:pt x="0" y="682"/>
+                  </a:lnTo>
+                  <a:lnTo>
+                    <a:pt x="42" y="724"/>
+                  </a:lnTo>
+                  <a:lnTo>
+                    <a:pt x="135" y="659"/>
+                  </a:lnTo>
+                  <a:lnTo>
+                    <a:pt x="152" y="614"/>
+                  </a:lnTo>
+                  <a:lnTo>
+                    <a:pt x="319" y="447"/>
+                  </a:lnTo>
+                  <a:lnTo>
+                    <a:pt x="324" y="451"/>
+                  </a:lnTo>
+                  <a:cubicBezTo>
+                    <a:pt x="338" y="465"/>
+                    <a:pt x="355" y="471"/>
+                    <a:pt x="373" y="471"/>
+                  </a:cubicBezTo>
+                  <a:cubicBezTo>
+                    <a:pt x="390" y="471"/>
+                    <a:pt x="408" y="465"/>
+                    <a:pt x="421" y="451"/>
+                  </a:cubicBezTo>
+                  <a:lnTo>
+                    <a:pt x="440" y="433"/>
+                  </a:lnTo>
+                  <a:cubicBezTo>
+                    <a:pt x="434" y="420"/>
+                    <a:pt x="438" y="401"/>
+                    <a:pt x="449" y="391"/>
+                  </a:cubicBezTo>
+                  <a:cubicBezTo>
+                    <a:pt x="456" y="384"/>
+                    <a:pt x="467" y="379"/>
+                    <a:pt x="477" y="379"/>
+                  </a:cubicBezTo>
+                  <a:cubicBezTo>
+                    <a:pt x="482" y="379"/>
+                    <a:pt x="487" y="380"/>
+                    <a:pt x="490" y="382"/>
+                  </a:cubicBezTo>
+                  <a:lnTo>
+                    <a:pt x="705" y="167"/>
+                  </a:lnTo>
+                  <a:cubicBezTo>
+                    <a:pt x="732" y="140"/>
+                    <a:pt x="732" y="97"/>
+                    <a:pt x="705" y="71"/>
+                  </a:cubicBezTo>
+                  <a:close/>
+                </a:path>
+              </a:pathLst>
+            </a:custGeom>
+            <a:solidFill>
+              <a:schemeClr val="bg1"/>
+            </a:solidFill>
+            <a:ln>
+              <a:noFill/>
+            </a:ln>
+            <a:extLst>
+              <a:ext uri="{91240B29-F687-4F45-9708-019B960494DF}">
+                <a14:hiddenLine xmlns="" xmlns:a14="http://schemas.microsoft.com/office/drawing/2010/main" w="9525">
+                  <a:solidFill>
+                    <a:srgbClr val="000000"/>
+                  </a:solidFill>
+                  <a:round/>
+                  <a:headEnd/>
+                  <a:tailEnd/>
+                </a14:hiddenLine>
+              </a:ext>
+            </a:extLst>
+          </p:spPr>
+          <p:txBody>
+            <a:bodyPr/>
+            <a:lstStyle/>
+            <a:p>
+              <a:endParaRPr lang="zh-CN" altLang="en-US">
+                <a:latin typeface="微软雅黑" panose="020B0503020204020204" pitchFamily="34" charset="-122"/>
+                <a:ea typeface="微软雅黑" panose="020B0503020204020204" pitchFamily="34" charset="-122"/>
+              </a:endParaRPr>
+            </a:p>
+          </p:txBody>
+        </p:sp>
+      </p:grpSp>
+      <p:sp>
+        <p:nvSpPr>
+          <p:cNvPr id="78" name="TextBox 46"/>
+          <p:cNvSpPr txBox="1">
+            <a:spLocks noChangeArrowheads="1"/>
+          </p:cNvSpPr>
+          <p:nvPr/>
+        </p:nvSpPr>
+        <p:spPr bwMode="auto">
+          <a:xfrm>
+            <a:off x="2061680" y="2048933"/>
+            <a:ext cx="2815119" cy="432022"/>
+          </a:xfrm>
+          <a:prstGeom prst="rect">
+            <a:avLst/>
+          </a:prstGeom>
+          <a:noFill/>
+          <a:ln>
+            <a:noFill/>
+          </a:ln>
+          <a:extLst>
+            <a:ext uri="{909E8E84-426E-40DD-AFC4-6F175D3DCCD1}">
+              <a14:hiddenFill xmlns="" xmlns:a14="http://schemas.microsoft.com/office/drawing/2010/main">
+                <a:solidFill>
+                  <a:srgbClr val="FFFFFF"/>
+                </a:solidFill>
+              </a14:hiddenFill>
+            </a:ext>
+            <a:ext uri="{91240B29-F687-4F45-9708-019B960494DF}">
+              <a14:hiddenLine xmlns="" xmlns:a14="http://schemas.microsoft.com/office/drawing/2010/main" w="9525">
+                <a:solidFill>
+                  <a:srgbClr val="000000"/>
+                </a:solidFill>
+                <a:miter lim="800000"/>
+                <a:headEnd/>
+                <a:tailEnd/>
+              </a14:hiddenLine>
+            </a:ext>
+          </a:extLst>
+        </p:spPr>
+        <p:txBody>
+          <a:bodyPr wrap="square" lIns="62084" tIns="31042" rIns="62084" bIns="31042">
+            <a:spAutoFit/>
+          </a:bodyPr>
+          <a:lstStyle>
+            <a:lvl1pPr eaLnBrk="0" hangingPunct="0">
+              <a:spcBef>
+                <a:spcPct val="20000"/>
+              </a:spcBef>
+              <a:buChar char="•"/>
+              <a:defRPr sz="2000">
+                <a:solidFill>
+                  <a:schemeClr val="accent1"/>
+                </a:solidFill>
+                <a:latin typeface="Arial" pitchFamily="34" charset="0"/>
+                <a:ea typeface="微软雅黑" pitchFamily="34" charset="-122"/>
+              </a:defRPr>
+            </a:lvl1pPr>
+            <a:lvl2pPr marL="742950" indent="-285750" eaLnBrk="0" hangingPunct="0">
+              <a:spcBef>
+                <a:spcPct val="20000"/>
+              </a:spcBef>
+              <a:buChar char="–"/>
+              <a:defRPr sz="2000">
+                <a:solidFill>
+                  <a:schemeClr val="accent1"/>
+                </a:solidFill>
+                <a:latin typeface="Arial" pitchFamily="34" charset="0"/>
+                <a:ea typeface="仿宋_GB2312" pitchFamily="1" charset="-122"/>
+              </a:defRPr>
+            </a:lvl2pPr>
+            <a:lvl3pPr marL="1143000" indent="-228600" eaLnBrk="0" hangingPunct="0">
+              <a:spcBef>
+                <a:spcPct val="20000"/>
+              </a:spcBef>
+              <a:buChar char="•"/>
+              <a:defRPr sz="2400">
+                <a:solidFill>
+                  <a:schemeClr val="tx1"/>
+                </a:solidFill>
+                <a:latin typeface="Arial" pitchFamily="34" charset="0"/>
+                <a:ea typeface="宋体" pitchFamily="2" charset="-122"/>
+              </a:defRPr>
+            </a:lvl3pPr>
+            <a:lvl4pPr marL="1600200" indent="-228600" eaLnBrk="0" hangingPunct="0">
+              <a:spcBef>
+                <a:spcPct val="20000"/>
+              </a:spcBef>
+              <a:buChar char="–"/>
+              <a:defRPr sz="2000">
+                <a:solidFill>
+                  <a:schemeClr val="tx1"/>
+                </a:solidFill>
+                <a:latin typeface="Arial" pitchFamily="34" charset="0"/>
+                <a:ea typeface="宋体" pitchFamily="2" charset="-122"/>
+              </a:defRPr>
+            </a:lvl4pPr>
+            <a:lvl5pPr marL="2057400" indent="-228600" eaLnBrk="0" hangingPunct="0">
+              <a:spcBef>
+                <a:spcPct val="20000"/>
+              </a:spcBef>
+              <a:buChar char="»"/>
+              <a:defRPr sz="2000">
+                <a:solidFill>
+                  <a:schemeClr val="tx1"/>
+                </a:solidFill>
+                <a:latin typeface="Arial" pitchFamily="34" charset="0"/>
+                <a:ea typeface="宋体" pitchFamily="2" charset="-122"/>
+              </a:defRPr>
+            </a:lvl5pPr>
+            <a:lvl6pPr marL="2514600" indent="-228600" eaLnBrk="0" fontAlgn="base" hangingPunct="0">
+              <a:spcBef>
+                <a:spcPct val="20000"/>
+              </a:spcBef>
+              <a:spcAft>
+                <a:spcPct val="0"/>
+              </a:spcAft>
+              <a:buChar char="»"/>
+              <a:defRPr sz="2000">
+                <a:solidFill>
+                  <a:schemeClr val="tx1"/>
+                </a:solidFill>
+                <a:latin typeface="Arial" pitchFamily="34" charset="0"/>
+                <a:ea typeface="宋体" pitchFamily="2" charset="-122"/>
+              </a:defRPr>
+            </a:lvl6pPr>
+            <a:lvl7pPr marL="2971800" indent="-228600" eaLnBrk="0" fontAlgn="base" hangingPunct="0">
+              <a:spcBef>
+                <a:spcPct val="20000"/>
+              </a:spcBef>
+              <a:spcAft>
+                <a:spcPct val="0"/>
+              </a:spcAft>
+              <a:buChar char="»"/>
+              <a:defRPr sz="2000">
+                <a:solidFill>
+                  <a:schemeClr val="tx1"/>
+                </a:solidFill>
+                <a:latin typeface="Arial" pitchFamily="34" charset="0"/>
+                <a:ea typeface="宋体" pitchFamily="2" charset="-122"/>
+              </a:defRPr>
+            </a:lvl7pPr>
+            <a:lvl8pPr marL="3429000" indent="-228600" eaLnBrk="0" fontAlgn="base" hangingPunct="0">
+              <a:spcBef>
+                <a:spcPct val="20000"/>
+              </a:spcBef>
+              <a:spcAft>
+                <a:spcPct val="0"/>
+              </a:spcAft>
+              <a:buChar char="»"/>
+              <a:defRPr sz="2000">
+                <a:solidFill>
+                  <a:schemeClr val="tx1"/>
+                </a:solidFill>
+                <a:latin typeface="Arial" pitchFamily="34" charset="0"/>
+                <a:ea typeface="宋体" pitchFamily="2" charset="-122"/>
+              </a:defRPr>
+            </a:lvl8pPr>
+            <a:lvl9pPr marL="3886200" indent="-228600" eaLnBrk="0" fontAlgn="base" hangingPunct="0">
+              <a:spcBef>
+                <a:spcPct val="20000"/>
+              </a:spcBef>
+              <a:spcAft>
+                <a:spcPct val="0"/>
+              </a:spcAft>
+              <a:buChar char="»"/>
+              <a:defRPr sz="2000">
+                <a:solidFill>
+                  <a:schemeClr val="tx1"/>
+                </a:solidFill>
+                <a:latin typeface="Arial" pitchFamily="34" charset="0"/>
+                <a:ea typeface="宋体" pitchFamily="2" charset="-122"/>
+              </a:defRPr>
+            </a:lvl9pPr>
+          </a:lstStyle>
+          <a:p>
+            <a:pPr eaLnBrk="1" hangingPunct="1">
+              <a:spcBef>
+                <a:spcPct val="0"/>
+              </a:spcBef>
+              <a:buFontTx/>
+              <a:buNone/>
+            </a:pPr>
+            <a:r>
+              <a:rPr lang="zh-CN" altLang="en-US" sz="2400" b="1" dirty="0" smtClean="0">
+                <a:latin typeface="微软雅黑" pitchFamily="34" charset="-122"/>
+              </a:rPr>
+              <a:t>拥有一技之长</a:t>
+            </a:r>
+            <a:endParaRPr lang="en-US" altLang="zh-CN" sz="2400" b="1" dirty="0">
+              <a:latin typeface="微软雅黑" pitchFamily="34" charset="-122"/>
+            </a:endParaRPr>
+          </a:p>
+        </p:txBody>
+      </p:sp>
+      <p:sp>
+        <p:nvSpPr>
+          <p:cNvPr id="79" name="TextBox 47"/>
+          <p:cNvSpPr txBox="1">
+            <a:spLocks noChangeArrowheads="1"/>
+          </p:cNvSpPr>
+          <p:nvPr/>
+        </p:nvSpPr>
+        <p:spPr bwMode="auto">
+          <a:xfrm>
+            <a:off x="1995061" y="2553246"/>
+            <a:ext cx="2949472" cy="616688"/>
+          </a:xfrm>
+          <a:prstGeom prst="rect">
+            <a:avLst/>
+          </a:prstGeom>
+          <a:noFill/>
+          <a:ln>
+            <a:noFill/>
+          </a:ln>
+          <a:extLst>
+            <a:ext uri="{909E8E84-426E-40DD-AFC4-6F175D3DCCD1}">
+              <a14:hiddenFill xmlns="" xmlns:a14="http://schemas.microsoft.com/office/drawing/2010/main">
+                <a:solidFill>
+                  <a:srgbClr val="FFFFFF"/>
+                </a:solidFill>
+              </a14:hiddenFill>
+            </a:ext>
+            <a:ext uri="{91240B29-F687-4F45-9708-019B960494DF}">
+              <a14:hiddenLine xmlns="" xmlns:a14="http://schemas.microsoft.com/office/drawing/2010/main" w="9525">
+                <a:solidFill>
+                  <a:srgbClr val="000000"/>
+                </a:solidFill>
+                <a:miter lim="800000"/>
+                <a:headEnd/>
+                <a:tailEnd/>
+              </a14:hiddenLine>
+            </a:ext>
+          </a:extLst>
+        </p:spPr>
+        <p:txBody>
+          <a:bodyPr wrap="square" lIns="62084" tIns="31042" rIns="62084" bIns="31042">
+            <a:spAutoFit/>
+          </a:bodyPr>
+          <a:lstStyle>
+            <a:lvl1pPr eaLnBrk="0" hangingPunct="0">
+              <a:spcBef>
+                <a:spcPct val="20000"/>
+              </a:spcBef>
+              <a:buChar char="•"/>
+              <a:defRPr sz="2000">
+                <a:solidFill>
+                  <a:schemeClr val="accent1"/>
+                </a:solidFill>
+                <a:latin typeface="Arial" pitchFamily="34" charset="0"/>
+                <a:ea typeface="微软雅黑" pitchFamily="34" charset="-122"/>
+              </a:defRPr>
+            </a:lvl1pPr>
+            <a:lvl2pPr marL="742950" indent="-285750" eaLnBrk="0" hangingPunct="0">
+              <a:spcBef>
+                <a:spcPct val="20000"/>
+              </a:spcBef>
+              <a:buChar char="–"/>
+              <a:defRPr sz="2000">
+                <a:solidFill>
+                  <a:schemeClr val="accent1"/>
+                </a:solidFill>
+                <a:latin typeface="Arial" pitchFamily="34" charset="0"/>
+                <a:ea typeface="仿宋_GB2312" pitchFamily="1" charset="-122"/>
+              </a:defRPr>
+            </a:lvl2pPr>
+            <a:lvl3pPr marL="1143000" indent="-228600" eaLnBrk="0" hangingPunct="0">
+              <a:spcBef>
+                <a:spcPct val="20000"/>
+              </a:spcBef>
+              <a:buChar char="•"/>
+              <a:defRPr sz="2400">
+                <a:solidFill>
+                  <a:schemeClr val="tx1"/>
+                </a:solidFill>
+                <a:latin typeface="Arial" pitchFamily="34" charset="0"/>
+                <a:ea typeface="宋体" pitchFamily="2" charset="-122"/>
+              </a:defRPr>
+            </a:lvl3pPr>
+            <a:lvl4pPr marL="1600200" indent="-228600" eaLnBrk="0" hangingPunct="0">
+              <a:spcBef>
+                <a:spcPct val="20000"/>
+              </a:spcBef>
+              <a:buChar char="–"/>
+              <a:defRPr sz="2000">
+                <a:solidFill>
+                  <a:schemeClr val="tx1"/>
+                </a:solidFill>
+                <a:latin typeface="Arial" pitchFamily="34" charset="0"/>
+                <a:ea typeface="宋体" pitchFamily="2" charset="-122"/>
+              </a:defRPr>
+            </a:lvl4pPr>
+            <a:lvl5pPr marL="2057400" indent="-228600" eaLnBrk="0" hangingPunct="0">
+              <a:spcBef>
+                <a:spcPct val="20000"/>
+              </a:spcBef>
+              <a:buChar char="»"/>
+              <a:defRPr sz="2000">
+                <a:solidFill>
+                  <a:schemeClr val="tx1"/>
+                </a:solidFill>
+                <a:latin typeface="Arial" pitchFamily="34" charset="0"/>
+                <a:ea typeface="宋体" pitchFamily="2" charset="-122"/>
+              </a:defRPr>
+            </a:lvl5pPr>
+            <a:lvl6pPr marL="2514600" indent="-228600" eaLnBrk="0" fontAlgn="base" hangingPunct="0">
+              <a:spcBef>
+                <a:spcPct val="20000"/>
+              </a:spcBef>
+              <a:spcAft>
+                <a:spcPct val="0"/>
+              </a:spcAft>
+              <a:buChar char="»"/>
+              <a:defRPr sz="2000">
+                <a:solidFill>
+                  <a:schemeClr val="tx1"/>
+                </a:solidFill>
+                <a:latin typeface="Arial" pitchFamily="34" charset="0"/>
+                <a:ea typeface="宋体" pitchFamily="2" charset="-122"/>
+              </a:defRPr>
+            </a:lvl6pPr>
+            <a:lvl7pPr marL="2971800" indent="-228600" eaLnBrk="0" fontAlgn="base" hangingPunct="0">
+              <a:spcBef>
+                <a:spcPct val="20000"/>
+              </a:spcBef>
+              <a:spcAft>
+                <a:spcPct val="0"/>
+              </a:spcAft>
+              <a:buChar char="»"/>
+              <a:defRPr sz="2000">
+                <a:solidFill>
+                  <a:schemeClr val="tx1"/>
+                </a:solidFill>
+                <a:latin typeface="Arial" pitchFamily="34" charset="0"/>
+                <a:ea typeface="宋体" pitchFamily="2" charset="-122"/>
+              </a:defRPr>
+            </a:lvl7pPr>
+            <a:lvl8pPr marL="3429000" indent="-228600" eaLnBrk="0" fontAlgn="base" hangingPunct="0">
+              <a:spcBef>
+                <a:spcPct val="20000"/>
+              </a:spcBef>
+              <a:spcAft>
+                <a:spcPct val="0"/>
+              </a:spcAft>
+              <a:buChar char="»"/>
+              <a:defRPr sz="2000">
+                <a:solidFill>
+                  <a:schemeClr val="tx1"/>
+                </a:solidFill>
+                <a:latin typeface="Arial" pitchFamily="34" charset="0"/>
+                <a:ea typeface="宋体" pitchFamily="2" charset="-122"/>
+              </a:defRPr>
+            </a:lvl8pPr>
+            <a:lvl9pPr marL="3886200" indent="-228600" eaLnBrk="0" fontAlgn="base" hangingPunct="0">
+              <a:spcBef>
+                <a:spcPct val="20000"/>
+              </a:spcBef>
+              <a:spcAft>
+                <a:spcPct val="0"/>
+              </a:spcAft>
+              <a:buChar char="»"/>
+              <a:defRPr sz="2000">
+                <a:solidFill>
+                  <a:schemeClr val="tx1"/>
+                </a:solidFill>
+                <a:latin typeface="Arial" pitchFamily="34" charset="0"/>
+                <a:ea typeface="宋体" pitchFamily="2" charset="-122"/>
+              </a:defRPr>
+            </a:lvl9pPr>
+          </a:lstStyle>
+          <a:p>
+            <a:pPr eaLnBrk="1" hangingPunct="1">
+              <a:spcBef>
+                <a:spcPct val="0"/>
+              </a:spcBef>
+              <a:buFontTx/>
+              <a:buNone/>
+            </a:pPr>
+            <a:r>
+              <a:rPr lang="zh-CN" altLang="en-US" sz="1800" dirty="0" smtClean="0">
+                <a:solidFill>
+                  <a:schemeClr val="tx1"/>
+                </a:solidFill>
+                <a:latin typeface="微软雅黑" panose="020B0503020204020204" pitchFamily="34" charset="-122"/>
+              </a:rPr>
+              <a:t>有一技傍身，才可能有持续而稳定的收入</a:t>
+            </a:r>
+            <a:endParaRPr lang="zh-CN" altLang="en-US" sz="1800" dirty="0">
+              <a:solidFill>
+                <a:schemeClr val="tx1"/>
+              </a:solidFill>
+              <a:latin typeface="微软雅黑" panose="020B0503020204020204" pitchFamily="34" charset="-122"/>
+            </a:endParaRPr>
+          </a:p>
+        </p:txBody>
+      </p:sp>
+      <p:sp>
+        <p:nvSpPr>
+          <p:cNvPr id="80" name="TextBox 48"/>
+          <p:cNvSpPr txBox="1">
+            <a:spLocks noChangeArrowheads="1"/>
+          </p:cNvSpPr>
+          <p:nvPr/>
+        </p:nvSpPr>
+        <p:spPr bwMode="auto">
+          <a:xfrm>
+            <a:off x="7636917" y="2048933"/>
+            <a:ext cx="2353750" cy="432022"/>
+          </a:xfrm>
+          <a:prstGeom prst="rect">
+            <a:avLst/>
+          </a:prstGeom>
+          <a:noFill/>
+          <a:ln>
+            <a:noFill/>
+          </a:ln>
+          <a:extLst>
+            <a:ext uri="{909E8E84-426E-40DD-AFC4-6F175D3DCCD1}">
+              <a14:hiddenFill xmlns="" xmlns:a14="http://schemas.microsoft.com/office/drawing/2010/main">
+                <a:solidFill>
+                  <a:srgbClr val="FFFFFF"/>
+                </a:solidFill>
+              </a14:hiddenFill>
+            </a:ext>
+            <a:ext uri="{91240B29-F687-4F45-9708-019B960494DF}">
+              <a14:hiddenLine xmlns="" xmlns:a14="http://schemas.microsoft.com/office/drawing/2010/main" w="9525">
+                <a:solidFill>
+                  <a:srgbClr val="000000"/>
+                </a:solidFill>
+                <a:miter lim="800000"/>
+                <a:headEnd/>
+                <a:tailEnd/>
+              </a14:hiddenLine>
+            </a:ext>
+          </a:extLst>
+        </p:spPr>
+        <p:txBody>
+          <a:bodyPr wrap="square" lIns="62084" tIns="31042" rIns="62084" bIns="31042">
+            <a:spAutoFit/>
+          </a:bodyPr>
+          <a:lstStyle>
+            <a:lvl1pPr eaLnBrk="0" hangingPunct="0">
+              <a:spcBef>
+                <a:spcPct val="20000"/>
+              </a:spcBef>
+              <a:buChar char="•"/>
+              <a:defRPr sz="2000">
+                <a:solidFill>
+                  <a:schemeClr val="accent1"/>
+                </a:solidFill>
+                <a:latin typeface="Arial" pitchFamily="34" charset="0"/>
+                <a:ea typeface="微软雅黑" pitchFamily="34" charset="-122"/>
+              </a:defRPr>
+            </a:lvl1pPr>
+            <a:lvl2pPr marL="742950" indent="-285750" eaLnBrk="0" hangingPunct="0">
+              <a:spcBef>
+                <a:spcPct val="20000"/>
+              </a:spcBef>
+              <a:buChar char="–"/>
+              <a:defRPr sz="2000">
+                <a:solidFill>
+                  <a:schemeClr val="accent1"/>
+                </a:solidFill>
+                <a:latin typeface="Arial" pitchFamily="34" charset="0"/>
+                <a:ea typeface="仿宋_GB2312" pitchFamily="1" charset="-122"/>
+              </a:defRPr>
+            </a:lvl2pPr>
+            <a:lvl3pPr marL="1143000" indent="-228600" eaLnBrk="0" hangingPunct="0">
+              <a:spcBef>
+                <a:spcPct val="20000"/>
+              </a:spcBef>
+              <a:buChar char="•"/>
+              <a:defRPr sz="2400">
+                <a:solidFill>
+                  <a:schemeClr val="tx1"/>
+                </a:solidFill>
+                <a:latin typeface="Arial" pitchFamily="34" charset="0"/>
+                <a:ea typeface="宋体" pitchFamily="2" charset="-122"/>
+              </a:defRPr>
+            </a:lvl3pPr>
+            <a:lvl4pPr marL="1600200" indent="-228600" eaLnBrk="0" hangingPunct="0">
+              <a:spcBef>
+                <a:spcPct val="20000"/>
+              </a:spcBef>
+              <a:buChar char="–"/>
+              <a:defRPr sz="2000">
+                <a:solidFill>
+                  <a:schemeClr val="tx1"/>
+                </a:solidFill>
+                <a:latin typeface="Arial" pitchFamily="34" charset="0"/>
+                <a:ea typeface="宋体" pitchFamily="2" charset="-122"/>
+              </a:defRPr>
+            </a:lvl4pPr>
+            <a:lvl5pPr marL="2057400" indent="-228600" eaLnBrk="0" hangingPunct="0">
+              <a:spcBef>
+                <a:spcPct val="20000"/>
+              </a:spcBef>
+              <a:buChar char="»"/>
+              <a:defRPr sz="2000">
+                <a:solidFill>
+                  <a:schemeClr val="tx1"/>
+                </a:solidFill>
+                <a:latin typeface="Arial" pitchFamily="34" charset="0"/>
+                <a:ea typeface="宋体" pitchFamily="2" charset="-122"/>
+              </a:defRPr>
+            </a:lvl5pPr>
+            <a:lvl6pPr marL="2514600" indent="-228600" eaLnBrk="0" fontAlgn="base" hangingPunct="0">
+              <a:spcBef>
+                <a:spcPct val="20000"/>
+              </a:spcBef>
+              <a:spcAft>
+                <a:spcPct val="0"/>
+              </a:spcAft>
+              <a:buChar char="»"/>
+              <a:defRPr sz="2000">
+                <a:solidFill>
+                  <a:schemeClr val="tx1"/>
+                </a:solidFill>
+                <a:latin typeface="Arial" pitchFamily="34" charset="0"/>
+                <a:ea typeface="宋体" pitchFamily="2" charset="-122"/>
+              </a:defRPr>
+            </a:lvl6pPr>
+            <a:lvl7pPr marL="2971800" indent="-228600" eaLnBrk="0" fontAlgn="base" hangingPunct="0">
+              <a:spcBef>
+                <a:spcPct val="20000"/>
+              </a:spcBef>
+              <a:spcAft>
+                <a:spcPct val="0"/>
+              </a:spcAft>
+              <a:buChar char="»"/>
+              <a:defRPr sz="2000">
+                <a:solidFill>
+                  <a:schemeClr val="tx1"/>
+                </a:solidFill>
+                <a:latin typeface="Arial" pitchFamily="34" charset="0"/>
+                <a:ea typeface="宋体" pitchFamily="2" charset="-122"/>
+              </a:defRPr>
+            </a:lvl7pPr>
+            <a:lvl8pPr marL="3429000" indent="-228600" eaLnBrk="0" fontAlgn="base" hangingPunct="0">
+              <a:spcBef>
+                <a:spcPct val="20000"/>
+              </a:spcBef>
+              <a:spcAft>
+                <a:spcPct val="0"/>
+              </a:spcAft>
+              <a:buChar char="»"/>
+              <a:defRPr sz="2000">
+                <a:solidFill>
+                  <a:schemeClr val="tx1"/>
+                </a:solidFill>
+                <a:latin typeface="Arial" pitchFamily="34" charset="0"/>
+                <a:ea typeface="宋体" pitchFamily="2" charset="-122"/>
+              </a:defRPr>
+            </a:lvl8pPr>
+            <a:lvl9pPr marL="3886200" indent="-228600" eaLnBrk="0" fontAlgn="base" hangingPunct="0">
+              <a:spcBef>
+                <a:spcPct val="20000"/>
+              </a:spcBef>
+              <a:spcAft>
+                <a:spcPct val="0"/>
+              </a:spcAft>
+              <a:buChar char="»"/>
+              <a:defRPr sz="2000">
+                <a:solidFill>
+                  <a:schemeClr val="tx1"/>
+                </a:solidFill>
+                <a:latin typeface="Arial" pitchFamily="34" charset="0"/>
+                <a:ea typeface="宋体" pitchFamily="2" charset="-122"/>
+              </a:defRPr>
+            </a:lvl9pPr>
+          </a:lstStyle>
+          <a:p>
+            <a:pPr algn="r" eaLnBrk="1" hangingPunct="1">
+              <a:spcBef>
+                <a:spcPct val="0"/>
+              </a:spcBef>
+              <a:buNone/>
+            </a:pPr>
+            <a:r>
+              <a:rPr lang="zh-CN" altLang="en-US" sz="2400" b="1" dirty="0" smtClean="0">
+                <a:latin typeface="微软雅黑" pitchFamily="34" charset="-122"/>
+              </a:rPr>
+              <a:t>平常和自由的心</a:t>
+            </a:r>
+            <a:endParaRPr lang="en-US" altLang="zh-CN" sz="2400" b="1" dirty="0">
+              <a:latin typeface="微软雅黑" pitchFamily="34" charset="-122"/>
+            </a:endParaRPr>
+          </a:p>
+        </p:txBody>
+      </p:sp>
+      <p:sp>
+        <p:nvSpPr>
+          <p:cNvPr id="81" name="TextBox 49"/>
+          <p:cNvSpPr txBox="1">
+            <a:spLocks noChangeArrowheads="1"/>
+          </p:cNvSpPr>
+          <p:nvPr/>
+        </p:nvSpPr>
+        <p:spPr bwMode="auto">
+          <a:xfrm>
+            <a:off x="6587067" y="2553246"/>
+            <a:ext cx="3293204" cy="893687"/>
+          </a:xfrm>
+          <a:prstGeom prst="rect">
+            <a:avLst/>
+          </a:prstGeom>
+          <a:noFill/>
+          <a:ln>
+            <a:noFill/>
+          </a:ln>
+          <a:extLst>
+            <a:ext uri="{909E8E84-426E-40DD-AFC4-6F175D3DCCD1}">
+              <a14:hiddenFill xmlns="" xmlns:a14="http://schemas.microsoft.com/office/drawing/2010/main">
+                <a:solidFill>
+                  <a:srgbClr val="FFFFFF"/>
+                </a:solidFill>
+              </a14:hiddenFill>
+            </a:ext>
+            <a:ext uri="{91240B29-F687-4F45-9708-019B960494DF}">
+              <a14:hiddenLine xmlns="" xmlns:a14="http://schemas.microsoft.com/office/drawing/2010/main" w="9525">
+                <a:solidFill>
+                  <a:srgbClr val="000000"/>
+                </a:solidFill>
+                <a:miter lim="800000"/>
+                <a:headEnd/>
+                <a:tailEnd/>
+              </a14:hiddenLine>
+            </a:ext>
+          </a:extLst>
+        </p:spPr>
+        <p:txBody>
+          <a:bodyPr wrap="square" lIns="62084" tIns="31042" rIns="62084" bIns="31042">
+            <a:spAutoFit/>
+          </a:bodyPr>
+          <a:lstStyle>
+            <a:lvl1pPr eaLnBrk="0" hangingPunct="0">
+              <a:spcBef>
+                <a:spcPct val="20000"/>
+              </a:spcBef>
+              <a:buChar char="•"/>
+              <a:defRPr sz="2000">
+                <a:solidFill>
+                  <a:schemeClr val="accent1"/>
+                </a:solidFill>
+                <a:latin typeface="Arial" pitchFamily="34" charset="0"/>
+                <a:ea typeface="微软雅黑" pitchFamily="34" charset="-122"/>
+              </a:defRPr>
+            </a:lvl1pPr>
+            <a:lvl2pPr marL="742950" indent="-285750" eaLnBrk="0" hangingPunct="0">
+              <a:spcBef>
+                <a:spcPct val="20000"/>
+              </a:spcBef>
+              <a:buChar char="–"/>
+              <a:defRPr sz="2000">
+                <a:solidFill>
+                  <a:schemeClr val="accent1"/>
+                </a:solidFill>
+                <a:latin typeface="Arial" pitchFamily="34" charset="0"/>
+                <a:ea typeface="仿宋_GB2312" pitchFamily="1" charset="-122"/>
+              </a:defRPr>
+            </a:lvl2pPr>
+            <a:lvl3pPr marL="1143000" indent="-228600" eaLnBrk="0" hangingPunct="0">
+              <a:spcBef>
+                <a:spcPct val="20000"/>
+              </a:spcBef>
+              <a:buChar char="•"/>
+              <a:defRPr sz="2400">
+                <a:solidFill>
+                  <a:schemeClr val="tx1"/>
+                </a:solidFill>
+                <a:latin typeface="Arial" pitchFamily="34" charset="0"/>
+                <a:ea typeface="宋体" pitchFamily="2" charset="-122"/>
+              </a:defRPr>
+            </a:lvl3pPr>
+            <a:lvl4pPr marL="1600200" indent="-228600" eaLnBrk="0" hangingPunct="0">
+              <a:spcBef>
+                <a:spcPct val="20000"/>
+              </a:spcBef>
+              <a:buChar char="–"/>
+              <a:defRPr sz="2000">
+                <a:solidFill>
+                  <a:schemeClr val="tx1"/>
+                </a:solidFill>
+                <a:latin typeface="Arial" pitchFamily="34" charset="0"/>
+                <a:ea typeface="宋体" pitchFamily="2" charset="-122"/>
+              </a:defRPr>
+            </a:lvl4pPr>
+            <a:lvl5pPr marL="2057400" indent="-228600" eaLnBrk="0" hangingPunct="0">
+              <a:spcBef>
+                <a:spcPct val="20000"/>
+              </a:spcBef>
+              <a:buChar char="»"/>
+              <a:defRPr sz="2000">
+                <a:solidFill>
+                  <a:schemeClr val="tx1"/>
+                </a:solidFill>
+                <a:latin typeface="Arial" pitchFamily="34" charset="0"/>
+                <a:ea typeface="宋体" pitchFamily="2" charset="-122"/>
+              </a:defRPr>
+            </a:lvl5pPr>
+            <a:lvl6pPr marL="2514600" indent="-228600" eaLnBrk="0" fontAlgn="base" hangingPunct="0">
+              <a:spcBef>
+                <a:spcPct val="20000"/>
+              </a:spcBef>
+              <a:spcAft>
+                <a:spcPct val="0"/>
+              </a:spcAft>
+              <a:buChar char="»"/>
+              <a:defRPr sz="2000">
+                <a:solidFill>
+                  <a:schemeClr val="tx1"/>
+                </a:solidFill>
+                <a:latin typeface="Arial" pitchFamily="34" charset="0"/>
+                <a:ea typeface="宋体" pitchFamily="2" charset="-122"/>
+              </a:defRPr>
+            </a:lvl6pPr>
+            <a:lvl7pPr marL="2971800" indent="-228600" eaLnBrk="0" fontAlgn="base" hangingPunct="0">
+              <a:spcBef>
+                <a:spcPct val="20000"/>
+              </a:spcBef>
+              <a:spcAft>
+                <a:spcPct val="0"/>
+              </a:spcAft>
+              <a:buChar char="»"/>
+              <a:defRPr sz="2000">
+                <a:solidFill>
+                  <a:schemeClr val="tx1"/>
+                </a:solidFill>
+                <a:latin typeface="Arial" pitchFamily="34" charset="0"/>
+                <a:ea typeface="宋体" pitchFamily="2" charset="-122"/>
+              </a:defRPr>
+            </a:lvl7pPr>
+            <a:lvl8pPr marL="3429000" indent="-228600" eaLnBrk="0" fontAlgn="base" hangingPunct="0">
+              <a:spcBef>
+                <a:spcPct val="20000"/>
+              </a:spcBef>
+              <a:spcAft>
+                <a:spcPct val="0"/>
+              </a:spcAft>
+              <a:buChar char="»"/>
+              <a:defRPr sz="2000">
+                <a:solidFill>
+                  <a:schemeClr val="tx1"/>
+                </a:solidFill>
+                <a:latin typeface="Arial" pitchFamily="34" charset="0"/>
+                <a:ea typeface="宋体" pitchFamily="2" charset="-122"/>
+              </a:defRPr>
+            </a:lvl8pPr>
+            <a:lvl9pPr marL="3886200" indent="-228600" eaLnBrk="0" fontAlgn="base" hangingPunct="0">
+              <a:spcBef>
+                <a:spcPct val="20000"/>
+              </a:spcBef>
+              <a:spcAft>
+                <a:spcPct val="0"/>
+              </a:spcAft>
+              <a:buChar char="»"/>
+              <a:defRPr sz="2000">
+                <a:solidFill>
+                  <a:schemeClr val="tx1"/>
+                </a:solidFill>
+                <a:latin typeface="Arial" pitchFamily="34" charset="0"/>
+                <a:ea typeface="宋体" pitchFamily="2" charset="-122"/>
+              </a:defRPr>
+            </a:lvl9pPr>
+          </a:lstStyle>
+          <a:p>
+            <a:pPr algn="r" eaLnBrk="1" hangingPunct="1">
+              <a:spcBef>
+                <a:spcPct val="0"/>
+              </a:spcBef>
+              <a:buNone/>
+            </a:pPr>
+            <a:r>
+              <a:rPr lang="zh-CN" altLang="en-US" sz="1800" dirty="0" smtClean="0">
+                <a:solidFill>
+                  <a:schemeClr val="tx1"/>
+                </a:solidFill>
+              </a:rPr>
+              <a:t>保有一个平常和自由的心，过</a:t>
+            </a:r>
+            <a:r>
+              <a:rPr lang="zh-CN" altLang="en-US" sz="1800" dirty="0" smtClean="0">
+                <a:solidFill>
+                  <a:schemeClr val="tx1"/>
+                </a:solidFill>
+              </a:rPr>
+              <a:t>上</a:t>
+            </a:r>
+            <a:r>
+              <a:rPr lang="zh-CN" altLang="en-US" sz="1800" dirty="0" smtClean="0">
+                <a:solidFill>
+                  <a:schemeClr val="tx1"/>
+                </a:solidFill>
+              </a:rPr>
+              <a:t>符合实际的内心</a:t>
+            </a:r>
+            <a:r>
+              <a:rPr lang="zh-CN" altLang="en-US" sz="1800" dirty="0" smtClean="0">
+                <a:solidFill>
+                  <a:schemeClr val="tx1"/>
+                </a:solidFill>
+              </a:rPr>
+              <a:t>期待</a:t>
+            </a:r>
+            <a:r>
+              <a:rPr lang="zh-CN" altLang="en-US" sz="1800" dirty="0" smtClean="0">
+                <a:solidFill>
+                  <a:schemeClr val="tx1"/>
+                </a:solidFill>
+              </a:rPr>
+              <a:t>的</a:t>
+            </a:r>
+            <a:r>
+              <a:rPr lang="zh-CN" altLang="en-US" sz="1800" dirty="0" smtClean="0">
+                <a:solidFill>
+                  <a:schemeClr val="tx1"/>
+                </a:solidFill>
+              </a:rPr>
+              <a:t>自己</a:t>
+            </a:r>
+            <a:r>
+              <a:rPr lang="zh-CN" altLang="en-US" sz="1800" dirty="0" smtClean="0">
+                <a:solidFill>
+                  <a:schemeClr val="tx1"/>
+                </a:solidFill>
+              </a:rPr>
+              <a:t>真实想要的</a:t>
+            </a:r>
+            <a:r>
+              <a:rPr lang="zh-CN" altLang="en-US" sz="1800" dirty="0" smtClean="0">
+                <a:solidFill>
+                  <a:schemeClr val="tx1"/>
+                </a:solidFill>
+              </a:rPr>
+              <a:t>生活</a:t>
+            </a:r>
+            <a:r>
+              <a:rPr lang="en-US" altLang="zh-CN" sz="1800" dirty="0" smtClean="0">
+                <a:solidFill>
+                  <a:schemeClr val="tx1"/>
+                </a:solidFill>
+              </a:rPr>
+              <a:t>,</a:t>
+            </a:r>
+            <a:endParaRPr lang="en-US" altLang="zh-CN" sz="1800" dirty="0" smtClean="0">
+              <a:solidFill>
+                <a:schemeClr val="tx1"/>
+              </a:solidFill>
+            </a:endParaRPr>
+          </a:p>
+        </p:txBody>
+      </p:sp>
+      <p:sp>
+        <p:nvSpPr>
+          <p:cNvPr id="82" name="TextBox 50"/>
+          <p:cNvSpPr txBox="1">
+            <a:spLocks noChangeArrowheads="1"/>
+          </p:cNvSpPr>
+          <p:nvPr/>
+        </p:nvSpPr>
+        <p:spPr bwMode="auto">
+          <a:xfrm>
+            <a:off x="1693355" y="6054264"/>
+            <a:ext cx="2997178" cy="432022"/>
+          </a:xfrm>
+          <a:prstGeom prst="rect">
+            <a:avLst/>
+          </a:prstGeom>
+          <a:noFill/>
+          <a:ln>
+            <a:noFill/>
+          </a:ln>
+          <a:extLst>
+            <a:ext uri="{909E8E84-426E-40DD-AFC4-6F175D3DCCD1}">
+              <a14:hiddenFill xmlns="" xmlns:a14="http://schemas.microsoft.com/office/drawing/2010/main">
+                <a:solidFill>
+                  <a:srgbClr val="FFFFFF"/>
+                </a:solidFill>
+              </a14:hiddenFill>
+            </a:ext>
+            <a:ext uri="{91240B29-F687-4F45-9708-019B960494DF}">
+              <a14:hiddenLine xmlns="" xmlns:a14="http://schemas.microsoft.com/office/drawing/2010/main" w="9525">
+                <a:solidFill>
+                  <a:srgbClr val="000000"/>
+                </a:solidFill>
+                <a:miter lim="800000"/>
+                <a:headEnd/>
+                <a:tailEnd/>
+              </a14:hiddenLine>
+            </a:ext>
+          </a:extLst>
+        </p:spPr>
+        <p:txBody>
+          <a:bodyPr wrap="square" lIns="62084" tIns="31042" rIns="62084" bIns="31042">
+            <a:spAutoFit/>
+          </a:bodyPr>
+          <a:lstStyle>
+            <a:lvl1pPr eaLnBrk="0" hangingPunct="0">
+              <a:spcBef>
+                <a:spcPct val="20000"/>
+              </a:spcBef>
+              <a:buChar char="•"/>
+              <a:defRPr sz="2000">
+                <a:solidFill>
+                  <a:schemeClr val="accent1"/>
+                </a:solidFill>
+                <a:latin typeface="Arial" pitchFamily="34" charset="0"/>
+                <a:ea typeface="微软雅黑" pitchFamily="34" charset="-122"/>
+              </a:defRPr>
+            </a:lvl1pPr>
+            <a:lvl2pPr marL="742950" indent="-285750" eaLnBrk="0" hangingPunct="0">
+              <a:spcBef>
+                <a:spcPct val="20000"/>
+              </a:spcBef>
+              <a:buChar char="–"/>
+              <a:defRPr sz="2000">
+                <a:solidFill>
+                  <a:schemeClr val="accent1"/>
+                </a:solidFill>
+                <a:latin typeface="Arial" pitchFamily="34" charset="0"/>
+                <a:ea typeface="仿宋_GB2312" pitchFamily="1" charset="-122"/>
+              </a:defRPr>
+            </a:lvl2pPr>
+            <a:lvl3pPr marL="1143000" indent="-228600" eaLnBrk="0" hangingPunct="0">
+              <a:spcBef>
+                <a:spcPct val="20000"/>
+              </a:spcBef>
+              <a:buChar char="•"/>
+              <a:defRPr sz="2400">
+                <a:solidFill>
+                  <a:schemeClr val="tx1"/>
+                </a:solidFill>
+                <a:latin typeface="Arial" pitchFamily="34" charset="0"/>
+                <a:ea typeface="宋体" pitchFamily="2" charset="-122"/>
+              </a:defRPr>
+            </a:lvl3pPr>
+            <a:lvl4pPr marL="1600200" indent="-228600" eaLnBrk="0" hangingPunct="0">
+              <a:spcBef>
+                <a:spcPct val="20000"/>
+              </a:spcBef>
+              <a:buChar char="–"/>
+              <a:defRPr sz="2000">
+                <a:solidFill>
+                  <a:schemeClr val="tx1"/>
+                </a:solidFill>
+                <a:latin typeface="Arial" pitchFamily="34" charset="0"/>
+                <a:ea typeface="宋体" pitchFamily="2" charset="-122"/>
+              </a:defRPr>
+            </a:lvl4pPr>
+            <a:lvl5pPr marL="2057400" indent="-228600" eaLnBrk="0" hangingPunct="0">
+              <a:spcBef>
+                <a:spcPct val="20000"/>
+              </a:spcBef>
+              <a:buChar char="»"/>
+              <a:defRPr sz="2000">
+                <a:solidFill>
+                  <a:schemeClr val="tx1"/>
+                </a:solidFill>
+                <a:latin typeface="Arial" pitchFamily="34" charset="0"/>
+                <a:ea typeface="宋体" pitchFamily="2" charset="-122"/>
+              </a:defRPr>
+            </a:lvl5pPr>
+            <a:lvl6pPr marL="2514600" indent="-228600" eaLnBrk="0" fontAlgn="base" hangingPunct="0">
+              <a:spcBef>
+                <a:spcPct val="20000"/>
+              </a:spcBef>
+              <a:spcAft>
+                <a:spcPct val="0"/>
+              </a:spcAft>
+              <a:buChar char="»"/>
+              <a:defRPr sz="2000">
+                <a:solidFill>
+                  <a:schemeClr val="tx1"/>
+                </a:solidFill>
+                <a:latin typeface="Arial" pitchFamily="34" charset="0"/>
+                <a:ea typeface="宋体" pitchFamily="2" charset="-122"/>
+              </a:defRPr>
+            </a:lvl6pPr>
+            <a:lvl7pPr marL="2971800" indent="-228600" eaLnBrk="0" fontAlgn="base" hangingPunct="0">
+              <a:spcBef>
+                <a:spcPct val="20000"/>
+              </a:spcBef>
+              <a:spcAft>
+                <a:spcPct val="0"/>
+              </a:spcAft>
+              <a:buChar char="»"/>
+              <a:defRPr sz="2000">
+                <a:solidFill>
+                  <a:schemeClr val="tx1"/>
+                </a:solidFill>
+                <a:latin typeface="Arial" pitchFamily="34" charset="0"/>
+                <a:ea typeface="宋体" pitchFamily="2" charset="-122"/>
+              </a:defRPr>
+            </a:lvl7pPr>
+            <a:lvl8pPr marL="3429000" indent="-228600" eaLnBrk="0" fontAlgn="base" hangingPunct="0">
+              <a:spcBef>
+                <a:spcPct val="20000"/>
+              </a:spcBef>
+              <a:spcAft>
+                <a:spcPct val="0"/>
+              </a:spcAft>
+              <a:buChar char="»"/>
+              <a:defRPr sz="2000">
+                <a:solidFill>
+                  <a:schemeClr val="tx1"/>
+                </a:solidFill>
+                <a:latin typeface="Arial" pitchFamily="34" charset="0"/>
+                <a:ea typeface="宋体" pitchFamily="2" charset="-122"/>
+              </a:defRPr>
+            </a:lvl8pPr>
+            <a:lvl9pPr marL="3886200" indent="-228600" eaLnBrk="0" fontAlgn="base" hangingPunct="0">
+              <a:spcBef>
+                <a:spcPct val="20000"/>
+              </a:spcBef>
+              <a:spcAft>
+                <a:spcPct val="0"/>
+              </a:spcAft>
+              <a:buChar char="»"/>
+              <a:defRPr sz="2000">
+                <a:solidFill>
+                  <a:schemeClr val="tx1"/>
+                </a:solidFill>
+                <a:latin typeface="Arial" pitchFamily="34" charset="0"/>
+                <a:ea typeface="宋体" pitchFamily="2" charset="-122"/>
+              </a:defRPr>
+            </a:lvl9pPr>
+          </a:lstStyle>
+          <a:p>
+            <a:pPr eaLnBrk="1" hangingPunct="1">
+              <a:spcBef>
+                <a:spcPct val="0"/>
+              </a:spcBef>
+              <a:buNone/>
+            </a:pPr>
+            <a:r>
+              <a:rPr lang="zh-CN" altLang="en-US" sz="2400" b="1" dirty="0" smtClean="0">
+                <a:latin typeface="微软雅黑" pitchFamily="34" charset="-122"/>
+              </a:rPr>
+              <a:t>学会自我教育与更新</a:t>
+            </a:r>
+            <a:endParaRPr lang="en-US" altLang="zh-CN" sz="2400" b="1" dirty="0">
+              <a:latin typeface="微软雅黑" pitchFamily="34" charset="-122"/>
+            </a:endParaRPr>
+          </a:p>
+        </p:txBody>
+      </p:sp>
+      <p:sp>
+        <p:nvSpPr>
+          <p:cNvPr id="83" name="TextBox 51"/>
+          <p:cNvSpPr txBox="1">
+            <a:spLocks noChangeArrowheads="1"/>
+          </p:cNvSpPr>
+          <p:nvPr/>
+        </p:nvSpPr>
+        <p:spPr bwMode="auto">
+          <a:xfrm>
+            <a:off x="1995061" y="4809067"/>
+            <a:ext cx="3423606" cy="1170686"/>
+          </a:xfrm>
+          <a:prstGeom prst="rect">
+            <a:avLst/>
+          </a:prstGeom>
+          <a:noFill/>
+          <a:ln>
+            <a:noFill/>
+          </a:ln>
+          <a:extLst>
+            <a:ext uri="{909E8E84-426E-40DD-AFC4-6F175D3DCCD1}">
+              <a14:hiddenFill xmlns="" xmlns:a14="http://schemas.microsoft.com/office/drawing/2010/main">
+                <a:solidFill>
+                  <a:srgbClr val="FFFFFF"/>
+                </a:solidFill>
+              </a14:hiddenFill>
+            </a:ext>
+            <a:ext uri="{91240B29-F687-4F45-9708-019B960494DF}">
+              <a14:hiddenLine xmlns="" xmlns:a14="http://schemas.microsoft.com/office/drawing/2010/main" w="9525">
+                <a:solidFill>
+                  <a:srgbClr val="000000"/>
+                </a:solidFill>
+                <a:miter lim="800000"/>
+                <a:headEnd/>
+                <a:tailEnd/>
+              </a14:hiddenLine>
+            </a:ext>
+          </a:extLst>
+        </p:spPr>
+        <p:txBody>
+          <a:bodyPr wrap="square" lIns="62084" tIns="31042" rIns="62084" bIns="31042">
+            <a:spAutoFit/>
+          </a:bodyPr>
+          <a:lstStyle>
+            <a:lvl1pPr eaLnBrk="0" hangingPunct="0">
+              <a:spcBef>
+                <a:spcPct val="20000"/>
+              </a:spcBef>
+              <a:buChar char="•"/>
+              <a:defRPr sz="2000">
+                <a:solidFill>
+                  <a:schemeClr val="accent1"/>
+                </a:solidFill>
+                <a:latin typeface="Arial" pitchFamily="34" charset="0"/>
+                <a:ea typeface="微软雅黑" pitchFamily="34" charset="-122"/>
+              </a:defRPr>
+            </a:lvl1pPr>
+            <a:lvl2pPr marL="742950" indent="-285750" eaLnBrk="0" hangingPunct="0">
+              <a:spcBef>
+                <a:spcPct val="20000"/>
+              </a:spcBef>
+              <a:buChar char="–"/>
+              <a:defRPr sz="2000">
+                <a:solidFill>
+                  <a:schemeClr val="accent1"/>
+                </a:solidFill>
+                <a:latin typeface="Arial" pitchFamily="34" charset="0"/>
+                <a:ea typeface="仿宋_GB2312" pitchFamily="1" charset="-122"/>
+              </a:defRPr>
+            </a:lvl2pPr>
+            <a:lvl3pPr marL="1143000" indent="-228600" eaLnBrk="0" hangingPunct="0">
+              <a:spcBef>
+                <a:spcPct val="20000"/>
+              </a:spcBef>
+              <a:buChar char="•"/>
+              <a:defRPr sz="2400">
+                <a:solidFill>
+                  <a:schemeClr val="tx1"/>
+                </a:solidFill>
+                <a:latin typeface="Arial" pitchFamily="34" charset="0"/>
+                <a:ea typeface="宋体" pitchFamily="2" charset="-122"/>
+              </a:defRPr>
+            </a:lvl3pPr>
+            <a:lvl4pPr marL="1600200" indent="-228600" eaLnBrk="0" hangingPunct="0">
+              <a:spcBef>
+                <a:spcPct val="20000"/>
+              </a:spcBef>
+              <a:buChar char="–"/>
+              <a:defRPr sz="2000">
+                <a:solidFill>
+                  <a:schemeClr val="tx1"/>
+                </a:solidFill>
+                <a:latin typeface="Arial" pitchFamily="34" charset="0"/>
+                <a:ea typeface="宋体" pitchFamily="2" charset="-122"/>
+              </a:defRPr>
+            </a:lvl4pPr>
+            <a:lvl5pPr marL="2057400" indent="-228600" eaLnBrk="0" hangingPunct="0">
+              <a:spcBef>
+                <a:spcPct val="20000"/>
+              </a:spcBef>
+              <a:buChar char="»"/>
+              <a:defRPr sz="2000">
+                <a:solidFill>
+                  <a:schemeClr val="tx1"/>
+                </a:solidFill>
+                <a:latin typeface="Arial" pitchFamily="34" charset="0"/>
+                <a:ea typeface="宋体" pitchFamily="2" charset="-122"/>
+              </a:defRPr>
+            </a:lvl5pPr>
+            <a:lvl6pPr marL="2514600" indent="-228600" eaLnBrk="0" fontAlgn="base" hangingPunct="0">
+              <a:spcBef>
+                <a:spcPct val="20000"/>
+              </a:spcBef>
+              <a:spcAft>
+                <a:spcPct val="0"/>
+              </a:spcAft>
+              <a:buChar char="»"/>
+              <a:defRPr sz="2000">
+                <a:solidFill>
+                  <a:schemeClr val="tx1"/>
+                </a:solidFill>
+                <a:latin typeface="Arial" pitchFamily="34" charset="0"/>
+                <a:ea typeface="宋体" pitchFamily="2" charset="-122"/>
+              </a:defRPr>
+            </a:lvl6pPr>
+            <a:lvl7pPr marL="2971800" indent="-228600" eaLnBrk="0" fontAlgn="base" hangingPunct="0">
+              <a:spcBef>
+                <a:spcPct val="20000"/>
+              </a:spcBef>
+              <a:spcAft>
+                <a:spcPct val="0"/>
+              </a:spcAft>
+              <a:buChar char="»"/>
+              <a:defRPr sz="2000">
+                <a:solidFill>
+                  <a:schemeClr val="tx1"/>
+                </a:solidFill>
+                <a:latin typeface="Arial" pitchFamily="34" charset="0"/>
+                <a:ea typeface="宋体" pitchFamily="2" charset="-122"/>
+              </a:defRPr>
+            </a:lvl7pPr>
+            <a:lvl8pPr marL="3429000" indent="-228600" eaLnBrk="0" fontAlgn="base" hangingPunct="0">
+              <a:spcBef>
+                <a:spcPct val="20000"/>
+              </a:spcBef>
+              <a:spcAft>
+                <a:spcPct val="0"/>
+              </a:spcAft>
+              <a:buChar char="»"/>
+              <a:defRPr sz="2000">
+                <a:solidFill>
+                  <a:schemeClr val="tx1"/>
+                </a:solidFill>
+                <a:latin typeface="Arial" pitchFamily="34" charset="0"/>
+                <a:ea typeface="宋体" pitchFamily="2" charset="-122"/>
+              </a:defRPr>
+            </a:lvl8pPr>
+            <a:lvl9pPr marL="3886200" indent="-228600" eaLnBrk="0" fontAlgn="base" hangingPunct="0">
+              <a:spcBef>
+                <a:spcPct val="20000"/>
+              </a:spcBef>
+              <a:spcAft>
+                <a:spcPct val="0"/>
+              </a:spcAft>
+              <a:buChar char="»"/>
+              <a:defRPr sz="2000">
+                <a:solidFill>
+                  <a:schemeClr val="tx1"/>
+                </a:solidFill>
+                <a:latin typeface="Arial" pitchFamily="34" charset="0"/>
+                <a:ea typeface="宋体" pitchFamily="2" charset="-122"/>
+              </a:defRPr>
+            </a:lvl9pPr>
+          </a:lstStyle>
+          <a:p>
+            <a:pPr eaLnBrk="1" hangingPunct="1">
+              <a:spcBef>
+                <a:spcPct val="0"/>
+              </a:spcBef>
+              <a:buFontTx/>
+              <a:buNone/>
+            </a:pPr>
+            <a:r>
+              <a:rPr lang="zh-CN" altLang="en-US" sz="1800" dirty="0" smtClean="0">
+                <a:solidFill>
+                  <a:schemeClr val="tx1"/>
+                </a:solidFill>
+                <a:latin typeface="微软雅黑" panose="020B0503020204020204" pitchFamily="34" charset="-122"/>
+              </a:rPr>
+              <a:t>人生不是线性的，不要以为一班车就能把你从现在的位置带到你所期望的位置。不存在一劳永逸的情况</a:t>
+            </a:r>
+            <a:endParaRPr lang="zh-CN" altLang="en-US" sz="1800" dirty="0">
+              <a:solidFill>
+                <a:schemeClr val="tx1"/>
+              </a:solidFill>
+              <a:latin typeface="微软雅黑" panose="020B0503020204020204" pitchFamily="34" charset="-122"/>
+            </a:endParaRPr>
+          </a:p>
+        </p:txBody>
+      </p:sp>
+      <p:sp>
+        <p:nvSpPr>
+          <p:cNvPr id="84" name="TextBox 52"/>
+          <p:cNvSpPr txBox="1">
+            <a:spLocks noChangeArrowheads="1"/>
+          </p:cNvSpPr>
+          <p:nvPr/>
+        </p:nvSpPr>
+        <p:spPr bwMode="auto">
+          <a:xfrm>
+            <a:off x="7264401" y="6054264"/>
+            <a:ext cx="3234248" cy="432022"/>
+          </a:xfrm>
+          <a:prstGeom prst="rect">
+            <a:avLst/>
+          </a:prstGeom>
+          <a:noFill/>
+          <a:ln>
+            <a:noFill/>
+          </a:ln>
+          <a:extLst>
+            <a:ext uri="{909E8E84-426E-40DD-AFC4-6F175D3DCCD1}">
+              <a14:hiddenFill xmlns="" xmlns:a14="http://schemas.microsoft.com/office/drawing/2010/main">
+                <a:solidFill>
+                  <a:srgbClr val="FFFFFF"/>
+                </a:solidFill>
+              </a14:hiddenFill>
+            </a:ext>
+            <a:ext uri="{91240B29-F687-4F45-9708-019B960494DF}">
+              <a14:hiddenLine xmlns="" xmlns:a14="http://schemas.microsoft.com/office/drawing/2010/main" w="9525">
+                <a:solidFill>
+                  <a:srgbClr val="000000"/>
+                </a:solidFill>
+                <a:miter lim="800000"/>
+                <a:headEnd/>
+                <a:tailEnd/>
+              </a14:hiddenLine>
+            </a:ext>
+          </a:extLst>
+        </p:spPr>
+        <p:txBody>
+          <a:bodyPr wrap="square" lIns="62084" tIns="31042" rIns="62084" bIns="31042">
+            <a:spAutoFit/>
+          </a:bodyPr>
+          <a:lstStyle>
+            <a:lvl1pPr eaLnBrk="0" hangingPunct="0">
+              <a:spcBef>
+                <a:spcPct val="20000"/>
+              </a:spcBef>
+              <a:buChar char="•"/>
+              <a:defRPr sz="2000">
+                <a:solidFill>
+                  <a:schemeClr val="accent1"/>
+                </a:solidFill>
+                <a:latin typeface="Arial" pitchFamily="34" charset="0"/>
+                <a:ea typeface="微软雅黑" pitchFamily="34" charset="-122"/>
+              </a:defRPr>
+            </a:lvl1pPr>
+            <a:lvl2pPr marL="742950" indent="-285750" eaLnBrk="0" hangingPunct="0">
+              <a:spcBef>
+                <a:spcPct val="20000"/>
+              </a:spcBef>
+              <a:buChar char="–"/>
+              <a:defRPr sz="2000">
+                <a:solidFill>
+                  <a:schemeClr val="accent1"/>
+                </a:solidFill>
+                <a:latin typeface="Arial" pitchFamily="34" charset="0"/>
+                <a:ea typeface="仿宋_GB2312" pitchFamily="1" charset="-122"/>
+              </a:defRPr>
+            </a:lvl2pPr>
+            <a:lvl3pPr marL="1143000" indent="-228600" eaLnBrk="0" hangingPunct="0">
+              <a:spcBef>
+                <a:spcPct val="20000"/>
+              </a:spcBef>
+              <a:buChar char="•"/>
+              <a:defRPr sz="2400">
+                <a:solidFill>
+                  <a:schemeClr val="tx1"/>
+                </a:solidFill>
+                <a:latin typeface="Arial" pitchFamily="34" charset="0"/>
+                <a:ea typeface="宋体" pitchFamily="2" charset="-122"/>
+              </a:defRPr>
+            </a:lvl3pPr>
+            <a:lvl4pPr marL="1600200" indent="-228600" eaLnBrk="0" hangingPunct="0">
+              <a:spcBef>
+                <a:spcPct val="20000"/>
+              </a:spcBef>
+              <a:buChar char="–"/>
+              <a:defRPr sz="2000">
+                <a:solidFill>
+                  <a:schemeClr val="tx1"/>
+                </a:solidFill>
+                <a:latin typeface="Arial" pitchFamily="34" charset="0"/>
+                <a:ea typeface="宋体" pitchFamily="2" charset="-122"/>
+              </a:defRPr>
+            </a:lvl4pPr>
+            <a:lvl5pPr marL="2057400" indent="-228600" eaLnBrk="0" hangingPunct="0">
+              <a:spcBef>
+                <a:spcPct val="20000"/>
+              </a:spcBef>
+              <a:buChar char="»"/>
+              <a:defRPr sz="2000">
+                <a:solidFill>
+                  <a:schemeClr val="tx1"/>
+                </a:solidFill>
+                <a:latin typeface="Arial" pitchFamily="34" charset="0"/>
+                <a:ea typeface="宋体" pitchFamily="2" charset="-122"/>
+              </a:defRPr>
+            </a:lvl5pPr>
+            <a:lvl6pPr marL="2514600" indent="-228600" eaLnBrk="0" fontAlgn="base" hangingPunct="0">
+              <a:spcBef>
+                <a:spcPct val="20000"/>
+              </a:spcBef>
+              <a:spcAft>
+                <a:spcPct val="0"/>
+              </a:spcAft>
+              <a:buChar char="»"/>
+              <a:defRPr sz="2000">
+                <a:solidFill>
+                  <a:schemeClr val="tx1"/>
+                </a:solidFill>
+                <a:latin typeface="Arial" pitchFamily="34" charset="0"/>
+                <a:ea typeface="宋体" pitchFamily="2" charset="-122"/>
+              </a:defRPr>
+            </a:lvl6pPr>
+            <a:lvl7pPr marL="2971800" indent="-228600" eaLnBrk="0" fontAlgn="base" hangingPunct="0">
+              <a:spcBef>
+                <a:spcPct val="20000"/>
+              </a:spcBef>
+              <a:spcAft>
+                <a:spcPct val="0"/>
+              </a:spcAft>
+              <a:buChar char="»"/>
+              <a:defRPr sz="2000">
+                <a:solidFill>
+                  <a:schemeClr val="tx1"/>
+                </a:solidFill>
+                <a:latin typeface="Arial" pitchFamily="34" charset="0"/>
+                <a:ea typeface="宋体" pitchFamily="2" charset="-122"/>
+              </a:defRPr>
+            </a:lvl7pPr>
+            <a:lvl8pPr marL="3429000" indent="-228600" eaLnBrk="0" fontAlgn="base" hangingPunct="0">
+              <a:spcBef>
+                <a:spcPct val="20000"/>
+              </a:spcBef>
+              <a:spcAft>
+                <a:spcPct val="0"/>
+              </a:spcAft>
+              <a:buChar char="»"/>
+              <a:defRPr sz="2000">
+                <a:solidFill>
+                  <a:schemeClr val="tx1"/>
+                </a:solidFill>
+                <a:latin typeface="Arial" pitchFamily="34" charset="0"/>
+                <a:ea typeface="宋体" pitchFamily="2" charset="-122"/>
+              </a:defRPr>
+            </a:lvl8pPr>
+            <a:lvl9pPr marL="3886200" indent="-228600" eaLnBrk="0" fontAlgn="base" hangingPunct="0">
+              <a:spcBef>
+                <a:spcPct val="20000"/>
+              </a:spcBef>
+              <a:spcAft>
+                <a:spcPct val="0"/>
+              </a:spcAft>
+              <a:buChar char="»"/>
+              <a:defRPr sz="2000">
+                <a:solidFill>
+                  <a:schemeClr val="tx1"/>
+                </a:solidFill>
+                <a:latin typeface="Arial" pitchFamily="34" charset="0"/>
+                <a:ea typeface="宋体" pitchFamily="2" charset="-122"/>
+              </a:defRPr>
+            </a:lvl9pPr>
+          </a:lstStyle>
+          <a:p>
+            <a:pPr eaLnBrk="1" hangingPunct="1">
+              <a:spcBef>
+                <a:spcPct val="0"/>
+              </a:spcBef>
+              <a:buNone/>
+            </a:pPr>
+            <a:r>
+              <a:rPr lang="zh-CN" altLang="en-US" sz="2400" b="1" dirty="0" smtClean="0">
+                <a:latin typeface="微软雅黑" pitchFamily="34" charset="-122"/>
+              </a:rPr>
+              <a:t>让工作与兴趣建立联系</a:t>
+            </a:r>
+            <a:endParaRPr lang="en-US" altLang="zh-CN" sz="2400" b="1" dirty="0">
+              <a:latin typeface="微软雅黑" pitchFamily="34" charset="-122"/>
+            </a:endParaRPr>
+          </a:p>
+        </p:txBody>
+      </p:sp>
+      <p:sp>
+        <p:nvSpPr>
+          <p:cNvPr id="85" name="TextBox 53"/>
+          <p:cNvSpPr txBox="1">
+            <a:spLocks noChangeArrowheads="1"/>
+          </p:cNvSpPr>
+          <p:nvPr/>
+        </p:nvSpPr>
+        <p:spPr bwMode="auto">
+          <a:xfrm>
+            <a:off x="6841067" y="4758268"/>
+            <a:ext cx="3039204" cy="1170686"/>
+          </a:xfrm>
+          <a:prstGeom prst="rect">
+            <a:avLst/>
+          </a:prstGeom>
+          <a:noFill/>
+          <a:ln>
+            <a:noFill/>
+          </a:ln>
+          <a:extLst>
+            <a:ext uri="{909E8E84-426E-40DD-AFC4-6F175D3DCCD1}">
+              <a14:hiddenFill xmlns="" xmlns:a14="http://schemas.microsoft.com/office/drawing/2010/main">
+                <a:solidFill>
+                  <a:srgbClr val="FFFFFF"/>
+                </a:solidFill>
+              </a14:hiddenFill>
+            </a:ext>
+            <a:ext uri="{91240B29-F687-4F45-9708-019B960494DF}">
+              <a14:hiddenLine xmlns="" xmlns:a14="http://schemas.microsoft.com/office/drawing/2010/main" w="9525">
+                <a:solidFill>
+                  <a:srgbClr val="000000"/>
+                </a:solidFill>
+                <a:miter lim="800000"/>
+                <a:headEnd/>
+                <a:tailEnd/>
+              </a14:hiddenLine>
+            </a:ext>
+          </a:extLst>
+        </p:spPr>
+        <p:txBody>
+          <a:bodyPr wrap="square" lIns="62084" tIns="31042" rIns="62084" bIns="31042">
+            <a:spAutoFit/>
+          </a:bodyPr>
+          <a:lstStyle>
+            <a:lvl1pPr eaLnBrk="0" hangingPunct="0">
+              <a:spcBef>
+                <a:spcPct val="20000"/>
+              </a:spcBef>
+              <a:buChar char="•"/>
+              <a:defRPr sz="2000">
+                <a:solidFill>
+                  <a:schemeClr val="accent1"/>
+                </a:solidFill>
+                <a:latin typeface="Arial" pitchFamily="34" charset="0"/>
+                <a:ea typeface="微软雅黑" pitchFamily="34" charset="-122"/>
+              </a:defRPr>
+            </a:lvl1pPr>
+            <a:lvl2pPr marL="742950" indent="-285750" eaLnBrk="0" hangingPunct="0">
+              <a:spcBef>
+                <a:spcPct val="20000"/>
+              </a:spcBef>
+              <a:buChar char="–"/>
+              <a:defRPr sz="2000">
+                <a:solidFill>
+                  <a:schemeClr val="accent1"/>
+                </a:solidFill>
+                <a:latin typeface="Arial" pitchFamily="34" charset="0"/>
+                <a:ea typeface="仿宋_GB2312" pitchFamily="1" charset="-122"/>
+              </a:defRPr>
+            </a:lvl2pPr>
+            <a:lvl3pPr marL="1143000" indent="-228600" eaLnBrk="0" hangingPunct="0">
+              <a:spcBef>
+                <a:spcPct val="20000"/>
+              </a:spcBef>
+              <a:buChar char="•"/>
+              <a:defRPr sz="2400">
+                <a:solidFill>
+                  <a:schemeClr val="tx1"/>
+                </a:solidFill>
+                <a:latin typeface="Arial" pitchFamily="34" charset="0"/>
+                <a:ea typeface="宋体" pitchFamily="2" charset="-122"/>
+              </a:defRPr>
+            </a:lvl3pPr>
+            <a:lvl4pPr marL="1600200" indent="-228600" eaLnBrk="0" hangingPunct="0">
+              <a:spcBef>
+                <a:spcPct val="20000"/>
+              </a:spcBef>
+              <a:buChar char="–"/>
+              <a:defRPr sz="2000">
+                <a:solidFill>
+                  <a:schemeClr val="tx1"/>
+                </a:solidFill>
+                <a:latin typeface="Arial" pitchFamily="34" charset="0"/>
+                <a:ea typeface="宋体" pitchFamily="2" charset="-122"/>
+              </a:defRPr>
+            </a:lvl4pPr>
+            <a:lvl5pPr marL="2057400" indent="-228600" eaLnBrk="0" hangingPunct="0">
+              <a:spcBef>
+                <a:spcPct val="20000"/>
+              </a:spcBef>
+              <a:buChar char="»"/>
+              <a:defRPr sz="2000">
+                <a:solidFill>
+                  <a:schemeClr val="tx1"/>
+                </a:solidFill>
+                <a:latin typeface="Arial" pitchFamily="34" charset="0"/>
+                <a:ea typeface="宋体" pitchFamily="2" charset="-122"/>
+              </a:defRPr>
+            </a:lvl5pPr>
+            <a:lvl6pPr marL="2514600" indent="-228600" eaLnBrk="0" fontAlgn="base" hangingPunct="0">
+              <a:spcBef>
+                <a:spcPct val="20000"/>
+              </a:spcBef>
+              <a:spcAft>
+                <a:spcPct val="0"/>
+              </a:spcAft>
+              <a:buChar char="»"/>
+              <a:defRPr sz="2000">
+                <a:solidFill>
+                  <a:schemeClr val="tx1"/>
+                </a:solidFill>
+                <a:latin typeface="Arial" pitchFamily="34" charset="0"/>
+                <a:ea typeface="宋体" pitchFamily="2" charset="-122"/>
+              </a:defRPr>
+            </a:lvl6pPr>
+            <a:lvl7pPr marL="2971800" indent="-228600" eaLnBrk="0" fontAlgn="base" hangingPunct="0">
+              <a:spcBef>
+                <a:spcPct val="20000"/>
+              </a:spcBef>
+              <a:spcAft>
+                <a:spcPct val="0"/>
+              </a:spcAft>
+              <a:buChar char="»"/>
+              <a:defRPr sz="2000">
+                <a:solidFill>
+                  <a:schemeClr val="tx1"/>
+                </a:solidFill>
+                <a:latin typeface="Arial" pitchFamily="34" charset="0"/>
+                <a:ea typeface="宋体" pitchFamily="2" charset="-122"/>
+              </a:defRPr>
+            </a:lvl7pPr>
+            <a:lvl8pPr marL="3429000" indent="-228600" eaLnBrk="0" fontAlgn="base" hangingPunct="0">
+              <a:spcBef>
+                <a:spcPct val="20000"/>
+              </a:spcBef>
+              <a:spcAft>
+                <a:spcPct val="0"/>
+              </a:spcAft>
+              <a:buChar char="»"/>
+              <a:defRPr sz="2000">
+                <a:solidFill>
+                  <a:schemeClr val="tx1"/>
+                </a:solidFill>
+                <a:latin typeface="Arial" pitchFamily="34" charset="0"/>
+                <a:ea typeface="宋体" pitchFamily="2" charset="-122"/>
+              </a:defRPr>
+            </a:lvl8pPr>
+            <a:lvl9pPr marL="3886200" indent="-228600" eaLnBrk="0" fontAlgn="base" hangingPunct="0">
+              <a:spcBef>
+                <a:spcPct val="20000"/>
+              </a:spcBef>
+              <a:spcAft>
+                <a:spcPct val="0"/>
+              </a:spcAft>
+              <a:buChar char="»"/>
+              <a:defRPr sz="2000">
+                <a:solidFill>
+                  <a:schemeClr val="tx1"/>
+                </a:solidFill>
+                <a:latin typeface="Arial" pitchFamily="34" charset="0"/>
+                <a:ea typeface="宋体" pitchFamily="2" charset="-122"/>
+              </a:defRPr>
+            </a:lvl9pPr>
+          </a:lstStyle>
+          <a:p>
+            <a:pPr algn="r" eaLnBrk="1" hangingPunct="1">
+              <a:spcBef>
+                <a:spcPct val="0"/>
+              </a:spcBef>
+              <a:buNone/>
+            </a:pPr>
+            <a:r>
+              <a:rPr lang="zh-CN" altLang="en-US" sz="1800" dirty="0" smtClean="0">
+                <a:solidFill>
+                  <a:schemeClr val="tx1"/>
+                </a:solidFill>
+              </a:rPr>
+              <a:t>工作带来收入，兴趣带来价值感。财务自由不只有钱，而是一种价值被认可，收入满足需求的状态</a:t>
+            </a:r>
+            <a:endParaRPr lang="zh-CN" altLang="en-US" sz="1800" dirty="0">
+              <a:solidFill>
+                <a:schemeClr val="tx1"/>
+              </a:solidFill>
+            </a:endParaRPr>
+          </a:p>
+        </p:txBody>
+      </p:sp>
+    </p:spTree>
+    <p:extLst>
+      <p:ext uri="{BB962C8B-B14F-4D97-AF65-F5344CB8AC3E}">
+        <p14:creationId xmlns="" xmlns:p14="http://schemas.microsoft.com/office/powerpoint/2010/main" val="4095140424"/>
+      </p:ext>
+    </p:extLst>
+  </p:cSld>
+  <p:clrMapOvr>
+    <a:masterClrMapping/>
+  </p:clrMapOvr>
+  <mc:AlternateContent xmlns:mc="http://schemas.openxmlformats.org/markup-compatibility/2006">
+    <mc:Choice xmlns="" xmlns:p14="http://schemas.microsoft.com/office/powerpoint/2010/main" Requires="p14">
+      <p:transition spd="slow" p14:dur="1600">
+        <p:blinds dir="vert"/>
+      </p:transition>
+    </mc:Choice>
+    <mc:Fallback>
+      <p:transition spd="slow">
+        <p:blinds dir="vert"/>
+      </p:transition>
+    </mc:Fallback>
+  </mc:AlternateContent>
+</p:sld>
+</file>
+
+<file path=ppt/slides/slide14.xml><?xml version="1.0" encoding="utf-8"?>
+<p:sld xmlns:a="http://schemas.openxmlformats.org/drawingml/2006/main" xmlns:r="http://schemas.openxmlformats.org/officeDocument/2006/relationships" xmlns:p="http://schemas.openxmlformats.org/presentationml/2006/main">
+  <p:cSld>
+    <p:spTree>
+      <p:nvGrpSpPr>
+        <p:cNvPr id="1" name=""/>
+        <p:cNvGrpSpPr/>
+        <p:nvPr/>
+      </p:nvGrpSpPr>
+      <p:grpSpPr>
+        <a:xfrm>
+          <a:off x="0" y="0"/>
+          <a:ext cx="0" cy="0"/>
+          <a:chOff x="0" y="0"/>
+          <a:chExt cx="0" cy="0"/>
+        </a:xfrm>
+      </p:grpSpPr>
       <p:grpSp>
         <p:nvGrpSpPr>
           <p:cNvPr id="2" name="组合 1">
             <a:extLst>
               <a:ext uri="{FF2B5EF4-FFF2-40B4-BE49-F238E27FC236}">
-                <a16:creationId xmlns:a16="http://schemas.microsoft.com/office/drawing/2014/main" xmlns="" id="{E50DEB0B-1C12-44D1-AAA1-F4E0A4F19E17}"/>
+                <a16:creationId xmlns="" xmlns:a16="http://schemas.microsoft.com/office/drawing/2014/main" id="{E50DEB0B-1C12-44D1-AAA1-F4E0A4F19E17}"/>
               </a:ext>
             </a:extLst>
           </p:cNvPr>
@@ -8923,7 +15440,7 @@
             <p:cNvPr id="7" name="矩形 6">
               <a:extLst>
                 <a:ext uri="{FF2B5EF4-FFF2-40B4-BE49-F238E27FC236}">
-                  <a16:creationId xmlns:a16="http://schemas.microsoft.com/office/drawing/2014/main" xmlns="" id="{D5213AAE-A69E-40F7-931A-4EAD7707F511}"/>
+                  <a16:creationId xmlns="" xmlns:a16="http://schemas.microsoft.com/office/drawing/2014/main" id="{D5213AAE-A69E-40F7-931A-4EAD7707F511}"/>
                 </a:ext>
               </a:extLst>
             </p:cNvPr>
@@ -8972,7 +15489,7 @@
             <p:cNvPr id="8" name="矩形 7">
               <a:extLst>
                 <a:ext uri="{FF2B5EF4-FFF2-40B4-BE49-F238E27FC236}">
-                  <a16:creationId xmlns:a16="http://schemas.microsoft.com/office/drawing/2014/main" xmlns="" id="{F74F58D4-5D9A-43AA-A842-4414D43E7D86}"/>
+                  <a16:creationId xmlns="" xmlns:a16="http://schemas.microsoft.com/office/drawing/2014/main" id="{F74F58D4-5D9A-43AA-A842-4414D43E7D86}"/>
                 </a:ext>
               </a:extLst>
             </p:cNvPr>
@@ -9026,7 +15543,7 @@
           <p:cNvPr id="28" name="TextBox 9">
             <a:extLst>
               <a:ext uri="{FF2B5EF4-FFF2-40B4-BE49-F238E27FC236}">
-                <a16:creationId xmlns:a16="http://schemas.microsoft.com/office/drawing/2014/main" xmlns="" id="{F9620907-505E-4433-8CD6-0B35E582F63E}"/>
+                <a16:creationId xmlns="" xmlns:a16="http://schemas.microsoft.com/office/drawing/2014/main" id="{F9620907-505E-4433-8CD6-0B35E582F63E}"/>
               </a:ext>
             </a:extLst>
           </p:cNvPr>
@@ -9036,7 +15553,7 @@
         <p:spPr>
           <a:xfrm>
             <a:off x="423082" y="406639"/>
-            <a:ext cx="10686197" cy="861774"/>
+            <a:ext cx="10686197" cy="584775"/>
           </a:xfrm>
           <a:prstGeom prst="rect">
             <a:avLst/>
@@ -9066,7 +15583,25 @@
                 <a:latin typeface="微软雅黑" panose="020B0503020204020204" pitchFamily="34" charset="-122"/>
                 <a:ea typeface="微软雅黑" panose="020B0503020204020204" pitchFamily="34" charset="-122"/>
               </a:rPr>
-              <a:t>思考人生</a:t>
+              <a:t>思考</a:t>
+            </a:r>
+            <a:r>
+              <a:rPr lang="zh-CN" altLang="en-US" sz="3200" dirty="0" smtClean="0">
+                <a:gradFill>
+                  <a:gsLst>
+                    <a:gs pos="100000">
+                      <a:srgbClr val="00469C"/>
+                    </a:gs>
+                    <a:gs pos="0">
+                      <a:srgbClr val="00A0E8"/>
+                    </a:gs>
+                  </a:gsLst>
+                  <a:lin ang="5400000"/>
+                </a:gradFill>
+                <a:latin typeface="微软雅黑" panose="020B0503020204020204" pitchFamily="34" charset="-122"/>
+                <a:ea typeface="微软雅黑" panose="020B0503020204020204" pitchFamily="34" charset="-122"/>
+              </a:rPr>
+              <a:t>人生</a:t>
             </a:r>
             <a:endParaRPr lang="en-US" altLang="zh-CN" sz="3200" dirty="0">
               <a:gradFill>
@@ -9084,42 +15619,6 @@
               <a:ea typeface="微软雅黑" panose="020B0503020204020204" pitchFamily="34" charset="-122"/>
             </a:endParaRPr>
           </a:p>
-          <a:p>
-            <a:pPr algn="ctr"/>
-            <a:r>
-              <a:rPr lang="zh-CN" altLang="en-US" dirty="0" smtClean="0">
-                <a:gradFill>
-                  <a:gsLst>
-                    <a:gs pos="100000">
-                      <a:srgbClr val="00469C"/>
-                    </a:gs>
-                    <a:gs pos="0">
-                      <a:srgbClr val="00A0E8"/>
-                    </a:gs>
-                  </a:gsLst>
-                  <a:lin ang="5400000"/>
-                </a:gradFill>
-                <a:latin typeface="微软雅黑 Light" panose="020B0502040204020203" pitchFamily="34" charset="-122"/>
-                <a:ea typeface="微软雅黑 Light" panose="020B0502040204020203" pitchFamily="34" charset="-122"/>
-              </a:rPr>
-              <a:t>财务自由的概念</a:t>
-            </a:r>
-            <a:endParaRPr lang="zh-CN" altLang="en-US" dirty="0">
-              <a:gradFill>
-                <a:gsLst>
-                  <a:gs pos="100000">
-                    <a:srgbClr val="00469C"/>
-                  </a:gs>
-                  <a:gs pos="0">
-                    <a:srgbClr val="00A0E8"/>
-                  </a:gs>
-                </a:gsLst>
-                <a:lin ang="5400000"/>
-              </a:gradFill>
-              <a:latin typeface="微软雅黑 Light" panose="020B0502040204020203" pitchFamily="34" charset="-122"/>
-              <a:ea typeface="微软雅黑 Light" panose="020B0502040204020203" pitchFamily="34" charset="-122"/>
-            </a:endParaRPr>
-          </a:p>
         </p:txBody>
       </p:sp>
       <p:sp>
@@ -9130,8 +15629,8 @@
         </p:nvSpPr>
         <p:spPr>
           <a:xfrm>
-            <a:off x="690467" y="2761861"/>
-            <a:ext cx="10133044" cy="461665"/>
+            <a:off x="2959533" y="2761860"/>
+            <a:ext cx="6286066" cy="492443"/>
           </a:xfrm>
           <a:prstGeom prst="rect">
             <a:avLst/>
@@ -9145,17 +15644,21 @@
           <a:lstStyle/>
           <a:p>
             <a:r>
-              <a:rPr lang="zh-CN" altLang="en-US" sz="2400" dirty="0" smtClean="0"/>
-              <a:t>你真实想要的生活是怎样的？</a:t>
-            </a:r>
-            <a:endParaRPr lang="zh-CN" altLang="en-US" sz="2400" dirty="0"/>
+              <a:rPr lang="zh-CN" altLang="en-US" sz="2600" b="1" i="1" dirty="0" smtClean="0"/>
+              <a:t>如果你有一百万，你会用来做什么事情</a:t>
+            </a:r>
+            <a:r>
+              <a:rPr lang="zh-CN" altLang="en-US" sz="2600" b="1" i="1" dirty="0" smtClean="0"/>
+              <a:t>？</a:t>
+            </a:r>
+            <a:endParaRPr lang="zh-CN" altLang="en-US" sz="2600" b="1" i="1" dirty="0"/>
           </a:p>
         </p:txBody>
       </p:sp>
     </p:spTree>
     <p:extLst>
       <p:ext uri="{BB962C8B-B14F-4D97-AF65-F5344CB8AC3E}">
-        <p14:creationId xmlns:p14="http://schemas.microsoft.com/office/powerpoint/2010/main" xmlns="" val="257282595"/>
+        <p14:creationId xmlns="" xmlns:p14="http://schemas.microsoft.com/office/powerpoint/2010/main" val="257282595"/>
       </p:ext>
     </p:extLst>
   </p:cSld>
@@ -9163,7 +15666,7 @@
     <a:masterClrMapping/>
   </p:clrMapOvr>
   <mc:AlternateContent xmlns:mc="http://schemas.openxmlformats.org/markup-compatibility/2006">
-    <mc:Choice xmlns:p14="http://schemas.microsoft.com/office/powerpoint/2010/main" xmlns="" Requires="p14">
+    <mc:Choice xmlns="" xmlns:p14="http://schemas.microsoft.com/office/powerpoint/2010/main" Requires="p14">
       <p:transition spd="slow" p14:dur="1600">
         <p:blinds dir="vert"/>
       </p:transition>
@@ -9177,7 +15680,7 @@
 </p:sld>
 </file>
 
-<file path=ppt/slides/slide14.xml><?xml version="1.0" encoding="utf-8"?>
+<file path=ppt/slides/slide15.xml><?xml version="1.0" encoding="utf-8"?>
 <p:sld xmlns:a="http://schemas.openxmlformats.org/drawingml/2006/main" xmlns:r="http://schemas.openxmlformats.org/officeDocument/2006/relationships" xmlns:p="http://schemas.openxmlformats.org/presentationml/2006/main">
   <p:cSld>
     <p:spTree>
@@ -9199,7 +15702,7 @@
           <p:cNvPr id="12" name="图片 11" descr="图片包含 户外, 天空, 建筑物, 时钟&#10;&#10;已生成极高可信度的说明">
             <a:extLst>
               <a:ext uri="{FF2B5EF4-FFF2-40B4-BE49-F238E27FC236}">
-                <a16:creationId xmlns:a16="http://schemas.microsoft.com/office/drawing/2014/main" xmlns="" id="{63120D12-FE94-4606-8069-50689EE820FD}"/>
+                <a16:creationId xmlns="" xmlns:a16="http://schemas.microsoft.com/office/drawing/2014/main" id="{63120D12-FE94-4606-8069-50689EE820FD}"/>
               </a:ext>
             </a:extLst>
           </p:cNvPr>
@@ -9212,7 +15715,7 @@
           <a:blip r:embed="rId2" cstate="screen">
             <a:extLst>
               <a:ext uri="{28A0092B-C50C-407E-A947-70E740481C1C}">
-                <a14:useLocalDpi xmlns:a14="http://schemas.microsoft.com/office/drawing/2010/main" xmlns="" val="0"/>
+                <a14:useLocalDpi xmlns="" xmlns:a14="http://schemas.microsoft.com/office/drawing/2010/main" val="0"/>
               </a:ext>
             </a:extLst>
           </a:blip>
@@ -9234,7 +15737,7 @@
           <p:cNvPr id="22" name="任意多边形: 形状 21">
             <a:extLst>
               <a:ext uri="{FF2B5EF4-FFF2-40B4-BE49-F238E27FC236}">
-                <a16:creationId xmlns:a16="http://schemas.microsoft.com/office/drawing/2014/main" xmlns="" id="{8B512DC7-300D-4210-A41E-42FB36991E9E}"/>
+                <a16:creationId xmlns="" xmlns:a16="http://schemas.microsoft.com/office/drawing/2014/main" id="{8B512DC7-300D-4210-A41E-42FB36991E9E}"/>
               </a:ext>
             </a:extLst>
           </p:cNvPr>
@@ -9339,7 +15842,7 @@
           <p:cNvPr id="23" name="任意多边形: 形状 22">
             <a:extLst>
               <a:ext uri="{FF2B5EF4-FFF2-40B4-BE49-F238E27FC236}">
-                <a16:creationId xmlns:a16="http://schemas.microsoft.com/office/drawing/2014/main" xmlns="" id="{2AB7E925-98D4-4048-93D2-B55FDA2BA567}"/>
+                <a16:creationId xmlns="" xmlns:a16="http://schemas.microsoft.com/office/drawing/2014/main" id="{2AB7E925-98D4-4048-93D2-B55FDA2BA567}"/>
               </a:ext>
             </a:extLst>
           </p:cNvPr>
@@ -9434,7 +15937,7 @@
           <p:cNvPr id="9" name="文本框 8">
             <a:extLst>
               <a:ext uri="{FF2B5EF4-FFF2-40B4-BE49-F238E27FC236}">
-                <a16:creationId xmlns:a16="http://schemas.microsoft.com/office/drawing/2014/main" xmlns="" id="{3F978CFE-16BB-4CF5-BC84-BDA91949BA0B}"/>
+                <a16:creationId xmlns="" xmlns:a16="http://schemas.microsoft.com/office/drawing/2014/main" id="{3F978CFE-16BB-4CF5-BC84-BDA91949BA0B}"/>
               </a:ext>
             </a:extLst>
           </p:cNvPr>
@@ -9476,7 +15979,7 @@
           <p:cNvPr id="10" name="直接连接符 9">
             <a:extLst>
               <a:ext uri="{FF2B5EF4-FFF2-40B4-BE49-F238E27FC236}">
-                <a16:creationId xmlns:a16="http://schemas.microsoft.com/office/drawing/2014/main" xmlns="" id="{819AA1A6-D93E-4DB4-BADD-A8D07C38C156}"/>
+                <a16:creationId xmlns="" xmlns:a16="http://schemas.microsoft.com/office/drawing/2014/main" id="{819AA1A6-D93E-4DB4-BADD-A8D07C38C156}"/>
               </a:ext>
             </a:extLst>
           </p:cNvPr>
@@ -9517,7 +16020,7 @@
     </p:spTree>
     <p:extLst>
       <p:ext uri="{BB962C8B-B14F-4D97-AF65-F5344CB8AC3E}">
-        <p14:creationId xmlns:p14="http://schemas.microsoft.com/office/powerpoint/2010/main" xmlns="" val="3968927684"/>
+        <p14:creationId xmlns="" xmlns:p14="http://schemas.microsoft.com/office/powerpoint/2010/main" val="3968927684"/>
       </p:ext>
     </p:extLst>
   </p:cSld>
@@ -9556,7 +16059,7 @@
           <a:blip r:embed="rId3">
             <a:extLst>
               <a:ext uri="{28A0092B-C50C-407E-A947-70E740481C1C}">
-                <a14:useLocalDpi xmlns:a14="http://schemas.microsoft.com/office/drawing/2010/main" xmlns="" val="0"/>
+                <a14:useLocalDpi xmlns="" xmlns:a14="http://schemas.microsoft.com/office/drawing/2010/main" val="0"/>
               </a:ext>
             </a:extLst>
           </a:blip>
@@ -9578,7 +16081,7 @@
           <p:cNvPr id="7" name="矩形 6">
             <a:extLst>
               <a:ext uri="{FF2B5EF4-FFF2-40B4-BE49-F238E27FC236}">
-                <a16:creationId xmlns:a16="http://schemas.microsoft.com/office/drawing/2014/main" xmlns="" id="{6B4B2360-7218-48B5-AE5D-F4365A4C9468}"/>
+                <a16:creationId xmlns="" xmlns:a16="http://schemas.microsoft.com/office/drawing/2014/main" id="{6B4B2360-7218-48B5-AE5D-F4365A4C9468}"/>
               </a:ext>
             </a:extLst>
           </p:cNvPr>
@@ -9900,7 +16403,7 @@
     </p:spTree>
     <p:extLst>
       <p:ext uri="{BB962C8B-B14F-4D97-AF65-F5344CB8AC3E}">
-        <p14:creationId xmlns:p14="http://schemas.microsoft.com/office/powerpoint/2010/main" xmlns="" val="3100316483"/>
+        <p14:creationId xmlns="" xmlns:p14="http://schemas.microsoft.com/office/powerpoint/2010/main" val="3100316483"/>
       </p:ext>
     </p:extLst>
   </p:cSld>
@@ -9908,7 +16411,7 @@
     <a:masterClrMapping/>
   </p:clrMapOvr>
   <mc:AlternateContent xmlns:mc="http://schemas.openxmlformats.org/markup-compatibility/2006">
-    <mc:Choice xmlns:p14="http://schemas.microsoft.com/office/powerpoint/2010/main" xmlns="" Requires="p14">
+    <mc:Choice xmlns="" xmlns:p14="http://schemas.microsoft.com/office/powerpoint/2010/main" Requires="p14">
       <p:transition spd="slow" p14:dur="1600">
         <p:blinds dir="vert"/>
       </p:transition>
@@ -9944,7 +16447,7 @@
           <p:cNvPr id="6" name="组合 5">
             <a:extLst>
               <a:ext uri="{FF2B5EF4-FFF2-40B4-BE49-F238E27FC236}">
-                <a16:creationId xmlns:a16="http://schemas.microsoft.com/office/drawing/2014/main" xmlns="" id="{3ECCECFB-8A2B-42E3-BB90-84B05A511565}"/>
+                <a16:creationId xmlns="" xmlns:a16="http://schemas.microsoft.com/office/drawing/2014/main" id="{3ECCECFB-8A2B-42E3-BB90-84B05A511565}"/>
               </a:ext>
             </a:extLst>
           </p:cNvPr>
@@ -9964,7 +16467,7 @@
             <p:cNvPr id="2" name="文本框 1">
               <a:extLst>
                 <a:ext uri="{FF2B5EF4-FFF2-40B4-BE49-F238E27FC236}">
-                  <a16:creationId xmlns:a16="http://schemas.microsoft.com/office/drawing/2014/main" xmlns="" id="{2871A151-4299-4FEA-AEED-88771DC8FE9A}"/>
+                  <a16:creationId xmlns="" xmlns:a16="http://schemas.microsoft.com/office/drawing/2014/main" id="{2871A151-4299-4FEA-AEED-88771DC8FE9A}"/>
                 </a:ext>
               </a:extLst>
             </p:cNvPr>
@@ -10026,7 +16529,7 @@
             <p:cNvPr id="8" name="矩形 7">
               <a:extLst>
                 <a:ext uri="{FF2B5EF4-FFF2-40B4-BE49-F238E27FC236}">
-                  <a16:creationId xmlns:a16="http://schemas.microsoft.com/office/drawing/2014/main" xmlns="" id="{FDEDE40B-7AB0-4730-8567-A24599FF8BAA}"/>
+                  <a16:creationId xmlns="" xmlns:a16="http://schemas.microsoft.com/office/drawing/2014/main" id="{FDEDE40B-7AB0-4730-8567-A24599FF8BAA}"/>
                 </a:ext>
               </a:extLst>
             </p:cNvPr>
@@ -10083,7 +16586,7 @@
             <p:cNvPr id="9" name="矩形 8">
               <a:extLst>
                 <a:ext uri="{FF2B5EF4-FFF2-40B4-BE49-F238E27FC236}">
-                  <a16:creationId xmlns:a16="http://schemas.microsoft.com/office/drawing/2014/main" xmlns="" id="{2B21ED84-23FD-4FBF-B40A-00DCAA6BAFEE}"/>
+                  <a16:creationId xmlns="" xmlns:a16="http://schemas.microsoft.com/office/drawing/2014/main" id="{2B21ED84-23FD-4FBF-B40A-00DCAA6BAFEE}"/>
                 </a:ext>
               </a:extLst>
             </p:cNvPr>
@@ -10141,7 +16644,7 @@
           <p:cNvPr id="5" name="组合 4">
             <a:extLst>
               <a:ext uri="{FF2B5EF4-FFF2-40B4-BE49-F238E27FC236}">
-                <a16:creationId xmlns:a16="http://schemas.microsoft.com/office/drawing/2014/main" xmlns="" id="{D43511E3-9523-485E-913F-7199E1F70272}"/>
+                <a16:creationId xmlns="" xmlns:a16="http://schemas.microsoft.com/office/drawing/2014/main" id="{D43511E3-9523-485E-913F-7199E1F70272}"/>
               </a:ext>
             </a:extLst>
           </p:cNvPr>
@@ -10161,7 +16664,7 @@
             <p:cNvPr id="10" name="文本框 9">
               <a:extLst>
                 <a:ext uri="{FF2B5EF4-FFF2-40B4-BE49-F238E27FC236}">
-                  <a16:creationId xmlns:a16="http://schemas.microsoft.com/office/drawing/2014/main" xmlns="" id="{6F59C157-714D-4AA7-8082-EE86C700A2B2}"/>
+                  <a16:creationId xmlns="" xmlns:a16="http://schemas.microsoft.com/office/drawing/2014/main" id="{6F59C157-714D-4AA7-8082-EE86C700A2B2}"/>
                 </a:ext>
               </a:extLst>
             </p:cNvPr>
@@ -10222,7 +16725,7 @@
             <p:cNvPr id="11" name="文本框 10">
               <a:extLst>
                 <a:ext uri="{FF2B5EF4-FFF2-40B4-BE49-F238E27FC236}">
-                  <a16:creationId xmlns:a16="http://schemas.microsoft.com/office/drawing/2014/main" xmlns="" id="{A184154C-8112-4CE4-A52B-44F73641C7A3}"/>
+                  <a16:creationId xmlns="" xmlns:a16="http://schemas.microsoft.com/office/drawing/2014/main" id="{A184154C-8112-4CE4-A52B-44F73641C7A3}"/>
                 </a:ext>
               </a:extLst>
             </p:cNvPr>
@@ -10270,7 +16773,7 @@
             <p:cNvPr id="15" name="文本框 14">
               <a:extLst>
                 <a:ext uri="{FF2B5EF4-FFF2-40B4-BE49-F238E27FC236}">
-                  <a16:creationId xmlns:a16="http://schemas.microsoft.com/office/drawing/2014/main" xmlns="" id="{A7807FB4-0BE9-4940-9960-80E3DEF1B4C0}"/>
+                  <a16:creationId xmlns="" xmlns:a16="http://schemas.microsoft.com/office/drawing/2014/main" id="{A7807FB4-0BE9-4940-9960-80E3DEF1B4C0}"/>
                 </a:ext>
               </a:extLst>
             </p:cNvPr>
@@ -10331,7 +16834,7 @@
             <p:cNvPr id="16" name="文本框 15">
               <a:extLst>
                 <a:ext uri="{FF2B5EF4-FFF2-40B4-BE49-F238E27FC236}">
-                  <a16:creationId xmlns:a16="http://schemas.microsoft.com/office/drawing/2014/main" xmlns="" id="{38AB1FC5-DE30-41B7-A72F-5700F344ECE1}"/>
+                  <a16:creationId xmlns="" xmlns:a16="http://schemas.microsoft.com/office/drawing/2014/main" id="{38AB1FC5-DE30-41B7-A72F-5700F344ECE1}"/>
                 </a:ext>
               </a:extLst>
             </p:cNvPr>
@@ -10379,7 +16882,7 @@
             <p:cNvPr id="18" name="文本框 17">
               <a:extLst>
                 <a:ext uri="{FF2B5EF4-FFF2-40B4-BE49-F238E27FC236}">
-                  <a16:creationId xmlns:a16="http://schemas.microsoft.com/office/drawing/2014/main" xmlns="" id="{8A691021-8A29-4525-88E3-6ABFFEC1A7CF}"/>
+                  <a16:creationId xmlns="" xmlns:a16="http://schemas.microsoft.com/office/drawing/2014/main" id="{8A691021-8A29-4525-88E3-6ABFFEC1A7CF}"/>
                 </a:ext>
               </a:extLst>
             </p:cNvPr>
@@ -10440,7 +16943,7 @@
             <p:cNvPr id="19" name="文本框 18">
               <a:extLst>
                 <a:ext uri="{FF2B5EF4-FFF2-40B4-BE49-F238E27FC236}">
-                  <a16:creationId xmlns:a16="http://schemas.microsoft.com/office/drawing/2014/main" xmlns="" id="{E24CF56E-54A3-4AB8-A02E-C2A9A0D5CE84}"/>
+                  <a16:creationId xmlns="" xmlns:a16="http://schemas.microsoft.com/office/drawing/2014/main" id="{E24CF56E-54A3-4AB8-A02E-C2A9A0D5CE84}"/>
                 </a:ext>
               </a:extLst>
             </p:cNvPr>
@@ -10488,7 +16991,7 @@
             <p:cNvPr id="21" name="文本框 20">
               <a:extLst>
                 <a:ext uri="{FF2B5EF4-FFF2-40B4-BE49-F238E27FC236}">
-                  <a16:creationId xmlns:a16="http://schemas.microsoft.com/office/drawing/2014/main" xmlns="" id="{7E63000E-6151-4B4D-A526-7607F5A8E7E3}"/>
+                  <a16:creationId xmlns="" xmlns:a16="http://schemas.microsoft.com/office/drawing/2014/main" id="{7E63000E-6151-4B4D-A526-7607F5A8E7E3}"/>
                 </a:ext>
               </a:extLst>
             </p:cNvPr>
@@ -10549,7 +17052,7 @@
             <p:cNvPr id="22" name="文本框 21">
               <a:extLst>
                 <a:ext uri="{FF2B5EF4-FFF2-40B4-BE49-F238E27FC236}">
-                  <a16:creationId xmlns:a16="http://schemas.microsoft.com/office/drawing/2014/main" xmlns="" id="{FEAE2CCE-B35E-4932-B5A1-77F0FA08E6E5}"/>
+                  <a16:creationId xmlns="" xmlns:a16="http://schemas.microsoft.com/office/drawing/2014/main" id="{FEAE2CCE-B35E-4932-B5A1-77F0FA08E6E5}"/>
                 </a:ext>
               </a:extLst>
             </p:cNvPr>
@@ -10596,7 +17099,7 @@
     </p:spTree>
     <p:extLst>
       <p:ext uri="{BB962C8B-B14F-4D97-AF65-F5344CB8AC3E}">
-        <p14:creationId xmlns:p14="http://schemas.microsoft.com/office/powerpoint/2010/main" xmlns="" val="2325327428"/>
+        <p14:creationId xmlns="" xmlns:p14="http://schemas.microsoft.com/office/powerpoint/2010/main" val="2325327428"/>
       </p:ext>
     </p:extLst>
   </p:cSld>
@@ -10628,7 +17131,7 @@
           <p:cNvPr id="2" name="组合 1">
             <a:extLst>
               <a:ext uri="{FF2B5EF4-FFF2-40B4-BE49-F238E27FC236}">
-                <a16:creationId xmlns:a16="http://schemas.microsoft.com/office/drawing/2014/main" xmlns="" id="{E50DEB0B-1C12-44D1-AAA1-F4E0A4F19E17}"/>
+                <a16:creationId xmlns="" xmlns:a16="http://schemas.microsoft.com/office/drawing/2014/main" id="{E50DEB0B-1C12-44D1-AAA1-F4E0A4F19E17}"/>
               </a:ext>
             </a:extLst>
           </p:cNvPr>
@@ -10648,7 +17151,7 @@
             <p:cNvPr id="7" name="矩形 6">
               <a:extLst>
                 <a:ext uri="{FF2B5EF4-FFF2-40B4-BE49-F238E27FC236}">
-                  <a16:creationId xmlns:a16="http://schemas.microsoft.com/office/drawing/2014/main" xmlns="" id="{D5213AAE-A69E-40F7-931A-4EAD7707F511}"/>
+                  <a16:creationId xmlns="" xmlns:a16="http://schemas.microsoft.com/office/drawing/2014/main" id="{D5213AAE-A69E-40F7-931A-4EAD7707F511}"/>
                 </a:ext>
               </a:extLst>
             </p:cNvPr>
@@ -10697,7 +17200,7 @@
             <p:cNvPr id="8" name="矩形 7">
               <a:extLst>
                 <a:ext uri="{FF2B5EF4-FFF2-40B4-BE49-F238E27FC236}">
-                  <a16:creationId xmlns:a16="http://schemas.microsoft.com/office/drawing/2014/main" xmlns="" id="{F74F58D4-5D9A-43AA-A842-4414D43E7D86}"/>
+                  <a16:creationId xmlns="" xmlns:a16="http://schemas.microsoft.com/office/drawing/2014/main" id="{F74F58D4-5D9A-43AA-A842-4414D43E7D86}"/>
                 </a:ext>
               </a:extLst>
             </p:cNvPr>
@@ -10822,11 +17325,7 @@
             <a:pPr latinLnBrk="1"/>
             <a:r>
               <a:rPr lang="zh-CN" altLang="en-US" sz="2400" dirty="0" smtClean="0"/>
-              <a:t>昨天有人说我穷</a:t>
-            </a:r>
-            <a:r>
-              <a:rPr lang="zh-CN" altLang="en-US" sz="2400" dirty="0" smtClean="0"/>
-              <a:t>，</a:t>
+              <a:t>昨天有人说我穷，</a:t>
             </a:r>
             <a:endParaRPr lang="en-US" altLang="zh-CN" sz="2400" dirty="0" smtClean="0"/>
           </a:p>
@@ -10838,27 +17337,11 @@
             <a:pPr latinLnBrk="1"/>
             <a:r>
               <a:rPr lang="zh-CN" altLang="en-US" sz="2400" dirty="0" smtClean="0"/>
-              <a:t>我</a:t>
-            </a:r>
-            <a:r>
-              <a:rPr lang="zh-CN" altLang="en-US" sz="2400" dirty="0" smtClean="0"/>
-              <a:t>站阳台上，想了一个</a:t>
-            </a:r>
-            <a:r>
-              <a:rPr lang="zh-CN" altLang="en-US" sz="2400" dirty="0" smtClean="0"/>
-              <a:t>晚上</a:t>
-            </a:r>
-            <a:r>
-              <a:rPr lang="zh-CN" altLang="en-US" sz="2400" dirty="0" smtClean="0"/>
-              <a:t>：</a:t>
+              <a:t>我站阳台上，想了一个晚上：</a:t>
             </a:r>
             <a:r>
               <a:rPr lang="zh-CN" altLang="en-US" sz="2400" b="1" i="1" dirty="0" smtClean="0"/>
-              <a:t>究竟</a:t>
-            </a:r>
-            <a:r>
-              <a:rPr lang="zh-CN" altLang="en-US" sz="2400" b="1" i="1" dirty="0" smtClean="0"/>
-              <a:t>是谁 走漏的风声</a:t>
+              <a:t>究竟是谁 走漏的风声</a:t>
             </a:r>
             <a:r>
               <a:rPr lang="en-US" altLang="zh-CN" sz="2400" b="1" i="1" dirty="0" smtClean="0"/>
@@ -11042,11 +17525,7 @@
             </a:r>
             <a:r>
               <a:rPr lang="zh-CN" altLang="en-US" sz="2000" b="1" dirty="0" smtClean="0"/>
-              <a:t>马云、马明哲、马化腾 、李嘉诚 </a:t>
-            </a:r>
-            <a:r>
-              <a:rPr lang="zh-CN" altLang="en-US" sz="2000" b="1" dirty="0" smtClean="0"/>
-              <a:t>还有我</a:t>
+              <a:t>马云、马明哲、马化腾 、李嘉诚 还有我</a:t>
             </a:r>
             <a:r>
               <a:rPr lang="zh-CN" altLang="en-US" sz="2000" dirty="0" smtClean="0"/>
@@ -11070,7 +17549,7 @@
           <p:cNvPr id="22" name="TextBox 9">
             <a:extLst>
               <a:ext uri="{FF2B5EF4-FFF2-40B4-BE49-F238E27FC236}">
-                <a16:creationId xmlns:a16="http://schemas.microsoft.com/office/drawing/2014/main" xmlns="" id="{F9620907-505E-4433-8CD6-0B35E582F63E}"/>
+                <a16:creationId xmlns="" xmlns:a16="http://schemas.microsoft.com/office/drawing/2014/main" id="{F9620907-505E-4433-8CD6-0B35E582F63E}"/>
               </a:ext>
             </a:extLst>
           </p:cNvPr>
@@ -11080,7 +17559,7 @@
         <p:spPr>
           <a:xfrm>
             <a:off x="456948" y="846905"/>
-            <a:ext cx="10686197" cy="369332"/>
+            <a:ext cx="10686197" cy="400110"/>
           </a:xfrm>
           <a:prstGeom prst="rect">
             <a:avLst/>
@@ -11095,7 +17574,7 @@
           <a:p>
             <a:pPr algn="ctr"/>
             <a:r>
-              <a:rPr lang="zh-CN" altLang="en-US" dirty="0" smtClean="0">
+              <a:rPr lang="zh-CN" altLang="en-US" sz="2000" i="1" dirty="0" smtClean="0">
                 <a:gradFill>
                   <a:gsLst>
                     <a:gs pos="100000">
@@ -11112,7 +17591,25 @@
               </a:rPr>
               <a:t>轻松一刻</a:t>
             </a:r>
-            <a:endParaRPr lang="zh-CN" altLang="en-US" dirty="0">
+            <a:r>
+              <a:rPr lang="zh-CN" altLang="en-US" sz="2000" dirty="0" smtClean="0">
+                <a:gradFill>
+                  <a:gsLst>
+                    <a:gs pos="100000">
+                      <a:srgbClr val="00469C"/>
+                    </a:gs>
+                    <a:gs pos="0">
+                      <a:srgbClr val="00A0E8"/>
+                    </a:gs>
+                  </a:gsLst>
+                  <a:lin ang="5400000"/>
+                </a:gradFill>
+                <a:latin typeface="微软雅黑 Light" panose="020B0502040204020203" pitchFamily="34" charset="-122"/>
+                <a:ea typeface="微软雅黑 Light" panose="020B0502040204020203" pitchFamily="34" charset="-122"/>
+              </a:rPr>
+              <a:t>：   何以解忧，唯有暴富</a:t>
+            </a:r>
+            <a:endParaRPr lang="zh-CN" altLang="en-US" sz="2000" dirty="0">
               <a:gradFill>
                 <a:gsLst>
                   <a:gs pos="100000">
@@ -11133,7 +17630,7 @@
     </p:spTree>
     <p:extLst>
       <p:ext uri="{BB962C8B-B14F-4D97-AF65-F5344CB8AC3E}">
-        <p14:creationId xmlns:p14="http://schemas.microsoft.com/office/powerpoint/2010/main" xmlns="" val="257282595"/>
+        <p14:creationId xmlns="" xmlns:p14="http://schemas.microsoft.com/office/powerpoint/2010/main" val="257282595"/>
       </p:ext>
     </p:extLst>
   </p:cSld>
@@ -11141,7 +17638,7 @@
     <a:masterClrMapping/>
   </p:clrMapOvr>
   <mc:AlternateContent xmlns:mc="http://schemas.openxmlformats.org/markup-compatibility/2006">
-    <mc:Choice xmlns:p14="http://schemas.microsoft.com/office/powerpoint/2010/main" xmlns="" Requires="p14">
+    <mc:Choice xmlns="" xmlns:p14="http://schemas.microsoft.com/office/powerpoint/2010/main" Requires="p14">
       <p:transition spd="slow" p14:dur="1600">
         <p:blinds dir="vert"/>
       </p:transition>
@@ -11177,7 +17674,7 @@
           <p:cNvPr id="2" name="组合 1">
             <a:extLst>
               <a:ext uri="{FF2B5EF4-FFF2-40B4-BE49-F238E27FC236}">
-                <a16:creationId xmlns:a16="http://schemas.microsoft.com/office/drawing/2014/main" xmlns="" id="{E50DEB0B-1C12-44D1-AAA1-F4E0A4F19E17}"/>
+                <a16:creationId xmlns="" xmlns:a16="http://schemas.microsoft.com/office/drawing/2014/main" id="{E50DEB0B-1C12-44D1-AAA1-F4E0A4F19E17}"/>
               </a:ext>
             </a:extLst>
           </p:cNvPr>
@@ -11197,7 +17694,7 @@
             <p:cNvPr id="7" name="矩形 6">
               <a:extLst>
                 <a:ext uri="{FF2B5EF4-FFF2-40B4-BE49-F238E27FC236}">
-                  <a16:creationId xmlns:a16="http://schemas.microsoft.com/office/drawing/2014/main" xmlns="" id="{D5213AAE-A69E-40F7-931A-4EAD7707F511}"/>
+                  <a16:creationId xmlns="" xmlns:a16="http://schemas.microsoft.com/office/drawing/2014/main" id="{D5213AAE-A69E-40F7-931A-4EAD7707F511}"/>
                 </a:ext>
               </a:extLst>
             </p:cNvPr>
@@ -11246,7 +17743,7 @@
             <p:cNvPr id="8" name="矩形 7">
               <a:extLst>
                 <a:ext uri="{FF2B5EF4-FFF2-40B4-BE49-F238E27FC236}">
-                  <a16:creationId xmlns:a16="http://schemas.microsoft.com/office/drawing/2014/main" xmlns="" id="{F74F58D4-5D9A-43AA-A842-4414D43E7D86}"/>
+                  <a16:creationId xmlns="" xmlns:a16="http://schemas.microsoft.com/office/drawing/2014/main" id="{F74F58D4-5D9A-43AA-A842-4414D43E7D86}"/>
                 </a:ext>
               </a:extLst>
             </p:cNvPr>
@@ -11300,7 +17797,7 @@
           <p:cNvPr id="28" name="TextBox 9">
             <a:extLst>
               <a:ext uri="{FF2B5EF4-FFF2-40B4-BE49-F238E27FC236}">
-                <a16:creationId xmlns:a16="http://schemas.microsoft.com/office/drawing/2014/main" xmlns="" id="{F9620907-505E-4433-8CD6-0B35E582F63E}"/>
+                <a16:creationId xmlns="" xmlns:a16="http://schemas.microsoft.com/office/drawing/2014/main" id="{F9620907-505E-4433-8CD6-0B35E582F63E}"/>
               </a:ext>
             </a:extLst>
           </p:cNvPr>
@@ -12521,7 +19018,7 @@
     </p:spTree>
     <p:extLst>
       <p:ext uri="{BB962C8B-B14F-4D97-AF65-F5344CB8AC3E}">
-        <p14:creationId xmlns:p14="http://schemas.microsoft.com/office/powerpoint/2010/main" xmlns="" val="257282595"/>
+        <p14:creationId xmlns="" xmlns:p14="http://schemas.microsoft.com/office/powerpoint/2010/main" val="257282595"/>
       </p:ext>
     </p:extLst>
   </p:cSld>
@@ -12529,7 +19026,7 @@
     <a:masterClrMapping/>
   </p:clrMapOvr>
   <mc:AlternateContent xmlns:mc="http://schemas.openxmlformats.org/markup-compatibility/2006">
-    <mc:Choice xmlns:p14="http://schemas.microsoft.com/office/powerpoint/2010/main" xmlns="" Requires="p14">
+    <mc:Choice xmlns="" xmlns:p14="http://schemas.microsoft.com/office/powerpoint/2010/main" Requires="p14">
       <p:transition spd="slow" p14:dur="1600">
         <p:blinds dir="vert"/>
       </p:transition>
@@ -12565,7 +19062,7 @@
           <p:cNvPr id="31" name="TextBox 9">
             <a:extLst>
               <a:ext uri="{FF2B5EF4-FFF2-40B4-BE49-F238E27FC236}">
-                <a16:creationId xmlns:a16="http://schemas.microsoft.com/office/drawing/2014/main" xmlns="" id="{196AEFB1-B5B8-48EC-BBBA-092BE2D0990E}"/>
+                <a16:creationId xmlns="" xmlns:a16="http://schemas.microsoft.com/office/drawing/2014/main" id="{196AEFB1-B5B8-48EC-BBBA-092BE2D0990E}"/>
               </a:ext>
             </a:extLst>
           </p:cNvPr>
@@ -13866,11 +20363,7 @@
               </a:pPr>
               <a:r>
                 <a:rPr lang="zh-CN" altLang="en-US" dirty="0" smtClean="0"/>
-                <a:t>除了工资收入外，财产性收入是达至财务自由一个很重要的指标。即保证不工作的时候也有净现金流入</a:t>
-              </a:r>
-              <a:r>
-                <a:rPr lang="zh-CN" altLang="en-US" dirty="0" smtClean="0"/>
-                <a:t>。</a:t>
+                <a:t>除了工资收入外，财产性收入是达至财务自由一个很重要的指标。即保证不工作的时候也有净现金流入。</a:t>
               </a:r>
               <a:endParaRPr lang="en-US" altLang="zh-CN" dirty="0" smtClean="0"/>
             </a:p>
@@ -13889,11 +20382,7 @@
               </a:pPr>
               <a:r>
                 <a:rPr lang="zh-CN" altLang="en-US" dirty="0" smtClean="0"/>
-                <a:t>财产</a:t>
-              </a:r>
-              <a:r>
-                <a:rPr lang="zh-CN" altLang="en-US" dirty="0" smtClean="0"/>
-                <a:t>性收入可以来自房租、股票红利、债卷利息。</a:t>
+                <a:t>财产性收入可以来自房租、股票红利、债卷利息。</a:t>
               </a:r>
               <a:endParaRPr lang="zh-CN" altLang="zh-CN" dirty="0" smtClean="0"/>
             </a:p>
@@ -14250,11 +20739,7 @@
               </a:r>
               <a:r>
                 <a:rPr lang="zh-CN" altLang="en-US" dirty="0" smtClean="0"/>
-                <a:t>负债</a:t>
-              </a:r>
-              <a:r>
-                <a:rPr lang="zh-CN" altLang="en-US" dirty="0" smtClean="0"/>
-                <a:t>。</a:t>
+                <a:t>负债。</a:t>
               </a:r>
               <a:endParaRPr lang="zh-CN" altLang="zh-CN" dirty="0"/>
             </a:p>
@@ -14519,7 +21004,7 @@
     </p:spTree>
     <p:extLst>
       <p:ext uri="{BB962C8B-B14F-4D97-AF65-F5344CB8AC3E}">
-        <p14:creationId xmlns:p14="http://schemas.microsoft.com/office/powerpoint/2010/main" xmlns="" val="4095140424"/>
+        <p14:creationId xmlns="" xmlns:p14="http://schemas.microsoft.com/office/powerpoint/2010/main" val="4095140424"/>
       </p:ext>
     </p:extLst>
   </p:cSld>
@@ -14527,7 +21012,7 @@
     <a:masterClrMapping/>
   </p:clrMapOvr>
   <mc:AlternateContent xmlns:mc="http://schemas.openxmlformats.org/markup-compatibility/2006">
-    <mc:Choice xmlns:p14="http://schemas.microsoft.com/office/powerpoint/2010/main" xmlns="" Requires="p14">
+    <mc:Choice xmlns="" xmlns:p14="http://schemas.microsoft.com/office/powerpoint/2010/main" Requires="p14">
       <p:transition spd="slow" p14:dur="1600">
         <p:blinds dir="vert"/>
       </p:transition>
@@ -14563,7 +21048,7 @@
           <p:cNvPr id="31" name="TextBox 9">
             <a:extLst>
               <a:ext uri="{FF2B5EF4-FFF2-40B4-BE49-F238E27FC236}">
-                <a16:creationId xmlns:a16="http://schemas.microsoft.com/office/drawing/2014/main" xmlns="" id="{196AEFB1-B5B8-48EC-BBBA-092BE2D0990E}"/>
+                <a16:creationId xmlns="" xmlns:a16="http://schemas.microsoft.com/office/drawing/2014/main" id="{196AEFB1-B5B8-48EC-BBBA-092BE2D0990E}"/>
               </a:ext>
             </a:extLst>
           </p:cNvPr>
@@ -15091,7 +21576,7 @@
     </p:spTree>
     <p:extLst>
       <p:ext uri="{BB962C8B-B14F-4D97-AF65-F5344CB8AC3E}">
-        <p14:creationId xmlns:p14="http://schemas.microsoft.com/office/powerpoint/2010/main" xmlns="" val="4095140424"/>
+        <p14:creationId xmlns="" xmlns:p14="http://schemas.microsoft.com/office/powerpoint/2010/main" val="4095140424"/>
       </p:ext>
     </p:extLst>
   </p:cSld>
@@ -15099,7 +21584,7 @@
     <a:masterClrMapping/>
   </p:clrMapOvr>
   <mc:AlternateContent xmlns:mc="http://schemas.openxmlformats.org/markup-compatibility/2006">
-    <mc:Choice xmlns:p14="http://schemas.microsoft.com/office/powerpoint/2010/main" xmlns="" Requires="p14">
+    <mc:Choice xmlns="" xmlns:p14="http://schemas.microsoft.com/office/powerpoint/2010/main" Requires="p14">
       <p:transition spd="slow" p14:dur="1600">
         <p:blinds dir="vert"/>
       </p:transition>
@@ -15135,7 +21620,7 @@
           <p:cNvPr id="31" name="TextBox 9">
             <a:extLst>
               <a:ext uri="{FF2B5EF4-FFF2-40B4-BE49-F238E27FC236}">
-                <a16:creationId xmlns:a16="http://schemas.microsoft.com/office/drawing/2014/main" xmlns="" id="{196AEFB1-B5B8-48EC-BBBA-092BE2D0990E}"/>
+                <a16:creationId xmlns="" xmlns:a16="http://schemas.microsoft.com/office/drawing/2014/main" id="{196AEFB1-B5B8-48EC-BBBA-092BE2D0990E}"/>
               </a:ext>
             </a:extLst>
           </p:cNvPr>
@@ -15267,7 +21752,7 @@
     </p:spTree>
     <p:extLst>
       <p:ext uri="{BB962C8B-B14F-4D97-AF65-F5344CB8AC3E}">
-        <p14:creationId xmlns:p14="http://schemas.microsoft.com/office/powerpoint/2010/main" xmlns="" val="4095140424"/>
+        <p14:creationId xmlns="" xmlns:p14="http://schemas.microsoft.com/office/powerpoint/2010/main" val="4095140424"/>
       </p:ext>
     </p:extLst>
   </p:cSld>
@@ -15275,7 +21760,7 @@
     <a:masterClrMapping/>
   </p:clrMapOvr>
   <mc:AlternateContent xmlns:mc="http://schemas.openxmlformats.org/markup-compatibility/2006">
-    <mc:Choice xmlns:p14="http://schemas.microsoft.com/office/powerpoint/2010/main" xmlns="" Requires="p14">
+    <mc:Choice xmlns="" xmlns:p14="http://schemas.microsoft.com/office/powerpoint/2010/main" Requires="p14">
       <p:transition spd="slow" p14:dur="1600">
         <p:blinds dir="vert"/>
       </p:transition>
@@ -15311,7 +21796,7 @@
           <p:cNvPr id="31" name="TextBox 9">
             <a:extLst>
               <a:ext uri="{FF2B5EF4-FFF2-40B4-BE49-F238E27FC236}">
-                <a16:creationId xmlns:a16="http://schemas.microsoft.com/office/drawing/2014/main" xmlns="" id="{196AEFB1-B5B8-48EC-BBBA-092BE2D0990E}"/>
+                <a16:creationId xmlns="" xmlns:a16="http://schemas.microsoft.com/office/drawing/2014/main" id="{196AEFB1-B5B8-48EC-BBBA-092BE2D0990E}"/>
               </a:ext>
             </a:extLst>
           </p:cNvPr>
@@ -15445,11 +21930,7 @@
             </a:pPr>
             <a:r>
               <a:rPr lang="zh-CN" altLang="en-US" sz="2400" dirty="0" smtClean="0"/>
-              <a:t>它</a:t>
-            </a:r>
-            <a:r>
-              <a:rPr lang="zh-CN" altLang="en-US" sz="2400" dirty="0" smtClean="0"/>
-              <a:t>是关于什么是你真实想要的生活</a:t>
+              <a:t>它是关于什么是你真实想要的生活</a:t>
             </a:r>
             <a:endParaRPr lang="en-US" altLang="zh-CN" sz="2400" dirty="0" smtClean="0"/>
           </a:p>
@@ -15467,11 +21948,7 @@
             </a:pPr>
             <a:r>
               <a:rPr lang="zh-CN" altLang="en-US" sz="2400" dirty="0" smtClean="0"/>
-              <a:t>它</a:t>
-            </a:r>
-            <a:r>
-              <a:rPr lang="zh-CN" altLang="en-US" sz="2400" dirty="0" smtClean="0"/>
-              <a:t>是关于你如何驾驭你的恐惧和担忧</a:t>
+              <a:t>它是关于你如何驾驭你的恐惧和担忧</a:t>
             </a:r>
             <a:endParaRPr lang="en-US" altLang="zh-CN" sz="2400" dirty="0" smtClean="0"/>
           </a:p>
@@ -15489,11 +21966,7 @@
             </a:pPr>
             <a:r>
               <a:rPr lang="zh-CN" altLang="en-US" sz="2400" dirty="0" smtClean="0"/>
-              <a:t>财务</a:t>
-            </a:r>
-            <a:r>
-              <a:rPr lang="zh-CN" altLang="en-US" sz="2400" dirty="0" smtClean="0"/>
-              <a:t>自由就是摆脱了财富困惑，得到了生活质量和安全的保障</a:t>
+              <a:t>财务自由就是摆脱了财富困惑，得到了生活质量和安全的保障</a:t>
             </a:r>
             <a:endParaRPr lang="zh-CN" altLang="en-US" sz="2400" dirty="0"/>
           </a:p>
@@ -15502,7 +21975,7 @@
     </p:spTree>
     <p:extLst>
       <p:ext uri="{BB962C8B-B14F-4D97-AF65-F5344CB8AC3E}">
-        <p14:creationId xmlns:p14="http://schemas.microsoft.com/office/powerpoint/2010/main" xmlns="" val="4095140424"/>
+        <p14:creationId xmlns="" xmlns:p14="http://schemas.microsoft.com/office/powerpoint/2010/main" val="4095140424"/>
       </p:ext>
     </p:extLst>
   </p:cSld>
@@ -15510,7 +21983,7 @@
     <a:masterClrMapping/>
   </p:clrMapOvr>
   <mc:AlternateContent xmlns:mc="http://schemas.openxmlformats.org/markup-compatibility/2006">
-    <mc:Choice xmlns:p14="http://schemas.microsoft.com/office/powerpoint/2010/main" xmlns="" Requires="p14">
+    <mc:Choice xmlns="" xmlns:p14="http://schemas.microsoft.com/office/powerpoint/2010/main" Requires="p14">
       <p:transition spd="slow" p14:dur="1600">
         <p:blinds dir="vert"/>
       </p:transition>
@@ -15779,7 +22252,7 @@
   <a:extraClrSchemeLst/>
   <a:extLst>
     <a:ext uri="{05A4C25C-085E-4340-85A3-A5531E510DB2}">
-      <thm15:themeFamily xmlns:thm15="http://schemas.microsoft.com/office/thememl/2012/main" xmlns="" name="Office Theme" id="{62F939B6-93AF-4DB8-9C6B-D6C7DFDC589F}" vid="{4A3C46E8-61CC-4603-A589-7422A47A8E4A}"/>
+      <thm15:themeFamily xmlns="" xmlns:thm15="http://schemas.microsoft.com/office/thememl/2012/main" name="Office Theme" id="{62F939B6-93AF-4DB8-9C6B-D6C7DFDC589F}" vid="{4A3C46E8-61CC-4603-A589-7422A47A8E4A}"/>
     </a:ext>
   </a:extLst>
 </a:theme>
@@ -16074,7 +22547,7 @@
   <a:extraClrSchemeLst/>
   <a:extLst>
     <a:ext uri="{05A4C25C-085E-4340-85A3-A5531E510DB2}">
-      <thm15:themeFamily xmlns:thm15="http://schemas.microsoft.com/office/thememl/2012/main" xmlns="" name="Office Theme" id="{62F939B6-93AF-4DB8-9C6B-D6C7DFDC589F}" vid="{4A3C46E8-61CC-4603-A589-7422A47A8E4A}"/>
+      <thm15:themeFamily xmlns="" xmlns:thm15="http://schemas.microsoft.com/office/thememl/2012/main" name="Office Theme" id="{62F939B6-93AF-4DB8-9C6B-D6C7DFDC589F}" vid="{4A3C46E8-61CC-4603-A589-7422A47A8E4A}"/>
     </a:ext>
   </a:extLst>
 </a:theme>

--- a/专题研究/晨会主题/201904财务自由.pptx
+++ b/专题研究/晨会主题/201904财务自由.pptx
@@ -13,8 +13,8 @@
     <p:sldId id="259" r:id="rId4"/>
     <p:sldId id="2444" r:id="rId5"/>
     <p:sldId id="2445" r:id="rId6"/>
-    <p:sldId id="2403" r:id="rId7"/>
-    <p:sldId id="2441" r:id="rId8"/>
+    <p:sldId id="2441" r:id="rId7"/>
+    <p:sldId id="2403" r:id="rId8"/>
     <p:sldId id="2439" r:id="rId9"/>
     <p:sldId id="2442" r:id="rId10"/>
     <p:sldId id="2432" r:id="rId11"/>
@@ -123,7 +123,7 @@
   </p:defaultTextStyle>
   <p:extLst>
     <p:ext uri="{521415D9-36F7-43E2-AB2F-B90AF26B5E84}">
-      <p14:sectionLst xmlns="" xmlns:p14="http://schemas.microsoft.com/office/powerpoint/2010/main">
+      <p14:sectionLst xmlns:p14="http://schemas.microsoft.com/office/powerpoint/2010/main" xmlns="">
         <p14:section name="封面" id="{D7D87A2E-EAB7-4E0B-91AB-5997C8278163}">
           <p14:sldIdLst>
             <p14:sldId id="2404"/>
@@ -161,7 +161,7 @@
       </p14:sectionLst>
     </p:ext>
     <p:ext uri="{EFAFB233-063F-42B5-8137-9DF3F51BA10A}">
-      <p15:sldGuideLst xmlns="" xmlns:p15="http://schemas.microsoft.com/office/powerpoint/2012/main">
+      <p15:sldGuideLst xmlns:p15="http://schemas.microsoft.com/office/powerpoint/2012/main" xmlns="">
         <p15:guide id="2" pos="3840" userDrawn="1">
           <p15:clr>
             <a:srgbClr val="A4A3A4"/>
@@ -266,7 +266,7 @@
             <a:fld id="{B0728DFB-0508-4D26-AE5C-71BF0E2783C5}" type="datetimeFigureOut">
               <a:rPr lang="zh-CN" altLang="en-US" smtClean="0"/>
               <a:pPr/>
-              <a:t>2019/4/24</a:t>
+              <a:t>2019/4/25</a:t>
             </a:fld>
             <a:endParaRPr lang="zh-CN" altLang="en-US"/>
           </a:p>
@@ -434,7 +434,7 @@
     </p:spTree>
     <p:extLst>
       <p:ext uri="{BB962C8B-B14F-4D97-AF65-F5344CB8AC3E}">
-        <p14:creationId xmlns="" xmlns:p14="http://schemas.microsoft.com/office/powerpoint/2010/main" val="3786332847"/>
+        <p14:creationId xmlns:p14="http://schemas.microsoft.com/office/powerpoint/2010/main" xmlns="" val="3786332847"/>
       </p:ext>
     </p:extLst>
   </p:cSld>
@@ -697,13 +697,40 @@
           </a:bodyPr>
           <a:lstStyle/>
           <a:p>
+            <a:pPr marL="0" marR="0" indent="0" algn="l" defTabSz="914400" rtl="0" eaLnBrk="1" fontAlgn="auto" latinLnBrk="0" hangingPunct="1">
+              <a:lnSpc>
+                <a:spcPct val="100000"/>
+              </a:lnSpc>
+              <a:spcBef>
+                <a:spcPts val="0"/>
+              </a:spcBef>
+              <a:spcAft>
+                <a:spcPts val="0"/>
+              </a:spcAft>
+              <a:buClrTx/>
+              <a:buSzTx/>
+              <a:buFontTx/>
+              <a:buNone/>
+              <a:tabLst/>
+              <a:defRPr/>
+            </a:pPr>
+            <a:r>
+              <a:rPr lang="zh-CN" altLang="en-US" dirty="0" smtClean="0"/>
+              <a:t>一千个读者有一千个哈姆雷特。我们为什么要追求财务自由？</a:t>
+            </a:r>
+            <a:r>
+              <a:rPr lang="zh-CN" altLang="en-US" sz="1200" b="1" dirty="0" smtClean="0"/>
+              <a:t>让感情回归纯粹，不为钱所累，爱好回归乐趣，不为钱折腰，活成自己喜欢的样子，让消费回归享受，不为钱所苦。</a:t>
+            </a:r>
+          </a:p>
+          <a:p>
             <a:r>
               <a:rPr lang="en-US" altLang="zh-CN" dirty="0" smtClean="0"/>
               <a:t>1</a:t>
             </a:r>
             <a:r>
               <a:rPr lang="zh-CN" altLang="en-US" dirty="0" smtClean="0"/>
-              <a:t>、最重要的投资就是投资自己的人生，其中投资的关键就是选择自己热爱的事业（生活愿景），事业不是职业，要区分。</a:t>
+              <a:t>、</a:t>
             </a:r>
             <a:r>
               <a:rPr lang="zh-CN" altLang="en-US" sz="1200" b="0" i="0" kern="1200" dirty="0" smtClean="0">
@@ -714,7 +741,18 @@
                 <a:ea typeface="+mn-ea"/>
                 <a:cs typeface="+mn-cs"/>
               </a:rPr>
-              <a:t>憧憬你今后想要的人生，根据你的人生价值观找到你认为必须要完成的事，在它身上下功夫，就是对自己人生的一种投资。</a:t>
+              <a:t>所谓自由，就是一个人可以按自己的意愿去生活，自己给自己作主</a:t>
+            </a:r>
+            <a:r>
+              <a:rPr lang="zh-CN" altLang="en-US" sz="1200" b="0" i="0" kern="1200" dirty="0" smtClean="0">
+                <a:solidFill>
+                  <a:schemeClr val="tx1"/>
+                </a:solidFill>
+                <a:latin typeface="+mn-lt"/>
+                <a:ea typeface="+mn-ea"/>
+                <a:cs typeface="+mn-cs"/>
+              </a:rPr>
+              <a:t>。</a:t>
             </a:r>
             <a:endParaRPr lang="en-US" altLang="zh-CN" sz="1200" b="0" i="0" kern="1200" dirty="0" smtClean="0">
               <a:solidFill>
@@ -746,7 +784,184 @@
                 <a:ea typeface="+mn-ea"/>
                 <a:cs typeface="+mn-cs"/>
               </a:rPr>
-              <a:t>、大部分人是“干一行，爱一行”，在职业工作中投入热情，让职业变成了自己的事业。职业获得薪酬，事业获得成就。</a:t>
+              <a:t>、生命</a:t>
+            </a:r>
+            <a:r>
+              <a:rPr lang="zh-CN" altLang="en-US" sz="1200" b="0" i="0" kern="1200" dirty="0" smtClean="0">
+                <a:solidFill>
+                  <a:schemeClr val="tx1"/>
+                </a:solidFill>
+                <a:latin typeface="+mn-lt"/>
+                <a:ea typeface="+mn-ea"/>
+                <a:cs typeface="+mn-cs"/>
+              </a:rPr>
+              <a:t>诚可贵，爱情价更高。若为自由故，二者皆可抛</a:t>
+            </a:r>
+            <a:r>
+              <a:rPr lang="zh-CN" altLang="en-US" sz="1200" b="0" i="0" kern="1200" dirty="0" smtClean="0">
+                <a:solidFill>
+                  <a:schemeClr val="tx1"/>
+                </a:solidFill>
+                <a:latin typeface="+mn-lt"/>
+                <a:ea typeface="+mn-ea"/>
+                <a:cs typeface="+mn-cs"/>
+              </a:rPr>
+              <a:t>。</a:t>
+            </a:r>
+            <a:r>
+              <a:rPr lang="zh-CN" altLang="en-US" dirty="0" smtClean="0"/>
+              <a:t>人生</a:t>
+            </a:r>
+            <a:r>
+              <a:rPr lang="zh-CN" altLang="en-US" dirty="0" smtClean="0"/>
+              <a:t>三大终极目标</a:t>
+            </a:r>
+            <a:r>
+              <a:rPr lang="zh-CN" altLang="en-US" dirty="0" smtClean="0"/>
+              <a:t>：</a:t>
+            </a:r>
+            <a:r>
+              <a:rPr lang="zh-CN" altLang="en-US" sz="1200" b="1" i="0" kern="1200" dirty="0" smtClean="0">
+                <a:solidFill>
+                  <a:schemeClr val="tx1"/>
+                </a:solidFill>
+                <a:latin typeface="+mn-lt"/>
+                <a:ea typeface="+mn-ea"/>
+                <a:cs typeface="+mn-cs"/>
+              </a:rPr>
+              <a:t>财务</a:t>
+            </a:r>
+            <a:r>
+              <a:rPr lang="zh-CN" altLang="en-US" sz="1200" b="1" i="0" kern="1200" dirty="0" smtClean="0">
+                <a:solidFill>
+                  <a:schemeClr val="tx1"/>
+                </a:solidFill>
+                <a:latin typeface="+mn-lt"/>
+                <a:ea typeface="+mn-ea"/>
+                <a:cs typeface="+mn-cs"/>
+              </a:rPr>
+              <a:t>自由：</a:t>
+            </a:r>
+            <a:r>
+              <a:rPr lang="zh-CN" altLang="en-US" sz="1200" b="0" i="0" kern="1200" dirty="0" smtClean="0">
+                <a:solidFill>
+                  <a:schemeClr val="tx1"/>
+                </a:solidFill>
+                <a:latin typeface="+mn-lt"/>
+                <a:ea typeface="+mn-ea"/>
+                <a:cs typeface="+mn-cs"/>
+              </a:rPr>
+              <a:t>有足够</a:t>
+            </a:r>
+            <a:r>
+              <a:rPr lang="zh-CN" altLang="en-US" sz="1200" b="0" i="0" kern="1200" dirty="0" smtClean="0">
+                <a:solidFill>
+                  <a:schemeClr val="tx1"/>
+                </a:solidFill>
+                <a:latin typeface="+mn-lt"/>
+                <a:ea typeface="+mn-ea"/>
+                <a:cs typeface="+mn-cs"/>
+              </a:rPr>
+              <a:t>金钱支持生活所需，</a:t>
+            </a:r>
+            <a:r>
+              <a:rPr lang="zh-CN" altLang="en-US" sz="1200" b="0" i="0" kern="1200" dirty="0" smtClean="0">
+                <a:solidFill>
+                  <a:schemeClr val="tx1"/>
+                </a:solidFill>
+                <a:latin typeface="+mn-lt"/>
+                <a:ea typeface="+mn-ea"/>
+                <a:cs typeface="+mn-cs"/>
+              </a:rPr>
+              <a:t>需要用钱时不用发愁</a:t>
+            </a:r>
+            <a:r>
+              <a:rPr lang="zh-CN" altLang="en-US" sz="1200" b="0" i="0" kern="1200" dirty="0" smtClean="0">
+                <a:solidFill>
+                  <a:schemeClr val="tx1"/>
+                </a:solidFill>
+                <a:latin typeface="+mn-lt"/>
+                <a:ea typeface="+mn-ea"/>
+                <a:cs typeface="+mn-cs"/>
+              </a:rPr>
+              <a:t>；</a:t>
+            </a:r>
+            <a:r>
+              <a:rPr lang="zh-CN" altLang="en-US" sz="1200" b="1" i="0" kern="1200" dirty="0" smtClean="0">
+                <a:solidFill>
+                  <a:schemeClr val="tx1"/>
+                </a:solidFill>
+                <a:latin typeface="+mn-lt"/>
+                <a:ea typeface="+mn-ea"/>
+                <a:cs typeface="+mn-cs"/>
+              </a:rPr>
+              <a:t>时间</a:t>
+            </a:r>
+            <a:r>
+              <a:rPr lang="zh-CN" altLang="en-US" sz="1200" b="1" i="0" kern="1200" dirty="0" smtClean="0">
+                <a:solidFill>
+                  <a:schemeClr val="tx1"/>
+                </a:solidFill>
+                <a:latin typeface="+mn-lt"/>
+                <a:ea typeface="+mn-ea"/>
+                <a:cs typeface="+mn-cs"/>
+              </a:rPr>
+              <a:t>自由：</a:t>
+            </a:r>
+            <a:r>
+              <a:rPr lang="zh-CN" altLang="en-US" sz="1200" b="0" i="0" kern="1200" dirty="0" smtClean="0">
+                <a:solidFill>
+                  <a:schemeClr val="tx1"/>
+                </a:solidFill>
+                <a:latin typeface="+mn-lt"/>
+                <a:ea typeface="+mn-ea"/>
+                <a:cs typeface="+mn-cs"/>
+              </a:rPr>
+              <a:t>有可支配时间，可以灵活安排工作、休息和娱乐</a:t>
+            </a:r>
+            <a:r>
+              <a:rPr lang="zh-CN" altLang="en-US" sz="1200" b="0" i="0" kern="1200" dirty="0" smtClean="0">
+                <a:solidFill>
+                  <a:schemeClr val="tx1"/>
+                </a:solidFill>
+                <a:latin typeface="+mn-lt"/>
+                <a:ea typeface="+mn-ea"/>
+                <a:cs typeface="+mn-cs"/>
+              </a:rPr>
+              <a:t>；</a:t>
+            </a:r>
+            <a:r>
+              <a:rPr lang="zh-CN" altLang="en-US" sz="1200" b="1" i="0" kern="1200" dirty="0" smtClean="0">
+                <a:solidFill>
+                  <a:schemeClr val="tx1"/>
+                </a:solidFill>
+                <a:latin typeface="+mn-lt"/>
+                <a:ea typeface="+mn-ea"/>
+                <a:cs typeface="+mn-cs"/>
+              </a:rPr>
+              <a:t>心灵</a:t>
+            </a:r>
+            <a:r>
+              <a:rPr lang="zh-CN" altLang="en-US" sz="1200" b="1" i="0" kern="1200" dirty="0" smtClean="0">
+                <a:solidFill>
+                  <a:schemeClr val="tx1"/>
+                </a:solidFill>
+                <a:latin typeface="+mn-lt"/>
+                <a:ea typeface="+mn-ea"/>
+                <a:cs typeface="+mn-cs"/>
+              </a:rPr>
+              <a:t>自由：</a:t>
+            </a:r>
+            <a:r>
+              <a:rPr lang="zh-CN" altLang="en-US" sz="1200" b="0" i="0" kern="1200" dirty="0" smtClean="0">
+                <a:solidFill>
+                  <a:schemeClr val="tx1"/>
+                </a:solidFill>
+                <a:latin typeface="+mn-lt"/>
+                <a:ea typeface="+mn-ea"/>
+                <a:cs typeface="+mn-cs"/>
+              </a:rPr>
+              <a:t>跟随内心，不让梦想憋屈。</a:t>
             </a:r>
             <a:endParaRPr lang="en-US" altLang="zh-CN" sz="1200" b="0" i="0" kern="1200" dirty="0" smtClean="0">
               <a:solidFill>
@@ -778,19 +993,12 @@
                 <a:ea typeface="+mn-ea"/>
                 <a:cs typeface="+mn-cs"/>
               </a:rPr>
-              <a:t>、你为别人工作。就像为工资而工作的大多数人一样，你的工作只会使雇主或股东更加富有，你的努力和成功将使雇主更加成功并得以提前退休。</a:t>
-            </a:r>
+              <a:t>、再回头看到“财务自由”这几个字，原来说的是不是财务，而是自由。</a:t>
+            </a:r>
+            <a:endParaRPr lang="en-US" altLang="zh-CN" dirty="0" smtClean="0"/>
           </a:p>
           <a:p>
-            <a:r>
-              <a:rPr lang="en-US" altLang="zh-CN" dirty="0" smtClean="0"/>
-              <a:t>4</a:t>
-            </a:r>
-            <a:r>
-              <a:rPr lang="zh-CN" altLang="en-US" dirty="0" smtClean="0"/>
-              <a:t>、创造财务自由的三大原则：创造资产、减少负债、管理日常开支</a:t>
-            </a:r>
-            <a:endParaRPr lang="zh-CN" altLang="en-US" dirty="0"/>
+            <a:endParaRPr lang="en-US" altLang="zh-CN" dirty="0" smtClean="0"/>
           </a:p>
         </p:txBody>
       </p:sp>
@@ -812,7 +1020,7 @@
             <a:fld id="{A82FCF1A-DE1D-4A03-B432-41B70649DC02}" type="slidenum">
               <a:rPr lang="zh-CN" altLang="en-US" smtClean="0"/>
               <a:pPr/>
-              <a:t>11</a:t>
+              <a:t>10</a:t>
             </a:fld>
             <a:endParaRPr lang="zh-CN" altLang="en-US"/>
           </a:p>
@@ -853,12 +1061,7 @@
             <p:ph type="sldImg"/>
           </p:nvPr>
         </p:nvSpPr>
-        <p:spPr>
-          <a:xfrm>
-            <a:off x="685800" y="1143000"/>
-            <a:ext cx="5486400" cy="3086100"/>
-          </a:xfrm>
-        </p:spPr>
+        <p:spPr/>
       </p:sp>
       <p:sp>
         <p:nvSpPr>
@@ -877,7 +1080,44 @@
           </a:bodyPr>
           <a:lstStyle/>
           <a:p>
-            <a:endParaRPr lang="zh-CN" altLang="en-US" sz="1200" b="0" i="0" kern="1200" dirty="0" smtClean="0">
+            <a:r>
+              <a:rPr lang="zh-CN" altLang="en-US" dirty="0" smtClean="0"/>
+              <a:t>如何实现财务自由？</a:t>
+            </a:r>
+            <a:endParaRPr lang="en-US" altLang="zh-CN" dirty="0" smtClean="0"/>
+          </a:p>
+          <a:p>
+            <a:r>
+              <a:rPr lang="en-US" altLang="zh-CN" dirty="0" smtClean="0"/>
+              <a:t>1</a:t>
+            </a:r>
+            <a:r>
+              <a:rPr lang="zh-CN" altLang="en-US" dirty="0" smtClean="0"/>
+              <a:t>、最重要的投资就是投资自己的人生，其中投资的关键就是选择自己热爱的事业（生活愿景），事业不是职业，要区分。</a:t>
+            </a:r>
+            <a:r>
+              <a:rPr lang="zh-CN" altLang="en-US" sz="1200" b="0" i="0" kern="1200" dirty="0" smtClean="0">
+                <a:solidFill>
+                  <a:schemeClr val="tx1"/>
+                </a:solidFill>
+                <a:latin typeface="+mn-lt"/>
+                <a:ea typeface="+mn-ea"/>
+                <a:cs typeface="+mn-cs"/>
+              </a:rPr>
+              <a:t>憧憬你今后想要的人生，根据你的人生价值观找到你认为必须要完成的事，在它身上下功夫，就是对自己人生的一种投资</a:t>
+            </a:r>
+            <a:r>
+              <a:rPr lang="zh-CN" altLang="en-US" sz="1200" b="0" i="0" kern="1200" dirty="0" smtClean="0">
+                <a:solidFill>
+                  <a:schemeClr val="tx1"/>
+                </a:solidFill>
+                <a:latin typeface="+mn-lt"/>
+                <a:ea typeface="+mn-ea"/>
+                <a:cs typeface="+mn-cs"/>
+              </a:rPr>
+              <a:t>。在自己收入不高，财产不够丰厚的时候，适当的经营自己，规划配置资产，尽可能的减少对未来不确定性的恐惧，才能更好的享受生活，接近财务自由。</a:t>
+            </a:r>
+            <a:endParaRPr lang="en-US" altLang="zh-CN" sz="1200" b="0" i="0" kern="1200" dirty="0" smtClean="0">
               <a:solidFill>
                 <a:schemeClr val="tx1"/>
               </a:solidFill>
@@ -885,6 +1125,110 @@
               <a:ea typeface="+mn-ea"/>
               <a:cs typeface="+mn-cs"/>
             </a:endParaRPr>
+          </a:p>
+          <a:p>
+            <a:r>
+              <a:rPr lang="en-US" altLang="zh-CN" sz="1200" b="0" i="0" kern="1200" dirty="0" smtClean="0">
+                <a:solidFill>
+                  <a:schemeClr val="tx1"/>
+                </a:solidFill>
+                <a:latin typeface="+mn-lt"/>
+                <a:ea typeface="+mn-ea"/>
+                <a:cs typeface="+mn-cs"/>
+              </a:rPr>
+              <a:t>2</a:t>
+            </a:r>
+            <a:r>
+              <a:rPr lang="zh-CN" altLang="en-US" sz="1200" b="0" i="0" kern="1200" dirty="0" smtClean="0">
+                <a:solidFill>
+                  <a:schemeClr val="tx1"/>
+                </a:solidFill>
+                <a:latin typeface="+mn-lt"/>
+                <a:ea typeface="+mn-ea"/>
+                <a:cs typeface="+mn-cs"/>
+              </a:rPr>
+              <a:t>、财务自由并没有硬性规定，只是它能让你有多少选择，你就有多大的财务自由。中午可以选择吃十元的盒饭还是十五的盖饭，这也是一种财务自由。我们都在这个世界的泥土里奋力腾挪，给自己创造更大的喘息空间。</a:t>
+            </a:r>
+            <a:endParaRPr lang="en-US" altLang="zh-CN" sz="1200" b="0" i="0" kern="1200" dirty="0" smtClean="0">
+              <a:solidFill>
+                <a:schemeClr val="tx1"/>
+              </a:solidFill>
+              <a:latin typeface="+mn-lt"/>
+              <a:ea typeface="+mn-ea"/>
+              <a:cs typeface="+mn-cs"/>
+            </a:endParaRPr>
+          </a:p>
+          <a:p>
+            <a:r>
+              <a:rPr lang="en-US" altLang="zh-CN" sz="1200" b="0" i="0" kern="1200" dirty="0" smtClean="0">
+                <a:solidFill>
+                  <a:schemeClr val="tx1"/>
+                </a:solidFill>
+                <a:latin typeface="+mn-lt"/>
+                <a:ea typeface="+mn-ea"/>
+                <a:cs typeface="+mn-cs"/>
+              </a:rPr>
+              <a:t>3</a:t>
+            </a:r>
+            <a:r>
+              <a:rPr lang="zh-CN" altLang="en-US" sz="1200" b="0" i="0" kern="1200" dirty="0" smtClean="0">
+                <a:solidFill>
+                  <a:schemeClr val="tx1"/>
+                </a:solidFill>
+                <a:latin typeface="+mn-lt"/>
+                <a:ea typeface="+mn-ea"/>
+                <a:cs typeface="+mn-cs"/>
+              </a:rPr>
+              <a:t>、</a:t>
+            </a:r>
+            <a:r>
+              <a:rPr lang="zh-CN" altLang="en-US" sz="1200" b="0" i="0" kern="1200" dirty="0" smtClean="0">
+                <a:solidFill>
+                  <a:schemeClr val="tx1"/>
+                </a:solidFill>
+                <a:latin typeface="+mn-lt"/>
+                <a:ea typeface="+mn-ea"/>
+                <a:cs typeface="+mn-cs"/>
+              </a:rPr>
+              <a:t>大部分人是“干一行，爱一行”，在职业工作中投入热情，让职业变成了自己的事业。职业获得薪酬，事业获得成就</a:t>
+            </a:r>
+            <a:r>
+              <a:rPr lang="zh-CN" altLang="en-US" sz="1200" b="0" i="0" kern="1200" dirty="0" smtClean="0">
+                <a:solidFill>
+                  <a:schemeClr val="tx1"/>
+                </a:solidFill>
+                <a:latin typeface="+mn-lt"/>
+                <a:ea typeface="+mn-ea"/>
+                <a:cs typeface="+mn-cs"/>
+              </a:rPr>
+              <a:t>。你</a:t>
+            </a:r>
+            <a:r>
+              <a:rPr lang="zh-CN" altLang="en-US" sz="1200" b="0" i="0" kern="1200" dirty="0" smtClean="0">
+                <a:solidFill>
+                  <a:schemeClr val="tx1"/>
+                </a:solidFill>
+                <a:latin typeface="+mn-lt"/>
+                <a:ea typeface="+mn-ea"/>
+                <a:cs typeface="+mn-cs"/>
+              </a:rPr>
+              <a:t>为别人工作。就像为工资而工作的大多数人一样，你的工作只会使雇主或股东更加富有，你的努力和成功将使雇主更加成功并得以提前退休。</a:t>
+            </a:r>
+          </a:p>
+          <a:p>
+            <a:r>
+              <a:rPr lang="en-US" altLang="zh-CN" dirty="0" smtClean="0"/>
+              <a:t>4</a:t>
+            </a:r>
+            <a:r>
+              <a:rPr lang="zh-CN" altLang="en-US" dirty="0" smtClean="0"/>
+              <a:t>、创造财务自由的三大原则：创造资产、减少负债、管理日常</a:t>
+            </a:r>
+            <a:r>
+              <a:rPr lang="zh-CN" altLang="en-US" dirty="0" smtClean="0"/>
+              <a:t>开支。</a:t>
+            </a:r>
+            <a:endParaRPr lang="zh-CN" altLang="en-US" dirty="0"/>
           </a:p>
         </p:txBody>
       </p:sp>
@@ -906,7 +1250,7 @@
             <a:fld id="{A82FCF1A-DE1D-4A03-B432-41B70649DC02}" type="slidenum">
               <a:rPr lang="zh-CN" altLang="en-US" smtClean="0"/>
               <a:pPr/>
-              <a:t>12</a:t>
+              <a:t>11</a:t>
             </a:fld>
             <a:endParaRPr lang="zh-CN" altLang="en-US"/>
           </a:p>
@@ -972,6 +1316,198 @@
           <a:lstStyle/>
           <a:p>
             <a:r>
+              <a:rPr lang="zh-CN" altLang="en-US" sz="1200" b="0" i="0" kern="1200" dirty="0" smtClean="0">
+                <a:solidFill>
+                  <a:schemeClr val="tx1"/>
+                </a:solidFill>
+                <a:latin typeface="+mn-lt"/>
+                <a:ea typeface="+mn-ea"/>
+                <a:cs typeface="+mn-cs"/>
+              </a:rPr>
+              <a:t>所以如何理财，如何投资，是实现财务自由的第一要素。</a:t>
+            </a:r>
+          </a:p>
+          <a:p>
+            <a:r>
+              <a:rPr lang="zh-CN" altLang="en-US" sz="1200" b="0" i="0" kern="1200" dirty="0" smtClean="0">
+                <a:solidFill>
+                  <a:schemeClr val="tx1"/>
+                </a:solidFill>
+                <a:latin typeface="+mn-lt"/>
+                <a:ea typeface="+mn-ea"/>
+                <a:cs typeface="+mn-cs"/>
+              </a:rPr>
+              <a:t>我们首先要做的，是认识自己的收入，然后计划开支，同时给出一定份额的储蓄用来投资。运营分配自身的资产，可以在获得巨大成就感的同时，对自身能力和抗风险能力有足够清晰的认识，这些都是实现财务自由的先决条件。</a:t>
+            </a:r>
+          </a:p>
+          <a:p>
+            <a:r>
+              <a:rPr lang="zh-CN" altLang="en-US" sz="1200" b="0" i="0" kern="1200" dirty="0" smtClean="0">
+                <a:solidFill>
+                  <a:schemeClr val="tx1"/>
+                </a:solidFill>
+                <a:latin typeface="+mn-lt"/>
+                <a:ea typeface="+mn-ea"/>
+                <a:cs typeface="+mn-cs"/>
+              </a:rPr>
+              <a:t>而投资可选的余地就有许多，但不建议年轻人在拥有一定资本前就去投资风险高收益高的产品，如股票、基金、私募等，这极容易产生赌博心理，对自制力不强或还在整理自身资产初期的人群造成经济崩盘，财务自由彻底成为美梦。</a:t>
+            </a:r>
+          </a:p>
+          <a:p>
+            <a:r>
+              <a:rPr lang="zh-CN" altLang="en-US" sz="1200" b="0" i="0" kern="1200" dirty="0" smtClean="0">
+                <a:solidFill>
+                  <a:schemeClr val="tx1"/>
+                </a:solidFill>
+                <a:latin typeface="+mn-lt"/>
+                <a:ea typeface="+mn-ea"/>
+                <a:cs typeface="+mn-cs"/>
+              </a:rPr>
+              <a:t>而银行余额宝等货币基金虽然稳定，但收益低，难以看作是一项值得期待的收入。所以应对初入门理财的人群，首选还是稳定和收益较为综合的</a:t>
+            </a:r>
+            <a:r>
+              <a:rPr lang="en-US" altLang="zh-CN" sz="1200" b="0" i="0" kern="1200" dirty="0" smtClean="0">
+                <a:solidFill>
+                  <a:schemeClr val="tx1"/>
+                </a:solidFill>
+                <a:latin typeface="+mn-lt"/>
+                <a:ea typeface="+mn-ea"/>
+                <a:cs typeface="+mn-cs"/>
+              </a:rPr>
+              <a:t>p2p</a:t>
+            </a:r>
+            <a:r>
+              <a:rPr lang="zh-CN" altLang="en-US" sz="1200" b="0" i="0" kern="1200" dirty="0" smtClean="0">
+                <a:solidFill>
+                  <a:schemeClr val="tx1"/>
+                </a:solidFill>
+                <a:latin typeface="+mn-lt"/>
+                <a:ea typeface="+mn-ea"/>
+                <a:cs typeface="+mn-cs"/>
+              </a:rPr>
+              <a:t>平台收益最高。分篮子投蛋，计算收益比，这都能让自身对经济的把控能力上几个台阶。</a:t>
+            </a:r>
+          </a:p>
+          <a:p>
+            <a:r>
+              <a:rPr lang="zh-CN" altLang="en-US" sz="1200" b="0" i="0" kern="1200" dirty="0" smtClean="0">
+                <a:solidFill>
+                  <a:schemeClr val="tx1"/>
+                </a:solidFill>
+                <a:latin typeface="+mn-lt"/>
+                <a:ea typeface="+mn-ea"/>
+                <a:cs typeface="+mn-cs"/>
+              </a:rPr>
+              <a:t>但千万要记住，无论何种投资，都必须给自己存下至少一个季度的应急款项，这份钱可以放在余额宝，可以放在银行，这笔钱的意义在于投资风险发生后，自己还有至少一个季度的时间可以继续积累，而不会堕入负资产漩涡。这份安全感非常重要。</a:t>
+            </a:r>
+          </a:p>
+          <a:p>
+            <a:r>
+              <a:rPr lang="zh-CN" altLang="en-US" sz="1200" b="0" i="0" kern="1200" dirty="0" smtClean="0">
+                <a:solidFill>
+                  <a:schemeClr val="tx1"/>
+                </a:solidFill>
+                <a:latin typeface="+mn-lt"/>
+                <a:ea typeface="+mn-ea"/>
+                <a:cs typeface="+mn-cs"/>
+              </a:rPr>
+              <a:t>开源和节流并进，在积累投资经验的同时，积累自身原始资本，一步步扩大自身投资比例，多项多种投资，逐步可以依靠理财的钱解决生活成本，缓慢配置自身所需，从而实现自身的财务自由。</a:t>
+            </a:r>
+            <a:endParaRPr lang="zh-CN" altLang="en-US" sz="1200" b="0" i="0" kern="1200" dirty="0" smtClean="0">
+              <a:solidFill>
+                <a:schemeClr val="tx1"/>
+              </a:solidFill>
+              <a:latin typeface="+mn-lt"/>
+              <a:ea typeface="+mn-ea"/>
+              <a:cs typeface="+mn-cs"/>
+            </a:endParaRPr>
+          </a:p>
+        </p:txBody>
+      </p:sp>
+      <p:sp>
+        <p:nvSpPr>
+          <p:cNvPr id="4" name="灯片编号占位符 3"/>
+          <p:cNvSpPr>
+            <a:spLocks noGrp="1"/>
+          </p:cNvSpPr>
+          <p:nvPr>
+            <p:ph type="sldNum" sz="quarter" idx="10"/>
+          </p:nvPr>
+        </p:nvSpPr>
+        <p:spPr/>
+        <p:txBody>
+          <a:bodyPr/>
+          <a:lstStyle/>
+          <a:p>
+            <a:fld id="{A82FCF1A-DE1D-4A03-B432-41B70649DC02}" type="slidenum">
+              <a:rPr lang="zh-CN" altLang="en-US" smtClean="0"/>
+              <a:pPr/>
+              <a:t>12</a:t>
+            </a:fld>
+            <a:endParaRPr lang="zh-CN" altLang="en-US"/>
+          </a:p>
+        </p:txBody>
+      </p:sp>
+    </p:spTree>
+  </p:cSld>
+  <p:clrMapOvr>
+    <a:masterClrMapping/>
+  </p:clrMapOvr>
+</p:notes>
+</file>
+
+<file path=ppt/notesSlides/notesSlide13.xml><?xml version="1.0" encoding="utf-8"?>
+<p:notes xmlns:a="http://schemas.openxmlformats.org/drawingml/2006/main" xmlns:r="http://schemas.openxmlformats.org/officeDocument/2006/relationships" xmlns:p="http://schemas.openxmlformats.org/presentationml/2006/main">
+  <p:cSld>
+    <p:spTree>
+      <p:nvGrpSpPr>
+        <p:cNvPr id="1" name=""/>
+        <p:cNvGrpSpPr/>
+        <p:nvPr/>
+      </p:nvGrpSpPr>
+      <p:grpSpPr>
+        <a:xfrm>
+          <a:off x="0" y="0"/>
+          <a:ext cx="0" cy="0"/>
+          <a:chOff x="0" y="0"/>
+          <a:chExt cx="0" cy="0"/>
+        </a:xfrm>
+      </p:grpSpPr>
+      <p:sp>
+        <p:nvSpPr>
+          <p:cNvPr id="2" name="幻灯片图像占位符 1"/>
+          <p:cNvSpPr>
+            <a:spLocks noGrp="1" noRot="1" noChangeAspect="1"/>
+          </p:cNvSpPr>
+          <p:nvPr>
+            <p:ph type="sldImg"/>
+          </p:nvPr>
+        </p:nvSpPr>
+        <p:spPr>
+          <a:xfrm>
+            <a:off x="685800" y="1143000"/>
+            <a:ext cx="5486400" cy="3086100"/>
+          </a:xfrm>
+        </p:spPr>
+      </p:sp>
+      <p:sp>
+        <p:nvSpPr>
+          <p:cNvPr id="3" name="备注占位符 2"/>
+          <p:cNvSpPr>
+            <a:spLocks noGrp="1"/>
+          </p:cNvSpPr>
+          <p:nvPr>
+            <p:ph type="body" idx="1"/>
+          </p:nvPr>
+        </p:nvSpPr>
+        <p:spPr/>
+        <p:txBody>
+          <a:bodyPr>
+            <a:normAutofit/>
+          </a:bodyPr>
+          <a:lstStyle/>
+          <a:p>
+            <a:r>
               <a:rPr lang="en-US" altLang="zh-CN" sz="1200" b="0" i="0" kern="1200" dirty="0" smtClean="0">
                 <a:solidFill>
                   <a:schemeClr val="tx1"/>
@@ -1013,12 +1549,10 @@
                 <a:ea typeface="+mn-ea"/>
                 <a:cs typeface="+mn-cs"/>
               </a:rPr>
-              <a:t>岁的女士突然之间茫然不知所措。</a:t>
-            </a:r>
-          </a:p>
-          <a:p>
-            <a:r>
-              <a:rPr lang="zh-CN" altLang="en-US" sz="1200" b="0" i="0" kern="1200" dirty="0" smtClean="0">
+              <a:t>岁的女士突然之间</a:t>
+            </a:r>
+            <a:r>
+              <a:rPr lang="zh-CN" altLang="en-US" sz="1200" b="0" i="0" kern="1200" smtClean="0">
                 <a:solidFill>
                   <a:schemeClr val="tx1"/>
                 </a:solidFill>
@@ -1026,7 +1560,29 @@
                 <a:ea typeface="+mn-ea"/>
                 <a:cs typeface="+mn-cs"/>
               </a:rPr>
-              <a:t>“我在收费站呆了十几年了，我从毕业就来收费站了，我除了收费，我什么也不会干呀。”</a:t>
+              <a:t>茫然不知所措</a:t>
+            </a:r>
+            <a:r>
+              <a:rPr lang="zh-CN" altLang="en-US" sz="1200" b="0" i="0" kern="1200" smtClean="0">
+                <a:solidFill>
+                  <a:schemeClr val="tx1"/>
+                </a:solidFill>
+                <a:latin typeface="+mn-lt"/>
+                <a:ea typeface="+mn-ea"/>
+                <a:cs typeface="+mn-cs"/>
+              </a:rPr>
+              <a:t>。“</a:t>
+            </a:r>
+            <a:r>
+              <a:rPr lang="zh-CN" altLang="en-US" sz="1200" b="0" i="0" kern="1200" dirty="0" smtClean="0">
+                <a:solidFill>
+                  <a:schemeClr val="tx1"/>
+                </a:solidFill>
+                <a:latin typeface="+mn-lt"/>
+                <a:ea typeface="+mn-ea"/>
+                <a:cs typeface="+mn-cs"/>
+              </a:rPr>
+              <a:t>我在收费站呆了十几年了，我从毕业就来收费站了，我除了收费，我什么也不会干呀。”</a:t>
             </a:r>
             <a:endParaRPr lang="en-US" altLang="zh-CN" sz="1200" b="0" i="0" kern="1200" dirty="0" smtClean="0">
               <a:solidFill>
@@ -1183,7 +1739,7 @@
           </a:p>
           <a:p>
             <a:r>
-              <a:rPr lang="zh-CN" altLang="en-US" sz="1200" b="0" i="0" kern="1200" dirty="0" smtClean="0">
+              <a:rPr lang="zh-CN" altLang="en-US" sz="1200" b="1" i="0" kern="1200" dirty="0" smtClean="0">
                 <a:solidFill>
                   <a:schemeClr val="tx1"/>
                 </a:solidFill>
@@ -1191,7 +1747,51 @@
                 <a:ea typeface="+mn-ea"/>
                 <a:cs typeface="+mn-cs"/>
               </a:rPr>
-              <a:t>做有钱阶级，不如做有闲阶级：在体面生活的基础上，不追求大富大贵，彻底的自由自在，有收入，有空闲时间，陪家人，做一些有意义的事情，还能做公益。这是一种“新幸福指数”。</a:t>
+              <a:t>良田万顷，日食一升</a:t>
+            </a:r>
+            <a:r>
+              <a:rPr lang="en-US" altLang="zh-CN" sz="1200" b="1" i="0" kern="1200" dirty="0" smtClean="0">
+                <a:solidFill>
+                  <a:schemeClr val="tx1"/>
+                </a:solidFill>
+                <a:latin typeface="+mn-lt"/>
+                <a:ea typeface="+mn-ea"/>
+                <a:cs typeface="+mn-cs"/>
+              </a:rPr>
+              <a:t>;</a:t>
+            </a:r>
+            <a:r>
+              <a:rPr lang="zh-CN" altLang="en-US" sz="1200" b="1" i="0" kern="1200" dirty="0" smtClean="0">
+                <a:solidFill>
+                  <a:schemeClr val="tx1"/>
+                </a:solidFill>
+                <a:latin typeface="+mn-lt"/>
+                <a:ea typeface="+mn-ea"/>
+                <a:cs typeface="+mn-cs"/>
+              </a:rPr>
+              <a:t>广厦千间，夜眠八尺</a:t>
+            </a:r>
+            <a:r>
+              <a:rPr lang="zh-CN" altLang="en-US" sz="1200" b="0" i="0" kern="1200" dirty="0" smtClean="0">
+                <a:solidFill>
+                  <a:schemeClr val="tx1"/>
+                </a:solidFill>
+                <a:latin typeface="+mn-lt"/>
+                <a:ea typeface="+mn-ea"/>
+                <a:cs typeface="+mn-cs"/>
+              </a:rPr>
+              <a:t>，</a:t>
+            </a:r>
+            <a:r>
+              <a:rPr lang="zh-CN" altLang="en-US" sz="1200" b="0" i="0" kern="1200" dirty="0" smtClean="0">
+                <a:solidFill>
+                  <a:schemeClr val="tx1"/>
+                </a:solidFill>
+                <a:latin typeface="+mn-lt"/>
+                <a:ea typeface="+mn-ea"/>
+                <a:cs typeface="+mn-cs"/>
+              </a:rPr>
+              <a:t>不追求大富大贵，彻底的自由自在，有收入，有空闲时间，陪家人，做一些有意义的事情，还能做公益。这是一种“新幸福指数”。</a:t>
             </a:r>
             <a:endParaRPr lang="en-US" altLang="zh-CN" sz="1200" b="0" i="0" kern="1200" dirty="0" smtClean="0">
               <a:solidFill>
@@ -1223,12 +1823,10 @@
                 <a:ea typeface="+mn-ea"/>
                 <a:cs typeface="+mn-cs"/>
               </a:rPr>
-              <a:t>、工作带来收入，兴趣带来价值感。</a:t>
-            </a:r>
-          </a:p>
-          <a:p>
-            <a:r>
-              <a:rPr lang="zh-CN" altLang="en-US" sz="1200" b="0" i="0" kern="1200" dirty="0" smtClean="0">
+              <a:t>、</a:t>
+            </a:r>
+            <a:r>
+              <a:rPr lang="zh-CN" altLang="en-US" sz="1200" b="1" i="0" kern="1200" dirty="0" smtClean="0">
                 <a:solidFill>
                   <a:schemeClr val="tx1"/>
                 </a:solidFill>
@@ -1236,10 +1834,8 @@
                 <a:ea typeface="+mn-ea"/>
                 <a:cs typeface="+mn-cs"/>
               </a:rPr>
-              <a:t>一份无法带来价值感的工作，你可能可以做一段时间，但无法坚持，更无法深入。</a:t>
-            </a:r>
-          </a:p>
-          <a:p>
+              <a:t>工作带来收入，兴趣带来价值感</a:t>
+            </a:r>
             <a:r>
               <a:rPr lang="zh-CN" altLang="en-US" sz="1200" b="0" i="0" kern="1200" dirty="0" smtClean="0">
                 <a:solidFill>
@@ -1249,10 +1845,8 @@
                 <a:ea typeface="+mn-ea"/>
                 <a:cs typeface="+mn-cs"/>
               </a:rPr>
-              <a:t>每一个人在一开始的时候，都不可能幸运地找到自己终其一生要从事的事业，这需要慢慢摸索。</a:t>
-            </a:r>
-          </a:p>
-          <a:p>
+              <a:t>。一</a:t>
+            </a:r>
             <a:r>
               <a:rPr lang="zh-CN" altLang="en-US" sz="1200" b="0" i="0" kern="1200" dirty="0" smtClean="0">
                 <a:solidFill>
@@ -1262,7 +1856,51 @@
                 <a:ea typeface="+mn-ea"/>
                 <a:cs typeface="+mn-cs"/>
               </a:rPr>
-              <a:t>但这摸索是必要的。如果你做一份自己丝毫不感兴趣的工作，你不仅会变得憋屈，而且经常自我贬低自己。</a:t>
+              <a:t>份无法带来价值感的工作，你可能可以做一段时间，但无法坚持，更无法深入</a:t>
+            </a:r>
+            <a:r>
+              <a:rPr lang="zh-CN" altLang="en-US" sz="1200" b="0" i="0" kern="1200" dirty="0" smtClean="0">
+                <a:solidFill>
+                  <a:schemeClr val="tx1"/>
+                </a:solidFill>
+                <a:latin typeface="+mn-lt"/>
+                <a:ea typeface="+mn-ea"/>
+                <a:cs typeface="+mn-cs"/>
+              </a:rPr>
+              <a:t>。每</a:t>
+            </a:r>
+            <a:r>
+              <a:rPr lang="zh-CN" altLang="en-US" sz="1200" b="0" i="0" kern="1200" dirty="0" smtClean="0">
+                <a:solidFill>
+                  <a:schemeClr val="tx1"/>
+                </a:solidFill>
+                <a:latin typeface="+mn-lt"/>
+                <a:ea typeface="+mn-ea"/>
+                <a:cs typeface="+mn-cs"/>
+              </a:rPr>
+              <a:t>一个人在一开始的时候，都不可能幸运地找到自己终其一生要从事的事业，这需要慢慢摸索</a:t>
+            </a:r>
+            <a:r>
+              <a:rPr lang="zh-CN" altLang="en-US" sz="1200" b="0" i="0" kern="1200" dirty="0" smtClean="0">
+                <a:solidFill>
+                  <a:schemeClr val="tx1"/>
+                </a:solidFill>
+                <a:latin typeface="+mn-lt"/>
+                <a:ea typeface="+mn-ea"/>
+                <a:cs typeface="+mn-cs"/>
+              </a:rPr>
+              <a:t>。但</a:t>
+            </a:r>
+            <a:r>
+              <a:rPr lang="zh-CN" altLang="en-US" sz="1200" b="0" i="0" kern="1200" dirty="0" smtClean="0">
+                <a:solidFill>
+                  <a:schemeClr val="tx1"/>
+                </a:solidFill>
+                <a:latin typeface="+mn-lt"/>
+                <a:ea typeface="+mn-ea"/>
+                <a:cs typeface="+mn-cs"/>
+              </a:rPr>
+              <a:t>这摸索是必要的。如果你做一份自己丝毫不感兴趣的工作，你不仅会变得憋屈，而且经常自我贬低自己。</a:t>
             </a:r>
           </a:p>
           <a:p>
@@ -1309,7 +1947,7 @@
 </p:notes>
 </file>
 
-<file path=ppt/notesSlides/notesSlide13.xml><?xml version="1.0" encoding="utf-8"?>
+<file path=ppt/notesSlides/notesSlide14.xml><?xml version="1.0" encoding="utf-8"?>
 <p:notes xmlns:a="http://schemas.openxmlformats.org/drawingml/2006/main" xmlns:r="http://schemas.openxmlformats.org/officeDocument/2006/relationships" xmlns:p="http://schemas.openxmlformats.org/presentationml/2006/main">
   <p:cSld>
     <p:spTree>
@@ -1354,30 +1992,6 @@
             <a:normAutofit/>
           </a:bodyPr>
           <a:lstStyle/>
-          <a:p>
-            <a:r>
-              <a:rPr lang="zh-CN" altLang="en-US" sz="1200" dirty="0" smtClean="0"/>
-              <a:t>金钱对我们没有任何用处，除非把它花掉。政府运行的各项经济政策，目标是让人民获得更好的生活。</a:t>
-            </a:r>
-            <a:endParaRPr lang="en-US" altLang="zh-CN" sz="1200" dirty="0" smtClean="0"/>
-          </a:p>
-          <a:p>
-            <a:r>
-              <a:rPr lang="zh-CN" altLang="en-US" sz="1200" dirty="0" smtClean="0"/>
-              <a:t>赚钱是用来花的，可能是你自己花掉，可能是你为家庭、父母、子女花</a:t>
-            </a:r>
-            <a:r>
-              <a:rPr lang="zh-CN" altLang="en-US" sz="1200" smtClean="0"/>
-              <a:t>掉。</a:t>
-            </a:r>
-            <a:endParaRPr lang="en-US" altLang="zh-CN" sz="1200" dirty="0" smtClean="0"/>
-          </a:p>
-          <a:p>
-            <a:r>
-              <a:rPr lang="zh-CN" altLang="en-US" sz="1200" dirty="0" smtClean="0"/>
-              <a:t>人类的终极目标是繁衍生息。</a:t>
-            </a:r>
-          </a:p>
           <a:p>
             <a:endParaRPr lang="zh-CN" altLang="en-US" dirty="0"/>
           </a:p>
@@ -1470,18 +2084,15 @@
             </a:r>
             <a:r>
               <a:rPr lang="zh-CN" altLang="en-US" dirty="0" smtClean="0"/>
-              <a:t>、财务自由似乎是一个比较浮躁的话题，但我今天分享的不是焦虑，我们怀着探讨的心态来了解财务自由这个主题。</a:t>
-            </a:r>
-            <a:endParaRPr lang="en-US" altLang="zh-CN" dirty="0" smtClean="0"/>
-          </a:p>
-          <a:p>
-            <a:r>
-              <a:rPr lang="en-US" altLang="zh-CN" dirty="0" smtClean="0"/>
-              <a:t>2</a:t>
+              <a:t>、财务自由似乎是一个比较浮躁的话题，但我今天分享的不是焦虑</a:t>
             </a:r>
             <a:r>
               <a:rPr lang="zh-CN" altLang="en-US" dirty="0" smtClean="0"/>
-              <a:t>、分享今天这个主题的目的是想和大家一起探讨和学习：什么是财务自由，为什么需要要财务自由，如何实现财务自由。</a:t>
+              <a:t>，今天</a:t>
+            </a:r>
+            <a:r>
+              <a:rPr lang="zh-CN" altLang="en-US" dirty="0" smtClean="0"/>
+              <a:t>这个主题的目的是想和大家一起探讨和学习：什么是财务自由，为什么需要要财务自由，如何实现财务自由。</a:t>
             </a:r>
             <a:endParaRPr lang="en-US" altLang="zh-CN" dirty="0" smtClean="0"/>
           </a:p>
@@ -1514,7 +2125,7 @@
     </p:spTree>
     <p:extLst>
       <p:ext uri="{BB962C8B-B14F-4D97-AF65-F5344CB8AC3E}">
-        <p14:creationId xmlns="" xmlns:p14="http://schemas.microsoft.com/office/powerpoint/2010/main" val="1012520732"/>
+        <p14:creationId xmlns:p14="http://schemas.microsoft.com/office/powerpoint/2010/main" xmlns="" val="1012520732"/>
       </p:ext>
     </p:extLst>
   </p:cSld>
@@ -1525,6 +2136,92 @@
 </file>
 
 <file path=ppt/notesSlides/notesSlide3.xml><?xml version="1.0" encoding="utf-8"?>
+<p:notes xmlns:a="http://schemas.openxmlformats.org/drawingml/2006/main" xmlns:r="http://schemas.openxmlformats.org/officeDocument/2006/relationships" xmlns:p="http://schemas.openxmlformats.org/presentationml/2006/main">
+  <p:cSld>
+    <p:spTree>
+      <p:nvGrpSpPr>
+        <p:cNvPr id="1" name=""/>
+        <p:cNvGrpSpPr/>
+        <p:nvPr/>
+      </p:nvGrpSpPr>
+      <p:grpSpPr>
+        <a:xfrm>
+          <a:off x="0" y="0"/>
+          <a:ext cx="0" cy="0"/>
+          <a:chOff x="0" y="0"/>
+          <a:chExt cx="0" cy="0"/>
+        </a:xfrm>
+      </p:grpSpPr>
+      <p:sp>
+        <p:nvSpPr>
+          <p:cNvPr id="2" name="幻灯片图像占位符 1"/>
+          <p:cNvSpPr>
+            <a:spLocks noGrp="1" noRot="1" noChangeAspect="1"/>
+          </p:cNvSpPr>
+          <p:nvPr>
+            <p:ph type="sldImg"/>
+          </p:nvPr>
+        </p:nvSpPr>
+        <p:spPr/>
+      </p:sp>
+      <p:sp>
+        <p:nvSpPr>
+          <p:cNvPr id="3" name="备注占位符 2"/>
+          <p:cNvSpPr>
+            <a:spLocks noGrp="1"/>
+          </p:cNvSpPr>
+          <p:nvPr>
+            <p:ph type="body" idx="1"/>
+          </p:nvPr>
+        </p:nvSpPr>
+        <p:spPr/>
+        <p:txBody>
+          <a:bodyPr>
+            <a:normAutofit/>
+          </a:bodyPr>
+          <a:lstStyle/>
+          <a:p>
+            <a:r>
+              <a:rPr lang="zh-CN" altLang="en-US" dirty="0" smtClean="0"/>
+              <a:t>我会分四个部分来分享财务自由的内容。</a:t>
+            </a:r>
+            <a:endParaRPr lang="zh-CN" altLang="en-US" dirty="0"/>
+          </a:p>
+        </p:txBody>
+      </p:sp>
+      <p:sp>
+        <p:nvSpPr>
+          <p:cNvPr id="4" name="灯片编号占位符 3"/>
+          <p:cNvSpPr>
+            <a:spLocks noGrp="1"/>
+          </p:cNvSpPr>
+          <p:nvPr>
+            <p:ph type="sldNum" sz="quarter" idx="10"/>
+          </p:nvPr>
+        </p:nvSpPr>
+        <p:spPr/>
+        <p:txBody>
+          <a:bodyPr/>
+          <a:lstStyle/>
+          <a:p>
+            <a:fld id="{A82FCF1A-DE1D-4A03-B432-41B70649DC02}" type="slidenum">
+              <a:rPr lang="zh-CN" altLang="en-US" smtClean="0"/>
+              <a:pPr/>
+              <a:t>3</a:t>
+            </a:fld>
+            <a:endParaRPr lang="zh-CN" altLang="en-US"/>
+          </a:p>
+        </p:txBody>
+      </p:sp>
+    </p:spTree>
+  </p:cSld>
+  <p:clrMapOvr>
+    <a:masterClrMapping/>
+  </p:clrMapOvr>
+</p:notes>
+</file>
+
+<file path=ppt/notesSlides/notesSlide4.xml><?xml version="1.0" encoding="utf-8"?>
 <p:notes xmlns:a="http://schemas.openxmlformats.org/drawingml/2006/main" xmlns:r="http://schemas.openxmlformats.org/officeDocument/2006/relationships" xmlns:p="http://schemas.openxmlformats.org/presentationml/2006/main">
   <p:cSld>
     <p:spTree>
@@ -1575,8 +2272,25 @@
           </a:bodyPr>
           <a:lstStyle/>
           <a:p>
-            <a:r>
-              <a:rPr lang="en-US" altLang="zh-CN" sz="1200" b="0" i="0" kern="1200" dirty="0" smtClean="0">
+            <a:pPr marL="0" marR="0" indent="0" algn="l" defTabSz="914400" rtl="0" eaLnBrk="1" fontAlgn="auto" latinLnBrk="0" hangingPunct="1">
+              <a:lnSpc>
+                <a:spcPct val="100000"/>
+              </a:lnSpc>
+              <a:spcBef>
+                <a:spcPts val="0"/>
+              </a:spcBef>
+              <a:spcAft>
+                <a:spcPts val="0"/>
+              </a:spcAft>
+              <a:buClrTx/>
+              <a:buSzTx/>
+              <a:buFontTx/>
+              <a:buNone/>
+              <a:tabLst/>
+              <a:defRPr/>
+            </a:pPr>
+            <a:r>
+              <a:rPr lang="zh-CN" altLang="en-US" sz="1200" b="0" i="0" kern="1200" dirty="0" smtClean="0">
                 <a:solidFill>
                   <a:schemeClr val="tx1"/>
                 </a:solidFill>
@@ -1584,7 +2298,11 @@
                 <a:ea typeface="+mn-ea"/>
                 <a:cs typeface="+mn-cs"/>
               </a:rPr>
-              <a:t>1</a:t>
+              <a:t>说到财务自由，当然离不开财富。上面提及到的几位大佬（</a:t>
+            </a:r>
+            <a:r>
+              <a:rPr lang="zh-CN" altLang="en-US" sz="1200" b="1" dirty="0" smtClean="0"/>
+              <a:t>马云、马明哲、马化腾 、李嘉诚 </a:t>
             </a:r>
             <a:r>
               <a:rPr lang="zh-CN" altLang="en-US" sz="1200" b="0" i="0" kern="1200" dirty="0" smtClean="0">
@@ -1595,84 +2313,7 @@
                 <a:ea typeface="+mn-ea"/>
                 <a:cs typeface="+mn-cs"/>
               </a:rPr>
-              <a:t>、人</a:t>
-            </a:r>
-            <a:r>
-              <a:rPr lang="zh-CN" altLang="en-US" sz="1200" b="0" i="0" kern="1200" dirty="0" smtClean="0">
-                <a:solidFill>
-                  <a:schemeClr val="tx1"/>
-                </a:solidFill>
-                <a:latin typeface="+mn-lt"/>
-                <a:ea typeface="+mn-ea"/>
-                <a:cs typeface="+mn-cs"/>
-              </a:rPr>
-              <a:t>人生而自由，但无往而不在牢笼之中。自由是相对的</a:t>
-            </a:r>
-            <a:r>
-              <a:rPr lang="zh-CN" altLang="en-US" sz="1200" b="0" i="0" kern="1200" dirty="0" smtClean="0">
-                <a:solidFill>
-                  <a:schemeClr val="tx1"/>
-                </a:solidFill>
-                <a:latin typeface="+mn-lt"/>
-                <a:ea typeface="+mn-ea"/>
-                <a:cs typeface="+mn-cs"/>
-              </a:rPr>
-              <a:t>，今天</a:t>
-            </a:r>
-            <a:r>
-              <a:rPr lang="zh-CN" altLang="en-US" sz="1200" b="0" i="0" kern="1200" dirty="0" smtClean="0">
-                <a:solidFill>
-                  <a:schemeClr val="tx1"/>
-                </a:solidFill>
-                <a:latin typeface="+mn-lt"/>
-                <a:ea typeface="+mn-ea"/>
-                <a:cs typeface="+mn-cs"/>
-              </a:rPr>
-              <a:t>的主题是“财务自由”</a:t>
-            </a:r>
-            <a:r>
-              <a:rPr lang="zh-CN" altLang="en-US" sz="1200" b="0" i="0" kern="1200" dirty="0" smtClean="0">
-                <a:solidFill>
-                  <a:schemeClr val="tx1"/>
-                </a:solidFill>
-                <a:latin typeface="+mn-lt"/>
-                <a:ea typeface="+mn-ea"/>
-                <a:cs typeface="+mn-cs"/>
-              </a:rPr>
-              <a:t>，不是</a:t>
-            </a:r>
-            <a:r>
-              <a:rPr lang="zh-CN" altLang="en-US" sz="1200" b="0" i="0" kern="1200" dirty="0" smtClean="0">
-                <a:solidFill>
-                  <a:schemeClr val="tx1"/>
-                </a:solidFill>
-                <a:latin typeface="+mn-lt"/>
-                <a:ea typeface="+mn-ea"/>
-                <a:cs typeface="+mn-cs"/>
-              </a:rPr>
-              <a:t>贩卖焦虑，也不是传销推销</a:t>
-            </a:r>
-            <a:r>
-              <a:rPr lang="en-US" altLang="zh-CN" sz="1200" b="0" i="0" kern="1200" dirty="0" smtClean="0">
-                <a:solidFill>
-                  <a:schemeClr val="tx1"/>
-                </a:solidFill>
-                <a:latin typeface="+mn-lt"/>
-                <a:ea typeface="+mn-ea"/>
-                <a:cs typeface="+mn-cs"/>
-              </a:rPr>
-              <a:t>……</a:t>
-            </a:r>
-            <a:r>
-              <a:rPr lang="zh-CN" altLang="en-US" sz="1200" b="0" i="0" kern="1200" dirty="0" smtClean="0">
-                <a:solidFill>
-                  <a:schemeClr val="tx1"/>
-                </a:solidFill>
-                <a:latin typeface="+mn-lt"/>
-                <a:ea typeface="+mn-ea"/>
-                <a:cs typeface="+mn-cs"/>
-              </a:rPr>
-              <a:t>我们聊聊人生。</a:t>
+              <a:t>）是财富榜上的榜首位置。当然，我和他们还是有一点距离的。我也在通往“财务自由”的路上努力着。我们大部分人，一辈子都是在为钱努力工作中度过。一个人要拥有几百亿身价的可能性非常低。</a:t>
             </a:r>
             <a:endParaRPr lang="en-US" altLang="zh-CN" sz="1200" b="0" i="0" kern="1200" dirty="0" smtClean="0">
               <a:solidFill>
@@ -1685,7 +2326,7 @@
           </a:p>
           <a:p>
             <a:r>
-              <a:rPr lang="zh-CN" altLang="en-US" sz="1200" b="0" i="0" kern="1200" dirty="0" smtClean="0">
+              <a:rPr lang="en-US" altLang="zh-CN" sz="1200" b="0" i="0" kern="1200" dirty="0" smtClean="0">
                 <a:solidFill>
                   <a:schemeClr val="tx1"/>
                 </a:solidFill>
@@ -1693,7 +2334,7 @@
                 <a:ea typeface="+mn-ea"/>
                 <a:cs typeface="+mn-cs"/>
               </a:rPr>
-              <a:t>我们大部分人，一辈子都是在为钱努力工作中度过。一个人</a:t>
+              <a:t>1</a:t>
             </a:r>
             <a:r>
               <a:rPr lang="zh-CN" altLang="en-US" sz="1200" b="0" i="0" kern="1200" dirty="0" smtClean="0">
@@ -1704,10 +2345,10 @@
                 <a:ea typeface="+mn-ea"/>
                 <a:cs typeface="+mn-cs"/>
               </a:rPr>
-              <a:t>要拥有几百亿身价的可能性非常</a:t>
-            </a:r>
-            <a:r>
-              <a:rPr lang="zh-CN" altLang="en-US" sz="1200" b="0" i="0" kern="1200" dirty="0" smtClean="0">
+              <a:t>、人人生而自由，但无往而不在牢笼之中。心灵自由、财务自由、时间自由，人的一生中，都在追寻自由。追求几百亿的身价并不太现实，但，追求自由是可行的。</a:t>
+            </a:r>
+            <a:r>
+              <a:rPr lang="zh-CN" altLang="en-US" sz="1200" b="1" i="0" kern="1200" dirty="0" smtClean="0">
                 <a:solidFill>
                   <a:schemeClr val="tx1"/>
                 </a:solidFill>
@@ -1715,7 +2356,106 @@
                 <a:ea typeface="+mn-ea"/>
                 <a:cs typeface="+mn-cs"/>
               </a:rPr>
-              <a:t>低。</a:t>
+              <a:t>心灵自由</a:t>
+            </a:r>
+            <a:r>
+              <a:rPr lang="zh-CN" altLang="en-US" sz="1200" b="0" i="0" kern="1200" dirty="0" smtClean="0">
+                <a:solidFill>
+                  <a:schemeClr val="tx1"/>
+                </a:solidFill>
+                <a:latin typeface="+mn-lt"/>
+                <a:ea typeface="+mn-ea"/>
+                <a:cs typeface="+mn-cs"/>
+              </a:rPr>
+              <a:t>，愿意去体验生命里的各种美好，以及挑战内心的欲望，敢直面欲望并且去征服它，就能获得解脱。我很欣赏海明威的</a:t>
+            </a:r>
+            <a:r>
+              <a:rPr lang="en-US" altLang="zh-CN" sz="1200" b="0" i="0" kern="1200" dirty="0" smtClean="0">
+                <a:solidFill>
+                  <a:schemeClr val="tx1"/>
+                </a:solidFill>
+                <a:latin typeface="+mn-lt"/>
+                <a:ea typeface="+mn-ea"/>
+                <a:cs typeface="+mn-cs"/>
+              </a:rPr>
+              <a:t>《</a:t>
+            </a:r>
+            <a:r>
+              <a:rPr lang="zh-CN" altLang="en-US" sz="1200" b="0" i="0" kern="1200" dirty="0" smtClean="0">
+                <a:solidFill>
+                  <a:schemeClr val="tx1"/>
+                </a:solidFill>
+                <a:latin typeface="+mn-lt"/>
+                <a:ea typeface="+mn-ea"/>
+                <a:cs typeface="+mn-cs"/>
+              </a:rPr>
+              <a:t>老人与海</a:t>
+            </a:r>
+            <a:r>
+              <a:rPr lang="en-US" altLang="zh-CN" sz="1200" b="0" i="0" kern="1200" dirty="0" smtClean="0">
+                <a:solidFill>
+                  <a:schemeClr val="tx1"/>
+                </a:solidFill>
+                <a:latin typeface="+mn-lt"/>
+                <a:ea typeface="+mn-ea"/>
+                <a:cs typeface="+mn-cs"/>
+              </a:rPr>
+              <a:t>》</a:t>
+            </a:r>
+            <a:r>
+              <a:rPr lang="zh-CN" altLang="en-US" sz="1200" b="0" i="0" kern="1200" dirty="0" smtClean="0">
+                <a:solidFill>
+                  <a:schemeClr val="tx1"/>
+                </a:solidFill>
+                <a:latin typeface="+mn-lt"/>
+                <a:ea typeface="+mn-ea"/>
+                <a:cs typeface="+mn-cs"/>
+              </a:rPr>
+              <a:t>中的老人，他说：一个人并不是生来要给打败的，你可以消灭他，可就是打不败他。</a:t>
+            </a:r>
+            <a:r>
+              <a:rPr lang="zh-CN" altLang="en-US" sz="1200" b="1" i="0" kern="1200" dirty="0" smtClean="0">
+                <a:solidFill>
+                  <a:schemeClr val="tx1"/>
+                </a:solidFill>
+                <a:latin typeface="+mn-lt"/>
+                <a:ea typeface="+mn-ea"/>
+                <a:cs typeface="+mn-cs"/>
+              </a:rPr>
+              <a:t>时间自由</a:t>
+            </a:r>
+            <a:r>
+              <a:rPr lang="zh-CN" altLang="en-US" sz="1200" b="0" i="0" kern="1200" dirty="0" smtClean="0">
+                <a:solidFill>
+                  <a:schemeClr val="tx1"/>
+                </a:solidFill>
+                <a:latin typeface="+mn-lt"/>
+                <a:ea typeface="+mn-ea"/>
+                <a:cs typeface="+mn-cs"/>
+              </a:rPr>
+              <a:t>：一个人所有的时间中，自己自由支配的部分越多，他的人生就越自由。每一天、每一月、每一年的时间花在什么地方？如何分配这些时间？应该花时间做哪些事情？这些事情的先后顺序是怎样的？在你认为有价值的事情上，你花的时间足够多吗？在你认为没有价值的事情上，你花的时间足够少吗？</a:t>
+            </a:r>
+            <a:r>
+              <a:rPr lang="en-US" altLang="zh-CN" sz="1200" b="0" i="0" kern="1200" dirty="0" smtClean="0">
+                <a:solidFill>
+                  <a:schemeClr val="tx1"/>
+                </a:solidFill>
+                <a:latin typeface="+mn-lt"/>
+                <a:ea typeface="+mn-ea"/>
+                <a:cs typeface="+mn-cs"/>
+              </a:rPr>
+              <a:t>……</a:t>
+            </a:r>
+            <a:r>
+              <a:rPr lang="zh-CN" altLang="en-US" sz="1200" b="0" i="0" kern="1200" dirty="0" smtClean="0">
+                <a:solidFill>
+                  <a:schemeClr val="tx1"/>
+                </a:solidFill>
+                <a:latin typeface="+mn-lt"/>
+                <a:ea typeface="+mn-ea"/>
+                <a:cs typeface="+mn-cs"/>
+              </a:rPr>
+              <a:t>等等这些问题都与一个人的时间自由有关。如果一个人的时间是不自由的，那么他的生命就会浪费在对他自己毫无意义或意义不大的事情上；反之，如果他的时间是自由的，那么他的生命就会在释放在他最感兴趣、最关心、最喜欢、最欣赏的事情和人上，也就使得整个生命充满价值。</a:t>
             </a:r>
             <a:endParaRPr lang="en-US" altLang="zh-CN" sz="1200" b="0" i="0" kern="1200" dirty="0" smtClean="0">
               <a:solidFill>
@@ -1747,9 +2487,92 @@
                 <a:ea typeface="+mn-ea"/>
                 <a:cs typeface="+mn-cs"/>
               </a:rPr>
-              <a:t>、财富的多少是否衡量一个人的成功和幸福？</a:t>
-            </a:r>
-            <a:endParaRPr lang="zh-CN" altLang="en-US" dirty="0" smtClean="0"/>
+              <a:t>、剩下的是“财务自由”。财富是否可以衡量</a:t>
+            </a:r>
+            <a:r>
+              <a:rPr lang="zh-CN" altLang="en-US" sz="1200" b="0" i="0" kern="1200" dirty="0" smtClean="0">
+                <a:solidFill>
+                  <a:schemeClr val="tx1"/>
+                </a:solidFill>
+                <a:latin typeface="+mn-lt"/>
+                <a:ea typeface="+mn-ea"/>
+                <a:cs typeface="+mn-cs"/>
+              </a:rPr>
+              <a:t>一个人的成功和幸福</a:t>
+            </a:r>
+            <a:r>
+              <a:rPr lang="zh-CN" altLang="en-US" sz="1200" b="0" i="0" kern="1200" dirty="0" smtClean="0">
+                <a:solidFill>
+                  <a:schemeClr val="tx1"/>
+                </a:solidFill>
+                <a:latin typeface="+mn-lt"/>
+                <a:ea typeface="+mn-ea"/>
+                <a:cs typeface="+mn-cs"/>
+              </a:rPr>
+              <a:t>？自由是否可以获得？人的一生如何努力才能过得容易一点？</a:t>
+            </a:r>
+            <a:endParaRPr lang="en-US" altLang="zh-CN" sz="1200" b="0" i="0" kern="1200" dirty="0" smtClean="0">
+              <a:solidFill>
+                <a:schemeClr val="tx1"/>
+              </a:solidFill>
+              <a:latin typeface="+mn-lt"/>
+              <a:ea typeface="+mn-ea"/>
+              <a:cs typeface="+mn-cs"/>
+            </a:endParaRPr>
+          </a:p>
+          <a:p>
+            <a:r>
+              <a:rPr lang="zh-CN" altLang="en-US" sz="1200" b="1" i="0" kern="1200" dirty="0" smtClean="0">
+                <a:solidFill>
+                  <a:schemeClr val="tx1"/>
+                </a:solidFill>
+                <a:latin typeface="+mn-lt"/>
+                <a:ea typeface="+mn-ea"/>
+                <a:cs typeface="+mn-cs"/>
+              </a:rPr>
+              <a:t>你有故事，我有酒，我们聊一聊。今天的主题是“财务自由”，</a:t>
+            </a:r>
+            <a:r>
+              <a:rPr lang="zh-CN" altLang="en-US" sz="1200" b="0" i="0" kern="1200" dirty="0" smtClean="0">
+                <a:solidFill>
+                  <a:schemeClr val="tx1"/>
+                </a:solidFill>
+                <a:latin typeface="+mn-lt"/>
+                <a:ea typeface="+mn-ea"/>
+                <a:cs typeface="+mn-cs"/>
+              </a:rPr>
+              <a:t>不贩卖焦虑，也不传销</a:t>
+            </a:r>
+            <a:r>
+              <a:rPr lang="en-US" altLang="zh-CN" sz="1200" b="0" i="0" kern="1200" dirty="0" smtClean="0">
+                <a:solidFill>
+                  <a:schemeClr val="tx1"/>
+                </a:solidFill>
+                <a:latin typeface="+mn-lt"/>
+                <a:ea typeface="+mn-ea"/>
+                <a:cs typeface="+mn-cs"/>
+              </a:rPr>
+              <a:t>……</a:t>
+            </a:r>
+            <a:r>
+              <a:rPr lang="zh-CN" altLang="en-US" sz="1200" b="0" i="0" kern="1200" dirty="0" smtClean="0">
+                <a:solidFill>
+                  <a:schemeClr val="tx1"/>
+                </a:solidFill>
+                <a:latin typeface="+mn-lt"/>
+                <a:ea typeface="+mn-ea"/>
+                <a:cs typeface="+mn-cs"/>
+              </a:rPr>
+              <a:t>我们聊聊人生。</a:t>
+            </a:r>
+            <a:endParaRPr lang="en-US" altLang="zh-CN" sz="1200" b="0" i="0" kern="1200" dirty="0" smtClean="0">
+              <a:solidFill>
+                <a:schemeClr val="tx1"/>
+              </a:solidFill>
+              <a:latin typeface="+mn-lt"/>
+              <a:ea typeface="+mn-ea"/>
+              <a:cs typeface="+mn-cs"/>
+            </a:endParaRPr>
           </a:p>
         </p:txBody>
       </p:sp>
@@ -1785,7 +2608,7 @@
 </p:notes>
 </file>
 
-<file path=ppt/notesSlides/notesSlide4.xml><?xml version="1.0" encoding="utf-8"?>
+<file path=ppt/notesSlides/notesSlide5.xml><?xml version="1.0" encoding="utf-8"?>
 <p:notes xmlns:a="http://schemas.openxmlformats.org/drawingml/2006/main" xmlns:r="http://schemas.openxmlformats.org/officeDocument/2006/relationships" xmlns:p="http://schemas.openxmlformats.org/presentationml/2006/main">
   <p:cSld>
     <p:spTree>
@@ -2008,129 +2831,6 @@
 </p:notes>
 </file>
 
-<file path=ppt/notesSlides/notesSlide5.xml><?xml version="1.0" encoding="utf-8"?>
-<p:notes xmlns:a="http://schemas.openxmlformats.org/drawingml/2006/main" xmlns:r="http://schemas.openxmlformats.org/officeDocument/2006/relationships" xmlns:p="http://schemas.openxmlformats.org/presentationml/2006/main">
-  <p:cSld>
-    <p:spTree>
-      <p:nvGrpSpPr>
-        <p:cNvPr id="1" name=""/>
-        <p:cNvGrpSpPr/>
-        <p:nvPr/>
-      </p:nvGrpSpPr>
-      <p:grpSpPr>
-        <a:xfrm>
-          <a:off x="0" y="0"/>
-          <a:ext cx="0" cy="0"/>
-          <a:chOff x="0" y="0"/>
-          <a:chExt cx="0" cy="0"/>
-        </a:xfrm>
-      </p:grpSpPr>
-      <p:sp>
-        <p:nvSpPr>
-          <p:cNvPr id="2" name="幻灯片图像占位符 1"/>
-          <p:cNvSpPr>
-            <a:spLocks noGrp="1" noRot="1" noChangeAspect="1"/>
-          </p:cNvSpPr>
-          <p:nvPr>
-            <p:ph type="sldImg"/>
-          </p:nvPr>
-        </p:nvSpPr>
-        <p:spPr/>
-      </p:sp>
-      <p:sp>
-        <p:nvSpPr>
-          <p:cNvPr id="3" name="备注占位符 2"/>
-          <p:cNvSpPr>
-            <a:spLocks noGrp="1"/>
-          </p:cNvSpPr>
-          <p:nvPr>
-            <p:ph type="body" idx="1"/>
-          </p:nvPr>
-        </p:nvSpPr>
-        <p:spPr/>
-        <p:txBody>
-          <a:bodyPr>
-            <a:normAutofit/>
-          </a:bodyPr>
-          <a:lstStyle/>
-          <a:p>
-            <a:r>
-              <a:rPr lang="en-US" altLang="zh-CN" dirty="0" smtClean="0"/>
-              <a:t>1</a:t>
-            </a:r>
-            <a:r>
-              <a:rPr lang="zh-CN" altLang="en-US" dirty="0" smtClean="0"/>
-              <a:t>、人需要应对风险和危机的，金融危机，工作岗位减少，社会保险低，生病等等。</a:t>
-            </a:r>
-            <a:endParaRPr lang="en-US" altLang="zh-CN" dirty="0" smtClean="0"/>
-          </a:p>
-          <a:p>
-            <a:r>
-              <a:rPr lang="en-US" altLang="zh-CN" dirty="0" smtClean="0"/>
-              <a:t>2</a:t>
-            </a:r>
-            <a:r>
-              <a:rPr lang="zh-CN" altLang="en-US" dirty="0" smtClean="0"/>
-              <a:t>、人是需要意外支出的，生病、交际应酬、送礼</a:t>
-            </a:r>
-            <a:endParaRPr lang="en-US" altLang="zh-CN" dirty="0" smtClean="0"/>
-          </a:p>
-          <a:p>
-            <a:r>
-              <a:rPr lang="en-US" altLang="zh-CN" dirty="0" smtClean="0"/>
-              <a:t>3</a:t>
-            </a:r>
-            <a:r>
-              <a:rPr lang="zh-CN" altLang="en-US" dirty="0" smtClean="0"/>
-              <a:t>、</a:t>
-            </a:r>
-            <a:r>
-              <a:rPr lang="zh-CN" altLang="en-US" sz="1200" b="0" i="0" kern="1200" dirty="0" smtClean="0">
-                <a:solidFill>
-                  <a:schemeClr val="tx1"/>
-                </a:solidFill>
-                <a:latin typeface="+mn-lt"/>
-                <a:ea typeface="+mn-ea"/>
-                <a:cs typeface="+mn-cs"/>
-              </a:rPr>
-              <a:t>究其本质就是：我们不需要出卖自己的时间就能生活得很惬意</a:t>
-            </a:r>
-            <a:endParaRPr lang="zh-CN" altLang="en-US" dirty="0"/>
-          </a:p>
-        </p:txBody>
-      </p:sp>
-      <p:sp>
-        <p:nvSpPr>
-          <p:cNvPr id="4" name="灯片编号占位符 3"/>
-          <p:cNvSpPr>
-            <a:spLocks noGrp="1"/>
-          </p:cNvSpPr>
-          <p:nvPr>
-            <p:ph type="sldNum" sz="quarter" idx="10"/>
-          </p:nvPr>
-        </p:nvSpPr>
-        <p:spPr/>
-        <p:txBody>
-          <a:bodyPr/>
-          <a:lstStyle/>
-          <a:p>
-            <a:fld id="{A82FCF1A-DE1D-4A03-B432-41B70649DC02}" type="slidenum">
-              <a:rPr lang="zh-CN" altLang="en-US" smtClean="0"/>
-              <a:pPr/>
-              <a:t>6</a:t>
-            </a:fld>
-            <a:endParaRPr lang="zh-CN" altLang="en-US"/>
-          </a:p>
-        </p:txBody>
-      </p:sp>
-    </p:spTree>
-  </p:cSld>
-  <p:clrMapOvr>
-    <a:masterClrMapping/>
-  </p:clrMapOvr>
-</p:notes>
-</file>
-
 <file path=ppt/notesSlides/notesSlide6.xml><?xml version="1.0" encoding="utf-8"?>
 <p:notes xmlns:a="http://schemas.openxmlformats.org/drawingml/2006/main" xmlns:r="http://schemas.openxmlformats.org/officeDocument/2006/relationships" xmlns:p="http://schemas.openxmlformats.org/presentationml/2006/main">
   <p:cSld>
@@ -2183,14 +2883,52 @@
             </a:r>
             <a:r>
               <a:rPr lang="zh-CN" altLang="en-US" dirty="0" smtClean="0"/>
-              <a:t>、如何衡量你是否是“财务自由”。</a:t>
-            </a:r>
-            <a:endParaRPr lang="en-US" altLang="zh-CN" dirty="0" smtClean="0"/>
+              <a:t>、</a:t>
+            </a:r>
+            <a:r>
+              <a:rPr lang="zh-CN" altLang="en-US" sz="1200" b="1" i="0" kern="1200" dirty="0" smtClean="0">
+                <a:solidFill>
+                  <a:schemeClr val="tx1"/>
+                </a:solidFill>
+                <a:latin typeface="+mn-lt"/>
+                <a:ea typeface="+mn-ea"/>
+                <a:cs typeface="+mn-cs"/>
+              </a:rPr>
+              <a:t>想要实现财富自由，你要把你的财富组成一个能够自行运转的系统（被动收入），那么，你的财富就会像机器人一样，源源不断地给你提供新的产出，</a:t>
+            </a:r>
+            <a:r>
+              <a:rPr lang="zh-CN" altLang="en-US" sz="1200" b="0" i="0" kern="1200" dirty="0" smtClean="0">
+                <a:solidFill>
+                  <a:schemeClr val="tx1"/>
+                </a:solidFill>
+                <a:latin typeface="+mn-lt"/>
+                <a:ea typeface="+mn-ea"/>
+                <a:cs typeface="+mn-cs"/>
+              </a:rPr>
+              <a:t>我们要注意一下上面的等式，被动收入是什么意思？</a:t>
+            </a:r>
+            <a:endParaRPr lang="en-US" altLang="zh-CN" b="0" dirty="0" smtClean="0"/>
           </a:p>
           <a:p>
             <a:r>
+              <a:rPr lang="en-US" altLang="zh-CN" dirty="0" smtClean="0"/>
+              <a:t>2</a:t>
+            </a:r>
+            <a:r>
               <a:rPr lang="zh-CN" altLang="en-US" dirty="0" smtClean="0"/>
-              <a:t>请大家算一算，你是否财务自由了？</a:t>
+              <a:t>、</a:t>
+            </a:r>
+            <a:r>
+              <a:rPr lang="zh-CN" altLang="en-US" dirty="0" smtClean="0"/>
+              <a:t>如何衡量你是否是“财务自由”</a:t>
+            </a:r>
+            <a:r>
+              <a:rPr lang="zh-CN" altLang="en-US" dirty="0" smtClean="0"/>
+              <a:t>。请</a:t>
+            </a:r>
+            <a:r>
+              <a:rPr lang="zh-CN" altLang="en-US" dirty="0" smtClean="0"/>
+              <a:t>大家算一算，你是否财务自由了？</a:t>
             </a:r>
             <a:endParaRPr lang="en-US" altLang="zh-CN" dirty="0" smtClean="0"/>
           </a:p>
@@ -2330,9 +3068,27 @@
                 <a:ea typeface="+mn-ea"/>
                 <a:cs typeface="+mn-cs"/>
               </a:rPr>
-              <a:t>元，就已经解决一家三口的早餐开支。</a:t>
-            </a:r>
-            <a:endParaRPr lang="zh-CN" altLang="en-US" dirty="0"/>
+              <a:t>元，就已经解决一家三口的早餐开支</a:t>
+            </a:r>
+            <a:r>
+              <a:rPr lang="zh-CN" altLang="en-US" sz="1200" b="0" i="0" kern="1200" dirty="0" smtClean="0">
+                <a:solidFill>
+                  <a:schemeClr val="tx1"/>
+                </a:solidFill>
+                <a:latin typeface="+mn-lt"/>
+                <a:ea typeface="+mn-ea"/>
+                <a:cs typeface="+mn-cs"/>
+              </a:rPr>
+              <a:t>。</a:t>
+            </a:r>
+            <a:endParaRPr lang="en-US" altLang="zh-CN" sz="1200" b="0" i="0" kern="1200" dirty="0" smtClean="0">
+              <a:solidFill>
+                <a:schemeClr val="tx1"/>
+              </a:solidFill>
+              <a:latin typeface="+mn-lt"/>
+              <a:ea typeface="+mn-ea"/>
+              <a:cs typeface="+mn-cs"/>
+            </a:endParaRPr>
           </a:p>
         </p:txBody>
       </p:sp>
@@ -2354,7 +3110,7 @@
             <a:fld id="{A82FCF1A-DE1D-4A03-B432-41B70649DC02}" type="slidenum">
               <a:rPr lang="zh-CN" altLang="en-US" smtClean="0"/>
               <a:pPr/>
-              <a:t>7</a:t>
+              <a:t>6</a:t>
             </a:fld>
             <a:endParaRPr lang="zh-CN" altLang="en-US"/>
           </a:p>
@@ -2414,25 +3170,7 @@
           </a:bodyPr>
           <a:lstStyle/>
           <a:p>
-            <a:r>
-              <a:rPr lang="zh-CN" altLang="en-US" sz="1200" b="0" i="0" kern="1200" dirty="0" smtClean="0">
-                <a:solidFill>
-                  <a:schemeClr val="tx1"/>
-                </a:solidFill>
-                <a:latin typeface="+mn-lt"/>
-                <a:ea typeface="+mn-ea"/>
-                <a:cs typeface="+mn-cs"/>
-              </a:rPr>
-              <a:t>那时候非常流行“逃离北上广”的说法，但也有不少人坚持下去，这个是值得我们思考的问题啊。一线大城市带给我们是什么？</a:t>
-            </a:r>
-            <a:endParaRPr lang="en-US" altLang="zh-CN" sz="1200" b="0" i="0" kern="1200" dirty="0" smtClean="0">
-              <a:solidFill>
-                <a:schemeClr val="tx1"/>
-              </a:solidFill>
-              <a:latin typeface="+mn-lt"/>
-              <a:ea typeface="+mn-ea"/>
-              <a:cs typeface="+mn-cs"/>
-            </a:endParaRPr>
+            <a:endParaRPr lang="zh-CN" altLang="en-US" dirty="0"/>
           </a:p>
         </p:txBody>
       </p:sp>
@@ -2454,7 +3192,7 @@
             <a:fld id="{A82FCF1A-DE1D-4A03-B432-41B70649DC02}" type="slidenum">
               <a:rPr lang="zh-CN" altLang="en-US" smtClean="0"/>
               <a:pPr/>
-              <a:t>8</a:t>
+              <a:t>7</a:t>
             </a:fld>
             <a:endParaRPr lang="zh-CN" altLang="en-US"/>
           </a:p>
@@ -2515,40 +3253,7 @@
           <a:lstStyle/>
           <a:p>
             <a:r>
-              <a:rPr lang="en-US" altLang="zh-CN" dirty="0" smtClean="0"/>
-              <a:t>1</a:t>
-            </a:r>
-            <a:r>
-              <a:rPr lang="zh-CN" altLang="en-US" dirty="0" smtClean="0"/>
-              <a:t>、当人实现了财务自由后，他不需要工作也能维持自己稳定的生活。这个时候，更多的是思考自己的兴趣爱好。</a:t>
-            </a:r>
-            <a:endParaRPr lang="en-US" altLang="zh-CN" dirty="0" smtClean="0"/>
-          </a:p>
-          <a:p>
-            <a:r>
-              <a:rPr lang="en-US" altLang="zh-CN" dirty="0" smtClean="0"/>
-              <a:t>2</a:t>
-            </a:r>
-            <a:r>
-              <a:rPr lang="zh-CN" altLang="en-US" dirty="0" smtClean="0"/>
-              <a:t>、什么是你真正想要的？地位、安宁、荣誉、自由、健康、快乐</a:t>
-            </a:r>
-            <a:r>
-              <a:rPr lang="en-US" altLang="zh-CN" dirty="0" smtClean="0"/>
-              <a:t>……</a:t>
-            </a:r>
-          </a:p>
-          <a:p>
-            <a:r>
-              <a:rPr lang="en-US" altLang="zh-CN" dirty="0" smtClean="0"/>
-              <a:t>3</a:t>
-            </a:r>
-            <a:r>
-              <a:rPr lang="zh-CN" altLang="en-US" dirty="0" smtClean="0"/>
-              <a:t>、</a:t>
-            </a:r>
-            <a:r>
-              <a:rPr lang="zh-CN" altLang="en-US" sz="1200" b="0" i="0" kern="1200" dirty="0" smtClean="0">
+              <a:rPr lang="en-US" altLang="zh-CN" sz="1200" b="0" i="0" kern="1200" dirty="0" smtClean="0">
                 <a:solidFill>
                   <a:schemeClr val="tx1"/>
                 </a:solidFill>
@@ -2556,8 +3261,183 @@
                 <a:ea typeface="+mn-ea"/>
                 <a:cs typeface="+mn-cs"/>
               </a:rPr>
-              <a:t>品质和自由同等重要，做到适度就好。</a:t>
-            </a:r>
+              <a:t>1</a:t>
+            </a:r>
+            <a:r>
+              <a:rPr lang="zh-CN" altLang="en-US" sz="1200" b="0" i="0" kern="1200" dirty="0" smtClean="0">
+                <a:solidFill>
+                  <a:schemeClr val="tx1"/>
+                </a:solidFill>
+                <a:latin typeface="+mn-lt"/>
+                <a:ea typeface="+mn-ea"/>
+                <a:cs typeface="+mn-cs"/>
+              </a:rPr>
+              <a:t>、标准是 </a:t>
+            </a:r>
+            <a:r>
+              <a:rPr lang="en-US" altLang="zh-CN" sz="1200" b="0" i="0" kern="1200" dirty="0" smtClean="0">
+                <a:solidFill>
+                  <a:schemeClr val="tx1"/>
+                </a:solidFill>
+                <a:latin typeface="+mn-lt"/>
+                <a:ea typeface="+mn-ea"/>
+                <a:cs typeface="+mn-cs"/>
+              </a:rPr>
+              <a:t>2.9</a:t>
+            </a:r>
+            <a:r>
+              <a:rPr lang="zh-CN" altLang="en-US" sz="1200" b="0" i="0" kern="1200" dirty="0" smtClean="0">
+                <a:solidFill>
+                  <a:schemeClr val="tx1"/>
+                </a:solidFill>
+                <a:latin typeface="+mn-lt"/>
+                <a:ea typeface="+mn-ea"/>
+                <a:cs typeface="+mn-cs"/>
+              </a:rPr>
+              <a:t>亿人民币，看来要先定一个小目标，比如赚它一个亿元，这样才容易实现财务自由了。</a:t>
+            </a:r>
+            <a:r>
+              <a:rPr lang="zh-CN" altLang="en-US" sz="1200" b="1" i="0" kern="1200" dirty="0" smtClean="0">
+                <a:solidFill>
+                  <a:schemeClr val="tx1"/>
+                </a:solidFill>
+                <a:latin typeface="+mn-lt"/>
+                <a:ea typeface="+mn-ea"/>
+                <a:cs typeface="+mn-cs"/>
+              </a:rPr>
+              <a:t>想要实现财富自由，你要把你的财富组成一个能够自行运转的系统，那么，你的财富就会像机器人一样，源源不断地给你提供新的产出，享受财富带来的乐趣的同时，你也不必担心自己会“坐吃山空”。</a:t>
+            </a:r>
+            <a:endParaRPr lang="en-US" altLang="zh-CN" sz="1200" b="0" i="0" kern="1200" dirty="0" smtClean="0">
+              <a:solidFill>
+                <a:schemeClr val="tx1"/>
+              </a:solidFill>
+              <a:latin typeface="+mn-lt"/>
+              <a:ea typeface="+mn-ea"/>
+              <a:cs typeface="+mn-cs"/>
+            </a:endParaRPr>
+          </a:p>
+          <a:p>
+            <a:r>
+              <a:rPr lang="en-US" altLang="zh-CN" sz="1200" b="0" i="0" kern="1200" dirty="0" smtClean="0">
+                <a:solidFill>
+                  <a:schemeClr val="tx1"/>
+                </a:solidFill>
+                <a:latin typeface="+mn-lt"/>
+                <a:ea typeface="+mn-ea"/>
+                <a:cs typeface="+mn-cs"/>
+              </a:rPr>
+              <a:t>2</a:t>
+            </a:r>
+            <a:r>
+              <a:rPr lang="zh-CN" altLang="en-US" sz="1200" b="0" i="0" kern="1200" dirty="0" smtClean="0">
+                <a:solidFill>
+                  <a:schemeClr val="tx1"/>
+                </a:solidFill>
+                <a:latin typeface="+mn-lt"/>
+                <a:ea typeface="+mn-ea"/>
+                <a:cs typeface="+mn-cs"/>
+              </a:rPr>
+              <a:t>、去年有一个话题：“逃离北上广深”。想想这么多年为了自由奋斗，在追求财务自由的路上，失去了自由</a:t>
+            </a:r>
+            <a:r>
+              <a:rPr lang="en-US" altLang="zh-CN" sz="1200" b="0" i="0" kern="1200" dirty="0" smtClean="0">
+                <a:solidFill>
+                  <a:schemeClr val="tx1"/>
+                </a:solidFill>
+                <a:latin typeface="+mn-lt"/>
+                <a:ea typeface="+mn-ea"/>
+                <a:cs typeface="+mn-cs"/>
+              </a:rPr>
+              <a:t>,</a:t>
+            </a:r>
+            <a:r>
+              <a:rPr lang="zh-CN" altLang="en-US" sz="1200" b="0" i="0" kern="1200" dirty="0" smtClean="0">
+                <a:solidFill>
+                  <a:schemeClr val="tx1"/>
+                </a:solidFill>
+                <a:latin typeface="+mn-lt"/>
+                <a:ea typeface="+mn-ea"/>
+                <a:cs typeface="+mn-cs"/>
+              </a:rPr>
+              <a:t>这一刻是不是觉得自己从未自由过。那些前半生在北上广打拼挣钱，三四十岁后去三四线城市生活的人。只要国家大的形势保持稳定，他们可以很自由。</a:t>
+            </a:r>
+            <a:r>
+              <a:rPr lang="zh-CN" altLang="en-US" sz="1200" b="1" i="0" kern="1200" dirty="0" smtClean="0">
+                <a:solidFill>
+                  <a:schemeClr val="tx1"/>
+                </a:solidFill>
+                <a:latin typeface="+mn-lt"/>
+                <a:ea typeface="+mn-ea"/>
+                <a:cs typeface="+mn-cs"/>
+              </a:rPr>
+              <a:t>贫富差距在最近几十年来越来越大，主要原因在于资本收入相对劳动收入增长过快。我分析过，</a:t>
+            </a:r>
+            <a:r>
+              <a:rPr lang="en-US" altLang="zh-CN" sz="1200" b="1" i="0" kern="1200" dirty="0" smtClean="0">
+                <a:solidFill>
+                  <a:schemeClr val="tx1"/>
+                </a:solidFill>
+                <a:latin typeface="+mn-lt"/>
+                <a:ea typeface="+mn-ea"/>
+                <a:cs typeface="+mn-cs"/>
+              </a:rPr>
+              <a:t>2.9</a:t>
+            </a:r>
+            <a:r>
+              <a:rPr lang="zh-CN" altLang="en-US" sz="1200" b="1" i="0" kern="1200" dirty="0" smtClean="0">
+                <a:solidFill>
+                  <a:schemeClr val="tx1"/>
+                </a:solidFill>
+                <a:latin typeface="+mn-lt"/>
+                <a:ea typeface="+mn-ea"/>
+                <a:cs typeface="+mn-cs"/>
+              </a:rPr>
+              <a:t>亿元比较难实现，但财务自由可以实现。</a:t>
+            </a:r>
+            <a:endParaRPr lang="zh-CN" altLang="en-US" sz="1200" b="0" i="0" kern="1200" dirty="0" smtClean="0">
+              <a:solidFill>
+                <a:schemeClr val="tx1"/>
+              </a:solidFill>
+              <a:latin typeface="+mn-lt"/>
+              <a:ea typeface="+mn-ea"/>
+              <a:cs typeface="+mn-cs"/>
+            </a:endParaRPr>
+          </a:p>
+          <a:p>
+            <a:r>
+              <a:rPr lang="zh-CN" altLang="en-US" dirty="0" smtClean="0"/>
+              <a:t/>
+            </a:r>
+            <a:br>
+              <a:rPr lang="zh-CN" altLang="en-US" dirty="0" smtClean="0"/>
+            </a:br>
+            <a:endParaRPr lang="zh-CN" altLang="en-US" sz="1200" b="0" i="0" kern="1200" dirty="0" smtClean="0">
+              <a:solidFill>
+                <a:schemeClr val="tx1"/>
+              </a:solidFill>
+              <a:latin typeface="+mn-lt"/>
+              <a:ea typeface="+mn-ea"/>
+              <a:cs typeface="+mn-cs"/>
+            </a:endParaRPr>
+          </a:p>
+          <a:p>
+            <a:pPr marL="0" marR="0" indent="0" algn="l" defTabSz="914400" rtl="0" eaLnBrk="1" fontAlgn="auto" latinLnBrk="0" hangingPunct="1">
+              <a:lnSpc>
+                <a:spcPct val="100000"/>
+              </a:lnSpc>
+              <a:spcBef>
+                <a:spcPts val="0"/>
+              </a:spcBef>
+              <a:spcAft>
+                <a:spcPts val="0"/>
+              </a:spcAft>
+              <a:buClrTx/>
+              <a:buSzTx/>
+              <a:buFontTx/>
+              <a:buNone/>
+              <a:tabLst/>
+              <a:defRPr/>
+            </a:pPr>
             <a:endParaRPr lang="en-US" altLang="zh-CN" sz="1200" b="0" i="0" kern="1200" dirty="0" smtClean="0">
               <a:solidFill>
                 <a:schemeClr val="tx1"/>
@@ -2587,7 +3467,7 @@
             <a:fld id="{A82FCF1A-DE1D-4A03-B432-41B70649DC02}" type="slidenum">
               <a:rPr lang="zh-CN" altLang="en-US" smtClean="0"/>
               <a:pPr/>
-              <a:t>9</a:t>
+              <a:t>8</a:t>
             </a:fld>
             <a:endParaRPr lang="zh-CN" altLang="en-US"/>
           </a:p>
@@ -2647,70 +3527,40 @@
           </a:bodyPr>
           <a:lstStyle/>
           <a:p>
+            <a:pPr marL="0" marR="0" indent="0" algn="l" defTabSz="914400" rtl="0" eaLnBrk="1" fontAlgn="auto" latinLnBrk="0" hangingPunct="1">
+              <a:lnSpc>
+                <a:spcPct val="100000"/>
+              </a:lnSpc>
+              <a:spcBef>
+                <a:spcPts val="0"/>
+              </a:spcBef>
+              <a:spcAft>
+                <a:spcPts val="0"/>
+              </a:spcAft>
+              <a:buClrTx/>
+              <a:buSzTx/>
+              <a:buFontTx/>
+              <a:buNone/>
+              <a:tabLst/>
+              <a:defRPr/>
+            </a:pPr>
             <a:r>
               <a:rPr lang="en-US" altLang="zh-CN" dirty="0" smtClean="0"/>
               <a:t>1</a:t>
             </a:r>
             <a:r>
               <a:rPr lang="zh-CN" altLang="en-US" dirty="0" smtClean="0"/>
-              <a:t>、</a:t>
-            </a:r>
-            <a:r>
-              <a:rPr lang="zh-CN" altLang="en-US" sz="1200" b="0" i="0" kern="1200" dirty="0" smtClean="0">
-                <a:solidFill>
-                  <a:schemeClr val="tx1"/>
-                </a:solidFill>
-                <a:latin typeface="+mn-lt"/>
-                <a:ea typeface="+mn-ea"/>
-                <a:cs typeface="+mn-cs"/>
-              </a:rPr>
-              <a:t>所谓自由，就是一个人可以按自己的意愿去生活，自己给自己作主。自由有多么可贵呢？匈牙利著名诗人裴多菲的</a:t>
-            </a:r>
-            <a:r>
-              <a:rPr lang="en-US" altLang="zh-CN" sz="1200" b="0" i="0" kern="1200" dirty="0" smtClean="0">
-                <a:solidFill>
-                  <a:schemeClr val="tx1"/>
-                </a:solidFill>
-                <a:latin typeface="+mn-lt"/>
-                <a:ea typeface="+mn-ea"/>
-                <a:cs typeface="+mn-cs"/>
-              </a:rPr>
-              <a:t>《</a:t>
-            </a:r>
-            <a:r>
-              <a:rPr lang="zh-CN" altLang="en-US" sz="1200" b="0" i="0" kern="1200" dirty="0" smtClean="0">
-                <a:solidFill>
-                  <a:schemeClr val="tx1"/>
-                </a:solidFill>
-                <a:latin typeface="+mn-lt"/>
-                <a:ea typeface="+mn-ea"/>
-                <a:cs typeface="+mn-cs"/>
-              </a:rPr>
-              <a:t>自由与爱情</a:t>
-            </a:r>
-            <a:r>
-              <a:rPr lang="en-US" altLang="zh-CN" sz="1200" b="0" i="0" kern="1200" dirty="0" smtClean="0">
-                <a:solidFill>
-                  <a:schemeClr val="tx1"/>
-                </a:solidFill>
-                <a:latin typeface="+mn-lt"/>
-                <a:ea typeface="+mn-ea"/>
-                <a:cs typeface="+mn-cs"/>
-              </a:rPr>
-              <a:t>》</a:t>
-            </a:r>
-            <a:r>
-              <a:rPr lang="zh-CN" altLang="en-US" sz="1200" b="0" i="0" kern="1200" dirty="0" smtClean="0">
-                <a:solidFill>
-                  <a:schemeClr val="tx1"/>
-                </a:solidFill>
-                <a:latin typeface="+mn-lt"/>
-                <a:ea typeface="+mn-ea"/>
-                <a:cs typeface="+mn-cs"/>
-              </a:rPr>
-              <a:t>一诗，给出了最好的答案：生命诚可贵，爱情价更高。若为自由故，二者皆可抛。</a:t>
-            </a:r>
-            <a:endParaRPr lang="en-US" altLang="zh-CN" dirty="0" smtClean="0"/>
+              <a:t>、当人实现了财务自由后，他不需要工作也能维持自己稳定的生活。这个时候，更多的是思考自己的兴趣爱好</a:t>
+            </a:r>
+            <a:r>
+              <a:rPr lang="zh-CN" altLang="en-US" dirty="0" smtClean="0"/>
+              <a:t>。所以说</a:t>
+            </a:r>
+            <a:r>
+              <a:rPr lang="zh-CN" altLang="en-US" sz="1200" dirty="0" smtClean="0"/>
+              <a:t>财务自由是当你不必担忧生活后，过上你真实想要的生活。</a:t>
+            </a:r>
+            <a:endParaRPr lang="en-US" altLang="zh-CN" sz="1200" dirty="0" smtClean="0"/>
           </a:p>
           <a:p>
             <a:r>
@@ -2719,76 +3569,20 @@
             </a:r>
             <a:r>
               <a:rPr lang="zh-CN" altLang="en-US" dirty="0" smtClean="0"/>
-              <a:t>、人生三大终极目标：</a:t>
-            </a:r>
-            <a:r>
-              <a:rPr lang="en-US" altLang="zh-CN" sz="1200" b="1" i="0" kern="1200" dirty="0" smtClean="0">
-                <a:solidFill>
-                  <a:schemeClr val="tx1"/>
-                </a:solidFill>
-                <a:latin typeface="+mn-lt"/>
-                <a:ea typeface="+mn-ea"/>
-                <a:cs typeface="+mn-cs"/>
-              </a:rPr>
-              <a:t>1</a:t>
-            </a:r>
-            <a:r>
-              <a:rPr lang="zh-CN" altLang="en-US" sz="1200" b="1" i="0" kern="1200" dirty="0" smtClean="0">
-                <a:solidFill>
-                  <a:schemeClr val="tx1"/>
-                </a:solidFill>
-                <a:latin typeface="+mn-lt"/>
-                <a:ea typeface="+mn-ea"/>
-                <a:cs typeface="+mn-cs"/>
-              </a:rPr>
-              <a:t>、财务自由：</a:t>
-            </a:r>
-            <a:r>
-              <a:rPr lang="zh-CN" altLang="en-US" sz="1200" b="0" i="0" kern="1200" dirty="0" smtClean="0">
-                <a:solidFill>
-                  <a:schemeClr val="tx1"/>
-                </a:solidFill>
-                <a:latin typeface="+mn-lt"/>
-                <a:ea typeface="+mn-ea"/>
-                <a:cs typeface="+mn-cs"/>
-              </a:rPr>
-              <a:t>有足够金钱养活自己和家人，需要用钱时不用发愁；</a:t>
-            </a:r>
-            <a:r>
-              <a:rPr lang="en-US" altLang="zh-CN" sz="1200" b="1" i="0" kern="1200" dirty="0" smtClean="0">
-                <a:solidFill>
-                  <a:schemeClr val="tx1"/>
-                </a:solidFill>
-                <a:latin typeface="+mn-lt"/>
-                <a:ea typeface="+mn-ea"/>
-                <a:cs typeface="+mn-cs"/>
-              </a:rPr>
-              <a:t>2</a:t>
-            </a:r>
-            <a:r>
-              <a:rPr lang="zh-CN" altLang="en-US" sz="1200" b="1" i="0" kern="1200" dirty="0" smtClean="0">
-                <a:solidFill>
-                  <a:schemeClr val="tx1"/>
-                </a:solidFill>
-                <a:latin typeface="+mn-lt"/>
-                <a:ea typeface="+mn-ea"/>
-                <a:cs typeface="+mn-cs"/>
-              </a:rPr>
-              <a:t>、时间自由：</a:t>
-            </a:r>
-            <a:r>
-              <a:rPr lang="zh-CN" altLang="en-US" sz="1200" b="0" i="0" kern="1200" dirty="0" smtClean="0">
-                <a:solidFill>
-                  <a:schemeClr val="tx1"/>
-                </a:solidFill>
-                <a:latin typeface="+mn-lt"/>
-                <a:ea typeface="+mn-ea"/>
-                <a:cs typeface="+mn-cs"/>
-              </a:rPr>
-              <a:t>有可支配时间，可以灵活安排工作、休息和娱乐；</a:t>
-            </a:r>
-            <a:r>
-              <a:rPr lang="en-US" altLang="zh-CN" sz="1200" b="1" i="0" kern="1200" dirty="0" smtClean="0">
+              <a:t>、那么，问题来了：什么</a:t>
+            </a:r>
+            <a:r>
+              <a:rPr lang="zh-CN" altLang="en-US" dirty="0" smtClean="0"/>
+              <a:t>是你真正想要的？地位、安宁、荣誉、自由、健康、快乐</a:t>
+            </a:r>
+            <a:r>
+              <a:rPr lang="en-US" altLang="zh-CN" dirty="0" smtClean="0"/>
+              <a:t>……</a:t>
+            </a:r>
+          </a:p>
+          <a:p>
+            <a:r>
+              <a:rPr lang="en-US" altLang="zh-CN" sz="1200" b="0" i="0" kern="1200" dirty="0" smtClean="0">
                 <a:solidFill>
                   <a:schemeClr val="tx1"/>
                 </a:solidFill>
@@ -2799,7 +3593,7 @@
               <a:t>3</a:t>
             </a:r>
             <a:r>
-              <a:rPr lang="zh-CN" altLang="en-US" sz="1200" b="1" i="0" kern="1200" dirty="0" smtClean="0">
+              <a:rPr lang="zh-CN" altLang="en-US" sz="1200" b="0" i="0" kern="1200" dirty="0" smtClean="0">
                 <a:solidFill>
                   <a:schemeClr val="tx1"/>
                 </a:solidFill>
@@ -2807,18 +3601,7 @@
                 <a:ea typeface="+mn-ea"/>
                 <a:cs typeface="+mn-cs"/>
               </a:rPr>
-              <a:t>、心灵自由：</a:t>
-            </a:r>
-            <a:r>
-              <a:rPr lang="zh-CN" altLang="en-US" sz="1200" b="0" i="0" kern="1200" dirty="0" smtClean="0">
-                <a:solidFill>
-                  <a:schemeClr val="tx1"/>
-                </a:solidFill>
-                <a:latin typeface="+mn-lt"/>
-                <a:ea typeface="+mn-ea"/>
-                <a:cs typeface="+mn-cs"/>
-              </a:rPr>
-              <a:t>跟随内心，不让梦想憋屈。</a:t>
+              <a:t>、那时候我一直以为，财务自由最大的意义就是可以自由自在地去做各种喜欢的事情。其实。财务自由最大的意义，不是你可以去做你喜欢做的事情。财务自由，意味着你可以选择不做你不喜欢做的事情。</a:t>
             </a:r>
             <a:endParaRPr lang="en-US" altLang="zh-CN" sz="1200" b="0" i="0" kern="1200" dirty="0" smtClean="0">
               <a:solidFill>
@@ -2839,7 +3622,7 @@
                 <a:ea typeface="+mn-ea"/>
                 <a:cs typeface="+mn-cs"/>
               </a:rPr>
-              <a:t>3</a:t>
+              <a:t>4</a:t>
             </a:r>
             <a:r>
               <a:rPr lang="zh-CN" altLang="en-US" sz="1200" b="0" i="0" kern="1200" dirty="0" smtClean="0">
@@ -2850,12 +3633,64 @@
                 <a:ea typeface="+mn-ea"/>
                 <a:cs typeface="+mn-cs"/>
               </a:rPr>
-              <a:t>、再回头看到“财务自由”这几个字，原来说的是不是财务，而是自由。</a:t>
-            </a:r>
-            <a:endParaRPr lang="en-US" altLang="zh-CN" dirty="0" smtClean="0"/>
-          </a:p>
-          <a:p>
-            <a:endParaRPr lang="en-US" altLang="zh-CN" dirty="0" smtClean="0"/>
+              <a:t>、这是一个</a:t>
+            </a:r>
+            <a:r>
+              <a:rPr lang="en-US" altLang="zh-CN" sz="1200" b="0" i="0" kern="1200" dirty="0" smtClean="0">
+                <a:solidFill>
+                  <a:schemeClr val="tx1"/>
+                </a:solidFill>
+                <a:latin typeface="+mn-lt"/>
+                <a:ea typeface="+mn-ea"/>
+                <a:cs typeface="+mn-cs"/>
+              </a:rPr>
+              <a:t>say</a:t>
+            </a:r>
+            <a:r>
+              <a:rPr lang="en-US" altLang="zh-CN" sz="1200" b="0" i="0" kern="1200" baseline="0" dirty="0" smtClean="0">
+                <a:solidFill>
+                  <a:schemeClr val="tx1"/>
+                </a:solidFill>
+                <a:latin typeface="+mn-lt"/>
+                <a:ea typeface="+mn-ea"/>
+                <a:cs typeface="+mn-cs"/>
+              </a:rPr>
+              <a:t> no </a:t>
+            </a:r>
+            <a:r>
+              <a:rPr lang="zh-CN" altLang="en-US" sz="1200" b="0" i="0" kern="1200" baseline="0" dirty="0" smtClean="0">
+                <a:solidFill>
+                  <a:schemeClr val="tx1"/>
+                </a:solidFill>
+                <a:latin typeface="+mn-lt"/>
+                <a:ea typeface="+mn-ea"/>
+                <a:cs typeface="+mn-cs"/>
+              </a:rPr>
+              <a:t>的力量。它</a:t>
+            </a:r>
+            <a:r>
+              <a:rPr lang="zh-CN" altLang="en-US" sz="1200" b="1" i="0" kern="1200" dirty="0" smtClean="0">
+                <a:solidFill>
+                  <a:schemeClr val="tx1"/>
+                </a:solidFill>
+                <a:latin typeface="+mn-lt"/>
+                <a:ea typeface="+mn-ea"/>
+                <a:cs typeface="+mn-cs"/>
+              </a:rPr>
+              <a:t>不是让你可以随心所欲，而是你可以掌控自己；不是为所欲为，而是可以有所不为。</a:t>
+            </a:r>
+            <a:r>
+              <a:rPr lang="zh-CN" altLang="en-US" sz="1200" dirty="0" smtClean="0"/>
+              <a:t>得到了生活质量的提升和摆脱恐惧和担忧，得到安全的保障</a:t>
+            </a:r>
+            <a:endParaRPr lang="en-US" altLang="zh-CN" sz="1200" b="0" i="0" kern="1200" dirty="0" smtClean="0">
+              <a:solidFill>
+                <a:schemeClr val="tx1"/>
+              </a:solidFill>
+              <a:latin typeface="+mn-lt"/>
+              <a:ea typeface="+mn-ea"/>
+              <a:cs typeface="+mn-cs"/>
+            </a:endParaRPr>
           </a:p>
         </p:txBody>
       </p:sp>
@@ -2877,7 +3712,7 @@
             <a:fld id="{A82FCF1A-DE1D-4A03-B432-41B70649DC02}" type="slidenum">
               <a:rPr lang="zh-CN" altLang="en-US" smtClean="0"/>
               <a:pPr/>
-              <a:t>10</a:t>
+              <a:t>9</a:t>
             </a:fld>
             <a:endParaRPr lang="zh-CN" altLang="en-US"/>
           </a:p>
@@ -2913,7 +3748,7 @@
           <p:cNvPr id="2" name="矩形 1">
             <a:extLst>
               <a:ext uri="{FF2B5EF4-FFF2-40B4-BE49-F238E27FC236}">
-                <a16:creationId xmlns="" xmlns:a16="http://schemas.microsoft.com/office/drawing/2014/main" id="{FE720040-6A73-4D7E-88A3-11A25FE289F6}"/>
+                <a16:creationId xmlns:a16="http://schemas.microsoft.com/office/drawing/2014/main" xmlns="" id="{FE720040-6A73-4D7E-88A3-11A25FE289F6}"/>
               </a:ext>
             </a:extLst>
           </p:cNvPr>
@@ -2964,7 +3799,7 @@
     </p:spTree>
     <p:extLst>
       <p:ext uri="{BB962C8B-B14F-4D97-AF65-F5344CB8AC3E}">
-        <p14:creationId xmlns="" xmlns:p14="http://schemas.microsoft.com/office/powerpoint/2010/main" val="2957361615"/>
+        <p14:creationId xmlns:p14="http://schemas.microsoft.com/office/powerpoint/2010/main" xmlns="" val="2957361615"/>
       </p:ext>
     </p:extLst>
   </p:cSld>
@@ -2996,7 +3831,7 @@
           <p:cNvPr id="4" name="矩形 3">
             <a:extLst>
               <a:ext uri="{FF2B5EF4-FFF2-40B4-BE49-F238E27FC236}">
-                <a16:creationId xmlns="" xmlns:a16="http://schemas.microsoft.com/office/drawing/2014/main" id="{727F4D38-7936-420D-BB2A-2AB2DA277905}"/>
+                <a16:creationId xmlns:a16="http://schemas.microsoft.com/office/drawing/2014/main" xmlns="" id="{727F4D38-7936-420D-BB2A-2AB2DA277905}"/>
               </a:ext>
             </a:extLst>
           </p:cNvPr>
@@ -3049,7 +3884,7 @@
           <p:cNvPr id="10" name="矩形 9">
             <a:extLst>
               <a:ext uri="{FF2B5EF4-FFF2-40B4-BE49-F238E27FC236}">
-                <a16:creationId xmlns="" xmlns:a16="http://schemas.microsoft.com/office/drawing/2014/main" id="{BF2368AD-72E6-411D-8E44-8798DE8DE854}"/>
+                <a16:creationId xmlns:a16="http://schemas.microsoft.com/office/drawing/2014/main" xmlns="" id="{BF2368AD-72E6-411D-8E44-8798DE8DE854}"/>
               </a:ext>
             </a:extLst>
           </p:cNvPr>
@@ -3098,7 +3933,7 @@
           <p:cNvPr id="11" name="组合 10">
             <a:extLst>
               <a:ext uri="{FF2B5EF4-FFF2-40B4-BE49-F238E27FC236}">
-                <a16:creationId xmlns="" xmlns:a16="http://schemas.microsoft.com/office/drawing/2014/main" id="{A7555473-BEC3-4523-99BC-DDEFB4A6AE0E}"/>
+                <a16:creationId xmlns:a16="http://schemas.microsoft.com/office/drawing/2014/main" xmlns="" id="{A7555473-BEC3-4523-99BC-DDEFB4A6AE0E}"/>
               </a:ext>
             </a:extLst>
           </p:cNvPr>
@@ -3118,7 +3953,7 @@
             <p:cNvPr id="12" name="图片 11">
               <a:extLst>
                 <a:ext uri="{FF2B5EF4-FFF2-40B4-BE49-F238E27FC236}">
-                  <a16:creationId xmlns="" xmlns:a16="http://schemas.microsoft.com/office/drawing/2014/main" id="{8D41D6E8-4E63-404B-BE01-AFDAC7B49A50}"/>
+                  <a16:creationId xmlns:a16="http://schemas.microsoft.com/office/drawing/2014/main" xmlns="" id="{8D41D6E8-4E63-404B-BE01-AFDAC7B49A50}"/>
                 </a:ext>
               </a:extLst>
             </p:cNvPr>
@@ -3131,7 +3966,7 @@
             <a:blip r:embed="rId2" cstate="print">
               <a:extLst>
                 <a:ext uri="{28A0092B-C50C-407E-A947-70E740481C1C}">
-                  <a14:useLocalDpi xmlns="" xmlns:a14="http://schemas.microsoft.com/office/drawing/2010/main" val="0"/>
+                  <a14:useLocalDpi xmlns:a14="http://schemas.microsoft.com/office/drawing/2010/main" xmlns="" val="0"/>
                 </a:ext>
               </a:extLst>
             </a:blip>
@@ -3154,7 +3989,7 @@
             <p:cNvPr id="15" name="Freeform 197" descr="e7d195523061f1c03a90ee8e42cb24248e56383cd534985688F9F494128731F165EE95AB4B0C0A38076AAEA07667B1565C446FC45FF01DFB0E885BCDBDF3A284F3DB14DA61DD97F0BAB2E6C668FB4931659DCAC52277681B35A97A58EB1CDE1A30E511E1F70EEB23193653529328E29B82636547E25AC41088D20F0A52114429D13EF1D12E4FBA26373564D4CAB325C9">
               <a:extLst>
                 <a:ext uri="{FF2B5EF4-FFF2-40B4-BE49-F238E27FC236}">
-                  <a16:creationId xmlns="" xmlns:a16="http://schemas.microsoft.com/office/drawing/2014/main" id="{693A3A7E-8A6F-43C4-8924-BE4267DA1AFA}"/>
+                  <a16:creationId xmlns:a16="http://schemas.microsoft.com/office/drawing/2014/main" xmlns="" id="{693A3A7E-8A6F-43C4-8924-BE4267DA1AFA}"/>
                 </a:ext>
               </a:extLst>
             </p:cNvPr>
@@ -3662,7 +4497,7 @@
           <p:cNvPr id="16" name="文本框 17" descr="e7d195523061f1c03a90ee8e42cb24248e56383cd534985688F9F494128731F165EE95AB4B0C0A38076AAEA07667B1565C446FC45FF01DFB0E885BCDBDF3A284F3DB14DA61DD97F0BAB2E6C668FB4931659DCAC52277681B35A97A58EB1CDE1A30E511E1F70EEB23193653529328E29B82636547E25AC41088D20F0A52114429D13EF1D12E4FBA26373564D4CAB325C9">
             <a:extLst>
               <a:ext uri="{FF2B5EF4-FFF2-40B4-BE49-F238E27FC236}">
-                <a16:creationId xmlns="" xmlns:a16="http://schemas.microsoft.com/office/drawing/2014/main" id="{DC8306CE-23BC-43E0-B271-F7BDFAD2BE97}"/>
+                <a16:creationId xmlns:a16="http://schemas.microsoft.com/office/drawing/2014/main" xmlns="" id="{DC8306CE-23BC-43E0-B271-F7BDFAD2BE97}"/>
               </a:ext>
             </a:extLst>
           </p:cNvPr>
@@ -3868,7 +4703,7 @@
     </p:spTree>
     <p:extLst>
       <p:ext uri="{BB962C8B-B14F-4D97-AF65-F5344CB8AC3E}">
-        <p14:creationId xmlns="" xmlns:p14="http://schemas.microsoft.com/office/powerpoint/2010/main" val="1252666115"/>
+        <p14:creationId xmlns:p14="http://schemas.microsoft.com/office/powerpoint/2010/main" xmlns="" val="1252666115"/>
       </p:ext>
     </p:extLst>
   </p:cSld>
@@ -3900,7 +4735,7 @@
           <p:cNvPr id="12" name="矩形 11">
             <a:extLst>
               <a:ext uri="{FF2B5EF4-FFF2-40B4-BE49-F238E27FC236}">
-                <a16:creationId xmlns="" xmlns:a16="http://schemas.microsoft.com/office/drawing/2014/main" id="{A2934E02-885F-4DE5-A8CD-A0B755BCF10C}"/>
+                <a16:creationId xmlns:a16="http://schemas.microsoft.com/office/drawing/2014/main" xmlns="" id="{A2934E02-885F-4DE5-A8CD-A0B755BCF10C}"/>
               </a:ext>
             </a:extLst>
           </p:cNvPr>
@@ -3953,7 +4788,7 @@
           <p:cNvPr id="3" name="组合 2">
             <a:extLst>
               <a:ext uri="{FF2B5EF4-FFF2-40B4-BE49-F238E27FC236}">
-                <a16:creationId xmlns="" xmlns:a16="http://schemas.microsoft.com/office/drawing/2014/main" id="{35C4FA5F-A368-4CE1-B551-429560142B43}"/>
+                <a16:creationId xmlns:a16="http://schemas.microsoft.com/office/drawing/2014/main" xmlns="" id="{35C4FA5F-A368-4CE1-B551-429560142B43}"/>
               </a:ext>
             </a:extLst>
           </p:cNvPr>
@@ -3973,7 +4808,7 @@
             <p:cNvPr id="4" name="文本框 17" descr="e7d195523061f1c03a90ee8e42cb24248e56383cd534985688F9F494128731F165EE95AB4B0C0A38076AAEA07667B1565C446FC45FF01DFB0E885BCDBDF3A284F3DB14DA61DD97F0BAB2E6C668FB4931659DCAC52277681B35A97A58EB1CDE1A30E511E1F70EEB23193653529328E29B82636547E25AC41088D20F0A52114429D13EF1D12E4FBA26373564D4CAB325C9">
               <a:extLst>
                 <a:ext uri="{FF2B5EF4-FFF2-40B4-BE49-F238E27FC236}">
-                  <a16:creationId xmlns="" xmlns:a16="http://schemas.microsoft.com/office/drawing/2014/main" id="{D9028075-8FE7-4A48-8137-1C92E6CFA414}"/>
+                  <a16:creationId xmlns:a16="http://schemas.microsoft.com/office/drawing/2014/main" xmlns="" id="{D9028075-8FE7-4A48-8137-1C92E6CFA414}"/>
                 </a:ext>
               </a:extLst>
             </p:cNvPr>
@@ -4181,7 +5016,7 @@
             <p:cNvPr id="5" name="Freeform 197" descr="e7d195523061f1c03a90ee8e42cb24248e56383cd534985688F9F494128731F165EE95AB4B0C0A38076AAEA07667B1565C446FC45FF01DFB0E885BCDBDF3A284F3DB14DA61DD97F0BAB2E6C668FB4931659DCAC52277681B35A97A58EB1CDE1A30E511E1F70EEB23193653529328E29B82636547E25AC41088D20F0A52114429D13EF1D12E4FBA26373564D4CAB325C9">
               <a:extLst>
                 <a:ext uri="{FF2B5EF4-FFF2-40B4-BE49-F238E27FC236}">
-                  <a16:creationId xmlns="" xmlns:a16="http://schemas.microsoft.com/office/drawing/2014/main" id="{F0EFBFDE-6013-42FF-91E7-778DBD6B7790}"/>
+                  <a16:creationId xmlns:a16="http://schemas.microsoft.com/office/drawing/2014/main" xmlns="" id="{F0EFBFDE-6013-42FF-91E7-778DBD6B7790}"/>
                 </a:ext>
               </a:extLst>
             </p:cNvPr>
@@ -4687,7 +5522,7 @@
             <p:cNvPr id="6" name="图片 5">
               <a:extLst>
                 <a:ext uri="{FF2B5EF4-FFF2-40B4-BE49-F238E27FC236}">
-                  <a16:creationId xmlns="" xmlns:a16="http://schemas.microsoft.com/office/drawing/2014/main" id="{F41DDECF-8C72-49B8-A170-462E1808EE82}"/>
+                  <a16:creationId xmlns:a16="http://schemas.microsoft.com/office/drawing/2014/main" xmlns="" id="{F41DDECF-8C72-49B8-A170-462E1808EE82}"/>
                 </a:ext>
               </a:extLst>
             </p:cNvPr>
@@ -4700,7 +5535,7 @@
             <a:blip r:embed="rId2" cstate="screen">
               <a:extLst>
                 <a:ext uri="{28A0092B-C50C-407E-A947-70E740481C1C}">
-                  <a14:useLocalDpi xmlns="" xmlns:a14="http://schemas.microsoft.com/office/drawing/2010/main"/>
+                  <a14:useLocalDpi xmlns:a14="http://schemas.microsoft.com/office/drawing/2010/main" xmlns=""/>
                 </a:ext>
               </a:extLst>
             </a:blip>
@@ -4722,7 +5557,7 @@
     </p:spTree>
     <p:extLst>
       <p:ext uri="{BB962C8B-B14F-4D97-AF65-F5344CB8AC3E}">
-        <p14:creationId xmlns="" xmlns:p14="http://schemas.microsoft.com/office/powerpoint/2010/main" val="681434284"/>
+        <p14:creationId xmlns:p14="http://schemas.microsoft.com/office/powerpoint/2010/main" xmlns="" val="681434284"/>
       </p:ext>
     </p:extLst>
   </p:cSld>
@@ -4862,7 +5697,7 @@
             <a:fld id="{B1319713-D4D7-42AA-83A4-99C7908F9AC2}" type="datetimeFigureOut">
               <a:rPr lang="zh-CN" altLang="en-US" smtClean="0"/>
               <a:pPr/>
-              <a:t>2019/4/24</a:t>
+              <a:t>2019/4/25</a:t>
             </a:fld>
             <a:endParaRPr lang="zh-CN" altLang="en-US" dirty="0"/>
           </a:p>
@@ -4914,7 +5749,7 @@
     </p:spTree>
     <p:extLst>
       <p:ext uri="{BB962C8B-B14F-4D97-AF65-F5344CB8AC3E}">
-        <p14:creationId xmlns="" xmlns:p14="http://schemas.microsoft.com/office/powerpoint/2010/main" val="913174607"/>
+        <p14:creationId xmlns:p14="http://schemas.microsoft.com/office/powerpoint/2010/main" xmlns="" val="913174607"/>
       </p:ext>
     </p:extLst>
   </p:cSld>
@@ -4958,7 +5793,7 @@
     </p:spTree>
     <p:extLst>
       <p:ext uri="{BB962C8B-B14F-4D97-AF65-F5344CB8AC3E}">
-        <p14:creationId xmlns="" xmlns:p14="http://schemas.microsoft.com/office/powerpoint/2010/main" val="3673115167"/>
+        <p14:creationId xmlns:p14="http://schemas.microsoft.com/office/powerpoint/2010/main" xmlns="" val="3673115167"/>
       </p:ext>
     </p:extLst>
   </p:cSld>
@@ -5274,7 +6109,7 @@
           <p:cNvPr id="5" name="图片 4" descr="图片包含 户外, 天空, 建筑物, 时钟&#10;&#10;已生成极高可信度的说明">
             <a:extLst>
               <a:ext uri="{FF2B5EF4-FFF2-40B4-BE49-F238E27FC236}">
-                <a16:creationId xmlns="" xmlns:a16="http://schemas.microsoft.com/office/drawing/2014/main" id="{E742670A-5F99-4FC0-B09D-715419AF7596}"/>
+                <a16:creationId xmlns:a16="http://schemas.microsoft.com/office/drawing/2014/main" xmlns="" id="{E742670A-5F99-4FC0-B09D-715419AF7596}"/>
               </a:ext>
             </a:extLst>
           </p:cNvPr>
@@ -5287,7 +6122,7 @@
           <a:blip r:embed="rId3" cstate="screen">
             <a:extLst>
               <a:ext uri="{28A0092B-C50C-407E-A947-70E740481C1C}">
-                <a14:useLocalDpi xmlns="" xmlns:a14="http://schemas.microsoft.com/office/drawing/2010/main" val="0"/>
+                <a14:useLocalDpi xmlns:a14="http://schemas.microsoft.com/office/drawing/2010/main" xmlns="" val="0"/>
               </a:ext>
             </a:extLst>
           </a:blip>
@@ -5309,7 +6144,7 @@
           <p:cNvPr id="22" name="任意多边形: 形状 21">
             <a:extLst>
               <a:ext uri="{FF2B5EF4-FFF2-40B4-BE49-F238E27FC236}">
-                <a16:creationId xmlns="" xmlns:a16="http://schemas.microsoft.com/office/drawing/2014/main" id="{8B512DC7-300D-4210-A41E-42FB36991E9E}"/>
+                <a16:creationId xmlns:a16="http://schemas.microsoft.com/office/drawing/2014/main" xmlns="" id="{8B512DC7-300D-4210-A41E-42FB36991E9E}"/>
               </a:ext>
             </a:extLst>
           </p:cNvPr>
@@ -5414,7 +6249,7 @@
           <p:cNvPr id="15" name="文本框 14">
             <a:extLst>
               <a:ext uri="{FF2B5EF4-FFF2-40B4-BE49-F238E27FC236}">
-                <a16:creationId xmlns="" xmlns:a16="http://schemas.microsoft.com/office/drawing/2014/main" id="{CF7CF6A1-F42F-4345-8E65-512E3468ABDA}"/>
+                <a16:creationId xmlns:a16="http://schemas.microsoft.com/office/drawing/2014/main" xmlns="" id="{CF7CF6A1-F42F-4345-8E65-512E3468ABDA}"/>
               </a:ext>
             </a:extLst>
           </p:cNvPr>
@@ -5462,7 +6297,7 @@
           <p:cNvPr id="16" name="文本框 15">
             <a:extLst>
               <a:ext uri="{FF2B5EF4-FFF2-40B4-BE49-F238E27FC236}">
-                <a16:creationId xmlns="" xmlns:a16="http://schemas.microsoft.com/office/drawing/2014/main" id="{E3C4B4E8-ECCF-4E52-9071-7F4A94909060}"/>
+                <a16:creationId xmlns:a16="http://schemas.microsoft.com/office/drawing/2014/main" xmlns="" id="{E3C4B4E8-ECCF-4E52-9071-7F4A94909060}"/>
               </a:ext>
             </a:extLst>
           </p:cNvPr>
@@ -5503,7 +6338,7 @@
           <p:cNvPr id="17" name="文本框 16">
             <a:extLst>
               <a:ext uri="{FF2B5EF4-FFF2-40B4-BE49-F238E27FC236}">
-                <a16:creationId xmlns="" xmlns:a16="http://schemas.microsoft.com/office/drawing/2014/main" id="{7E55C8BE-7C88-4A39-9A21-F62BEB66A5C6}"/>
+                <a16:creationId xmlns:a16="http://schemas.microsoft.com/office/drawing/2014/main" xmlns="" id="{7E55C8BE-7C88-4A39-9A21-F62BEB66A5C6}"/>
               </a:ext>
             </a:extLst>
           </p:cNvPr>
@@ -5554,7 +6389,7 @@
           <p:cNvPr id="18" name="文本框 17">
             <a:extLst>
               <a:ext uri="{FF2B5EF4-FFF2-40B4-BE49-F238E27FC236}">
-                <a16:creationId xmlns="" xmlns:a16="http://schemas.microsoft.com/office/drawing/2014/main" id="{E686CBDB-D9D1-4811-9A5B-F924146BFAE3}"/>
+                <a16:creationId xmlns:a16="http://schemas.microsoft.com/office/drawing/2014/main" xmlns="" id="{E686CBDB-D9D1-4811-9A5B-F924146BFAE3}"/>
               </a:ext>
             </a:extLst>
           </p:cNvPr>
@@ -5621,7 +6456,7 @@
           <p:cNvPr id="23" name="任意多边形: 形状 22">
             <a:extLst>
               <a:ext uri="{FF2B5EF4-FFF2-40B4-BE49-F238E27FC236}">
-                <a16:creationId xmlns="" xmlns:a16="http://schemas.microsoft.com/office/drawing/2014/main" id="{2AB7E925-98D4-4048-93D2-B55FDA2BA567}"/>
+                <a16:creationId xmlns:a16="http://schemas.microsoft.com/office/drawing/2014/main" xmlns="" id="{2AB7E925-98D4-4048-93D2-B55FDA2BA567}"/>
               </a:ext>
             </a:extLst>
           </p:cNvPr>
@@ -5714,13 +6549,20 @@
     </p:spTree>
     <p:extLst>
       <p:ext uri="{BB962C8B-B14F-4D97-AF65-F5344CB8AC3E}">
-        <p14:creationId xmlns="" xmlns:p14="http://schemas.microsoft.com/office/powerpoint/2010/main" val="2097106355"/>
+        <p14:creationId xmlns:p14="http://schemas.microsoft.com/office/powerpoint/2010/main" xmlns="" val="2097106355"/>
       </p:ext>
     </p:extLst>
   </p:cSld>
   <p:clrMapOvr>
     <a:masterClrMapping/>
   </p:clrMapOvr>
+  <p:timing>
+    <p:tnLst>
+      <p:par>
+        <p:cTn id="1" dur="indefinite" restart="never" nodeType="tmRoot"/>
+      </p:par>
+    </p:tnLst>
+  </p:timing>
 </p:sld>
 </file>
 
@@ -5746,7 +6588,7 @@
           <p:cNvPr id="2" name="组合 1">
             <a:extLst>
               <a:ext uri="{FF2B5EF4-FFF2-40B4-BE49-F238E27FC236}">
-                <a16:creationId xmlns="" xmlns:a16="http://schemas.microsoft.com/office/drawing/2014/main" id="{E50DEB0B-1C12-44D1-AAA1-F4E0A4F19E17}"/>
+                <a16:creationId xmlns:a16="http://schemas.microsoft.com/office/drawing/2014/main" xmlns="" id="{E50DEB0B-1C12-44D1-AAA1-F4E0A4F19E17}"/>
               </a:ext>
             </a:extLst>
           </p:cNvPr>
@@ -5766,7 +6608,7 @@
             <p:cNvPr id="7" name="矩形 6">
               <a:extLst>
                 <a:ext uri="{FF2B5EF4-FFF2-40B4-BE49-F238E27FC236}">
-                  <a16:creationId xmlns="" xmlns:a16="http://schemas.microsoft.com/office/drawing/2014/main" id="{D5213AAE-A69E-40F7-931A-4EAD7707F511}"/>
+                  <a16:creationId xmlns:a16="http://schemas.microsoft.com/office/drawing/2014/main" xmlns="" id="{D5213AAE-A69E-40F7-931A-4EAD7707F511}"/>
                 </a:ext>
               </a:extLst>
             </p:cNvPr>
@@ -5815,7 +6657,7 @@
             <p:cNvPr id="8" name="矩形 7">
               <a:extLst>
                 <a:ext uri="{FF2B5EF4-FFF2-40B4-BE49-F238E27FC236}">
-                  <a16:creationId xmlns="" xmlns:a16="http://schemas.microsoft.com/office/drawing/2014/main" id="{F74F58D4-5D9A-43AA-A842-4414D43E7D86}"/>
+                  <a16:creationId xmlns:a16="http://schemas.microsoft.com/office/drawing/2014/main" xmlns="" id="{F74F58D4-5D9A-43AA-A842-4414D43E7D86}"/>
                 </a:ext>
               </a:extLst>
             </p:cNvPr>
@@ -5869,7 +6711,7 @@
           <p:cNvPr id="28" name="TextBox 9">
             <a:extLst>
               <a:ext uri="{FF2B5EF4-FFF2-40B4-BE49-F238E27FC236}">
-                <a16:creationId xmlns="" xmlns:a16="http://schemas.microsoft.com/office/drawing/2014/main" id="{F9620907-505E-4433-8CD6-0B35E582F63E}"/>
+                <a16:creationId xmlns:a16="http://schemas.microsoft.com/office/drawing/2014/main" xmlns="" id="{F9620907-505E-4433-8CD6-0B35E582F63E}"/>
               </a:ext>
             </a:extLst>
           </p:cNvPr>
@@ -6130,7 +6972,7 @@
     </p:spTree>
     <p:extLst>
       <p:ext uri="{BB962C8B-B14F-4D97-AF65-F5344CB8AC3E}">
-        <p14:creationId xmlns="" xmlns:p14="http://schemas.microsoft.com/office/powerpoint/2010/main" val="257282595"/>
+        <p14:creationId xmlns:p14="http://schemas.microsoft.com/office/powerpoint/2010/main" xmlns="" val="257282595"/>
       </p:ext>
     </p:extLst>
   </p:cSld>
@@ -6138,7 +6980,7 @@
     <a:masterClrMapping/>
   </p:clrMapOvr>
   <mc:AlternateContent xmlns:mc="http://schemas.openxmlformats.org/markup-compatibility/2006">
-    <mc:Choice xmlns="" xmlns:p14="http://schemas.microsoft.com/office/powerpoint/2010/main" Requires="p14">
+    <mc:Choice xmlns:p14="http://schemas.microsoft.com/office/powerpoint/2010/main" xmlns="" Requires="p14">
       <p:transition spd="slow" p14:dur="1600">
         <p:blinds dir="vert"/>
       </p:transition>
@@ -6181,7 +7023,7 @@
           <p:cNvPr id="2" name="组合 1">
             <a:extLst>
               <a:ext uri="{FF2B5EF4-FFF2-40B4-BE49-F238E27FC236}">
-                <a16:creationId xmlns="" xmlns:a16="http://schemas.microsoft.com/office/drawing/2014/main" id="{E50DEB0B-1C12-44D1-AAA1-F4E0A4F19E17}"/>
+                <a16:creationId xmlns:a16="http://schemas.microsoft.com/office/drawing/2014/main" xmlns="" id="{E50DEB0B-1C12-44D1-AAA1-F4E0A4F19E17}"/>
               </a:ext>
             </a:extLst>
           </p:cNvPr>
@@ -6201,7 +7043,7 @@
             <p:cNvPr id="7" name="矩形 6">
               <a:extLst>
                 <a:ext uri="{FF2B5EF4-FFF2-40B4-BE49-F238E27FC236}">
-                  <a16:creationId xmlns="" xmlns:a16="http://schemas.microsoft.com/office/drawing/2014/main" id="{D5213AAE-A69E-40F7-931A-4EAD7707F511}"/>
+                  <a16:creationId xmlns:a16="http://schemas.microsoft.com/office/drawing/2014/main" xmlns="" id="{D5213AAE-A69E-40F7-931A-4EAD7707F511}"/>
                 </a:ext>
               </a:extLst>
             </p:cNvPr>
@@ -6250,7 +7092,7 @@
             <p:cNvPr id="8" name="矩形 7">
               <a:extLst>
                 <a:ext uri="{FF2B5EF4-FFF2-40B4-BE49-F238E27FC236}">
-                  <a16:creationId xmlns="" xmlns:a16="http://schemas.microsoft.com/office/drawing/2014/main" id="{F74F58D4-5D9A-43AA-A842-4414D43E7D86}"/>
+                  <a16:creationId xmlns:a16="http://schemas.microsoft.com/office/drawing/2014/main" xmlns="" id="{F74F58D4-5D9A-43AA-A842-4414D43E7D86}"/>
                 </a:ext>
               </a:extLst>
             </p:cNvPr>
@@ -6304,7 +7146,7 @@
           <p:cNvPr id="28" name="TextBox 9">
             <a:extLst>
               <a:ext uri="{FF2B5EF4-FFF2-40B4-BE49-F238E27FC236}">
-                <a16:creationId xmlns="" xmlns:a16="http://schemas.microsoft.com/office/drawing/2014/main" id="{F9620907-505E-4433-8CD6-0B35E582F63E}"/>
+                <a16:creationId xmlns:a16="http://schemas.microsoft.com/office/drawing/2014/main" xmlns="" id="{F9620907-505E-4433-8CD6-0B35E582F63E}"/>
               </a:ext>
             </a:extLst>
           </p:cNvPr>
@@ -7803,7 +8645,7 @@
     </p:spTree>
     <p:extLst>
       <p:ext uri="{BB962C8B-B14F-4D97-AF65-F5344CB8AC3E}">
-        <p14:creationId xmlns="" xmlns:p14="http://schemas.microsoft.com/office/powerpoint/2010/main" val="257282595"/>
+        <p14:creationId xmlns:p14="http://schemas.microsoft.com/office/powerpoint/2010/main" xmlns="" val="257282595"/>
       </p:ext>
     </p:extLst>
   </p:cSld>
@@ -7811,7 +8653,7 @@
     <a:masterClrMapping/>
   </p:clrMapOvr>
   <mc:AlternateContent xmlns:mc="http://schemas.openxmlformats.org/markup-compatibility/2006">
-    <mc:Choice xmlns="" xmlns:p14="http://schemas.microsoft.com/office/powerpoint/2010/main" Requires="p14">
+    <mc:Choice xmlns:p14="http://schemas.microsoft.com/office/powerpoint/2010/main" xmlns="" Requires="p14">
       <p:transition spd="slow" p14:dur="1600">
         <p:blinds dir="vert"/>
       </p:transition>
@@ -7854,7 +8696,7 @@
           <p:cNvPr id="31" name="TextBox 9">
             <a:extLst>
               <a:ext uri="{FF2B5EF4-FFF2-40B4-BE49-F238E27FC236}">
-                <a16:creationId xmlns="" xmlns:a16="http://schemas.microsoft.com/office/drawing/2014/main" id="{196AEFB1-B5B8-48EC-BBBA-092BE2D0990E}"/>
+                <a16:creationId xmlns:a16="http://schemas.microsoft.com/office/drawing/2014/main" xmlns="" id="{196AEFB1-B5B8-48EC-BBBA-092BE2D0990E}"/>
               </a:ext>
             </a:extLst>
           </p:cNvPr>
@@ -8368,7 +9210,7 @@
             <a:effectLst/>
             <a:extLst>
               <a:ext uri="{C572A759-6A51-4108-AA02-DFA0A04FC94B}">
-                <ma14:wrappingTextBoxFlag xmlns="" xmlns:ma14="http://schemas.microsoft.com/office/mac/drawingml/2011/main" val="1"/>
+                <ma14:wrappingTextBoxFlag xmlns:ma14="http://schemas.microsoft.com/office/mac/drawingml/2011/main" xmlns="" val="1"/>
               </a:ext>
             </a:extLst>
           </p:spPr>
@@ -8549,7 +9391,7 @@
             <a:effectLst/>
             <a:extLst>
               <a:ext uri="{C572A759-6A51-4108-AA02-DFA0A04FC94B}">
-                <ma14:wrappingTextBoxFlag xmlns="" xmlns:ma14="http://schemas.microsoft.com/office/mac/drawingml/2011/main" val="1"/>
+                <ma14:wrappingTextBoxFlag xmlns:ma14="http://schemas.microsoft.com/office/mac/drawingml/2011/main" xmlns="" val="1"/>
               </a:ext>
             </a:extLst>
           </p:spPr>
@@ -8723,7 +9565,7 @@
             <a:effectLst/>
             <a:extLst>
               <a:ext uri="{C572A759-6A51-4108-AA02-DFA0A04FC94B}">
-                <ma14:wrappingTextBoxFlag xmlns="" xmlns:ma14="http://schemas.microsoft.com/office/mac/drawingml/2011/main" val="1"/>
+                <ma14:wrappingTextBoxFlag xmlns:ma14="http://schemas.microsoft.com/office/mac/drawingml/2011/main" xmlns="" val="1"/>
               </a:ext>
             </a:extLst>
           </p:spPr>
@@ -8897,7 +9739,7 @@
             <a:effectLst/>
             <a:extLst>
               <a:ext uri="{C572A759-6A51-4108-AA02-DFA0A04FC94B}">
-                <ma14:wrappingTextBoxFlag xmlns="" xmlns:ma14="http://schemas.microsoft.com/office/mac/drawingml/2011/main" val="1"/>
+                <ma14:wrappingTextBoxFlag xmlns:ma14="http://schemas.microsoft.com/office/mac/drawingml/2011/main" xmlns="" val="1"/>
               </a:ext>
             </a:extLst>
           </p:spPr>
@@ -9351,7 +10193,7 @@
     </p:spTree>
     <p:extLst>
       <p:ext uri="{BB962C8B-B14F-4D97-AF65-F5344CB8AC3E}">
-        <p14:creationId xmlns="" xmlns:p14="http://schemas.microsoft.com/office/powerpoint/2010/main" val="4095140424"/>
+        <p14:creationId xmlns:p14="http://schemas.microsoft.com/office/powerpoint/2010/main" xmlns="" val="4095140424"/>
       </p:ext>
     </p:extLst>
   </p:cSld>
@@ -9359,7 +10201,7 @@
     <a:masterClrMapping/>
   </p:clrMapOvr>
   <mc:AlternateContent xmlns:mc="http://schemas.openxmlformats.org/markup-compatibility/2006">
-    <mc:Choice xmlns="" xmlns:p14="http://schemas.microsoft.com/office/powerpoint/2010/main" Requires="p14">
+    <mc:Choice xmlns:p14="http://schemas.microsoft.com/office/powerpoint/2010/main" xmlns="" Requires="p14">
       <p:transition spd="slow" p14:dur="1600">
         <p:blinds dir="vert"/>
       </p:transition>
@@ -9370,6 +10212,13 @@
       </p:transition>
     </mc:Fallback>
   </mc:AlternateContent>
+  <p:timing>
+    <p:tnLst>
+      <p:par>
+        <p:cTn id="1" dur="indefinite" restart="never" nodeType="tmRoot"/>
+      </p:par>
+    </p:tnLst>
+  </p:timing>
 </p:sld>
 </file>
 
@@ -9395,7 +10244,7 @@
           <p:cNvPr id="31" name="TextBox 9">
             <a:extLst>
               <a:ext uri="{FF2B5EF4-FFF2-40B4-BE49-F238E27FC236}">
-                <a16:creationId xmlns="" xmlns:a16="http://schemas.microsoft.com/office/drawing/2014/main" id="{196AEFB1-B5B8-48EC-BBBA-092BE2D0990E}"/>
+                <a16:creationId xmlns:a16="http://schemas.microsoft.com/office/drawing/2014/main" xmlns="" id="{196AEFB1-B5B8-48EC-BBBA-092BE2D0990E}"/>
               </a:ext>
             </a:extLst>
           </p:cNvPr>
@@ -9731,7 +10580,7 @@
           </a:ln>
           <a:extLst>
             <a:ext uri="{909E8E84-426E-40DD-AFC4-6F175D3DCCD1}">
-              <a14:hiddenFill xmlns="" xmlns:a14="http://schemas.microsoft.com/office/drawing/2010/main">
+              <a14:hiddenFill xmlns:a14="http://schemas.microsoft.com/office/drawing/2010/main" xmlns="">
                 <a:solidFill>
                   <a:srgbClr val="FFFFFF"/>
                 </a:solidFill>
@@ -9815,7 +10664,7 @@
           </a:ln>
           <a:extLst>
             <a:ext uri="{909E8E84-426E-40DD-AFC4-6F175D3DCCD1}">
-              <a14:hiddenFill xmlns="" xmlns:a14="http://schemas.microsoft.com/office/drawing/2010/main">
+              <a14:hiddenFill xmlns:a14="http://schemas.microsoft.com/office/drawing/2010/main" xmlns="">
                 <a:solidFill>
                   <a:srgbClr val="FFFFFF"/>
                 </a:solidFill>
@@ -9899,7 +10748,7 @@
           </a:ln>
           <a:extLst>
             <a:ext uri="{909E8E84-426E-40DD-AFC4-6F175D3DCCD1}">
-              <a14:hiddenFill xmlns="" xmlns:a14="http://schemas.microsoft.com/office/drawing/2010/main">
+              <a14:hiddenFill xmlns:a14="http://schemas.microsoft.com/office/drawing/2010/main" xmlns="">
                 <a:solidFill>
                   <a:srgbClr val="FFFFFF"/>
                 </a:solidFill>
@@ -9983,7 +10832,7 @@
           </a:ln>
           <a:extLst>
             <a:ext uri="{909E8E84-426E-40DD-AFC4-6F175D3DCCD1}">
-              <a14:hiddenFill xmlns="" xmlns:a14="http://schemas.microsoft.com/office/drawing/2010/main">
+              <a14:hiddenFill xmlns:a14="http://schemas.microsoft.com/office/drawing/2010/main" xmlns="">
                 <a:solidFill>
                   <a:srgbClr val="FFFFFF"/>
                 </a:solidFill>
@@ -11110,7 +11959,7 @@
             </a:ln>
             <a:extLst>
               <a:ext uri="{91240B29-F687-4F45-9708-019B960494DF}">
-                <a14:hiddenLine xmlns="" xmlns:a14="http://schemas.microsoft.com/office/drawing/2010/main" w="9525">
+                <a14:hiddenLine xmlns:a14="http://schemas.microsoft.com/office/drawing/2010/main" xmlns="" w="9525">
                   <a:solidFill>
                     <a:srgbClr val="000000"/>
                   </a:solidFill>
@@ -12142,7 +12991,7 @@
             </a:ln>
             <a:extLst>
               <a:ext uri="{91240B29-F687-4F45-9708-019B960494DF}">
-                <a14:hiddenLine xmlns="" xmlns:a14="http://schemas.microsoft.com/office/drawing/2010/main" w="9525">
+                <a14:hiddenLine xmlns:a14="http://schemas.microsoft.com/office/drawing/2010/main" xmlns="" w="9525">
                   <a:solidFill>
                     <a:srgbClr val="000000"/>
                   </a:solidFill>
@@ -13005,7 +13854,7 @@
             </a:ln>
             <a:extLst>
               <a:ext uri="{91240B29-F687-4F45-9708-019B960494DF}">
-                <a14:hiddenLine xmlns="" xmlns:a14="http://schemas.microsoft.com/office/drawing/2010/main" w="9525">
+                <a14:hiddenLine xmlns:a14="http://schemas.microsoft.com/office/drawing/2010/main" xmlns="" w="9525">
                   <a:solidFill>
                     <a:srgbClr val="000000"/>
                   </a:solidFill>
@@ -13711,7 +14560,7 @@
             </a:ln>
             <a:extLst>
               <a:ext uri="{91240B29-F687-4F45-9708-019B960494DF}">
-                <a14:hiddenLine xmlns="" xmlns:a14="http://schemas.microsoft.com/office/drawing/2010/main" w="9525">
+                <a14:hiddenLine xmlns:a14="http://schemas.microsoft.com/office/drawing/2010/main" xmlns="" w="9525">
                   <a:solidFill>
                     <a:srgbClr val="000000"/>
                   </a:solidFill>
@@ -13756,14 +14605,14 @@
           </a:ln>
           <a:extLst>
             <a:ext uri="{909E8E84-426E-40DD-AFC4-6F175D3DCCD1}">
-              <a14:hiddenFill xmlns="" xmlns:a14="http://schemas.microsoft.com/office/drawing/2010/main">
+              <a14:hiddenFill xmlns:a14="http://schemas.microsoft.com/office/drawing/2010/main" xmlns="">
                 <a:solidFill>
                   <a:srgbClr val="FFFFFF"/>
                 </a:solidFill>
               </a14:hiddenFill>
             </a:ext>
             <a:ext uri="{91240B29-F687-4F45-9708-019B960494DF}">
-              <a14:hiddenLine xmlns="" xmlns:a14="http://schemas.microsoft.com/office/drawing/2010/main" w="9525">
+              <a14:hiddenLine xmlns:a14="http://schemas.microsoft.com/office/drawing/2010/main" xmlns="" w="9525">
                 <a:solidFill>
                   <a:srgbClr val="000000"/>
                 </a:solidFill>
@@ -13951,14 +14800,14 @@
           </a:ln>
           <a:extLst>
             <a:ext uri="{909E8E84-426E-40DD-AFC4-6F175D3DCCD1}">
-              <a14:hiddenFill xmlns="" xmlns:a14="http://schemas.microsoft.com/office/drawing/2010/main">
+              <a14:hiddenFill xmlns:a14="http://schemas.microsoft.com/office/drawing/2010/main" xmlns="">
                 <a:solidFill>
                   <a:srgbClr val="FFFFFF"/>
                 </a:solidFill>
               </a14:hiddenFill>
             </a:ext>
             <a:ext uri="{91240B29-F687-4F45-9708-019B960494DF}">
-              <a14:hiddenLine xmlns="" xmlns:a14="http://schemas.microsoft.com/office/drawing/2010/main" w="9525">
+              <a14:hiddenLine xmlns:a14="http://schemas.microsoft.com/office/drawing/2010/main" xmlns="" w="9525">
                 <a:solidFill>
                   <a:srgbClr val="000000"/>
                 </a:solidFill>
@@ -14152,14 +15001,14 @@
           </a:ln>
           <a:extLst>
             <a:ext uri="{909E8E84-426E-40DD-AFC4-6F175D3DCCD1}">
-              <a14:hiddenFill xmlns="" xmlns:a14="http://schemas.microsoft.com/office/drawing/2010/main">
+              <a14:hiddenFill xmlns:a14="http://schemas.microsoft.com/office/drawing/2010/main" xmlns="">
                 <a:solidFill>
                   <a:srgbClr val="FFFFFF"/>
                 </a:solidFill>
               </a14:hiddenFill>
             </a:ext>
             <a:ext uri="{91240B29-F687-4F45-9708-019B960494DF}">
-              <a14:hiddenLine xmlns="" xmlns:a14="http://schemas.microsoft.com/office/drawing/2010/main" w="9525">
+              <a14:hiddenLine xmlns:a14="http://schemas.microsoft.com/office/drawing/2010/main" xmlns="" w="9525">
                 <a:solidFill>
                   <a:srgbClr val="000000"/>
                 </a:solidFill>
@@ -14346,14 +15195,14 @@
           </a:ln>
           <a:extLst>
             <a:ext uri="{909E8E84-426E-40DD-AFC4-6F175D3DCCD1}">
-              <a14:hiddenFill xmlns="" xmlns:a14="http://schemas.microsoft.com/office/drawing/2010/main">
+              <a14:hiddenFill xmlns:a14="http://schemas.microsoft.com/office/drawing/2010/main" xmlns="">
                 <a:solidFill>
                   <a:srgbClr val="FFFFFF"/>
                 </a:solidFill>
               </a14:hiddenFill>
             </a:ext>
             <a:ext uri="{91240B29-F687-4F45-9708-019B960494DF}">
-              <a14:hiddenLine xmlns="" xmlns:a14="http://schemas.microsoft.com/office/drawing/2010/main" w="9525">
+              <a14:hiddenLine xmlns:a14="http://schemas.microsoft.com/office/drawing/2010/main" xmlns="" w="9525">
                 <a:solidFill>
                   <a:srgbClr val="000000"/>
                 </a:solidFill>
@@ -14512,63 +15361,7 @@
                   <a:schemeClr val="tx1"/>
                 </a:solidFill>
               </a:rPr>
-              <a:t>保有一个平常和自由的心，过</a:t>
-            </a:r>
-            <a:r>
-              <a:rPr lang="zh-CN" altLang="en-US" sz="1800" dirty="0" smtClean="0">
-                <a:solidFill>
-                  <a:schemeClr val="tx1"/>
-                </a:solidFill>
-              </a:rPr>
-              <a:t>上</a:t>
-            </a:r>
-            <a:r>
-              <a:rPr lang="zh-CN" altLang="en-US" sz="1800" dirty="0" smtClean="0">
-                <a:solidFill>
-                  <a:schemeClr val="tx1"/>
-                </a:solidFill>
-              </a:rPr>
-              <a:t>符合实际的内心</a:t>
-            </a:r>
-            <a:r>
-              <a:rPr lang="zh-CN" altLang="en-US" sz="1800" dirty="0" smtClean="0">
-                <a:solidFill>
-                  <a:schemeClr val="tx1"/>
-                </a:solidFill>
-              </a:rPr>
-              <a:t>期待</a:t>
-            </a:r>
-            <a:r>
-              <a:rPr lang="zh-CN" altLang="en-US" sz="1800" dirty="0" smtClean="0">
-                <a:solidFill>
-                  <a:schemeClr val="tx1"/>
-                </a:solidFill>
-              </a:rPr>
-              <a:t>的</a:t>
-            </a:r>
-            <a:r>
-              <a:rPr lang="zh-CN" altLang="en-US" sz="1800" dirty="0" smtClean="0">
-                <a:solidFill>
-                  <a:schemeClr val="tx1"/>
-                </a:solidFill>
-              </a:rPr>
-              <a:t>自己</a:t>
-            </a:r>
-            <a:r>
-              <a:rPr lang="zh-CN" altLang="en-US" sz="1800" dirty="0" smtClean="0">
-                <a:solidFill>
-                  <a:schemeClr val="tx1"/>
-                </a:solidFill>
-              </a:rPr>
-              <a:t>真实想要的</a:t>
-            </a:r>
-            <a:r>
-              <a:rPr lang="zh-CN" altLang="en-US" sz="1800" dirty="0" smtClean="0">
-                <a:solidFill>
-                  <a:schemeClr val="tx1"/>
-                </a:solidFill>
-              </a:rPr>
-              <a:t>生活</a:t>
+              <a:t>保有一个平常和自由的心，过上符合实际的内心期待的自己真实想要的生活</a:t>
             </a:r>
             <a:r>
               <a:rPr lang="en-US" altLang="zh-CN" sz="1800" dirty="0" smtClean="0">
@@ -14578,11 +15371,6 @@
               </a:rPr>
               <a:t>,</a:t>
             </a:r>
-            <a:endParaRPr lang="en-US" altLang="zh-CN" sz="1800" dirty="0" smtClean="0">
-              <a:solidFill>
-                <a:schemeClr val="tx1"/>
-              </a:solidFill>
-            </a:endParaRPr>
           </a:p>
         </p:txBody>
       </p:sp>
@@ -14608,14 +15396,14 @@
           </a:ln>
           <a:extLst>
             <a:ext uri="{909E8E84-426E-40DD-AFC4-6F175D3DCCD1}">
-              <a14:hiddenFill xmlns="" xmlns:a14="http://schemas.microsoft.com/office/drawing/2010/main">
+              <a14:hiddenFill xmlns:a14="http://schemas.microsoft.com/office/drawing/2010/main" xmlns="">
                 <a:solidFill>
                   <a:srgbClr val="FFFFFF"/>
                 </a:solidFill>
               </a14:hiddenFill>
             </a:ext>
             <a:ext uri="{91240B29-F687-4F45-9708-019B960494DF}">
-              <a14:hiddenLine xmlns="" xmlns:a14="http://schemas.microsoft.com/office/drawing/2010/main" w="9525">
+              <a14:hiddenLine xmlns:a14="http://schemas.microsoft.com/office/drawing/2010/main" xmlns="" w="9525">
                 <a:solidFill>
                   <a:srgbClr val="000000"/>
                 </a:solidFill>
@@ -14802,14 +15590,14 @@
           </a:ln>
           <a:extLst>
             <a:ext uri="{909E8E84-426E-40DD-AFC4-6F175D3DCCD1}">
-              <a14:hiddenFill xmlns="" xmlns:a14="http://schemas.microsoft.com/office/drawing/2010/main">
+              <a14:hiddenFill xmlns:a14="http://schemas.microsoft.com/office/drawing/2010/main" xmlns="">
                 <a:solidFill>
                   <a:srgbClr val="FFFFFF"/>
                 </a:solidFill>
               </a14:hiddenFill>
             </a:ext>
             <a:ext uri="{91240B29-F687-4F45-9708-019B960494DF}">
-              <a14:hiddenLine xmlns="" xmlns:a14="http://schemas.microsoft.com/office/drawing/2010/main" w="9525">
+              <a14:hiddenLine xmlns:a14="http://schemas.microsoft.com/office/drawing/2010/main" xmlns="" w="9525">
                 <a:solidFill>
                   <a:srgbClr val="000000"/>
                 </a:solidFill>
@@ -15003,14 +15791,14 @@
           </a:ln>
           <a:extLst>
             <a:ext uri="{909E8E84-426E-40DD-AFC4-6F175D3DCCD1}">
-              <a14:hiddenFill xmlns="" xmlns:a14="http://schemas.microsoft.com/office/drawing/2010/main">
+              <a14:hiddenFill xmlns:a14="http://schemas.microsoft.com/office/drawing/2010/main" xmlns="">
                 <a:solidFill>
                   <a:srgbClr val="FFFFFF"/>
                 </a:solidFill>
               </a14:hiddenFill>
             </a:ext>
             <a:ext uri="{91240B29-F687-4F45-9708-019B960494DF}">
-              <a14:hiddenLine xmlns="" xmlns:a14="http://schemas.microsoft.com/office/drawing/2010/main" w="9525">
+              <a14:hiddenLine xmlns:a14="http://schemas.microsoft.com/office/drawing/2010/main" xmlns="" w="9525">
                 <a:solidFill>
                   <a:srgbClr val="000000"/>
                 </a:solidFill>
@@ -15197,14 +15985,14 @@
           </a:ln>
           <a:extLst>
             <a:ext uri="{909E8E84-426E-40DD-AFC4-6F175D3DCCD1}">
-              <a14:hiddenFill xmlns="" xmlns:a14="http://schemas.microsoft.com/office/drawing/2010/main">
+              <a14:hiddenFill xmlns:a14="http://schemas.microsoft.com/office/drawing/2010/main" xmlns="">
                 <a:solidFill>
                   <a:srgbClr val="FFFFFF"/>
                 </a:solidFill>
               </a14:hiddenFill>
             </a:ext>
             <a:ext uri="{91240B29-F687-4F45-9708-019B960494DF}">
-              <a14:hiddenLine xmlns="" xmlns:a14="http://schemas.microsoft.com/office/drawing/2010/main" w="9525">
+              <a14:hiddenLine xmlns:a14="http://schemas.microsoft.com/office/drawing/2010/main" xmlns="" w="9525">
                 <a:solidFill>
                   <a:srgbClr val="000000"/>
                 </a:solidFill>
@@ -15376,7 +16164,7 @@
     </p:spTree>
     <p:extLst>
       <p:ext uri="{BB962C8B-B14F-4D97-AF65-F5344CB8AC3E}">
-        <p14:creationId xmlns="" xmlns:p14="http://schemas.microsoft.com/office/powerpoint/2010/main" val="4095140424"/>
+        <p14:creationId xmlns:p14="http://schemas.microsoft.com/office/powerpoint/2010/main" xmlns="" val="4095140424"/>
       </p:ext>
     </p:extLst>
   </p:cSld>
@@ -15384,7 +16172,7 @@
     <a:masterClrMapping/>
   </p:clrMapOvr>
   <mc:AlternateContent xmlns:mc="http://schemas.openxmlformats.org/markup-compatibility/2006">
-    <mc:Choice xmlns="" xmlns:p14="http://schemas.microsoft.com/office/powerpoint/2010/main" Requires="p14">
+    <mc:Choice xmlns:p14="http://schemas.microsoft.com/office/powerpoint/2010/main" xmlns="" Requires="p14">
       <p:transition spd="slow" p14:dur="1600">
         <p:blinds dir="vert"/>
       </p:transition>
@@ -15395,6 +16183,13 @@
       </p:transition>
     </mc:Fallback>
   </mc:AlternateContent>
+  <p:timing>
+    <p:tnLst>
+      <p:par>
+        <p:cTn id="1" dur="indefinite" restart="never" nodeType="tmRoot"/>
+      </p:par>
+    </p:tnLst>
+  </p:timing>
 </p:sld>
 </file>
 
@@ -15420,7 +16215,7 @@
           <p:cNvPr id="2" name="组合 1">
             <a:extLst>
               <a:ext uri="{FF2B5EF4-FFF2-40B4-BE49-F238E27FC236}">
-                <a16:creationId xmlns="" xmlns:a16="http://schemas.microsoft.com/office/drawing/2014/main" id="{E50DEB0B-1C12-44D1-AAA1-F4E0A4F19E17}"/>
+                <a16:creationId xmlns:a16="http://schemas.microsoft.com/office/drawing/2014/main" xmlns="" id="{E50DEB0B-1C12-44D1-AAA1-F4E0A4F19E17}"/>
               </a:ext>
             </a:extLst>
           </p:cNvPr>
@@ -15440,7 +16235,7 @@
             <p:cNvPr id="7" name="矩形 6">
               <a:extLst>
                 <a:ext uri="{FF2B5EF4-FFF2-40B4-BE49-F238E27FC236}">
-                  <a16:creationId xmlns="" xmlns:a16="http://schemas.microsoft.com/office/drawing/2014/main" id="{D5213AAE-A69E-40F7-931A-4EAD7707F511}"/>
+                  <a16:creationId xmlns:a16="http://schemas.microsoft.com/office/drawing/2014/main" xmlns="" id="{D5213AAE-A69E-40F7-931A-4EAD7707F511}"/>
                 </a:ext>
               </a:extLst>
             </p:cNvPr>
@@ -15489,7 +16284,7 @@
             <p:cNvPr id="8" name="矩形 7">
               <a:extLst>
                 <a:ext uri="{FF2B5EF4-FFF2-40B4-BE49-F238E27FC236}">
-                  <a16:creationId xmlns="" xmlns:a16="http://schemas.microsoft.com/office/drawing/2014/main" id="{F74F58D4-5D9A-43AA-A842-4414D43E7D86}"/>
+                  <a16:creationId xmlns:a16="http://schemas.microsoft.com/office/drawing/2014/main" xmlns="" id="{F74F58D4-5D9A-43AA-A842-4414D43E7D86}"/>
                 </a:ext>
               </a:extLst>
             </p:cNvPr>
@@ -15543,7 +16338,7 @@
           <p:cNvPr id="28" name="TextBox 9">
             <a:extLst>
               <a:ext uri="{FF2B5EF4-FFF2-40B4-BE49-F238E27FC236}">
-                <a16:creationId xmlns="" xmlns:a16="http://schemas.microsoft.com/office/drawing/2014/main" id="{F9620907-505E-4433-8CD6-0B35E582F63E}"/>
+                <a16:creationId xmlns:a16="http://schemas.microsoft.com/office/drawing/2014/main" xmlns="" id="{F9620907-505E-4433-8CD6-0B35E582F63E}"/>
               </a:ext>
             </a:extLst>
           </p:cNvPr>
@@ -15583,25 +16378,7 @@
                 <a:latin typeface="微软雅黑" panose="020B0503020204020204" pitchFamily="34" charset="-122"/>
                 <a:ea typeface="微软雅黑" panose="020B0503020204020204" pitchFamily="34" charset="-122"/>
               </a:rPr>
-              <a:t>思考</a:t>
-            </a:r>
-            <a:r>
-              <a:rPr lang="zh-CN" altLang="en-US" sz="3200" dirty="0" smtClean="0">
-                <a:gradFill>
-                  <a:gsLst>
-                    <a:gs pos="100000">
-                      <a:srgbClr val="00469C"/>
-                    </a:gs>
-                    <a:gs pos="0">
-                      <a:srgbClr val="00A0E8"/>
-                    </a:gs>
-                  </a:gsLst>
-                  <a:lin ang="5400000"/>
-                </a:gradFill>
-                <a:latin typeface="微软雅黑" panose="020B0503020204020204" pitchFamily="34" charset="-122"/>
-                <a:ea typeface="微软雅黑" panose="020B0503020204020204" pitchFamily="34" charset="-122"/>
-              </a:rPr>
-              <a:t>人生</a:t>
+              <a:t>思考人生</a:t>
             </a:r>
             <a:endParaRPr lang="en-US" altLang="zh-CN" sz="3200" dirty="0">
               <a:gradFill>
@@ -15645,11 +16422,7 @@
           <a:p>
             <a:r>
               <a:rPr lang="zh-CN" altLang="en-US" sz="2600" b="1" i="1" dirty="0" smtClean="0"/>
-              <a:t>如果你有一百万，你会用来做什么事情</a:t>
-            </a:r>
-            <a:r>
-              <a:rPr lang="zh-CN" altLang="en-US" sz="2600" b="1" i="1" dirty="0" smtClean="0"/>
-              <a:t>？</a:t>
+              <a:t>如果你有一百万，你会用来做什么事情？</a:t>
             </a:r>
             <a:endParaRPr lang="zh-CN" altLang="en-US" sz="2600" b="1" i="1" dirty="0"/>
           </a:p>
@@ -15658,7 +16431,7 @@
     </p:spTree>
     <p:extLst>
       <p:ext uri="{BB962C8B-B14F-4D97-AF65-F5344CB8AC3E}">
-        <p14:creationId xmlns="" xmlns:p14="http://schemas.microsoft.com/office/powerpoint/2010/main" val="257282595"/>
+        <p14:creationId xmlns:p14="http://schemas.microsoft.com/office/powerpoint/2010/main" xmlns="" val="257282595"/>
       </p:ext>
     </p:extLst>
   </p:cSld>
@@ -15666,7 +16439,7 @@
     <a:masterClrMapping/>
   </p:clrMapOvr>
   <mc:AlternateContent xmlns:mc="http://schemas.openxmlformats.org/markup-compatibility/2006">
-    <mc:Choice xmlns="" xmlns:p14="http://schemas.microsoft.com/office/powerpoint/2010/main" Requires="p14">
+    <mc:Choice xmlns:p14="http://schemas.microsoft.com/office/powerpoint/2010/main" xmlns="" Requires="p14">
       <p:transition spd="slow" p14:dur="1600">
         <p:blinds dir="vert"/>
       </p:transition>
@@ -15677,6 +16450,13 @@
       </p:transition>
     </mc:Fallback>
   </mc:AlternateContent>
+  <p:timing>
+    <p:tnLst>
+      <p:par>
+        <p:cTn id="1" dur="indefinite" restart="never" nodeType="tmRoot"/>
+      </p:par>
+    </p:tnLst>
+  </p:timing>
 </p:sld>
 </file>
 
@@ -15702,7 +16482,7 @@
           <p:cNvPr id="12" name="图片 11" descr="图片包含 户外, 天空, 建筑物, 时钟&#10;&#10;已生成极高可信度的说明">
             <a:extLst>
               <a:ext uri="{FF2B5EF4-FFF2-40B4-BE49-F238E27FC236}">
-                <a16:creationId xmlns="" xmlns:a16="http://schemas.microsoft.com/office/drawing/2014/main" id="{63120D12-FE94-4606-8069-50689EE820FD}"/>
+                <a16:creationId xmlns:a16="http://schemas.microsoft.com/office/drawing/2014/main" xmlns="" id="{63120D12-FE94-4606-8069-50689EE820FD}"/>
               </a:ext>
             </a:extLst>
           </p:cNvPr>
@@ -15715,7 +16495,7 @@
           <a:blip r:embed="rId2" cstate="screen">
             <a:extLst>
               <a:ext uri="{28A0092B-C50C-407E-A947-70E740481C1C}">
-                <a14:useLocalDpi xmlns="" xmlns:a14="http://schemas.microsoft.com/office/drawing/2010/main" val="0"/>
+                <a14:useLocalDpi xmlns:a14="http://schemas.microsoft.com/office/drawing/2010/main" xmlns="" val="0"/>
               </a:ext>
             </a:extLst>
           </a:blip>
@@ -15737,7 +16517,7 @@
           <p:cNvPr id="22" name="任意多边形: 形状 21">
             <a:extLst>
               <a:ext uri="{FF2B5EF4-FFF2-40B4-BE49-F238E27FC236}">
-                <a16:creationId xmlns="" xmlns:a16="http://schemas.microsoft.com/office/drawing/2014/main" id="{8B512DC7-300D-4210-A41E-42FB36991E9E}"/>
+                <a16:creationId xmlns:a16="http://schemas.microsoft.com/office/drawing/2014/main" xmlns="" id="{8B512DC7-300D-4210-A41E-42FB36991E9E}"/>
               </a:ext>
             </a:extLst>
           </p:cNvPr>
@@ -15842,7 +16622,7 @@
           <p:cNvPr id="23" name="任意多边形: 形状 22">
             <a:extLst>
               <a:ext uri="{FF2B5EF4-FFF2-40B4-BE49-F238E27FC236}">
-                <a16:creationId xmlns="" xmlns:a16="http://schemas.microsoft.com/office/drawing/2014/main" id="{2AB7E925-98D4-4048-93D2-B55FDA2BA567}"/>
+                <a16:creationId xmlns:a16="http://schemas.microsoft.com/office/drawing/2014/main" xmlns="" id="{2AB7E925-98D4-4048-93D2-B55FDA2BA567}"/>
               </a:ext>
             </a:extLst>
           </p:cNvPr>
@@ -15937,7 +16717,7 @@
           <p:cNvPr id="9" name="文本框 8">
             <a:extLst>
               <a:ext uri="{FF2B5EF4-FFF2-40B4-BE49-F238E27FC236}">
-                <a16:creationId xmlns="" xmlns:a16="http://schemas.microsoft.com/office/drawing/2014/main" id="{3F978CFE-16BB-4CF5-BC84-BDA91949BA0B}"/>
+                <a16:creationId xmlns:a16="http://schemas.microsoft.com/office/drawing/2014/main" xmlns="" id="{3F978CFE-16BB-4CF5-BC84-BDA91949BA0B}"/>
               </a:ext>
             </a:extLst>
           </p:cNvPr>
@@ -15979,7 +16759,7 @@
           <p:cNvPr id="10" name="直接连接符 9">
             <a:extLst>
               <a:ext uri="{FF2B5EF4-FFF2-40B4-BE49-F238E27FC236}">
-                <a16:creationId xmlns="" xmlns:a16="http://schemas.microsoft.com/office/drawing/2014/main" id="{819AA1A6-D93E-4DB4-BADD-A8D07C38C156}"/>
+                <a16:creationId xmlns:a16="http://schemas.microsoft.com/office/drawing/2014/main" xmlns="" id="{819AA1A6-D93E-4DB4-BADD-A8D07C38C156}"/>
               </a:ext>
             </a:extLst>
           </p:cNvPr>
@@ -16020,13 +16800,20 @@
     </p:spTree>
     <p:extLst>
       <p:ext uri="{BB962C8B-B14F-4D97-AF65-F5344CB8AC3E}">
-        <p14:creationId xmlns="" xmlns:p14="http://schemas.microsoft.com/office/powerpoint/2010/main" val="3968927684"/>
+        <p14:creationId xmlns:p14="http://schemas.microsoft.com/office/powerpoint/2010/main" xmlns="" val="3968927684"/>
       </p:ext>
     </p:extLst>
   </p:cSld>
   <p:clrMapOvr>
     <a:masterClrMapping/>
   </p:clrMapOvr>
+  <p:timing>
+    <p:tnLst>
+      <p:par>
+        <p:cTn id="1" dur="indefinite" restart="never" nodeType="tmRoot"/>
+      </p:par>
+    </p:tnLst>
+  </p:timing>
 </p:sld>
 </file>
 
@@ -16059,7 +16846,7 @@
           <a:blip r:embed="rId3">
             <a:extLst>
               <a:ext uri="{28A0092B-C50C-407E-A947-70E740481C1C}">
-                <a14:useLocalDpi xmlns="" xmlns:a14="http://schemas.microsoft.com/office/drawing/2010/main" val="0"/>
+                <a14:useLocalDpi xmlns:a14="http://schemas.microsoft.com/office/drawing/2010/main" xmlns="" val="0"/>
               </a:ext>
             </a:extLst>
           </a:blip>
@@ -16081,7 +16868,7 @@
           <p:cNvPr id="7" name="矩形 6">
             <a:extLst>
               <a:ext uri="{FF2B5EF4-FFF2-40B4-BE49-F238E27FC236}">
-                <a16:creationId xmlns="" xmlns:a16="http://schemas.microsoft.com/office/drawing/2014/main" id="{6B4B2360-7218-48B5-AE5D-F4365A4C9468}"/>
+                <a16:creationId xmlns:a16="http://schemas.microsoft.com/office/drawing/2014/main" xmlns="" id="{6B4B2360-7218-48B5-AE5D-F4365A4C9468}"/>
               </a:ext>
             </a:extLst>
           </p:cNvPr>
@@ -16403,7 +17190,7 @@
     </p:spTree>
     <p:extLst>
       <p:ext uri="{BB962C8B-B14F-4D97-AF65-F5344CB8AC3E}">
-        <p14:creationId xmlns="" xmlns:p14="http://schemas.microsoft.com/office/powerpoint/2010/main" val="3100316483"/>
+        <p14:creationId xmlns:p14="http://schemas.microsoft.com/office/powerpoint/2010/main" xmlns="" val="3100316483"/>
       </p:ext>
     </p:extLst>
   </p:cSld>
@@ -16411,7 +17198,7 @@
     <a:masterClrMapping/>
   </p:clrMapOvr>
   <mc:AlternateContent xmlns:mc="http://schemas.openxmlformats.org/markup-compatibility/2006">
-    <mc:Choice xmlns="" xmlns:p14="http://schemas.microsoft.com/office/powerpoint/2010/main" Requires="p14">
+    <mc:Choice xmlns:p14="http://schemas.microsoft.com/office/powerpoint/2010/main" xmlns="" Requires="p14">
       <p:transition spd="slow" p14:dur="1600">
         <p:blinds dir="vert"/>
       </p:transition>
@@ -16422,6 +17209,13 @@
       </p:transition>
     </mc:Fallback>
   </mc:AlternateContent>
+  <p:timing>
+    <p:tnLst>
+      <p:par>
+        <p:cTn id="1" dur="indefinite" restart="never" nodeType="tmRoot"/>
+      </p:par>
+    </p:tnLst>
+  </p:timing>
 </p:sld>
 </file>
 
@@ -16447,7 +17241,7 @@
           <p:cNvPr id="6" name="组合 5">
             <a:extLst>
               <a:ext uri="{FF2B5EF4-FFF2-40B4-BE49-F238E27FC236}">
-                <a16:creationId xmlns="" xmlns:a16="http://schemas.microsoft.com/office/drawing/2014/main" id="{3ECCECFB-8A2B-42E3-BB90-84B05A511565}"/>
+                <a16:creationId xmlns:a16="http://schemas.microsoft.com/office/drawing/2014/main" xmlns="" id="{3ECCECFB-8A2B-42E3-BB90-84B05A511565}"/>
               </a:ext>
             </a:extLst>
           </p:cNvPr>
@@ -16467,7 +17261,7 @@
             <p:cNvPr id="2" name="文本框 1">
               <a:extLst>
                 <a:ext uri="{FF2B5EF4-FFF2-40B4-BE49-F238E27FC236}">
-                  <a16:creationId xmlns="" xmlns:a16="http://schemas.microsoft.com/office/drawing/2014/main" id="{2871A151-4299-4FEA-AEED-88771DC8FE9A}"/>
+                  <a16:creationId xmlns:a16="http://schemas.microsoft.com/office/drawing/2014/main" xmlns="" id="{2871A151-4299-4FEA-AEED-88771DC8FE9A}"/>
                 </a:ext>
               </a:extLst>
             </p:cNvPr>
@@ -16529,7 +17323,7 @@
             <p:cNvPr id="8" name="矩形 7">
               <a:extLst>
                 <a:ext uri="{FF2B5EF4-FFF2-40B4-BE49-F238E27FC236}">
-                  <a16:creationId xmlns="" xmlns:a16="http://schemas.microsoft.com/office/drawing/2014/main" id="{FDEDE40B-7AB0-4730-8567-A24599FF8BAA}"/>
+                  <a16:creationId xmlns:a16="http://schemas.microsoft.com/office/drawing/2014/main" xmlns="" id="{FDEDE40B-7AB0-4730-8567-A24599FF8BAA}"/>
                 </a:ext>
               </a:extLst>
             </p:cNvPr>
@@ -16586,7 +17380,7 @@
             <p:cNvPr id="9" name="矩形 8">
               <a:extLst>
                 <a:ext uri="{FF2B5EF4-FFF2-40B4-BE49-F238E27FC236}">
-                  <a16:creationId xmlns="" xmlns:a16="http://schemas.microsoft.com/office/drawing/2014/main" id="{2B21ED84-23FD-4FBF-B40A-00DCAA6BAFEE}"/>
+                  <a16:creationId xmlns:a16="http://schemas.microsoft.com/office/drawing/2014/main" xmlns="" id="{2B21ED84-23FD-4FBF-B40A-00DCAA6BAFEE}"/>
                 </a:ext>
               </a:extLst>
             </p:cNvPr>
@@ -16644,7 +17438,7 @@
           <p:cNvPr id="5" name="组合 4">
             <a:extLst>
               <a:ext uri="{FF2B5EF4-FFF2-40B4-BE49-F238E27FC236}">
-                <a16:creationId xmlns="" xmlns:a16="http://schemas.microsoft.com/office/drawing/2014/main" id="{D43511E3-9523-485E-913F-7199E1F70272}"/>
+                <a16:creationId xmlns:a16="http://schemas.microsoft.com/office/drawing/2014/main" xmlns="" id="{D43511E3-9523-485E-913F-7199E1F70272}"/>
               </a:ext>
             </a:extLst>
           </p:cNvPr>
@@ -16664,7 +17458,7 @@
             <p:cNvPr id="10" name="文本框 9">
               <a:extLst>
                 <a:ext uri="{FF2B5EF4-FFF2-40B4-BE49-F238E27FC236}">
-                  <a16:creationId xmlns="" xmlns:a16="http://schemas.microsoft.com/office/drawing/2014/main" id="{6F59C157-714D-4AA7-8082-EE86C700A2B2}"/>
+                  <a16:creationId xmlns:a16="http://schemas.microsoft.com/office/drawing/2014/main" xmlns="" id="{6F59C157-714D-4AA7-8082-EE86C700A2B2}"/>
                 </a:ext>
               </a:extLst>
             </p:cNvPr>
@@ -16725,7 +17519,7 @@
             <p:cNvPr id="11" name="文本框 10">
               <a:extLst>
                 <a:ext uri="{FF2B5EF4-FFF2-40B4-BE49-F238E27FC236}">
-                  <a16:creationId xmlns="" xmlns:a16="http://schemas.microsoft.com/office/drawing/2014/main" id="{A184154C-8112-4CE4-A52B-44F73641C7A3}"/>
+                  <a16:creationId xmlns:a16="http://schemas.microsoft.com/office/drawing/2014/main" xmlns="" id="{A184154C-8112-4CE4-A52B-44F73641C7A3}"/>
                 </a:ext>
               </a:extLst>
             </p:cNvPr>
@@ -16773,7 +17567,7 @@
             <p:cNvPr id="15" name="文本框 14">
               <a:extLst>
                 <a:ext uri="{FF2B5EF4-FFF2-40B4-BE49-F238E27FC236}">
-                  <a16:creationId xmlns="" xmlns:a16="http://schemas.microsoft.com/office/drawing/2014/main" id="{A7807FB4-0BE9-4940-9960-80E3DEF1B4C0}"/>
+                  <a16:creationId xmlns:a16="http://schemas.microsoft.com/office/drawing/2014/main" xmlns="" id="{A7807FB4-0BE9-4940-9960-80E3DEF1B4C0}"/>
                 </a:ext>
               </a:extLst>
             </p:cNvPr>
@@ -16834,7 +17628,7 @@
             <p:cNvPr id="16" name="文本框 15">
               <a:extLst>
                 <a:ext uri="{FF2B5EF4-FFF2-40B4-BE49-F238E27FC236}">
-                  <a16:creationId xmlns="" xmlns:a16="http://schemas.microsoft.com/office/drawing/2014/main" id="{38AB1FC5-DE30-41B7-A72F-5700F344ECE1}"/>
+                  <a16:creationId xmlns:a16="http://schemas.microsoft.com/office/drawing/2014/main" xmlns="" id="{38AB1FC5-DE30-41B7-A72F-5700F344ECE1}"/>
                 </a:ext>
               </a:extLst>
             </p:cNvPr>
@@ -16882,7 +17676,7 @@
             <p:cNvPr id="18" name="文本框 17">
               <a:extLst>
                 <a:ext uri="{FF2B5EF4-FFF2-40B4-BE49-F238E27FC236}">
-                  <a16:creationId xmlns="" xmlns:a16="http://schemas.microsoft.com/office/drawing/2014/main" id="{8A691021-8A29-4525-88E3-6ABFFEC1A7CF}"/>
+                  <a16:creationId xmlns:a16="http://schemas.microsoft.com/office/drawing/2014/main" xmlns="" id="{8A691021-8A29-4525-88E3-6ABFFEC1A7CF}"/>
                 </a:ext>
               </a:extLst>
             </p:cNvPr>
@@ -16892,7 +17686,7 @@
           <p:spPr>
             <a:xfrm>
               <a:off x="9007569" y="3954936"/>
-              <a:ext cx="1415773" cy="732508"/>
+              <a:ext cx="1620958" cy="732508"/>
             </a:xfrm>
             <a:prstGeom prst="rect">
               <a:avLst/>
@@ -16929,7 +17723,14 @@
                   <a:latin typeface="微软雅黑" panose="020B0503020204020204" pitchFamily="34" charset="-122"/>
                   <a:ea typeface="微软雅黑" panose="020B0503020204020204" pitchFamily="34" charset="-122"/>
                 </a:rPr>
-                <a:t>财务自由</a:t>
+                <a:t>财务</a:t>
+              </a:r>
+              <a:r>
+                <a:rPr lang="zh-CN" altLang="en-US" sz="1600" dirty="0" smtClean="0">
+                  <a:latin typeface="微软雅黑" panose="020B0503020204020204" pitchFamily="34" charset="-122"/>
+                  <a:ea typeface="微软雅黑" panose="020B0503020204020204" pitchFamily="34" charset="-122"/>
+                </a:rPr>
+                <a:t>自由的意义</a:t>
               </a:r>
               <a:endParaRPr lang="zh-CN" altLang="en-US" sz="1600" dirty="0">
                 <a:latin typeface="微软雅黑" panose="020B0503020204020204" pitchFamily="34" charset="-122"/>
@@ -16943,7 +17744,7 @@
             <p:cNvPr id="19" name="文本框 18">
               <a:extLst>
                 <a:ext uri="{FF2B5EF4-FFF2-40B4-BE49-F238E27FC236}">
-                  <a16:creationId xmlns="" xmlns:a16="http://schemas.microsoft.com/office/drawing/2014/main" id="{E24CF56E-54A3-4AB8-A02E-C2A9A0D5CE84}"/>
+                  <a16:creationId xmlns:a16="http://schemas.microsoft.com/office/drawing/2014/main" xmlns="" id="{E24CF56E-54A3-4AB8-A02E-C2A9A0D5CE84}"/>
                 </a:ext>
               </a:extLst>
             </p:cNvPr>
@@ -16991,7 +17792,7 @@
             <p:cNvPr id="21" name="文本框 20">
               <a:extLst>
                 <a:ext uri="{FF2B5EF4-FFF2-40B4-BE49-F238E27FC236}">
-                  <a16:creationId xmlns="" xmlns:a16="http://schemas.microsoft.com/office/drawing/2014/main" id="{7E63000E-6151-4B4D-A526-7607F5A8E7E3}"/>
+                  <a16:creationId xmlns:a16="http://schemas.microsoft.com/office/drawing/2014/main" xmlns="" id="{7E63000E-6151-4B4D-A526-7607F5A8E7E3}"/>
                 </a:ext>
               </a:extLst>
             </p:cNvPr>
@@ -17052,7 +17853,7 @@
             <p:cNvPr id="22" name="文本框 21">
               <a:extLst>
                 <a:ext uri="{FF2B5EF4-FFF2-40B4-BE49-F238E27FC236}">
-                  <a16:creationId xmlns="" xmlns:a16="http://schemas.microsoft.com/office/drawing/2014/main" id="{FEAE2CCE-B35E-4932-B5A1-77F0FA08E6E5}"/>
+                  <a16:creationId xmlns:a16="http://schemas.microsoft.com/office/drawing/2014/main" xmlns="" id="{FEAE2CCE-B35E-4932-B5A1-77F0FA08E6E5}"/>
                 </a:ext>
               </a:extLst>
             </p:cNvPr>
@@ -17099,13 +17900,20 @@
     </p:spTree>
     <p:extLst>
       <p:ext uri="{BB962C8B-B14F-4D97-AF65-F5344CB8AC3E}">
-        <p14:creationId xmlns="" xmlns:p14="http://schemas.microsoft.com/office/powerpoint/2010/main" val="2325327428"/>
+        <p14:creationId xmlns:p14="http://schemas.microsoft.com/office/powerpoint/2010/main" xmlns="" val="2325327428"/>
       </p:ext>
     </p:extLst>
   </p:cSld>
   <p:clrMapOvr>
     <a:masterClrMapping/>
   </p:clrMapOvr>
+  <p:timing>
+    <p:tnLst>
+      <p:par>
+        <p:cTn id="1" dur="indefinite" restart="never" nodeType="tmRoot"/>
+      </p:par>
+    </p:tnLst>
+  </p:timing>
 </p:sld>
 </file>
 
@@ -17131,7 +17939,7 @@
           <p:cNvPr id="2" name="组合 1">
             <a:extLst>
               <a:ext uri="{FF2B5EF4-FFF2-40B4-BE49-F238E27FC236}">
-                <a16:creationId xmlns="" xmlns:a16="http://schemas.microsoft.com/office/drawing/2014/main" id="{E50DEB0B-1C12-44D1-AAA1-F4E0A4F19E17}"/>
+                <a16:creationId xmlns:a16="http://schemas.microsoft.com/office/drawing/2014/main" xmlns="" id="{E50DEB0B-1C12-44D1-AAA1-F4E0A4F19E17}"/>
               </a:ext>
             </a:extLst>
           </p:cNvPr>
@@ -17151,7 +17959,7 @@
             <p:cNvPr id="7" name="矩形 6">
               <a:extLst>
                 <a:ext uri="{FF2B5EF4-FFF2-40B4-BE49-F238E27FC236}">
-                  <a16:creationId xmlns="" xmlns:a16="http://schemas.microsoft.com/office/drawing/2014/main" id="{D5213AAE-A69E-40F7-931A-4EAD7707F511}"/>
+                  <a16:creationId xmlns:a16="http://schemas.microsoft.com/office/drawing/2014/main" xmlns="" id="{D5213AAE-A69E-40F7-931A-4EAD7707F511}"/>
                 </a:ext>
               </a:extLst>
             </p:cNvPr>
@@ -17200,7 +18008,7 @@
             <p:cNvPr id="8" name="矩形 7">
               <a:extLst>
                 <a:ext uri="{FF2B5EF4-FFF2-40B4-BE49-F238E27FC236}">
-                  <a16:creationId xmlns="" xmlns:a16="http://schemas.microsoft.com/office/drawing/2014/main" id="{F74F58D4-5D9A-43AA-A842-4414D43E7D86}"/>
+                  <a16:creationId xmlns:a16="http://schemas.microsoft.com/office/drawing/2014/main" xmlns="" id="{F74F58D4-5D9A-43AA-A842-4414D43E7D86}"/>
                 </a:ext>
               </a:extLst>
             </p:cNvPr>
@@ -17549,7 +18357,7 @@
           <p:cNvPr id="22" name="TextBox 9">
             <a:extLst>
               <a:ext uri="{FF2B5EF4-FFF2-40B4-BE49-F238E27FC236}">
-                <a16:creationId xmlns="" xmlns:a16="http://schemas.microsoft.com/office/drawing/2014/main" id="{F9620907-505E-4433-8CD6-0B35E582F63E}"/>
+                <a16:creationId xmlns:a16="http://schemas.microsoft.com/office/drawing/2014/main" xmlns="" id="{F9620907-505E-4433-8CD6-0B35E582F63E}"/>
               </a:ext>
             </a:extLst>
           </p:cNvPr>
@@ -17559,7 +18367,7 @@
         <p:spPr>
           <a:xfrm>
             <a:off x="456948" y="846905"/>
-            <a:ext cx="10686197" cy="400110"/>
+            <a:ext cx="10686197" cy="461665"/>
           </a:xfrm>
           <a:prstGeom prst="rect">
             <a:avLst/>
@@ -17574,7 +18382,7 @@
           <a:p>
             <a:pPr algn="ctr"/>
             <a:r>
-              <a:rPr lang="zh-CN" altLang="en-US" sz="2000" i="1" dirty="0" smtClean="0">
+              <a:rPr lang="zh-CN" altLang="en-US" sz="2400" i="1" dirty="0" smtClean="0">
                 <a:gradFill>
                   <a:gsLst>
                     <a:gs pos="100000">
@@ -17592,7 +18400,7 @@
               <a:t>轻松一刻</a:t>
             </a:r>
             <a:r>
-              <a:rPr lang="zh-CN" altLang="en-US" sz="2000" dirty="0" smtClean="0">
+              <a:rPr lang="zh-CN" altLang="en-US" sz="2400" dirty="0" smtClean="0">
                 <a:gradFill>
                   <a:gsLst>
                     <a:gs pos="100000">
@@ -17609,7 +18417,7 @@
               </a:rPr>
               <a:t>：   何以解忧，唯有暴富</a:t>
             </a:r>
-            <a:endParaRPr lang="zh-CN" altLang="en-US" sz="2000" dirty="0">
+            <a:endParaRPr lang="zh-CN" altLang="en-US" sz="2400" dirty="0">
               <a:gradFill>
                 <a:gsLst>
                   <a:gs pos="100000">
@@ -17630,7 +18438,7 @@
     </p:spTree>
     <p:extLst>
       <p:ext uri="{BB962C8B-B14F-4D97-AF65-F5344CB8AC3E}">
-        <p14:creationId xmlns="" xmlns:p14="http://schemas.microsoft.com/office/powerpoint/2010/main" val="257282595"/>
+        <p14:creationId xmlns:p14="http://schemas.microsoft.com/office/powerpoint/2010/main" xmlns="" val="257282595"/>
       </p:ext>
     </p:extLst>
   </p:cSld>
@@ -17638,7 +18446,7 @@
     <a:masterClrMapping/>
   </p:clrMapOvr>
   <mc:AlternateContent xmlns:mc="http://schemas.openxmlformats.org/markup-compatibility/2006">
-    <mc:Choice xmlns="" xmlns:p14="http://schemas.microsoft.com/office/powerpoint/2010/main" Requires="p14">
+    <mc:Choice xmlns:p14="http://schemas.microsoft.com/office/powerpoint/2010/main" xmlns="" Requires="p14">
       <p:transition spd="slow" p14:dur="1600">
         <p:blinds dir="vert"/>
       </p:transition>
@@ -17649,6 +18457,13 @@
       </p:transition>
     </mc:Fallback>
   </mc:AlternateContent>
+  <p:timing>
+    <p:tnLst>
+      <p:par>
+        <p:cTn id="1" dur="indefinite" restart="never" nodeType="tmRoot"/>
+      </p:par>
+    </p:tnLst>
+  </p:timing>
 </p:sld>
 </file>
 
@@ -17674,7 +18489,7 @@
           <p:cNvPr id="2" name="组合 1">
             <a:extLst>
               <a:ext uri="{FF2B5EF4-FFF2-40B4-BE49-F238E27FC236}">
-                <a16:creationId xmlns="" xmlns:a16="http://schemas.microsoft.com/office/drawing/2014/main" id="{E50DEB0B-1C12-44D1-AAA1-F4E0A4F19E17}"/>
+                <a16:creationId xmlns:a16="http://schemas.microsoft.com/office/drawing/2014/main" xmlns="" id="{E50DEB0B-1C12-44D1-AAA1-F4E0A4F19E17}"/>
               </a:ext>
             </a:extLst>
           </p:cNvPr>
@@ -17694,7 +18509,7 @@
             <p:cNvPr id="7" name="矩形 6">
               <a:extLst>
                 <a:ext uri="{FF2B5EF4-FFF2-40B4-BE49-F238E27FC236}">
-                  <a16:creationId xmlns="" xmlns:a16="http://schemas.microsoft.com/office/drawing/2014/main" id="{D5213AAE-A69E-40F7-931A-4EAD7707F511}"/>
+                  <a16:creationId xmlns:a16="http://schemas.microsoft.com/office/drawing/2014/main" xmlns="" id="{D5213AAE-A69E-40F7-931A-4EAD7707F511}"/>
                 </a:ext>
               </a:extLst>
             </p:cNvPr>
@@ -17743,7 +18558,7 @@
             <p:cNvPr id="8" name="矩形 7">
               <a:extLst>
                 <a:ext uri="{FF2B5EF4-FFF2-40B4-BE49-F238E27FC236}">
-                  <a16:creationId xmlns="" xmlns:a16="http://schemas.microsoft.com/office/drawing/2014/main" id="{F74F58D4-5D9A-43AA-A842-4414D43E7D86}"/>
+                  <a16:creationId xmlns:a16="http://schemas.microsoft.com/office/drawing/2014/main" xmlns="" id="{F74F58D4-5D9A-43AA-A842-4414D43E7D86}"/>
                 </a:ext>
               </a:extLst>
             </p:cNvPr>
@@ -17797,7 +18612,7 @@
           <p:cNvPr id="28" name="TextBox 9">
             <a:extLst>
               <a:ext uri="{FF2B5EF4-FFF2-40B4-BE49-F238E27FC236}">
-                <a16:creationId xmlns="" xmlns:a16="http://schemas.microsoft.com/office/drawing/2014/main" id="{F9620907-505E-4433-8CD6-0B35E582F63E}"/>
+                <a16:creationId xmlns:a16="http://schemas.microsoft.com/office/drawing/2014/main" xmlns="" id="{F9620907-505E-4433-8CD6-0B35E582F63E}"/>
               </a:ext>
             </a:extLst>
           </p:cNvPr>
@@ -17989,7 +18804,15 @@
             </a:r>
             <a:r>
               <a:rPr lang="zh-CN" altLang="en-US" sz="2400" dirty="0" smtClean="0"/>
-              <a:t>指你无需为生活开销而努力为钱工作的状态。简单地说，你的资产产生的被动收入必须至少要等于或超过你的日常开支。这是我们大多数人最渴望达到的状态，如果进入这种状态，我们就可以称之</a:t>
+              <a:t>指你无需为生活开销而努力为钱工作的状态。简单地说，你的资产产生的被动收入</a:t>
+            </a:r>
+            <a:r>
+              <a:rPr lang="zh-CN" altLang="en-US" sz="2400" dirty="0" smtClean="0"/>
+              <a:t>必须大于或等于你</a:t>
+            </a:r>
+            <a:r>
+              <a:rPr lang="zh-CN" altLang="en-US" sz="2400" dirty="0" smtClean="0"/>
+              <a:t>的日常开支。这是我们大多数人最渴望达到的状态，如果进入这种状态，我们就可以称之</a:t>
             </a:r>
             <a:r>
               <a:rPr lang="zh-CN" altLang="en-US" sz="2400" b="1" dirty="0" smtClean="0"/>
@@ -19018,7 +19841,7 @@
     </p:spTree>
     <p:extLst>
       <p:ext uri="{BB962C8B-B14F-4D97-AF65-F5344CB8AC3E}">
-        <p14:creationId xmlns="" xmlns:p14="http://schemas.microsoft.com/office/powerpoint/2010/main" val="257282595"/>
+        <p14:creationId xmlns:p14="http://schemas.microsoft.com/office/powerpoint/2010/main" xmlns="" val="257282595"/>
       </p:ext>
     </p:extLst>
   </p:cSld>
@@ -19026,7 +19849,7 @@
     <a:masterClrMapping/>
   </p:clrMapOvr>
   <mc:AlternateContent xmlns:mc="http://schemas.openxmlformats.org/markup-compatibility/2006">
-    <mc:Choice xmlns="" xmlns:p14="http://schemas.microsoft.com/office/powerpoint/2010/main" Requires="p14">
+    <mc:Choice xmlns:p14="http://schemas.microsoft.com/office/powerpoint/2010/main" xmlns="" Requires="p14">
       <p:transition spd="slow" p14:dur="1600">
         <p:blinds dir="vert"/>
       </p:transition>
@@ -19037,6 +19860,13 @@
       </p:transition>
     </mc:Fallback>
   </mc:AlternateContent>
+  <p:timing>
+    <p:tnLst>
+      <p:par>
+        <p:cTn id="1" dur="indefinite" restart="never" nodeType="tmRoot"/>
+      </p:par>
+    </p:tnLst>
+  </p:timing>
 </p:sld>
 </file>
 
@@ -19062,7 +19892,617 @@
           <p:cNvPr id="31" name="TextBox 9">
             <a:extLst>
               <a:ext uri="{FF2B5EF4-FFF2-40B4-BE49-F238E27FC236}">
-                <a16:creationId xmlns="" xmlns:a16="http://schemas.microsoft.com/office/drawing/2014/main" id="{196AEFB1-B5B8-48EC-BBBA-092BE2D0990E}"/>
+                <a16:creationId xmlns:a16="http://schemas.microsoft.com/office/drawing/2014/main" xmlns="" id="{196AEFB1-B5B8-48EC-BBBA-092BE2D0990E}"/>
+              </a:ext>
+            </a:extLst>
+          </p:cNvPr>
+          <p:cNvSpPr txBox="1"/>
+          <p:nvPr/>
+        </p:nvSpPr>
+        <p:spPr>
+          <a:xfrm>
+            <a:off x="1009935" y="837525"/>
+            <a:ext cx="9908275" cy="861774"/>
+          </a:xfrm>
+          <a:prstGeom prst="rect">
+            <a:avLst/>
+          </a:prstGeom>
+          <a:noFill/>
+        </p:spPr>
+        <p:txBody>
+          <a:bodyPr wrap="square" rtlCol="0">
+            <a:spAutoFit/>
+          </a:bodyPr>
+          <a:lstStyle/>
+          <a:p>
+            <a:pPr algn="ctr"/>
+            <a:r>
+              <a:rPr lang="zh-CN" altLang="en-US" sz="3200" dirty="0" smtClean="0">
+                <a:gradFill>
+                  <a:gsLst>
+                    <a:gs pos="100000">
+                      <a:srgbClr val="00469C"/>
+                    </a:gs>
+                    <a:gs pos="0">
+                      <a:srgbClr val="00A0E8"/>
+                    </a:gs>
+                  </a:gsLst>
+                  <a:lin ang="5400000"/>
+                </a:gradFill>
+                <a:latin typeface="微软雅黑" panose="020B0503020204020204" pitchFamily="34" charset="-122"/>
+                <a:ea typeface="微软雅黑" panose="020B0503020204020204" pitchFamily="34" charset="-122"/>
+              </a:rPr>
+              <a:t>什么是财务自由</a:t>
+            </a:r>
+            <a:endParaRPr lang="en-US" altLang="zh-CN" sz="3200" dirty="0" smtClean="0">
+              <a:gradFill>
+                <a:gsLst>
+                  <a:gs pos="100000">
+                    <a:srgbClr val="00469C"/>
+                  </a:gs>
+                  <a:gs pos="0">
+                    <a:srgbClr val="00A0E8"/>
+                  </a:gs>
+                </a:gsLst>
+                <a:lin ang="5400000"/>
+              </a:gradFill>
+              <a:latin typeface="微软雅黑" panose="020B0503020204020204" pitchFamily="34" charset="-122"/>
+              <a:ea typeface="微软雅黑" panose="020B0503020204020204" pitchFamily="34" charset="-122"/>
+            </a:endParaRPr>
+          </a:p>
+          <a:p>
+            <a:pPr algn="ctr"/>
+            <a:r>
+              <a:rPr lang="zh-CN" altLang="en-US" dirty="0" smtClean="0">
+                <a:gradFill>
+                  <a:gsLst>
+                    <a:gs pos="100000">
+                      <a:srgbClr val="00469C"/>
+                    </a:gs>
+                    <a:gs pos="0">
+                      <a:srgbClr val="00A0E8"/>
+                    </a:gs>
+                  </a:gsLst>
+                  <a:lin ang="5400000"/>
+                </a:gradFill>
+                <a:latin typeface="微软雅黑 Light" panose="020B0502040204020203" pitchFamily="34" charset="-122"/>
+                <a:ea typeface="微软雅黑 Light" panose="020B0502040204020203" pitchFamily="34" charset="-122"/>
+              </a:rPr>
+              <a:t>财务自由</a:t>
+            </a:r>
+            <a:r>
+              <a:rPr lang="zh-CN" altLang="en-US" dirty="0" smtClean="0">
+                <a:gradFill>
+                  <a:gsLst>
+                    <a:gs pos="100000">
+                      <a:srgbClr val="00469C"/>
+                    </a:gs>
+                    <a:gs pos="0">
+                      <a:srgbClr val="00A0E8"/>
+                    </a:gs>
+                  </a:gsLst>
+                  <a:lin ang="5400000"/>
+                </a:gradFill>
+                <a:latin typeface="微软雅黑 Light" panose="020B0502040204020203" pitchFamily="34" charset="-122"/>
+                <a:ea typeface="微软雅黑 Light" panose="020B0502040204020203" pitchFamily="34" charset="-122"/>
+              </a:rPr>
+              <a:t>的衡量</a:t>
+            </a:r>
+            <a:endParaRPr lang="zh-CN" altLang="en-US" dirty="0">
+              <a:gradFill>
+                <a:gsLst>
+                  <a:gs pos="100000">
+                    <a:srgbClr val="00469C"/>
+                  </a:gs>
+                  <a:gs pos="0">
+                    <a:srgbClr val="00A0E8"/>
+                  </a:gs>
+                </a:gsLst>
+                <a:lin ang="5400000"/>
+              </a:gradFill>
+              <a:latin typeface="微软雅黑 Light" panose="020B0502040204020203" pitchFamily="34" charset="-122"/>
+              <a:ea typeface="微软雅黑 Light" panose="020B0502040204020203" pitchFamily="34" charset="-122"/>
+            </a:endParaRPr>
+          </a:p>
+        </p:txBody>
+      </p:sp>
+      <p:sp>
+        <p:nvSpPr>
+          <p:cNvPr id="73" name="矩形 72"/>
+          <p:cNvSpPr/>
+          <p:nvPr/>
+        </p:nvSpPr>
+        <p:spPr>
+          <a:xfrm>
+            <a:off x="1785258" y="2032012"/>
+            <a:ext cx="7257143" cy="644679"/>
+          </a:xfrm>
+          <a:prstGeom prst="rect">
+            <a:avLst/>
+          </a:prstGeom>
+        </p:spPr>
+        <p:txBody>
+          <a:bodyPr wrap="square">
+            <a:spAutoFit/>
+          </a:bodyPr>
+          <a:lstStyle/>
+          <a:p>
+            <a:pPr>
+              <a:lnSpc>
+                <a:spcPct val="150000"/>
+              </a:lnSpc>
+              <a:spcBef>
+                <a:spcPts val="600"/>
+              </a:spcBef>
+              <a:spcAft>
+                <a:spcPts val="600"/>
+              </a:spcAft>
+              <a:defRPr/>
+            </a:pPr>
+            <a:r>
+              <a:rPr lang="zh-CN" altLang="en-US" sz="2400" b="1" dirty="0" smtClean="0"/>
+              <a:t>原来当这个指数≥</a:t>
+            </a:r>
+            <a:r>
+              <a:rPr lang="en-US" altLang="zh-CN" sz="2400" b="1" dirty="0" smtClean="0"/>
+              <a:t>1</a:t>
+            </a:r>
+            <a:r>
+              <a:rPr lang="zh-CN" altLang="en-US" sz="2400" b="1" dirty="0" smtClean="0"/>
+              <a:t>的时候，我们就实现财务自由了</a:t>
+            </a:r>
+            <a:r>
+              <a:rPr lang="zh-CN" altLang="en-US" sz="2400" dirty="0" smtClean="0">
+                <a:solidFill>
+                  <a:schemeClr val="tx1">
+                    <a:lumMod val="85000"/>
+                    <a:lumOff val="15000"/>
+                  </a:schemeClr>
+                </a:solidFill>
+                <a:latin typeface="微软雅黑" pitchFamily="34" charset="-122"/>
+                <a:ea typeface="微软雅黑" pitchFamily="34" charset="-122"/>
+              </a:rPr>
+              <a:t>。</a:t>
+            </a:r>
+            <a:endParaRPr lang="zh-CN" altLang="en-US" sz="2400" dirty="0">
+              <a:solidFill>
+                <a:schemeClr val="tx1">
+                  <a:lumMod val="85000"/>
+                  <a:lumOff val="15000"/>
+                </a:schemeClr>
+              </a:solidFill>
+              <a:latin typeface="微软雅黑" pitchFamily="34" charset="-122"/>
+              <a:ea typeface="微软雅黑" pitchFamily="34" charset="-122"/>
+            </a:endParaRPr>
+          </a:p>
+        </p:txBody>
+      </p:sp>
+      <p:sp>
+        <p:nvSpPr>
+          <p:cNvPr id="80" name="Content Placeholder 2"/>
+          <p:cNvSpPr txBox="1">
+            <a:spLocks/>
+          </p:cNvSpPr>
+          <p:nvPr/>
+        </p:nvSpPr>
+        <p:spPr>
+          <a:xfrm>
+            <a:off x="1258024" y="5059339"/>
+            <a:ext cx="9867176" cy="1128101"/>
+          </a:xfrm>
+          <a:prstGeom prst="rect">
+            <a:avLst/>
+          </a:prstGeom>
+        </p:spPr>
+        <p:txBody>
+          <a:bodyPr vert="horz" lIns="91440" tIns="45720" rIns="91440" bIns="45720" rtlCol="0" anchor="t">
+            <a:noAutofit/>
+          </a:bodyPr>
+          <a:lstStyle>
+            <a:lvl1pPr marL="0" indent="0" algn="r" defTabSz="457200" rtl="0" eaLnBrk="1" latinLnBrk="0" hangingPunct="1">
+              <a:spcBef>
+                <a:spcPct val="20000"/>
+              </a:spcBef>
+              <a:spcAft>
+                <a:spcPts val="600"/>
+              </a:spcAft>
+              <a:buClr>
+                <a:schemeClr val="accent1">
+                  <a:lumMod val="75000"/>
+                </a:schemeClr>
+              </a:buClr>
+              <a:buSzPct val="145000"/>
+              <a:buFont typeface="Arial"/>
+              <a:buNone/>
+              <a:defRPr sz="2100" kern="1200" cap="none">
+                <a:solidFill>
+                  <a:schemeClr val="tx1"/>
+                </a:solidFill>
+                <a:effectLst/>
+                <a:latin typeface="+mn-lt"/>
+                <a:ea typeface="+mn-ea"/>
+                <a:cs typeface="+mn-cs"/>
+              </a:defRPr>
+            </a:lvl1pPr>
+            <a:lvl2pPr marL="457200" indent="0" algn="ctr" defTabSz="457200" rtl="0" eaLnBrk="1" latinLnBrk="0" hangingPunct="1">
+              <a:spcBef>
+                <a:spcPct val="20000"/>
+              </a:spcBef>
+              <a:spcAft>
+                <a:spcPts val="600"/>
+              </a:spcAft>
+              <a:buClr>
+                <a:schemeClr val="accent1">
+                  <a:lumMod val="75000"/>
+                </a:schemeClr>
+              </a:buClr>
+              <a:buSzPct val="145000"/>
+              <a:buFont typeface="Arial"/>
+              <a:buNone/>
+              <a:defRPr sz="2000" kern="1200" cap="none">
+                <a:solidFill>
+                  <a:schemeClr val="tx1">
+                    <a:tint val="75000"/>
+                  </a:schemeClr>
+                </a:solidFill>
+                <a:effectLst/>
+                <a:latin typeface="+mn-lt"/>
+                <a:ea typeface="+mn-ea"/>
+                <a:cs typeface="+mn-cs"/>
+              </a:defRPr>
+            </a:lvl2pPr>
+            <a:lvl3pPr marL="914400" indent="0" algn="ctr" defTabSz="457200" rtl="0" eaLnBrk="1" latinLnBrk="0" hangingPunct="1">
+              <a:spcBef>
+                <a:spcPct val="20000"/>
+              </a:spcBef>
+              <a:spcAft>
+                <a:spcPts val="600"/>
+              </a:spcAft>
+              <a:buClr>
+                <a:schemeClr val="accent1">
+                  <a:lumMod val="75000"/>
+                </a:schemeClr>
+              </a:buClr>
+              <a:buSzPct val="145000"/>
+              <a:buFont typeface="Arial"/>
+              <a:buNone/>
+              <a:defRPr sz="1800" kern="1200" cap="none">
+                <a:solidFill>
+                  <a:schemeClr val="tx1">
+                    <a:tint val="75000"/>
+                  </a:schemeClr>
+                </a:solidFill>
+                <a:effectLst/>
+                <a:latin typeface="+mn-lt"/>
+                <a:ea typeface="+mn-ea"/>
+                <a:cs typeface="+mn-cs"/>
+              </a:defRPr>
+            </a:lvl3pPr>
+            <a:lvl4pPr marL="1371600" indent="0" algn="ctr" defTabSz="457200" rtl="0" eaLnBrk="1" latinLnBrk="0" hangingPunct="1">
+              <a:spcBef>
+                <a:spcPct val="20000"/>
+              </a:spcBef>
+              <a:spcAft>
+                <a:spcPts val="600"/>
+              </a:spcAft>
+              <a:buClr>
+                <a:schemeClr val="accent1">
+                  <a:lumMod val="75000"/>
+                </a:schemeClr>
+              </a:buClr>
+              <a:buSzPct val="145000"/>
+              <a:buFont typeface="Arial"/>
+              <a:buNone/>
+              <a:defRPr sz="1600" kern="1200" cap="none">
+                <a:solidFill>
+                  <a:schemeClr val="tx1">
+                    <a:tint val="75000"/>
+                  </a:schemeClr>
+                </a:solidFill>
+                <a:effectLst/>
+                <a:latin typeface="+mn-lt"/>
+                <a:ea typeface="+mn-ea"/>
+                <a:cs typeface="+mn-cs"/>
+              </a:defRPr>
+            </a:lvl4pPr>
+            <a:lvl5pPr marL="1828800" indent="0" algn="ctr" defTabSz="457200" rtl="0" eaLnBrk="1" latinLnBrk="0" hangingPunct="1">
+              <a:spcBef>
+                <a:spcPct val="20000"/>
+              </a:spcBef>
+              <a:spcAft>
+                <a:spcPts val="600"/>
+              </a:spcAft>
+              <a:buClr>
+                <a:schemeClr val="accent1">
+                  <a:lumMod val="75000"/>
+                </a:schemeClr>
+              </a:buClr>
+              <a:buSzPct val="145000"/>
+              <a:buFont typeface="Arial"/>
+              <a:buNone/>
+              <a:defRPr sz="1400" kern="1200" cap="none">
+                <a:solidFill>
+                  <a:schemeClr val="tx1">
+                    <a:tint val="75000"/>
+                  </a:schemeClr>
+                </a:solidFill>
+                <a:effectLst/>
+                <a:latin typeface="+mn-lt"/>
+                <a:ea typeface="+mn-ea"/>
+                <a:cs typeface="+mn-cs"/>
+              </a:defRPr>
+            </a:lvl5pPr>
+            <a:lvl6pPr marL="2286000" indent="0" algn="ctr" defTabSz="457200" rtl="0" eaLnBrk="1" latinLnBrk="0" hangingPunct="1">
+              <a:spcBef>
+                <a:spcPct val="20000"/>
+              </a:spcBef>
+              <a:spcAft>
+                <a:spcPts val="600"/>
+              </a:spcAft>
+              <a:buClr>
+                <a:schemeClr val="accent1">
+                  <a:lumMod val="75000"/>
+                </a:schemeClr>
+              </a:buClr>
+              <a:buSzPct val="145000"/>
+              <a:buFont typeface="Arial"/>
+              <a:buNone/>
+              <a:defRPr sz="1400" kern="1200" cap="none">
+                <a:solidFill>
+                  <a:schemeClr val="tx1">
+                    <a:tint val="75000"/>
+                  </a:schemeClr>
+                </a:solidFill>
+                <a:effectLst/>
+                <a:latin typeface="+mn-lt"/>
+                <a:ea typeface="+mn-ea"/>
+                <a:cs typeface="+mn-cs"/>
+              </a:defRPr>
+            </a:lvl6pPr>
+            <a:lvl7pPr marL="2743200" indent="0" algn="ctr" defTabSz="457200" rtl="0" eaLnBrk="1" latinLnBrk="0" hangingPunct="1">
+              <a:spcBef>
+                <a:spcPct val="20000"/>
+              </a:spcBef>
+              <a:spcAft>
+                <a:spcPts val="600"/>
+              </a:spcAft>
+              <a:buClr>
+                <a:schemeClr val="accent1">
+                  <a:lumMod val="75000"/>
+                </a:schemeClr>
+              </a:buClr>
+              <a:buSzPct val="145000"/>
+              <a:buFont typeface="Arial"/>
+              <a:buNone/>
+              <a:defRPr sz="1400" kern="1200" cap="none">
+                <a:solidFill>
+                  <a:schemeClr val="tx1">
+                    <a:tint val="75000"/>
+                  </a:schemeClr>
+                </a:solidFill>
+                <a:effectLst/>
+                <a:latin typeface="+mn-lt"/>
+                <a:ea typeface="+mn-ea"/>
+                <a:cs typeface="+mn-cs"/>
+              </a:defRPr>
+            </a:lvl7pPr>
+            <a:lvl8pPr marL="3200400" indent="0" algn="ctr" defTabSz="457200" rtl="0" eaLnBrk="1" latinLnBrk="0" hangingPunct="1">
+              <a:spcBef>
+                <a:spcPct val="20000"/>
+              </a:spcBef>
+              <a:spcAft>
+                <a:spcPts val="600"/>
+              </a:spcAft>
+              <a:buClr>
+                <a:schemeClr val="accent1">
+                  <a:lumMod val="75000"/>
+                </a:schemeClr>
+              </a:buClr>
+              <a:buSzPct val="145000"/>
+              <a:buFont typeface="Arial"/>
+              <a:buNone/>
+              <a:defRPr sz="1400" kern="1200" cap="none">
+                <a:solidFill>
+                  <a:schemeClr val="tx1">
+                    <a:tint val="75000"/>
+                  </a:schemeClr>
+                </a:solidFill>
+                <a:effectLst/>
+                <a:latin typeface="+mn-lt"/>
+                <a:ea typeface="+mn-ea"/>
+                <a:cs typeface="+mn-cs"/>
+              </a:defRPr>
+            </a:lvl8pPr>
+            <a:lvl9pPr marL="3657600" indent="0" algn="ctr" defTabSz="457200" rtl="0" eaLnBrk="1" latinLnBrk="0" hangingPunct="1">
+              <a:spcBef>
+                <a:spcPct val="20000"/>
+              </a:spcBef>
+              <a:spcAft>
+                <a:spcPts val="600"/>
+              </a:spcAft>
+              <a:buClr>
+                <a:schemeClr val="accent1">
+                  <a:lumMod val="75000"/>
+                </a:schemeClr>
+              </a:buClr>
+              <a:buSzPct val="145000"/>
+              <a:buFont typeface="Arial"/>
+              <a:buNone/>
+              <a:defRPr sz="1400" kern="1200" cap="none">
+                <a:solidFill>
+                  <a:schemeClr val="tx1">
+                    <a:tint val="75000"/>
+                  </a:schemeClr>
+                </a:solidFill>
+                <a:effectLst/>
+                <a:latin typeface="+mn-lt"/>
+                <a:ea typeface="+mn-ea"/>
+                <a:cs typeface="+mn-cs"/>
+              </a:defRPr>
+            </a:lvl9pPr>
+          </a:lstStyle>
+          <a:p>
+            <a:pPr algn="l"/>
+            <a:r>
+              <a:rPr lang="zh-CN" altLang="en-US" sz="1800" b="1" dirty="0" smtClean="0">
+                <a:solidFill>
+                  <a:schemeClr val="tx1">
+                    <a:lumMod val="75000"/>
+                    <a:lumOff val="25000"/>
+                  </a:schemeClr>
+                </a:solidFill>
+                <a:latin typeface="微软雅黑" pitchFamily="34" charset="-122"/>
+                <a:ea typeface="微软雅黑" panose="020B0503020204020204" pitchFamily="34" charset="-122"/>
+              </a:rPr>
+              <a:t>被动收入</a:t>
+            </a:r>
+            <a:r>
+              <a:rPr lang="zh-CN" altLang="en-US" sz="1800" dirty="0" smtClean="0">
+                <a:solidFill>
+                  <a:schemeClr val="tx1">
+                    <a:lumMod val="75000"/>
+                    <a:lumOff val="25000"/>
+                  </a:schemeClr>
+                </a:solidFill>
+                <a:latin typeface="微软雅黑" pitchFamily="34" charset="-122"/>
+                <a:ea typeface="微软雅黑" panose="020B0503020204020204" pitchFamily="34" charset="-122"/>
+              </a:rPr>
+              <a:t>：不用花时间和精力自动的收入，如房产租金，知识产权、银行利息、投资理财等等。</a:t>
+            </a:r>
+            <a:endParaRPr lang="en-US" altLang="zh-CN" sz="1800" dirty="0" smtClean="0">
+              <a:solidFill>
+                <a:schemeClr val="tx1">
+                  <a:lumMod val="75000"/>
+                  <a:lumOff val="25000"/>
+                </a:schemeClr>
+              </a:solidFill>
+              <a:latin typeface="微软雅黑" pitchFamily="34" charset="-122"/>
+              <a:ea typeface="微软雅黑" panose="020B0503020204020204" pitchFamily="34" charset="-122"/>
+            </a:endParaRPr>
+          </a:p>
+          <a:p>
+            <a:pPr algn="l"/>
+            <a:r>
+              <a:rPr lang="zh-CN" altLang="en-US" sz="1800" dirty="0" smtClean="0"/>
+              <a:t>一般工薪族，如果不注意理财的话，大概被动收入只有</a:t>
+            </a:r>
+            <a:r>
+              <a:rPr lang="en-US" altLang="zh-CN" sz="1800" dirty="0" smtClean="0"/>
+              <a:t>【</a:t>
+            </a:r>
+            <a:r>
+              <a:rPr lang="zh-CN" altLang="en-US" sz="1800" dirty="0" smtClean="0"/>
+              <a:t>银行利息</a:t>
+            </a:r>
+            <a:r>
+              <a:rPr lang="en-US" altLang="zh-CN" sz="1800" dirty="0" smtClean="0"/>
+              <a:t>】</a:t>
+            </a:r>
+            <a:r>
+              <a:rPr lang="zh-CN" altLang="en-US" sz="1800" dirty="0" smtClean="0"/>
+              <a:t>这一项</a:t>
+            </a:r>
+            <a:endParaRPr lang="en-US" altLang="zh-CN" sz="1800" dirty="0">
+              <a:solidFill>
+                <a:schemeClr val="tx1">
+                  <a:lumMod val="75000"/>
+                  <a:lumOff val="25000"/>
+                </a:schemeClr>
+              </a:solidFill>
+              <a:latin typeface="微软雅黑" pitchFamily="34" charset="-122"/>
+              <a:ea typeface="微软雅黑" panose="020B0503020204020204" pitchFamily="34" charset="-122"/>
+            </a:endParaRPr>
+          </a:p>
+        </p:txBody>
+      </p:sp>
+      <p:pic>
+        <p:nvPicPr>
+          <p:cNvPr id="1027" name="Picture 3"/>
+          <p:cNvPicPr>
+            <a:picLocks noChangeAspect="1" noChangeArrowheads="1"/>
+          </p:cNvPicPr>
+          <p:nvPr/>
+        </p:nvPicPr>
+        <p:blipFill>
+          <a:blip r:embed="rId3"/>
+          <a:srcRect/>
+          <a:stretch>
+            <a:fillRect/>
+          </a:stretch>
+        </p:blipFill>
+        <p:spPr bwMode="auto">
+          <a:xfrm>
+            <a:off x="1828800" y="2743200"/>
+            <a:ext cx="7584242" cy="2010910"/>
+          </a:xfrm>
+          <a:prstGeom prst="rect">
+            <a:avLst/>
+          </a:prstGeom>
+          <a:noFill/>
+          <a:ln w="9525">
+            <a:noFill/>
+            <a:miter lim="800000"/>
+            <a:headEnd/>
+            <a:tailEnd/>
+          </a:ln>
+          <a:effectLst/>
+        </p:spPr>
+      </p:pic>
+    </p:spTree>
+    <p:extLst>
+      <p:ext uri="{BB962C8B-B14F-4D97-AF65-F5344CB8AC3E}">
+        <p14:creationId xmlns:p14="http://schemas.microsoft.com/office/powerpoint/2010/main" xmlns="" val="4095140424"/>
+      </p:ext>
+    </p:extLst>
+  </p:cSld>
+  <p:clrMapOvr>
+    <a:masterClrMapping/>
+  </p:clrMapOvr>
+  <mc:AlternateContent xmlns:mc="http://schemas.openxmlformats.org/markup-compatibility/2006">
+    <mc:Choice xmlns:p14="http://schemas.microsoft.com/office/powerpoint/2010/main" xmlns="" Requires="p14">
+      <p:transition spd="slow" p14:dur="1600">
+        <p:blinds dir="vert"/>
+      </p:transition>
+    </mc:Choice>
+    <mc:Fallback>
+      <p:transition spd="slow">
+        <p:blinds dir="vert"/>
+      </p:transition>
+    </mc:Fallback>
+  </mc:AlternateContent>
+  <p:timing>
+    <p:tnLst>
+      <p:par>
+        <p:cTn id="1" dur="indefinite" restart="never" nodeType="tmRoot"/>
+      </p:par>
+    </p:tnLst>
+  </p:timing>
+</p:sld>
+</file>
+
+<file path=ppt/slides/slide7.xml><?xml version="1.0" encoding="utf-8"?>
+<p:sld xmlns:a="http://schemas.openxmlformats.org/drawingml/2006/main" xmlns:r="http://schemas.openxmlformats.org/officeDocument/2006/relationships" xmlns:p="http://schemas.openxmlformats.org/presentationml/2006/main">
+  <p:cSld>
+    <p:spTree>
+      <p:nvGrpSpPr>
+        <p:cNvPr id="1" name=""/>
+        <p:cNvGrpSpPr/>
+        <p:nvPr/>
+      </p:nvGrpSpPr>
+      <p:grpSpPr>
+        <a:xfrm>
+          <a:off x="0" y="0"/>
+          <a:ext cx="0" cy="0"/>
+          <a:chOff x="0" y="0"/>
+          <a:chExt cx="0" cy="0"/>
+        </a:xfrm>
+      </p:grpSpPr>
+      <p:sp>
+        <p:nvSpPr>
+          <p:cNvPr id="31" name="TextBox 9">
+            <a:extLst>
+              <a:ext uri="{FF2B5EF4-FFF2-40B4-BE49-F238E27FC236}">
+                <a16:creationId xmlns:a16="http://schemas.microsoft.com/office/drawing/2014/main" xmlns="" id="{196AEFB1-B5B8-48EC-BBBA-092BE2D0990E}"/>
               </a:ext>
             </a:extLst>
           </p:cNvPr>
@@ -21004,7 +22444,7 @@
     </p:spTree>
     <p:extLst>
       <p:ext uri="{BB962C8B-B14F-4D97-AF65-F5344CB8AC3E}">
-        <p14:creationId xmlns="" xmlns:p14="http://schemas.microsoft.com/office/powerpoint/2010/main" val="4095140424"/>
+        <p14:creationId xmlns:p14="http://schemas.microsoft.com/office/powerpoint/2010/main" xmlns="" val="4095140424"/>
       </p:ext>
     </p:extLst>
   </p:cSld>
@@ -21012,7 +22452,7 @@
     <a:masterClrMapping/>
   </p:clrMapOvr>
   <mc:AlternateContent xmlns:mc="http://schemas.openxmlformats.org/markup-compatibility/2006">
-    <mc:Choice xmlns="" xmlns:p14="http://schemas.microsoft.com/office/powerpoint/2010/main" Requires="p14">
+    <mc:Choice xmlns:p14="http://schemas.microsoft.com/office/powerpoint/2010/main" xmlns="" Requires="p14">
       <p:transition spd="slow" p14:dur="1600">
         <p:blinds dir="vert"/>
       </p:transition>
@@ -21023,578 +22463,13 @@
       </p:transition>
     </mc:Fallback>
   </mc:AlternateContent>
-</p:sld>
-</file>
-
-<file path=ppt/slides/slide7.xml><?xml version="1.0" encoding="utf-8"?>
-<p:sld xmlns:a="http://schemas.openxmlformats.org/drawingml/2006/main" xmlns:r="http://schemas.openxmlformats.org/officeDocument/2006/relationships" xmlns:p="http://schemas.openxmlformats.org/presentationml/2006/main">
-  <p:cSld>
-    <p:spTree>
-      <p:nvGrpSpPr>
-        <p:cNvPr id="1" name=""/>
-        <p:cNvGrpSpPr/>
-        <p:nvPr/>
-      </p:nvGrpSpPr>
-      <p:grpSpPr>
-        <a:xfrm>
-          <a:off x="0" y="0"/>
-          <a:ext cx="0" cy="0"/>
-          <a:chOff x="0" y="0"/>
-          <a:chExt cx="0" cy="0"/>
-        </a:xfrm>
-      </p:grpSpPr>
-      <p:sp>
-        <p:nvSpPr>
-          <p:cNvPr id="31" name="TextBox 9">
-            <a:extLst>
-              <a:ext uri="{FF2B5EF4-FFF2-40B4-BE49-F238E27FC236}">
-                <a16:creationId xmlns="" xmlns:a16="http://schemas.microsoft.com/office/drawing/2014/main" id="{196AEFB1-B5B8-48EC-BBBA-092BE2D0990E}"/>
-              </a:ext>
-            </a:extLst>
-          </p:cNvPr>
-          <p:cNvSpPr txBox="1"/>
-          <p:nvPr/>
-        </p:nvSpPr>
-        <p:spPr>
-          <a:xfrm>
-            <a:off x="1009935" y="837525"/>
-            <a:ext cx="9908275" cy="861774"/>
-          </a:xfrm>
-          <a:prstGeom prst="rect">
-            <a:avLst/>
-          </a:prstGeom>
-          <a:noFill/>
-        </p:spPr>
-        <p:txBody>
-          <a:bodyPr wrap="square" rtlCol="0">
-            <a:spAutoFit/>
-          </a:bodyPr>
-          <a:lstStyle/>
-          <a:p>
-            <a:pPr algn="ctr"/>
-            <a:r>
-              <a:rPr lang="zh-CN" altLang="en-US" sz="3200" dirty="0" smtClean="0">
-                <a:gradFill>
-                  <a:gsLst>
-                    <a:gs pos="100000">
-                      <a:srgbClr val="00469C"/>
-                    </a:gs>
-                    <a:gs pos="0">
-                      <a:srgbClr val="00A0E8"/>
-                    </a:gs>
-                  </a:gsLst>
-                  <a:lin ang="5400000"/>
-                </a:gradFill>
-                <a:latin typeface="微软雅黑" panose="020B0503020204020204" pitchFamily="34" charset="-122"/>
-                <a:ea typeface="微软雅黑" panose="020B0503020204020204" pitchFamily="34" charset="-122"/>
-              </a:rPr>
-              <a:t>什么是财务自由</a:t>
-            </a:r>
-            <a:endParaRPr lang="en-US" altLang="zh-CN" sz="3200" dirty="0" smtClean="0">
-              <a:gradFill>
-                <a:gsLst>
-                  <a:gs pos="100000">
-                    <a:srgbClr val="00469C"/>
-                  </a:gs>
-                  <a:gs pos="0">
-                    <a:srgbClr val="00A0E8"/>
-                  </a:gs>
-                </a:gsLst>
-                <a:lin ang="5400000"/>
-              </a:gradFill>
-              <a:latin typeface="微软雅黑" panose="020B0503020204020204" pitchFamily="34" charset="-122"/>
-              <a:ea typeface="微软雅黑" panose="020B0503020204020204" pitchFamily="34" charset="-122"/>
-            </a:endParaRPr>
-          </a:p>
-          <a:p>
-            <a:pPr algn="ctr"/>
-            <a:r>
-              <a:rPr lang="zh-CN" altLang="en-US" dirty="0" smtClean="0">
-                <a:gradFill>
-                  <a:gsLst>
-                    <a:gs pos="100000">
-                      <a:srgbClr val="00469C"/>
-                    </a:gs>
-                    <a:gs pos="0">
-                      <a:srgbClr val="00A0E8"/>
-                    </a:gs>
-                  </a:gsLst>
-                  <a:lin ang="5400000"/>
-                </a:gradFill>
-                <a:latin typeface="微软雅黑 Light" panose="020B0502040204020203" pitchFamily="34" charset="-122"/>
-                <a:ea typeface="微软雅黑 Light" panose="020B0502040204020203" pitchFamily="34" charset="-122"/>
-              </a:rPr>
-              <a:t>财务自由的标准</a:t>
-            </a:r>
-            <a:endParaRPr lang="zh-CN" altLang="en-US" dirty="0">
-              <a:gradFill>
-                <a:gsLst>
-                  <a:gs pos="100000">
-                    <a:srgbClr val="00469C"/>
-                  </a:gs>
-                  <a:gs pos="0">
-                    <a:srgbClr val="00A0E8"/>
-                  </a:gs>
-                </a:gsLst>
-                <a:lin ang="5400000"/>
-              </a:gradFill>
-              <a:latin typeface="微软雅黑 Light" panose="020B0502040204020203" pitchFamily="34" charset="-122"/>
-              <a:ea typeface="微软雅黑 Light" panose="020B0502040204020203" pitchFamily="34" charset="-122"/>
-            </a:endParaRPr>
-          </a:p>
-        </p:txBody>
-      </p:sp>
-      <p:sp>
-        <p:nvSpPr>
-          <p:cNvPr id="73" name="矩形 72"/>
-          <p:cNvSpPr/>
-          <p:nvPr/>
-        </p:nvSpPr>
-        <p:spPr>
-          <a:xfrm>
-            <a:off x="1785258" y="2032012"/>
-            <a:ext cx="7257143" cy="644679"/>
-          </a:xfrm>
-          <a:prstGeom prst="rect">
-            <a:avLst/>
-          </a:prstGeom>
-        </p:spPr>
-        <p:txBody>
-          <a:bodyPr wrap="square">
-            <a:spAutoFit/>
-          </a:bodyPr>
-          <a:lstStyle/>
-          <a:p>
-            <a:pPr>
-              <a:lnSpc>
-                <a:spcPct val="150000"/>
-              </a:lnSpc>
-              <a:spcBef>
-                <a:spcPts val="600"/>
-              </a:spcBef>
-              <a:spcAft>
-                <a:spcPts val="600"/>
-              </a:spcAft>
-              <a:defRPr/>
-            </a:pPr>
-            <a:r>
-              <a:rPr lang="zh-CN" altLang="en-US" sz="2400" b="1" dirty="0" smtClean="0"/>
-              <a:t>原来当这个指数≥</a:t>
-            </a:r>
-            <a:r>
-              <a:rPr lang="en-US" altLang="zh-CN" sz="2400" b="1" dirty="0" smtClean="0"/>
-              <a:t>1</a:t>
-            </a:r>
-            <a:r>
-              <a:rPr lang="zh-CN" altLang="en-US" sz="2400" b="1" dirty="0" smtClean="0"/>
-              <a:t>的时候，我们就实现财务自由了</a:t>
-            </a:r>
-            <a:r>
-              <a:rPr lang="zh-CN" altLang="en-US" sz="2400" dirty="0" smtClean="0">
-                <a:solidFill>
-                  <a:schemeClr val="tx1">
-                    <a:lumMod val="85000"/>
-                    <a:lumOff val="15000"/>
-                  </a:schemeClr>
-                </a:solidFill>
-                <a:latin typeface="微软雅黑" pitchFamily="34" charset="-122"/>
-                <a:ea typeface="微软雅黑" pitchFamily="34" charset="-122"/>
-              </a:rPr>
-              <a:t>。</a:t>
-            </a:r>
-            <a:endParaRPr lang="zh-CN" altLang="en-US" sz="2400" dirty="0">
-              <a:solidFill>
-                <a:schemeClr val="tx1">
-                  <a:lumMod val="85000"/>
-                  <a:lumOff val="15000"/>
-                </a:schemeClr>
-              </a:solidFill>
-              <a:latin typeface="微软雅黑" pitchFamily="34" charset="-122"/>
-              <a:ea typeface="微软雅黑" pitchFamily="34" charset="-122"/>
-            </a:endParaRPr>
-          </a:p>
-        </p:txBody>
-      </p:sp>
-      <p:sp>
-        <p:nvSpPr>
-          <p:cNvPr id="80" name="Content Placeholder 2"/>
-          <p:cNvSpPr txBox="1">
-            <a:spLocks/>
-          </p:cNvSpPr>
-          <p:nvPr/>
-        </p:nvSpPr>
-        <p:spPr>
-          <a:xfrm>
-            <a:off x="1258024" y="5059339"/>
-            <a:ext cx="9867176" cy="1128101"/>
-          </a:xfrm>
-          <a:prstGeom prst="rect">
-            <a:avLst/>
-          </a:prstGeom>
-        </p:spPr>
-        <p:txBody>
-          <a:bodyPr vert="horz" lIns="91440" tIns="45720" rIns="91440" bIns="45720" rtlCol="0" anchor="t">
-            <a:noAutofit/>
-          </a:bodyPr>
-          <a:lstStyle>
-            <a:lvl1pPr marL="0" indent="0" algn="r" defTabSz="457200" rtl="0" eaLnBrk="1" latinLnBrk="0" hangingPunct="1">
-              <a:spcBef>
-                <a:spcPct val="20000"/>
-              </a:spcBef>
-              <a:spcAft>
-                <a:spcPts val="600"/>
-              </a:spcAft>
-              <a:buClr>
-                <a:schemeClr val="accent1">
-                  <a:lumMod val="75000"/>
-                </a:schemeClr>
-              </a:buClr>
-              <a:buSzPct val="145000"/>
-              <a:buFont typeface="Arial"/>
-              <a:buNone/>
-              <a:defRPr sz="2100" kern="1200" cap="none">
-                <a:solidFill>
-                  <a:schemeClr val="tx1"/>
-                </a:solidFill>
-                <a:effectLst/>
-                <a:latin typeface="+mn-lt"/>
-                <a:ea typeface="+mn-ea"/>
-                <a:cs typeface="+mn-cs"/>
-              </a:defRPr>
-            </a:lvl1pPr>
-            <a:lvl2pPr marL="457200" indent="0" algn="ctr" defTabSz="457200" rtl="0" eaLnBrk="1" latinLnBrk="0" hangingPunct="1">
-              <a:spcBef>
-                <a:spcPct val="20000"/>
-              </a:spcBef>
-              <a:spcAft>
-                <a:spcPts val="600"/>
-              </a:spcAft>
-              <a:buClr>
-                <a:schemeClr val="accent1">
-                  <a:lumMod val="75000"/>
-                </a:schemeClr>
-              </a:buClr>
-              <a:buSzPct val="145000"/>
-              <a:buFont typeface="Arial"/>
-              <a:buNone/>
-              <a:defRPr sz="2000" kern="1200" cap="none">
-                <a:solidFill>
-                  <a:schemeClr val="tx1">
-                    <a:tint val="75000"/>
-                  </a:schemeClr>
-                </a:solidFill>
-                <a:effectLst/>
-                <a:latin typeface="+mn-lt"/>
-                <a:ea typeface="+mn-ea"/>
-                <a:cs typeface="+mn-cs"/>
-              </a:defRPr>
-            </a:lvl2pPr>
-            <a:lvl3pPr marL="914400" indent="0" algn="ctr" defTabSz="457200" rtl="0" eaLnBrk="1" latinLnBrk="0" hangingPunct="1">
-              <a:spcBef>
-                <a:spcPct val="20000"/>
-              </a:spcBef>
-              <a:spcAft>
-                <a:spcPts val="600"/>
-              </a:spcAft>
-              <a:buClr>
-                <a:schemeClr val="accent1">
-                  <a:lumMod val="75000"/>
-                </a:schemeClr>
-              </a:buClr>
-              <a:buSzPct val="145000"/>
-              <a:buFont typeface="Arial"/>
-              <a:buNone/>
-              <a:defRPr sz="1800" kern="1200" cap="none">
-                <a:solidFill>
-                  <a:schemeClr val="tx1">
-                    <a:tint val="75000"/>
-                  </a:schemeClr>
-                </a:solidFill>
-                <a:effectLst/>
-                <a:latin typeface="+mn-lt"/>
-                <a:ea typeface="+mn-ea"/>
-                <a:cs typeface="+mn-cs"/>
-              </a:defRPr>
-            </a:lvl3pPr>
-            <a:lvl4pPr marL="1371600" indent="0" algn="ctr" defTabSz="457200" rtl="0" eaLnBrk="1" latinLnBrk="0" hangingPunct="1">
-              <a:spcBef>
-                <a:spcPct val="20000"/>
-              </a:spcBef>
-              <a:spcAft>
-                <a:spcPts val="600"/>
-              </a:spcAft>
-              <a:buClr>
-                <a:schemeClr val="accent1">
-                  <a:lumMod val="75000"/>
-                </a:schemeClr>
-              </a:buClr>
-              <a:buSzPct val="145000"/>
-              <a:buFont typeface="Arial"/>
-              <a:buNone/>
-              <a:defRPr sz="1600" kern="1200" cap="none">
-                <a:solidFill>
-                  <a:schemeClr val="tx1">
-                    <a:tint val="75000"/>
-                  </a:schemeClr>
-                </a:solidFill>
-                <a:effectLst/>
-                <a:latin typeface="+mn-lt"/>
-                <a:ea typeface="+mn-ea"/>
-                <a:cs typeface="+mn-cs"/>
-              </a:defRPr>
-            </a:lvl4pPr>
-            <a:lvl5pPr marL="1828800" indent="0" algn="ctr" defTabSz="457200" rtl="0" eaLnBrk="1" latinLnBrk="0" hangingPunct="1">
-              <a:spcBef>
-                <a:spcPct val="20000"/>
-              </a:spcBef>
-              <a:spcAft>
-                <a:spcPts val="600"/>
-              </a:spcAft>
-              <a:buClr>
-                <a:schemeClr val="accent1">
-                  <a:lumMod val="75000"/>
-                </a:schemeClr>
-              </a:buClr>
-              <a:buSzPct val="145000"/>
-              <a:buFont typeface="Arial"/>
-              <a:buNone/>
-              <a:defRPr sz="1400" kern="1200" cap="none">
-                <a:solidFill>
-                  <a:schemeClr val="tx1">
-                    <a:tint val="75000"/>
-                  </a:schemeClr>
-                </a:solidFill>
-                <a:effectLst/>
-                <a:latin typeface="+mn-lt"/>
-                <a:ea typeface="+mn-ea"/>
-                <a:cs typeface="+mn-cs"/>
-              </a:defRPr>
-            </a:lvl5pPr>
-            <a:lvl6pPr marL="2286000" indent="0" algn="ctr" defTabSz="457200" rtl="0" eaLnBrk="1" latinLnBrk="0" hangingPunct="1">
-              <a:spcBef>
-                <a:spcPct val="20000"/>
-              </a:spcBef>
-              <a:spcAft>
-                <a:spcPts val="600"/>
-              </a:spcAft>
-              <a:buClr>
-                <a:schemeClr val="accent1">
-                  <a:lumMod val="75000"/>
-                </a:schemeClr>
-              </a:buClr>
-              <a:buSzPct val="145000"/>
-              <a:buFont typeface="Arial"/>
-              <a:buNone/>
-              <a:defRPr sz="1400" kern="1200" cap="none">
-                <a:solidFill>
-                  <a:schemeClr val="tx1">
-                    <a:tint val="75000"/>
-                  </a:schemeClr>
-                </a:solidFill>
-                <a:effectLst/>
-                <a:latin typeface="+mn-lt"/>
-                <a:ea typeface="+mn-ea"/>
-                <a:cs typeface="+mn-cs"/>
-              </a:defRPr>
-            </a:lvl6pPr>
-            <a:lvl7pPr marL="2743200" indent="0" algn="ctr" defTabSz="457200" rtl="0" eaLnBrk="1" latinLnBrk="0" hangingPunct="1">
-              <a:spcBef>
-                <a:spcPct val="20000"/>
-              </a:spcBef>
-              <a:spcAft>
-                <a:spcPts val="600"/>
-              </a:spcAft>
-              <a:buClr>
-                <a:schemeClr val="accent1">
-                  <a:lumMod val="75000"/>
-                </a:schemeClr>
-              </a:buClr>
-              <a:buSzPct val="145000"/>
-              <a:buFont typeface="Arial"/>
-              <a:buNone/>
-              <a:defRPr sz="1400" kern="1200" cap="none">
-                <a:solidFill>
-                  <a:schemeClr val="tx1">
-                    <a:tint val="75000"/>
-                  </a:schemeClr>
-                </a:solidFill>
-                <a:effectLst/>
-                <a:latin typeface="+mn-lt"/>
-                <a:ea typeface="+mn-ea"/>
-                <a:cs typeface="+mn-cs"/>
-              </a:defRPr>
-            </a:lvl7pPr>
-            <a:lvl8pPr marL="3200400" indent="0" algn="ctr" defTabSz="457200" rtl="0" eaLnBrk="1" latinLnBrk="0" hangingPunct="1">
-              <a:spcBef>
-                <a:spcPct val="20000"/>
-              </a:spcBef>
-              <a:spcAft>
-                <a:spcPts val="600"/>
-              </a:spcAft>
-              <a:buClr>
-                <a:schemeClr val="accent1">
-                  <a:lumMod val="75000"/>
-                </a:schemeClr>
-              </a:buClr>
-              <a:buSzPct val="145000"/>
-              <a:buFont typeface="Arial"/>
-              <a:buNone/>
-              <a:defRPr sz="1400" kern="1200" cap="none">
-                <a:solidFill>
-                  <a:schemeClr val="tx1">
-                    <a:tint val="75000"/>
-                  </a:schemeClr>
-                </a:solidFill>
-                <a:effectLst/>
-                <a:latin typeface="+mn-lt"/>
-                <a:ea typeface="+mn-ea"/>
-                <a:cs typeface="+mn-cs"/>
-              </a:defRPr>
-            </a:lvl8pPr>
-            <a:lvl9pPr marL="3657600" indent="0" algn="ctr" defTabSz="457200" rtl="0" eaLnBrk="1" latinLnBrk="0" hangingPunct="1">
-              <a:spcBef>
-                <a:spcPct val="20000"/>
-              </a:spcBef>
-              <a:spcAft>
-                <a:spcPts val="600"/>
-              </a:spcAft>
-              <a:buClr>
-                <a:schemeClr val="accent1">
-                  <a:lumMod val="75000"/>
-                </a:schemeClr>
-              </a:buClr>
-              <a:buSzPct val="145000"/>
-              <a:buFont typeface="Arial"/>
-              <a:buNone/>
-              <a:defRPr sz="1400" kern="1200" cap="none">
-                <a:solidFill>
-                  <a:schemeClr val="tx1">
-                    <a:tint val="75000"/>
-                  </a:schemeClr>
-                </a:solidFill>
-                <a:effectLst/>
-                <a:latin typeface="+mn-lt"/>
-                <a:ea typeface="+mn-ea"/>
-                <a:cs typeface="+mn-cs"/>
-              </a:defRPr>
-            </a:lvl9pPr>
-          </a:lstStyle>
-          <a:p>
-            <a:pPr algn="l"/>
-            <a:r>
-              <a:rPr lang="zh-CN" altLang="en-US" sz="1800" dirty="0" smtClean="0">
-                <a:solidFill>
-                  <a:schemeClr val="tx1">
-                    <a:lumMod val="75000"/>
-                    <a:lumOff val="25000"/>
-                  </a:schemeClr>
-                </a:solidFill>
-                <a:latin typeface="微软雅黑" pitchFamily="34" charset="-122"/>
-                <a:ea typeface="微软雅黑" panose="020B0503020204020204" pitchFamily="34" charset="-122"/>
-              </a:rPr>
-              <a:t>被动收入：不用花时间和精力自动的收入，如房产租金，知识产权、银行利息、投资理财等等。</a:t>
-            </a:r>
-            <a:endParaRPr lang="en-US" altLang="zh-CN" sz="1800" dirty="0" smtClean="0">
-              <a:solidFill>
-                <a:schemeClr val="tx1">
-                  <a:lumMod val="75000"/>
-                  <a:lumOff val="25000"/>
-                </a:schemeClr>
-              </a:solidFill>
-              <a:latin typeface="微软雅黑" pitchFamily="34" charset="-122"/>
-              <a:ea typeface="微软雅黑" panose="020B0503020204020204" pitchFamily="34" charset="-122"/>
-            </a:endParaRPr>
-          </a:p>
-          <a:p>
-            <a:pPr algn="l"/>
-            <a:r>
-              <a:rPr lang="zh-CN" altLang="en-US" sz="1800" dirty="0" smtClean="0"/>
-              <a:t>一般工薪族，如果不注意理财的话，大概被动收入只有</a:t>
-            </a:r>
-            <a:r>
-              <a:rPr lang="en-US" altLang="zh-CN" sz="1800" dirty="0" smtClean="0"/>
-              <a:t>【</a:t>
-            </a:r>
-            <a:r>
-              <a:rPr lang="zh-CN" altLang="en-US" sz="1800" dirty="0" smtClean="0"/>
-              <a:t>银行利息</a:t>
-            </a:r>
-            <a:r>
-              <a:rPr lang="en-US" altLang="zh-CN" sz="1800" dirty="0" smtClean="0"/>
-              <a:t>】</a:t>
-            </a:r>
-            <a:r>
-              <a:rPr lang="zh-CN" altLang="en-US" sz="1800" dirty="0" smtClean="0"/>
-              <a:t>这一项</a:t>
-            </a:r>
-            <a:endParaRPr lang="en-US" altLang="zh-CN" sz="1800" dirty="0">
-              <a:solidFill>
-                <a:schemeClr val="tx1">
-                  <a:lumMod val="75000"/>
-                  <a:lumOff val="25000"/>
-                </a:schemeClr>
-              </a:solidFill>
-              <a:latin typeface="微软雅黑" pitchFamily="34" charset="-122"/>
-              <a:ea typeface="微软雅黑" panose="020B0503020204020204" pitchFamily="34" charset="-122"/>
-            </a:endParaRPr>
-          </a:p>
-        </p:txBody>
-      </p:sp>
-      <p:pic>
-        <p:nvPicPr>
-          <p:cNvPr id="1027" name="Picture 3"/>
-          <p:cNvPicPr>
-            <a:picLocks noChangeAspect="1" noChangeArrowheads="1"/>
-          </p:cNvPicPr>
-          <p:nvPr/>
-        </p:nvPicPr>
-        <p:blipFill>
-          <a:blip r:embed="rId3"/>
-          <a:srcRect/>
-          <a:stretch>
-            <a:fillRect/>
-          </a:stretch>
-        </p:blipFill>
-        <p:spPr bwMode="auto">
-          <a:xfrm>
-            <a:off x="1828800" y="2743200"/>
-            <a:ext cx="7584242" cy="2010910"/>
-          </a:xfrm>
-          <a:prstGeom prst="rect">
-            <a:avLst/>
-          </a:prstGeom>
-          <a:noFill/>
-          <a:ln w="9525">
-            <a:noFill/>
-            <a:miter lim="800000"/>
-            <a:headEnd/>
-            <a:tailEnd/>
-          </a:ln>
-          <a:effectLst/>
-        </p:spPr>
-      </p:pic>
-    </p:spTree>
-    <p:extLst>
-      <p:ext uri="{BB962C8B-B14F-4D97-AF65-F5344CB8AC3E}">
-        <p14:creationId xmlns="" xmlns:p14="http://schemas.microsoft.com/office/powerpoint/2010/main" val="4095140424"/>
-      </p:ext>
-    </p:extLst>
-  </p:cSld>
-  <p:clrMapOvr>
-    <a:masterClrMapping/>
-  </p:clrMapOvr>
-  <mc:AlternateContent xmlns:mc="http://schemas.openxmlformats.org/markup-compatibility/2006">
-    <mc:Choice xmlns="" xmlns:p14="http://schemas.microsoft.com/office/powerpoint/2010/main" Requires="p14">
-      <p:transition spd="slow" p14:dur="1600">
-        <p:blinds dir="vert"/>
-      </p:transition>
-    </mc:Choice>
-    <mc:Fallback>
-      <p:transition spd="slow">
-        <p:blinds dir="vert"/>
-      </p:transition>
-    </mc:Fallback>
-  </mc:AlternateContent>
+  <p:timing>
+    <p:tnLst>
+      <p:par>
+        <p:cTn id="1" dur="indefinite" restart="never" nodeType="tmRoot"/>
+      </p:par>
+    </p:tnLst>
+  </p:timing>
 </p:sld>
 </file>
 
@@ -21620,7 +22495,7 @@
           <p:cNvPr id="31" name="TextBox 9">
             <a:extLst>
               <a:ext uri="{FF2B5EF4-FFF2-40B4-BE49-F238E27FC236}">
-                <a16:creationId xmlns="" xmlns:a16="http://schemas.microsoft.com/office/drawing/2014/main" id="{196AEFB1-B5B8-48EC-BBBA-092BE2D0990E}"/>
+                <a16:creationId xmlns:a16="http://schemas.microsoft.com/office/drawing/2014/main" xmlns="" id="{196AEFB1-B5B8-48EC-BBBA-092BE2D0990E}"/>
               </a:ext>
             </a:extLst>
           </p:cNvPr>
@@ -21733,8 +22608,8 @@
         </p:blipFill>
         <p:spPr bwMode="auto">
           <a:xfrm>
-            <a:off x="2548508" y="2060538"/>
-            <a:ext cx="7212013" cy="2274887"/>
+            <a:off x="1867517" y="2065863"/>
+            <a:ext cx="8573996" cy="2704496"/>
           </a:xfrm>
           <a:prstGeom prst="rect">
             <a:avLst/>
@@ -21752,7 +22627,7 @@
     </p:spTree>
     <p:extLst>
       <p:ext uri="{BB962C8B-B14F-4D97-AF65-F5344CB8AC3E}">
-        <p14:creationId xmlns="" xmlns:p14="http://schemas.microsoft.com/office/powerpoint/2010/main" val="4095140424"/>
+        <p14:creationId xmlns:p14="http://schemas.microsoft.com/office/powerpoint/2010/main" xmlns="" val="4095140424"/>
       </p:ext>
     </p:extLst>
   </p:cSld>
@@ -21760,7 +22635,7 @@
     <a:masterClrMapping/>
   </p:clrMapOvr>
   <mc:AlternateContent xmlns:mc="http://schemas.openxmlformats.org/markup-compatibility/2006">
-    <mc:Choice xmlns="" xmlns:p14="http://schemas.microsoft.com/office/powerpoint/2010/main" Requires="p14">
+    <mc:Choice xmlns:p14="http://schemas.microsoft.com/office/powerpoint/2010/main" xmlns="" Requires="p14">
       <p:transition spd="slow" p14:dur="1600">
         <p:blinds dir="vert"/>
       </p:transition>
@@ -21771,6 +22646,13 @@
       </p:transition>
     </mc:Fallback>
   </mc:AlternateContent>
+  <p:timing>
+    <p:tnLst>
+      <p:par>
+        <p:cTn id="1" dur="indefinite" restart="never" nodeType="tmRoot"/>
+      </p:par>
+    </p:tnLst>
+  </p:timing>
 </p:sld>
 </file>
 
@@ -21796,7 +22678,7 @@
           <p:cNvPr id="31" name="TextBox 9">
             <a:extLst>
               <a:ext uri="{FF2B5EF4-FFF2-40B4-BE49-F238E27FC236}">
-                <a16:creationId xmlns="" xmlns:a16="http://schemas.microsoft.com/office/drawing/2014/main" id="{196AEFB1-B5B8-48EC-BBBA-092BE2D0990E}"/>
+                <a16:creationId xmlns:a16="http://schemas.microsoft.com/office/drawing/2014/main" xmlns="" id="{196AEFB1-B5B8-48EC-BBBA-092BE2D0990E}"/>
               </a:ext>
             </a:extLst>
           </p:cNvPr>
@@ -21975,7 +22857,7 @@
     </p:spTree>
     <p:extLst>
       <p:ext uri="{BB962C8B-B14F-4D97-AF65-F5344CB8AC3E}">
-        <p14:creationId xmlns="" xmlns:p14="http://schemas.microsoft.com/office/powerpoint/2010/main" val="4095140424"/>
+        <p14:creationId xmlns:p14="http://schemas.microsoft.com/office/powerpoint/2010/main" xmlns="" val="4095140424"/>
       </p:ext>
     </p:extLst>
   </p:cSld>
@@ -21983,7 +22865,7 @@
     <a:masterClrMapping/>
   </p:clrMapOvr>
   <mc:AlternateContent xmlns:mc="http://schemas.openxmlformats.org/markup-compatibility/2006">
-    <mc:Choice xmlns="" xmlns:p14="http://schemas.microsoft.com/office/powerpoint/2010/main" Requires="p14">
+    <mc:Choice xmlns:p14="http://schemas.microsoft.com/office/powerpoint/2010/main" xmlns="" Requires="p14">
       <p:transition spd="slow" p14:dur="1600">
         <p:blinds dir="vert"/>
       </p:transition>
@@ -21994,6 +22876,13 @@
       </p:transition>
     </mc:Fallback>
   </mc:AlternateContent>
+  <p:timing>
+    <p:tnLst>
+      <p:par>
+        <p:cTn id="1" dur="indefinite" restart="never" nodeType="tmRoot"/>
+      </p:par>
+    </p:tnLst>
+  </p:timing>
 </p:sld>
 </file>
 
@@ -22252,7 +23141,7 @@
   <a:extraClrSchemeLst/>
   <a:extLst>
     <a:ext uri="{05A4C25C-085E-4340-85A3-A5531E510DB2}">
-      <thm15:themeFamily xmlns="" xmlns:thm15="http://schemas.microsoft.com/office/thememl/2012/main" name="Office Theme" id="{62F939B6-93AF-4DB8-9C6B-D6C7DFDC589F}" vid="{4A3C46E8-61CC-4603-A589-7422A47A8E4A}"/>
+      <thm15:themeFamily xmlns:thm15="http://schemas.microsoft.com/office/thememl/2012/main" xmlns="" name="Office Theme" id="{62F939B6-93AF-4DB8-9C6B-D6C7DFDC589F}" vid="{4A3C46E8-61CC-4603-A589-7422A47A8E4A}"/>
     </a:ext>
   </a:extLst>
 </a:theme>
@@ -22547,7 +23436,7 @@
   <a:extraClrSchemeLst/>
   <a:extLst>
     <a:ext uri="{05A4C25C-085E-4340-85A3-A5531E510DB2}">
-      <thm15:themeFamily xmlns="" xmlns:thm15="http://schemas.microsoft.com/office/thememl/2012/main" name="Office Theme" id="{62F939B6-93AF-4DB8-9C6B-D6C7DFDC589F}" vid="{4A3C46E8-61CC-4603-A589-7422A47A8E4A}"/>
+      <thm15:themeFamily xmlns:thm15="http://schemas.microsoft.com/office/thememl/2012/main" xmlns="" name="Office Theme" id="{62F939B6-93AF-4DB8-9C6B-D6C7DFDC589F}" vid="{4A3C46E8-61CC-4603-A589-7422A47A8E4A}"/>
     </a:ext>
   </a:extLst>
 </a:theme>

--- a/专题研究/晨会主题/201904财务自由.pptx
+++ b/专题研究/晨会主题/201904财务自由.pptx
@@ -5,7 +5,7 @@
     <p:sldMasterId id="2147483663" r:id="rId1"/>
   </p:sldMasterIdLst>
   <p:notesMasterIdLst>
-    <p:notesMasterId r:id="rId17"/>
+    <p:notesMasterId r:id="rId16"/>
   </p:notesMasterIdLst>
   <p:sldIdLst>
     <p:sldId id="2404" r:id="rId2"/>
@@ -14,15 +14,14 @@
     <p:sldId id="2444" r:id="rId5"/>
     <p:sldId id="2445" r:id="rId6"/>
     <p:sldId id="2441" r:id="rId7"/>
-    <p:sldId id="2403" r:id="rId8"/>
-    <p:sldId id="2439" r:id="rId9"/>
-    <p:sldId id="2442" r:id="rId10"/>
-    <p:sldId id="2432" r:id="rId11"/>
-    <p:sldId id="2434" r:id="rId12"/>
-    <p:sldId id="2443" r:id="rId13"/>
-    <p:sldId id="2446" r:id="rId14"/>
-    <p:sldId id="2436" r:id="rId15"/>
-    <p:sldId id="2405" r:id="rId16"/>
+    <p:sldId id="2439" r:id="rId8"/>
+    <p:sldId id="2442" r:id="rId9"/>
+    <p:sldId id="2447" r:id="rId10"/>
+    <p:sldId id="2434" r:id="rId11"/>
+    <p:sldId id="2443" r:id="rId12"/>
+    <p:sldId id="2446" r:id="rId13"/>
+    <p:sldId id="2436" r:id="rId14"/>
+    <p:sldId id="2405" r:id="rId15"/>
   </p:sldIdLst>
   <p:sldSz cx="12192000" cy="6858000"/>
   <p:notesSz cx="6858000" cy="9144000"/>
@@ -123,7 +122,7 @@
   </p:defaultTextStyle>
   <p:extLst>
     <p:ext uri="{521415D9-36F7-43E2-AB2F-B90AF26B5E84}">
-      <p14:sectionLst xmlns:p14="http://schemas.microsoft.com/office/powerpoint/2010/main" xmlns="">
+      <p14:sectionLst xmlns="" xmlns:p14="http://schemas.microsoft.com/office/powerpoint/2010/main">
         <p14:section name="封面" id="{D7D87A2E-EAB7-4E0B-91AB-5997C8278163}">
           <p14:sldIdLst>
             <p14:sldId id="2404"/>
@@ -161,7 +160,7 @@
       </p14:sectionLst>
     </p:ext>
     <p:ext uri="{EFAFB233-063F-42B5-8137-9DF3F51BA10A}">
-      <p15:sldGuideLst xmlns:p15="http://schemas.microsoft.com/office/powerpoint/2012/main" xmlns="">
+      <p15:sldGuideLst xmlns="" xmlns:p15="http://schemas.microsoft.com/office/powerpoint/2012/main">
         <p15:guide id="2" pos="3840" userDrawn="1">
           <p15:clr>
             <a:srgbClr val="A4A3A4"/>
@@ -266,7 +265,7 @@
             <a:fld id="{B0728DFB-0508-4D26-AE5C-71BF0E2783C5}" type="datetimeFigureOut">
               <a:rPr lang="zh-CN" altLang="en-US" smtClean="0"/>
               <a:pPr/>
-              <a:t>2019/4/25</a:t>
+              <a:t>2019/4/27</a:t>
             </a:fld>
             <a:endParaRPr lang="zh-CN" altLang="en-US"/>
           </a:p>
@@ -434,7 +433,7 @@
     </p:spTree>
     <p:extLst>
       <p:ext uri="{BB962C8B-B14F-4D97-AF65-F5344CB8AC3E}">
-        <p14:creationId xmlns:p14="http://schemas.microsoft.com/office/powerpoint/2010/main" xmlns="" val="3786332847"/>
+        <p14:creationId xmlns="" xmlns:p14="http://schemas.microsoft.com/office/powerpoint/2010/main" val="3786332847"/>
       </p:ext>
     </p:extLst>
   </p:cSld>
@@ -697,31 +696,11 @@
           </a:bodyPr>
           <a:lstStyle/>
           <a:p>
-            <a:pPr marL="0" marR="0" indent="0" algn="l" defTabSz="914400" rtl="0" eaLnBrk="1" fontAlgn="auto" latinLnBrk="0" hangingPunct="1">
-              <a:lnSpc>
-                <a:spcPct val="100000"/>
-              </a:lnSpc>
-              <a:spcBef>
-                <a:spcPts val="0"/>
-              </a:spcBef>
-              <a:spcAft>
-                <a:spcPts val="0"/>
-              </a:spcAft>
-              <a:buClrTx/>
-              <a:buSzTx/>
-              <a:buFontTx/>
-              <a:buNone/>
-              <a:tabLst/>
-              <a:defRPr/>
-            </a:pPr>
             <a:r>
               <a:rPr lang="zh-CN" altLang="en-US" dirty="0" smtClean="0"/>
-              <a:t>一千个读者有一千个哈姆雷特。我们为什么要追求财务自由？</a:t>
-            </a:r>
-            <a:r>
-              <a:rPr lang="zh-CN" altLang="en-US" sz="1200" b="1" dirty="0" smtClean="0"/>
-              <a:t>让感情回归纯粹，不为钱所累，爱好回归乐趣，不为钱折腰，活成自己喜欢的样子，让消费回归享受，不为钱所苦。</a:t>
-            </a:r>
+              <a:t>如何实现财务自由？</a:t>
+            </a:r>
+            <a:endParaRPr lang="en-US" altLang="zh-CN" dirty="0" smtClean="0"/>
           </a:p>
           <a:p>
             <a:r>
@@ -730,7 +709,7 @@
             </a:r>
             <a:r>
               <a:rPr lang="zh-CN" altLang="en-US" dirty="0" smtClean="0"/>
-              <a:t>、</a:t>
+              <a:t>、最重要的投资就是投资自己的人生，其中投资的关键就是选择自己热爱的事业（生活愿景），事业不是职业，要区分。</a:t>
             </a:r>
             <a:r>
               <a:rPr lang="zh-CN" altLang="en-US" sz="1200" b="0" i="0" kern="1200" dirty="0" smtClean="0">
@@ -741,7 +720,7 @@
                 <a:ea typeface="+mn-ea"/>
                 <a:cs typeface="+mn-cs"/>
               </a:rPr>
-              <a:t>所谓自由，就是一个人可以按自己的意愿去生活，自己给自己作主</a:t>
+              <a:t>憧憬你今后想要的人生，根据你的人生价值观找到你认为必须要完成的事，在它身上下功夫，就是对自己人生的一种投资</a:t>
             </a:r>
             <a:r>
               <a:rPr lang="zh-CN" altLang="en-US" sz="1200" b="0" i="0" kern="1200" dirty="0" smtClean="0">
@@ -752,7 +731,7 @@
                 <a:ea typeface="+mn-ea"/>
                 <a:cs typeface="+mn-cs"/>
               </a:rPr>
-              <a:t>。</a:t>
+              <a:t>。大部分人是“干一行，爱一行”，在职业工作中投入热情，让职业变成了自己的事业。职业获得薪酬，事业获得成就。 </a:t>
             </a:r>
             <a:endParaRPr lang="en-US" altLang="zh-CN" sz="1200" b="0" i="0" kern="1200" dirty="0" smtClean="0">
               <a:solidFill>
@@ -784,7 +763,7 @@
                 <a:ea typeface="+mn-ea"/>
                 <a:cs typeface="+mn-cs"/>
               </a:rPr>
-              <a:t>、生命</a:t>
+              <a:t>、在</a:t>
             </a:r>
             <a:r>
               <a:rPr lang="zh-CN" altLang="en-US" sz="1200" b="0" i="0" kern="1200" dirty="0" smtClean="0">
@@ -795,7 +774,7 @@
                 <a:ea typeface="+mn-ea"/>
                 <a:cs typeface="+mn-cs"/>
               </a:rPr>
-              <a:t>诚可贵，爱情价更高。若为自由故，二者皆可抛</a:t>
+              <a:t>自己收入不高，财产不够丰厚的时候，适当的经营自己，规划配置资产，尽可能的减少对未来不确定性的恐惧，才能更好的享受生活，接近财务自由</a:t>
             </a:r>
             <a:r>
               <a:rPr lang="zh-CN" altLang="en-US" sz="1200" b="0" i="0" kern="1200" dirty="0" smtClean="0">
@@ -806,22 +785,10 @@
                 <a:ea typeface="+mn-ea"/>
                 <a:cs typeface="+mn-cs"/>
               </a:rPr>
-              <a:t>。</a:t>
-            </a:r>
-            <a:r>
-              <a:rPr lang="zh-CN" altLang="en-US" dirty="0" smtClean="0"/>
-              <a:t>人生</a:t>
-            </a:r>
-            <a:r>
-              <a:rPr lang="zh-CN" altLang="en-US" dirty="0" smtClean="0"/>
-              <a:t>三大终极目标</a:t>
-            </a:r>
-            <a:r>
-              <a:rPr lang="zh-CN" altLang="en-US" dirty="0" smtClean="0"/>
-              <a:t>：</a:t>
-            </a:r>
-            <a:r>
-              <a:rPr lang="zh-CN" altLang="en-US" sz="1200" b="1" i="0" kern="1200" dirty="0" smtClean="0">
+              <a:t>。财务</a:t>
+            </a:r>
+            <a:r>
+              <a:rPr lang="zh-CN" altLang="en-US" sz="1200" b="0" i="0" kern="1200" dirty="0" smtClean="0">
                 <a:solidFill>
                   <a:schemeClr val="tx1"/>
                 </a:solidFill>
@@ -829,10 +796,10 @@
                 <a:ea typeface="+mn-ea"/>
                 <a:cs typeface="+mn-cs"/>
               </a:rPr>
-              <a:t>财务</a:t>
-            </a:r>
-            <a:r>
-              <a:rPr lang="zh-CN" altLang="en-US" sz="1200" b="1" i="0" kern="1200" dirty="0" smtClean="0">
+              <a:t>自由并没有硬性规定，只是它能让你有多少选择，你就有多大的财务自由。中午可以选择吃十元的盒饭还是十五的盖饭，这也是一种财务自由。我们都在这个世界的泥土里奋力腾挪，给自己创造更大的喘息空间</a:t>
+            </a:r>
+            <a:r>
+              <a:rPr lang="zh-CN" altLang="en-US" sz="1200" b="0" i="0" kern="1200" dirty="0" smtClean="0">
                 <a:solidFill>
                   <a:schemeClr val="tx1"/>
                 </a:solidFill>
@@ -840,8 +807,48 @@
                 <a:ea typeface="+mn-ea"/>
                 <a:cs typeface="+mn-cs"/>
               </a:rPr>
-              <a:t>自由：</a:t>
-            </a:r>
+              <a:t>。</a:t>
+            </a:r>
+            <a:endParaRPr lang="zh-CN" altLang="en-US" sz="1200" b="0" i="0" kern="1200" dirty="0" smtClean="0">
+              <a:solidFill>
+                <a:schemeClr val="tx1"/>
+              </a:solidFill>
+              <a:latin typeface="+mn-lt"/>
+              <a:ea typeface="+mn-ea"/>
+              <a:cs typeface="+mn-cs"/>
+            </a:endParaRPr>
+          </a:p>
+          <a:p>
+            <a:r>
+              <a:rPr lang="en-US" altLang="zh-CN" dirty="0" smtClean="0"/>
+              <a:t>3</a:t>
+            </a:r>
+            <a:r>
+              <a:rPr lang="zh-CN" altLang="en-US" dirty="0" smtClean="0"/>
+              <a:t>、</a:t>
+            </a:r>
+            <a:r>
+              <a:rPr lang="zh-CN" altLang="en-US" dirty="0" smtClean="0"/>
+              <a:t>创造财务自由的三大原则：创造资产、减少负债、管理日常开支</a:t>
+            </a:r>
+            <a:r>
+              <a:rPr lang="zh-CN" altLang="en-US" dirty="0" smtClean="0"/>
+              <a:t>。</a:t>
+            </a:r>
+            <a:endParaRPr lang="en-US" altLang="zh-CN" dirty="0" smtClean="0"/>
+          </a:p>
+          <a:p>
+            <a:r>
+              <a:rPr lang="en-US" altLang="zh-CN" dirty="0" smtClean="0"/>
+              <a:t>4</a:t>
+            </a:r>
+            <a:r>
+              <a:rPr lang="zh-CN" altLang="en-US" dirty="0" smtClean="0"/>
+              <a:t>、寻找导师和顾问，建立自己的团队。</a:t>
+            </a:r>
+            <a:endParaRPr lang="en-US" altLang="zh-CN" dirty="0" smtClean="0"/>
+          </a:p>
+          <a:p>
             <a:r>
               <a:rPr lang="zh-CN" altLang="en-US" sz="1200" b="0" i="0" kern="1200" dirty="0" smtClean="0">
                 <a:solidFill>
@@ -851,10 +858,10 @@
                 <a:ea typeface="+mn-ea"/>
                 <a:cs typeface="+mn-cs"/>
               </a:rPr>
-              <a:t>有足够</a:t>
-            </a:r>
-            <a:r>
-              <a:rPr lang="zh-CN" altLang="en-US" sz="1200" b="0" i="0" kern="1200" dirty="0" smtClean="0">
+              <a:t>常言说：“听君一席话，胜读十年书”，导师就是这种人，可能他的一句话，真的可以让人少走十年的弯路。所以，成功的人，都不吝把荣誉授予自己的导师，他们都慷慨地认为，至少</a:t>
+            </a:r>
+            <a:r>
+              <a:rPr lang="en-US" altLang="zh-CN" sz="1200" b="0" i="0" kern="1200" dirty="0" smtClean="0">
                 <a:solidFill>
                   <a:schemeClr val="tx1"/>
                 </a:solidFill>
@@ -862,7 +869,7 @@
                 <a:ea typeface="+mn-ea"/>
                 <a:cs typeface="+mn-cs"/>
               </a:rPr>
-              <a:t>金钱支持生活所需，</a:t>
+              <a:t>80</a:t>
             </a:r>
             <a:r>
               <a:rPr lang="zh-CN" altLang="en-US" sz="1200" b="0" i="0" kern="1200" dirty="0" smtClean="0">
@@ -873,10 +880,10 @@
                 <a:ea typeface="+mn-ea"/>
                 <a:cs typeface="+mn-cs"/>
               </a:rPr>
-              <a:t>需要用钱时不用发愁</a:t>
-            </a:r>
-            <a:r>
-              <a:rPr lang="zh-CN" altLang="en-US" sz="1200" b="0" i="0" kern="1200" dirty="0" smtClean="0">
+              <a:t>％的成功要归因于导师。巴菲特在</a:t>
+            </a:r>
+            <a:r>
+              <a:rPr lang="en-US" altLang="zh-CN" sz="1200" b="0" i="0" kern="1200" dirty="0" smtClean="0">
                 <a:solidFill>
                   <a:schemeClr val="tx1"/>
                 </a:solidFill>
@@ -884,10 +891,10 @@
                 <a:ea typeface="+mn-ea"/>
                 <a:cs typeface="+mn-cs"/>
               </a:rPr>
-              <a:t>；</a:t>
-            </a:r>
-            <a:r>
-              <a:rPr lang="zh-CN" altLang="en-US" sz="1200" b="1" i="0" kern="1200" dirty="0" smtClean="0">
+              <a:t>《</a:t>
+            </a:r>
+            <a:r>
+              <a:rPr lang="zh-CN" altLang="en-US" sz="1200" b="0" i="0" kern="1200" dirty="0" smtClean="0">
                 <a:solidFill>
                   <a:schemeClr val="tx1"/>
                 </a:solidFill>
@@ -895,10 +902,10 @@
                 <a:ea typeface="+mn-ea"/>
                 <a:cs typeface="+mn-cs"/>
               </a:rPr>
-              <a:t>时间</a:t>
-            </a:r>
-            <a:r>
-              <a:rPr lang="zh-CN" altLang="en-US" sz="1200" b="1" i="0" kern="1200" dirty="0" smtClean="0">
+              <a:t>回忆我的导师格雷厄姆</a:t>
+            </a:r>
+            <a:r>
+              <a:rPr lang="en-US" altLang="zh-CN" sz="1200" b="0" i="0" kern="1200" dirty="0" smtClean="0">
                 <a:solidFill>
                   <a:schemeClr val="tx1"/>
                 </a:solidFill>
@@ -906,7 +913,7 @@
                 <a:ea typeface="+mn-ea"/>
                 <a:cs typeface="+mn-cs"/>
               </a:rPr>
-              <a:t>自由：</a:t>
+              <a:t>》</a:t>
             </a:r>
             <a:r>
               <a:rPr lang="zh-CN" altLang="en-US" sz="1200" b="0" i="0" kern="1200" dirty="0" smtClean="0">
@@ -917,8 +924,10 @@
                 <a:ea typeface="+mn-ea"/>
                 <a:cs typeface="+mn-cs"/>
               </a:rPr>
-              <a:t>有可支配时间，可以灵活安排工作、休息和娱乐</a:t>
-            </a:r>
+              <a:t>时说：</a:t>
+            </a:r>
+          </a:p>
+          <a:p>
             <a:r>
               <a:rPr lang="zh-CN" altLang="en-US" sz="1200" b="0" i="0" kern="1200" dirty="0" smtClean="0">
                 <a:solidFill>
@@ -928,10 +937,10 @@
                 <a:ea typeface="+mn-ea"/>
                 <a:cs typeface="+mn-cs"/>
               </a:rPr>
-              <a:t>；</a:t>
-            </a:r>
-            <a:r>
-              <a:rPr lang="zh-CN" altLang="en-US" sz="1200" b="1" i="0" kern="1200" dirty="0" smtClean="0">
+              <a:t>我这一生有时候运气很好，运气最好的一次是</a:t>
+            </a:r>
+            <a:r>
+              <a:rPr lang="en-US" altLang="zh-CN" sz="1200" b="0" i="0" kern="1200" dirty="0" smtClean="0">
                 <a:solidFill>
                   <a:schemeClr val="tx1"/>
                 </a:solidFill>
@@ -939,10 +948,10 @@
                 <a:ea typeface="+mn-ea"/>
                 <a:cs typeface="+mn-cs"/>
               </a:rPr>
-              <a:t>心灵</a:t>
-            </a:r>
-            <a:r>
-              <a:rPr lang="zh-CN" altLang="en-US" sz="1200" b="1" i="0" kern="1200" dirty="0" smtClean="0">
+              <a:t>1949</a:t>
+            </a:r>
+            <a:r>
+              <a:rPr lang="zh-CN" altLang="en-US" sz="1200" b="0" i="0" kern="1200" dirty="0" smtClean="0">
                 <a:solidFill>
                   <a:schemeClr val="tx1"/>
                 </a:solidFill>
@@ -950,10 +959,10 @@
                 <a:ea typeface="+mn-ea"/>
                 <a:cs typeface="+mn-cs"/>
               </a:rPr>
-              <a:t>自由：</a:t>
-            </a:r>
-            <a:r>
-              <a:rPr lang="zh-CN" altLang="en-US" sz="1200" b="0" i="0" kern="1200" dirty="0" smtClean="0">
+              <a:t>年，当时我</a:t>
+            </a:r>
+            <a:r>
+              <a:rPr lang="en-US" altLang="zh-CN" sz="1200" b="0" i="0" kern="1200" dirty="0" smtClean="0">
                 <a:solidFill>
                   <a:schemeClr val="tx1"/>
                 </a:solidFill>
@@ -961,7 +970,62 @@
                 <a:ea typeface="+mn-ea"/>
                 <a:cs typeface="+mn-cs"/>
               </a:rPr>
-              <a:t>跟随内心，不让梦想憋屈。</a:t>
+              <a:t>19</a:t>
+            </a:r>
+            <a:r>
+              <a:rPr lang="zh-CN" altLang="en-US" sz="1200" b="0" i="0" kern="1200" dirty="0" smtClean="0">
+                <a:solidFill>
+                  <a:schemeClr val="tx1"/>
+                </a:solidFill>
+                <a:latin typeface="+mn-lt"/>
+                <a:ea typeface="+mn-ea"/>
+                <a:cs typeface="+mn-cs"/>
+              </a:rPr>
+              <a:t>岁，在内布拉斯加州林肯市，我拿起了一本书</a:t>
+            </a:r>
+            <a:r>
+              <a:rPr lang="en-US" altLang="zh-CN" sz="1200" b="0" i="0" kern="1200" dirty="0" smtClean="0">
+                <a:solidFill>
+                  <a:schemeClr val="tx1"/>
+                </a:solidFill>
+                <a:latin typeface="+mn-lt"/>
+                <a:ea typeface="+mn-ea"/>
+                <a:cs typeface="+mn-cs"/>
+              </a:rPr>
+              <a:t>《</a:t>
+            </a:r>
+            <a:r>
+              <a:rPr lang="zh-CN" altLang="en-US" sz="1200" b="0" i="0" kern="1200" dirty="0" smtClean="0">
+                <a:solidFill>
+                  <a:schemeClr val="tx1"/>
+                </a:solidFill>
+                <a:latin typeface="+mn-lt"/>
+                <a:ea typeface="+mn-ea"/>
+                <a:cs typeface="+mn-cs"/>
+              </a:rPr>
+              <a:t>聪明的投资者</a:t>
+            </a:r>
+            <a:r>
+              <a:rPr lang="en-US" altLang="zh-CN" sz="1200" b="0" i="0" kern="1200" dirty="0" smtClean="0">
+                <a:solidFill>
+                  <a:schemeClr val="tx1"/>
+                </a:solidFill>
+                <a:latin typeface="+mn-lt"/>
+                <a:ea typeface="+mn-ea"/>
+                <a:cs typeface="+mn-cs"/>
+              </a:rPr>
+              <a:t>》</a:t>
+            </a:r>
+            <a:r>
+              <a:rPr lang="zh-CN" altLang="en-US" sz="1200" b="0" i="0" kern="1200" dirty="0" smtClean="0">
+                <a:solidFill>
+                  <a:schemeClr val="tx1"/>
+                </a:solidFill>
+                <a:latin typeface="+mn-lt"/>
+                <a:ea typeface="+mn-ea"/>
+                <a:cs typeface="+mn-cs"/>
+              </a:rPr>
+              <a:t>，这本书不但改变了我的投资理念，而且完全改变了我的人生。如果不是读了这本书，我不会是现在的我，也不会过现在这样的生活。</a:t>
             </a:r>
             <a:endParaRPr lang="en-US" altLang="zh-CN" sz="1200" b="0" i="0" kern="1200" dirty="0" smtClean="0">
               <a:solidFill>
@@ -974,7 +1038,7 @@
           </a:p>
           <a:p>
             <a:r>
-              <a:rPr lang="en-US" altLang="zh-CN" sz="1200" b="0" i="0" kern="1200" dirty="0" smtClean="0">
+              <a:rPr lang="zh-CN" altLang="en-US" sz="1200" b="0" i="0" kern="1200" dirty="0" smtClean="0">
                 <a:solidFill>
                   <a:schemeClr val="tx1"/>
                 </a:solidFill>
@@ -982,23 +1046,15 @@
                 <a:ea typeface="+mn-ea"/>
                 <a:cs typeface="+mn-cs"/>
               </a:rPr>
-              <a:t>3</a:t>
-            </a:r>
-            <a:r>
-              <a:rPr lang="zh-CN" altLang="en-US" sz="1200" b="0" i="0" kern="1200" dirty="0" smtClean="0">
-                <a:solidFill>
-                  <a:schemeClr val="tx1"/>
-                </a:solidFill>
-                <a:latin typeface="+mn-lt"/>
-                <a:ea typeface="+mn-ea"/>
-                <a:cs typeface="+mn-cs"/>
-              </a:rPr>
-              <a:t>、再回头看到“财务自由”这几个字，原来说的是不是财务，而是自由。</a:t>
-            </a:r>
-            <a:endParaRPr lang="en-US" altLang="zh-CN" dirty="0" smtClean="0"/>
+              <a:t>而在软件开发的职业里面，一个好的老大，比一个好的职位重要。当你寻找到一个上司是亦师亦友的时候，他帮助你在人生和职业里面成长。</a:t>
+            </a:r>
           </a:p>
           <a:p>
-            <a:endParaRPr lang="en-US" altLang="zh-CN" dirty="0" smtClean="0"/>
+            <a:r>
+              <a:rPr lang="zh-CN" altLang="en-US" smtClean="0"/>
+              <a:t>阿里巴巴的十八罗汉成就了千亿帝国，个人的力量是有限的，一个好多的团队，更容易成功。</a:t>
+            </a:r>
+            <a:endParaRPr lang="zh-CN" altLang="en-US" dirty="0"/>
           </a:p>
         </p:txBody>
       </p:sp>
@@ -1061,7 +1117,12 @@
             <p:ph type="sldImg"/>
           </p:nvPr>
         </p:nvSpPr>
-        <p:spPr/>
+        <p:spPr>
+          <a:xfrm>
+            <a:off x="685800" y="1143000"/>
+            <a:ext cx="5486400" cy="3086100"/>
+          </a:xfrm>
+        </p:spPr>
       </p:sp>
       <p:sp>
         <p:nvSpPr>
@@ -1081,21 +1142,6 @@
           <a:lstStyle/>
           <a:p>
             <a:r>
-              <a:rPr lang="zh-CN" altLang="en-US" dirty="0" smtClean="0"/>
-              <a:t>如何实现财务自由？</a:t>
-            </a:r>
-            <a:endParaRPr lang="en-US" altLang="zh-CN" dirty="0" smtClean="0"/>
-          </a:p>
-          <a:p>
-            <a:r>
-              <a:rPr lang="en-US" altLang="zh-CN" dirty="0" smtClean="0"/>
-              <a:t>1</a:t>
-            </a:r>
-            <a:r>
-              <a:rPr lang="zh-CN" altLang="en-US" dirty="0" smtClean="0"/>
-              <a:t>、最重要的投资就是投资自己的人生，其中投资的关键就是选择自己热爱的事业（生活愿景），事业不是职业，要区分。</a:t>
-            </a:r>
-            <a:r>
               <a:rPr lang="zh-CN" altLang="en-US" sz="1200" b="0" i="0" kern="1200" dirty="0" smtClean="0">
                 <a:solidFill>
                   <a:schemeClr val="tx1"/>
@@ -1104,8 +1150,10 @@
                 <a:ea typeface="+mn-ea"/>
                 <a:cs typeface="+mn-cs"/>
               </a:rPr>
-              <a:t>憧憬你今后想要的人生，根据你的人生价值观找到你认为必须要完成的事，在它身上下功夫，就是对自己人生的一种投资</a:t>
-            </a:r>
+              <a:t>所以如何理财，如何投资，是实现财务自由的第一要素。</a:t>
+            </a:r>
+          </a:p>
+          <a:p>
             <a:r>
               <a:rPr lang="zh-CN" altLang="en-US" sz="1200" b="0" i="0" kern="1200" dirty="0" smtClean="0">
                 <a:solidFill>
@@ -1115,20 +1163,12 @@
                 <a:ea typeface="+mn-ea"/>
                 <a:cs typeface="+mn-cs"/>
               </a:rPr>
-              <a:t>。在自己收入不高，财产不够丰厚的时候，适当的经营自己，规划配置资产，尽可能的减少对未来不确定性的恐惧，才能更好的享受生活，接近财务自由。</a:t>
-            </a:r>
-            <a:endParaRPr lang="en-US" altLang="zh-CN" sz="1200" b="0" i="0" kern="1200" dirty="0" smtClean="0">
-              <a:solidFill>
-                <a:schemeClr val="tx1"/>
-              </a:solidFill>
-              <a:latin typeface="+mn-lt"/>
-              <a:ea typeface="+mn-ea"/>
-              <a:cs typeface="+mn-cs"/>
-            </a:endParaRPr>
+              <a:t>我们首先要做的，是认识自己的收入，然后计划开支，同时给出一定份额的储蓄用来投资。运营分配自身的资产，可以在获得巨大成就感的同时，对自身能力和抗风险能力有足够清晰的认识，这些都是实现财务自由的先决条件。</a:t>
+            </a:r>
           </a:p>
           <a:p>
             <a:r>
-              <a:rPr lang="en-US" altLang="zh-CN" sz="1200" b="0" i="0" kern="1200" dirty="0" smtClean="0">
+              <a:rPr lang="zh-CN" altLang="en-US" sz="1200" b="0" i="0" kern="1200" dirty="0" smtClean="0">
                 <a:solidFill>
                   <a:schemeClr val="tx1"/>
                 </a:solidFill>
@@ -1136,8 +1176,10 @@
                 <a:ea typeface="+mn-ea"/>
                 <a:cs typeface="+mn-cs"/>
               </a:rPr>
-              <a:t>2</a:t>
-            </a:r>
+              <a:t>而投资可选的余地就有许多，但不建议年轻人在拥有一定资本前就去投资风险高收益高的产品，如股票、基金、私募等，这极容易产生赌博心理，对自制力不强或还在整理自身资产初期的人群造成经济崩盘，财务自由彻底成为美梦。</a:t>
+            </a:r>
+          </a:p>
+          <a:p>
             <a:r>
               <a:rPr lang="zh-CN" altLang="en-US" sz="1200" b="0" i="0" kern="1200" dirty="0" smtClean="0">
                 <a:solidFill>
@@ -1147,18 +1189,8 @@
                 <a:ea typeface="+mn-ea"/>
                 <a:cs typeface="+mn-cs"/>
               </a:rPr>
-              <a:t>、财务自由并没有硬性规定，只是它能让你有多少选择，你就有多大的财务自由。中午可以选择吃十元的盒饭还是十五的盖饭，这也是一种财务自由。我们都在这个世界的泥土里奋力腾挪，给自己创造更大的喘息空间。</a:t>
-            </a:r>
-            <a:endParaRPr lang="en-US" altLang="zh-CN" sz="1200" b="0" i="0" kern="1200" dirty="0" smtClean="0">
-              <a:solidFill>
-                <a:schemeClr val="tx1"/>
-              </a:solidFill>
-              <a:latin typeface="+mn-lt"/>
-              <a:ea typeface="+mn-ea"/>
-              <a:cs typeface="+mn-cs"/>
-            </a:endParaRPr>
-          </a:p>
-          <a:p>
+              <a:t>而银行余额宝等货币基金虽然稳定，但收益低，难以看作是一项值得期待的收入。所以应对初入门理财的人群，首选还是稳定和收益较为综合的</a:t>
+            </a:r>
             <a:r>
               <a:rPr lang="en-US" altLang="zh-CN" sz="1200" b="0" i="0" kern="1200" dirty="0" smtClean="0">
                 <a:solidFill>
@@ -1168,7 +1200,7 @@
                 <a:ea typeface="+mn-ea"/>
                 <a:cs typeface="+mn-cs"/>
               </a:rPr>
-              <a:t>3</a:t>
+              <a:t>p2p</a:t>
             </a:r>
             <a:r>
               <a:rPr lang="zh-CN" altLang="en-US" sz="1200" b="0" i="0" kern="1200" dirty="0" smtClean="0">
@@ -1179,8 +1211,10 @@
                 <a:ea typeface="+mn-ea"/>
                 <a:cs typeface="+mn-cs"/>
               </a:rPr>
-              <a:t>、</a:t>
-            </a:r>
+              <a:t>平台收益最高。分篮子投蛋，计算收益比，这都能让自身对经济的把控能力上几个台阶。</a:t>
+            </a:r>
+          </a:p>
+          <a:p>
             <a:r>
               <a:rPr lang="zh-CN" altLang="en-US" sz="1200" b="0" i="0" kern="1200" dirty="0" smtClean="0">
                 <a:solidFill>
@@ -1190,8 +1224,10 @@
                 <a:ea typeface="+mn-ea"/>
                 <a:cs typeface="+mn-cs"/>
               </a:rPr>
-              <a:t>大部分人是“干一行，爱一行”，在职业工作中投入热情，让职业变成了自己的事业。职业获得薪酬，事业获得成就</a:t>
-            </a:r>
+              <a:t>但千万要记住，无论何种投资，都必须给自己存下至少一个季度的应急款项，这份钱可以放在余额宝，可以放在银行，这笔钱的意义在于投资风险发生后，自己还有至少一个季度的时间可以继续积累，而不会堕入负资产漩涡。这份安全感非常重要。</a:t>
+            </a:r>
+          </a:p>
+          <a:p>
             <a:r>
               <a:rPr lang="zh-CN" altLang="en-US" sz="1200" b="0" i="0" kern="1200" dirty="0" smtClean="0">
                 <a:solidFill>
@@ -1201,34 +1237,8 @@
                 <a:ea typeface="+mn-ea"/>
                 <a:cs typeface="+mn-cs"/>
               </a:rPr>
-              <a:t>。你</a:t>
-            </a:r>
-            <a:r>
-              <a:rPr lang="zh-CN" altLang="en-US" sz="1200" b="0" i="0" kern="1200" dirty="0" smtClean="0">
-                <a:solidFill>
-                  <a:schemeClr val="tx1"/>
-                </a:solidFill>
-                <a:latin typeface="+mn-lt"/>
-                <a:ea typeface="+mn-ea"/>
-                <a:cs typeface="+mn-cs"/>
-              </a:rPr>
-              <a:t>为别人工作。就像为工资而工作的大多数人一样，你的工作只会使雇主或股东更加富有，你的努力和成功将使雇主更加成功并得以提前退休。</a:t>
-            </a:r>
-          </a:p>
-          <a:p>
-            <a:r>
-              <a:rPr lang="en-US" altLang="zh-CN" dirty="0" smtClean="0"/>
-              <a:t>4</a:t>
-            </a:r>
-            <a:r>
-              <a:rPr lang="zh-CN" altLang="en-US" dirty="0" smtClean="0"/>
-              <a:t>、创造财务自由的三大原则：创造资产、减少负债、管理日常</a:t>
-            </a:r>
-            <a:r>
-              <a:rPr lang="zh-CN" altLang="en-US" dirty="0" smtClean="0"/>
-              <a:t>开支。</a:t>
-            </a:r>
-            <a:endParaRPr lang="zh-CN" altLang="en-US" dirty="0"/>
+              <a:t>开源和节流并进，在积累投资经验的同时，积累自身原始资本，一步步扩大自身投资比例，多项多种投资，逐步可以依靠理财的钱解决生活成本，缓慢配置自身所需，从而实现自身的财务自由。</a:t>
+            </a:r>
           </a:p>
         </p:txBody>
       </p:sp>
@@ -1316,7 +1326,7 @@
           <a:lstStyle/>
           <a:p>
             <a:r>
-              <a:rPr lang="zh-CN" altLang="en-US" sz="1200" b="0" i="0" kern="1200" dirty="0" smtClean="0">
+              <a:rPr lang="en-US" altLang="zh-CN" sz="1200" b="0" i="0" kern="1200" dirty="0" smtClean="0">
                 <a:solidFill>
                   <a:schemeClr val="tx1"/>
                 </a:solidFill>
@@ -1324,10 +1334,8 @@
                 <a:ea typeface="+mn-ea"/>
                 <a:cs typeface="+mn-cs"/>
               </a:rPr>
-              <a:t>所以如何理财，如何投资，是实现财务自由的第一要素。</a:t>
-            </a:r>
-          </a:p>
-          <a:p>
+              <a:t>1</a:t>
+            </a:r>
             <a:r>
               <a:rPr lang="zh-CN" altLang="en-US" sz="1200" b="0" i="0" kern="1200" dirty="0" smtClean="0">
                 <a:solidFill>
@@ -1337,12 +1345,10 @@
                 <a:ea typeface="+mn-ea"/>
                 <a:cs typeface="+mn-cs"/>
               </a:rPr>
-              <a:t>我们首先要做的，是认识自己的收入，然后计划开支，同时给出一定份额的储蓄用来投资。运营分配自身的资产，可以在获得巨大成就感的同时，对自身能力和抗风险能力有足够清晰的认识，这些都是实现财务自由的先决条件。</a:t>
-            </a:r>
-          </a:p>
-          <a:p>
-            <a:r>
-              <a:rPr lang="zh-CN" altLang="en-US" sz="1200" b="0" i="0" kern="1200" dirty="0" smtClean="0">
+              <a:t>、前段时间，有一个新闻，唐山撤销收费站，一大批收费站员工下岗，一位</a:t>
+            </a:r>
+            <a:r>
+              <a:rPr lang="en-US" altLang="zh-CN" sz="1200" b="0" i="0" kern="1200" dirty="0" smtClean="0">
                 <a:solidFill>
                   <a:schemeClr val="tx1"/>
                 </a:solidFill>
@@ -1350,10 +1356,8 @@
                 <a:ea typeface="+mn-ea"/>
                 <a:cs typeface="+mn-cs"/>
               </a:rPr>
-              <a:t>而投资可选的余地就有许多，但不建议年轻人在拥有一定资本前就去投资风险高收益高的产品，如股票、基金、私募等，这极容易产生赌博心理，对自制力不强或还在整理自身资产初期的人群造成经济崩盘，财务自由彻底成为美梦。</a:t>
-            </a:r>
-          </a:p>
-          <a:p>
+              <a:t>36</a:t>
+            </a:r>
             <a:r>
               <a:rPr lang="zh-CN" altLang="en-US" sz="1200" b="0" i="0" kern="1200" dirty="0" smtClean="0">
                 <a:solidFill>
@@ -1363,10 +1367,10 @@
                 <a:ea typeface="+mn-ea"/>
                 <a:cs typeface="+mn-cs"/>
               </a:rPr>
-              <a:t>而银行余额宝等货币基金虽然稳定，但收益低，难以看作是一项值得期待的收入。所以应对初入门理财的人群，首选还是稳定和收益较为综合的</a:t>
-            </a:r>
-            <a:r>
-              <a:rPr lang="en-US" altLang="zh-CN" sz="1200" b="0" i="0" kern="1200" dirty="0" smtClean="0">
+              <a:t>岁的女士突然之间</a:t>
+            </a:r>
+            <a:r>
+              <a:rPr lang="zh-CN" altLang="en-US" sz="1200" b="0" i="0" kern="1200" smtClean="0">
                 <a:solidFill>
                   <a:schemeClr val="tx1"/>
                 </a:solidFill>
@@ -1374,7 +1378,7 @@
                 <a:ea typeface="+mn-ea"/>
                 <a:cs typeface="+mn-cs"/>
               </a:rPr>
-              <a:t>p2p</a:t>
+              <a:t>茫然不知所措。“</a:t>
             </a:r>
             <a:r>
               <a:rPr lang="zh-CN" altLang="en-US" sz="1200" b="0" i="0" kern="1200" dirty="0" smtClean="0">
@@ -1385,12 +1389,20 @@
                 <a:ea typeface="+mn-ea"/>
                 <a:cs typeface="+mn-cs"/>
               </a:rPr>
-              <a:t>平台收益最高。分篮子投蛋，计算收益比，这都能让自身对经济的把控能力上几个台阶。</a:t>
-            </a:r>
+              <a:t>我在收费站呆了十几年了，我从毕业就来收费站了，我除了收费，我什么也不会干呀。”</a:t>
+            </a:r>
+            <a:endParaRPr lang="en-US" altLang="zh-CN" sz="1200" b="0" i="0" kern="1200" dirty="0" smtClean="0">
+              <a:solidFill>
+                <a:schemeClr val="tx1"/>
+              </a:solidFill>
+              <a:latin typeface="+mn-lt"/>
+              <a:ea typeface="+mn-ea"/>
+              <a:cs typeface="+mn-cs"/>
+            </a:endParaRPr>
           </a:p>
           <a:p>
             <a:r>
-              <a:rPr lang="zh-CN" altLang="en-US" sz="1200" b="0" i="0" kern="1200" dirty="0" smtClean="0">
+              <a:rPr lang="en-US" altLang="zh-CN" sz="1200" b="0" i="0" kern="1200" dirty="0" smtClean="0">
                 <a:solidFill>
                   <a:schemeClr val="tx1"/>
                 </a:solidFill>
@@ -1398,10 +1410,8 @@
                 <a:ea typeface="+mn-ea"/>
                 <a:cs typeface="+mn-cs"/>
               </a:rPr>
-              <a:t>但千万要记住，无论何种投资，都必须给自己存下至少一个季度的应急款项，这份钱可以放在余额宝，可以放在银行，这笔钱的意义在于投资风险发生后，自己还有至少一个季度的时间可以继续积累，而不会堕入负资产漩涡。这份安全感非常重要。</a:t>
-            </a:r>
-          </a:p>
-          <a:p>
+              <a:t>2</a:t>
+            </a:r>
             <a:r>
               <a:rPr lang="zh-CN" altLang="en-US" sz="1200" b="0" i="0" kern="1200" dirty="0" smtClean="0">
                 <a:solidFill>
@@ -1411,8 +1421,230 @@
                 <a:ea typeface="+mn-ea"/>
                 <a:cs typeface="+mn-cs"/>
               </a:rPr>
-              <a:t>开源和节流并进，在积累投资经验的同时，积累自身原始资本，一步步扩大自身投资比例，多项多种投资，逐步可以依靠理财的钱解决生活成本，缓慢配置自身所需，从而实现自身的财务自由。</a:t>
-            </a:r>
+              <a:t>、即使是陆奇，即使已经爬到了雅虎总裁，做过百度总裁，他依然保持每天学习，坚持阅读最前沿的论文，获知最前沿的科技思潮。</a:t>
+            </a:r>
+            <a:endParaRPr lang="en-US" altLang="zh-CN" sz="1200" b="0" i="0" kern="1200" dirty="0" smtClean="0">
+              <a:solidFill>
+                <a:schemeClr val="tx1"/>
+              </a:solidFill>
+              <a:latin typeface="+mn-lt"/>
+              <a:ea typeface="+mn-ea"/>
+              <a:cs typeface="+mn-cs"/>
+            </a:endParaRPr>
+          </a:p>
+          <a:p>
+            <a:r>
+              <a:rPr lang="en-US" altLang="zh-CN" sz="1200" b="0" i="0" kern="1200" dirty="0" smtClean="0">
+                <a:solidFill>
+                  <a:schemeClr val="tx1"/>
+                </a:solidFill>
+                <a:latin typeface="+mn-lt"/>
+                <a:ea typeface="+mn-ea"/>
+                <a:cs typeface="+mn-cs"/>
+              </a:rPr>
+              <a:t>3</a:t>
+            </a:r>
+            <a:r>
+              <a:rPr lang="zh-CN" altLang="en-US" sz="1200" b="0" i="0" kern="1200" dirty="0" smtClean="0">
+                <a:solidFill>
+                  <a:schemeClr val="tx1"/>
+                </a:solidFill>
+                <a:latin typeface="+mn-lt"/>
+                <a:ea typeface="+mn-ea"/>
+                <a:cs typeface="+mn-cs"/>
+              </a:rPr>
+              <a:t>、</a:t>
+            </a:r>
+            <a:r>
+              <a:rPr lang="en-US" altLang="zh-CN" sz="1200" b="0" i="0" kern="1200" dirty="0" smtClean="0">
+                <a:solidFill>
+                  <a:schemeClr val="tx1"/>
+                </a:solidFill>
+                <a:latin typeface="+mn-lt"/>
+                <a:ea typeface="+mn-ea"/>
+                <a:cs typeface="+mn-cs"/>
+              </a:rPr>
+              <a:t>《</a:t>
+            </a:r>
+            <a:r>
+              <a:rPr lang="zh-CN" altLang="en-US" sz="1200" b="0" i="0" kern="1200" dirty="0" smtClean="0">
+                <a:solidFill>
+                  <a:schemeClr val="tx1"/>
+                </a:solidFill>
+                <a:latin typeface="+mn-lt"/>
+                <a:ea typeface="+mn-ea"/>
+                <a:cs typeface="+mn-cs"/>
+              </a:rPr>
+              <a:t>人民日报</a:t>
+            </a:r>
+            <a:r>
+              <a:rPr lang="en-US" altLang="zh-CN" sz="1200" b="0" i="0" kern="1200" dirty="0" smtClean="0">
+                <a:solidFill>
+                  <a:schemeClr val="tx1"/>
+                </a:solidFill>
+                <a:latin typeface="+mn-lt"/>
+                <a:ea typeface="+mn-ea"/>
+                <a:cs typeface="+mn-cs"/>
+              </a:rPr>
+              <a:t>》</a:t>
+            </a:r>
+            <a:r>
+              <a:rPr lang="zh-CN" altLang="en-US" sz="1200" b="0" i="0" kern="1200" dirty="0" smtClean="0">
+                <a:solidFill>
+                  <a:schemeClr val="tx1"/>
+                </a:solidFill>
+                <a:latin typeface="+mn-lt"/>
+                <a:ea typeface="+mn-ea"/>
+                <a:cs typeface="+mn-cs"/>
+              </a:rPr>
+              <a:t>曾经发表过一篇文章</a:t>
+            </a:r>
+            <a:r>
+              <a:rPr lang="en-US" altLang="zh-CN" sz="1200" b="0" i="0" kern="1200" dirty="0" smtClean="0">
+                <a:solidFill>
+                  <a:schemeClr val="tx1"/>
+                </a:solidFill>
+                <a:latin typeface="+mn-lt"/>
+                <a:ea typeface="+mn-ea"/>
+                <a:cs typeface="+mn-cs"/>
+              </a:rPr>
+              <a:t>《</a:t>
+            </a:r>
+            <a:r>
+              <a:rPr lang="zh-CN" altLang="en-US" sz="1200" b="0" i="0" kern="1200" dirty="0" smtClean="0">
+                <a:solidFill>
+                  <a:schemeClr val="tx1"/>
+                </a:solidFill>
+                <a:latin typeface="+mn-lt"/>
+                <a:ea typeface="+mn-ea"/>
+                <a:cs typeface="+mn-cs"/>
+              </a:rPr>
+              <a:t>靠物质获取幸福的时代已经过去了</a:t>
+            </a:r>
+            <a:r>
+              <a:rPr lang="en-US" altLang="zh-CN" sz="1200" b="0" i="0" kern="1200" dirty="0" smtClean="0">
+                <a:solidFill>
+                  <a:schemeClr val="tx1"/>
+                </a:solidFill>
+                <a:latin typeface="+mn-lt"/>
+                <a:ea typeface="+mn-ea"/>
+                <a:cs typeface="+mn-cs"/>
+              </a:rPr>
+              <a:t>》</a:t>
+            </a:r>
+            <a:r>
+              <a:rPr lang="zh-CN" altLang="en-US" sz="1200" b="0" i="0" kern="1200" dirty="0" smtClean="0">
+                <a:solidFill>
+                  <a:schemeClr val="tx1"/>
+                </a:solidFill>
+                <a:latin typeface="+mn-lt"/>
+                <a:ea typeface="+mn-ea"/>
+                <a:cs typeface="+mn-cs"/>
+              </a:rPr>
+              <a:t>，今天的人们，看着物质基础的同时，也更看重精神层面的滋养。</a:t>
+            </a:r>
+          </a:p>
+          <a:p>
+            <a:r>
+              <a:rPr lang="zh-CN" altLang="en-US" sz="1200" b="1" i="0" kern="1200" dirty="0" smtClean="0">
+                <a:solidFill>
+                  <a:schemeClr val="tx1"/>
+                </a:solidFill>
+                <a:latin typeface="+mn-lt"/>
+                <a:ea typeface="+mn-ea"/>
+                <a:cs typeface="+mn-cs"/>
+              </a:rPr>
+              <a:t>良田万顷，日食一升</a:t>
+            </a:r>
+            <a:r>
+              <a:rPr lang="en-US" altLang="zh-CN" sz="1200" b="1" i="0" kern="1200" dirty="0" smtClean="0">
+                <a:solidFill>
+                  <a:schemeClr val="tx1"/>
+                </a:solidFill>
+                <a:latin typeface="+mn-lt"/>
+                <a:ea typeface="+mn-ea"/>
+                <a:cs typeface="+mn-cs"/>
+              </a:rPr>
+              <a:t>;</a:t>
+            </a:r>
+            <a:r>
+              <a:rPr lang="zh-CN" altLang="en-US" sz="1200" b="1" i="0" kern="1200" dirty="0" smtClean="0">
+                <a:solidFill>
+                  <a:schemeClr val="tx1"/>
+                </a:solidFill>
+                <a:latin typeface="+mn-lt"/>
+                <a:ea typeface="+mn-ea"/>
+                <a:cs typeface="+mn-cs"/>
+              </a:rPr>
+              <a:t>广厦千间，夜眠八尺</a:t>
+            </a:r>
+            <a:r>
+              <a:rPr lang="zh-CN" altLang="en-US" sz="1200" b="0" i="0" kern="1200" dirty="0" smtClean="0">
+                <a:solidFill>
+                  <a:schemeClr val="tx1"/>
+                </a:solidFill>
+                <a:latin typeface="+mn-lt"/>
+                <a:ea typeface="+mn-ea"/>
+                <a:cs typeface="+mn-cs"/>
+              </a:rPr>
+              <a:t>，不追求大富大贵，彻底的自由自在，有收入，有空闲时间，陪家人，做一些有意义的事情，还能做公益。这是一种“新幸福指数”。</a:t>
+            </a:r>
+            <a:endParaRPr lang="en-US" altLang="zh-CN" sz="1200" b="0" i="0" kern="1200" dirty="0" smtClean="0">
+              <a:solidFill>
+                <a:schemeClr val="tx1"/>
+              </a:solidFill>
+              <a:latin typeface="+mn-lt"/>
+              <a:ea typeface="+mn-ea"/>
+              <a:cs typeface="+mn-cs"/>
+            </a:endParaRPr>
+          </a:p>
+          <a:p>
+            <a:r>
+              <a:rPr lang="en-US" altLang="zh-CN" sz="1200" b="0" i="0" kern="1200" dirty="0" smtClean="0">
+                <a:solidFill>
+                  <a:schemeClr val="tx1"/>
+                </a:solidFill>
+                <a:latin typeface="+mn-lt"/>
+                <a:ea typeface="+mn-ea"/>
+                <a:cs typeface="+mn-cs"/>
+              </a:rPr>
+              <a:t>4</a:t>
+            </a:r>
+            <a:r>
+              <a:rPr lang="zh-CN" altLang="en-US" sz="1200" b="0" i="0" kern="1200" dirty="0" smtClean="0">
+                <a:solidFill>
+                  <a:schemeClr val="tx1"/>
+                </a:solidFill>
+                <a:latin typeface="+mn-lt"/>
+                <a:ea typeface="+mn-ea"/>
+                <a:cs typeface="+mn-cs"/>
+              </a:rPr>
+              <a:t>、</a:t>
+            </a:r>
+            <a:r>
+              <a:rPr lang="zh-CN" altLang="en-US" sz="1200" b="1" i="0" kern="1200" dirty="0" smtClean="0">
+                <a:solidFill>
+                  <a:schemeClr val="tx1"/>
+                </a:solidFill>
+                <a:latin typeface="+mn-lt"/>
+                <a:ea typeface="+mn-ea"/>
+                <a:cs typeface="+mn-cs"/>
+              </a:rPr>
+              <a:t>工作带来收入，兴趣带来价值感</a:t>
+            </a:r>
+            <a:r>
+              <a:rPr lang="zh-CN" altLang="en-US" sz="1200" b="0" i="0" kern="1200" dirty="0" smtClean="0">
+                <a:solidFill>
+                  <a:schemeClr val="tx1"/>
+                </a:solidFill>
+                <a:latin typeface="+mn-lt"/>
+                <a:ea typeface="+mn-ea"/>
+                <a:cs typeface="+mn-cs"/>
+              </a:rPr>
+              <a:t>。一份无法带来价值感的工作，你可能可以做一段时间，但无法坚持，更无法深入。每一个人在一开始的时候，都不可能幸运地找到自己终其一生要从事的事业，这需要慢慢摸索。但这摸索是必要的。如果你做一份自己丝毫不感兴趣的工作，你不仅会变得憋屈，而且经常自我贬低自己。</a:t>
+            </a:r>
+          </a:p>
+          <a:p>
             <a:endParaRPr lang="zh-CN" altLang="en-US" sz="1200" b="0" i="0" kern="1200" dirty="0" smtClean="0">
               <a:solidFill>
                 <a:schemeClr val="tx1"/>
@@ -1483,12 +1715,7 @@
             <p:ph type="sldImg"/>
           </p:nvPr>
         </p:nvSpPr>
-        <p:spPr>
-          <a:xfrm>
-            <a:off x="685800" y="1143000"/>
-            <a:ext cx="5486400" cy="3086100"/>
-          </a:xfrm>
-        </p:spPr>
+        <p:spPr/>
       </p:sp>
       <p:sp>
         <p:nvSpPr>
@@ -1527,10 +1754,10 @@
                 <a:ea typeface="+mn-ea"/>
                 <a:cs typeface="+mn-cs"/>
               </a:rPr>
-              <a:t>、前段时间，有一个新闻，唐山撤销收费站，一大批收费站员工下岗，一位</a:t>
-            </a:r>
-            <a:r>
-              <a:rPr lang="en-US" altLang="zh-CN" sz="1200" b="0" i="0" kern="1200" dirty="0" smtClean="0">
+              <a:t>、人人生而自由，但无往而不在牢笼之中。心灵自由、财务自由、时间自由，人的一生中，都在追寻自由，</a:t>
+            </a:r>
+            <a:r>
+              <a:rPr lang="zh-CN" altLang="en-US" sz="1200" b="1" i="0" kern="1200" dirty="0" smtClean="0">
                 <a:solidFill>
                   <a:schemeClr val="tx1"/>
                 </a:solidFill>
@@ -1538,7 +1765,7 @@
                 <a:ea typeface="+mn-ea"/>
                 <a:cs typeface="+mn-cs"/>
               </a:rPr>
-              <a:t>36</a:t>
+              <a:t>知足者长乐</a:t>
             </a:r>
             <a:r>
               <a:rPr lang="zh-CN" altLang="en-US" sz="1200" b="0" i="0" kern="1200" dirty="0" smtClean="0">
@@ -1549,40 +1776,7 @@
                 <a:ea typeface="+mn-ea"/>
                 <a:cs typeface="+mn-cs"/>
               </a:rPr>
-              <a:t>岁的女士突然之间</a:t>
-            </a:r>
-            <a:r>
-              <a:rPr lang="zh-CN" altLang="en-US" sz="1200" b="0" i="0" kern="1200" smtClean="0">
-                <a:solidFill>
-                  <a:schemeClr val="tx1"/>
-                </a:solidFill>
-                <a:latin typeface="+mn-lt"/>
-                <a:ea typeface="+mn-ea"/>
-                <a:cs typeface="+mn-cs"/>
-              </a:rPr>
-              <a:t>茫然不知所措</a:t>
-            </a:r>
-            <a:r>
-              <a:rPr lang="zh-CN" altLang="en-US" sz="1200" b="0" i="0" kern="1200" smtClean="0">
-                <a:solidFill>
-                  <a:schemeClr val="tx1"/>
-                </a:solidFill>
-                <a:latin typeface="+mn-lt"/>
-                <a:ea typeface="+mn-ea"/>
-                <a:cs typeface="+mn-cs"/>
-              </a:rPr>
-              <a:t>。“</a:t>
-            </a:r>
-            <a:r>
-              <a:rPr lang="zh-CN" altLang="en-US" sz="1200" b="0" i="0" kern="1200" dirty="0" smtClean="0">
-                <a:solidFill>
-                  <a:schemeClr val="tx1"/>
-                </a:solidFill>
-                <a:latin typeface="+mn-lt"/>
-                <a:ea typeface="+mn-ea"/>
-                <a:cs typeface="+mn-cs"/>
-              </a:rPr>
-              <a:t>我在收费站呆了十几年了，我从毕业就来收费站了，我除了收费，我什么也不会干呀。”</a:t>
+              <a:t>，追求几百亿的身价并不太现实，但，追求自由是可行的。</a:t>
             </a:r>
             <a:endParaRPr lang="en-US" altLang="zh-CN" sz="1200" b="0" i="0" kern="1200" dirty="0" smtClean="0">
               <a:solidFill>
@@ -1595,7 +1789,7 @@
           </a:p>
           <a:p>
             <a:r>
-              <a:rPr lang="en-US" altLang="zh-CN" sz="1200" b="0" i="0" kern="1200" dirty="0" smtClean="0">
+              <a:rPr lang="zh-CN" altLang="en-US" sz="1200" b="1" i="0" kern="1200" dirty="0" smtClean="0">
                 <a:solidFill>
                   <a:schemeClr val="tx1"/>
                 </a:solidFill>
@@ -1603,7 +1797,7 @@
                 <a:ea typeface="+mn-ea"/>
                 <a:cs typeface="+mn-cs"/>
               </a:rPr>
-              <a:t>2</a:t>
+              <a:t>心灵自由</a:t>
             </a:r>
             <a:r>
               <a:rPr lang="zh-CN" altLang="en-US" sz="1200" b="0" i="0" kern="1200" dirty="0" smtClean="0">
@@ -1614,7 +1808,51 @@
                 <a:ea typeface="+mn-ea"/>
                 <a:cs typeface="+mn-cs"/>
               </a:rPr>
-              <a:t>、即使是陆奇，即使已经爬到了雅虎总裁，做过百度总裁，他依然保持每天学习，坚持阅读最前沿的论文，获知最前沿的科技思潮。</a:t>
+              <a:t>，愿意去体验生命里的各种美好，以及挑战内心的欲望，敢直面欲望并且去征服它，就能获得解脱。我很欣赏海明威的</a:t>
+            </a:r>
+            <a:r>
+              <a:rPr lang="en-US" altLang="zh-CN" sz="1200" b="0" i="0" kern="1200" dirty="0" smtClean="0">
+                <a:solidFill>
+                  <a:schemeClr val="tx1"/>
+                </a:solidFill>
+                <a:latin typeface="+mn-lt"/>
+                <a:ea typeface="+mn-ea"/>
+                <a:cs typeface="+mn-cs"/>
+              </a:rPr>
+              <a:t>《</a:t>
+            </a:r>
+            <a:r>
+              <a:rPr lang="zh-CN" altLang="en-US" sz="1200" b="0" i="0" kern="1200" dirty="0" smtClean="0">
+                <a:solidFill>
+                  <a:schemeClr val="tx1"/>
+                </a:solidFill>
+                <a:latin typeface="+mn-lt"/>
+                <a:ea typeface="+mn-ea"/>
+                <a:cs typeface="+mn-cs"/>
+              </a:rPr>
+              <a:t>老人与海</a:t>
+            </a:r>
+            <a:r>
+              <a:rPr lang="en-US" altLang="zh-CN" sz="1200" b="0" i="0" kern="1200" dirty="0" smtClean="0">
+                <a:solidFill>
+                  <a:schemeClr val="tx1"/>
+                </a:solidFill>
+                <a:latin typeface="+mn-lt"/>
+                <a:ea typeface="+mn-ea"/>
+                <a:cs typeface="+mn-cs"/>
+              </a:rPr>
+              <a:t>》</a:t>
+            </a:r>
+            <a:r>
+              <a:rPr lang="zh-CN" altLang="en-US" sz="1200" b="0" i="0" kern="1200" dirty="0" smtClean="0">
+                <a:solidFill>
+                  <a:schemeClr val="tx1"/>
+                </a:solidFill>
+                <a:latin typeface="+mn-lt"/>
+                <a:ea typeface="+mn-ea"/>
+                <a:cs typeface="+mn-cs"/>
+              </a:rPr>
+              <a:t>中的老人，他说：一个人并不是生来要给打败的，你可以消灭他，可就是打不败他。</a:t>
             </a:r>
             <a:endParaRPr lang="en-US" altLang="zh-CN" sz="1200" b="0" i="0" kern="1200" dirty="0" smtClean="0">
               <a:solidFill>
@@ -1627,7 +1865,7 @@
           </a:p>
           <a:p>
             <a:r>
-              <a:rPr lang="en-US" altLang="zh-CN" sz="1200" b="0" i="0" kern="1200" dirty="0" smtClean="0">
+              <a:rPr lang="zh-CN" altLang="en-US" sz="1200" b="1" i="0" kern="1200" dirty="0" smtClean="0">
                 <a:solidFill>
                   <a:schemeClr val="tx1"/>
                 </a:solidFill>
@@ -1635,7 +1873,7 @@
                 <a:ea typeface="+mn-ea"/>
                 <a:cs typeface="+mn-cs"/>
               </a:rPr>
-              <a:t>3</a:t>
+              <a:t>时间自由</a:t>
             </a:r>
             <a:r>
               <a:rPr lang="zh-CN" altLang="en-US" sz="1200" b="0" i="0" kern="1200" dirty="0" smtClean="0">
@@ -1646,7 +1884,7 @@
                 <a:ea typeface="+mn-ea"/>
                 <a:cs typeface="+mn-cs"/>
               </a:rPr>
-              <a:t>、</a:t>
+              <a:t>：一个人所有的时间中，自己自由支配的部分越多，他的人生就越自由。每一天、每一月、每一年的时间花在什么地方？如何分配这些时间？应该花时间做哪些事情？这些事情的先后顺序是怎样的？在你认为有价值的事情上，你花的时间足够多吗？在你认为没有价值的事情上，你花的时间足够少吗？</a:t>
             </a:r>
             <a:r>
               <a:rPr lang="en-US" altLang="zh-CN" sz="1200" b="0" i="0" kern="1200" dirty="0" smtClean="0">
@@ -1657,7 +1895,7 @@
                 <a:ea typeface="+mn-ea"/>
                 <a:cs typeface="+mn-cs"/>
               </a:rPr>
-              <a:t>《</a:t>
+              <a:t>……</a:t>
             </a:r>
             <a:r>
               <a:rPr lang="zh-CN" altLang="en-US" sz="1200" b="0" i="0" kern="1200" dirty="0" smtClean="0">
@@ -1668,243 +1906,9 @@
                 <a:ea typeface="+mn-ea"/>
                 <a:cs typeface="+mn-cs"/>
               </a:rPr>
-              <a:t>人民日报</a:t>
-            </a:r>
-            <a:r>
-              <a:rPr lang="en-US" altLang="zh-CN" sz="1200" b="0" i="0" kern="1200" dirty="0" smtClean="0">
-                <a:solidFill>
-                  <a:schemeClr val="tx1"/>
-                </a:solidFill>
-                <a:latin typeface="+mn-lt"/>
-                <a:ea typeface="+mn-ea"/>
-                <a:cs typeface="+mn-cs"/>
-              </a:rPr>
-              <a:t>》</a:t>
-            </a:r>
-            <a:r>
-              <a:rPr lang="zh-CN" altLang="en-US" sz="1200" b="0" i="0" kern="1200" dirty="0" smtClean="0">
-                <a:solidFill>
-                  <a:schemeClr val="tx1"/>
-                </a:solidFill>
-                <a:latin typeface="+mn-lt"/>
-                <a:ea typeface="+mn-ea"/>
-                <a:cs typeface="+mn-cs"/>
-              </a:rPr>
-              <a:t>曾经发表过一篇文章</a:t>
-            </a:r>
-            <a:r>
-              <a:rPr lang="en-US" altLang="zh-CN" sz="1200" b="0" i="0" kern="1200" dirty="0" smtClean="0">
-                <a:solidFill>
-                  <a:schemeClr val="tx1"/>
-                </a:solidFill>
-                <a:latin typeface="+mn-lt"/>
-                <a:ea typeface="+mn-ea"/>
-                <a:cs typeface="+mn-cs"/>
-              </a:rPr>
-              <a:t>《</a:t>
-            </a:r>
-            <a:r>
-              <a:rPr lang="zh-CN" altLang="en-US" sz="1200" b="0" i="0" kern="1200" dirty="0" smtClean="0">
-                <a:solidFill>
-                  <a:schemeClr val="tx1"/>
-                </a:solidFill>
-                <a:latin typeface="+mn-lt"/>
-                <a:ea typeface="+mn-ea"/>
-                <a:cs typeface="+mn-cs"/>
-              </a:rPr>
-              <a:t>靠物质获取幸福的时代已经过去了</a:t>
-            </a:r>
-            <a:r>
-              <a:rPr lang="en-US" altLang="zh-CN" sz="1200" b="0" i="0" kern="1200" dirty="0" smtClean="0">
-                <a:solidFill>
-                  <a:schemeClr val="tx1"/>
-                </a:solidFill>
-                <a:latin typeface="+mn-lt"/>
-                <a:ea typeface="+mn-ea"/>
-                <a:cs typeface="+mn-cs"/>
-              </a:rPr>
-              <a:t>》</a:t>
-            </a:r>
-            <a:r>
-              <a:rPr lang="zh-CN" altLang="en-US" sz="1200" b="0" i="0" kern="1200" dirty="0" smtClean="0">
-                <a:solidFill>
-                  <a:schemeClr val="tx1"/>
-                </a:solidFill>
-                <a:latin typeface="+mn-lt"/>
-                <a:ea typeface="+mn-ea"/>
-                <a:cs typeface="+mn-cs"/>
-              </a:rPr>
-              <a:t>，今天的人们，看着物质基础的同时，也更看重精神层面的滋养。</a:t>
-            </a:r>
-          </a:p>
-          <a:p>
-            <a:r>
-              <a:rPr lang="zh-CN" altLang="en-US" sz="1200" b="1" i="0" kern="1200" dirty="0" smtClean="0">
-                <a:solidFill>
-                  <a:schemeClr val="tx1"/>
-                </a:solidFill>
-                <a:latin typeface="+mn-lt"/>
-                <a:ea typeface="+mn-ea"/>
-                <a:cs typeface="+mn-cs"/>
-              </a:rPr>
-              <a:t>良田万顷，日食一升</a:t>
-            </a:r>
-            <a:r>
-              <a:rPr lang="en-US" altLang="zh-CN" sz="1200" b="1" i="0" kern="1200" dirty="0" smtClean="0">
-                <a:solidFill>
-                  <a:schemeClr val="tx1"/>
-                </a:solidFill>
-                <a:latin typeface="+mn-lt"/>
-                <a:ea typeface="+mn-ea"/>
-                <a:cs typeface="+mn-cs"/>
-              </a:rPr>
-              <a:t>;</a:t>
-            </a:r>
-            <a:r>
-              <a:rPr lang="zh-CN" altLang="en-US" sz="1200" b="1" i="0" kern="1200" dirty="0" smtClean="0">
-                <a:solidFill>
-                  <a:schemeClr val="tx1"/>
-                </a:solidFill>
-                <a:latin typeface="+mn-lt"/>
-                <a:ea typeface="+mn-ea"/>
-                <a:cs typeface="+mn-cs"/>
-              </a:rPr>
-              <a:t>广厦千间，夜眠八尺</a:t>
-            </a:r>
-            <a:r>
-              <a:rPr lang="zh-CN" altLang="en-US" sz="1200" b="0" i="0" kern="1200" dirty="0" smtClean="0">
-                <a:solidFill>
-                  <a:schemeClr val="tx1"/>
-                </a:solidFill>
-                <a:latin typeface="+mn-lt"/>
-                <a:ea typeface="+mn-ea"/>
-                <a:cs typeface="+mn-cs"/>
-              </a:rPr>
-              <a:t>，</a:t>
-            </a:r>
-            <a:r>
-              <a:rPr lang="zh-CN" altLang="en-US" sz="1200" b="0" i="0" kern="1200" dirty="0" smtClean="0">
-                <a:solidFill>
-                  <a:schemeClr val="tx1"/>
-                </a:solidFill>
-                <a:latin typeface="+mn-lt"/>
-                <a:ea typeface="+mn-ea"/>
-                <a:cs typeface="+mn-cs"/>
-              </a:rPr>
-              <a:t>不追求大富大贵，彻底的自由自在，有收入，有空闲时间，陪家人，做一些有意义的事情，还能做公益。这是一种“新幸福指数”。</a:t>
+              <a:t>等等这些问题都与一个人的时间自由有关。如果一个人的时间是不自由的，那么他的生命就会浪费在对他自己毫无意义或意义不大的事情上；反之，如果他的时间是自由的，那么他的生命就会在释放在他最感兴趣、最关心、最喜欢、最欣赏的事情和人上，也就使得整个生命充满价值。</a:t>
             </a:r>
             <a:endParaRPr lang="en-US" altLang="zh-CN" sz="1200" b="0" i="0" kern="1200" dirty="0" smtClean="0">
-              <a:solidFill>
-                <a:schemeClr val="tx1"/>
-              </a:solidFill>
-              <a:latin typeface="+mn-lt"/>
-              <a:ea typeface="+mn-ea"/>
-              <a:cs typeface="+mn-cs"/>
-            </a:endParaRPr>
-          </a:p>
-          <a:p>
-            <a:r>
-              <a:rPr lang="en-US" altLang="zh-CN" sz="1200" b="0" i="0" kern="1200" dirty="0" smtClean="0">
-                <a:solidFill>
-                  <a:schemeClr val="tx1"/>
-                </a:solidFill>
-                <a:latin typeface="+mn-lt"/>
-                <a:ea typeface="+mn-ea"/>
-                <a:cs typeface="+mn-cs"/>
-              </a:rPr>
-              <a:t>4</a:t>
-            </a:r>
-            <a:r>
-              <a:rPr lang="zh-CN" altLang="en-US" sz="1200" b="0" i="0" kern="1200" dirty="0" smtClean="0">
-                <a:solidFill>
-                  <a:schemeClr val="tx1"/>
-                </a:solidFill>
-                <a:latin typeface="+mn-lt"/>
-                <a:ea typeface="+mn-ea"/>
-                <a:cs typeface="+mn-cs"/>
-              </a:rPr>
-              <a:t>、</a:t>
-            </a:r>
-            <a:r>
-              <a:rPr lang="zh-CN" altLang="en-US" sz="1200" b="1" i="0" kern="1200" dirty="0" smtClean="0">
-                <a:solidFill>
-                  <a:schemeClr val="tx1"/>
-                </a:solidFill>
-                <a:latin typeface="+mn-lt"/>
-                <a:ea typeface="+mn-ea"/>
-                <a:cs typeface="+mn-cs"/>
-              </a:rPr>
-              <a:t>工作带来收入，兴趣带来价值感</a:t>
-            </a:r>
-            <a:r>
-              <a:rPr lang="zh-CN" altLang="en-US" sz="1200" b="0" i="0" kern="1200" dirty="0" smtClean="0">
-                <a:solidFill>
-                  <a:schemeClr val="tx1"/>
-                </a:solidFill>
-                <a:latin typeface="+mn-lt"/>
-                <a:ea typeface="+mn-ea"/>
-                <a:cs typeface="+mn-cs"/>
-              </a:rPr>
-              <a:t>。一</a:t>
-            </a:r>
-            <a:r>
-              <a:rPr lang="zh-CN" altLang="en-US" sz="1200" b="0" i="0" kern="1200" dirty="0" smtClean="0">
-                <a:solidFill>
-                  <a:schemeClr val="tx1"/>
-                </a:solidFill>
-                <a:latin typeface="+mn-lt"/>
-                <a:ea typeface="+mn-ea"/>
-                <a:cs typeface="+mn-cs"/>
-              </a:rPr>
-              <a:t>份无法带来价值感的工作，你可能可以做一段时间，但无法坚持，更无法深入</a:t>
-            </a:r>
-            <a:r>
-              <a:rPr lang="zh-CN" altLang="en-US" sz="1200" b="0" i="0" kern="1200" dirty="0" smtClean="0">
-                <a:solidFill>
-                  <a:schemeClr val="tx1"/>
-                </a:solidFill>
-                <a:latin typeface="+mn-lt"/>
-                <a:ea typeface="+mn-ea"/>
-                <a:cs typeface="+mn-cs"/>
-              </a:rPr>
-              <a:t>。每</a:t>
-            </a:r>
-            <a:r>
-              <a:rPr lang="zh-CN" altLang="en-US" sz="1200" b="0" i="0" kern="1200" dirty="0" smtClean="0">
-                <a:solidFill>
-                  <a:schemeClr val="tx1"/>
-                </a:solidFill>
-                <a:latin typeface="+mn-lt"/>
-                <a:ea typeface="+mn-ea"/>
-                <a:cs typeface="+mn-cs"/>
-              </a:rPr>
-              <a:t>一个人在一开始的时候，都不可能幸运地找到自己终其一生要从事的事业，这需要慢慢摸索</a:t>
-            </a:r>
-            <a:r>
-              <a:rPr lang="zh-CN" altLang="en-US" sz="1200" b="0" i="0" kern="1200" dirty="0" smtClean="0">
-                <a:solidFill>
-                  <a:schemeClr val="tx1"/>
-                </a:solidFill>
-                <a:latin typeface="+mn-lt"/>
-                <a:ea typeface="+mn-ea"/>
-                <a:cs typeface="+mn-cs"/>
-              </a:rPr>
-              <a:t>。但</a:t>
-            </a:r>
-            <a:r>
-              <a:rPr lang="zh-CN" altLang="en-US" sz="1200" b="0" i="0" kern="1200" dirty="0" smtClean="0">
-                <a:solidFill>
-                  <a:schemeClr val="tx1"/>
-                </a:solidFill>
-                <a:latin typeface="+mn-lt"/>
-                <a:ea typeface="+mn-ea"/>
-                <a:cs typeface="+mn-cs"/>
-              </a:rPr>
-              <a:t>这摸索是必要的。如果你做一份自己丝毫不感兴趣的工作，你不仅会变得憋屈，而且经常自我贬低自己。</a:t>
-            </a:r>
-          </a:p>
-          <a:p>
-            <a:endParaRPr lang="zh-CN" altLang="en-US" sz="1200" b="0" i="0" kern="1200" dirty="0" smtClean="0">
               <a:solidFill>
                 <a:schemeClr val="tx1"/>
               </a:solidFill>
@@ -1934,88 +1938,6 @@
               <a:rPr lang="zh-CN" altLang="en-US" smtClean="0"/>
               <a:pPr/>
               <a:t>13</a:t>
-            </a:fld>
-            <a:endParaRPr lang="zh-CN" altLang="en-US"/>
-          </a:p>
-        </p:txBody>
-      </p:sp>
-    </p:spTree>
-  </p:cSld>
-  <p:clrMapOvr>
-    <a:masterClrMapping/>
-  </p:clrMapOvr>
-</p:notes>
-</file>
-
-<file path=ppt/notesSlides/notesSlide14.xml><?xml version="1.0" encoding="utf-8"?>
-<p:notes xmlns:a="http://schemas.openxmlformats.org/drawingml/2006/main" xmlns:r="http://schemas.openxmlformats.org/officeDocument/2006/relationships" xmlns:p="http://schemas.openxmlformats.org/presentationml/2006/main">
-  <p:cSld>
-    <p:spTree>
-      <p:nvGrpSpPr>
-        <p:cNvPr id="1" name=""/>
-        <p:cNvGrpSpPr/>
-        <p:nvPr/>
-      </p:nvGrpSpPr>
-      <p:grpSpPr>
-        <a:xfrm>
-          <a:off x="0" y="0"/>
-          <a:ext cx="0" cy="0"/>
-          <a:chOff x="0" y="0"/>
-          <a:chExt cx="0" cy="0"/>
-        </a:xfrm>
-      </p:grpSpPr>
-      <p:sp>
-        <p:nvSpPr>
-          <p:cNvPr id="2" name="幻灯片图像占位符 1"/>
-          <p:cNvSpPr>
-            <a:spLocks noGrp="1" noRot="1" noChangeAspect="1"/>
-          </p:cNvSpPr>
-          <p:nvPr>
-            <p:ph type="sldImg"/>
-          </p:nvPr>
-        </p:nvSpPr>
-        <p:spPr/>
-      </p:sp>
-      <p:sp>
-        <p:nvSpPr>
-          <p:cNvPr id="3" name="备注占位符 2"/>
-          <p:cNvSpPr>
-            <a:spLocks noGrp="1"/>
-          </p:cNvSpPr>
-          <p:nvPr>
-            <p:ph type="body" idx="1"/>
-          </p:nvPr>
-        </p:nvSpPr>
-        <p:spPr/>
-        <p:txBody>
-          <a:bodyPr>
-            <a:normAutofit/>
-          </a:bodyPr>
-          <a:lstStyle/>
-          <a:p>
-            <a:endParaRPr lang="zh-CN" altLang="en-US" dirty="0"/>
-          </a:p>
-        </p:txBody>
-      </p:sp>
-      <p:sp>
-        <p:nvSpPr>
-          <p:cNvPr id="4" name="灯片编号占位符 3"/>
-          <p:cNvSpPr>
-            <a:spLocks noGrp="1"/>
-          </p:cNvSpPr>
-          <p:nvPr>
-            <p:ph type="sldNum" sz="quarter" idx="10"/>
-          </p:nvPr>
-        </p:nvSpPr>
-        <p:spPr/>
-        <p:txBody>
-          <a:bodyPr/>
-          <a:lstStyle/>
-          <a:p>
-            <a:fld id="{A82FCF1A-DE1D-4A03-B432-41B70649DC02}" type="slidenum">
-              <a:rPr lang="zh-CN" altLang="en-US" smtClean="0"/>
-              <a:pPr/>
-              <a:t>14</a:t>
             </a:fld>
             <a:endParaRPr lang="zh-CN" altLang="en-US"/>
           </a:p>
@@ -2078,22 +2000,188 @@
           <a:bodyPr/>
           <a:lstStyle/>
           <a:p>
+            <a:pPr marL="0" marR="0" indent="0" algn="l" defTabSz="914400" rtl="0" eaLnBrk="1" fontAlgn="auto" latinLnBrk="0" hangingPunct="1">
+              <a:lnSpc>
+                <a:spcPct val="100000"/>
+              </a:lnSpc>
+              <a:spcBef>
+                <a:spcPts val="0"/>
+              </a:spcBef>
+              <a:spcAft>
+                <a:spcPts val="0"/>
+              </a:spcAft>
+              <a:buClrTx/>
+              <a:buSzTx/>
+              <a:buFontTx/>
+              <a:buNone/>
+              <a:tabLst/>
+              <a:defRPr/>
+            </a:pPr>
             <a:r>
               <a:rPr lang="en-US" altLang="zh-CN" dirty="0" smtClean="0"/>
               <a:t>1</a:t>
             </a:r>
             <a:r>
               <a:rPr lang="zh-CN" altLang="en-US" dirty="0" smtClean="0"/>
-              <a:t>、财务自由似乎是一个比较浮躁的话题，但我今天分享的不是焦虑</a:t>
+              <a:t>、基于“知识分子想要活得有尊严，就必须得有点钱”这样的认识，我今天分享一个和钱有关系的话题。财务自由</a:t>
+            </a:r>
+            <a:endParaRPr lang="en-US" altLang="zh-CN" dirty="0" smtClean="0"/>
+          </a:p>
+          <a:p>
+            <a:pPr marL="0" marR="0" indent="0" algn="l" defTabSz="914400" rtl="0" eaLnBrk="1" fontAlgn="auto" latinLnBrk="0" hangingPunct="1">
+              <a:lnSpc>
+                <a:spcPct val="100000"/>
+              </a:lnSpc>
+              <a:spcBef>
+                <a:spcPts val="0"/>
+              </a:spcBef>
+              <a:spcAft>
+                <a:spcPts val="0"/>
+              </a:spcAft>
+              <a:buClrTx/>
+              <a:buSzTx/>
+              <a:buFontTx/>
+              <a:buNone/>
+              <a:tabLst/>
+              <a:defRPr/>
+            </a:pPr>
+            <a:r>
+              <a:rPr lang="en-US" altLang="zh-CN" dirty="0" smtClean="0"/>
+              <a:t>2</a:t>
             </a:r>
             <a:r>
               <a:rPr lang="zh-CN" altLang="en-US" dirty="0" smtClean="0"/>
-              <a:t>，今天</a:t>
+              <a:t>、</a:t>
+            </a:r>
+            <a:r>
+              <a:rPr lang="zh-CN" altLang="en-US" sz="1200" b="0" i="0" kern="1200" dirty="0" smtClean="0">
+                <a:solidFill>
+                  <a:schemeClr val="tx1"/>
+                </a:solidFill>
+                <a:latin typeface="+mn-lt"/>
+                <a:ea typeface="+mn-ea"/>
+                <a:cs typeface="+mn-cs"/>
+              </a:rPr>
+              <a:t>生命诚可贵，爱情价更高。若为自由故，二者皆可抛。有人说</a:t>
             </a:r>
             <a:r>
               <a:rPr lang="zh-CN" altLang="en-US" dirty="0" smtClean="0"/>
-              <a:t>这个主题的目的是想和大家一起探讨和学习：什么是财务自由，为什么需要要财务自由，如何实现财务自由。</a:t>
-            </a:r>
+              <a:t>人生三大终极目标：</a:t>
+            </a:r>
+            <a:r>
+              <a:rPr lang="zh-CN" altLang="en-US" sz="1200" b="1" i="0" kern="1200" dirty="0" smtClean="0">
+                <a:solidFill>
+                  <a:schemeClr val="tx1"/>
+                </a:solidFill>
+                <a:latin typeface="+mn-lt"/>
+                <a:ea typeface="+mn-ea"/>
+                <a:cs typeface="+mn-cs"/>
+              </a:rPr>
+              <a:t>财务自由：</a:t>
+            </a:r>
+            <a:r>
+              <a:rPr lang="zh-CN" altLang="en-US" sz="1200" b="0" i="0" kern="1200" dirty="0" smtClean="0">
+                <a:solidFill>
+                  <a:schemeClr val="tx1"/>
+                </a:solidFill>
+                <a:latin typeface="+mn-lt"/>
+                <a:ea typeface="+mn-ea"/>
+                <a:cs typeface="+mn-cs"/>
+              </a:rPr>
+              <a:t>有足够金钱支持生活所需，需要用钱时不用发愁；</a:t>
+            </a:r>
+            <a:r>
+              <a:rPr lang="zh-CN" altLang="en-US" sz="1200" b="1" i="0" kern="1200" dirty="0" smtClean="0">
+                <a:solidFill>
+                  <a:schemeClr val="tx1"/>
+                </a:solidFill>
+                <a:latin typeface="+mn-lt"/>
+                <a:ea typeface="+mn-ea"/>
+                <a:cs typeface="+mn-cs"/>
+              </a:rPr>
+              <a:t>时间自由：</a:t>
+            </a:r>
+            <a:r>
+              <a:rPr lang="zh-CN" altLang="en-US" sz="1200" b="0" i="0" kern="1200" dirty="0" smtClean="0">
+                <a:solidFill>
+                  <a:schemeClr val="tx1"/>
+                </a:solidFill>
+                <a:latin typeface="+mn-lt"/>
+                <a:ea typeface="+mn-ea"/>
+                <a:cs typeface="+mn-cs"/>
+              </a:rPr>
+              <a:t>有可支配时间，可以灵活安排工作、休息和娱乐；</a:t>
+            </a:r>
+            <a:r>
+              <a:rPr lang="zh-CN" altLang="en-US" sz="1200" b="1" i="0" kern="1200" dirty="0" smtClean="0">
+                <a:solidFill>
+                  <a:schemeClr val="tx1"/>
+                </a:solidFill>
+                <a:latin typeface="+mn-lt"/>
+                <a:ea typeface="+mn-ea"/>
+                <a:cs typeface="+mn-cs"/>
+              </a:rPr>
+              <a:t>心灵自由：</a:t>
+            </a:r>
+            <a:r>
+              <a:rPr lang="zh-CN" altLang="en-US" sz="1200" b="0" i="0" kern="1200" dirty="0" smtClean="0">
+                <a:solidFill>
+                  <a:schemeClr val="tx1"/>
+                </a:solidFill>
+                <a:latin typeface="+mn-lt"/>
+                <a:ea typeface="+mn-ea"/>
+                <a:cs typeface="+mn-cs"/>
+              </a:rPr>
+              <a:t>跟随内心，不让梦想憋屈。</a:t>
+            </a:r>
+            <a:endParaRPr lang="en-US" altLang="zh-CN" dirty="0" smtClean="0"/>
+          </a:p>
+          <a:p>
+            <a:pPr marL="0" marR="0" indent="0" algn="l" defTabSz="914400" rtl="0" eaLnBrk="1" fontAlgn="auto" latinLnBrk="0" hangingPunct="1">
+              <a:lnSpc>
+                <a:spcPct val="100000"/>
+              </a:lnSpc>
+              <a:spcBef>
+                <a:spcPts val="0"/>
+              </a:spcBef>
+              <a:spcAft>
+                <a:spcPts val="0"/>
+              </a:spcAft>
+              <a:buClrTx/>
+              <a:buSzTx/>
+              <a:buFontTx/>
+              <a:buNone/>
+              <a:tabLst/>
+              <a:defRPr/>
+            </a:pPr>
+            <a:r>
+              <a:rPr lang="en-US" altLang="zh-CN" dirty="0" smtClean="0"/>
+              <a:t>3</a:t>
+            </a:r>
+            <a:r>
+              <a:rPr lang="zh-CN" altLang="en-US" dirty="0" smtClean="0"/>
+              <a:t>、</a:t>
+            </a:r>
+            <a:r>
+              <a:rPr lang="zh-CN" altLang="en-US" dirty="0" smtClean="0"/>
+              <a:t>财务自由似乎是一个比较浮躁的话题，但我今天分享的不是焦虑，今天这个主题的目的是想和大家一起探讨和学习：什么是财务自由，为什么需要要财务自由，如何实现财务自由</a:t>
+            </a:r>
+            <a:r>
+              <a:rPr lang="zh-CN" altLang="en-US" dirty="0" smtClean="0"/>
+              <a:t>。</a:t>
+            </a:r>
+            <a:r>
+              <a:rPr lang="zh-CN" altLang="en-US" b="1" dirty="0" smtClean="0">
+                <a:solidFill>
+                  <a:schemeClr val="bg1"/>
+                </a:solidFill>
+                <a:latin typeface="微软雅黑 Light" panose="020B0502040204020203" pitchFamily="34" charset="-122"/>
+                <a:ea typeface="微软雅黑 Light" panose="020B0502040204020203" pitchFamily="34" charset="-122"/>
+              </a:rPr>
+              <a:t>了解财务自由，积极面对生活，追求自己真实想要的生活。</a:t>
+            </a:r>
+          </a:p>
+          <a:p>
             <a:endParaRPr lang="en-US" altLang="zh-CN" dirty="0" smtClean="0"/>
           </a:p>
         </p:txBody>
@@ -2125,7 +2213,7 @@
     </p:spTree>
     <p:extLst>
       <p:ext uri="{BB962C8B-B14F-4D97-AF65-F5344CB8AC3E}">
-        <p14:creationId xmlns:p14="http://schemas.microsoft.com/office/powerpoint/2010/main" xmlns="" val="1012520732"/>
+        <p14:creationId xmlns="" xmlns:p14="http://schemas.microsoft.com/office/powerpoint/2010/main" val="1012520732"/>
       </p:ext>
     </p:extLst>
   </p:cSld>
@@ -2290,7 +2378,7 @@
               <a:defRPr/>
             </a:pPr>
             <a:r>
-              <a:rPr lang="zh-CN" altLang="en-US" sz="1200" b="0" i="0" kern="1200" dirty="0" smtClean="0">
+              <a:rPr lang="en-US" altLang="zh-CN" sz="1200" b="0" i="0" kern="1200" dirty="0" smtClean="0">
                 <a:solidFill>
                   <a:schemeClr val="tx1"/>
                 </a:solidFill>
@@ -2298,11 +2386,7 @@
                 <a:ea typeface="+mn-ea"/>
                 <a:cs typeface="+mn-cs"/>
               </a:rPr>
-              <a:t>说到财务自由，当然离不开财富。上面提及到的几位大佬（</a:t>
-            </a:r>
-            <a:r>
-              <a:rPr lang="zh-CN" altLang="en-US" sz="1200" b="1" dirty="0" smtClean="0"/>
-              <a:t>马云、马明哲、马化腾 、李嘉诚 </a:t>
+              <a:t>1</a:t>
             </a:r>
             <a:r>
               <a:rPr lang="zh-CN" altLang="en-US" sz="1200" b="0" i="0" kern="1200" dirty="0" smtClean="0">
@@ -2313,7 +2397,88 @@
                 <a:ea typeface="+mn-ea"/>
                 <a:cs typeface="+mn-cs"/>
               </a:rPr>
-              <a:t>）是财富榜上的榜首位置。当然，我和他们还是有一点距离的。我也在通往“财务自由”的路上努力着。我们大部分人，一辈子都是在为钱努力工作中度过。一个人要拥有几百亿身价的可能性非常低。</a:t>
+              <a:t>、说</a:t>
+            </a:r>
+            <a:r>
+              <a:rPr lang="zh-CN" altLang="en-US" sz="1200" b="0" i="0" kern="1200" dirty="0" smtClean="0">
+                <a:solidFill>
+                  <a:schemeClr val="tx1"/>
+                </a:solidFill>
+                <a:latin typeface="+mn-lt"/>
+                <a:ea typeface="+mn-ea"/>
+                <a:cs typeface="+mn-cs"/>
+              </a:rPr>
+              <a:t>到财务自由</a:t>
+            </a:r>
+            <a:r>
+              <a:rPr lang="zh-CN" altLang="en-US" sz="1200" b="0" i="0" kern="1200" dirty="0" smtClean="0">
+                <a:solidFill>
+                  <a:schemeClr val="tx1"/>
+                </a:solidFill>
+                <a:latin typeface="+mn-lt"/>
+                <a:ea typeface="+mn-ea"/>
+                <a:cs typeface="+mn-cs"/>
+              </a:rPr>
+              <a:t>，当然</a:t>
+            </a:r>
+            <a:r>
+              <a:rPr lang="zh-CN" altLang="en-US" sz="1200" b="0" i="0" kern="1200" dirty="0" smtClean="0">
+                <a:solidFill>
+                  <a:schemeClr val="tx1"/>
+                </a:solidFill>
+                <a:latin typeface="+mn-lt"/>
+                <a:ea typeface="+mn-ea"/>
+                <a:cs typeface="+mn-cs"/>
+              </a:rPr>
+              <a:t>离不开</a:t>
+            </a:r>
+            <a:r>
+              <a:rPr lang="zh-CN" altLang="en-US" sz="1200" b="0" i="0" kern="1200" dirty="0" smtClean="0">
+                <a:solidFill>
+                  <a:schemeClr val="tx1"/>
+                </a:solidFill>
+                <a:latin typeface="+mn-lt"/>
+                <a:ea typeface="+mn-ea"/>
+                <a:cs typeface="+mn-cs"/>
+              </a:rPr>
+              <a:t>财富和自由。</a:t>
+            </a:r>
+            <a:r>
+              <a:rPr lang="zh-CN" altLang="en-US" sz="1200" b="0" i="0" kern="1200" dirty="0" smtClean="0">
+                <a:solidFill>
+                  <a:schemeClr val="tx1"/>
+                </a:solidFill>
+                <a:latin typeface="+mn-lt"/>
+                <a:ea typeface="+mn-ea"/>
+                <a:cs typeface="+mn-cs"/>
+              </a:rPr>
+              <a:t>上面提及到的几位大佬（</a:t>
+            </a:r>
+            <a:r>
+              <a:rPr lang="zh-CN" altLang="en-US" sz="1200" b="1" dirty="0" smtClean="0"/>
+              <a:t>马云、马明哲、马化腾 、李嘉诚 </a:t>
+            </a:r>
+            <a:r>
+              <a:rPr lang="zh-CN" altLang="en-US" sz="1200" b="0" i="0" kern="1200" dirty="0" smtClean="0">
+                <a:solidFill>
+                  <a:schemeClr val="tx1"/>
+                </a:solidFill>
+                <a:latin typeface="+mn-lt"/>
+                <a:ea typeface="+mn-ea"/>
+                <a:cs typeface="+mn-cs"/>
+              </a:rPr>
+              <a:t>）是财富榜上的榜首位置</a:t>
+            </a:r>
+            <a:r>
+              <a:rPr lang="zh-CN" altLang="en-US" sz="1200" b="0" i="0" kern="1200" dirty="0" smtClean="0">
+                <a:solidFill>
+                  <a:schemeClr val="tx1"/>
+                </a:solidFill>
+                <a:latin typeface="+mn-lt"/>
+                <a:ea typeface="+mn-ea"/>
+                <a:cs typeface="+mn-cs"/>
+              </a:rPr>
+              <a:t>。</a:t>
             </a:r>
             <a:endParaRPr lang="en-US" altLang="zh-CN" sz="1200" b="0" i="0" kern="1200" dirty="0" smtClean="0">
               <a:solidFill>
@@ -2325,6 +2490,23 @@
             </a:endParaRPr>
           </a:p>
           <a:p>
+            <a:pPr marL="0" marR="0" indent="0" algn="l" defTabSz="914400" rtl="0" eaLnBrk="1" fontAlgn="auto" latinLnBrk="0" hangingPunct="1">
+              <a:lnSpc>
+                <a:spcPct val="100000"/>
+              </a:lnSpc>
+              <a:spcBef>
+                <a:spcPts val="0"/>
+              </a:spcBef>
+              <a:spcAft>
+                <a:spcPts val="0"/>
+              </a:spcAft>
+              <a:buClrTx/>
+              <a:buSzTx/>
+              <a:buFontTx/>
+              <a:buNone/>
+              <a:tabLst/>
+              <a:defRPr/>
+            </a:pPr>
             <a:r>
               <a:rPr lang="en-US" altLang="zh-CN" sz="1200" b="0" i="0" kern="1200" dirty="0" smtClean="0">
                 <a:solidFill>
@@ -2334,7 +2516,7 @@
                 <a:ea typeface="+mn-ea"/>
                 <a:cs typeface="+mn-cs"/>
               </a:rPr>
-              <a:t>1</a:t>
+              <a:t>2</a:t>
             </a:r>
             <a:r>
               <a:rPr lang="zh-CN" altLang="en-US" sz="1200" b="0" i="0" kern="1200" dirty="0" smtClean="0">
@@ -2345,10 +2527,10 @@
                 <a:ea typeface="+mn-ea"/>
                 <a:cs typeface="+mn-cs"/>
               </a:rPr>
-              <a:t>、人人生而自由，但无往而不在牢笼之中。心灵自由、财务自由、时间自由，人的一生中，都在追寻自由。追求几百亿的身价并不太现实，但，追求自由是可行的。</a:t>
-            </a:r>
-            <a:r>
-              <a:rPr lang="zh-CN" altLang="en-US" sz="1200" b="1" i="0" kern="1200" dirty="0" smtClean="0">
+              <a:t>、我</a:t>
+            </a:r>
+            <a:r>
+              <a:rPr lang="zh-CN" altLang="en-US" sz="1200" b="0" i="0" kern="1200" dirty="0" smtClean="0">
                 <a:solidFill>
                   <a:schemeClr val="tx1"/>
                 </a:solidFill>
@@ -2356,7 +2538,7 @@
                 <a:ea typeface="+mn-ea"/>
                 <a:cs typeface="+mn-cs"/>
               </a:rPr>
-              <a:t>心灵自由</a:t>
+              <a:t>也在通往“财务自由”的路上努力</a:t>
             </a:r>
             <a:r>
               <a:rPr lang="zh-CN" altLang="en-US" sz="1200" b="0" i="0" kern="1200" dirty="0" smtClean="0">
@@ -2367,10 +2549,10 @@
                 <a:ea typeface="+mn-ea"/>
                 <a:cs typeface="+mn-cs"/>
               </a:rPr>
-              <a:t>，愿意去体验生命里的各种美好，以及挑战内心的欲望，敢直面欲望并且去征服它，就能获得解脱。我很欣赏海明威的</a:t>
-            </a:r>
-            <a:r>
-              <a:rPr lang="en-US" altLang="zh-CN" sz="1200" b="0" i="0" kern="1200" dirty="0" smtClean="0">
+              <a:t>着，也努力过。我们大部分人，一辈子都是在为钱努力工作中度过。生死有命，富贵在天，一个人要拥有几百亿</a:t>
+            </a:r>
+            <a:r>
+              <a:rPr lang="zh-CN" altLang="en-US" sz="1200" b="0" i="0" kern="1200" dirty="0" smtClean="0">
                 <a:solidFill>
                   <a:schemeClr val="tx1"/>
                 </a:solidFill>
@@ -2378,7 +2560,7 @@
                 <a:ea typeface="+mn-ea"/>
                 <a:cs typeface="+mn-cs"/>
               </a:rPr>
-              <a:t>《</a:t>
+              <a:t>身价的</a:t>
             </a:r>
             <a:r>
               <a:rPr lang="zh-CN" altLang="en-US" sz="1200" b="0" i="0" kern="1200" dirty="0" smtClean="0">
@@ -2389,73 +2571,7 @@
                 <a:ea typeface="+mn-ea"/>
                 <a:cs typeface="+mn-cs"/>
               </a:rPr>
-              <a:t>老人与海</a:t>
-            </a:r>
-            <a:r>
-              <a:rPr lang="en-US" altLang="zh-CN" sz="1200" b="0" i="0" kern="1200" dirty="0" smtClean="0">
-                <a:solidFill>
-                  <a:schemeClr val="tx1"/>
-                </a:solidFill>
-                <a:latin typeface="+mn-lt"/>
-                <a:ea typeface="+mn-ea"/>
-                <a:cs typeface="+mn-cs"/>
-              </a:rPr>
-              <a:t>》</a:t>
-            </a:r>
-            <a:r>
-              <a:rPr lang="zh-CN" altLang="en-US" sz="1200" b="0" i="0" kern="1200" dirty="0" smtClean="0">
-                <a:solidFill>
-                  <a:schemeClr val="tx1"/>
-                </a:solidFill>
-                <a:latin typeface="+mn-lt"/>
-                <a:ea typeface="+mn-ea"/>
-                <a:cs typeface="+mn-cs"/>
-              </a:rPr>
-              <a:t>中的老人，他说：一个人并不是生来要给打败的，你可以消灭他，可就是打不败他。</a:t>
-            </a:r>
-            <a:r>
-              <a:rPr lang="zh-CN" altLang="en-US" sz="1200" b="1" i="0" kern="1200" dirty="0" smtClean="0">
-                <a:solidFill>
-                  <a:schemeClr val="tx1"/>
-                </a:solidFill>
-                <a:latin typeface="+mn-lt"/>
-                <a:ea typeface="+mn-ea"/>
-                <a:cs typeface="+mn-cs"/>
-              </a:rPr>
-              <a:t>时间自由</a:t>
-            </a:r>
-            <a:r>
-              <a:rPr lang="zh-CN" altLang="en-US" sz="1200" b="0" i="0" kern="1200" dirty="0" smtClean="0">
-                <a:solidFill>
-                  <a:schemeClr val="tx1"/>
-                </a:solidFill>
-                <a:latin typeface="+mn-lt"/>
-                <a:ea typeface="+mn-ea"/>
-                <a:cs typeface="+mn-cs"/>
-              </a:rPr>
-              <a:t>：一个人所有的时间中，自己自由支配的部分越多，他的人生就越自由。每一天、每一月、每一年的时间花在什么地方？如何分配这些时间？应该花时间做哪些事情？这些事情的先后顺序是怎样的？在你认为有价值的事情上，你花的时间足够多吗？在你认为没有价值的事情上，你花的时间足够少吗？</a:t>
-            </a:r>
-            <a:r>
-              <a:rPr lang="en-US" altLang="zh-CN" sz="1200" b="0" i="0" kern="1200" dirty="0" smtClean="0">
-                <a:solidFill>
-                  <a:schemeClr val="tx1"/>
-                </a:solidFill>
-                <a:latin typeface="+mn-lt"/>
-                <a:ea typeface="+mn-ea"/>
-                <a:cs typeface="+mn-cs"/>
-              </a:rPr>
-              <a:t>……</a:t>
-            </a:r>
-            <a:r>
-              <a:rPr lang="zh-CN" altLang="en-US" sz="1200" b="0" i="0" kern="1200" dirty="0" smtClean="0">
-                <a:solidFill>
-                  <a:schemeClr val="tx1"/>
-                </a:solidFill>
-                <a:latin typeface="+mn-lt"/>
-                <a:ea typeface="+mn-ea"/>
-                <a:cs typeface="+mn-cs"/>
-              </a:rPr>
-              <a:t>等等这些问题都与一个人的时间自由有关。如果一个人的时间是不自由的，那么他的生命就会浪费在对他自己毫无意义或意义不大的事情上；反之，如果他的时间是自由的，那么他的生命就会在释放在他最感兴趣、最关心、最喜欢、最欣赏的事情和人上，也就使得整个生命充满价值。</a:t>
+              <a:t>可能性低。</a:t>
             </a:r>
             <a:endParaRPr lang="en-US" altLang="zh-CN" sz="1200" b="0" i="0" kern="1200" dirty="0" smtClean="0">
               <a:solidFill>
@@ -2467,6 +2583,23 @@
             </a:endParaRPr>
           </a:p>
           <a:p>
+            <a:pPr marL="0" marR="0" indent="0" algn="l" defTabSz="914400" rtl="0" eaLnBrk="1" fontAlgn="auto" latinLnBrk="0" hangingPunct="1">
+              <a:lnSpc>
+                <a:spcPct val="100000"/>
+              </a:lnSpc>
+              <a:spcBef>
+                <a:spcPts val="0"/>
+              </a:spcBef>
+              <a:spcAft>
+                <a:spcPts val="0"/>
+              </a:spcAft>
+              <a:buClrTx/>
+              <a:buSzTx/>
+              <a:buFontTx/>
+              <a:buNone/>
+              <a:tabLst/>
+              <a:defRPr/>
+            </a:pPr>
             <a:r>
               <a:rPr lang="en-US" altLang="zh-CN" sz="1200" b="0" i="0" kern="1200" dirty="0" smtClean="0">
                 <a:solidFill>
@@ -2476,7 +2609,7 @@
                 <a:ea typeface="+mn-ea"/>
                 <a:cs typeface="+mn-cs"/>
               </a:rPr>
-              <a:t>2</a:t>
+              <a:t>3</a:t>
             </a:r>
             <a:r>
               <a:rPr lang="zh-CN" altLang="en-US" sz="1200" b="0" i="0" kern="1200" dirty="0" smtClean="0">
@@ -2487,29 +2620,7 @@
                 <a:ea typeface="+mn-ea"/>
                 <a:cs typeface="+mn-cs"/>
               </a:rPr>
-              <a:t>、剩下的是“财务自由”。财富是否可以衡量</a:t>
-            </a:r>
-            <a:r>
-              <a:rPr lang="zh-CN" altLang="en-US" sz="1200" b="0" i="0" kern="1200" dirty="0" smtClean="0">
-                <a:solidFill>
-                  <a:schemeClr val="tx1"/>
-                </a:solidFill>
-                <a:latin typeface="+mn-lt"/>
-                <a:ea typeface="+mn-ea"/>
-                <a:cs typeface="+mn-cs"/>
-              </a:rPr>
-              <a:t>一个人的成功和幸福</a:t>
-            </a:r>
-            <a:r>
-              <a:rPr lang="zh-CN" altLang="en-US" sz="1200" b="0" i="0" kern="1200" dirty="0" smtClean="0">
-                <a:solidFill>
-                  <a:schemeClr val="tx1"/>
-                </a:solidFill>
-                <a:latin typeface="+mn-lt"/>
-                <a:ea typeface="+mn-ea"/>
-                <a:cs typeface="+mn-cs"/>
-              </a:rPr>
-              <a:t>？自由是否可以获得？人的一生如何努力才能过得容易一点？</a:t>
+              <a:t>、我们带着一些问题去了解“财务自由”，自由是否可以获得？财富是否可以衡量一个人的成功和幸福？人的一生应该如何努力？</a:t>
             </a:r>
             <a:endParaRPr lang="en-US" altLang="zh-CN" sz="1200" b="0" i="0" kern="1200" dirty="0" smtClean="0">
               <a:solidFill>
@@ -2530,40 +2641,7 @@
                 <a:ea typeface="+mn-ea"/>
                 <a:cs typeface="+mn-cs"/>
               </a:rPr>
-              <a:t>你有故事，我有酒，我们聊一聊。今天的主题是“财务自由”，</a:t>
-            </a:r>
-            <a:r>
-              <a:rPr lang="zh-CN" altLang="en-US" sz="1200" b="0" i="0" kern="1200" dirty="0" smtClean="0">
-                <a:solidFill>
-                  <a:schemeClr val="tx1"/>
-                </a:solidFill>
-                <a:latin typeface="+mn-lt"/>
-                <a:ea typeface="+mn-ea"/>
-                <a:cs typeface="+mn-cs"/>
-              </a:rPr>
-              <a:t>不贩卖焦虑，也不传销</a:t>
-            </a:r>
-            <a:r>
-              <a:rPr lang="en-US" altLang="zh-CN" sz="1200" b="0" i="0" kern="1200" dirty="0" smtClean="0">
-                <a:solidFill>
-                  <a:schemeClr val="tx1"/>
-                </a:solidFill>
-                <a:latin typeface="+mn-lt"/>
-                <a:ea typeface="+mn-ea"/>
-                <a:cs typeface="+mn-cs"/>
-              </a:rPr>
-              <a:t>……</a:t>
-            </a:r>
-            <a:r>
-              <a:rPr lang="zh-CN" altLang="en-US" sz="1200" b="0" i="0" kern="1200" dirty="0" smtClean="0">
-                <a:solidFill>
-                  <a:schemeClr val="tx1"/>
-                </a:solidFill>
-                <a:latin typeface="+mn-lt"/>
-                <a:ea typeface="+mn-ea"/>
-                <a:cs typeface="+mn-cs"/>
-              </a:rPr>
-              <a:t>我们聊聊人生。</a:t>
+              <a:t>你有故事，我有酒，我们聊一聊。今天的主题“财务自由”。</a:t>
             </a:r>
             <a:endParaRPr lang="en-US" altLang="zh-CN" sz="1200" b="0" i="0" kern="1200" dirty="0" smtClean="0">
               <a:solidFill>
@@ -2659,8 +2737,25 @@
           </a:bodyPr>
           <a:lstStyle/>
           <a:p>
-            <a:r>
-              <a:rPr lang="zh-CN" altLang="en-US" sz="1200" b="0" i="0" kern="1200" dirty="0" smtClean="0">
+            <a:pPr marL="0" marR="0" indent="0" algn="l" defTabSz="914400" rtl="0" eaLnBrk="1" fontAlgn="auto" latinLnBrk="0" hangingPunct="1">
+              <a:lnSpc>
+                <a:spcPct val="100000"/>
+              </a:lnSpc>
+              <a:spcBef>
+                <a:spcPts val="0"/>
+              </a:spcBef>
+              <a:spcAft>
+                <a:spcPts val="0"/>
+              </a:spcAft>
+              <a:buClrTx/>
+              <a:buSzTx/>
+              <a:buFontTx/>
+              <a:buNone/>
+              <a:tabLst/>
+              <a:defRPr/>
+            </a:pPr>
+            <a:r>
+              <a:rPr lang="en-US" altLang="zh-CN" sz="1200" b="0" i="0" kern="1200" dirty="0" smtClean="0">
                 <a:solidFill>
                   <a:schemeClr val="tx1"/>
                 </a:solidFill>
@@ -2668,10 +2763,10 @@
                 <a:ea typeface="+mn-ea"/>
                 <a:cs typeface="+mn-cs"/>
               </a:rPr>
-              <a:t>概括有几条：</a:t>
-            </a:r>
-            <a:r>
-              <a:rPr lang="en-US" altLang="zh-CN" sz="1200" b="0" i="0" kern="1200" dirty="0" smtClean="0">
+              <a:t>1</a:t>
+            </a:r>
+            <a:r>
+              <a:rPr lang="zh-CN" altLang="en-US" sz="1200" b="0" i="0" kern="1200" dirty="0" smtClean="0">
                 <a:solidFill>
                   <a:schemeClr val="tx1"/>
                 </a:solidFill>
@@ -2679,7 +2774,7 @@
                 <a:ea typeface="+mn-ea"/>
                 <a:cs typeface="+mn-cs"/>
               </a:rPr>
-              <a:t>1</a:t>
+              <a:t>、不必为钱而工作</a:t>
             </a:r>
             <a:r>
               <a:rPr lang="zh-CN" altLang="en-US" sz="1200" b="0" i="0" kern="1200" dirty="0" smtClean="0">
@@ -2690,8 +2785,36 @@
                 <a:ea typeface="+mn-ea"/>
                 <a:cs typeface="+mn-cs"/>
               </a:rPr>
-              <a:t>、不必为钱而工作；</a:t>
-            </a:r>
+              <a:t>；</a:t>
+            </a:r>
+            <a:r>
+              <a:rPr lang="zh-CN" altLang="en-US" dirty="0" smtClean="0"/>
+              <a:t>大部分人的工作都是为了讨生活即为个人或家庭，为供房供车，为维持一个体面的生活。如果你可以不必为钱而工作，而是为兴趣而工作，那你有幸在通往财务自由的路上迈出了重要的一步。</a:t>
+            </a:r>
+            <a:endParaRPr lang="zh-CN" altLang="zh-CN" dirty="0" smtClean="0">
+              <a:solidFill>
+                <a:schemeClr val="tx1">
+                  <a:lumMod val="75000"/>
+                  <a:lumOff val="25000"/>
+                </a:schemeClr>
+              </a:solidFill>
+              <a:latin typeface="微软雅黑" pitchFamily="34" charset="-122"/>
+              <a:ea typeface="微软雅黑" pitchFamily="34" charset="-122"/>
+            </a:endParaRPr>
+          </a:p>
+          <a:p>
+            <a:pPr fontAlgn="base">
+              <a:lnSpc>
+                <a:spcPct val="120000"/>
+              </a:lnSpc>
+              <a:spcBef>
+                <a:spcPct val="0"/>
+              </a:spcBef>
+              <a:spcAft>
+                <a:spcPct val="0"/>
+              </a:spcAft>
+              <a:defRPr/>
+            </a:pPr>
             <a:r>
               <a:rPr lang="en-US" altLang="zh-CN" sz="1200" b="0" i="0" kern="1200" dirty="0" smtClean="0">
                 <a:solidFill>
@@ -2712,10 +2835,10 @@
                 <a:ea typeface="+mn-ea"/>
                 <a:cs typeface="+mn-cs"/>
               </a:rPr>
-              <a:t>、不工作的时候保持财产性收入（财产性收入可以来自：房租、股票红利、债券利息）的净现金流入，有一句话说得很形象：躺着睡觉的时候也在赚钱；</a:t>
-            </a:r>
-            <a:r>
-              <a:rPr lang="en-US" altLang="zh-CN" sz="1200" b="0" i="0" kern="1200" dirty="0" smtClean="0">
+              <a:t>、不工作的时候保持财产性收入</a:t>
+            </a:r>
+            <a:r>
+              <a:rPr lang="zh-CN" altLang="en-US" sz="1200" b="0" i="0" kern="1200" dirty="0" smtClean="0">
                 <a:solidFill>
                   <a:schemeClr val="tx1"/>
                 </a:solidFill>
@@ -2723,7 +2846,7 @@
                 <a:ea typeface="+mn-ea"/>
                 <a:cs typeface="+mn-cs"/>
               </a:rPr>
-              <a:t>3</a:t>
+              <a:t>（即：房租</a:t>
             </a:r>
             <a:r>
               <a:rPr lang="zh-CN" altLang="en-US" sz="1200" b="0" i="0" kern="1200" dirty="0" smtClean="0">
@@ -2734,10 +2857,10 @@
                 <a:ea typeface="+mn-ea"/>
                 <a:cs typeface="+mn-cs"/>
               </a:rPr>
-              <a:t>、保有一定量的净资产；</a:t>
-            </a:r>
-            <a:r>
-              <a:rPr lang="en-US" altLang="zh-CN" sz="1200" b="0" i="0" kern="1200" dirty="0" smtClean="0">
+              <a:t>、股票红利、债券利息）的净现金</a:t>
+            </a:r>
+            <a:r>
+              <a:rPr lang="zh-CN" altLang="en-US" sz="1200" b="0" i="0" kern="1200" dirty="0" smtClean="0">
                 <a:solidFill>
                   <a:schemeClr val="tx1"/>
                 </a:solidFill>
@@ -2745,10 +2868,29 @@
                 <a:ea typeface="+mn-ea"/>
                 <a:cs typeface="+mn-cs"/>
               </a:rPr>
-              <a:t>4</a:t>
-            </a:r>
-            <a:r>
-              <a:rPr lang="zh-CN" altLang="en-US" sz="1200" b="0" i="0" kern="1200" dirty="0" smtClean="0">
+              <a:t>流入，使得你现在的生活得以支撑起来。</a:t>
+            </a:r>
+            <a:r>
+              <a:rPr lang="zh-CN" altLang="en-US" dirty="0" smtClean="0"/>
+              <a:t>除了工资收入外，财产性收入是达至财务自由一个很重要的指标。即保证不工作的时候也有净现金流入。财产性收入可以来自房租、股票红利、债卷利息。</a:t>
+            </a:r>
+            <a:endParaRPr lang="zh-CN" altLang="zh-CN" dirty="0" smtClean="0"/>
+          </a:p>
+          <a:p>
+            <a:pPr fontAlgn="base">
+              <a:lnSpc>
+                <a:spcPct val="120000"/>
+              </a:lnSpc>
+              <a:spcBef>
+                <a:spcPct val="0"/>
+              </a:spcBef>
+              <a:spcAft>
+                <a:spcPct val="0"/>
+              </a:spcAft>
+              <a:defRPr/>
+            </a:pPr>
+            <a:r>
+              <a:rPr lang="en-US" altLang="zh-CN" sz="1200" b="0" i="0" kern="1200" dirty="0" smtClean="0">
                 <a:solidFill>
                   <a:schemeClr val="tx1"/>
                 </a:solidFill>
@@ -2756,7 +2898,104 @@
                 <a:ea typeface="+mn-ea"/>
                 <a:cs typeface="+mn-cs"/>
               </a:rPr>
-              <a:t>、保有一个平常和自由的心，过上自己真实想要的生活，这里的真实指符合实际的内心期待的；</a:t>
+              <a:t>3</a:t>
+            </a:r>
+            <a:r>
+              <a:rPr lang="zh-CN" altLang="en-US" sz="1200" b="0" i="0" kern="1200" dirty="0" smtClean="0">
+                <a:solidFill>
+                  <a:schemeClr val="tx1"/>
+                </a:solidFill>
+                <a:latin typeface="+mn-lt"/>
+                <a:ea typeface="+mn-ea"/>
+                <a:cs typeface="+mn-cs"/>
+              </a:rPr>
+              <a:t>、保有一定量的净资产</a:t>
+            </a:r>
+            <a:r>
+              <a:rPr lang="zh-CN" altLang="en-US" sz="1200" b="0" i="0" kern="1200" dirty="0" smtClean="0">
+                <a:solidFill>
+                  <a:schemeClr val="tx1"/>
+                </a:solidFill>
+                <a:latin typeface="+mn-lt"/>
+                <a:ea typeface="+mn-ea"/>
+                <a:cs typeface="+mn-cs"/>
+              </a:rPr>
+              <a:t>；</a:t>
+            </a:r>
+            <a:r>
+              <a:rPr lang="zh-CN" altLang="en-US" dirty="0" smtClean="0"/>
+              <a:t>财务自由一个定量的概念，净资产</a:t>
+            </a:r>
+            <a:r>
+              <a:rPr lang="en-US" altLang="en-US" dirty="0" smtClean="0"/>
+              <a:t>Net Wealth </a:t>
+            </a:r>
+            <a:r>
+              <a:rPr lang="zh-CN" altLang="en-US" dirty="0" smtClean="0"/>
+              <a:t>，净资产</a:t>
+            </a:r>
+            <a:r>
+              <a:rPr lang="en-US" altLang="zh-CN" dirty="0" smtClean="0"/>
+              <a:t>=</a:t>
+            </a:r>
+            <a:r>
+              <a:rPr lang="zh-CN" altLang="en-US" dirty="0" smtClean="0"/>
+              <a:t>资产</a:t>
+            </a:r>
+            <a:r>
+              <a:rPr lang="en-US" altLang="zh-CN" dirty="0" smtClean="0"/>
+              <a:t>-</a:t>
+            </a:r>
+            <a:r>
+              <a:rPr lang="zh-CN" altLang="en-US" dirty="0" smtClean="0"/>
+              <a:t>负债。</a:t>
+            </a:r>
+            <a:endParaRPr lang="zh-CN" altLang="zh-CN" dirty="0" smtClean="0"/>
+          </a:p>
+          <a:p>
+            <a:r>
+              <a:rPr lang="en-US" altLang="zh-CN" sz="1200" b="0" i="0" kern="1200" dirty="0" smtClean="0">
+                <a:solidFill>
+                  <a:schemeClr val="tx1"/>
+                </a:solidFill>
+                <a:latin typeface="+mn-lt"/>
+                <a:ea typeface="+mn-ea"/>
+                <a:cs typeface="+mn-cs"/>
+              </a:rPr>
+              <a:t>4</a:t>
+            </a:r>
+            <a:r>
+              <a:rPr lang="zh-CN" altLang="en-US" sz="1200" b="0" i="0" kern="1200" dirty="0" smtClean="0">
+                <a:solidFill>
+                  <a:schemeClr val="tx1"/>
+                </a:solidFill>
+                <a:latin typeface="+mn-lt"/>
+                <a:ea typeface="+mn-ea"/>
+                <a:cs typeface="+mn-cs"/>
+              </a:rPr>
+              <a:t>、其实更重要的是保有</a:t>
+            </a:r>
+            <a:r>
+              <a:rPr lang="zh-CN" altLang="en-US" sz="1200" b="0" i="0" kern="1200" dirty="0" smtClean="0">
+                <a:solidFill>
+                  <a:schemeClr val="tx1"/>
+                </a:solidFill>
+                <a:latin typeface="+mn-lt"/>
+                <a:ea typeface="+mn-ea"/>
+                <a:cs typeface="+mn-cs"/>
+              </a:rPr>
+              <a:t>一个平常和自由的心，过上自己真实想要的生活，这里的真实指符合实际的内心期待</a:t>
+            </a:r>
+            <a:r>
+              <a:rPr lang="zh-CN" altLang="en-US" sz="1200" b="0" i="0" kern="1200" dirty="0" smtClean="0">
+                <a:solidFill>
+                  <a:schemeClr val="tx1"/>
+                </a:solidFill>
+                <a:latin typeface="+mn-lt"/>
+                <a:ea typeface="+mn-ea"/>
+                <a:cs typeface="+mn-cs"/>
+              </a:rPr>
+              <a:t>的的生活；</a:t>
             </a:r>
             <a:endParaRPr lang="en-US" altLang="zh-CN" sz="1200" b="0" i="0" kern="1200" dirty="0" smtClean="0">
               <a:solidFill>
@@ -2883,7 +3122,7 @@
             </a:r>
             <a:r>
               <a:rPr lang="zh-CN" altLang="en-US" dirty="0" smtClean="0"/>
-              <a:t>、</a:t>
+              <a:t>、被动收入是什么意思？</a:t>
             </a:r>
             <a:r>
               <a:rPr lang="zh-CN" altLang="en-US" sz="1200" b="1" i="0" kern="1200" dirty="0" smtClean="0">
@@ -2894,18 +3133,7 @@
                 <a:ea typeface="+mn-ea"/>
                 <a:cs typeface="+mn-cs"/>
               </a:rPr>
-              <a:t>想要实现财富自由，你要把你的财富组成一个能够自行运转的系统（被动收入），那么，你的财富就会像机器人一样，源源不断地给你提供新的产出，</a:t>
-            </a:r>
-            <a:r>
-              <a:rPr lang="zh-CN" altLang="en-US" sz="1200" b="0" i="0" kern="1200" dirty="0" smtClean="0">
-                <a:solidFill>
-                  <a:schemeClr val="tx1"/>
-                </a:solidFill>
-                <a:latin typeface="+mn-lt"/>
-                <a:ea typeface="+mn-ea"/>
-                <a:cs typeface="+mn-cs"/>
-              </a:rPr>
-              <a:t>我们要注意一下上面的等式，被动收入是什么意思？</a:t>
+              <a:t>想要实现财富自由，你要把你的财富组成一个能够自行运转的系统，那么，你的财富就会像机器人一样，源源不断地给你提供新的产出，享受财富带来的乐趣的同时，你也不必担心自己会“坐吃山空”。</a:t>
             </a:r>
             <a:endParaRPr lang="en-US" altLang="zh-CN" b="0" dirty="0" smtClean="0"/>
           </a:p>
@@ -2916,19 +3144,7 @@
             </a:r>
             <a:r>
               <a:rPr lang="zh-CN" altLang="en-US" dirty="0" smtClean="0"/>
-              <a:t>、</a:t>
-            </a:r>
-            <a:r>
-              <a:rPr lang="zh-CN" altLang="en-US" dirty="0" smtClean="0"/>
-              <a:t>如何衡量你是否是“财务自由”</a:t>
-            </a:r>
-            <a:r>
-              <a:rPr lang="zh-CN" altLang="en-US" dirty="0" smtClean="0"/>
-              <a:t>。请</a:t>
-            </a:r>
-            <a:r>
-              <a:rPr lang="zh-CN" altLang="en-US" dirty="0" smtClean="0"/>
-              <a:t>大家算一算，你是否财务自由了？</a:t>
+              <a:t>、如何衡量你是否是“财务自由”。请大家算一算，你是否财务自由了？</a:t>
             </a:r>
             <a:endParaRPr lang="en-US" altLang="zh-CN" dirty="0" smtClean="0"/>
           </a:p>
@@ -3080,6 +3296,38 @@
                 <a:cs typeface="+mn-cs"/>
               </a:rPr>
               <a:t>。</a:t>
+            </a:r>
+            <a:endParaRPr lang="en-US" altLang="zh-CN" sz="1200" b="0" i="0" kern="1200" dirty="0" smtClean="0">
+              <a:solidFill>
+                <a:schemeClr val="tx1"/>
+              </a:solidFill>
+              <a:latin typeface="+mn-lt"/>
+              <a:ea typeface="+mn-ea"/>
+              <a:cs typeface="+mn-cs"/>
+            </a:endParaRPr>
+          </a:p>
+          <a:p>
+            <a:r>
+              <a:rPr lang="en-US" altLang="zh-CN" sz="1200" b="0" i="0" kern="1200" dirty="0" smtClean="0">
+                <a:solidFill>
+                  <a:schemeClr val="tx1"/>
+                </a:solidFill>
+                <a:latin typeface="+mn-lt"/>
+                <a:ea typeface="+mn-ea"/>
+                <a:cs typeface="+mn-cs"/>
+              </a:rPr>
+              <a:t>3</a:t>
+            </a:r>
+            <a:r>
+              <a:rPr lang="zh-CN" altLang="en-US" sz="1200" b="0" i="0" kern="1200" dirty="0" smtClean="0">
+                <a:solidFill>
+                  <a:schemeClr val="tx1"/>
+                </a:solidFill>
+                <a:latin typeface="+mn-lt"/>
+                <a:ea typeface="+mn-ea"/>
+                <a:cs typeface="+mn-cs"/>
+              </a:rPr>
+              <a:t>、这个等式里面，其实也正好说明了一个问题：当日常开支越小的时候，越容易达到财务自由。但日常开支越小的时候，生活水平和生活质量也变得低了。</a:t>
             </a:r>
             <a:endParaRPr lang="en-US" altLang="zh-CN" sz="1200" b="0" i="0" kern="1200" dirty="0" smtClean="0">
               <a:solidFill>
@@ -3170,7 +3418,419 @@
           </a:bodyPr>
           <a:lstStyle/>
           <a:p>
-            <a:endParaRPr lang="zh-CN" altLang="en-US" dirty="0"/>
+            <a:r>
+              <a:rPr lang="en-US" altLang="zh-CN" sz="1200" b="0" i="0" kern="1200" dirty="0" smtClean="0">
+                <a:solidFill>
+                  <a:schemeClr val="tx1"/>
+                </a:solidFill>
+                <a:latin typeface="+mn-lt"/>
+                <a:ea typeface="+mn-ea"/>
+                <a:cs typeface="+mn-cs"/>
+              </a:rPr>
+              <a:t>1</a:t>
+            </a:r>
+            <a:r>
+              <a:rPr lang="zh-CN" altLang="en-US" sz="1200" b="0" i="0" kern="1200" dirty="0" smtClean="0">
+                <a:solidFill>
+                  <a:schemeClr val="tx1"/>
+                </a:solidFill>
+                <a:latin typeface="+mn-lt"/>
+                <a:ea typeface="+mn-ea"/>
+                <a:cs typeface="+mn-cs"/>
+              </a:rPr>
+              <a:t>、</a:t>
+            </a:r>
+            <a:r>
+              <a:rPr lang="en-US" altLang="zh-CN" sz="1200" b="0" i="0" kern="1200" dirty="0" smtClean="0">
+                <a:solidFill>
+                  <a:schemeClr val="tx1"/>
+                </a:solidFill>
+                <a:latin typeface="+mn-lt"/>
+                <a:ea typeface="+mn-ea"/>
+                <a:cs typeface="+mn-cs"/>
+              </a:rPr>
+              <a:t>2018</a:t>
+            </a:r>
+            <a:r>
+              <a:rPr lang="zh-CN" altLang="en-US" sz="1200" b="0" i="0" kern="1200" dirty="0" smtClean="0">
+                <a:solidFill>
+                  <a:schemeClr val="tx1"/>
+                </a:solidFill>
+                <a:latin typeface="+mn-lt"/>
+                <a:ea typeface="+mn-ea"/>
+                <a:cs typeface="+mn-cs"/>
+              </a:rPr>
+              <a:t>年的标准</a:t>
+            </a:r>
+            <a:r>
+              <a:rPr lang="zh-CN" altLang="en-US" sz="1200" b="0" i="0" kern="1200" dirty="0" smtClean="0">
+                <a:solidFill>
+                  <a:schemeClr val="tx1"/>
+                </a:solidFill>
+                <a:latin typeface="+mn-lt"/>
+                <a:ea typeface="+mn-ea"/>
+                <a:cs typeface="+mn-cs"/>
+              </a:rPr>
+              <a:t>是 </a:t>
+            </a:r>
+            <a:r>
+              <a:rPr lang="en-US" altLang="zh-CN" sz="1200" b="0" i="0" kern="1200" dirty="0" smtClean="0">
+                <a:solidFill>
+                  <a:schemeClr val="tx1"/>
+                </a:solidFill>
+                <a:latin typeface="+mn-lt"/>
+                <a:ea typeface="+mn-ea"/>
+                <a:cs typeface="+mn-cs"/>
+              </a:rPr>
+              <a:t>2.9</a:t>
+            </a:r>
+            <a:r>
+              <a:rPr lang="zh-CN" altLang="en-US" sz="1200" b="0" i="0" kern="1200" dirty="0" smtClean="0">
+                <a:solidFill>
+                  <a:schemeClr val="tx1"/>
+                </a:solidFill>
+                <a:latin typeface="+mn-lt"/>
+                <a:ea typeface="+mn-ea"/>
+                <a:cs typeface="+mn-cs"/>
+              </a:rPr>
+              <a:t>亿人民币</a:t>
+            </a:r>
+            <a:r>
+              <a:rPr lang="zh-CN" altLang="en-US" sz="1200" b="0" i="0" kern="1200" dirty="0" smtClean="0">
+                <a:solidFill>
+                  <a:schemeClr val="tx1"/>
+                </a:solidFill>
+                <a:latin typeface="+mn-lt"/>
+                <a:ea typeface="+mn-ea"/>
+                <a:cs typeface="+mn-cs"/>
+              </a:rPr>
+              <a:t>，看到这个数字的时候，大家可能会：先</a:t>
+            </a:r>
+            <a:r>
+              <a:rPr lang="zh-CN" altLang="en-US" sz="1200" b="0" i="0" kern="1200" dirty="0" smtClean="0">
+                <a:solidFill>
+                  <a:schemeClr val="tx1"/>
+                </a:solidFill>
+                <a:latin typeface="+mn-lt"/>
+                <a:ea typeface="+mn-ea"/>
+                <a:cs typeface="+mn-cs"/>
+              </a:rPr>
+              <a:t>定一个小目标，比如赚它一个亿</a:t>
+            </a:r>
+            <a:r>
+              <a:rPr lang="zh-CN" altLang="en-US" sz="1200" b="0" i="0" kern="1200" dirty="0" smtClean="0">
+                <a:solidFill>
+                  <a:schemeClr val="tx1"/>
+                </a:solidFill>
+                <a:latin typeface="+mn-lt"/>
+                <a:ea typeface="+mn-ea"/>
+                <a:cs typeface="+mn-cs"/>
+              </a:rPr>
+              <a:t>元，</a:t>
+            </a:r>
+            <a:r>
+              <a:rPr lang="zh-CN" altLang="en-US" sz="1200" b="0" i="0" kern="1200" dirty="0" smtClean="0">
+                <a:solidFill>
+                  <a:schemeClr val="tx1"/>
+                </a:solidFill>
+                <a:latin typeface="+mn-lt"/>
+                <a:ea typeface="+mn-ea"/>
+                <a:cs typeface="+mn-cs"/>
+              </a:rPr>
+              <a:t>这样才容易实现财务自由了</a:t>
+            </a:r>
+            <a:r>
+              <a:rPr lang="zh-CN" altLang="en-US" sz="1200" b="0" i="0" kern="1200" dirty="0" smtClean="0">
+                <a:solidFill>
+                  <a:schemeClr val="tx1"/>
+                </a:solidFill>
+                <a:latin typeface="+mn-lt"/>
+                <a:ea typeface="+mn-ea"/>
+                <a:cs typeface="+mn-cs"/>
+              </a:rPr>
+              <a:t>。</a:t>
+            </a:r>
+            <a:r>
+              <a:rPr lang="en-US" altLang="zh-CN" sz="1200" b="0" i="0" kern="1200" dirty="0" smtClean="0">
+                <a:solidFill>
+                  <a:schemeClr val="tx1"/>
+                </a:solidFill>
+                <a:latin typeface="+mn-lt"/>
+                <a:ea typeface="+mn-ea"/>
+                <a:cs typeface="+mn-cs"/>
+              </a:rPr>
+              <a:t>2.9</a:t>
+            </a:r>
+            <a:r>
+              <a:rPr lang="zh-CN" altLang="en-US" sz="1200" b="0" i="0" kern="1200" dirty="0" smtClean="0">
+                <a:solidFill>
+                  <a:schemeClr val="tx1"/>
+                </a:solidFill>
+                <a:latin typeface="+mn-lt"/>
+                <a:ea typeface="+mn-ea"/>
+                <a:cs typeface="+mn-cs"/>
+              </a:rPr>
+              <a:t>亿元人民币，这个是非常大的一个数目，远远超出了普通家庭的经济收入水平。这些年我也得到了两个“忆”，一个是失忆，另外一个是回忆。</a:t>
+            </a:r>
+            <a:endParaRPr lang="en-US" altLang="zh-CN" sz="1200" b="0" i="0" kern="1200" dirty="0" smtClean="0">
+              <a:solidFill>
+                <a:schemeClr val="tx1"/>
+              </a:solidFill>
+              <a:latin typeface="+mn-lt"/>
+              <a:ea typeface="+mn-ea"/>
+              <a:cs typeface="+mn-cs"/>
+            </a:endParaRPr>
+          </a:p>
+          <a:p>
+            <a:r>
+              <a:rPr lang="en-US" altLang="zh-CN" sz="1200" b="0" i="0" kern="1200" dirty="0" smtClean="0">
+                <a:solidFill>
+                  <a:schemeClr val="tx1"/>
+                </a:solidFill>
+                <a:latin typeface="+mn-lt"/>
+                <a:ea typeface="+mn-ea"/>
+                <a:cs typeface="+mn-cs"/>
+              </a:rPr>
+              <a:t>2</a:t>
+            </a:r>
+            <a:r>
+              <a:rPr lang="zh-CN" altLang="en-US" sz="1200" b="0" i="0" kern="1200" dirty="0" smtClean="0">
+                <a:solidFill>
+                  <a:schemeClr val="tx1"/>
+                </a:solidFill>
+                <a:latin typeface="+mn-lt"/>
+                <a:ea typeface="+mn-ea"/>
+                <a:cs typeface="+mn-cs"/>
+              </a:rPr>
+              <a:t>、有</a:t>
+            </a:r>
+            <a:r>
+              <a:rPr lang="zh-CN" altLang="en-US" sz="1200" b="0" i="0" kern="1200" dirty="0" smtClean="0">
+                <a:solidFill>
+                  <a:schemeClr val="tx1"/>
+                </a:solidFill>
+                <a:latin typeface="+mn-lt"/>
+                <a:ea typeface="+mn-ea"/>
+                <a:cs typeface="+mn-cs"/>
+              </a:rPr>
+              <a:t>一个话题：“逃离北上广深”。想想这么多年</a:t>
+            </a:r>
+            <a:r>
+              <a:rPr lang="zh-CN" altLang="en-US" sz="1200" b="0" i="0" kern="1200" dirty="0" smtClean="0">
+                <a:solidFill>
+                  <a:schemeClr val="tx1"/>
+                </a:solidFill>
+                <a:latin typeface="+mn-lt"/>
+                <a:ea typeface="+mn-ea"/>
+                <a:cs typeface="+mn-cs"/>
+              </a:rPr>
+              <a:t>为了财务自由</a:t>
+            </a:r>
+            <a:r>
+              <a:rPr lang="zh-CN" altLang="en-US" sz="1200" b="0" i="0" kern="1200" dirty="0" smtClean="0">
+                <a:solidFill>
+                  <a:schemeClr val="tx1"/>
+                </a:solidFill>
+                <a:latin typeface="+mn-lt"/>
+                <a:ea typeface="+mn-ea"/>
+                <a:cs typeface="+mn-cs"/>
+              </a:rPr>
+              <a:t>奋斗</a:t>
+            </a:r>
+            <a:r>
+              <a:rPr lang="zh-CN" altLang="en-US" sz="1200" b="0" i="0" kern="1200" dirty="0" smtClean="0">
+                <a:solidFill>
+                  <a:schemeClr val="tx1"/>
+                </a:solidFill>
+                <a:latin typeface="+mn-lt"/>
+                <a:ea typeface="+mn-ea"/>
+                <a:cs typeface="+mn-cs"/>
+              </a:rPr>
+              <a:t>，在一线城市里面工作生活，却在追求</a:t>
+            </a:r>
+            <a:r>
+              <a:rPr lang="zh-CN" altLang="en-US" sz="1200" b="0" i="0" kern="1200" dirty="0" smtClean="0">
+                <a:solidFill>
+                  <a:schemeClr val="tx1"/>
+                </a:solidFill>
+                <a:latin typeface="+mn-lt"/>
+                <a:ea typeface="+mn-ea"/>
+                <a:cs typeface="+mn-cs"/>
+              </a:rPr>
+              <a:t>财务自由的路上，失去了自由</a:t>
+            </a:r>
+            <a:r>
+              <a:rPr lang="en-US" altLang="zh-CN" sz="1200" b="0" i="0" kern="1200" dirty="0" smtClean="0">
+                <a:solidFill>
+                  <a:schemeClr val="tx1"/>
+                </a:solidFill>
+                <a:latin typeface="+mn-lt"/>
+                <a:ea typeface="+mn-ea"/>
+                <a:cs typeface="+mn-cs"/>
+              </a:rPr>
+              <a:t>,</a:t>
+            </a:r>
+            <a:r>
+              <a:rPr lang="zh-CN" altLang="en-US" sz="1200" b="0" i="0" kern="1200" dirty="0" smtClean="0">
+                <a:solidFill>
+                  <a:schemeClr val="tx1"/>
+                </a:solidFill>
+                <a:latin typeface="+mn-lt"/>
+                <a:ea typeface="+mn-ea"/>
+                <a:cs typeface="+mn-cs"/>
+              </a:rPr>
+              <a:t>这一刻是不是觉得自己从未自由</a:t>
+            </a:r>
+            <a:r>
+              <a:rPr lang="zh-CN" altLang="en-US" sz="1200" b="0" i="0" kern="1200" dirty="0" smtClean="0">
+                <a:solidFill>
+                  <a:schemeClr val="tx1"/>
+                </a:solidFill>
+                <a:latin typeface="+mn-lt"/>
+                <a:ea typeface="+mn-ea"/>
+                <a:cs typeface="+mn-cs"/>
+              </a:rPr>
+              <a:t>过。</a:t>
+            </a:r>
+            <a:r>
+              <a:rPr lang="zh-CN" altLang="en-US" sz="1200" b="0" i="0" kern="1200" dirty="0" smtClean="0">
+                <a:solidFill>
+                  <a:schemeClr val="tx1"/>
+                </a:solidFill>
+                <a:latin typeface="+mn-lt"/>
+                <a:ea typeface="+mn-ea"/>
+                <a:cs typeface="+mn-cs"/>
+              </a:rPr>
+              <a:t>那些前半生在北上广打拼挣钱，三四十岁后去三四线城市生活的人。只要国家大的形势保持稳定，他们可以很自由</a:t>
+            </a:r>
+            <a:r>
+              <a:rPr lang="zh-CN" altLang="en-US" sz="1200" b="0" i="0" kern="1200" dirty="0" smtClean="0">
+                <a:solidFill>
+                  <a:schemeClr val="tx1"/>
+                </a:solidFill>
+                <a:latin typeface="+mn-lt"/>
+                <a:ea typeface="+mn-ea"/>
+                <a:cs typeface="+mn-cs"/>
+              </a:rPr>
+              <a:t>。</a:t>
+            </a:r>
+            <a:endParaRPr lang="en-US" altLang="zh-CN" sz="1200" b="0" i="0" kern="1200" dirty="0" smtClean="0">
+              <a:solidFill>
+                <a:schemeClr val="tx1"/>
+              </a:solidFill>
+              <a:latin typeface="+mn-lt"/>
+              <a:ea typeface="+mn-ea"/>
+              <a:cs typeface="+mn-cs"/>
+            </a:endParaRPr>
+          </a:p>
+          <a:p>
+            <a:r>
+              <a:rPr lang="en-US" altLang="zh-CN" sz="1200" b="0" i="0" kern="1200" dirty="0" smtClean="0">
+                <a:solidFill>
+                  <a:schemeClr val="tx1"/>
+                </a:solidFill>
+                <a:latin typeface="+mn-lt"/>
+                <a:ea typeface="+mn-ea"/>
+                <a:cs typeface="+mn-cs"/>
+              </a:rPr>
+              <a:t>3</a:t>
+            </a:r>
+            <a:r>
+              <a:rPr lang="zh-CN" altLang="en-US" sz="1200" b="0" i="0" kern="1200" dirty="0" smtClean="0">
+                <a:solidFill>
+                  <a:schemeClr val="tx1"/>
+                </a:solidFill>
+                <a:latin typeface="+mn-lt"/>
+                <a:ea typeface="+mn-ea"/>
+                <a:cs typeface="+mn-cs"/>
+              </a:rPr>
+              <a:t>、当你不必为钱而努力工作的时候，你用爱好去创造财富，并且获得的财富中，你继续进行理财，那么，你的财富会越来越多。我在想：</a:t>
+            </a:r>
+            <a:r>
+              <a:rPr lang="zh-CN" altLang="en-US" sz="1200" b="1" i="0" kern="1200" dirty="0" smtClean="0">
+                <a:solidFill>
+                  <a:schemeClr val="tx1"/>
+                </a:solidFill>
+                <a:latin typeface="+mn-lt"/>
+                <a:ea typeface="+mn-ea"/>
+                <a:cs typeface="+mn-cs"/>
+              </a:rPr>
+              <a:t>贫富</a:t>
+            </a:r>
+            <a:r>
+              <a:rPr lang="zh-CN" altLang="en-US" sz="1200" b="1" i="0" kern="1200" dirty="0" smtClean="0">
+                <a:solidFill>
+                  <a:schemeClr val="tx1"/>
+                </a:solidFill>
+                <a:latin typeface="+mn-lt"/>
+                <a:ea typeface="+mn-ea"/>
+                <a:cs typeface="+mn-cs"/>
+              </a:rPr>
+              <a:t>差距在最近几十年来越来越大，主要原因在于资本收入相对劳动收入增长过快</a:t>
+            </a:r>
+            <a:r>
+              <a:rPr lang="zh-CN" altLang="en-US" sz="1200" b="1" i="0" kern="1200" dirty="0" smtClean="0">
+                <a:solidFill>
+                  <a:schemeClr val="tx1"/>
+                </a:solidFill>
+                <a:latin typeface="+mn-lt"/>
+                <a:ea typeface="+mn-ea"/>
+                <a:cs typeface="+mn-cs"/>
+              </a:rPr>
+              <a:t>。</a:t>
+            </a:r>
+            <a:endParaRPr lang="zh-CN" altLang="en-US" sz="1200" b="0" i="0" kern="1200" dirty="0" smtClean="0">
+              <a:solidFill>
+                <a:schemeClr val="tx1"/>
+              </a:solidFill>
+              <a:latin typeface="+mn-lt"/>
+              <a:ea typeface="+mn-ea"/>
+              <a:cs typeface="+mn-cs"/>
+            </a:endParaRPr>
+          </a:p>
+          <a:p>
+            <a:r>
+              <a:rPr lang="zh-CN" altLang="en-US" dirty="0" smtClean="0"/>
+              <a:t/>
+            </a:r>
+            <a:br>
+              <a:rPr lang="zh-CN" altLang="en-US" dirty="0" smtClean="0"/>
+            </a:br>
+            <a:endParaRPr lang="zh-CN" altLang="en-US" sz="1200" b="0" i="0" kern="1200" dirty="0" smtClean="0">
+              <a:solidFill>
+                <a:schemeClr val="tx1"/>
+              </a:solidFill>
+              <a:latin typeface="+mn-lt"/>
+              <a:ea typeface="+mn-ea"/>
+              <a:cs typeface="+mn-cs"/>
+            </a:endParaRPr>
+          </a:p>
+          <a:p>
+            <a:pPr marL="0" marR="0" indent="0" algn="l" defTabSz="914400" rtl="0" eaLnBrk="1" fontAlgn="auto" latinLnBrk="0" hangingPunct="1">
+              <a:lnSpc>
+                <a:spcPct val="100000"/>
+              </a:lnSpc>
+              <a:spcBef>
+                <a:spcPts val="0"/>
+              </a:spcBef>
+              <a:spcAft>
+                <a:spcPts val="0"/>
+              </a:spcAft>
+              <a:buClrTx/>
+              <a:buSzTx/>
+              <a:buFontTx/>
+              <a:buNone/>
+              <a:tabLst/>
+              <a:defRPr/>
+            </a:pPr>
+            <a:endParaRPr lang="en-US" altLang="zh-CN" sz="1200" b="0" i="0" kern="1200" dirty="0" smtClean="0">
+              <a:solidFill>
+                <a:schemeClr val="tx1"/>
+              </a:solidFill>
+              <a:latin typeface="+mn-lt"/>
+              <a:ea typeface="+mn-ea"/>
+              <a:cs typeface="+mn-cs"/>
+            </a:endParaRPr>
           </a:p>
         </p:txBody>
       </p:sp>
@@ -3252,175 +3912,6 @@
           </a:bodyPr>
           <a:lstStyle/>
           <a:p>
-            <a:r>
-              <a:rPr lang="en-US" altLang="zh-CN" sz="1200" b="0" i="0" kern="1200" dirty="0" smtClean="0">
-                <a:solidFill>
-                  <a:schemeClr val="tx1"/>
-                </a:solidFill>
-                <a:latin typeface="+mn-lt"/>
-                <a:ea typeface="+mn-ea"/>
-                <a:cs typeface="+mn-cs"/>
-              </a:rPr>
-              <a:t>1</a:t>
-            </a:r>
-            <a:r>
-              <a:rPr lang="zh-CN" altLang="en-US" sz="1200" b="0" i="0" kern="1200" dirty="0" smtClean="0">
-                <a:solidFill>
-                  <a:schemeClr val="tx1"/>
-                </a:solidFill>
-                <a:latin typeface="+mn-lt"/>
-                <a:ea typeface="+mn-ea"/>
-                <a:cs typeface="+mn-cs"/>
-              </a:rPr>
-              <a:t>、标准是 </a:t>
-            </a:r>
-            <a:r>
-              <a:rPr lang="en-US" altLang="zh-CN" sz="1200" b="0" i="0" kern="1200" dirty="0" smtClean="0">
-                <a:solidFill>
-                  <a:schemeClr val="tx1"/>
-                </a:solidFill>
-                <a:latin typeface="+mn-lt"/>
-                <a:ea typeface="+mn-ea"/>
-                <a:cs typeface="+mn-cs"/>
-              </a:rPr>
-              <a:t>2.9</a:t>
-            </a:r>
-            <a:r>
-              <a:rPr lang="zh-CN" altLang="en-US" sz="1200" b="0" i="0" kern="1200" dirty="0" smtClean="0">
-                <a:solidFill>
-                  <a:schemeClr val="tx1"/>
-                </a:solidFill>
-                <a:latin typeface="+mn-lt"/>
-                <a:ea typeface="+mn-ea"/>
-                <a:cs typeface="+mn-cs"/>
-              </a:rPr>
-              <a:t>亿人民币，看来要先定一个小目标，比如赚它一个亿元，这样才容易实现财务自由了。</a:t>
-            </a:r>
-            <a:r>
-              <a:rPr lang="zh-CN" altLang="en-US" sz="1200" b="1" i="0" kern="1200" dirty="0" smtClean="0">
-                <a:solidFill>
-                  <a:schemeClr val="tx1"/>
-                </a:solidFill>
-                <a:latin typeface="+mn-lt"/>
-                <a:ea typeface="+mn-ea"/>
-                <a:cs typeface="+mn-cs"/>
-              </a:rPr>
-              <a:t>想要实现财富自由，你要把你的财富组成一个能够自行运转的系统，那么，你的财富就会像机器人一样，源源不断地给你提供新的产出，享受财富带来的乐趣的同时，你也不必担心自己会“坐吃山空”。</a:t>
-            </a:r>
-            <a:endParaRPr lang="en-US" altLang="zh-CN" sz="1200" b="0" i="0" kern="1200" dirty="0" smtClean="0">
-              <a:solidFill>
-                <a:schemeClr val="tx1"/>
-              </a:solidFill>
-              <a:latin typeface="+mn-lt"/>
-              <a:ea typeface="+mn-ea"/>
-              <a:cs typeface="+mn-cs"/>
-            </a:endParaRPr>
-          </a:p>
-          <a:p>
-            <a:r>
-              <a:rPr lang="en-US" altLang="zh-CN" sz="1200" b="0" i="0" kern="1200" dirty="0" smtClean="0">
-                <a:solidFill>
-                  <a:schemeClr val="tx1"/>
-                </a:solidFill>
-                <a:latin typeface="+mn-lt"/>
-                <a:ea typeface="+mn-ea"/>
-                <a:cs typeface="+mn-cs"/>
-              </a:rPr>
-              <a:t>2</a:t>
-            </a:r>
-            <a:r>
-              <a:rPr lang="zh-CN" altLang="en-US" sz="1200" b="0" i="0" kern="1200" dirty="0" smtClean="0">
-                <a:solidFill>
-                  <a:schemeClr val="tx1"/>
-                </a:solidFill>
-                <a:latin typeface="+mn-lt"/>
-                <a:ea typeface="+mn-ea"/>
-                <a:cs typeface="+mn-cs"/>
-              </a:rPr>
-              <a:t>、去年有一个话题：“逃离北上广深”。想想这么多年为了自由奋斗，在追求财务自由的路上，失去了自由</a:t>
-            </a:r>
-            <a:r>
-              <a:rPr lang="en-US" altLang="zh-CN" sz="1200" b="0" i="0" kern="1200" dirty="0" smtClean="0">
-                <a:solidFill>
-                  <a:schemeClr val="tx1"/>
-                </a:solidFill>
-                <a:latin typeface="+mn-lt"/>
-                <a:ea typeface="+mn-ea"/>
-                <a:cs typeface="+mn-cs"/>
-              </a:rPr>
-              <a:t>,</a:t>
-            </a:r>
-            <a:r>
-              <a:rPr lang="zh-CN" altLang="en-US" sz="1200" b="0" i="0" kern="1200" dirty="0" smtClean="0">
-                <a:solidFill>
-                  <a:schemeClr val="tx1"/>
-                </a:solidFill>
-                <a:latin typeface="+mn-lt"/>
-                <a:ea typeface="+mn-ea"/>
-                <a:cs typeface="+mn-cs"/>
-              </a:rPr>
-              <a:t>这一刻是不是觉得自己从未自由过。那些前半生在北上广打拼挣钱，三四十岁后去三四线城市生活的人。只要国家大的形势保持稳定，他们可以很自由。</a:t>
-            </a:r>
-            <a:r>
-              <a:rPr lang="zh-CN" altLang="en-US" sz="1200" b="1" i="0" kern="1200" dirty="0" smtClean="0">
-                <a:solidFill>
-                  <a:schemeClr val="tx1"/>
-                </a:solidFill>
-                <a:latin typeface="+mn-lt"/>
-                <a:ea typeface="+mn-ea"/>
-                <a:cs typeface="+mn-cs"/>
-              </a:rPr>
-              <a:t>贫富差距在最近几十年来越来越大，主要原因在于资本收入相对劳动收入增长过快。我分析过，</a:t>
-            </a:r>
-            <a:r>
-              <a:rPr lang="en-US" altLang="zh-CN" sz="1200" b="1" i="0" kern="1200" dirty="0" smtClean="0">
-                <a:solidFill>
-                  <a:schemeClr val="tx1"/>
-                </a:solidFill>
-                <a:latin typeface="+mn-lt"/>
-                <a:ea typeface="+mn-ea"/>
-                <a:cs typeface="+mn-cs"/>
-              </a:rPr>
-              <a:t>2.9</a:t>
-            </a:r>
-            <a:r>
-              <a:rPr lang="zh-CN" altLang="en-US" sz="1200" b="1" i="0" kern="1200" dirty="0" smtClean="0">
-                <a:solidFill>
-                  <a:schemeClr val="tx1"/>
-                </a:solidFill>
-                <a:latin typeface="+mn-lt"/>
-                <a:ea typeface="+mn-ea"/>
-                <a:cs typeface="+mn-cs"/>
-              </a:rPr>
-              <a:t>亿元比较难实现，但财务自由可以实现。</a:t>
-            </a:r>
-            <a:endParaRPr lang="zh-CN" altLang="en-US" sz="1200" b="0" i="0" kern="1200" dirty="0" smtClean="0">
-              <a:solidFill>
-                <a:schemeClr val="tx1"/>
-              </a:solidFill>
-              <a:latin typeface="+mn-lt"/>
-              <a:ea typeface="+mn-ea"/>
-              <a:cs typeface="+mn-cs"/>
-            </a:endParaRPr>
-          </a:p>
-          <a:p>
-            <a:r>
-              <a:rPr lang="zh-CN" altLang="en-US" dirty="0" smtClean="0"/>
-              <a:t/>
-            </a:r>
-            <a:br>
-              <a:rPr lang="zh-CN" altLang="en-US" dirty="0" smtClean="0"/>
-            </a:br>
-            <a:endParaRPr lang="zh-CN" altLang="en-US" sz="1200" b="0" i="0" kern="1200" dirty="0" smtClean="0">
-              <a:solidFill>
-                <a:schemeClr val="tx1"/>
-              </a:solidFill>
-              <a:latin typeface="+mn-lt"/>
-              <a:ea typeface="+mn-ea"/>
-              <a:cs typeface="+mn-cs"/>
-            </a:endParaRPr>
-          </a:p>
-          <a:p>
             <a:pPr marL="0" marR="0" indent="0" algn="l" defTabSz="914400" rtl="0" eaLnBrk="1" fontAlgn="auto" latinLnBrk="0" hangingPunct="1">
               <a:lnSpc>
                 <a:spcPct val="100000"/>
@@ -3438,6 +3929,146 @@
               <a:tabLst/>
               <a:defRPr/>
             </a:pPr>
+            <a:r>
+              <a:rPr lang="en-US" altLang="zh-CN" dirty="0" smtClean="0"/>
+              <a:t>1</a:t>
+            </a:r>
+            <a:r>
+              <a:rPr lang="zh-CN" altLang="en-US" dirty="0" smtClean="0"/>
+              <a:t>、当人实现了财务自由后，他不需要工作也能维持自己稳定的生活。这个时候，更多的是思考自己的兴趣爱好。所以说</a:t>
+            </a:r>
+            <a:r>
+              <a:rPr lang="zh-CN" altLang="en-US" sz="1200" dirty="0" smtClean="0"/>
+              <a:t>财务自由是当你不必担忧生活后，过上你真实想要的生活</a:t>
+            </a:r>
+            <a:r>
+              <a:rPr lang="zh-CN" altLang="en-US" sz="1200" dirty="0" smtClean="0"/>
+              <a:t>。</a:t>
+            </a:r>
+            <a:endParaRPr lang="en-US" altLang="zh-CN" sz="1200" dirty="0" smtClean="0"/>
+          </a:p>
+          <a:p>
+            <a:r>
+              <a:rPr lang="en-US" altLang="zh-CN" dirty="0" smtClean="0"/>
+              <a:t>2</a:t>
+            </a:r>
+            <a:r>
+              <a:rPr lang="zh-CN" altLang="en-US" dirty="0" smtClean="0"/>
+              <a:t>、那么，问题来了：什么是你真正想要的？地位、安宁、荣誉、自由、健康、快乐</a:t>
+            </a:r>
+            <a:r>
+              <a:rPr lang="en-US" altLang="zh-CN" dirty="0" smtClean="0"/>
+              <a:t>……</a:t>
+            </a:r>
+            <a:r>
+              <a:rPr lang="zh-CN" altLang="en-US" dirty="0" smtClean="0"/>
+              <a:t>。当你需要养家糊口的时候，精神压力和生活压力也随之而来。当你不必担忧生病、不必担心儿女教育、不必操劳养家糊口，这是一个非常完美的状态。</a:t>
+            </a:r>
+            <a:endParaRPr lang="en-US" altLang="zh-CN" dirty="0" smtClean="0"/>
+          </a:p>
+          <a:p>
+            <a:r>
+              <a:rPr lang="en-US" altLang="zh-CN" sz="1200" b="0" i="0" kern="1200" dirty="0" smtClean="0">
+                <a:solidFill>
+                  <a:schemeClr val="tx1"/>
+                </a:solidFill>
+                <a:latin typeface="+mn-lt"/>
+                <a:ea typeface="+mn-ea"/>
+                <a:cs typeface="+mn-cs"/>
+              </a:rPr>
+              <a:t>3</a:t>
+            </a:r>
+            <a:r>
+              <a:rPr lang="zh-CN" altLang="en-US" sz="1200" b="0" i="0" kern="1200" dirty="0" smtClean="0">
+                <a:solidFill>
+                  <a:schemeClr val="tx1"/>
+                </a:solidFill>
+                <a:latin typeface="+mn-lt"/>
+                <a:ea typeface="+mn-ea"/>
+                <a:cs typeface="+mn-cs"/>
+              </a:rPr>
+              <a:t>、那时候我一直以为，财务自由最大的意义就是可以自由自在地去做各种喜欢的事情。其实。财务自由最大的意义，不是你可以去做你喜欢做的事情。财务自由，意味着你可以选择不做你不喜欢做的事情。</a:t>
+            </a:r>
+            <a:endParaRPr lang="en-US" altLang="zh-CN" sz="1200" b="0" i="0" kern="1200" dirty="0" smtClean="0">
+              <a:solidFill>
+                <a:schemeClr val="tx1"/>
+              </a:solidFill>
+              <a:latin typeface="+mn-lt"/>
+              <a:ea typeface="+mn-ea"/>
+              <a:cs typeface="+mn-cs"/>
+            </a:endParaRPr>
+          </a:p>
+          <a:p>
+            <a:r>
+              <a:rPr lang="en-US" altLang="zh-CN" sz="1200" b="0" i="0" kern="1200" dirty="0" smtClean="0">
+                <a:solidFill>
+                  <a:schemeClr val="tx1"/>
+                </a:solidFill>
+                <a:latin typeface="+mn-lt"/>
+                <a:ea typeface="+mn-ea"/>
+                <a:cs typeface="+mn-cs"/>
+              </a:rPr>
+              <a:t>4</a:t>
+            </a:r>
+            <a:r>
+              <a:rPr lang="zh-CN" altLang="en-US" sz="1200" b="0" i="0" kern="1200" dirty="0" smtClean="0">
+                <a:solidFill>
+                  <a:schemeClr val="tx1"/>
+                </a:solidFill>
+                <a:latin typeface="+mn-lt"/>
+                <a:ea typeface="+mn-ea"/>
+                <a:cs typeface="+mn-cs"/>
+              </a:rPr>
+              <a:t>、这是一个</a:t>
+            </a:r>
+            <a:r>
+              <a:rPr lang="en-US" altLang="zh-CN" sz="1200" b="0" i="0" kern="1200" dirty="0" smtClean="0">
+                <a:solidFill>
+                  <a:schemeClr val="tx1"/>
+                </a:solidFill>
+                <a:latin typeface="+mn-lt"/>
+                <a:ea typeface="+mn-ea"/>
+                <a:cs typeface="+mn-cs"/>
+              </a:rPr>
+              <a:t>say</a:t>
+            </a:r>
+            <a:r>
+              <a:rPr lang="en-US" altLang="zh-CN" sz="1200" b="0" i="0" kern="1200" baseline="0" dirty="0" smtClean="0">
+                <a:solidFill>
+                  <a:schemeClr val="tx1"/>
+                </a:solidFill>
+                <a:latin typeface="+mn-lt"/>
+                <a:ea typeface="+mn-ea"/>
+                <a:cs typeface="+mn-cs"/>
+              </a:rPr>
+              <a:t> no </a:t>
+            </a:r>
+            <a:r>
+              <a:rPr lang="zh-CN" altLang="en-US" sz="1200" b="0" i="0" kern="1200" baseline="0" dirty="0" smtClean="0">
+                <a:solidFill>
+                  <a:schemeClr val="tx1"/>
+                </a:solidFill>
+                <a:latin typeface="+mn-lt"/>
+                <a:ea typeface="+mn-ea"/>
+                <a:cs typeface="+mn-cs"/>
+              </a:rPr>
+              <a:t>的力量。它</a:t>
+            </a:r>
+            <a:r>
+              <a:rPr lang="zh-CN" altLang="en-US" sz="1200" b="1" i="0" kern="1200" dirty="0" smtClean="0">
+                <a:solidFill>
+                  <a:schemeClr val="tx1"/>
+                </a:solidFill>
+                <a:latin typeface="+mn-lt"/>
+                <a:ea typeface="+mn-ea"/>
+                <a:cs typeface="+mn-cs"/>
+              </a:rPr>
+              <a:t>不是让你可以随心所欲，而是你可以掌控自己；不是为所欲为，而是可以有所不为。</a:t>
+            </a:r>
+            <a:r>
+              <a:rPr lang="zh-CN" altLang="en-US" sz="1200" dirty="0" smtClean="0"/>
+              <a:t>得到了生活质量的提升和摆脱恐惧和担忧，得到安全的保障</a:t>
+            </a:r>
             <a:endParaRPr lang="en-US" altLang="zh-CN" sz="1200" b="0" i="0" kern="1200" dirty="0" smtClean="0">
               <a:solidFill>
                 <a:schemeClr val="tx1"/>
@@ -3550,39 +4181,58 @@
             </a:r>
             <a:r>
               <a:rPr lang="zh-CN" altLang="en-US" dirty="0" smtClean="0"/>
-              <a:t>、当人实现了财务自由后，他不需要工作也能维持自己稳定的生活。这个时候，更多的是思考自己的兴趣爱好</a:t>
+              <a:t>、一千</a:t>
             </a:r>
             <a:r>
               <a:rPr lang="zh-CN" altLang="en-US" dirty="0" smtClean="0"/>
-              <a:t>。所以说</a:t>
-            </a:r>
-            <a:r>
-              <a:rPr lang="zh-CN" altLang="en-US" sz="1200" dirty="0" smtClean="0"/>
-              <a:t>财务自由是当你不必担忧生活后，过上你真实想要的生活。</a:t>
-            </a:r>
-            <a:endParaRPr lang="en-US" altLang="zh-CN" sz="1200" dirty="0" smtClean="0"/>
+              <a:t>个读者有一千个</a:t>
+            </a:r>
+            <a:r>
+              <a:rPr lang="zh-CN" altLang="en-US" dirty="0" smtClean="0"/>
+              <a:t>哈姆雷特，活在当下很重要，生于忧患而死于安乐也有道理。</a:t>
+            </a:r>
+            <a:endParaRPr lang="en-US" altLang="zh-CN" dirty="0" smtClean="0"/>
           </a:p>
           <a:p>
+            <a:pPr marL="0" marR="0" indent="0" algn="l" defTabSz="914400" rtl="0" eaLnBrk="1" fontAlgn="auto" latinLnBrk="0" hangingPunct="1">
+              <a:lnSpc>
+                <a:spcPct val="100000"/>
+              </a:lnSpc>
+              <a:spcBef>
+                <a:spcPts val="0"/>
+              </a:spcBef>
+              <a:spcAft>
+                <a:spcPts val="0"/>
+              </a:spcAft>
+              <a:buClrTx/>
+              <a:buSzTx/>
+              <a:buFontTx/>
+              <a:buNone/>
+              <a:tabLst/>
+              <a:defRPr/>
+            </a:pPr>
             <a:r>
               <a:rPr lang="en-US" altLang="zh-CN" dirty="0" smtClean="0"/>
               <a:t>2</a:t>
             </a:r>
             <a:r>
               <a:rPr lang="zh-CN" altLang="en-US" dirty="0" smtClean="0"/>
-              <a:t>、那么，问题来了：什么</a:t>
+              <a:t>、我们</a:t>
             </a:r>
             <a:r>
               <a:rPr lang="zh-CN" altLang="en-US" dirty="0" smtClean="0"/>
-              <a:t>是你真正想要的？地位、安宁、荣誉、自由、健康、快乐</a:t>
-            </a:r>
-            <a:r>
-              <a:rPr lang="en-US" altLang="zh-CN" dirty="0" smtClean="0"/>
-              <a:t>……</a:t>
-            </a:r>
-          </a:p>
-          <a:p>
-            <a:r>
-              <a:rPr lang="en-US" altLang="zh-CN" sz="1200" b="0" i="0" kern="1200" dirty="0" smtClean="0">
+              <a:t>为什么要追求财务自由？</a:t>
+            </a:r>
+            <a:r>
+              <a:rPr lang="zh-CN" altLang="en-US" sz="1200" b="1" dirty="0" smtClean="0"/>
+              <a:t>让感情回归纯粹，不为钱所累，爱好回归乐趣，不为钱折腰，活成自己喜欢的样子，让消费回归享受，不为钱所苦</a:t>
+            </a:r>
+            <a:r>
+              <a:rPr lang="zh-CN" altLang="en-US" sz="1200" b="1" dirty="0" smtClean="0"/>
+              <a:t>。</a:t>
+            </a:r>
+            <a:r>
+              <a:rPr lang="zh-CN" altLang="en-US" sz="1200" b="0" i="0" kern="1200" dirty="0" smtClean="0">
                 <a:solidFill>
                   <a:schemeClr val="tx1"/>
                 </a:solidFill>
@@ -3590,7 +4240,7 @@
                 <a:ea typeface="+mn-ea"/>
                 <a:cs typeface="+mn-cs"/>
               </a:rPr>
-              <a:t>3</a:t>
+              <a:t>所谓</a:t>
             </a:r>
             <a:r>
               <a:rPr lang="zh-CN" altLang="en-US" sz="1200" b="0" i="0" kern="1200" dirty="0" smtClean="0">
@@ -3601,20 +4251,10 @@
                 <a:ea typeface="+mn-ea"/>
                 <a:cs typeface="+mn-cs"/>
               </a:rPr>
-              <a:t>、那时候我一直以为，财务自由最大的意义就是可以自由自在地去做各种喜欢的事情。其实。财务自由最大的意义，不是你可以去做你喜欢做的事情。财务自由，意味着你可以选择不做你不喜欢做的事情。</a:t>
-            </a:r>
-            <a:endParaRPr lang="en-US" altLang="zh-CN" sz="1200" b="0" i="0" kern="1200" dirty="0" smtClean="0">
-              <a:solidFill>
-                <a:schemeClr val="tx1"/>
-              </a:solidFill>
-              <a:latin typeface="+mn-lt"/>
-              <a:ea typeface="+mn-ea"/>
-              <a:cs typeface="+mn-cs"/>
-            </a:endParaRPr>
-          </a:p>
-          <a:p>
-            <a:r>
-              <a:rPr lang="en-US" altLang="zh-CN" sz="1200" b="0" i="0" kern="1200" dirty="0" smtClean="0">
+              <a:t>自由，就是一个人可以按自己的意愿去生活，自己给自己作主</a:t>
+            </a:r>
+            <a:r>
+              <a:rPr lang="zh-CN" altLang="en-US" sz="1200" b="0" i="0" kern="1200" dirty="0" smtClean="0">
                 <a:solidFill>
                   <a:schemeClr val="tx1"/>
                 </a:solidFill>
@@ -3622,7 +4262,7 @@
                 <a:ea typeface="+mn-ea"/>
                 <a:cs typeface="+mn-cs"/>
               </a:rPr>
-              <a:t>4</a:t>
+              <a:t>。再</a:t>
             </a:r>
             <a:r>
               <a:rPr lang="zh-CN" altLang="en-US" sz="1200" b="0" i="0" kern="1200" dirty="0" smtClean="0">
@@ -3633,64 +4273,12 @@
                 <a:ea typeface="+mn-ea"/>
                 <a:cs typeface="+mn-cs"/>
               </a:rPr>
-              <a:t>、这是一个</a:t>
-            </a:r>
-            <a:r>
-              <a:rPr lang="en-US" altLang="zh-CN" sz="1200" b="0" i="0" kern="1200" dirty="0" smtClean="0">
-                <a:solidFill>
-                  <a:schemeClr val="tx1"/>
-                </a:solidFill>
-                <a:latin typeface="+mn-lt"/>
-                <a:ea typeface="+mn-ea"/>
-                <a:cs typeface="+mn-cs"/>
-              </a:rPr>
-              <a:t>say</a:t>
-            </a:r>
-            <a:r>
-              <a:rPr lang="en-US" altLang="zh-CN" sz="1200" b="0" i="0" kern="1200" baseline="0" dirty="0" smtClean="0">
-                <a:solidFill>
-                  <a:schemeClr val="tx1"/>
-                </a:solidFill>
-                <a:latin typeface="+mn-lt"/>
-                <a:ea typeface="+mn-ea"/>
-                <a:cs typeface="+mn-cs"/>
-              </a:rPr>
-              <a:t> no </a:t>
-            </a:r>
-            <a:r>
-              <a:rPr lang="zh-CN" altLang="en-US" sz="1200" b="0" i="0" kern="1200" baseline="0" dirty="0" smtClean="0">
-                <a:solidFill>
-                  <a:schemeClr val="tx1"/>
-                </a:solidFill>
-                <a:latin typeface="+mn-lt"/>
-                <a:ea typeface="+mn-ea"/>
-                <a:cs typeface="+mn-cs"/>
-              </a:rPr>
-              <a:t>的力量。它</a:t>
-            </a:r>
-            <a:r>
-              <a:rPr lang="zh-CN" altLang="en-US" sz="1200" b="1" i="0" kern="1200" dirty="0" smtClean="0">
-                <a:solidFill>
-                  <a:schemeClr val="tx1"/>
-                </a:solidFill>
-                <a:latin typeface="+mn-lt"/>
-                <a:ea typeface="+mn-ea"/>
-                <a:cs typeface="+mn-cs"/>
-              </a:rPr>
-              <a:t>不是让你可以随心所欲，而是你可以掌控自己；不是为所欲为，而是可以有所不为。</a:t>
-            </a:r>
-            <a:r>
-              <a:rPr lang="zh-CN" altLang="en-US" sz="1200" dirty="0" smtClean="0"/>
-              <a:t>得到了生活质量的提升和摆脱恐惧和担忧，得到安全的保障</a:t>
-            </a:r>
-            <a:endParaRPr lang="en-US" altLang="zh-CN" sz="1200" b="0" i="0" kern="1200" dirty="0" smtClean="0">
-              <a:solidFill>
-                <a:schemeClr val="tx1"/>
-              </a:solidFill>
-              <a:latin typeface="+mn-lt"/>
-              <a:ea typeface="+mn-ea"/>
-              <a:cs typeface="+mn-cs"/>
-            </a:endParaRPr>
+              <a:t>回头看到“财务自由”这几个字，原来说的是不是财务，而是自由。</a:t>
+            </a:r>
+            <a:endParaRPr lang="en-US" altLang="zh-CN" dirty="0" smtClean="0"/>
+          </a:p>
+          <a:p>
+            <a:endParaRPr lang="en-US" altLang="zh-CN" dirty="0" smtClean="0"/>
           </a:p>
         </p:txBody>
       </p:sp>
@@ -3748,7 +4336,7 @@
           <p:cNvPr id="2" name="矩形 1">
             <a:extLst>
               <a:ext uri="{FF2B5EF4-FFF2-40B4-BE49-F238E27FC236}">
-                <a16:creationId xmlns:a16="http://schemas.microsoft.com/office/drawing/2014/main" xmlns="" id="{FE720040-6A73-4D7E-88A3-11A25FE289F6}"/>
+                <a16:creationId xmlns="" xmlns:a16="http://schemas.microsoft.com/office/drawing/2014/main" id="{FE720040-6A73-4D7E-88A3-11A25FE289F6}"/>
               </a:ext>
             </a:extLst>
           </p:cNvPr>
@@ -3799,7 +4387,7 @@
     </p:spTree>
     <p:extLst>
       <p:ext uri="{BB962C8B-B14F-4D97-AF65-F5344CB8AC3E}">
-        <p14:creationId xmlns:p14="http://schemas.microsoft.com/office/powerpoint/2010/main" xmlns="" val="2957361615"/>
+        <p14:creationId xmlns="" xmlns:p14="http://schemas.microsoft.com/office/powerpoint/2010/main" val="2957361615"/>
       </p:ext>
     </p:extLst>
   </p:cSld>
@@ -3831,7 +4419,7 @@
           <p:cNvPr id="4" name="矩形 3">
             <a:extLst>
               <a:ext uri="{FF2B5EF4-FFF2-40B4-BE49-F238E27FC236}">
-                <a16:creationId xmlns:a16="http://schemas.microsoft.com/office/drawing/2014/main" xmlns="" id="{727F4D38-7936-420D-BB2A-2AB2DA277905}"/>
+                <a16:creationId xmlns="" xmlns:a16="http://schemas.microsoft.com/office/drawing/2014/main" id="{727F4D38-7936-420D-BB2A-2AB2DA277905}"/>
               </a:ext>
             </a:extLst>
           </p:cNvPr>
@@ -3884,7 +4472,7 @@
           <p:cNvPr id="10" name="矩形 9">
             <a:extLst>
               <a:ext uri="{FF2B5EF4-FFF2-40B4-BE49-F238E27FC236}">
-                <a16:creationId xmlns:a16="http://schemas.microsoft.com/office/drawing/2014/main" xmlns="" id="{BF2368AD-72E6-411D-8E44-8798DE8DE854}"/>
+                <a16:creationId xmlns="" xmlns:a16="http://schemas.microsoft.com/office/drawing/2014/main" id="{BF2368AD-72E6-411D-8E44-8798DE8DE854}"/>
               </a:ext>
             </a:extLst>
           </p:cNvPr>
@@ -3933,7 +4521,7 @@
           <p:cNvPr id="11" name="组合 10">
             <a:extLst>
               <a:ext uri="{FF2B5EF4-FFF2-40B4-BE49-F238E27FC236}">
-                <a16:creationId xmlns:a16="http://schemas.microsoft.com/office/drawing/2014/main" xmlns="" id="{A7555473-BEC3-4523-99BC-DDEFB4A6AE0E}"/>
+                <a16:creationId xmlns="" xmlns:a16="http://schemas.microsoft.com/office/drawing/2014/main" id="{A7555473-BEC3-4523-99BC-DDEFB4A6AE0E}"/>
               </a:ext>
             </a:extLst>
           </p:cNvPr>
@@ -3953,7 +4541,7 @@
             <p:cNvPr id="12" name="图片 11">
               <a:extLst>
                 <a:ext uri="{FF2B5EF4-FFF2-40B4-BE49-F238E27FC236}">
-                  <a16:creationId xmlns:a16="http://schemas.microsoft.com/office/drawing/2014/main" xmlns="" id="{8D41D6E8-4E63-404B-BE01-AFDAC7B49A50}"/>
+                  <a16:creationId xmlns="" xmlns:a16="http://schemas.microsoft.com/office/drawing/2014/main" id="{8D41D6E8-4E63-404B-BE01-AFDAC7B49A50}"/>
                 </a:ext>
               </a:extLst>
             </p:cNvPr>
@@ -3966,7 +4554,7 @@
             <a:blip r:embed="rId2" cstate="print">
               <a:extLst>
                 <a:ext uri="{28A0092B-C50C-407E-A947-70E740481C1C}">
-                  <a14:useLocalDpi xmlns:a14="http://schemas.microsoft.com/office/drawing/2010/main" xmlns="" val="0"/>
+                  <a14:useLocalDpi xmlns="" xmlns:a14="http://schemas.microsoft.com/office/drawing/2010/main" val="0"/>
                 </a:ext>
               </a:extLst>
             </a:blip>
@@ -3989,7 +4577,7 @@
             <p:cNvPr id="15" name="Freeform 197" descr="e7d195523061f1c03a90ee8e42cb24248e56383cd534985688F9F494128731F165EE95AB4B0C0A38076AAEA07667B1565C446FC45FF01DFB0E885BCDBDF3A284F3DB14DA61DD97F0BAB2E6C668FB4931659DCAC52277681B35A97A58EB1CDE1A30E511E1F70EEB23193653529328E29B82636547E25AC41088D20F0A52114429D13EF1D12E4FBA26373564D4CAB325C9">
               <a:extLst>
                 <a:ext uri="{FF2B5EF4-FFF2-40B4-BE49-F238E27FC236}">
-                  <a16:creationId xmlns:a16="http://schemas.microsoft.com/office/drawing/2014/main" xmlns="" id="{693A3A7E-8A6F-43C4-8924-BE4267DA1AFA}"/>
+                  <a16:creationId xmlns="" xmlns:a16="http://schemas.microsoft.com/office/drawing/2014/main" id="{693A3A7E-8A6F-43C4-8924-BE4267DA1AFA}"/>
                 </a:ext>
               </a:extLst>
             </p:cNvPr>
@@ -4497,7 +5085,7 @@
           <p:cNvPr id="16" name="文本框 17" descr="e7d195523061f1c03a90ee8e42cb24248e56383cd534985688F9F494128731F165EE95AB4B0C0A38076AAEA07667B1565C446FC45FF01DFB0E885BCDBDF3A284F3DB14DA61DD97F0BAB2E6C668FB4931659DCAC52277681B35A97A58EB1CDE1A30E511E1F70EEB23193653529328E29B82636547E25AC41088D20F0A52114429D13EF1D12E4FBA26373564D4CAB325C9">
             <a:extLst>
               <a:ext uri="{FF2B5EF4-FFF2-40B4-BE49-F238E27FC236}">
-                <a16:creationId xmlns:a16="http://schemas.microsoft.com/office/drawing/2014/main" xmlns="" id="{DC8306CE-23BC-43E0-B271-F7BDFAD2BE97}"/>
+                <a16:creationId xmlns="" xmlns:a16="http://schemas.microsoft.com/office/drawing/2014/main" id="{DC8306CE-23BC-43E0-B271-F7BDFAD2BE97}"/>
               </a:ext>
             </a:extLst>
           </p:cNvPr>
@@ -4703,7 +5291,7 @@
     </p:spTree>
     <p:extLst>
       <p:ext uri="{BB962C8B-B14F-4D97-AF65-F5344CB8AC3E}">
-        <p14:creationId xmlns:p14="http://schemas.microsoft.com/office/powerpoint/2010/main" xmlns="" val="1252666115"/>
+        <p14:creationId xmlns="" xmlns:p14="http://schemas.microsoft.com/office/powerpoint/2010/main" val="1252666115"/>
       </p:ext>
     </p:extLst>
   </p:cSld>
@@ -4735,7 +5323,7 @@
           <p:cNvPr id="12" name="矩形 11">
             <a:extLst>
               <a:ext uri="{FF2B5EF4-FFF2-40B4-BE49-F238E27FC236}">
-                <a16:creationId xmlns:a16="http://schemas.microsoft.com/office/drawing/2014/main" xmlns="" id="{A2934E02-885F-4DE5-A8CD-A0B755BCF10C}"/>
+                <a16:creationId xmlns="" xmlns:a16="http://schemas.microsoft.com/office/drawing/2014/main" id="{A2934E02-885F-4DE5-A8CD-A0B755BCF10C}"/>
               </a:ext>
             </a:extLst>
           </p:cNvPr>
@@ -4788,7 +5376,7 @@
           <p:cNvPr id="3" name="组合 2">
             <a:extLst>
               <a:ext uri="{FF2B5EF4-FFF2-40B4-BE49-F238E27FC236}">
-                <a16:creationId xmlns:a16="http://schemas.microsoft.com/office/drawing/2014/main" xmlns="" id="{35C4FA5F-A368-4CE1-B551-429560142B43}"/>
+                <a16:creationId xmlns="" xmlns:a16="http://schemas.microsoft.com/office/drawing/2014/main" id="{35C4FA5F-A368-4CE1-B551-429560142B43}"/>
               </a:ext>
             </a:extLst>
           </p:cNvPr>
@@ -4808,7 +5396,7 @@
             <p:cNvPr id="4" name="文本框 17" descr="e7d195523061f1c03a90ee8e42cb24248e56383cd534985688F9F494128731F165EE95AB4B0C0A38076AAEA07667B1565C446FC45FF01DFB0E885BCDBDF3A284F3DB14DA61DD97F0BAB2E6C668FB4931659DCAC52277681B35A97A58EB1CDE1A30E511E1F70EEB23193653529328E29B82636547E25AC41088D20F0A52114429D13EF1D12E4FBA26373564D4CAB325C9">
               <a:extLst>
                 <a:ext uri="{FF2B5EF4-FFF2-40B4-BE49-F238E27FC236}">
-                  <a16:creationId xmlns:a16="http://schemas.microsoft.com/office/drawing/2014/main" xmlns="" id="{D9028075-8FE7-4A48-8137-1C92E6CFA414}"/>
+                  <a16:creationId xmlns="" xmlns:a16="http://schemas.microsoft.com/office/drawing/2014/main" id="{D9028075-8FE7-4A48-8137-1C92E6CFA414}"/>
                 </a:ext>
               </a:extLst>
             </p:cNvPr>
@@ -5016,7 +5604,7 @@
             <p:cNvPr id="5" name="Freeform 197" descr="e7d195523061f1c03a90ee8e42cb24248e56383cd534985688F9F494128731F165EE95AB4B0C0A38076AAEA07667B1565C446FC45FF01DFB0E885BCDBDF3A284F3DB14DA61DD97F0BAB2E6C668FB4931659DCAC52277681B35A97A58EB1CDE1A30E511E1F70EEB23193653529328E29B82636547E25AC41088D20F0A52114429D13EF1D12E4FBA26373564D4CAB325C9">
               <a:extLst>
                 <a:ext uri="{FF2B5EF4-FFF2-40B4-BE49-F238E27FC236}">
-                  <a16:creationId xmlns:a16="http://schemas.microsoft.com/office/drawing/2014/main" xmlns="" id="{F0EFBFDE-6013-42FF-91E7-778DBD6B7790}"/>
+                  <a16:creationId xmlns="" xmlns:a16="http://schemas.microsoft.com/office/drawing/2014/main" id="{F0EFBFDE-6013-42FF-91E7-778DBD6B7790}"/>
                 </a:ext>
               </a:extLst>
             </p:cNvPr>
@@ -5522,7 +6110,7 @@
             <p:cNvPr id="6" name="图片 5">
               <a:extLst>
                 <a:ext uri="{FF2B5EF4-FFF2-40B4-BE49-F238E27FC236}">
-                  <a16:creationId xmlns:a16="http://schemas.microsoft.com/office/drawing/2014/main" xmlns="" id="{F41DDECF-8C72-49B8-A170-462E1808EE82}"/>
+                  <a16:creationId xmlns="" xmlns:a16="http://schemas.microsoft.com/office/drawing/2014/main" id="{F41DDECF-8C72-49B8-A170-462E1808EE82}"/>
                 </a:ext>
               </a:extLst>
             </p:cNvPr>
@@ -5535,7 +6123,7 @@
             <a:blip r:embed="rId2" cstate="screen">
               <a:extLst>
                 <a:ext uri="{28A0092B-C50C-407E-A947-70E740481C1C}">
-                  <a14:useLocalDpi xmlns:a14="http://schemas.microsoft.com/office/drawing/2010/main" xmlns=""/>
+                  <a14:useLocalDpi xmlns="" xmlns:a14="http://schemas.microsoft.com/office/drawing/2010/main"/>
                 </a:ext>
               </a:extLst>
             </a:blip>
@@ -5557,7 +6145,7 @@
     </p:spTree>
     <p:extLst>
       <p:ext uri="{BB962C8B-B14F-4D97-AF65-F5344CB8AC3E}">
-        <p14:creationId xmlns:p14="http://schemas.microsoft.com/office/powerpoint/2010/main" xmlns="" val="681434284"/>
+        <p14:creationId xmlns="" xmlns:p14="http://schemas.microsoft.com/office/powerpoint/2010/main" val="681434284"/>
       </p:ext>
     </p:extLst>
   </p:cSld>
@@ -5697,7 +6285,7 @@
             <a:fld id="{B1319713-D4D7-42AA-83A4-99C7908F9AC2}" type="datetimeFigureOut">
               <a:rPr lang="zh-CN" altLang="en-US" smtClean="0"/>
               <a:pPr/>
-              <a:t>2019/4/25</a:t>
+              <a:t>2019/4/27</a:t>
             </a:fld>
             <a:endParaRPr lang="zh-CN" altLang="en-US" dirty="0"/>
           </a:p>
@@ -5749,7 +6337,7 @@
     </p:spTree>
     <p:extLst>
       <p:ext uri="{BB962C8B-B14F-4D97-AF65-F5344CB8AC3E}">
-        <p14:creationId xmlns:p14="http://schemas.microsoft.com/office/powerpoint/2010/main" xmlns="" val="913174607"/>
+        <p14:creationId xmlns="" xmlns:p14="http://schemas.microsoft.com/office/powerpoint/2010/main" val="913174607"/>
       </p:ext>
     </p:extLst>
   </p:cSld>
@@ -5793,7 +6381,7 @@
     </p:spTree>
     <p:extLst>
       <p:ext uri="{BB962C8B-B14F-4D97-AF65-F5344CB8AC3E}">
-        <p14:creationId xmlns:p14="http://schemas.microsoft.com/office/powerpoint/2010/main" xmlns="" val="3673115167"/>
+        <p14:creationId xmlns="" xmlns:p14="http://schemas.microsoft.com/office/powerpoint/2010/main" val="3673115167"/>
       </p:ext>
     </p:extLst>
   </p:cSld>
@@ -6109,7 +6697,7 @@
           <p:cNvPr id="5" name="图片 4" descr="图片包含 户外, 天空, 建筑物, 时钟&#10;&#10;已生成极高可信度的说明">
             <a:extLst>
               <a:ext uri="{FF2B5EF4-FFF2-40B4-BE49-F238E27FC236}">
-                <a16:creationId xmlns:a16="http://schemas.microsoft.com/office/drawing/2014/main" xmlns="" id="{E742670A-5F99-4FC0-B09D-715419AF7596}"/>
+                <a16:creationId xmlns="" xmlns:a16="http://schemas.microsoft.com/office/drawing/2014/main" id="{E742670A-5F99-4FC0-B09D-715419AF7596}"/>
               </a:ext>
             </a:extLst>
           </p:cNvPr>
@@ -6122,7 +6710,7 @@
           <a:blip r:embed="rId3" cstate="screen">
             <a:extLst>
               <a:ext uri="{28A0092B-C50C-407E-A947-70E740481C1C}">
-                <a14:useLocalDpi xmlns:a14="http://schemas.microsoft.com/office/drawing/2010/main" xmlns="" val="0"/>
+                <a14:useLocalDpi xmlns="" xmlns:a14="http://schemas.microsoft.com/office/drawing/2010/main" val="0"/>
               </a:ext>
             </a:extLst>
           </a:blip>
@@ -6144,7 +6732,7 @@
           <p:cNvPr id="22" name="任意多边形: 形状 21">
             <a:extLst>
               <a:ext uri="{FF2B5EF4-FFF2-40B4-BE49-F238E27FC236}">
-                <a16:creationId xmlns:a16="http://schemas.microsoft.com/office/drawing/2014/main" xmlns="" id="{8B512DC7-300D-4210-A41E-42FB36991E9E}"/>
+                <a16:creationId xmlns="" xmlns:a16="http://schemas.microsoft.com/office/drawing/2014/main" id="{8B512DC7-300D-4210-A41E-42FB36991E9E}"/>
               </a:ext>
             </a:extLst>
           </p:cNvPr>
@@ -6249,7 +6837,7 @@
           <p:cNvPr id="15" name="文本框 14">
             <a:extLst>
               <a:ext uri="{FF2B5EF4-FFF2-40B4-BE49-F238E27FC236}">
-                <a16:creationId xmlns:a16="http://schemas.microsoft.com/office/drawing/2014/main" xmlns="" id="{CF7CF6A1-F42F-4345-8E65-512E3468ABDA}"/>
+                <a16:creationId xmlns="" xmlns:a16="http://schemas.microsoft.com/office/drawing/2014/main" id="{CF7CF6A1-F42F-4345-8E65-512E3468ABDA}"/>
               </a:ext>
             </a:extLst>
           </p:cNvPr>
@@ -6297,7 +6885,7 @@
           <p:cNvPr id="16" name="文本框 15">
             <a:extLst>
               <a:ext uri="{FF2B5EF4-FFF2-40B4-BE49-F238E27FC236}">
-                <a16:creationId xmlns:a16="http://schemas.microsoft.com/office/drawing/2014/main" xmlns="" id="{E3C4B4E8-ECCF-4E52-9071-7F4A94909060}"/>
+                <a16:creationId xmlns="" xmlns:a16="http://schemas.microsoft.com/office/drawing/2014/main" id="{E3C4B4E8-ECCF-4E52-9071-7F4A94909060}"/>
               </a:ext>
             </a:extLst>
           </p:cNvPr>
@@ -6338,7 +6926,7 @@
           <p:cNvPr id="17" name="文本框 16">
             <a:extLst>
               <a:ext uri="{FF2B5EF4-FFF2-40B4-BE49-F238E27FC236}">
-                <a16:creationId xmlns:a16="http://schemas.microsoft.com/office/drawing/2014/main" xmlns="" id="{7E55C8BE-7C88-4A39-9A21-F62BEB66A5C6}"/>
+                <a16:creationId xmlns="" xmlns:a16="http://schemas.microsoft.com/office/drawing/2014/main" id="{7E55C8BE-7C88-4A39-9A21-F62BEB66A5C6}"/>
               </a:ext>
             </a:extLst>
           </p:cNvPr>
@@ -6389,7 +6977,7 @@
           <p:cNvPr id="18" name="文本框 17">
             <a:extLst>
               <a:ext uri="{FF2B5EF4-FFF2-40B4-BE49-F238E27FC236}">
-                <a16:creationId xmlns:a16="http://schemas.microsoft.com/office/drawing/2014/main" xmlns="" id="{E686CBDB-D9D1-4811-9A5B-F924146BFAE3}"/>
+                <a16:creationId xmlns="" xmlns:a16="http://schemas.microsoft.com/office/drawing/2014/main" id="{E686CBDB-D9D1-4811-9A5B-F924146BFAE3}"/>
               </a:ext>
             </a:extLst>
           </p:cNvPr>
@@ -6456,7 +7044,7 @@
           <p:cNvPr id="23" name="任意多边形: 形状 22">
             <a:extLst>
               <a:ext uri="{FF2B5EF4-FFF2-40B4-BE49-F238E27FC236}">
-                <a16:creationId xmlns:a16="http://schemas.microsoft.com/office/drawing/2014/main" xmlns="" id="{2AB7E925-98D4-4048-93D2-B55FDA2BA567}"/>
+                <a16:creationId xmlns="" xmlns:a16="http://schemas.microsoft.com/office/drawing/2014/main" id="{2AB7E925-98D4-4048-93D2-B55FDA2BA567}"/>
               </a:ext>
             </a:extLst>
           </p:cNvPr>
@@ -6549,7 +7137,7 @@
     </p:spTree>
     <p:extLst>
       <p:ext uri="{BB962C8B-B14F-4D97-AF65-F5344CB8AC3E}">
-        <p14:creationId xmlns:p14="http://schemas.microsoft.com/office/powerpoint/2010/main" xmlns="" val="2097106355"/>
+        <p14:creationId xmlns="" xmlns:p14="http://schemas.microsoft.com/office/powerpoint/2010/main" val="2097106355"/>
       </p:ext>
     </p:extLst>
   </p:cSld>
@@ -6588,7 +7176,7 @@
           <p:cNvPr id="2" name="组合 1">
             <a:extLst>
               <a:ext uri="{FF2B5EF4-FFF2-40B4-BE49-F238E27FC236}">
-                <a16:creationId xmlns:a16="http://schemas.microsoft.com/office/drawing/2014/main" xmlns="" id="{E50DEB0B-1C12-44D1-AAA1-F4E0A4F19E17}"/>
+                <a16:creationId xmlns="" xmlns:a16="http://schemas.microsoft.com/office/drawing/2014/main" id="{E50DEB0B-1C12-44D1-AAA1-F4E0A4F19E17}"/>
               </a:ext>
             </a:extLst>
           </p:cNvPr>
@@ -6608,7 +7196,7 @@
             <p:cNvPr id="7" name="矩形 6">
               <a:extLst>
                 <a:ext uri="{FF2B5EF4-FFF2-40B4-BE49-F238E27FC236}">
-                  <a16:creationId xmlns:a16="http://schemas.microsoft.com/office/drawing/2014/main" xmlns="" id="{D5213AAE-A69E-40F7-931A-4EAD7707F511}"/>
+                  <a16:creationId xmlns="" xmlns:a16="http://schemas.microsoft.com/office/drawing/2014/main" id="{D5213AAE-A69E-40F7-931A-4EAD7707F511}"/>
                 </a:ext>
               </a:extLst>
             </p:cNvPr>
@@ -6657,7 +7245,7 @@
             <p:cNvPr id="8" name="矩形 7">
               <a:extLst>
                 <a:ext uri="{FF2B5EF4-FFF2-40B4-BE49-F238E27FC236}">
-                  <a16:creationId xmlns:a16="http://schemas.microsoft.com/office/drawing/2014/main" xmlns="" id="{F74F58D4-5D9A-43AA-A842-4414D43E7D86}"/>
+                  <a16:creationId xmlns="" xmlns:a16="http://schemas.microsoft.com/office/drawing/2014/main" id="{F74F58D4-5D9A-43AA-A842-4414D43E7D86}"/>
                 </a:ext>
               </a:extLst>
             </p:cNvPr>
@@ -6711,442 +7299,7 @@
           <p:cNvPr id="28" name="TextBox 9">
             <a:extLst>
               <a:ext uri="{FF2B5EF4-FFF2-40B4-BE49-F238E27FC236}">
-                <a16:creationId xmlns:a16="http://schemas.microsoft.com/office/drawing/2014/main" xmlns="" id="{F9620907-505E-4433-8CD6-0B35E582F63E}"/>
-              </a:ext>
-            </a:extLst>
-          </p:cNvPr>
-          <p:cNvSpPr txBox="1"/>
-          <p:nvPr/>
-        </p:nvSpPr>
-        <p:spPr>
-          <a:xfrm>
-            <a:off x="423082" y="406639"/>
-            <a:ext cx="10686197" cy="861774"/>
-          </a:xfrm>
-          <a:prstGeom prst="rect">
-            <a:avLst/>
-          </a:prstGeom>
-          <a:noFill/>
-        </p:spPr>
-        <p:txBody>
-          <a:bodyPr wrap="square" rtlCol="0">
-            <a:spAutoFit/>
-          </a:bodyPr>
-          <a:lstStyle/>
-          <a:p>
-            <a:pPr algn="ctr"/>
-            <a:r>
-              <a:rPr lang="zh-CN" altLang="en-US" sz="3200" dirty="0" smtClean="0">
-                <a:gradFill>
-                  <a:gsLst>
-                    <a:gs pos="100000">
-                      <a:srgbClr val="00469C"/>
-                    </a:gs>
-                    <a:gs pos="0">
-                      <a:srgbClr val="00A0E8"/>
-                    </a:gs>
-                  </a:gsLst>
-                  <a:lin ang="5400000"/>
-                </a:gradFill>
-                <a:latin typeface="微软雅黑" panose="020B0503020204020204" pitchFamily="34" charset="-122"/>
-                <a:ea typeface="微软雅黑" panose="020B0503020204020204" pitchFamily="34" charset="-122"/>
-              </a:rPr>
-              <a:t>为什么要追求财务自由</a:t>
-            </a:r>
-            <a:endParaRPr lang="en-US" altLang="zh-CN" sz="3200" dirty="0">
-              <a:gradFill>
-                <a:gsLst>
-                  <a:gs pos="100000">
-                    <a:srgbClr val="00469C"/>
-                  </a:gs>
-                  <a:gs pos="0">
-                    <a:srgbClr val="00A0E8"/>
-                  </a:gs>
-                </a:gsLst>
-                <a:lin ang="5400000"/>
-              </a:gradFill>
-              <a:latin typeface="微软雅黑" panose="020B0503020204020204" pitchFamily="34" charset="-122"/>
-              <a:ea typeface="微软雅黑" panose="020B0503020204020204" pitchFamily="34" charset="-122"/>
-            </a:endParaRPr>
-          </a:p>
-          <a:p>
-            <a:pPr algn="ctr"/>
-            <a:r>
-              <a:rPr lang="zh-CN" altLang="en-US" dirty="0" smtClean="0">
-                <a:gradFill>
-                  <a:gsLst>
-                    <a:gs pos="100000">
-                      <a:srgbClr val="00469C"/>
-                    </a:gs>
-                    <a:gs pos="0">
-                      <a:srgbClr val="00A0E8"/>
-                    </a:gs>
-                  </a:gsLst>
-                  <a:lin ang="5400000"/>
-                </a:gradFill>
-                <a:latin typeface="微软雅黑 Light" panose="020B0502040204020203" pitchFamily="34" charset="-122"/>
-                <a:ea typeface="微软雅黑 Light" panose="020B0502040204020203" pitchFamily="34" charset="-122"/>
-              </a:rPr>
-              <a:t>追求财务自由的意义</a:t>
-            </a:r>
-            <a:endParaRPr lang="zh-CN" altLang="en-US" dirty="0">
-              <a:gradFill>
-                <a:gsLst>
-                  <a:gs pos="100000">
-                    <a:srgbClr val="00469C"/>
-                  </a:gs>
-                  <a:gs pos="0">
-                    <a:srgbClr val="00A0E8"/>
-                  </a:gs>
-                </a:gsLst>
-                <a:lin ang="5400000"/>
-              </a:gradFill>
-              <a:latin typeface="微软雅黑 Light" panose="020B0502040204020203" pitchFamily="34" charset="-122"/>
-              <a:ea typeface="微软雅黑 Light" panose="020B0502040204020203" pitchFamily="34" charset="-122"/>
-            </a:endParaRPr>
-          </a:p>
-        </p:txBody>
-      </p:sp>
-      <p:sp>
-        <p:nvSpPr>
-          <p:cNvPr id="6" name="TextBox 5"/>
-          <p:cNvSpPr txBox="1"/>
-          <p:nvPr/>
-        </p:nvSpPr>
-        <p:spPr>
-          <a:xfrm>
-            <a:off x="812799" y="5740401"/>
-            <a:ext cx="2954655" cy="461665"/>
-          </a:xfrm>
-          <a:prstGeom prst="rect">
-            <a:avLst/>
-          </a:prstGeom>
-          <a:noFill/>
-        </p:spPr>
-        <p:txBody>
-          <a:bodyPr wrap="none" rtlCol="0">
-            <a:spAutoFit/>
-          </a:bodyPr>
-          <a:lstStyle/>
-          <a:p>
-            <a:r>
-              <a:rPr lang="zh-CN" altLang="en-US" sz="2400" b="1" dirty="0" smtClean="0"/>
-              <a:t>活成自己喜欢的样子</a:t>
-            </a:r>
-            <a:endParaRPr lang="zh-CN" altLang="en-US" sz="2400" b="1" dirty="0"/>
-          </a:p>
-        </p:txBody>
-      </p:sp>
-      <p:sp>
-        <p:nvSpPr>
-          <p:cNvPr id="9" name="TextBox 8"/>
-          <p:cNvSpPr txBox="1"/>
-          <p:nvPr/>
-        </p:nvSpPr>
-        <p:spPr>
-          <a:xfrm>
-            <a:off x="7687732" y="5774266"/>
-            <a:ext cx="4185761" cy="461665"/>
-          </a:xfrm>
-          <a:prstGeom prst="rect">
-            <a:avLst/>
-          </a:prstGeom>
-          <a:noFill/>
-        </p:spPr>
-        <p:txBody>
-          <a:bodyPr wrap="none" rtlCol="0">
-            <a:spAutoFit/>
-          </a:bodyPr>
-          <a:lstStyle/>
-          <a:p>
-            <a:r>
-              <a:rPr lang="zh-CN" altLang="en-US" sz="2400" b="1" dirty="0" smtClean="0"/>
-              <a:t>让消费回归享受，不为钱所苦</a:t>
-            </a:r>
-          </a:p>
-        </p:txBody>
-      </p:sp>
-      <p:sp>
-        <p:nvSpPr>
-          <p:cNvPr id="10" name="TextBox 9"/>
-          <p:cNvSpPr txBox="1"/>
-          <p:nvPr/>
-        </p:nvSpPr>
-        <p:spPr>
-          <a:xfrm>
-            <a:off x="7667571" y="5147733"/>
-            <a:ext cx="4185761" cy="461665"/>
-          </a:xfrm>
-          <a:prstGeom prst="rect">
-            <a:avLst/>
-          </a:prstGeom>
-          <a:noFill/>
-        </p:spPr>
-        <p:txBody>
-          <a:bodyPr wrap="none" rtlCol="0">
-            <a:spAutoFit/>
-          </a:bodyPr>
-          <a:lstStyle/>
-          <a:p>
-            <a:r>
-              <a:rPr lang="zh-CN" altLang="en-US" sz="2400" b="1" dirty="0" smtClean="0"/>
-              <a:t>让爱好回归乐趣，不为钱折腰</a:t>
-            </a:r>
-          </a:p>
-        </p:txBody>
-      </p:sp>
-      <p:sp>
-        <p:nvSpPr>
-          <p:cNvPr id="11" name="TextBox 10"/>
-          <p:cNvSpPr txBox="1"/>
-          <p:nvPr/>
-        </p:nvSpPr>
-        <p:spPr>
-          <a:xfrm>
-            <a:off x="812798" y="5080002"/>
-            <a:ext cx="4185761" cy="461665"/>
-          </a:xfrm>
-          <a:prstGeom prst="rect">
-            <a:avLst/>
-          </a:prstGeom>
-          <a:noFill/>
-        </p:spPr>
-        <p:txBody>
-          <a:bodyPr wrap="none" rtlCol="0">
-            <a:spAutoFit/>
-          </a:bodyPr>
-          <a:lstStyle/>
-          <a:p>
-            <a:r>
-              <a:rPr lang="zh-CN" altLang="en-US" sz="2400" b="1" dirty="0" smtClean="0"/>
-              <a:t>让感情回归纯粹，不为钱所累</a:t>
-            </a:r>
-          </a:p>
-        </p:txBody>
-      </p:sp>
-      <p:sp>
-        <p:nvSpPr>
-          <p:cNvPr id="12" name="TextBox 11"/>
-          <p:cNvSpPr txBox="1"/>
-          <p:nvPr/>
-        </p:nvSpPr>
-        <p:spPr>
-          <a:xfrm>
-            <a:off x="690360" y="1814473"/>
-            <a:ext cx="10871199" cy="1938992"/>
-          </a:xfrm>
-          <a:prstGeom prst="rect">
-            <a:avLst/>
-          </a:prstGeom>
-          <a:noFill/>
-          <a:ln>
-            <a:solidFill>
-              <a:srgbClr val="3399FF"/>
-            </a:solidFill>
-          </a:ln>
-        </p:spPr>
-        <p:txBody>
-          <a:bodyPr wrap="square" rtlCol="0">
-            <a:spAutoFit/>
-          </a:bodyPr>
-          <a:lstStyle/>
-          <a:p>
-            <a:r>
-              <a:rPr lang="zh-CN" altLang="en-US" sz="2400" dirty="0" smtClean="0"/>
-              <a:t>一个风和日丽的早上，在美丽的海滩上，渔夫在懒洋洋晒太阳，旁边的一位正在度假的富翁问：你为什么不趁天气好去捕鱼，赚更多的钱呢？赚到了钱就可以做自己喜欢做的事情和享受生活。</a:t>
-            </a:r>
-            <a:endParaRPr lang="en-US" altLang="zh-CN" sz="2400" dirty="0" smtClean="0"/>
-          </a:p>
-          <a:p>
-            <a:endParaRPr lang="en-US" altLang="zh-CN" sz="2400" dirty="0" smtClean="0"/>
-          </a:p>
-          <a:p>
-            <a:r>
-              <a:rPr lang="zh-CN" altLang="en-US" sz="2400" dirty="0" smtClean="0"/>
-              <a:t>渔夫：我现在就在做喜欢的事情和享受生活。</a:t>
-            </a:r>
-            <a:endParaRPr lang="zh-CN" altLang="en-US" sz="2400" dirty="0"/>
-          </a:p>
-        </p:txBody>
-      </p:sp>
-    </p:spTree>
-    <p:extLst>
-      <p:ext uri="{BB962C8B-B14F-4D97-AF65-F5344CB8AC3E}">
-        <p14:creationId xmlns:p14="http://schemas.microsoft.com/office/powerpoint/2010/main" xmlns="" val="257282595"/>
-      </p:ext>
-    </p:extLst>
-  </p:cSld>
-  <p:clrMapOvr>
-    <a:masterClrMapping/>
-  </p:clrMapOvr>
-  <mc:AlternateContent xmlns:mc="http://schemas.openxmlformats.org/markup-compatibility/2006">
-    <mc:Choice xmlns:p14="http://schemas.microsoft.com/office/powerpoint/2010/main" xmlns="" Requires="p14">
-      <p:transition spd="slow" p14:dur="1600">
-        <p:blinds dir="vert"/>
-      </p:transition>
-    </mc:Choice>
-    <mc:Fallback>
-      <p:transition spd="slow">
-        <p:blinds dir="vert"/>
-      </p:transition>
-    </mc:Fallback>
-  </mc:AlternateContent>
-  <p:timing>
-    <p:tnLst>
-      <p:par>
-        <p:cTn id="1" dur="indefinite" restart="never" nodeType="tmRoot"/>
-      </p:par>
-    </p:tnLst>
-  </p:timing>
-</p:sld>
-</file>
-
-<file path=ppt/slides/slide11.xml><?xml version="1.0" encoding="utf-8"?>
-<p:sld xmlns:a="http://schemas.openxmlformats.org/drawingml/2006/main" xmlns:r="http://schemas.openxmlformats.org/officeDocument/2006/relationships" xmlns:p="http://schemas.openxmlformats.org/presentationml/2006/main">
-  <p:cSld>
-    <p:spTree>
-      <p:nvGrpSpPr>
-        <p:cNvPr id="1" name=""/>
-        <p:cNvGrpSpPr/>
-        <p:nvPr/>
-      </p:nvGrpSpPr>
-      <p:grpSpPr>
-        <a:xfrm>
-          <a:off x="0" y="0"/>
-          <a:ext cx="0" cy="0"/>
-          <a:chOff x="0" y="0"/>
-          <a:chExt cx="0" cy="0"/>
-        </a:xfrm>
-      </p:grpSpPr>
-      <p:grpSp>
-        <p:nvGrpSpPr>
-          <p:cNvPr id="2" name="组合 1">
-            <a:extLst>
-              <a:ext uri="{FF2B5EF4-FFF2-40B4-BE49-F238E27FC236}">
-                <a16:creationId xmlns:a16="http://schemas.microsoft.com/office/drawing/2014/main" xmlns="" id="{E50DEB0B-1C12-44D1-AAA1-F4E0A4F19E17}"/>
-              </a:ext>
-            </a:extLst>
-          </p:cNvPr>
-          <p:cNvGrpSpPr/>
-          <p:nvPr/>
-        </p:nvGrpSpPr>
-        <p:grpSpPr>
-          <a:xfrm>
-            <a:off x="0" y="6590686"/>
-            <a:ext cx="12192000" cy="267331"/>
-            <a:chOff x="0" y="6590670"/>
-            <a:chExt cx="12192000" cy="267330"/>
-          </a:xfrm>
-        </p:grpSpPr>
-        <p:sp>
-          <p:nvSpPr>
-            <p:cNvPr id="7" name="矩形 6">
-              <a:extLst>
-                <a:ext uri="{FF2B5EF4-FFF2-40B4-BE49-F238E27FC236}">
-                  <a16:creationId xmlns:a16="http://schemas.microsoft.com/office/drawing/2014/main" xmlns="" id="{D5213AAE-A69E-40F7-931A-4EAD7707F511}"/>
-                </a:ext>
-              </a:extLst>
-            </p:cNvPr>
-            <p:cNvSpPr/>
-            <p:nvPr/>
-          </p:nvSpPr>
-          <p:spPr>
-            <a:xfrm>
-              <a:off x="0" y="6590670"/>
-              <a:ext cx="12192000" cy="267330"/>
-            </a:xfrm>
-            <a:prstGeom prst="rect">
-              <a:avLst/>
-            </a:prstGeom>
-            <a:solidFill>
-              <a:srgbClr val="00469C"/>
-            </a:solidFill>
-          </p:spPr>
-          <p:style>
-            <a:lnRef idx="2">
-              <a:schemeClr val="accent1">
-                <a:shade val="50000"/>
-              </a:schemeClr>
-            </a:lnRef>
-            <a:fillRef idx="1">
-              <a:schemeClr val="accent1"/>
-            </a:fillRef>
-            <a:effectRef idx="0">
-              <a:schemeClr val="accent1"/>
-            </a:effectRef>
-            <a:fontRef idx="minor">
-              <a:schemeClr val="lt1"/>
-            </a:fontRef>
-          </p:style>
-          <p:txBody>
-            <a:bodyPr rtlCol="0" anchor="ctr"/>
-            <a:lstStyle/>
-            <a:p>
-              <a:pPr algn="ctr"/>
-              <a:endParaRPr lang="zh-CN" altLang="en-US"/>
-            </a:p>
-          </p:txBody>
-        </p:sp>
-        <p:sp>
-          <p:nvSpPr>
-            <p:cNvPr id="8" name="矩形 7">
-              <a:extLst>
-                <a:ext uri="{FF2B5EF4-FFF2-40B4-BE49-F238E27FC236}">
-                  <a16:creationId xmlns:a16="http://schemas.microsoft.com/office/drawing/2014/main" xmlns="" id="{F74F58D4-5D9A-43AA-A842-4414D43E7D86}"/>
-                </a:ext>
-              </a:extLst>
-            </p:cNvPr>
-            <p:cNvSpPr/>
-            <p:nvPr/>
-          </p:nvSpPr>
-          <p:spPr>
-            <a:xfrm>
-              <a:off x="4865311" y="6590670"/>
-              <a:ext cx="2461379" cy="261609"/>
-            </a:xfrm>
-            <a:prstGeom prst="rect">
-              <a:avLst/>
-            </a:prstGeom>
-          </p:spPr>
-          <p:txBody>
-            <a:bodyPr wrap="none">
-              <a:spAutoFit/>
-            </a:bodyPr>
-            <a:lstStyle/>
-            <a:p>
-              <a:pPr lvl="0">
-                <a:defRPr/>
-              </a:pPr>
-              <a:r>
-                <a:rPr lang="en-US" altLang="zh-CN" sz="1100" kern="700" spc="-100" dirty="0" err="1">
-                  <a:solidFill>
-                    <a:schemeClr val="bg1"/>
-                  </a:solidFill>
-                  <a:latin typeface="微软雅黑" panose="020B0503020204020204" pitchFamily="34" charset="-122"/>
-                  <a:ea typeface="微软雅黑" panose="020B0503020204020204" pitchFamily="34" charset="-122"/>
-                </a:rPr>
-                <a:t>Keshun</a:t>
-              </a:r>
-              <a:r>
-                <a:rPr lang="en-US" altLang="zh-CN" sz="1100" kern="700" spc="-100" dirty="0">
-                  <a:solidFill>
-                    <a:schemeClr val="bg1"/>
-                  </a:solidFill>
-                  <a:latin typeface="微软雅黑" panose="020B0503020204020204" pitchFamily="34" charset="-122"/>
-                  <a:ea typeface="微软雅黑" panose="020B0503020204020204" pitchFamily="34" charset="-122"/>
-                </a:rPr>
-                <a:t>  Waterproof  Technology  Co. Ltd.</a:t>
-              </a:r>
-            </a:p>
-          </p:txBody>
-        </p:sp>
-      </p:grpSp>
-      <p:sp>
-        <p:nvSpPr>
-          <p:cNvPr id="28" name="TextBox 9">
-            <a:extLst>
-              <a:ext uri="{FF2B5EF4-FFF2-40B4-BE49-F238E27FC236}">
-                <a16:creationId xmlns:a16="http://schemas.microsoft.com/office/drawing/2014/main" xmlns="" id="{F9620907-505E-4433-8CD6-0B35E582F63E}"/>
+                <a16:creationId xmlns="" xmlns:a16="http://schemas.microsoft.com/office/drawing/2014/main" id="{F9620907-505E-4433-8CD6-0B35E582F63E}"/>
               </a:ext>
             </a:extLst>
           </p:cNvPr>
@@ -8645,7 +8798,7 @@
     </p:spTree>
     <p:extLst>
       <p:ext uri="{BB962C8B-B14F-4D97-AF65-F5344CB8AC3E}">
-        <p14:creationId xmlns:p14="http://schemas.microsoft.com/office/powerpoint/2010/main" xmlns="" val="257282595"/>
+        <p14:creationId xmlns="" xmlns:p14="http://schemas.microsoft.com/office/powerpoint/2010/main" val="257282595"/>
       </p:ext>
     </p:extLst>
   </p:cSld>
@@ -8653,7 +8806,7 @@
     <a:masterClrMapping/>
   </p:clrMapOvr>
   <mc:AlternateContent xmlns:mc="http://schemas.openxmlformats.org/markup-compatibility/2006">
-    <mc:Choice xmlns:p14="http://schemas.microsoft.com/office/powerpoint/2010/main" xmlns="" Requires="p14">
+    <mc:Choice xmlns="" xmlns:p14="http://schemas.microsoft.com/office/powerpoint/2010/main" Requires="p14">
       <p:transition spd="slow" p14:dur="1600">
         <p:blinds dir="vert"/>
       </p:transition>
@@ -8674,7 +8827,7 @@
 </p:sld>
 </file>
 
-<file path=ppt/slides/slide12.xml><?xml version="1.0" encoding="utf-8"?>
+<file path=ppt/slides/slide11.xml><?xml version="1.0" encoding="utf-8"?>
 <p:sld xmlns:a="http://schemas.openxmlformats.org/drawingml/2006/main" xmlns:r="http://schemas.openxmlformats.org/officeDocument/2006/relationships" xmlns:p="http://schemas.openxmlformats.org/presentationml/2006/main">
   <p:cSld>
     <p:spTree>
@@ -8696,7 +8849,7 @@
           <p:cNvPr id="31" name="TextBox 9">
             <a:extLst>
               <a:ext uri="{FF2B5EF4-FFF2-40B4-BE49-F238E27FC236}">
-                <a16:creationId xmlns:a16="http://schemas.microsoft.com/office/drawing/2014/main" xmlns="" id="{196AEFB1-B5B8-48EC-BBBA-092BE2D0990E}"/>
+                <a16:creationId xmlns="" xmlns:a16="http://schemas.microsoft.com/office/drawing/2014/main" id="{196AEFB1-B5B8-48EC-BBBA-092BE2D0990E}"/>
               </a:ext>
             </a:extLst>
           </p:cNvPr>
@@ -9210,7 +9363,7 @@
             <a:effectLst/>
             <a:extLst>
               <a:ext uri="{C572A759-6A51-4108-AA02-DFA0A04FC94B}">
-                <ma14:wrappingTextBoxFlag xmlns:ma14="http://schemas.microsoft.com/office/mac/drawingml/2011/main" xmlns="" val="1"/>
+                <ma14:wrappingTextBoxFlag xmlns="" xmlns:ma14="http://schemas.microsoft.com/office/mac/drawingml/2011/main" val="1"/>
               </a:ext>
             </a:extLst>
           </p:spPr>
@@ -9391,7 +9544,7 @@
             <a:effectLst/>
             <a:extLst>
               <a:ext uri="{C572A759-6A51-4108-AA02-DFA0A04FC94B}">
-                <ma14:wrappingTextBoxFlag xmlns:ma14="http://schemas.microsoft.com/office/mac/drawingml/2011/main" xmlns="" val="1"/>
+                <ma14:wrappingTextBoxFlag xmlns="" xmlns:ma14="http://schemas.microsoft.com/office/mac/drawingml/2011/main" val="1"/>
               </a:ext>
             </a:extLst>
           </p:spPr>
@@ -9565,7 +9718,7 @@
             <a:effectLst/>
             <a:extLst>
               <a:ext uri="{C572A759-6A51-4108-AA02-DFA0A04FC94B}">
-                <ma14:wrappingTextBoxFlag xmlns:ma14="http://schemas.microsoft.com/office/mac/drawingml/2011/main" xmlns="" val="1"/>
+                <ma14:wrappingTextBoxFlag xmlns="" xmlns:ma14="http://schemas.microsoft.com/office/mac/drawingml/2011/main" val="1"/>
               </a:ext>
             </a:extLst>
           </p:spPr>
@@ -9739,7 +9892,7 @@
             <a:effectLst/>
             <a:extLst>
               <a:ext uri="{C572A759-6A51-4108-AA02-DFA0A04FC94B}">
-                <ma14:wrappingTextBoxFlag xmlns:ma14="http://schemas.microsoft.com/office/mac/drawingml/2011/main" xmlns="" val="1"/>
+                <ma14:wrappingTextBoxFlag xmlns="" xmlns:ma14="http://schemas.microsoft.com/office/mac/drawingml/2011/main" val="1"/>
               </a:ext>
             </a:extLst>
           </p:spPr>
@@ -10193,7 +10346,7 @@
     </p:spTree>
     <p:extLst>
       <p:ext uri="{BB962C8B-B14F-4D97-AF65-F5344CB8AC3E}">
-        <p14:creationId xmlns:p14="http://schemas.microsoft.com/office/powerpoint/2010/main" xmlns="" val="4095140424"/>
+        <p14:creationId xmlns="" xmlns:p14="http://schemas.microsoft.com/office/powerpoint/2010/main" val="4095140424"/>
       </p:ext>
     </p:extLst>
   </p:cSld>
@@ -10201,7 +10354,7 @@
     <a:masterClrMapping/>
   </p:clrMapOvr>
   <mc:AlternateContent xmlns:mc="http://schemas.openxmlformats.org/markup-compatibility/2006">
-    <mc:Choice xmlns:p14="http://schemas.microsoft.com/office/powerpoint/2010/main" xmlns="" Requires="p14">
+    <mc:Choice xmlns="" xmlns:p14="http://schemas.microsoft.com/office/powerpoint/2010/main" Requires="p14">
       <p:transition spd="slow" p14:dur="1600">
         <p:blinds dir="vert"/>
       </p:transition>
@@ -10222,7 +10375,7 @@
 </p:sld>
 </file>
 
-<file path=ppt/slides/slide13.xml><?xml version="1.0" encoding="utf-8"?>
+<file path=ppt/slides/slide12.xml><?xml version="1.0" encoding="utf-8"?>
 <p:sld xmlns:a="http://schemas.openxmlformats.org/drawingml/2006/main" xmlns:r="http://schemas.openxmlformats.org/officeDocument/2006/relationships" xmlns:p="http://schemas.openxmlformats.org/presentationml/2006/main">
   <p:cSld>
     <p:spTree>
@@ -10244,7 +10397,7 @@
           <p:cNvPr id="31" name="TextBox 9">
             <a:extLst>
               <a:ext uri="{FF2B5EF4-FFF2-40B4-BE49-F238E27FC236}">
-                <a16:creationId xmlns:a16="http://schemas.microsoft.com/office/drawing/2014/main" xmlns="" id="{196AEFB1-B5B8-48EC-BBBA-092BE2D0990E}"/>
+                <a16:creationId xmlns="" xmlns:a16="http://schemas.microsoft.com/office/drawing/2014/main" id="{196AEFB1-B5B8-48EC-BBBA-092BE2D0990E}"/>
               </a:ext>
             </a:extLst>
           </p:cNvPr>
@@ -10580,7 +10733,7 @@
           </a:ln>
           <a:extLst>
             <a:ext uri="{909E8E84-426E-40DD-AFC4-6F175D3DCCD1}">
-              <a14:hiddenFill xmlns:a14="http://schemas.microsoft.com/office/drawing/2010/main" xmlns="">
+              <a14:hiddenFill xmlns="" xmlns:a14="http://schemas.microsoft.com/office/drawing/2010/main">
                 <a:solidFill>
                   <a:srgbClr val="FFFFFF"/>
                 </a:solidFill>
@@ -10664,7 +10817,7 @@
           </a:ln>
           <a:extLst>
             <a:ext uri="{909E8E84-426E-40DD-AFC4-6F175D3DCCD1}">
-              <a14:hiddenFill xmlns:a14="http://schemas.microsoft.com/office/drawing/2010/main" xmlns="">
+              <a14:hiddenFill xmlns="" xmlns:a14="http://schemas.microsoft.com/office/drawing/2010/main">
                 <a:solidFill>
                   <a:srgbClr val="FFFFFF"/>
                 </a:solidFill>
@@ -10748,7 +10901,7 @@
           </a:ln>
           <a:extLst>
             <a:ext uri="{909E8E84-426E-40DD-AFC4-6F175D3DCCD1}">
-              <a14:hiddenFill xmlns:a14="http://schemas.microsoft.com/office/drawing/2010/main" xmlns="">
+              <a14:hiddenFill xmlns="" xmlns:a14="http://schemas.microsoft.com/office/drawing/2010/main">
                 <a:solidFill>
                   <a:srgbClr val="FFFFFF"/>
                 </a:solidFill>
@@ -10832,7 +10985,7 @@
           </a:ln>
           <a:extLst>
             <a:ext uri="{909E8E84-426E-40DD-AFC4-6F175D3DCCD1}">
-              <a14:hiddenFill xmlns:a14="http://schemas.microsoft.com/office/drawing/2010/main" xmlns="">
+              <a14:hiddenFill xmlns="" xmlns:a14="http://schemas.microsoft.com/office/drawing/2010/main">
                 <a:solidFill>
                   <a:srgbClr val="FFFFFF"/>
                 </a:solidFill>
@@ -11959,7 +12112,7 @@
             </a:ln>
             <a:extLst>
               <a:ext uri="{91240B29-F687-4F45-9708-019B960494DF}">
-                <a14:hiddenLine xmlns:a14="http://schemas.microsoft.com/office/drawing/2010/main" xmlns="" w="9525">
+                <a14:hiddenLine xmlns="" xmlns:a14="http://schemas.microsoft.com/office/drawing/2010/main" w="9525">
                   <a:solidFill>
                     <a:srgbClr val="000000"/>
                   </a:solidFill>
@@ -12991,7 +13144,7 @@
             </a:ln>
             <a:extLst>
               <a:ext uri="{91240B29-F687-4F45-9708-019B960494DF}">
-                <a14:hiddenLine xmlns:a14="http://schemas.microsoft.com/office/drawing/2010/main" xmlns="" w="9525">
+                <a14:hiddenLine xmlns="" xmlns:a14="http://schemas.microsoft.com/office/drawing/2010/main" w="9525">
                   <a:solidFill>
                     <a:srgbClr val="000000"/>
                   </a:solidFill>
@@ -13854,7 +14007,7 @@
             </a:ln>
             <a:extLst>
               <a:ext uri="{91240B29-F687-4F45-9708-019B960494DF}">
-                <a14:hiddenLine xmlns:a14="http://schemas.microsoft.com/office/drawing/2010/main" xmlns="" w="9525">
+                <a14:hiddenLine xmlns="" xmlns:a14="http://schemas.microsoft.com/office/drawing/2010/main" w="9525">
                   <a:solidFill>
                     <a:srgbClr val="000000"/>
                   </a:solidFill>
@@ -14560,7 +14713,7 @@
             </a:ln>
             <a:extLst>
               <a:ext uri="{91240B29-F687-4F45-9708-019B960494DF}">
-                <a14:hiddenLine xmlns:a14="http://schemas.microsoft.com/office/drawing/2010/main" xmlns="" w="9525">
+                <a14:hiddenLine xmlns="" xmlns:a14="http://schemas.microsoft.com/office/drawing/2010/main" w="9525">
                   <a:solidFill>
                     <a:srgbClr val="000000"/>
                   </a:solidFill>
@@ -14605,14 +14758,14 @@
           </a:ln>
           <a:extLst>
             <a:ext uri="{909E8E84-426E-40DD-AFC4-6F175D3DCCD1}">
-              <a14:hiddenFill xmlns:a14="http://schemas.microsoft.com/office/drawing/2010/main" xmlns="">
+              <a14:hiddenFill xmlns="" xmlns:a14="http://schemas.microsoft.com/office/drawing/2010/main">
                 <a:solidFill>
                   <a:srgbClr val="FFFFFF"/>
                 </a:solidFill>
               </a14:hiddenFill>
             </a:ext>
             <a:ext uri="{91240B29-F687-4F45-9708-019B960494DF}">
-              <a14:hiddenLine xmlns:a14="http://schemas.microsoft.com/office/drawing/2010/main" xmlns="" w="9525">
+              <a14:hiddenLine xmlns="" xmlns:a14="http://schemas.microsoft.com/office/drawing/2010/main" w="9525">
                 <a:solidFill>
                   <a:srgbClr val="000000"/>
                 </a:solidFill>
@@ -14800,14 +14953,14 @@
           </a:ln>
           <a:extLst>
             <a:ext uri="{909E8E84-426E-40DD-AFC4-6F175D3DCCD1}">
-              <a14:hiddenFill xmlns:a14="http://schemas.microsoft.com/office/drawing/2010/main" xmlns="">
+              <a14:hiddenFill xmlns="" xmlns:a14="http://schemas.microsoft.com/office/drawing/2010/main">
                 <a:solidFill>
                   <a:srgbClr val="FFFFFF"/>
                 </a:solidFill>
               </a14:hiddenFill>
             </a:ext>
             <a:ext uri="{91240B29-F687-4F45-9708-019B960494DF}">
-              <a14:hiddenLine xmlns:a14="http://schemas.microsoft.com/office/drawing/2010/main" xmlns="" w="9525">
+              <a14:hiddenLine xmlns="" xmlns:a14="http://schemas.microsoft.com/office/drawing/2010/main" w="9525">
                 <a:solidFill>
                   <a:srgbClr val="000000"/>
                 </a:solidFill>
@@ -15001,14 +15154,14 @@
           </a:ln>
           <a:extLst>
             <a:ext uri="{909E8E84-426E-40DD-AFC4-6F175D3DCCD1}">
-              <a14:hiddenFill xmlns:a14="http://schemas.microsoft.com/office/drawing/2010/main" xmlns="">
+              <a14:hiddenFill xmlns="" xmlns:a14="http://schemas.microsoft.com/office/drawing/2010/main">
                 <a:solidFill>
                   <a:srgbClr val="FFFFFF"/>
                 </a:solidFill>
               </a14:hiddenFill>
             </a:ext>
             <a:ext uri="{91240B29-F687-4F45-9708-019B960494DF}">
-              <a14:hiddenLine xmlns:a14="http://schemas.microsoft.com/office/drawing/2010/main" xmlns="" w="9525">
+              <a14:hiddenLine xmlns="" xmlns:a14="http://schemas.microsoft.com/office/drawing/2010/main" w="9525">
                 <a:solidFill>
                   <a:srgbClr val="000000"/>
                 </a:solidFill>
@@ -15195,14 +15348,14 @@
           </a:ln>
           <a:extLst>
             <a:ext uri="{909E8E84-426E-40DD-AFC4-6F175D3DCCD1}">
-              <a14:hiddenFill xmlns:a14="http://schemas.microsoft.com/office/drawing/2010/main" xmlns="">
+              <a14:hiddenFill xmlns="" xmlns:a14="http://schemas.microsoft.com/office/drawing/2010/main">
                 <a:solidFill>
                   <a:srgbClr val="FFFFFF"/>
                 </a:solidFill>
               </a14:hiddenFill>
             </a:ext>
             <a:ext uri="{91240B29-F687-4F45-9708-019B960494DF}">
-              <a14:hiddenLine xmlns:a14="http://schemas.microsoft.com/office/drawing/2010/main" xmlns="" w="9525">
+              <a14:hiddenLine xmlns="" xmlns:a14="http://schemas.microsoft.com/office/drawing/2010/main" w="9525">
                 <a:solidFill>
                   <a:srgbClr val="000000"/>
                 </a:solidFill>
@@ -15396,14 +15549,14 @@
           </a:ln>
           <a:extLst>
             <a:ext uri="{909E8E84-426E-40DD-AFC4-6F175D3DCCD1}">
-              <a14:hiddenFill xmlns:a14="http://schemas.microsoft.com/office/drawing/2010/main" xmlns="">
+              <a14:hiddenFill xmlns="" xmlns:a14="http://schemas.microsoft.com/office/drawing/2010/main">
                 <a:solidFill>
                   <a:srgbClr val="FFFFFF"/>
                 </a:solidFill>
               </a14:hiddenFill>
             </a:ext>
             <a:ext uri="{91240B29-F687-4F45-9708-019B960494DF}">
-              <a14:hiddenLine xmlns:a14="http://schemas.microsoft.com/office/drawing/2010/main" xmlns="" w="9525">
+              <a14:hiddenLine xmlns="" xmlns:a14="http://schemas.microsoft.com/office/drawing/2010/main" w="9525">
                 <a:solidFill>
                   <a:srgbClr val="000000"/>
                 </a:solidFill>
@@ -15590,14 +15743,14 @@
           </a:ln>
           <a:extLst>
             <a:ext uri="{909E8E84-426E-40DD-AFC4-6F175D3DCCD1}">
-              <a14:hiddenFill xmlns:a14="http://schemas.microsoft.com/office/drawing/2010/main" xmlns="">
+              <a14:hiddenFill xmlns="" xmlns:a14="http://schemas.microsoft.com/office/drawing/2010/main">
                 <a:solidFill>
                   <a:srgbClr val="FFFFFF"/>
                 </a:solidFill>
               </a14:hiddenFill>
             </a:ext>
             <a:ext uri="{91240B29-F687-4F45-9708-019B960494DF}">
-              <a14:hiddenLine xmlns:a14="http://schemas.microsoft.com/office/drawing/2010/main" xmlns="" w="9525">
+              <a14:hiddenLine xmlns="" xmlns:a14="http://schemas.microsoft.com/office/drawing/2010/main" w="9525">
                 <a:solidFill>
                   <a:srgbClr val="000000"/>
                 </a:solidFill>
@@ -15791,14 +15944,14 @@
           </a:ln>
           <a:extLst>
             <a:ext uri="{909E8E84-426E-40DD-AFC4-6F175D3DCCD1}">
-              <a14:hiddenFill xmlns:a14="http://schemas.microsoft.com/office/drawing/2010/main" xmlns="">
+              <a14:hiddenFill xmlns="" xmlns:a14="http://schemas.microsoft.com/office/drawing/2010/main">
                 <a:solidFill>
                   <a:srgbClr val="FFFFFF"/>
                 </a:solidFill>
               </a14:hiddenFill>
             </a:ext>
             <a:ext uri="{91240B29-F687-4F45-9708-019B960494DF}">
-              <a14:hiddenLine xmlns:a14="http://schemas.microsoft.com/office/drawing/2010/main" xmlns="" w="9525">
+              <a14:hiddenLine xmlns="" xmlns:a14="http://schemas.microsoft.com/office/drawing/2010/main" w="9525">
                 <a:solidFill>
                   <a:srgbClr val="000000"/>
                 </a:solidFill>
@@ -15985,14 +16138,14 @@
           </a:ln>
           <a:extLst>
             <a:ext uri="{909E8E84-426E-40DD-AFC4-6F175D3DCCD1}">
-              <a14:hiddenFill xmlns:a14="http://schemas.microsoft.com/office/drawing/2010/main" xmlns="">
+              <a14:hiddenFill xmlns="" xmlns:a14="http://schemas.microsoft.com/office/drawing/2010/main">
                 <a:solidFill>
                   <a:srgbClr val="FFFFFF"/>
                 </a:solidFill>
               </a14:hiddenFill>
             </a:ext>
             <a:ext uri="{91240B29-F687-4F45-9708-019B960494DF}">
-              <a14:hiddenLine xmlns:a14="http://schemas.microsoft.com/office/drawing/2010/main" xmlns="" w="9525">
+              <a14:hiddenLine xmlns="" xmlns:a14="http://schemas.microsoft.com/office/drawing/2010/main" w="9525">
                 <a:solidFill>
                   <a:srgbClr val="000000"/>
                 </a:solidFill>
@@ -16164,7 +16317,7 @@
     </p:spTree>
     <p:extLst>
       <p:ext uri="{BB962C8B-B14F-4D97-AF65-F5344CB8AC3E}">
-        <p14:creationId xmlns:p14="http://schemas.microsoft.com/office/powerpoint/2010/main" xmlns="" val="4095140424"/>
+        <p14:creationId xmlns="" xmlns:p14="http://schemas.microsoft.com/office/powerpoint/2010/main" val="4095140424"/>
       </p:ext>
     </p:extLst>
   </p:cSld>
@@ -16172,7 +16325,7 @@
     <a:masterClrMapping/>
   </p:clrMapOvr>
   <mc:AlternateContent xmlns:mc="http://schemas.openxmlformats.org/markup-compatibility/2006">
-    <mc:Choice xmlns:p14="http://schemas.microsoft.com/office/powerpoint/2010/main" xmlns="" Requires="p14">
+    <mc:Choice xmlns="" xmlns:p14="http://schemas.microsoft.com/office/powerpoint/2010/main" Requires="p14">
       <p:transition spd="slow" p14:dur="1600">
         <p:blinds dir="vert"/>
       </p:transition>
@@ -16193,7 +16346,7 @@
 </p:sld>
 </file>
 
-<file path=ppt/slides/slide14.xml><?xml version="1.0" encoding="utf-8"?>
+<file path=ppt/slides/slide13.xml><?xml version="1.0" encoding="utf-8"?>
 <p:sld xmlns:a="http://schemas.openxmlformats.org/drawingml/2006/main" xmlns:r="http://schemas.openxmlformats.org/officeDocument/2006/relationships" xmlns:p="http://schemas.openxmlformats.org/presentationml/2006/main">
   <p:cSld>
     <p:spTree>
@@ -16215,7 +16368,7 @@
           <p:cNvPr id="2" name="组合 1">
             <a:extLst>
               <a:ext uri="{FF2B5EF4-FFF2-40B4-BE49-F238E27FC236}">
-                <a16:creationId xmlns:a16="http://schemas.microsoft.com/office/drawing/2014/main" xmlns="" id="{E50DEB0B-1C12-44D1-AAA1-F4E0A4F19E17}"/>
+                <a16:creationId xmlns="" xmlns:a16="http://schemas.microsoft.com/office/drawing/2014/main" id="{E50DEB0B-1C12-44D1-AAA1-F4E0A4F19E17}"/>
               </a:ext>
             </a:extLst>
           </p:cNvPr>
@@ -16235,7 +16388,7 @@
             <p:cNvPr id="7" name="矩形 6">
               <a:extLst>
                 <a:ext uri="{FF2B5EF4-FFF2-40B4-BE49-F238E27FC236}">
-                  <a16:creationId xmlns:a16="http://schemas.microsoft.com/office/drawing/2014/main" xmlns="" id="{D5213AAE-A69E-40F7-931A-4EAD7707F511}"/>
+                  <a16:creationId xmlns="" xmlns:a16="http://schemas.microsoft.com/office/drawing/2014/main" id="{D5213AAE-A69E-40F7-931A-4EAD7707F511}"/>
                 </a:ext>
               </a:extLst>
             </p:cNvPr>
@@ -16284,7 +16437,7 @@
             <p:cNvPr id="8" name="矩形 7">
               <a:extLst>
                 <a:ext uri="{FF2B5EF4-FFF2-40B4-BE49-F238E27FC236}">
-                  <a16:creationId xmlns:a16="http://schemas.microsoft.com/office/drawing/2014/main" xmlns="" id="{F74F58D4-5D9A-43AA-A842-4414D43E7D86}"/>
+                  <a16:creationId xmlns="" xmlns:a16="http://schemas.microsoft.com/office/drawing/2014/main" id="{F74F58D4-5D9A-43AA-A842-4414D43E7D86}"/>
                 </a:ext>
               </a:extLst>
             </p:cNvPr>
@@ -16338,7 +16491,7 @@
           <p:cNvPr id="28" name="TextBox 9">
             <a:extLst>
               <a:ext uri="{FF2B5EF4-FFF2-40B4-BE49-F238E27FC236}">
-                <a16:creationId xmlns:a16="http://schemas.microsoft.com/office/drawing/2014/main" xmlns="" id="{F9620907-505E-4433-8CD6-0B35E582F63E}"/>
+                <a16:creationId xmlns="" xmlns:a16="http://schemas.microsoft.com/office/drawing/2014/main" id="{F9620907-505E-4433-8CD6-0B35E582F63E}"/>
               </a:ext>
             </a:extLst>
           </p:cNvPr>
@@ -16431,7 +16584,7 @@
     </p:spTree>
     <p:extLst>
       <p:ext uri="{BB962C8B-B14F-4D97-AF65-F5344CB8AC3E}">
-        <p14:creationId xmlns:p14="http://schemas.microsoft.com/office/powerpoint/2010/main" xmlns="" val="257282595"/>
+        <p14:creationId xmlns="" xmlns:p14="http://schemas.microsoft.com/office/powerpoint/2010/main" val="257282595"/>
       </p:ext>
     </p:extLst>
   </p:cSld>
@@ -16439,7 +16592,7 @@
     <a:masterClrMapping/>
   </p:clrMapOvr>
   <mc:AlternateContent xmlns:mc="http://schemas.openxmlformats.org/markup-compatibility/2006">
-    <mc:Choice xmlns:p14="http://schemas.microsoft.com/office/powerpoint/2010/main" xmlns="" Requires="p14">
+    <mc:Choice xmlns="" xmlns:p14="http://schemas.microsoft.com/office/powerpoint/2010/main" Requires="p14">
       <p:transition spd="slow" p14:dur="1600">
         <p:blinds dir="vert"/>
       </p:transition>
@@ -16460,7 +16613,7 @@
 </p:sld>
 </file>
 
-<file path=ppt/slides/slide15.xml><?xml version="1.0" encoding="utf-8"?>
+<file path=ppt/slides/slide14.xml><?xml version="1.0" encoding="utf-8"?>
 <p:sld xmlns:a="http://schemas.openxmlformats.org/drawingml/2006/main" xmlns:r="http://schemas.openxmlformats.org/officeDocument/2006/relationships" xmlns:p="http://schemas.openxmlformats.org/presentationml/2006/main">
   <p:cSld>
     <p:spTree>
@@ -16482,7 +16635,7 @@
           <p:cNvPr id="12" name="图片 11" descr="图片包含 户外, 天空, 建筑物, 时钟&#10;&#10;已生成极高可信度的说明">
             <a:extLst>
               <a:ext uri="{FF2B5EF4-FFF2-40B4-BE49-F238E27FC236}">
-                <a16:creationId xmlns:a16="http://schemas.microsoft.com/office/drawing/2014/main" xmlns="" id="{63120D12-FE94-4606-8069-50689EE820FD}"/>
+                <a16:creationId xmlns="" xmlns:a16="http://schemas.microsoft.com/office/drawing/2014/main" id="{63120D12-FE94-4606-8069-50689EE820FD}"/>
               </a:ext>
             </a:extLst>
           </p:cNvPr>
@@ -16495,7 +16648,7 @@
           <a:blip r:embed="rId2" cstate="screen">
             <a:extLst>
               <a:ext uri="{28A0092B-C50C-407E-A947-70E740481C1C}">
-                <a14:useLocalDpi xmlns:a14="http://schemas.microsoft.com/office/drawing/2010/main" xmlns="" val="0"/>
+                <a14:useLocalDpi xmlns="" xmlns:a14="http://schemas.microsoft.com/office/drawing/2010/main" val="0"/>
               </a:ext>
             </a:extLst>
           </a:blip>
@@ -16517,7 +16670,7 @@
           <p:cNvPr id="22" name="任意多边形: 形状 21">
             <a:extLst>
               <a:ext uri="{FF2B5EF4-FFF2-40B4-BE49-F238E27FC236}">
-                <a16:creationId xmlns:a16="http://schemas.microsoft.com/office/drawing/2014/main" xmlns="" id="{8B512DC7-300D-4210-A41E-42FB36991E9E}"/>
+                <a16:creationId xmlns="" xmlns:a16="http://schemas.microsoft.com/office/drawing/2014/main" id="{8B512DC7-300D-4210-A41E-42FB36991E9E}"/>
               </a:ext>
             </a:extLst>
           </p:cNvPr>
@@ -16622,7 +16775,7 @@
           <p:cNvPr id="23" name="任意多边形: 形状 22">
             <a:extLst>
               <a:ext uri="{FF2B5EF4-FFF2-40B4-BE49-F238E27FC236}">
-                <a16:creationId xmlns:a16="http://schemas.microsoft.com/office/drawing/2014/main" xmlns="" id="{2AB7E925-98D4-4048-93D2-B55FDA2BA567}"/>
+                <a16:creationId xmlns="" xmlns:a16="http://schemas.microsoft.com/office/drawing/2014/main" id="{2AB7E925-98D4-4048-93D2-B55FDA2BA567}"/>
               </a:ext>
             </a:extLst>
           </p:cNvPr>
@@ -16717,7 +16870,7 @@
           <p:cNvPr id="9" name="文本框 8">
             <a:extLst>
               <a:ext uri="{FF2B5EF4-FFF2-40B4-BE49-F238E27FC236}">
-                <a16:creationId xmlns:a16="http://schemas.microsoft.com/office/drawing/2014/main" xmlns="" id="{3F978CFE-16BB-4CF5-BC84-BDA91949BA0B}"/>
+                <a16:creationId xmlns="" xmlns:a16="http://schemas.microsoft.com/office/drawing/2014/main" id="{3F978CFE-16BB-4CF5-BC84-BDA91949BA0B}"/>
               </a:ext>
             </a:extLst>
           </p:cNvPr>
@@ -16759,7 +16912,7 @@
           <p:cNvPr id="10" name="直接连接符 9">
             <a:extLst>
               <a:ext uri="{FF2B5EF4-FFF2-40B4-BE49-F238E27FC236}">
-                <a16:creationId xmlns:a16="http://schemas.microsoft.com/office/drawing/2014/main" xmlns="" id="{819AA1A6-D93E-4DB4-BADD-A8D07C38C156}"/>
+                <a16:creationId xmlns="" xmlns:a16="http://schemas.microsoft.com/office/drawing/2014/main" id="{819AA1A6-D93E-4DB4-BADD-A8D07C38C156}"/>
               </a:ext>
             </a:extLst>
           </p:cNvPr>
@@ -16800,7 +16953,7 @@
     </p:spTree>
     <p:extLst>
       <p:ext uri="{BB962C8B-B14F-4D97-AF65-F5344CB8AC3E}">
-        <p14:creationId xmlns:p14="http://schemas.microsoft.com/office/powerpoint/2010/main" xmlns="" val="3968927684"/>
+        <p14:creationId xmlns="" xmlns:p14="http://schemas.microsoft.com/office/powerpoint/2010/main" val="3968927684"/>
       </p:ext>
     </p:extLst>
   </p:cSld>
@@ -16846,7 +16999,7 @@
           <a:blip r:embed="rId3">
             <a:extLst>
               <a:ext uri="{28A0092B-C50C-407E-A947-70E740481C1C}">
-                <a14:useLocalDpi xmlns:a14="http://schemas.microsoft.com/office/drawing/2010/main" xmlns="" val="0"/>
+                <a14:useLocalDpi xmlns="" xmlns:a14="http://schemas.microsoft.com/office/drawing/2010/main" val="0"/>
               </a:ext>
             </a:extLst>
           </a:blip>
@@ -16868,7 +17021,7 @@
           <p:cNvPr id="7" name="矩形 6">
             <a:extLst>
               <a:ext uri="{FF2B5EF4-FFF2-40B4-BE49-F238E27FC236}">
-                <a16:creationId xmlns:a16="http://schemas.microsoft.com/office/drawing/2014/main" xmlns="" id="{6B4B2360-7218-48B5-AE5D-F4365A4C9468}"/>
+                <a16:creationId xmlns="" xmlns:a16="http://schemas.microsoft.com/office/drawing/2014/main" id="{6B4B2360-7218-48B5-AE5D-F4365A4C9468}"/>
               </a:ext>
             </a:extLst>
           </p:cNvPr>
@@ -16954,7 +17107,7 @@
         <p:spPr>
           <a:xfrm>
             <a:off x="2271711" y="2587097"/>
-            <a:ext cx="7600951" cy="923330"/>
+            <a:ext cx="7600951" cy="1015663"/>
           </a:xfrm>
           <a:prstGeom prst="rect">
             <a:avLst/>
@@ -16968,7 +17121,7 @@
           <a:lstStyle/>
           <a:p>
             <a:pPr algn="ctr"/>
-            <a:endParaRPr lang="en-US" altLang="zh-CN" dirty="0" smtClean="0">
+            <a:endParaRPr lang="en-US" altLang="zh-CN" sz="2000" dirty="0" smtClean="0">
               <a:solidFill>
                 <a:schemeClr val="bg1"/>
               </a:solidFill>
@@ -16977,7 +17130,7 @@
             </a:endParaRPr>
           </a:p>
           <a:p>
-            <a:endParaRPr lang="en-US" altLang="zh-CN" dirty="0" smtClean="0">
+            <a:endParaRPr lang="en-US" altLang="zh-CN" sz="2000" dirty="0" smtClean="0">
               <a:solidFill>
                 <a:schemeClr val="bg1"/>
               </a:solidFill>
@@ -16988,7 +17141,7 @@
           <a:p>
             <a:pPr algn="ctr"/>
             <a:r>
-              <a:rPr lang="zh-CN" altLang="en-US" b="1" dirty="0" smtClean="0">
+              <a:rPr lang="zh-CN" altLang="en-US" sz="2000" b="1" dirty="0" smtClean="0">
                 <a:solidFill>
                   <a:schemeClr val="bg1"/>
                 </a:solidFill>
@@ -16997,7 +17150,7 @@
               </a:rPr>
               <a:t>了解财务自由，积极面对生活，追求自己真实想要的生活。</a:t>
             </a:r>
-            <a:endParaRPr lang="zh-CN" altLang="en-US" b="1" dirty="0">
+            <a:endParaRPr lang="zh-CN" altLang="en-US" sz="2000" b="1" dirty="0">
               <a:solidFill>
                 <a:schemeClr val="bg1"/>
               </a:solidFill>
@@ -17190,7 +17343,7 @@
     </p:spTree>
     <p:extLst>
       <p:ext uri="{BB962C8B-B14F-4D97-AF65-F5344CB8AC3E}">
-        <p14:creationId xmlns:p14="http://schemas.microsoft.com/office/powerpoint/2010/main" xmlns="" val="3100316483"/>
+        <p14:creationId xmlns="" xmlns:p14="http://schemas.microsoft.com/office/powerpoint/2010/main" val="3100316483"/>
       </p:ext>
     </p:extLst>
   </p:cSld>
@@ -17198,7 +17351,7 @@
     <a:masterClrMapping/>
   </p:clrMapOvr>
   <mc:AlternateContent xmlns:mc="http://schemas.openxmlformats.org/markup-compatibility/2006">
-    <mc:Choice xmlns:p14="http://schemas.microsoft.com/office/powerpoint/2010/main" xmlns="" Requires="p14">
+    <mc:Choice xmlns="" xmlns:p14="http://schemas.microsoft.com/office/powerpoint/2010/main" Requires="p14">
       <p:transition spd="slow" p14:dur="1600">
         <p:blinds dir="vert"/>
       </p:transition>
@@ -17241,7 +17394,7 @@
           <p:cNvPr id="6" name="组合 5">
             <a:extLst>
               <a:ext uri="{FF2B5EF4-FFF2-40B4-BE49-F238E27FC236}">
-                <a16:creationId xmlns:a16="http://schemas.microsoft.com/office/drawing/2014/main" xmlns="" id="{3ECCECFB-8A2B-42E3-BB90-84B05A511565}"/>
+                <a16:creationId xmlns="" xmlns:a16="http://schemas.microsoft.com/office/drawing/2014/main" id="{3ECCECFB-8A2B-42E3-BB90-84B05A511565}"/>
               </a:ext>
             </a:extLst>
           </p:cNvPr>
@@ -17261,7 +17414,7 @@
             <p:cNvPr id="2" name="文本框 1">
               <a:extLst>
                 <a:ext uri="{FF2B5EF4-FFF2-40B4-BE49-F238E27FC236}">
-                  <a16:creationId xmlns:a16="http://schemas.microsoft.com/office/drawing/2014/main" xmlns="" id="{2871A151-4299-4FEA-AEED-88771DC8FE9A}"/>
+                  <a16:creationId xmlns="" xmlns:a16="http://schemas.microsoft.com/office/drawing/2014/main" id="{2871A151-4299-4FEA-AEED-88771DC8FE9A}"/>
                 </a:ext>
               </a:extLst>
             </p:cNvPr>
@@ -17323,7 +17476,7 @@
             <p:cNvPr id="8" name="矩形 7">
               <a:extLst>
                 <a:ext uri="{FF2B5EF4-FFF2-40B4-BE49-F238E27FC236}">
-                  <a16:creationId xmlns:a16="http://schemas.microsoft.com/office/drawing/2014/main" xmlns="" id="{FDEDE40B-7AB0-4730-8567-A24599FF8BAA}"/>
+                  <a16:creationId xmlns="" xmlns:a16="http://schemas.microsoft.com/office/drawing/2014/main" id="{FDEDE40B-7AB0-4730-8567-A24599FF8BAA}"/>
                 </a:ext>
               </a:extLst>
             </p:cNvPr>
@@ -17380,7 +17533,7 @@
             <p:cNvPr id="9" name="矩形 8">
               <a:extLst>
                 <a:ext uri="{FF2B5EF4-FFF2-40B4-BE49-F238E27FC236}">
-                  <a16:creationId xmlns:a16="http://schemas.microsoft.com/office/drawing/2014/main" xmlns="" id="{2B21ED84-23FD-4FBF-B40A-00DCAA6BAFEE}"/>
+                  <a16:creationId xmlns="" xmlns:a16="http://schemas.microsoft.com/office/drawing/2014/main" id="{2B21ED84-23FD-4FBF-B40A-00DCAA6BAFEE}"/>
                 </a:ext>
               </a:extLst>
             </p:cNvPr>
@@ -17438,7 +17591,7 @@
           <p:cNvPr id="5" name="组合 4">
             <a:extLst>
               <a:ext uri="{FF2B5EF4-FFF2-40B4-BE49-F238E27FC236}">
-                <a16:creationId xmlns:a16="http://schemas.microsoft.com/office/drawing/2014/main" xmlns="" id="{D43511E3-9523-485E-913F-7199E1F70272}"/>
+                <a16:creationId xmlns="" xmlns:a16="http://schemas.microsoft.com/office/drawing/2014/main" id="{D43511E3-9523-485E-913F-7199E1F70272}"/>
               </a:ext>
             </a:extLst>
           </p:cNvPr>
@@ -17458,7 +17611,7 @@
             <p:cNvPr id="10" name="文本框 9">
               <a:extLst>
                 <a:ext uri="{FF2B5EF4-FFF2-40B4-BE49-F238E27FC236}">
-                  <a16:creationId xmlns:a16="http://schemas.microsoft.com/office/drawing/2014/main" xmlns="" id="{6F59C157-714D-4AA7-8082-EE86C700A2B2}"/>
+                  <a16:creationId xmlns="" xmlns:a16="http://schemas.microsoft.com/office/drawing/2014/main" id="{6F59C157-714D-4AA7-8082-EE86C700A2B2}"/>
                 </a:ext>
               </a:extLst>
             </p:cNvPr>
@@ -17519,7 +17672,7 @@
             <p:cNvPr id="11" name="文本框 10">
               <a:extLst>
                 <a:ext uri="{FF2B5EF4-FFF2-40B4-BE49-F238E27FC236}">
-                  <a16:creationId xmlns:a16="http://schemas.microsoft.com/office/drawing/2014/main" xmlns="" id="{A184154C-8112-4CE4-A52B-44F73641C7A3}"/>
+                  <a16:creationId xmlns="" xmlns:a16="http://schemas.microsoft.com/office/drawing/2014/main" id="{A184154C-8112-4CE4-A52B-44F73641C7A3}"/>
                 </a:ext>
               </a:extLst>
             </p:cNvPr>
@@ -17567,7 +17720,7 @@
             <p:cNvPr id="15" name="文本框 14">
               <a:extLst>
                 <a:ext uri="{FF2B5EF4-FFF2-40B4-BE49-F238E27FC236}">
-                  <a16:creationId xmlns:a16="http://schemas.microsoft.com/office/drawing/2014/main" xmlns="" id="{A7807FB4-0BE9-4940-9960-80E3DEF1B4C0}"/>
+                  <a16:creationId xmlns="" xmlns:a16="http://schemas.microsoft.com/office/drawing/2014/main" id="{A7807FB4-0BE9-4940-9960-80E3DEF1B4C0}"/>
                 </a:ext>
               </a:extLst>
             </p:cNvPr>
@@ -17628,7 +17781,7 @@
             <p:cNvPr id="16" name="文本框 15">
               <a:extLst>
                 <a:ext uri="{FF2B5EF4-FFF2-40B4-BE49-F238E27FC236}">
-                  <a16:creationId xmlns:a16="http://schemas.microsoft.com/office/drawing/2014/main" xmlns="" id="{38AB1FC5-DE30-41B7-A72F-5700F344ECE1}"/>
+                  <a16:creationId xmlns="" xmlns:a16="http://schemas.microsoft.com/office/drawing/2014/main" id="{38AB1FC5-DE30-41B7-A72F-5700F344ECE1}"/>
                 </a:ext>
               </a:extLst>
             </p:cNvPr>
@@ -17676,7 +17829,7 @@
             <p:cNvPr id="18" name="文本框 17">
               <a:extLst>
                 <a:ext uri="{FF2B5EF4-FFF2-40B4-BE49-F238E27FC236}">
-                  <a16:creationId xmlns:a16="http://schemas.microsoft.com/office/drawing/2014/main" xmlns="" id="{8A691021-8A29-4525-88E3-6ABFFEC1A7CF}"/>
+                  <a16:creationId xmlns="" xmlns:a16="http://schemas.microsoft.com/office/drawing/2014/main" id="{8A691021-8A29-4525-88E3-6ABFFEC1A7CF}"/>
                 </a:ext>
               </a:extLst>
             </p:cNvPr>
@@ -17723,14 +17876,7 @@
                   <a:latin typeface="微软雅黑" panose="020B0503020204020204" pitchFamily="34" charset="-122"/>
                   <a:ea typeface="微软雅黑" panose="020B0503020204020204" pitchFamily="34" charset="-122"/>
                 </a:rPr>
-                <a:t>财务</a:t>
-              </a:r>
-              <a:r>
-                <a:rPr lang="zh-CN" altLang="en-US" sz="1600" dirty="0" smtClean="0">
-                  <a:latin typeface="微软雅黑" panose="020B0503020204020204" pitchFamily="34" charset="-122"/>
-                  <a:ea typeface="微软雅黑" panose="020B0503020204020204" pitchFamily="34" charset="-122"/>
-                </a:rPr>
-                <a:t>自由的意义</a:t>
+                <a:t>财务自由的意义</a:t>
               </a:r>
               <a:endParaRPr lang="zh-CN" altLang="en-US" sz="1600" dirty="0">
                 <a:latin typeface="微软雅黑" panose="020B0503020204020204" pitchFamily="34" charset="-122"/>
@@ -17744,7 +17890,7 @@
             <p:cNvPr id="19" name="文本框 18">
               <a:extLst>
                 <a:ext uri="{FF2B5EF4-FFF2-40B4-BE49-F238E27FC236}">
-                  <a16:creationId xmlns:a16="http://schemas.microsoft.com/office/drawing/2014/main" xmlns="" id="{E24CF56E-54A3-4AB8-A02E-C2A9A0D5CE84}"/>
+                  <a16:creationId xmlns="" xmlns:a16="http://schemas.microsoft.com/office/drawing/2014/main" id="{E24CF56E-54A3-4AB8-A02E-C2A9A0D5CE84}"/>
                 </a:ext>
               </a:extLst>
             </p:cNvPr>
@@ -17792,7 +17938,7 @@
             <p:cNvPr id="21" name="文本框 20">
               <a:extLst>
                 <a:ext uri="{FF2B5EF4-FFF2-40B4-BE49-F238E27FC236}">
-                  <a16:creationId xmlns:a16="http://schemas.microsoft.com/office/drawing/2014/main" xmlns="" id="{7E63000E-6151-4B4D-A526-7607F5A8E7E3}"/>
+                  <a16:creationId xmlns="" xmlns:a16="http://schemas.microsoft.com/office/drawing/2014/main" id="{7E63000E-6151-4B4D-A526-7607F5A8E7E3}"/>
                 </a:ext>
               </a:extLst>
             </p:cNvPr>
@@ -17853,7 +17999,7 @@
             <p:cNvPr id="22" name="文本框 21">
               <a:extLst>
                 <a:ext uri="{FF2B5EF4-FFF2-40B4-BE49-F238E27FC236}">
-                  <a16:creationId xmlns:a16="http://schemas.microsoft.com/office/drawing/2014/main" xmlns="" id="{FEAE2CCE-B35E-4932-B5A1-77F0FA08E6E5}"/>
+                  <a16:creationId xmlns="" xmlns:a16="http://schemas.microsoft.com/office/drawing/2014/main" id="{FEAE2CCE-B35E-4932-B5A1-77F0FA08E6E5}"/>
                 </a:ext>
               </a:extLst>
             </p:cNvPr>
@@ -17900,7 +18046,7 @@
     </p:spTree>
     <p:extLst>
       <p:ext uri="{BB962C8B-B14F-4D97-AF65-F5344CB8AC3E}">
-        <p14:creationId xmlns:p14="http://schemas.microsoft.com/office/powerpoint/2010/main" xmlns="" val="2325327428"/>
+        <p14:creationId xmlns="" xmlns:p14="http://schemas.microsoft.com/office/powerpoint/2010/main" val="2325327428"/>
       </p:ext>
     </p:extLst>
   </p:cSld>
@@ -17939,7 +18085,7 @@
           <p:cNvPr id="2" name="组合 1">
             <a:extLst>
               <a:ext uri="{FF2B5EF4-FFF2-40B4-BE49-F238E27FC236}">
-                <a16:creationId xmlns:a16="http://schemas.microsoft.com/office/drawing/2014/main" xmlns="" id="{E50DEB0B-1C12-44D1-AAA1-F4E0A4F19E17}"/>
+                <a16:creationId xmlns="" xmlns:a16="http://schemas.microsoft.com/office/drawing/2014/main" id="{E50DEB0B-1C12-44D1-AAA1-F4E0A4F19E17}"/>
               </a:ext>
             </a:extLst>
           </p:cNvPr>
@@ -17959,7 +18105,7 @@
             <p:cNvPr id="7" name="矩形 6">
               <a:extLst>
                 <a:ext uri="{FF2B5EF4-FFF2-40B4-BE49-F238E27FC236}">
-                  <a16:creationId xmlns:a16="http://schemas.microsoft.com/office/drawing/2014/main" xmlns="" id="{D5213AAE-A69E-40F7-931A-4EAD7707F511}"/>
+                  <a16:creationId xmlns="" xmlns:a16="http://schemas.microsoft.com/office/drawing/2014/main" id="{D5213AAE-A69E-40F7-931A-4EAD7707F511}"/>
                 </a:ext>
               </a:extLst>
             </p:cNvPr>
@@ -18008,7 +18154,7 @@
             <p:cNvPr id="8" name="矩形 7">
               <a:extLst>
                 <a:ext uri="{FF2B5EF4-FFF2-40B4-BE49-F238E27FC236}">
-                  <a16:creationId xmlns:a16="http://schemas.microsoft.com/office/drawing/2014/main" xmlns="" id="{F74F58D4-5D9A-43AA-A842-4414D43E7D86}"/>
+                  <a16:creationId xmlns="" xmlns:a16="http://schemas.microsoft.com/office/drawing/2014/main" id="{F74F58D4-5D9A-43AA-A842-4414D43E7D86}"/>
                 </a:ext>
               </a:extLst>
             </p:cNvPr>
@@ -18145,11 +18291,19 @@
             <a:pPr latinLnBrk="1"/>
             <a:r>
               <a:rPr lang="zh-CN" altLang="en-US" sz="2400" dirty="0" smtClean="0"/>
-              <a:t>我站阳台上，想了一个晚上：</a:t>
+              <a:t>我站阳台上，想了一个</a:t>
+            </a:r>
+            <a:r>
+              <a:rPr lang="zh-CN" altLang="en-US" sz="2400" dirty="0" smtClean="0"/>
+              <a:t>晚上</a:t>
             </a:r>
             <a:r>
               <a:rPr lang="zh-CN" altLang="en-US" sz="2400" b="1" i="1" dirty="0" smtClean="0"/>
-              <a:t>究竟是谁 走漏的风声</a:t>
+              <a:t>究竟</a:t>
+            </a:r>
+            <a:r>
+              <a:rPr lang="zh-CN" altLang="en-US" sz="2400" b="1" i="1" dirty="0" smtClean="0"/>
+              <a:t>是谁 走漏的风声</a:t>
             </a:r>
             <a:r>
               <a:rPr lang="en-US" altLang="zh-CN" sz="2400" b="1" i="1" dirty="0" smtClean="0"/>
@@ -18313,7 +18467,7 @@
         </p:nvSpPr>
         <p:spPr>
           <a:xfrm>
-            <a:off x="643466" y="4809067"/>
+            <a:off x="623588" y="4491015"/>
             <a:ext cx="11187678" cy="984885"/>
           </a:xfrm>
           <a:prstGeom prst="rect">
@@ -18357,7 +18511,7 @@
           <p:cNvPr id="22" name="TextBox 9">
             <a:extLst>
               <a:ext uri="{FF2B5EF4-FFF2-40B4-BE49-F238E27FC236}">
-                <a16:creationId xmlns:a16="http://schemas.microsoft.com/office/drawing/2014/main" xmlns="" id="{F9620907-505E-4433-8CD6-0B35E582F63E}"/>
+                <a16:creationId xmlns="" xmlns:a16="http://schemas.microsoft.com/office/drawing/2014/main" id="{F9620907-505E-4433-8CD6-0B35E582F63E}"/>
               </a:ext>
             </a:extLst>
           </p:cNvPr>
@@ -18438,7 +18592,7 @@
     </p:spTree>
     <p:extLst>
       <p:ext uri="{BB962C8B-B14F-4D97-AF65-F5344CB8AC3E}">
-        <p14:creationId xmlns:p14="http://schemas.microsoft.com/office/powerpoint/2010/main" xmlns="" val="257282595"/>
+        <p14:creationId xmlns="" xmlns:p14="http://schemas.microsoft.com/office/powerpoint/2010/main" val="257282595"/>
       </p:ext>
     </p:extLst>
   </p:cSld>
@@ -18446,7 +18600,7 @@
     <a:masterClrMapping/>
   </p:clrMapOvr>
   <mc:AlternateContent xmlns:mc="http://schemas.openxmlformats.org/markup-compatibility/2006">
-    <mc:Choice xmlns:p14="http://schemas.microsoft.com/office/powerpoint/2010/main" xmlns="" Requires="p14">
+    <mc:Choice xmlns="" xmlns:p14="http://schemas.microsoft.com/office/powerpoint/2010/main" Requires="p14">
       <p:transition spd="slow" p14:dur="1600">
         <p:blinds dir="vert"/>
       </p:transition>
@@ -18489,7 +18643,7 @@
           <p:cNvPr id="2" name="组合 1">
             <a:extLst>
               <a:ext uri="{FF2B5EF4-FFF2-40B4-BE49-F238E27FC236}">
-                <a16:creationId xmlns:a16="http://schemas.microsoft.com/office/drawing/2014/main" xmlns="" id="{E50DEB0B-1C12-44D1-AAA1-F4E0A4F19E17}"/>
+                <a16:creationId xmlns="" xmlns:a16="http://schemas.microsoft.com/office/drawing/2014/main" id="{E50DEB0B-1C12-44D1-AAA1-F4E0A4F19E17}"/>
               </a:ext>
             </a:extLst>
           </p:cNvPr>
@@ -18509,7 +18663,7 @@
             <p:cNvPr id="7" name="矩形 6">
               <a:extLst>
                 <a:ext uri="{FF2B5EF4-FFF2-40B4-BE49-F238E27FC236}">
-                  <a16:creationId xmlns:a16="http://schemas.microsoft.com/office/drawing/2014/main" xmlns="" id="{D5213AAE-A69E-40F7-931A-4EAD7707F511}"/>
+                  <a16:creationId xmlns="" xmlns:a16="http://schemas.microsoft.com/office/drawing/2014/main" id="{D5213AAE-A69E-40F7-931A-4EAD7707F511}"/>
                 </a:ext>
               </a:extLst>
             </p:cNvPr>
@@ -18558,7 +18712,7 @@
             <p:cNvPr id="8" name="矩形 7">
               <a:extLst>
                 <a:ext uri="{FF2B5EF4-FFF2-40B4-BE49-F238E27FC236}">
-                  <a16:creationId xmlns:a16="http://schemas.microsoft.com/office/drawing/2014/main" xmlns="" id="{F74F58D4-5D9A-43AA-A842-4414D43E7D86}"/>
+                  <a16:creationId xmlns="" xmlns:a16="http://schemas.microsoft.com/office/drawing/2014/main" id="{F74F58D4-5D9A-43AA-A842-4414D43E7D86}"/>
                 </a:ext>
               </a:extLst>
             </p:cNvPr>
@@ -18612,7 +18766,7 @@
           <p:cNvPr id="28" name="TextBox 9">
             <a:extLst>
               <a:ext uri="{FF2B5EF4-FFF2-40B4-BE49-F238E27FC236}">
-                <a16:creationId xmlns:a16="http://schemas.microsoft.com/office/drawing/2014/main" xmlns="" id="{F9620907-505E-4433-8CD6-0B35E582F63E}"/>
+                <a16:creationId xmlns="" xmlns:a16="http://schemas.microsoft.com/office/drawing/2014/main" id="{F9620907-505E-4433-8CD6-0B35E582F63E}"/>
               </a:ext>
             </a:extLst>
           </p:cNvPr>
@@ -18804,15 +18958,7 @@
             </a:r>
             <a:r>
               <a:rPr lang="zh-CN" altLang="en-US" sz="2400" dirty="0" smtClean="0"/>
-              <a:t>指你无需为生活开销而努力为钱工作的状态。简单地说，你的资产产生的被动收入</a:t>
-            </a:r>
-            <a:r>
-              <a:rPr lang="zh-CN" altLang="en-US" sz="2400" dirty="0" smtClean="0"/>
-              <a:t>必须大于或等于你</a:t>
-            </a:r>
-            <a:r>
-              <a:rPr lang="zh-CN" altLang="en-US" sz="2400" dirty="0" smtClean="0"/>
-              <a:t>的日常开支。这是我们大多数人最渴望达到的状态，如果进入这种状态，我们就可以称之</a:t>
+              <a:t>指你无需为生活开销而努力为钱工作的状态。简单地说，你的资产产生的被动收入必须大于或等于你的日常开支。这是我们大多数人最渴望达到的状态，如果进入这种状态，我们就可以称之</a:t>
             </a:r>
             <a:r>
               <a:rPr lang="zh-CN" altLang="en-US" sz="2400" b="1" dirty="0" smtClean="0"/>
@@ -18985,7 +19131,7 @@
         </p:nvSpPr>
         <p:spPr bwMode="auto">
           <a:xfrm>
-            <a:off x="4740910" y="4282852"/>
+            <a:off x="4840300" y="4282852"/>
             <a:ext cx="2119443" cy="1910915"/>
           </a:xfrm>
           <a:custGeom>
@@ -19223,7 +19369,7 @@
         </p:nvSpPr>
         <p:spPr>
           <a:xfrm>
-            <a:off x="5077252" y="4834527"/>
+            <a:off x="5236278" y="4953796"/>
             <a:ext cx="1399069" cy="615553"/>
           </a:xfrm>
           <a:prstGeom prst="rect">
@@ -19841,7 +19987,7 @@
     </p:spTree>
     <p:extLst>
       <p:ext uri="{BB962C8B-B14F-4D97-AF65-F5344CB8AC3E}">
-        <p14:creationId xmlns:p14="http://schemas.microsoft.com/office/powerpoint/2010/main" xmlns="" val="257282595"/>
+        <p14:creationId xmlns="" xmlns:p14="http://schemas.microsoft.com/office/powerpoint/2010/main" val="257282595"/>
       </p:ext>
     </p:extLst>
   </p:cSld>
@@ -19849,7 +19995,7 @@
     <a:masterClrMapping/>
   </p:clrMapOvr>
   <mc:AlternateContent xmlns:mc="http://schemas.openxmlformats.org/markup-compatibility/2006">
-    <mc:Choice xmlns:p14="http://schemas.microsoft.com/office/powerpoint/2010/main" xmlns="" Requires="p14">
+    <mc:Choice xmlns="" xmlns:p14="http://schemas.microsoft.com/office/powerpoint/2010/main" Requires="p14">
       <p:transition spd="slow" p14:dur="1600">
         <p:blinds dir="vert"/>
       </p:transition>
@@ -19892,7 +20038,7 @@
           <p:cNvPr id="31" name="TextBox 9">
             <a:extLst>
               <a:ext uri="{FF2B5EF4-FFF2-40B4-BE49-F238E27FC236}">
-                <a16:creationId xmlns:a16="http://schemas.microsoft.com/office/drawing/2014/main" xmlns="" id="{196AEFB1-B5B8-48EC-BBBA-092BE2D0990E}"/>
+                <a16:creationId xmlns="" xmlns:a16="http://schemas.microsoft.com/office/drawing/2014/main" id="{196AEFB1-B5B8-48EC-BBBA-092BE2D0990E}"/>
               </a:ext>
             </a:extLst>
           </p:cNvPr>
@@ -19968,25 +20114,7 @@
                 <a:latin typeface="微软雅黑 Light" panose="020B0502040204020203" pitchFamily="34" charset="-122"/>
                 <a:ea typeface="微软雅黑 Light" panose="020B0502040204020203" pitchFamily="34" charset="-122"/>
               </a:rPr>
-              <a:t>财务自由</a:t>
-            </a:r>
-            <a:r>
-              <a:rPr lang="zh-CN" altLang="en-US" dirty="0" smtClean="0">
-                <a:gradFill>
-                  <a:gsLst>
-                    <a:gs pos="100000">
-                      <a:srgbClr val="00469C"/>
-                    </a:gs>
-                    <a:gs pos="0">
-                      <a:srgbClr val="00A0E8"/>
-                    </a:gs>
-                  </a:gsLst>
-                  <a:lin ang="5400000"/>
-                </a:gradFill>
-                <a:latin typeface="微软雅黑 Light" panose="020B0502040204020203" pitchFamily="34" charset="-122"/>
-                <a:ea typeface="微软雅黑 Light" panose="020B0502040204020203" pitchFamily="34" charset="-122"/>
-              </a:rPr>
-              <a:t>的衡量</a:t>
+              <a:t>财务自由的衡量</a:t>
             </a:r>
             <a:endParaRPr lang="zh-CN" altLang="en-US" dirty="0">
               <a:gradFill>
@@ -20367,7 +20495,59 @@
                 <a:latin typeface="微软雅黑" pitchFamily="34" charset="-122"/>
                 <a:ea typeface="微软雅黑" panose="020B0503020204020204" pitchFamily="34" charset="-122"/>
               </a:rPr>
-              <a:t>：不用花时间和精力自动的收入，如房产租金，知识产权、银行利息、投资理财等等。</a:t>
+              <a:t>：不用花时间和</a:t>
+            </a:r>
+            <a:r>
+              <a:rPr lang="zh-CN" altLang="en-US" sz="1800" dirty="0" smtClean="0">
+                <a:solidFill>
+                  <a:schemeClr val="tx1">
+                    <a:lumMod val="75000"/>
+                    <a:lumOff val="25000"/>
+                  </a:schemeClr>
+                </a:solidFill>
+                <a:latin typeface="微软雅黑" pitchFamily="34" charset="-122"/>
+                <a:ea typeface="微软雅黑" panose="020B0503020204020204" pitchFamily="34" charset="-122"/>
+              </a:rPr>
+              <a:t>精力而自动产生的</a:t>
+            </a:r>
+            <a:r>
+              <a:rPr lang="zh-CN" altLang="en-US" sz="1800" dirty="0" smtClean="0">
+                <a:solidFill>
+                  <a:schemeClr val="tx1">
+                    <a:lumMod val="75000"/>
+                    <a:lumOff val="25000"/>
+                  </a:schemeClr>
+                </a:solidFill>
+                <a:latin typeface="微软雅黑" pitchFamily="34" charset="-122"/>
+                <a:ea typeface="微软雅黑" panose="020B0503020204020204" pitchFamily="34" charset="-122"/>
+              </a:rPr>
+              <a:t>收入，如房产租金，知识产权、银行</a:t>
+            </a:r>
+            <a:r>
+              <a:rPr lang="zh-CN" altLang="en-US" sz="1800" dirty="0" smtClean="0">
+                <a:solidFill>
+                  <a:schemeClr val="tx1">
+                    <a:lumMod val="75000"/>
+                    <a:lumOff val="25000"/>
+                  </a:schemeClr>
+                </a:solidFill>
+                <a:latin typeface="微软雅黑" pitchFamily="34" charset="-122"/>
+                <a:ea typeface="微软雅黑" panose="020B0503020204020204" pitchFamily="34" charset="-122"/>
+              </a:rPr>
+              <a:t>利息等</a:t>
+            </a:r>
+            <a:r>
+              <a:rPr lang="zh-CN" altLang="en-US" sz="1800" dirty="0" smtClean="0">
+                <a:solidFill>
+                  <a:schemeClr val="tx1">
+                    <a:lumMod val="75000"/>
+                    <a:lumOff val="25000"/>
+                  </a:schemeClr>
+                </a:solidFill>
+                <a:latin typeface="微软雅黑" pitchFamily="34" charset="-122"/>
+                <a:ea typeface="微软雅黑" panose="020B0503020204020204" pitchFamily="34" charset="-122"/>
+              </a:rPr>
+              <a:t>。</a:t>
             </a:r>
             <a:endParaRPr lang="en-US" altLang="zh-CN" sz="1800" dirty="0" smtClean="0">
               <a:solidFill>
@@ -20417,7 +20597,7 @@
       </p:sp>
       <p:pic>
         <p:nvPicPr>
-          <p:cNvPr id="1027" name="Picture 3"/>
+          <p:cNvPr id="19458" name="Picture 2" descr="http://img.mp.sohu.com/q_70,c_zoom,w_640/upload/20170708/70bf0deb78524a67b5db9cd732ce94f1.jpg"/>
           <p:cNvPicPr>
             <a:picLocks noChangeAspect="1" noChangeArrowheads="1"/>
           </p:cNvPicPr>
@@ -20432,26 +20612,19 @@
         </p:blipFill>
         <p:spPr bwMode="auto">
           <a:xfrm>
-            <a:off x="1828800" y="2743200"/>
-            <a:ext cx="7584242" cy="2010910"/>
+            <a:off x="2401819" y="3000582"/>
+            <a:ext cx="5715000" cy="1628776"/>
           </a:xfrm>
           <a:prstGeom prst="rect">
             <a:avLst/>
           </a:prstGeom>
           <a:noFill/>
-          <a:ln w="9525">
-            <a:noFill/>
-            <a:miter lim="800000"/>
-            <a:headEnd/>
-            <a:tailEnd/>
-          </a:ln>
-          <a:effectLst/>
         </p:spPr>
       </p:pic>
     </p:spTree>
     <p:extLst>
       <p:ext uri="{BB962C8B-B14F-4D97-AF65-F5344CB8AC3E}">
-        <p14:creationId xmlns:p14="http://schemas.microsoft.com/office/powerpoint/2010/main" xmlns="" val="4095140424"/>
+        <p14:creationId xmlns="" xmlns:p14="http://schemas.microsoft.com/office/powerpoint/2010/main" val="4095140424"/>
       </p:ext>
     </p:extLst>
   </p:cSld>
@@ -20459,7 +20632,7 @@
     <a:masterClrMapping/>
   </p:clrMapOvr>
   <mc:AlternateContent xmlns:mc="http://schemas.openxmlformats.org/markup-compatibility/2006">
-    <mc:Choice xmlns:p14="http://schemas.microsoft.com/office/powerpoint/2010/main" xmlns="" Requires="p14">
+    <mc:Choice xmlns="" xmlns:p14="http://schemas.microsoft.com/office/powerpoint/2010/main" Requires="p14">
       <p:transition spd="slow" p14:dur="1600">
         <p:blinds dir="vert"/>
       </p:transition>
@@ -20502,2000 +20675,7 @@
           <p:cNvPr id="31" name="TextBox 9">
             <a:extLst>
               <a:ext uri="{FF2B5EF4-FFF2-40B4-BE49-F238E27FC236}">
-                <a16:creationId xmlns:a16="http://schemas.microsoft.com/office/drawing/2014/main" xmlns="" id="{196AEFB1-B5B8-48EC-BBBA-092BE2D0990E}"/>
-              </a:ext>
-            </a:extLst>
-          </p:cNvPr>
-          <p:cNvSpPr txBox="1"/>
-          <p:nvPr/>
-        </p:nvSpPr>
-        <p:spPr>
-          <a:xfrm>
-            <a:off x="1009935" y="837525"/>
-            <a:ext cx="9908275" cy="861774"/>
-          </a:xfrm>
-          <a:prstGeom prst="rect">
-            <a:avLst/>
-          </a:prstGeom>
-          <a:noFill/>
-        </p:spPr>
-        <p:txBody>
-          <a:bodyPr wrap="square" rtlCol="0">
-            <a:spAutoFit/>
-          </a:bodyPr>
-          <a:lstStyle/>
-          <a:p>
-            <a:pPr algn="ctr"/>
-            <a:r>
-              <a:rPr lang="zh-CN" altLang="en-US" sz="3200" dirty="0" smtClean="0">
-                <a:gradFill>
-                  <a:gsLst>
-                    <a:gs pos="100000">
-                      <a:srgbClr val="00469C"/>
-                    </a:gs>
-                    <a:gs pos="0">
-                      <a:srgbClr val="00A0E8"/>
-                    </a:gs>
-                  </a:gsLst>
-                  <a:lin ang="5400000"/>
-                </a:gradFill>
-                <a:latin typeface="微软雅黑" panose="020B0503020204020204" pitchFamily="34" charset="-122"/>
-                <a:ea typeface="微软雅黑" panose="020B0503020204020204" pitchFamily="34" charset="-122"/>
-              </a:rPr>
-              <a:t>什么是财务自由</a:t>
-            </a:r>
-            <a:endParaRPr lang="en-US" altLang="zh-CN" sz="3200" dirty="0" smtClean="0">
-              <a:gradFill>
-                <a:gsLst>
-                  <a:gs pos="100000">
-                    <a:srgbClr val="00469C"/>
-                  </a:gs>
-                  <a:gs pos="0">
-                    <a:srgbClr val="00A0E8"/>
-                  </a:gs>
-                </a:gsLst>
-                <a:lin ang="5400000"/>
-              </a:gradFill>
-              <a:latin typeface="微软雅黑" panose="020B0503020204020204" pitchFamily="34" charset="-122"/>
-              <a:ea typeface="微软雅黑" panose="020B0503020204020204" pitchFamily="34" charset="-122"/>
-            </a:endParaRPr>
-          </a:p>
-          <a:p>
-            <a:pPr algn="ctr"/>
-            <a:r>
-              <a:rPr lang="zh-CN" altLang="en-US" dirty="0" smtClean="0">
-                <a:gradFill>
-                  <a:gsLst>
-                    <a:gs pos="100000">
-                      <a:srgbClr val="00469C"/>
-                    </a:gs>
-                    <a:gs pos="0">
-                      <a:srgbClr val="00A0E8"/>
-                    </a:gs>
-                  </a:gsLst>
-                  <a:lin ang="5400000"/>
-                </a:gradFill>
-                <a:latin typeface="微软雅黑 Light" panose="020B0502040204020203" pitchFamily="34" charset="-122"/>
-                <a:ea typeface="微软雅黑 Light" panose="020B0502040204020203" pitchFamily="34" charset="-122"/>
-              </a:rPr>
-              <a:t>财务自由的标准</a:t>
-            </a:r>
-            <a:endParaRPr lang="zh-CN" altLang="en-US" dirty="0">
-              <a:gradFill>
-                <a:gsLst>
-                  <a:gs pos="100000">
-                    <a:srgbClr val="00469C"/>
-                  </a:gs>
-                  <a:gs pos="0">
-                    <a:srgbClr val="00A0E8"/>
-                  </a:gs>
-                </a:gsLst>
-                <a:lin ang="5400000"/>
-              </a:gradFill>
-              <a:latin typeface="微软雅黑 Light" panose="020B0502040204020203" pitchFamily="34" charset="-122"/>
-              <a:ea typeface="微软雅黑 Light" panose="020B0502040204020203" pitchFamily="34" charset="-122"/>
-            </a:endParaRPr>
-          </a:p>
-        </p:txBody>
-      </p:sp>
-      <p:grpSp>
-        <p:nvGrpSpPr>
-          <p:cNvPr id="116" name="组合 115"/>
-          <p:cNvGrpSpPr/>
-          <p:nvPr/>
-        </p:nvGrpSpPr>
-        <p:grpSpPr>
-          <a:xfrm>
-            <a:off x="1067623" y="2061062"/>
-            <a:ext cx="10255697" cy="4400697"/>
-            <a:chOff x="825376" y="1347614"/>
-            <a:chExt cx="7134688" cy="3061479"/>
-          </a:xfrm>
-        </p:grpSpPr>
-        <p:sp>
-          <p:nvSpPr>
-            <p:cNvPr id="117" name="箭头3"/>
-            <p:cNvSpPr>
-              <a:spLocks/>
-            </p:cNvSpPr>
-            <p:nvPr/>
-          </p:nvSpPr>
-          <p:spPr bwMode="gray">
-            <a:xfrm flipV="1">
-              <a:off x="1391522" y="2889667"/>
-              <a:ext cx="819764" cy="1140531"/>
-            </a:xfrm>
-            <a:custGeom>
-              <a:avLst/>
-              <a:gdLst>
-                <a:gd name="T0" fmla="*/ 118 w 933"/>
-                <a:gd name="T1" fmla="*/ 1044 h 1182"/>
-                <a:gd name="T2" fmla="*/ 128 w 933"/>
-                <a:gd name="T3" fmla="*/ 340 h 1182"/>
-                <a:gd name="T4" fmla="*/ 264 w 933"/>
-                <a:gd name="T5" fmla="*/ 210 h 1182"/>
-                <a:gd name="T6" fmla="*/ 720 w 933"/>
-                <a:gd name="T7" fmla="*/ 202 h 1182"/>
-                <a:gd name="T8" fmla="*/ 720 w 933"/>
-                <a:gd name="T9" fmla="*/ 320 h 1182"/>
-                <a:gd name="T10" fmla="*/ 933 w 933"/>
-                <a:gd name="T11" fmla="*/ 153 h 1182"/>
-                <a:gd name="T12" fmla="*/ 712 w 933"/>
-                <a:gd name="T13" fmla="*/ 0 h 1182"/>
-                <a:gd name="T14" fmla="*/ 714 w 933"/>
-                <a:gd name="T15" fmla="*/ 92 h 1182"/>
-                <a:gd name="T16" fmla="*/ 234 w 933"/>
-                <a:gd name="T17" fmla="*/ 94 h 1182"/>
-                <a:gd name="T18" fmla="*/ 0 w 933"/>
-                <a:gd name="T19" fmla="*/ 298 h 1182"/>
-                <a:gd name="T20" fmla="*/ 0 w 933"/>
-                <a:gd name="T21" fmla="*/ 1058 h 1182"/>
-                <a:gd name="T22" fmla="*/ 118 w 933"/>
-                <a:gd name="T23" fmla="*/ 1044 h 1182"/>
-              </a:gdLst>
-              <a:ahLst/>
-              <a:cxnLst>
-                <a:cxn ang="0">
-                  <a:pos x="T0" y="T1"/>
-                </a:cxn>
-                <a:cxn ang="0">
-                  <a:pos x="T2" y="T3"/>
-                </a:cxn>
-                <a:cxn ang="0">
-                  <a:pos x="T4" y="T5"/>
-                </a:cxn>
-                <a:cxn ang="0">
-                  <a:pos x="T6" y="T7"/>
-                </a:cxn>
-                <a:cxn ang="0">
-                  <a:pos x="T8" y="T9"/>
-                </a:cxn>
-                <a:cxn ang="0">
-                  <a:pos x="T10" y="T11"/>
-                </a:cxn>
-                <a:cxn ang="0">
-                  <a:pos x="T12" y="T13"/>
-                </a:cxn>
-                <a:cxn ang="0">
-                  <a:pos x="T14" y="T15"/>
-                </a:cxn>
-                <a:cxn ang="0">
-                  <a:pos x="T16" y="T17"/>
-                </a:cxn>
-                <a:cxn ang="0">
-                  <a:pos x="T18" y="T19"/>
-                </a:cxn>
-                <a:cxn ang="0">
-                  <a:pos x="T20" y="T21"/>
-                </a:cxn>
-                <a:cxn ang="0">
-                  <a:pos x="T22" y="T23"/>
-                </a:cxn>
-              </a:cxnLst>
-              <a:rect l="0" t="0" r="r" b="b"/>
-              <a:pathLst>
-                <a:path w="933" h="1182">
-                  <a:moveTo>
-                    <a:pt x="118" y="1044"/>
-                  </a:moveTo>
-                  <a:lnTo>
-                    <a:pt x="128" y="340"/>
-                  </a:lnTo>
-                  <a:cubicBezTo>
-                    <a:pt x="134" y="214"/>
-                    <a:pt x="182" y="212"/>
-                    <a:pt x="264" y="210"/>
-                  </a:cubicBezTo>
-                  <a:lnTo>
-                    <a:pt x="720" y="202"/>
-                  </a:lnTo>
-                  <a:lnTo>
-                    <a:pt x="720" y="320"/>
-                  </a:lnTo>
-                  <a:lnTo>
-                    <a:pt x="933" y="153"/>
-                  </a:lnTo>
-                  <a:lnTo>
-                    <a:pt x="712" y="0"/>
-                  </a:lnTo>
-                  <a:lnTo>
-                    <a:pt x="714" y="92"/>
-                  </a:lnTo>
-                  <a:cubicBezTo>
-                    <a:pt x="714" y="92"/>
-                    <a:pt x="406" y="94"/>
-                    <a:pt x="234" y="94"/>
-                  </a:cubicBezTo>
-                  <a:cubicBezTo>
-                    <a:pt x="60" y="96"/>
-                    <a:pt x="2" y="156"/>
-                    <a:pt x="0" y="298"/>
-                  </a:cubicBezTo>
-                  <a:lnTo>
-                    <a:pt x="0" y="1058"/>
-                  </a:lnTo>
-                  <a:cubicBezTo>
-                    <a:pt x="20" y="1182"/>
-                    <a:pt x="93" y="1170"/>
-                    <a:pt x="118" y="1044"/>
-                  </a:cubicBezTo>
-                  <a:close/>
-                </a:path>
-              </a:pathLst>
-            </a:custGeom>
-            <a:solidFill>
-              <a:schemeClr val="bg1">
-                <a:lumMod val="65000"/>
-              </a:schemeClr>
-            </a:solidFill>
-            <a:ln>
-              <a:noFill/>
-            </a:ln>
-            <a:effectLst/>
-            <a:extLst/>
-          </p:spPr>
-          <p:txBody>
-            <a:bodyPr wrap="none" lIns="62118" tIns="31058" rIns="62118" bIns="31058" anchor="ctr">
-              <a:noAutofit/>
-            </a:bodyPr>
-            <a:lstStyle>
-              <a:defPPr>
-                <a:defRPr lang="zh-CN"/>
-              </a:defPPr>
-              <a:lvl1pPr marL="0" algn="l" defTabSz="914400" rtl="0" eaLnBrk="1" latinLnBrk="0" hangingPunct="1">
-                <a:defRPr sz="1800" kern="1200">
-                  <a:solidFill>
-                    <a:schemeClr val="tx1"/>
-                  </a:solidFill>
-                  <a:latin typeface="+mn-lt"/>
-                  <a:ea typeface="+mn-ea"/>
-                  <a:cs typeface="+mn-cs"/>
-                </a:defRPr>
-              </a:lvl1pPr>
-              <a:lvl2pPr marL="457200" algn="l" defTabSz="914400" rtl="0" eaLnBrk="1" latinLnBrk="0" hangingPunct="1">
-                <a:defRPr sz="1800" kern="1200">
-                  <a:solidFill>
-                    <a:schemeClr val="tx1"/>
-                  </a:solidFill>
-                  <a:latin typeface="+mn-lt"/>
-                  <a:ea typeface="+mn-ea"/>
-                  <a:cs typeface="+mn-cs"/>
-                </a:defRPr>
-              </a:lvl2pPr>
-              <a:lvl3pPr marL="914400" algn="l" defTabSz="914400" rtl="0" eaLnBrk="1" latinLnBrk="0" hangingPunct="1">
-                <a:defRPr sz="1800" kern="1200">
-                  <a:solidFill>
-                    <a:schemeClr val="tx1"/>
-                  </a:solidFill>
-                  <a:latin typeface="+mn-lt"/>
-                  <a:ea typeface="+mn-ea"/>
-                  <a:cs typeface="+mn-cs"/>
-                </a:defRPr>
-              </a:lvl3pPr>
-              <a:lvl4pPr marL="1371600" algn="l" defTabSz="914400" rtl="0" eaLnBrk="1" latinLnBrk="0" hangingPunct="1">
-                <a:defRPr sz="1800" kern="1200">
-                  <a:solidFill>
-                    <a:schemeClr val="tx1"/>
-                  </a:solidFill>
-                  <a:latin typeface="+mn-lt"/>
-                  <a:ea typeface="+mn-ea"/>
-                  <a:cs typeface="+mn-cs"/>
-                </a:defRPr>
-              </a:lvl4pPr>
-              <a:lvl5pPr marL="1828800" algn="l" defTabSz="914400" rtl="0" eaLnBrk="1" latinLnBrk="0" hangingPunct="1">
-                <a:defRPr sz="1800" kern="1200">
-                  <a:solidFill>
-                    <a:schemeClr val="tx1"/>
-                  </a:solidFill>
-                  <a:latin typeface="+mn-lt"/>
-                  <a:ea typeface="+mn-ea"/>
-                  <a:cs typeface="+mn-cs"/>
-                </a:defRPr>
-              </a:lvl5pPr>
-              <a:lvl6pPr marL="2286000" algn="l" defTabSz="914400" rtl="0" eaLnBrk="1" latinLnBrk="0" hangingPunct="1">
-                <a:defRPr sz="1800" kern="1200">
-                  <a:solidFill>
-                    <a:schemeClr val="tx1"/>
-                  </a:solidFill>
-                  <a:latin typeface="+mn-lt"/>
-                  <a:ea typeface="+mn-ea"/>
-                  <a:cs typeface="+mn-cs"/>
-                </a:defRPr>
-              </a:lvl6pPr>
-              <a:lvl7pPr marL="2743200" algn="l" defTabSz="914400" rtl="0" eaLnBrk="1" latinLnBrk="0" hangingPunct="1">
-                <a:defRPr sz="1800" kern="1200">
-                  <a:solidFill>
-                    <a:schemeClr val="tx1"/>
-                  </a:solidFill>
-                  <a:latin typeface="+mn-lt"/>
-                  <a:ea typeface="+mn-ea"/>
-                  <a:cs typeface="+mn-cs"/>
-                </a:defRPr>
-              </a:lvl7pPr>
-              <a:lvl8pPr marL="3200400" algn="l" defTabSz="914400" rtl="0" eaLnBrk="1" latinLnBrk="0" hangingPunct="1">
-                <a:defRPr sz="1800" kern="1200">
-                  <a:solidFill>
-                    <a:schemeClr val="tx1"/>
-                  </a:solidFill>
-                  <a:latin typeface="+mn-lt"/>
-                  <a:ea typeface="+mn-ea"/>
-                  <a:cs typeface="+mn-cs"/>
-                </a:defRPr>
-              </a:lvl8pPr>
-              <a:lvl9pPr marL="3657600" algn="l" defTabSz="914400" rtl="0" eaLnBrk="1" latinLnBrk="0" hangingPunct="1">
-                <a:defRPr sz="1800" kern="1200">
-                  <a:solidFill>
-                    <a:schemeClr val="tx1"/>
-                  </a:solidFill>
-                  <a:latin typeface="+mn-lt"/>
-                  <a:ea typeface="+mn-ea"/>
-                  <a:cs typeface="+mn-cs"/>
-                </a:defRPr>
-              </a:lvl9pPr>
-            </a:lstStyle>
-            <a:p>
-              <a:pPr>
-                <a:defRPr/>
-              </a:pPr>
-              <a:endParaRPr lang="zh-CN" altLang="en-US" sz="900">
-                <a:solidFill>
-                  <a:sysClr val="windowText" lastClr="000000"/>
-                </a:solidFill>
-                <a:latin typeface="微软雅黑" panose="020B0503020204020204" pitchFamily="34" charset="-122"/>
-                <a:ea typeface="微软雅黑" panose="020B0503020204020204" pitchFamily="34" charset="-122"/>
-              </a:endParaRPr>
-            </a:p>
-          </p:txBody>
-        </p:sp>
-        <p:sp>
-          <p:nvSpPr>
-            <p:cNvPr id="118" name="箭头2"/>
-            <p:cNvSpPr>
-              <a:spLocks/>
-            </p:cNvSpPr>
-            <p:nvPr/>
-          </p:nvSpPr>
-          <p:spPr bwMode="gray">
-            <a:xfrm rot="16200000">
-              <a:off x="1607533" y="2415012"/>
-              <a:ext cx="243647" cy="974403"/>
-            </a:xfrm>
-            <a:custGeom>
-              <a:avLst/>
-              <a:gdLst>
-                <a:gd name="T0" fmla="*/ 37 w 142"/>
-                <a:gd name="T1" fmla="*/ 1 h 604"/>
-                <a:gd name="T2" fmla="*/ 45 w 142"/>
-                <a:gd name="T3" fmla="*/ 472 h 604"/>
-                <a:gd name="T4" fmla="*/ 0 w 142"/>
-                <a:gd name="T5" fmla="*/ 474 h 604"/>
-                <a:gd name="T6" fmla="*/ 72 w 142"/>
-                <a:gd name="T7" fmla="*/ 604 h 604"/>
-                <a:gd name="T8" fmla="*/ 142 w 142"/>
-                <a:gd name="T9" fmla="*/ 474 h 604"/>
-                <a:gd name="T10" fmla="*/ 100 w 142"/>
-                <a:gd name="T11" fmla="*/ 474 h 604"/>
-                <a:gd name="T12" fmla="*/ 99 w 142"/>
-                <a:gd name="T13" fmla="*/ 0 h 604"/>
-                <a:gd name="T14" fmla="*/ 37 w 142"/>
-                <a:gd name="T15" fmla="*/ 1 h 604"/>
-              </a:gdLst>
-              <a:ahLst/>
-              <a:cxnLst>
-                <a:cxn ang="0">
-                  <a:pos x="T0" y="T1"/>
-                </a:cxn>
-                <a:cxn ang="0">
-                  <a:pos x="T2" y="T3"/>
-                </a:cxn>
-                <a:cxn ang="0">
-                  <a:pos x="T4" y="T5"/>
-                </a:cxn>
-                <a:cxn ang="0">
-                  <a:pos x="T6" y="T7"/>
-                </a:cxn>
-                <a:cxn ang="0">
-                  <a:pos x="T8" y="T9"/>
-                </a:cxn>
-                <a:cxn ang="0">
-                  <a:pos x="T10" y="T11"/>
-                </a:cxn>
-                <a:cxn ang="0">
-                  <a:pos x="T12" y="T13"/>
-                </a:cxn>
-                <a:cxn ang="0">
-                  <a:pos x="T14" y="T15"/>
-                </a:cxn>
-              </a:cxnLst>
-              <a:rect l="0" t="0" r="r" b="b"/>
-              <a:pathLst>
-                <a:path w="142" h="604">
-                  <a:moveTo>
-                    <a:pt x="37" y="1"/>
-                  </a:moveTo>
-                  <a:lnTo>
-                    <a:pt x="45" y="472"/>
-                  </a:lnTo>
-                  <a:lnTo>
-                    <a:pt x="0" y="474"/>
-                  </a:lnTo>
-                  <a:lnTo>
-                    <a:pt x="72" y="604"/>
-                  </a:lnTo>
-                  <a:lnTo>
-                    <a:pt x="142" y="474"/>
-                  </a:lnTo>
-                  <a:lnTo>
-                    <a:pt x="100" y="474"/>
-                  </a:lnTo>
-                  <a:lnTo>
-                    <a:pt x="99" y="0"/>
-                  </a:lnTo>
-                  <a:lnTo>
-                    <a:pt x="37" y="1"/>
-                  </a:lnTo>
-                  <a:close/>
-                </a:path>
-              </a:pathLst>
-            </a:custGeom>
-            <a:solidFill>
-              <a:schemeClr val="bg1">
-                <a:lumMod val="65000"/>
-              </a:schemeClr>
-            </a:solidFill>
-            <a:ln>
-              <a:noFill/>
-            </a:ln>
-            <a:effectLst/>
-            <a:extLst/>
-          </p:spPr>
-          <p:txBody>
-            <a:bodyPr wrap="none" lIns="62118" tIns="31058" rIns="62118" bIns="31058" anchor="ctr">
-              <a:noAutofit/>
-            </a:bodyPr>
-            <a:lstStyle>
-              <a:defPPr>
-                <a:defRPr lang="zh-CN"/>
-              </a:defPPr>
-              <a:lvl1pPr marL="0" algn="l" defTabSz="914400" rtl="0" eaLnBrk="1" latinLnBrk="0" hangingPunct="1">
-                <a:defRPr sz="1800" kern="1200">
-                  <a:solidFill>
-                    <a:schemeClr val="tx1"/>
-                  </a:solidFill>
-                  <a:latin typeface="+mn-lt"/>
-                  <a:ea typeface="+mn-ea"/>
-                  <a:cs typeface="+mn-cs"/>
-                </a:defRPr>
-              </a:lvl1pPr>
-              <a:lvl2pPr marL="457200" algn="l" defTabSz="914400" rtl="0" eaLnBrk="1" latinLnBrk="0" hangingPunct="1">
-                <a:defRPr sz="1800" kern="1200">
-                  <a:solidFill>
-                    <a:schemeClr val="tx1"/>
-                  </a:solidFill>
-                  <a:latin typeface="+mn-lt"/>
-                  <a:ea typeface="+mn-ea"/>
-                  <a:cs typeface="+mn-cs"/>
-                </a:defRPr>
-              </a:lvl2pPr>
-              <a:lvl3pPr marL="914400" algn="l" defTabSz="914400" rtl="0" eaLnBrk="1" latinLnBrk="0" hangingPunct="1">
-                <a:defRPr sz="1800" kern="1200">
-                  <a:solidFill>
-                    <a:schemeClr val="tx1"/>
-                  </a:solidFill>
-                  <a:latin typeface="+mn-lt"/>
-                  <a:ea typeface="+mn-ea"/>
-                  <a:cs typeface="+mn-cs"/>
-                </a:defRPr>
-              </a:lvl3pPr>
-              <a:lvl4pPr marL="1371600" algn="l" defTabSz="914400" rtl="0" eaLnBrk="1" latinLnBrk="0" hangingPunct="1">
-                <a:defRPr sz="1800" kern="1200">
-                  <a:solidFill>
-                    <a:schemeClr val="tx1"/>
-                  </a:solidFill>
-                  <a:latin typeface="+mn-lt"/>
-                  <a:ea typeface="+mn-ea"/>
-                  <a:cs typeface="+mn-cs"/>
-                </a:defRPr>
-              </a:lvl4pPr>
-              <a:lvl5pPr marL="1828800" algn="l" defTabSz="914400" rtl="0" eaLnBrk="1" latinLnBrk="0" hangingPunct="1">
-                <a:defRPr sz="1800" kern="1200">
-                  <a:solidFill>
-                    <a:schemeClr val="tx1"/>
-                  </a:solidFill>
-                  <a:latin typeface="+mn-lt"/>
-                  <a:ea typeface="+mn-ea"/>
-                  <a:cs typeface="+mn-cs"/>
-                </a:defRPr>
-              </a:lvl5pPr>
-              <a:lvl6pPr marL="2286000" algn="l" defTabSz="914400" rtl="0" eaLnBrk="1" latinLnBrk="0" hangingPunct="1">
-                <a:defRPr sz="1800" kern="1200">
-                  <a:solidFill>
-                    <a:schemeClr val="tx1"/>
-                  </a:solidFill>
-                  <a:latin typeface="+mn-lt"/>
-                  <a:ea typeface="+mn-ea"/>
-                  <a:cs typeface="+mn-cs"/>
-                </a:defRPr>
-              </a:lvl6pPr>
-              <a:lvl7pPr marL="2743200" algn="l" defTabSz="914400" rtl="0" eaLnBrk="1" latinLnBrk="0" hangingPunct="1">
-                <a:defRPr sz="1800" kern="1200">
-                  <a:solidFill>
-                    <a:schemeClr val="tx1"/>
-                  </a:solidFill>
-                  <a:latin typeface="+mn-lt"/>
-                  <a:ea typeface="+mn-ea"/>
-                  <a:cs typeface="+mn-cs"/>
-                </a:defRPr>
-              </a:lvl7pPr>
-              <a:lvl8pPr marL="3200400" algn="l" defTabSz="914400" rtl="0" eaLnBrk="1" latinLnBrk="0" hangingPunct="1">
-                <a:defRPr sz="1800" kern="1200">
-                  <a:solidFill>
-                    <a:schemeClr val="tx1"/>
-                  </a:solidFill>
-                  <a:latin typeface="+mn-lt"/>
-                  <a:ea typeface="+mn-ea"/>
-                  <a:cs typeface="+mn-cs"/>
-                </a:defRPr>
-              </a:lvl8pPr>
-              <a:lvl9pPr marL="3657600" algn="l" defTabSz="914400" rtl="0" eaLnBrk="1" latinLnBrk="0" hangingPunct="1">
-                <a:defRPr sz="1800" kern="1200">
-                  <a:solidFill>
-                    <a:schemeClr val="tx1"/>
-                  </a:solidFill>
-                  <a:latin typeface="+mn-lt"/>
-                  <a:ea typeface="+mn-ea"/>
-                  <a:cs typeface="+mn-cs"/>
-                </a:defRPr>
-              </a:lvl9pPr>
-            </a:lstStyle>
-            <a:p>
-              <a:pPr>
-                <a:defRPr/>
-              </a:pPr>
-              <a:endParaRPr lang="zh-CN" altLang="en-US" sz="900">
-                <a:solidFill>
-                  <a:sysClr val="windowText" lastClr="000000"/>
-                </a:solidFill>
-                <a:latin typeface="微软雅黑" panose="020B0503020204020204" pitchFamily="34" charset="-122"/>
-                <a:ea typeface="微软雅黑" panose="020B0503020204020204" pitchFamily="34" charset="-122"/>
-              </a:endParaRPr>
-            </a:p>
-          </p:txBody>
-        </p:sp>
-        <p:sp>
-          <p:nvSpPr>
-            <p:cNvPr id="119" name="箭头1"/>
-            <p:cNvSpPr>
-              <a:spLocks/>
-            </p:cNvSpPr>
-            <p:nvPr/>
-          </p:nvSpPr>
-          <p:spPr bwMode="gray">
-            <a:xfrm>
-              <a:off x="1386251" y="1643759"/>
-              <a:ext cx="819764" cy="1321191"/>
-            </a:xfrm>
-            <a:custGeom>
-              <a:avLst/>
-              <a:gdLst>
-                <a:gd name="T0" fmla="*/ 118 w 933"/>
-                <a:gd name="T1" fmla="*/ 1044 h 1182"/>
-                <a:gd name="T2" fmla="*/ 128 w 933"/>
-                <a:gd name="T3" fmla="*/ 340 h 1182"/>
-                <a:gd name="T4" fmla="*/ 264 w 933"/>
-                <a:gd name="T5" fmla="*/ 210 h 1182"/>
-                <a:gd name="T6" fmla="*/ 720 w 933"/>
-                <a:gd name="T7" fmla="*/ 202 h 1182"/>
-                <a:gd name="T8" fmla="*/ 720 w 933"/>
-                <a:gd name="T9" fmla="*/ 320 h 1182"/>
-                <a:gd name="T10" fmla="*/ 933 w 933"/>
-                <a:gd name="T11" fmla="*/ 153 h 1182"/>
-                <a:gd name="T12" fmla="*/ 712 w 933"/>
-                <a:gd name="T13" fmla="*/ 0 h 1182"/>
-                <a:gd name="T14" fmla="*/ 714 w 933"/>
-                <a:gd name="T15" fmla="*/ 92 h 1182"/>
-                <a:gd name="T16" fmla="*/ 234 w 933"/>
-                <a:gd name="T17" fmla="*/ 94 h 1182"/>
-                <a:gd name="T18" fmla="*/ 0 w 933"/>
-                <a:gd name="T19" fmla="*/ 298 h 1182"/>
-                <a:gd name="T20" fmla="*/ 0 w 933"/>
-                <a:gd name="T21" fmla="*/ 1058 h 1182"/>
-                <a:gd name="T22" fmla="*/ 118 w 933"/>
-                <a:gd name="T23" fmla="*/ 1044 h 1182"/>
-              </a:gdLst>
-              <a:ahLst/>
-              <a:cxnLst>
-                <a:cxn ang="0">
-                  <a:pos x="T0" y="T1"/>
-                </a:cxn>
-                <a:cxn ang="0">
-                  <a:pos x="T2" y="T3"/>
-                </a:cxn>
-                <a:cxn ang="0">
-                  <a:pos x="T4" y="T5"/>
-                </a:cxn>
-                <a:cxn ang="0">
-                  <a:pos x="T6" y="T7"/>
-                </a:cxn>
-                <a:cxn ang="0">
-                  <a:pos x="T8" y="T9"/>
-                </a:cxn>
-                <a:cxn ang="0">
-                  <a:pos x="T10" y="T11"/>
-                </a:cxn>
-                <a:cxn ang="0">
-                  <a:pos x="T12" y="T13"/>
-                </a:cxn>
-                <a:cxn ang="0">
-                  <a:pos x="T14" y="T15"/>
-                </a:cxn>
-                <a:cxn ang="0">
-                  <a:pos x="T16" y="T17"/>
-                </a:cxn>
-                <a:cxn ang="0">
-                  <a:pos x="T18" y="T19"/>
-                </a:cxn>
-                <a:cxn ang="0">
-                  <a:pos x="T20" y="T21"/>
-                </a:cxn>
-                <a:cxn ang="0">
-                  <a:pos x="T22" y="T23"/>
-                </a:cxn>
-              </a:cxnLst>
-              <a:rect l="0" t="0" r="r" b="b"/>
-              <a:pathLst>
-                <a:path w="933" h="1182">
-                  <a:moveTo>
-                    <a:pt x="118" y="1044"/>
-                  </a:moveTo>
-                  <a:lnTo>
-                    <a:pt x="128" y="340"/>
-                  </a:lnTo>
-                  <a:cubicBezTo>
-                    <a:pt x="134" y="214"/>
-                    <a:pt x="182" y="212"/>
-                    <a:pt x="264" y="210"/>
-                  </a:cubicBezTo>
-                  <a:lnTo>
-                    <a:pt x="720" y="202"/>
-                  </a:lnTo>
-                  <a:lnTo>
-                    <a:pt x="720" y="320"/>
-                  </a:lnTo>
-                  <a:lnTo>
-                    <a:pt x="933" y="153"/>
-                  </a:lnTo>
-                  <a:lnTo>
-                    <a:pt x="712" y="0"/>
-                  </a:lnTo>
-                  <a:lnTo>
-                    <a:pt x="714" y="92"/>
-                  </a:lnTo>
-                  <a:cubicBezTo>
-                    <a:pt x="714" y="92"/>
-                    <a:pt x="406" y="94"/>
-                    <a:pt x="234" y="94"/>
-                  </a:cubicBezTo>
-                  <a:cubicBezTo>
-                    <a:pt x="60" y="96"/>
-                    <a:pt x="2" y="156"/>
-                    <a:pt x="0" y="298"/>
-                  </a:cubicBezTo>
-                  <a:lnTo>
-                    <a:pt x="0" y="1058"/>
-                  </a:lnTo>
-                  <a:cubicBezTo>
-                    <a:pt x="20" y="1182"/>
-                    <a:pt x="93" y="1170"/>
-                    <a:pt x="118" y="1044"/>
-                  </a:cubicBezTo>
-                  <a:close/>
-                </a:path>
-              </a:pathLst>
-            </a:custGeom>
-            <a:solidFill>
-              <a:schemeClr val="bg1">
-                <a:lumMod val="65000"/>
-              </a:schemeClr>
-            </a:solidFill>
-            <a:ln>
-              <a:noFill/>
-            </a:ln>
-            <a:effectLst/>
-            <a:extLst/>
-          </p:spPr>
-          <p:txBody>
-            <a:bodyPr wrap="none" lIns="62118" tIns="31058" rIns="62118" bIns="31058" anchor="ctr">
-              <a:noAutofit/>
-            </a:bodyPr>
-            <a:lstStyle>
-              <a:defPPr>
-                <a:defRPr lang="zh-CN"/>
-              </a:defPPr>
-              <a:lvl1pPr marL="0" algn="l" defTabSz="914400" rtl="0" eaLnBrk="1" latinLnBrk="0" hangingPunct="1">
-                <a:defRPr sz="1800" kern="1200">
-                  <a:solidFill>
-                    <a:schemeClr val="tx1"/>
-                  </a:solidFill>
-                  <a:latin typeface="+mn-lt"/>
-                  <a:ea typeface="+mn-ea"/>
-                  <a:cs typeface="+mn-cs"/>
-                </a:defRPr>
-              </a:lvl1pPr>
-              <a:lvl2pPr marL="457200" algn="l" defTabSz="914400" rtl="0" eaLnBrk="1" latinLnBrk="0" hangingPunct="1">
-                <a:defRPr sz="1800" kern="1200">
-                  <a:solidFill>
-                    <a:schemeClr val="tx1"/>
-                  </a:solidFill>
-                  <a:latin typeface="+mn-lt"/>
-                  <a:ea typeface="+mn-ea"/>
-                  <a:cs typeface="+mn-cs"/>
-                </a:defRPr>
-              </a:lvl2pPr>
-              <a:lvl3pPr marL="914400" algn="l" defTabSz="914400" rtl="0" eaLnBrk="1" latinLnBrk="0" hangingPunct="1">
-                <a:defRPr sz="1800" kern="1200">
-                  <a:solidFill>
-                    <a:schemeClr val="tx1"/>
-                  </a:solidFill>
-                  <a:latin typeface="+mn-lt"/>
-                  <a:ea typeface="+mn-ea"/>
-                  <a:cs typeface="+mn-cs"/>
-                </a:defRPr>
-              </a:lvl3pPr>
-              <a:lvl4pPr marL="1371600" algn="l" defTabSz="914400" rtl="0" eaLnBrk="1" latinLnBrk="0" hangingPunct="1">
-                <a:defRPr sz="1800" kern="1200">
-                  <a:solidFill>
-                    <a:schemeClr val="tx1"/>
-                  </a:solidFill>
-                  <a:latin typeface="+mn-lt"/>
-                  <a:ea typeface="+mn-ea"/>
-                  <a:cs typeface="+mn-cs"/>
-                </a:defRPr>
-              </a:lvl4pPr>
-              <a:lvl5pPr marL="1828800" algn="l" defTabSz="914400" rtl="0" eaLnBrk="1" latinLnBrk="0" hangingPunct="1">
-                <a:defRPr sz="1800" kern="1200">
-                  <a:solidFill>
-                    <a:schemeClr val="tx1"/>
-                  </a:solidFill>
-                  <a:latin typeface="+mn-lt"/>
-                  <a:ea typeface="+mn-ea"/>
-                  <a:cs typeface="+mn-cs"/>
-                </a:defRPr>
-              </a:lvl5pPr>
-              <a:lvl6pPr marL="2286000" algn="l" defTabSz="914400" rtl="0" eaLnBrk="1" latinLnBrk="0" hangingPunct="1">
-                <a:defRPr sz="1800" kern="1200">
-                  <a:solidFill>
-                    <a:schemeClr val="tx1"/>
-                  </a:solidFill>
-                  <a:latin typeface="+mn-lt"/>
-                  <a:ea typeface="+mn-ea"/>
-                  <a:cs typeface="+mn-cs"/>
-                </a:defRPr>
-              </a:lvl6pPr>
-              <a:lvl7pPr marL="2743200" algn="l" defTabSz="914400" rtl="0" eaLnBrk="1" latinLnBrk="0" hangingPunct="1">
-                <a:defRPr sz="1800" kern="1200">
-                  <a:solidFill>
-                    <a:schemeClr val="tx1"/>
-                  </a:solidFill>
-                  <a:latin typeface="+mn-lt"/>
-                  <a:ea typeface="+mn-ea"/>
-                  <a:cs typeface="+mn-cs"/>
-                </a:defRPr>
-              </a:lvl7pPr>
-              <a:lvl8pPr marL="3200400" algn="l" defTabSz="914400" rtl="0" eaLnBrk="1" latinLnBrk="0" hangingPunct="1">
-                <a:defRPr sz="1800" kern="1200">
-                  <a:solidFill>
-                    <a:schemeClr val="tx1"/>
-                  </a:solidFill>
-                  <a:latin typeface="+mn-lt"/>
-                  <a:ea typeface="+mn-ea"/>
-                  <a:cs typeface="+mn-cs"/>
-                </a:defRPr>
-              </a:lvl8pPr>
-              <a:lvl9pPr marL="3657600" algn="l" defTabSz="914400" rtl="0" eaLnBrk="1" latinLnBrk="0" hangingPunct="1">
-                <a:defRPr sz="1800" kern="1200">
-                  <a:solidFill>
-                    <a:schemeClr val="tx1"/>
-                  </a:solidFill>
-                  <a:latin typeface="+mn-lt"/>
-                  <a:ea typeface="+mn-ea"/>
-                  <a:cs typeface="+mn-cs"/>
-                </a:defRPr>
-              </a:lvl9pPr>
-            </a:lstStyle>
-            <a:p>
-              <a:pPr>
-                <a:defRPr/>
-              </a:pPr>
-              <a:endParaRPr lang="zh-CN" altLang="en-US" sz="900">
-                <a:solidFill>
-                  <a:sysClr val="windowText" lastClr="000000"/>
-                </a:solidFill>
-                <a:latin typeface="微软雅黑" panose="020B0503020204020204" pitchFamily="34" charset="-122"/>
-                <a:ea typeface="微软雅黑" panose="020B0503020204020204" pitchFamily="34" charset="-122"/>
-              </a:endParaRPr>
-            </a:p>
-          </p:txBody>
-        </p:sp>
-        <p:sp>
-          <p:nvSpPr>
-            <p:cNvPr id="120" name="文本1"/>
-            <p:cNvSpPr>
-              <a:spLocks noChangeArrowheads="1"/>
-            </p:cNvSpPr>
-            <p:nvPr/>
-          </p:nvSpPr>
-          <p:spPr bwMode="gray">
-            <a:xfrm>
-              <a:off x="3381955" y="1352205"/>
-              <a:ext cx="4578109" cy="896993"/>
-            </a:xfrm>
-            <a:prstGeom prst="roundRect">
-              <a:avLst>
-                <a:gd name="adj" fmla="val 11505"/>
-              </a:avLst>
-            </a:prstGeom>
-            <a:noFill/>
-            <a:ln w="15875" cap="flat" cmpd="sng" algn="ctr">
-              <a:solidFill>
-                <a:schemeClr val="tx1">
-                  <a:lumMod val="50000"/>
-                  <a:lumOff val="50000"/>
-                </a:schemeClr>
-              </a:solidFill>
-              <a:prstDash val="solid"/>
-            </a:ln>
-            <a:effectLst/>
-            <a:extLst/>
-          </p:spPr>
-          <p:txBody>
-            <a:bodyPr lIns="62118" tIns="31058" rIns="62118" bIns="31058" anchor="ctr"/>
-            <a:lstStyle>
-              <a:defPPr>
-                <a:defRPr lang="zh-CN"/>
-              </a:defPPr>
-              <a:lvl1pPr marL="0" algn="l" defTabSz="914400" rtl="0" eaLnBrk="1" latinLnBrk="0" hangingPunct="1">
-                <a:defRPr sz="1800" kern="1200">
-                  <a:solidFill>
-                    <a:schemeClr val="tx1"/>
-                  </a:solidFill>
-                  <a:latin typeface="+mn-lt"/>
-                  <a:ea typeface="+mn-ea"/>
-                  <a:cs typeface="+mn-cs"/>
-                </a:defRPr>
-              </a:lvl1pPr>
-              <a:lvl2pPr marL="457200" algn="l" defTabSz="914400" rtl="0" eaLnBrk="1" latinLnBrk="0" hangingPunct="1">
-                <a:defRPr sz="1800" kern="1200">
-                  <a:solidFill>
-                    <a:schemeClr val="tx1"/>
-                  </a:solidFill>
-                  <a:latin typeface="+mn-lt"/>
-                  <a:ea typeface="+mn-ea"/>
-                  <a:cs typeface="+mn-cs"/>
-                </a:defRPr>
-              </a:lvl2pPr>
-              <a:lvl3pPr marL="914400" algn="l" defTabSz="914400" rtl="0" eaLnBrk="1" latinLnBrk="0" hangingPunct="1">
-                <a:defRPr sz="1800" kern="1200">
-                  <a:solidFill>
-                    <a:schemeClr val="tx1"/>
-                  </a:solidFill>
-                  <a:latin typeface="+mn-lt"/>
-                  <a:ea typeface="+mn-ea"/>
-                  <a:cs typeface="+mn-cs"/>
-                </a:defRPr>
-              </a:lvl3pPr>
-              <a:lvl4pPr marL="1371600" algn="l" defTabSz="914400" rtl="0" eaLnBrk="1" latinLnBrk="0" hangingPunct="1">
-                <a:defRPr sz="1800" kern="1200">
-                  <a:solidFill>
-                    <a:schemeClr val="tx1"/>
-                  </a:solidFill>
-                  <a:latin typeface="+mn-lt"/>
-                  <a:ea typeface="+mn-ea"/>
-                  <a:cs typeface="+mn-cs"/>
-                </a:defRPr>
-              </a:lvl4pPr>
-              <a:lvl5pPr marL="1828800" algn="l" defTabSz="914400" rtl="0" eaLnBrk="1" latinLnBrk="0" hangingPunct="1">
-                <a:defRPr sz="1800" kern="1200">
-                  <a:solidFill>
-                    <a:schemeClr val="tx1"/>
-                  </a:solidFill>
-                  <a:latin typeface="+mn-lt"/>
-                  <a:ea typeface="+mn-ea"/>
-                  <a:cs typeface="+mn-cs"/>
-                </a:defRPr>
-              </a:lvl5pPr>
-              <a:lvl6pPr marL="2286000" algn="l" defTabSz="914400" rtl="0" eaLnBrk="1" latinLnBrk="0" hangingPunct="1">
-                <a:defRPr sz="1800" kern="1200">
-                  <a:solidFill>
-                    <a:schemeClr val="tx1"/>
-                  </a:solidFill>
-                  <a:latin typeface="+mn-lt"/>
-                  <a:ea typeface="+mn-ea"/>
-                  <a:cs typeface="+mn-cs"/>
-                </a:defRPr>
-              </a:lvl6pPr>
-              <a:lvl7pPr marL="2743200" algn="l" defTabSz="914400" rtl="0" eaLnBrk="1" latinLnBrk="0" hangingPunct="1">
-                <a:defRPr sz="1800" kern="1200">
-                  <a:solidFill>
-                    <a:schemeClr val="tx1"/>
-                  </a:solidFill>
-                  <a:latin typeface="+mn-lt"/>
-                  <a:ea typeface="+mn-ea"/>
-                  <a:cs typeface="+mn-cs"/>
-                </a:defRPr>
-              </a:lvl7pPr>
-              <a:lvl8pPr marL="3200400" algn="l" defTabSz="914400" rtl="0" eaLnBrk="1" latinLnBrk="0" hangingPunct="1">
-                <a:defRPr sz="1800" kern="1200">
-                  <a:solidFill>
-                    <a:schemeClr val="tx1"/>
-                  </a:solidFill>
-                  <a:latin typeface="+mn-lt"/>
-                  <a:ea typeface="+mn-ea"/>
-                  <a:cs typeface="+mn-cs"/>
-                </a:defRPr>
-              </a:lvl8pPr>
-              <a:lvl9pPr marL="3657600" algn="l" defTabSz="914400" rtl="0" eaLnBrk="1" latinLnBrk="0" hangingPunct="1">
-                <a:defRPr sz="1800" kern="1200">
-                  <a:solidFill>
-                    <a:schemeClr val="tx1"/>
-                  </a:solidFill>
-                  <a:latin typeface="+mn-lt"/>
-                  <a:ea typeface="+mn-ea"/>
-                  <a:cs typeface="+mn-cs"/>
-                </a:defRPr>
-              </a:lvl9pPr>
-            </a:lstStyle>
-            <a:p>
-              <a:pPr fontAlgn="base">
-                <a:lnSpc>
-                  <a:spcPct val="120000"/>
-                </a:lnSpc>
-                <a:spcBef>
-                  <a:spcPct val="0"/>
-                </a:spcBef>
-                <a:spcAft>
-                  <a:spcPct val="0"/>
-                </a:spcAft>
-                <a:defRPr/>
-              </a:pPr>
-              <a:r>
-                <a:rPr lang="zh-CN" altLang="en-US" dirty="0" smtClean="0"/>
-                <a:t>大部分人的工作都是为了讨生活即为个人或家庭，为供房供车，为维持一个体面的生活。如果你可以不必为钱而工作，而是为兴趣而工作，那你有幸在通往财务自由的路上迈出了重要的一步。</a:t>
-              </a:r>
-              <a:endParaRPr lang="zh-CN" altLang="zh-CN" dirty="0">
-                <a:solidFill>
-                  <a:schemeClr val="tx1">
-                    <a:lumMod val="75000"/>
-                    <a:lumOff val="25000"/>
-                  </a:schemeClr>
-                </a:solidFill>
-                <a:latin typeface="微软雅黑" pitchFamily="34" charset="-122"/>
-                <a:ea typeface="微软雅黑" pitchFamily="34" charset="-122"/>
-              </a:endParaRPr>
-            </a:p>
-          </p:txBody>
-        </p:sp>
-        <p:sp>
-          <p:nvSpPr>
-            <p:cNvPr id="121" name="标题1"/>
-            <p:cNvSpPr>
-              <a:spLocks noChangeArrowheads="1"/>
-            </p:cNvSpPr>
-            <p:nvPr/>
-          </p:nvSpPr>
-          <p:spPr bwMode="gray">
-            <a:xfrm>
-              <a:off x="2305985" y="1347614"/>
-              <a:ext cx="931954" cy="901585"/>
-            </a:xfrm>
-            <a:prstGeom prst="roundRect">
-              <a:avLst>
-                <a:gd name="adj" fmla="val 11921"/>
-              </a:avLst>
-            </a:prstGeom>
-            <a:solidFill>
-              <a:schemeClr val="accent2"/>
-            </a:solidFill>
-            <a:ln w="63500" cap="flat" cmpd="sng" algn="ctr">
-              <a:solidFill>
-                <a:schemeClr val="bg1"/>
-              </a:solidFill>
-              <a:prstDash val="solid"/>
-            </a:ln>
-            <a:effectLst>
-              <a:outerShdw blurRad="127000" dist="38100" dir="5400000" algn="ctr" rotWithShape="0">
-                <a:prstClr val="black">
-                  <a:alpha val="40000"/>
-                </a:prstClr>
-              </a:outerShdw>
-            </a:effectLst>
-          </p:spPr>
-          <p:txBody>
-            <a:bodyPr lIns="62118" tIns="31058" rIns="62118" bIns="31058" anchor="ctr"/>
-            <a:lstStyle>
-              <a:defPPr>
-                <a:defRPr lang="zh-CN"/>
-              </a:defPPr>
-              <a:lvl1pPr marL="0" algn="l" defTabSz="914400" rtl="0" eaLnBrk="1" latinLnBrk="0" hangingPunct="1">
-                <a:defRPr sz="1800" kern="1200">
-                  <a:solidFill>
-                    <a:schemeClr val="tx1"/>
-                  </a:solidFill>
-                  <a:latin typeface="+mn-lt"/>
-                  <a:ea typeface="+mn-ea"/>
-                  <a:cs typeface="+mn-cs"/>
-                </a:defRPr>
-              </a:lvl1pPr>
-              <a:lvl2pPr marL="457200" algn="l" defTabSz="914400" rtl="0" eaLnBrk="1" latinLnBrk="0" hangingPunct="1">
-                <a:defRPr sz="1800" kern="1200">
-                  <a:solidFill>
-                    <a:schemeClr val="tx1"/>
-                  </a:solidFill>
-                  <a:latin typeface="+mn-lt"/>
-                  <a:ea typeface="+mn-ea"/>
-                  <a:cs typeface="+mn-cs"/>
-                </a:defRPr>
-              </a:lvl2pPr>
-              <a:lvl3pPr marL="914400" algn="l" defTabSz="914400" rtl="0" eaLnBrk="1" latinLnBrk="0" hangingPunct="1">
-                <a:defRPr sz="1800" kern="1200">
-                  <a:solidFill>
-                    <a:schemeClr val="tx1"/>
-                  </a:solidFill>
-                  <a:latin typeface="+mn-lt"/>
-                  <a:ea typeface="+mn-ea"/>
-                  <a:cs typeface="+mn-cs"/>
-                </a:defRPr>
-              </a:lvl3pPr>
-              <a:lvl4pPr marL="1371600" algn="l" defTabSz="914400" rtl="0" eaLnBrk="1" latinLnBrk="0" hangingPunct="1">
-                <a:defRPr sz="1800" kern="1200">
-                  <a:solidFill>
-                    <a:schemeClr val="tx1"/>
-                  </a:solidFill>
-                  <a:latin typeface="+mn-lt"/>
-                  <a:ea typeface="+mn-ea"/>
-                  <a:cs typeface="+mn-cs"/>
-                </a:defRPr>
-              </a:lvl4pPr>
-              <a:lvl5pPr marL="1828800" algn="l" defTabSz="914400" rtl="0" eaLnBrk="1" latinLnBrk="0" hangingPunct="1">
-                <a:defRPr sz="1800" kern="1200">
-                  <a:solidFill>
-                    <a:schemeClr val="tx1"/>
-                  </a:solidFill>
-                  <a:latin typeface="+mn-lt"/>
-                  <a:ea typeface="+mn-ea"/>
-                  <a:cs typeface="+mn-cs"/>
-                </a:defRPr>
-              </a:lvl5pPr>
-              <a:lvl6pPr marL="2286000" algn="l" defTabSz="914400" rtl="0" eaLnBrk="1" latinLnBrk="0" hangingPunct="1">
-                <a:defRPr sz="1800" kern="1200">
-                  <a:solidFill>
-                    <a:schemeClr val="tx1"/>
-                  </a:solidFill>
-                  <a:latin typeface="+mn-lt"/>
-                  <a:ea typeface="+mn-ea"/>
-                  <a:cs typeface="+mn-cs"/>
-                </a:defRPr>
-              </a:lvl6pPr>
-              <a:lvl7pPr marL="2743200" algn="l" defTabSz="914400" rtl="0" eaLnBrk="1" latinLnBrk="0" hangingPunct="1">
-                <a:defRPr sz="1800" kern="1200">
-                  <a:solidFill>
-                    <a:schemeClr val="tx1"/>
-                  </a:solidFill>
-                  <a:latin typeface="+mn-lt"/>
-                  <a:ea typeface="+mn-ea"/>
-                  <a:cs typeface="+mn-cs"/>
-                </a:defRPr>
-              </a:lvl7pPr>
-              <a:lvl8pPr marL="3200400" algn="l" defTabSz="914400" rtl="0" eaLnBrk="1" latinLnBrk="0" hangingPunct="1">
-                <a:defRPr sz="1800" kern="1200">
-                  <a:solidFill>
-                    <a:schemeClr val="tx1"/>
-                  </a:solidFill>
-                  <a:latin typeface="+mn-lt"/>
-                  <a:ea typeface="+mn-ea"/>
-                  <a:cs typeface="+mn-cs"/>
-                </a:defRPr>
-              </a:lvl8pPr>
-              <a:lvl9pPr marL="3657600" algn="l" defTabSz="914400" rtl="0" eaLnBrk="1" latinLnBrk="0" hangingPunct="1">
-                <a:defRPr sz="1800" kern="1200">
-                  <a:solidFill>
-                    <a:schemeClr val="tx1"/>
-                  </a:solidFill>
-                  <a:latin typeface="+mn-lt"/>
-                  <a:ea typeface="+mn-ea"/>
-                  <a:cs typeface="+mn-cs"/>
-                </a:defRPr>
-              </a:lvl9pPr>
-            </a:lstStyle>
-            <a:p>
-              <a:pPr algn="ctr" fontAlgn="base">
-                <a:lnSpc>
-                  <a:spcPct val="120000"/>
-                </a:lnSpc>
-                <a:spcBef>
-                  <a:spcPct val="0"/>
-                </a:spcBef>
-                <a:spcAft>
-                  <a:spcPct val="0"/>
-                </a:spcAft>
-                <a:defRPr/>
-              </a:pPr>
-              <a:r>
-                <a:rPr lang="zh-CN" altLang="en-US" dirty="0" smtClean="0">
-                  <a:solidFill>
-                    <a:schemeClr val="bg1"/>
-                  </a:solidFill>
-                  <a:latin typeface="微软雅黑" pitchFamily="34" charset="-122"/>
-                  <a:ea typeface="微软雅黑" pitchFamily="34" charset="-122"/>
-                </a:rPr>
-                <a:t>不必为钱而工作</a:t>
-              </a:r>
-              <a:endParaRPr lang="zh-CN" altLang="zh-CN" dirty="0">
-                <a:solidFill>
-                  <a:schemeClr val="bg1"/>
-                </a:solidFill>
-                <a:latin typeface="微软雅黑" pitchFamily="34" charset="-122"/>
-                <a:ea typeface="微软雅黑" pitchFamily="34" charset="-122"/>
-              </a:endParaRPr>
-            </a:p>
-          </p:txBody>
-        </p:sp>
-        <p:sp>
-          <p:nvSpPr>
-            <p:cNvPr id="122" name="文本2"/>
-            <p:cNvSpPr>
-              <a:spLocks noChangeArrowheads="1"/>
-            </p:cNvSpPr>
-            <p:nvPr/>
-          </p:nvSpPr>
-          <p:spPr bwMode="gray">
-            <a:xfrm>
-              <a:off x="3381955" y="2442238"/>
-              <a:ext cx="4578109" cy="894027"/>
-            </a:xfrm>
-            <a:prstGeom prst="roundRect">
-              <a:avLst>
-                <a:gd name="adj" fmla="val 11505"/>
-              </a:avLst>
-            </a:prstGeom>
-            <a:noFill/>
-            <a:ln w="15875" cap="flat" cmpd="sng" algn="ctr">
-              <a:solidFill>
-                <a:schemeClr val="tx1">
-                  <a:lumMod val="50000"/>
-                  <a:lumOff val="50000"/>
-                </a:schemeClr>
-              </a:solidFill>
-              <a:prstDash val="solid"/>
-            </a:ln>
-            <a:effectLst/>
-            <a:extLst/>
-          </p:spPr>
-          <p:txBody>
-            <a:bodyPr lIns="62118" tIns="31058" rIns="62118" bIns="31058" anchor="ctr"/>
-            <a:lstStyle>
-              <a:defPPr>
-                <a:defRPr lang="zh-CN"/>
-              </a:defPPr>
-              <a:lvl1pPr marL="0" algn="l" defTabSz="914400" rtl="0" eaLnBrk="1" latinLnBrk="0" hangingPunct="1">
-                <a:defRPr sz="1800" kern="1200">
-                  <a:solidFill>
-                    <a:schemeClr val="tx1"/>
-                  </a:solidFill>
-                  <a:latin typeface="+mn-lt"/>
-                  <a:ea typeface="+mn-ea"/>
-                  <a:cs typeface="+mn-cs"/>
-                </a:defRPr>
-              </a:lvl1pPr>
-              <a:lvl2pPr marL="457200" algn="l" defTabSz="914400" rtl="0" eaLnBrk="1" latinLnBrk="0" hangingPunct="1">
-                <a:defRPr sz="1800" kern="1200">
-                  <a:solidFill>
-                    <a:schemeClr val="tx1"/>
-                  </a:solidFill>
-                  <a:latin typeface="+mn-lt"/>
-                  <a:ea typeface="+mn-ea"/>
-                  <a:cs typeface="+mn-cs"/>
-                </a:defRPr>
-              </a:lvl2pPr>
-              <a:lvl3pPr marL="914400" algn="l" defTabSz="914400" rtl="0" eaLnBrk="1" latinLnBrk="0" hangingPunct="1">
-                <a:defRPr sz="1800" kern="1200">
-                  <a:solidFill>
-                    <a:schemeClr val="tx1"/>
-                  </a:solidFill>
-                  <a:latin typeface="+mn-lt"/>
-                  <a:ea typeface="+mn-ea"/>
-                  <a:cs typeface="+mn-cs"/>
-                </a:defRPr>
-              </a:lvl3pPr>
-              <a:lvl4pPr marL="1371600" algn="l" defTabSz="914400" rtl="0" eaLnBrk="1" latinLnBrk="0" hangingPunct="1">
-                <a:defRPr sz="1800" kern="1200">
-                  <a:solidFill>
-                    <a:schemeClr val="tx1"/>
-                  </a:solidFill>
-                  <a:latin typeface="+mn-lt"/>
-                  <a:ea typeface="+mn-ea"/>
-                  <a:cs typeface="+mn-cs"/>
-                </a:defRPr>
-              </a:lvl4pPr>
-              <a:lvl5pPr marL="1828800" algn="l" defTabSz="914400" rtl="0" eaLnBrk="1" latinLnBrk="0" hangingPunct="1">
-                <a:defRPr sz="1800" kern="1200">
-                  <a:solidFill>
-                    <a:schemeClr val="tx1"/>
-                  </a:solidFill>
-                  <a:latin typeface="+mn-lt"/>
-                  <a:ea typeface="+mn-ea"/>
-                  <a:cs typeface="+mn-cs"/>
-                </a:defRPr>
-              </a:lvl5pPr>
-              <a:lvl6pPr marL="2286000" algn="l" defTabSz="914400" rtl="0" eaLnBrk="1" latinLnBrk="0" hangingPunct="1">
-                <a:defRPr sz="1800" kern="1200">
-                  <a:solidFill>
-                    <a:schemeClr val="tx1"/>
-                  </a:solidFill>
-                  <a:latin typeface="+mn-lt"/>
-                  <a:ea typeface="+mn-ea"/>
-                  <a:cs typeface="+mn-cs"/>
-                </a:defRPr>
-              </a:lvl6pPr>
-              <a:lvl7pPr marL="2743200" algn="l" defTabSz="914400" rtl="0" eaLnBrk="1" latinLnBrk="0" hangingPunct="1">
-                <a:defRPr sz="1800" kern="1200">
-                  <a:solidFill>
-                    <a:schemeClr val="tx1"/>
-                  </a:solidFill>
-                  <a:latin typeface="+mn-lt"/>
-                  <a:ea typeface="+mn-ea"/>
-                  <a:cs typeface="+mn-cs"/>
-                </a:defRPr>
-              </a:lvl7pPr>
-              <a:lvl8pPr marL="3200400" algn="l" defTabSz="914400" rtl="0" eaLnBrk="1" latinLnBrk="0" hangingPunct="1">
-                <a:defRPr sz="1800" kern="1200">
-                  <a:solidFill>
-                    <a:schemeClr val="tx1"/>
-                  </a:solidFill>
-                  <a:latin typeface="+mn-lt"/>
-                  <a:ea typeface="+mn-ea"/>
-                  <a:cs typeface="+mn-cs"/>
-                </a:defRPr>
-              </a:lvl8pPr>
-              <a:lvl9pPr marL="3657600" algn="l" defTabSz="914400" rtl="0" eaLnBrk="1" latinLnBrk="0" hangingPunct="1">
-                <a:defRPr sz="1800" kern="1200">
-                  <a:solidFill>
-                    <a:schemeClr val="tx1"/>
-                  </a:solidFill>
-                  <a:latin typeface="+mn-lt"/>
-                  <a:ea typeface="+mn-ea"/>
-                  <a:cs typeface="+mn-cs"/>
-                </a:defRPr>
-              </a:lvl9pPr>
-            </a:lstStyle>
-            <a:p>
-              <a:pPr fontAlgn="base">
-                <a:lnSpc>
-                  <a:spcPct val="120000"/>
-                </a:lnSpc>
-                <a:spcBef>
-                  <a:spcPct val="0"/>
-                </a:spcBef>
-                <a:spcAft>
-                  <a:spcPct val="0"/>
-                </a:spcAft>
-                <a:defRPr/>
-              </a:pPr>
-              <a:r>
-                <a:rPr lang="zh-CN" altLang="en-US" dirty="0" smtClean="0"/>
-                <a:t>除了工资收入外，财产性收入是达至财务自由一个很重要的指标。即保证不工作的时候也有净现金流入。</a:t>
-              </a:r>
-              <a:endParaRPr lang="en-US" altLang="zh-CN" dirty="0" smtClean="0"/>
-            </a:p>
-            <a:p>
-              <a:pPr fontAlgn="base">
-                <a:lnSpc>
-                  <a:spcPct val="120000"/>
-                </a:lnSpc>
-                <a:spcBef>
-                  <a:spcPct val="0"/>
-                </a:spcBef>
-                <a:spcAft>
-                  <a:spcPct val="0"/>
-                </a:spcAft>
-                <a:defRPr/>
-              </a:pPr>
-              <a:r>
-                <a:rPr lang="zh-CN" altLang="en-US" dirty="0" smtClean="0"/>
-                <a:t>财产性收入可以来自房租、股票红利、债卷利息。</a:t>
-              </a:r>
-              <a:endParaRPr lang="zh-CN" altLang="zh-CN" dirty="0" smtClean="0"/>
-            </a:p>
-          </p:txBody>
-        </p:sp>
-        <p:sp>
-          <p:nvSpPr>
-            <p:cNvPr id="123" name="标题2"/>
-            <p:cNvSpPr>
-              <a:spLocks noChangeArrowheads="1"/>
-            </p:cNvSpPr>
-            <p:nvPr/>
-          </p:nvSpPr>
-          <p:spPr bwMode="gray">
-            <a:xfrm>
-              <a:off x="2305985" y="2442238"/>
-              <a:ext cx="931955" cy="894027"/>
-            </a:xfrm>
-            <a:prstGeom prst="roundRect">
-              <a:avLst>
-                <a:gd name="adj" fmla="val 11921"/>
-              </a:avLst>
-            </a:prstGeom>
-            <a:solidFill>
-              <a:schemeClr val="accent3"/>
-            </a:solidFill>
-            <a:ln w="63500" cap="flat" cmpd="sng" algn="ctr">
-              <a:solidFill>
-                <a:schemeClr val="bg1"/>
-              </a:solidFill>
-              <a:prstDash val="solid"/>
-            </a:ln>
-            <a:effectLst>
-              <a:outerShdw blurRad="127000" dist="38100" dir="5400000" algn="ctr" rotWithShape="0">
-                <a:prstClr val="black">
-                  <a:alpha val="40000"/>
-                </a:prstClr>
-              </a:outerShdw>
-            </a:effectLst>
-          </p:spPr>
-          <p:txBody>
-            <a:bodyPr lIns="62118" tIns="31058" rIns="62118" bIns="31058" anchor="ctr"/>
-            <a:lstStyle>
-              <a:defPPr>
-                <a:defRPr lang="zh-CN"/>
-              </a:defPPr>
-              <a:lvl1pPr marL="0" algn="l" defTabSz="914400" rtl="0" eaLnBrk="1" latinLnBrk="0" hangingPunct="1">
-                <a:defRPr sz="1800" kern="1200">
-                  <a:solidFill>
-                    <a:schemeClr val="tx1"/>
-                  </a:solidFill>
-                  <a:latin typeface="+mn-lt"/>
-                  <a:ea typeface="+mn-ea"/>
-                  <a:cs typeface="+mn-cs"/>
-                </a:defRPr>
-              </a:lvl1pPr>
-              <a:lvl2pPr marL="457200" algn="l" defTabSz="914400" rtl="0" eaLnBrk="1" latinLnBrk="0" hangingPunct="1">
-                <a:defRPr sz="1800" kern="1200">
-                  <a:solidFill>
-                    <a:schemeClr val="tx1"/>
-                  </a:solidFill>
-                  <a:latin typeface="+mn-lt"/>
-                  <a:ea typeface="+mn-ea"/>
-                  <a:cs typeface="+mn-cs"/>
-                </a:defRPr>
-              </a:lvl2pPr>
-              <a:lvl3pPr marL="914400" algn="l" defTabSz="914400" rtl="0" eaLnBrk="1" latinLnBrk="0" hangingPunct="1">
-                <a:defRPr sz="1800" kern="1200">
-                  <a:solidFill>
-                    <a:schemeClr val="tx1"/>
-                  </a:solidFill>
-                  <a:latin typeface="+mn-lt"/>
-                  <a:ea typeface="+mn-ea"/>
-                  <a:cs typeface="+mn-cs"/>
-                </a:defRPr>
-              </a:lvl3pPr>
-              <a:lvl4pPr marL="1371600" algn="l" defTabSz="914400" rtl="0" eaLnBrk="1" latinLnBrk="0" hangingPunct="1">
-                <a:defRPr sz="1800" kern="1200">
-                  <a:solidFill>
-                    <a:schemeClr val="tx1"/>
-                  </a:solidFill>
-                  <a:latin typeface="+mn-lt"/>
-                  <a:ea typeface="+mn-ea"/>
-                  <a:cs typeface="+mn-cs"/>
-                </a:defRPr>
-              </a:lvl4pPr>
-              <a:lvl5pPr marL="1828800" algn="l" defTabSz="914400" rtl="0" eaLnBrk="1" latinLnBrk="0" hangingPunct="1">
-                <a:defRPr sz="1800" kern="1200">
-                  <a:solidFill>
-                    <a:schemeClr val="tx1"/>
-                  </a:solidFill>
-                  <a:latin typeface="+mn-lt"/>
-                  <a:ea typeface="+mn-ea"/>
-                  <a:cs typeface="+mn-cs"/>
-                </a:defRPr>
-              </a:lvl5pPr>
-              <a:lvl6pPr marL="2286000" algn="l" defTabSz="914400" rtl="0" eaLnBrk="1" latinLnBrk="0" hangingPunct="1">
-                <a:defRPr sz="1800" kern="1200">
-                  <a:solidFill>
-                    <a:schemeClr val="tx1"/>
-                  </a:solidFill>
-                  <a:latin typeface="+mn-lt"/>
-                  <a:ea typeface="+mn-ea"/>
-                  <a:cs typeface="+mn-cs"/>
-                </a:defRPr>
-              </a:lvl6pPr>
-              <a:lvl7pPr marL="2743200" algn="l" defTabSz="914400" rtl="0" eaLnBrk="1" latinLnBrk="0" hangingPunct="1">
-                <a:defRPr sz="1800" kern="1200">
-                  <a:solidFill>
-                    <a:schemeClr val="tx1"/>
-                  </a:solidFill>
-                  <a:latin typeface="+mn-lt"/>
-                  <a:ea typeface="+mn-ea"/>
-                  <a:cs typeface="+mn-cs"/>
-                </a:defRPr>
-              </a:lvl7pPr>
-              <a:lvl8pPr marL="3200400" algn="l" defTabSz="914400" rtl="0" eaLnBrk="1" latinLnBrk="0" hangingPunct="1">
-                <a:defRPr sz="1800" kern="1200">
-                  <a:solidFill>
-                    <a:schemeClr val="tx1"/>
-                  </a:solidFill>
-                  <a:latin typeface="+mn-lt"/>
-                  <a:ea typeface="+mn-ea"/>
-                  <a:cs typeface="+mn-cs"/>
-                </a:defRPr>
-              </a:lvl8pPr>
-              <a:lvl9pPr marL="3657600" algn="l" defTabSz="914400" rtl="0" eaLnBrk="1" latinLnBrk="0" hangingPunct="1">
-                <a:defRPr sz="1800" kern="1200">
-                  <a:solidFill>
-                    <a:schemeClr val="tx1"/>
-                  </a:solidFill>
-                  <a:latin typeface="+mn-lt"/>
-                  <a:ea typeface="+mn-ea"/>
-                  <a:cs typeface="+mn-cs"/>
-                </a:defRPr>
-              </a:lvl9pPr>
-            </a:lstStyle>
-            <a:p>
-              <a:pPr algn="ctr" fontAlgn="base">
-                <a:lnSpc>
-                  <a:spcPct val="120000"/>
-                </a:lnSpc>
-                <a:spcBef>
-                  <a:spcPct val="0"/>
-                </a:spcBef>
-                <a:spcAft>
-                  <a:spcPct val="0"/>
-                </a:spcAft>
-                <a:defRPr/>
-              </a:pPr>
-              <a:r>
-                <a:rPr lang="zh-CN" altLang="en-US" dirty="0" smtClean="0">
-                  <a:solidFill>
-                    <a:schemeClr val="bg1"/>
-                  </a:solidFill>
-                  <a:latin typeface="微软雅黑" pitchFamily="34" charset="-122"/>
-                  <a:ea typeface="微软雅黑" pitchFamily="34" charset="-122"/>
-                </a:rPr>
-                <a:t>保持财产性收入净现金流入</a:t>
-              </a:r>
-              <a:endParaRPr lang="zh-CN" altLang="zh-CN" dirty="0">
-                <a:solidFill>
-                  <a:schemeClr val="bg1"/>
-                </a:solidFill>
-                <a:latin typeface="微软雅黑" pitchFamily="34" charset="-122"/>
-                <a:ea typeface="微软雅黑" pitchFamily="34" charset="-122"/>
-              </a:endParaRPr>
-            </a:p>
-          </p:txBody>
-        </p:sp>
-        <p:sp>
-          <p:nvSpPr>
-            <p:cNvPr id="124" name="文本3"/>
-            <p:cNvSpPr>
-              <a:spLocks noChangeArrowheads="1"/>
-            </p:cNvSpPr>
-            <p:nvPr/>
-          </p:nvSpPr>
-          <p:spPr bwMode="ltGray">
-            <a:xfrm>
-              <a:off x="3381955" y="3523042"/>
-              <a:ext cx="4578109" cy="886051"/>
-            </a:xfrm>
-            <a:prstGeom prst="roundRect">
-              <a:avLst>
-                <a:gd name="adj" fmla="val 11505"/>
-              </a:avLst>
-            </a:prstGeom>
-            <a:noFill/>
-            <a:ln w="15875" cap="flat" cmpd="sng" algn="ctr">
-              <a:solidFill>
-                <a:schemeClr val="tx1">
-                  <a:lumMod val="50000"/>
-                  <a:lumOff val="50000"/>
-                </a:schemeClr>
-              </a:solidFill>
-              <a:prstDash val="solid"/>
-            </a:ln>
-            <a:effectLst/>
-            <a:extLst/>
-          </p:spPr>
-          <p:txBody>
-            <a:bodyPr lIns="62118" tIns="31058" rIns="62118" bIns="31058" anchor="ctr"/>
-            <a:lstStyle>
-              <a:defPPr>
-                <a:defRPr lang="zh-CN"/>
-              </a:defPPr>
-              <a:lvl1pPr marL="0" algn="l" defTabSz="914400" rtl="0" eaLnBrk="1" latinLnBrk="0" hangingPunct="1">
-                <a:defRPr sz="1800" kern="1200">
-                  <a:solidFill>
-                    <a:schemeClr val="tx1"/>
-                  </a:solidFill>
-                  <a:latin typeface="+mn-lt"/>
-                  <a:ea typeface="+mn-ea"/>
-                  <a:cs typeface="+mn-cs"/>
-                </a:defRPr>
-              </a:lvl1pPr>
-              <a:lvl2pPr marL="457200" algn="l" defTabSz="914400" rtl="0" eaLnBrk="1" latinLnBrk="0" hangingPunct="1">
-                <a:defRPr sz="1800" kern="1200">
-                  <a:solidFill>
-                    <a:schemeClr val="tx1"/>
-                  </a:solidFill>
-                  <a:latin typeface="+mn-lt"/>
-                  <a:ea typeface="+mn-ea"/>
-                  <a:cs typeface="+mn-cs"/>
-                </a:defRPr>
-              </a:lvl2pPr>
-              <a:lvl3pPr marL="914400" algn="l" defTabSz="914400" rtl="0" eaLnBrk="1" latinLnBrk="0" hangingPunct="1">
-                <a:defRPr sz="1800" kern="1200">
-                  <a:solidFill>
-                    <a:schemeClr val="tx1"/>
-                  </a:solidFill>
-                  <a:latin typeface="+mn-lt"/>
-                  <a:ea typeface="+mn-ea"/>
-                  <a:cs typeface="+mn-cs"/>
-                </a:defRPr>
-              </a:lvl3pPr>
-              <a:lvl4pPr marL="1371600" algn="l" defTabSz="914400" rtl="0" eaLnBrk="1" latinLnBrk="0" hangingPunct="1">
-                <a:defRPr sz="1800" kern="1200">
-                  <a:solidFill>
-                    <a:schemeClr val="tx1"/>
-                  </a:solidFill>
-                  <a:latin typeface="+mn-lt"/>
-                  <a:ea typeface="+mn-ea"/>
-                  <a:cs typeface="+mn-cs"/>
-                </a:defRPr>
-              </a:lvl4pPr>
-              <a:lvl5pPr marL="1828800" algn="l" defTabSz="914400" rtl="0" eaLnBrk="1" latinLnBrk="0" hangingPunct="1">
-                <a:defRPr sz="1800" kern="1200">
-                  <a:solidFill>
-                    <a:schemeClr val="tx1"/>
-                  </a:solidFill>
-                  <a:latin typeface="+mn-lt"/>
-                  <a:ea typeface="+mn-ea"/>
-                  <a:cs typeface="+mn-cs"/>
-                </a:defRPr>
-              </a:lvl5pPr>
-              <a:lvl6pPr marL="2286000" algn="l" defTabSz="914400" rtl="0" eaLnBrk="1" latinLnBrk="0" hangingPunct="1">
-                <a:defRPr sz="1800" kern="1200">
-                  <a:solidFill>
-                    <a:schemeClr val="tx1"/>
-                  </a:solidFill>
-                  <a:latin typeface="+mn-lt"/>
-                  <a:ea typeface="+mn-ea"/>
-                  <a:cs typeface="+mn-cs"/>
-                </a:defRPr>
-              </a:lvl6pPr>
-              <a:lvl7pPr marL="2743200" algn="l" defTabSz="914400" rtl="0" eaLnBrk="1" latinLnBrk="0" hangingPunct="1">
-                <a:defRPr sz="1800" kern="1200">
-                  <a:solidFill>
-                    <a:schemeClr val="tx1"/>
-                  </a:solidFill>
-                  <a:latin typeface="+mn-lt"/>
-                  <a:ea typeface="+mn-ea"/>
-                  <a:cs typeface="+mn-cs"/>
-                </a:defRPr>
-              </a:lvl7pPr>
-              <a:lvl8pPr marL="3200400" algn="l" defTabSz="914400" rtl="0" eaLnBrk="1" latinLnBrk="0" hangingPunct="1">
-                <a:defRPr sz="1800" kern="1200">
-                  <a:solidFill>
-                    <a:schemeClr val="tx1"/>
-                  </a:solidFill>
-                  <a:latin typeface="+mn-lt"/>
-                  <a:ea typeface="+mn-ea"/>
-                  <a:cs typeface="+mn-cs"/>
-                </a:defRPr>
-              </a:lvl8pPr>
-              <a:lvl9pPr marL="3657600" algn="l" defTabSz="914400" rtl="0" eaLnBrk="1" latinLnBrk="0" hangingPunct="1">
-                <a:defRPr sz="1800" kern="1200">
-                  <a:solidFill>
-                    <a:schemeClr val="tx1"/>
-                  </a:solidFill>
-                  <a:latin typeface="+mn-lt"/>
-                  <a:ea typeface="+mn-ea"/>
-                  <a:cs typeface="+mn-cs"/>
-                </a:defRPr>
-              </a:lvl9pPr>
-            </a:lstStyle>
-            <a:p>
-              <a:pPr fontAlgn="base">
-                <a:lnSpc>
-                  <a:spcPct val="120000"/>
-                </a:lnSpc>
-                <a:spcBef>
-                  <a:spcPct val="0"/>
-                </a:spcBef>
-                <a:spcAft>
-                  <a:spcPct val="0"/>
-                </a:spcAft>
-                <a:defRPr/>
-              </a:pPr>
-              <a:r>
-                <a:rPr lang="zh-CN" altLang="en-US" dirty="0" smtClean="0"/>
-                <a:t>财务自由一个定量的概念，净资产</a:t>
-              </a:r>
-              <a:r>
-                <a:rPr lang="en-US" altLang="en-US" dirty="0" smtClean="0"/>
-                <a:t>Net Wealth </a:t>
-              </a:r>
-              <a:r>
-                <a:rPr lang="zh-CN" altLang="en-US" dirty="0" smtClean="0"/>
-                <a:t>，</a:t>
-              </a:r>
-              <a:endParaRPr lang="en-US" altLang="zh-CN" dirty="0" smtClean="0"/>
-            </a:p>
-            <a:p>
-              <a:pPr fontAlgn="base">
-                <a:lnSpc>
-                  <a:spcPct val="120000"/>
-                </a:lnSpc>
-                <a:spcBef>
-                  <a:spcPct val="0"/>
-                </a:spcBef>
-                <a:spcAft>
-                  <a:spcPct val="0"/>
-                </a:spcAft>
-                <a:defRPr/>
-              </a:pPr>
-              <a:r>
-                <a:rPr lang="zh-CN" altLang="en-US" dirty="0" smtClean="0"/>
-                <a:t>净资产</a:t>
-              </a:r>
-              <a:r>
-                <a:rPr lang="en-US" altLang="zh-CN" dirty="0" smtClean="0"/>
-                <a:t>=</a:t>
-              </a:r>
-              <a:r>
-                <a:rPr lang="zh-CN" altLang="en-US" dirty="0" smtClean="0"/>
-                <a:t>资产</a:t>
-              </a:r>
-              <a:r>
-                <a:rPr lang="en-US" altLang="zh-CN" dirty="0" smtClean="0"/>
-                <a:t>-</a:t>
-              </a:r>
-              <a:r>
-                <a:rPr lang="zh-CN" altLang="en-US" dirty="0" smtClean="0"/>
-                <a:t>负债。</a:t>
-              </a:r>
-              <a:endParaRPr lang="zh-CN" altLang="zh-CN" dirty="0"/>
-            </a:p>
-          </p:txBody>
-        </p:sp>
-        <p:sp>
-          <p:nvSpPr>
-            <p:cNvPr id="125" name="标题3"/>
-            <p:cNvSpPr>
-              <a:spLocks noChangeArrowheads="1"/>
-            </p:cNvSpPr>
-            <p:nvPr/>
-          </p:nvSpPr>
-          <p:spPr bwMode="gray">
-            <a:xfrm>
-              <a:off x="2305985" y="3523042"/>
-              <a:ext cx="931954" cy="886051"/>
-            </a:xfrm>
-            <a:prstGeom prst="roundRect">
-              <a:avLst>
-                <a:gd name="adj" fmla="val 11921"/>
-              </a:avLst>
-            </a:prstGeom>
-            <a:solidFill>
-              <a:schemeClr val="accent4"/>
-            </a:solidFill>
-            <a:ln w="63500" cap="flat" cmpd="sng" algn="ctr">
-              <a:solidFill>
-                <a:schemeClr val="bg1"/>
-              </a:solidFill>
-              <a:prstDash val="solid"/>
-            </a:ln>
-            <a:effectLst>
-              <a:outerShdw blurRad="127000" dist="38100" dir="5400000" algn="ctr" rotWithShape="0">
-                <a:prstClr val="black">
-                  <a:alpha val="40000"/>
-                </a:prstClr>
-              </a:outerShdw>
-            </a:effectLst>
-          </p:spPr>
-          <p:txBody>
-            <a:bodyPr lIns="62118" tIns="31058" rIns="62118" bIns="31058" anchor="ctr"/>
-            <a:lstStyle>
-              <a:defPPr>
-                <a:defRPr lang="zh-CN"/>
-              </a:defPPr>
-              <a:lvl1pPr marL="0" algn="l" defTabSz="914400" rtl="0" eaLnBrk="1" latinLnBrk="0" hangingPunct="1">
-                <a:defRPr sz="1800" kern="1200">
-                  <a:solidFill>
-                    <a:schemeClr val="tx1"/>
-                  </a:solidFill>
-                  <a:latin typeface="+mn-lt"/>
-                  <a:ea typeface="+mn-ea"/>
-                  <a:cs typeface="+mn-cs"/>
-                </a:defRPr>
-              </a:lvl1pPr>
-              <a:lvl2pPr marL="457200" algn="l" defTabSz="914400" rtl="0" eaLnBrk="1" latinLnBrk="0" hangingPunct="1">
-                <a:defRPr sz="1800" kern="1200">
-                  <a:solidFill>
-                    <a:schemeClr val="tx1"/>
-                  </a:solidFill>
-                  <a:latin typeface="+mn-lt"/>
-                  <a:ea typeface="+mn-ea"/>
-                  <a:cs typeface="+mn-cs"/>
-                </a:defRPr>
-              </a:lvl2pPr>
-              <a:lvl3pPr marL="914400" algn="l" defTabSz="914400" rtl="0" eaLnBrk="1" latinLnBrk="0" hangingPunct="1">
-                <a:defRPr sz="1800" kern="1200">
-                  <a:solidFill>
-                    <a:schemeClr val="tx1"/>
-                  </a:solidFill>
-                  <a:latin typeface="+mn-lt"/>
-                  <a:ea typeface="+mn-ea"/>
-                  <a:cs typeface="+mn-cs"/>
-                </a:defRPr>
-              </a:lvl3pPr>
-              <a:lvl4pPr marL="1371600" algn="l" defTabSz="914400" rtl="0" eaLnBrk="1" latinLnBrk="0" hangingPunct="1">
-                <a:defRPr sz="1800" kern="1200">
-                  <a:solidFill>
-                    <a:schemeClr val="tx1"/>
-                  </a:solidFill>
-                  <a:latin typeface="+mn-lt"/>
-                  <a:ea typeface="+mn-ea"/>
-                  <a:cs typeface="+mn-cs"/>
-                </a:defRPr>
-              </a:lvl4pPr>
-              <a:lvl5pPr marL="1828800" algn="l" defTabSz="914400" rtl="0" eaLnBrk="1" latinLnBrk="0" hangingPunct="1">
-                <a:defRPr sz="1800" kern="1200">
-                  <a:solidFill>
-                    <a:schemeClr val="tx1"/>
-                  </a:solidFill>
-                  <a:latin typeface="+mn-lt"/>
-                  <a:ea typeface="+mn-ea"/>
-                  <a:cs typeface="+mn-cs"/>
-                </a:defRPr>
-              </a:lvl5pPr>
-              <a:lvl6pPr marL="2286000" algn="l" defTabSz="914400" rtl="0" eaLnBrk="1" latinLnBrk="0" hangingPunct="1">
-                <a:defRPr sz="1800" kern="1200">
-                  <a:solidFill>
-                    <a:schemeClr val="tx1"/>
-                  </a:solidFill>
-                  <a:latin typeface="+mn-lt"/>
-                  <a:ea typeface="+mn-ea"/>
-                  <a:cs typeface="+mn-cs"/>
-                </a:defRPr>
-              </a:lvl6pPr>
-              <a:lvl7pPr marL="2743200" algn="l" defTabSz="914400" rtl="0" eaLnBrk="1" latinLnBrk="0" hangingPunct="1">
-                <a:defRPr sz="1800" kern="1200">
-                  <a:solidFill>
-                    <a:schemeClr val="tx1"/>
-                  </a:solidFill>
-                  <a:latin typeface="+mn-lt"/>
-                  <a:ea typeface="+mn-ea"/>
-                  <a:cs typeface="+mn-cs"/>
-                </a:defRPr>
-              </a:lvl7pPr>
-              <a:lvl8pPr marL="3200400" algn="l" defTabSz="914400" rtl="0" eaLnBrk="1" latinLnBrk="0" hangingPunct="1">
-                <a:defRPr sz="1800" kern="1200">
-                  <a:solidFill>
-                    <a:schemeClr val="tx1"/>
-                  </a:solidFill>
-                  <a:latin typeface="+mn-lt"/>
-                  <a:ea typeface="+mn-ea"/>
-                  <a:cs typeface="+mn-cs"/>
-                </a:defRPr>
-              </a:lvl8pPr>
-              <a:lvl9pPr marL="3657600" algn="l" defTabSz="914400" rtl="0" eaLnBrk="1" latinLnBrk="0" hangingPunct="1">
-                <a:defRPr sz="1800" kern="1200">
-                  <a:solidFill>
-                    <a:schemeClr val="tx1"/>
-                  </a:solidFill>
-                  <a:latin typeface="+mn-lt"/>
-                  <a:ea typeface="+mn-ea"/>
-                  <a:cs typeface="+mn-cs"/>
-                </a:defRPr>
-              </a:lvl9pPr>
-            </a:lstStyle>
-            <a:p>
-              <a:pPr algn="ctr" fontAlgn="base">
-                <a:lnSpc>
-                  <a:spcPct val="120000"/>
-                </a:lnSpc>
-                <a:spcBef>
-                  <a:spcPct val="0"/>
-                </a:spcBef>
-                <a:spcAft>
-                  <a:spcPct val="0"/>
-                </a:spcAft>
-                <a:defRPr/>
-              </a:pPr>
-              <a:r>
-                <a:rPr lang="zh-CN" altLang="en-US" dirty="0" smtClean="0">
-                  <a:solidFill>
-                    <a:schemeClr val="bg1"/>
-                  </a:solidFill>
-                  <a:latin typeface="微软雅黑" pitchFamily="34" charset="-122"/>
-                  <a:ea typeface="微软雅黑" pitchFamily="34" charset="-122"/>
-                </a:rPr>
-                <a:t>保有一定量的净资产</a:t>
-              </a:r>
-              <a:endParaRPr lang="zh-CN" altLang="zh-CN" dirty="0">
-                <a:solidFill>
-                  <a:schemeClr val="bg1"/>
-                </a:solidFill>
-                <a:latin typeface="微软雅黑" pitchFamily="34" charset="-122"/>
-                <a:ea typeface="微软雅黑" pitchFamily="34" charset="-122"/>
-              </a:endParaRPr>
-            </a:p>
-          </p:txBody>
-        </p:sp>
-        <p:sp>
-          <p:nvSpPr>
-            <p:cNvPr id="126" name="Oval 19"/>
-            <p:cNvSpPr>
-              <a:spLocks noChangeArrowheads="1"/>
-            </p:cNvSpPr>
-            <p:nvPr/>
-          </p:nvSpPr>
-          <p:spPr bwMode="auto">
-            <a:xfrm>
-              <a:off x="825376" y="2370440"/>
-              <a:ext cx="1036927" cy="1038223"/>
-            </a:xfrm>
-            <a:prstGeom prst="ellipse">
-              <a:avLst/>
-            </a:prstGeom>
-            <a:solidFill>
-              <a:schemeClr val="accent1"/>
-            </a:solidFill>
-            <a:ln w="63500">
-              <a:solidFill>
-                <a:schemeClr val="bg1"/>
-              </a:solidFill>
-              <a:round/>
-              <a:headEnd/>
-              <a:tailEnd/>
-            </a:ln>
-            <a:effectLst>
-              <a:outerShdw blurRad="127000" dist="38100" dir="5400000" algn="ctr" rotWithShape="0">
-                <a:prstClr val="black">
-                  <a:alpha val="40000"/>
-                </a:prstClr>
-              </a:outerShdw>
-            </a:effectLst>
-          </p:spPr>
-          <p:txBody>
-            <a:bodyPr lIns="62118" tIns="31058" rIns="62118" bIns="31058" anchor="ctr"/>
-            <a:lstStyle/>
-            <a:p>
-              <a:pPr algn="ctr">
-                <a:lnSpc>
-                  <a:spcPct val="120000"/>
-                </a:lnSpc>
-                <a:defRPr/>
-              </a:pPr>
-              <a:r>
-                <a:rPr lang="zh-CN" altLang="en-US" sz="2400" b="1" kern="0" dirty="0" smtClean="0">
-                  <a:solidFill>
-                    <a:schemeClr val="bg1"/>
-                  </a:solidFill>
-                  <a:latin typeface="微软雅黑" panose="020B0503020204020204" pitchFamily="34" charset="-122"/>
-                  <a:ea typeface="微软雅黑" panose="020B0503020204020204" pitchFamily="34" charset="-122"/>
-                </a:rPr>
-                <a:t>财务</a:t>
-              </a:r>
-              <a:endParaRPr lang="en-US" altLang="zh-CN" sz="2400" b="1" kern="0" dirty="0" smtClean="0">
-                <a:solidFill>
-                  <a:schemeClr val="bg1"/>
-                </a:solidFill>
-                <a:latin typeface="微软雅黑" panose="020B0503020204020204" pitchFamily="34" charset="-122"/>
-                <a:ea typeface="微软雅黑" panose="020B0503020204020204" pitchFamily="34" charset="-122"/>
-              </a:endParaRPr>
-            </a:p>
-            <a:p>
-              <a:pPr algn="ctr">
-                <a:lnSpc>
-                  <a:spcPct val="120000"/>
-                </a:lnSpc>
-                <a:defRPr/>
-              </a:pPr>
-              <a:r>
-                <a:rPr lang="zh-CN" altLang="en-US" sz="2400" b="1" kern="0" dirty="0" smtClean="0">
-                  <a:solidFill>
-                    <a:schemeClr val="bg1"/>
-                  </a:solidFill>
-                  <a:latin typeface="微软雅黑" panose="020B0503020204020204" pitchFamily="34" charset="-122"/>
-                  <a:ea typeface="微软雅黑" panose="020B0503020204020204" pitchFamily="34" charset="-122"/>
-                </a:rPr>
-                <a:t>自由</a:t>
-              </a:r>
-              <a:endParaRPr lang="zh-CN" altLang="en-US" sz="2400" b="1" kern="0" dirty="0">
-                <a:solidFill>
-                  <a:schemeClr val="bg1"/>
-                </a:solidFill>
-                <a:latin typeface="微软雅黑" panose="020B0503020204020204" pitchFamily="34" charset="-122"/>
-                <a:ea typeface="微软雅黑" panose="020B0503020204020204" pitchFamily="34" charset="-122"/>
-              </a:endParaRPr>
-            </a:p>
-          </p:txBody>
-        </p:sp>
-      </p:grpSp>
-    </p:spTree>
-    <p:extLst>
-      <p:ext uri="{BB962C8B-B14F-4D97-AF65-F5344CB8AC3E}">
-        <p14:creationId xmlns:p14="http://schemas.microsoft.com/office/powerpoint/2010/main" xmlns="" val="4095140424"/>
-      </p:ext>
-    </p:extLst>
-  </p:cSld>
-  <p:clrMapOvr>
-    <a:masterClrMapping/>
-  </p:clrMapOvr>
-  <mc:AlternateContent xmlns:mc="http://schemas.openxmlformats.org/markup-compatibility/2006">
-    <mc:Choice xmlns:p14="http://schemas.microsoft.com/office/powerpoint/2010/main" xmlns="" Requires="p14">
-      <p:transition spd="slow" p14:dur="1600">
-        <p:blinds dir="vert"/>
-      </p:transition>
-    </mc:Choice>
-    <mc:Fallback>
-      <p:transition spd="slow">
-        <p:blinds dir="vert"/>
-      </p:transition>
-    </mc:Fallback>
-  </mc:AlternateContent>
-  <p:timing>
-    <p:tnLst>
-      <p:par>
-        <p:cTn id="1" dur="indefinite" restart="never" nodeType="tmRoot"/>
-      </p:par>
-    </p:tnLst>
-  </p:timing>
-</p:sld>
-</file>
-
-<file path=ppt/slides/slide8.xml><?xml version="1.0" encoding="utf-8"?>
-<p:sld xmlns:a="http://schemas.openxmlformats.org/drawingml/2006/main" xmlns:r="http://schemas.openxmlformats.org/officeDocument/2006/relationships" xmlns:p="http://schemas.openxmlformats.org/presentationml/2006/main">
-  <p:cSld>
-    <p:spTree>
-      <p:nvGrpSpPr>
-        <p:cNvPr id="1" name=""/>
-        <p:cNvGrpSpPr/>
-        <p:nvPr/>
-      </p:nvGrpSpPr>
-      <p:grpSpPr>
-        <a:xfrm>
-          <a:off x="0" y="0"/>
-          <a:ext cx="0" cy="0"/>
-          <a:chOff x="0" y="0"/>
-          <a:chExt cx="0" cy="0"/>
-        </a:xfrm>
-      </p:grpSpPr>
-      <p:sp>
-        <p:nvSpPr>
-          <p:cNvPr id="31" name="TextBox 9">
-            <a:extLst>
-              <a:ext uri="{FF2B5EF4-FFF2-40B4-BE49-F238E27FC236}">
-                <a16:creationId xmlns:a16="http://schemas.microsoft.com/office/drawing/2014/main" xmlns="" id="{196AEFB1-B5B8-48EC-BBBA-092BE2D0990E}"/>
+                <a16:creationId xmlns="" xmlns:a16="http://schemas.microsoft.com/office/drawing/2014/main" id="{196AEFB1-B5B8-48EC-BBBA-092BE2D0990E}"/>
               </a:ext>
             </a:extLst>
           </p:cNvPr>
@@ -22627,7 +20807,7 @@
     </p:spTree>
     <p:extLst>
       <p:ext uri="{BB962C8B-B14F-4D97-AF65-F5344CB8AC3E}">
-        <p14:creationId xmlns:p14="http://schemas.microsoft.com/office/powerpoint/2010/main" xmlns="" val="4095140424"/>
+        <p14:creationId xmlns="" xmlns:p14="http://schemas.microsoft.com/office/powerpoint/2010/main" val="4095140424"/>
       </p:ext>
     </p:extLst>
   </p:cSld>
@@ -22635,7 +20815,7 @@
     <a:masterClrMapping/>
   </p:clrMapOvr>
   <mc:AlternateContent xmlns:mc="http://schemas.openxmlformats.org/markup-compatibility/2006">
-    <mc:Choice xmlns:p14="http://schemas.microsoft.com/office/powerpoint/2010/main" xmlns="" Requires="p14">
+    <mc:Choice xmlns="" xmlns:p14="http://schemas.microsoft.com/office/powerpoint/2010/main" Requires="p14">
       <p:transition spd="slow" p14:dur="1600">
         <p:blinds dir="vert"/>
       </p:transition>
@@ -22656,7 +20836,7 @@
 </p:sld>
 </file>
 
-<file path=ppt/slides/slide9.xml><?xml version="1.0" encoding="utf-8"?>
+<file path=ppt/slides/slide8.xml><?xml version="1.0" encoding="utf-8"?>
 <p:sld xmlns:a="http://schemas.openxmlformats.org/drawingml/2006/main" xmlns:r="http://schemas.openxmlformats.org/officeDocument/2006/relationships" xmlns:p="http://schemas.openxmlformats.org/presentationml/2006/main">
   <p:cSld>
     <p:spTree>
@@ -22678,7 +20858,7 @@
           <p:cNvPr id="31" name="TextBox 9">
             <a:extLst>
               <a:ext uri="{FF2B5EF4-FFF2-40B4-BE49-F238E27FC236}">
-                <a16:creationId xmlns:a16="http://schemas.microsoft.com/office/drawing/2014/main" xmlns="" id="{196AEFB1-B5B8-48EC-BBBA-092BE2D0990E}"/>
+                <a16:creationId xmlns="" xmlns:a16="http://schemas.microsoft.com/office/drawing/2014/main" id="{196AEFB1-B5B8-48EC-BBBA-092BE2D0990E}"/>
               </a:ext>
             </a:extLst>
           </p:cNvPr>
@@ -22857,7 +21037,7 @@
     </p:spTree>
     <p:extLst>
       <p:ext uri="{BB962C8B-B14F-4D97-AF65-F5344CB8AC3E}">
-        <p14:creationId xmlns:p14="http://schemas.microsoft.com/office/powerpoint/2010/main" xmlns="" val="4095140424"/>
+        <p14:creationId xmlns="" xmlns:p14="http://schemas.microsoft.com/office/powerpoint/2010/main" val="4095140424"/>
       </p:ext>
     </p:extLst>
   </p:cSld>
@@ -22865,7 +21045,442 @@
     <a:masterClrMapping/>
   </p:clrMapOvr>
   <mc:AlternateContent xmlns:mc="http://schemas.openxmlformats.org/markup-compatibility/2006">
-    <mc:Choice xmlns:p14="http://schemas.microsoft.com/office/powerpoint/2010/main" xmlns="" Requires="p14">
+    <mc:Choice xmlns="" xmlns:p14="http://schemas.microsoft.com/office/powerpoint/2010/main" Requires="p14">
+      <p:transition spd="slow" p14:dur="1600">
+        <p:blinds dir="vert"/>
+      </p:transition>
+    </mc:Choice>
+    <mc:Fallback>
+      <p:transition spd="slow">
+        <p:blinds dir="vert"/>
+      </p:transition>
+    </mc:Fallback>
+  </mc:AlternateContent>
+  <p:timing>
+    <p:tnLst>
+      <p:par>
+        <p:cTn id="1" dur="indefinite" restart="never" nodeType="tmRoot"/>
+      </p:par>
+    </p:tnLst>
+  </p:timing>
+</p:sld>
+</file>
+
+<file path=ppt/slides/slide9.xml><?xml version="1.0" encoding="utf-8"?>
+<p:sld xmlns:a="http://schemas.openxmlformats.org/drawingml/2006/main" xmlns:r="http://schemas.openxmlformats.org/officeDocument/2006/relationships" xmlns:p="http://schemas.openxmlformats.org/presentationml/2006/main">
+  <p:cSld>
+    <p:spTree>
+      <p:nvGrpSpPr>
+        <p:cNvPr id="1" name=""/>
+        <p:cNvGrpSpPr/>
+        <p:nvPr/>
+      </p:nvGrpSpPr>
+      <p:grpSpPr>
+        <a:xfrm>
+          <a:off x="0" y="0"/>
+          <a:ext cx="0" cy="0"/>
+          <a:chOff x="0" y="0"/>
+          <a:chExt cx="0" cy="0"/>
+        </a:xfrm>
+      </p:grpSpPr>
+      <p:grpSp>
+        <p:nvGrpSpPr>
+          <p:cNvPr id="2" name="组合 1">
+            <a:extLst>
+              <a:ext uri="{FF2B5EF4-FFF2-40B4-BE49-F238E27FC236}">
+                <a16:creationId xmlns="" xmlns:a16="http://schemas.microsoft.com/office/drawing/2014/main" id="{E50DEB0B-1C12-44D1-AAA1-F4E0A4F19E17}"/>
+              </a:ext>
+            </a:extLst>
+          </p:cNvPr>
+          <p:cNvGrpSpPr/>
+          <p:nvPr/>
+        </p:nvGrpSpPr>
+        <p:grpSpPr>
+          <a:xfrm>
+            <a:off x="0" y="6590686"/>
+            <a:ext cx="12192000" cy="267331"/>
+            <a:chOff x="0" y="6590670"/>
+            <a:chExt cx="12192000" cy="267330"/>
+          </a:xfrm>
+        </p:grpSpPr>
+        <p:sp>
+          <p:nvSpPr>
+            <p:cNvPr id="7" name="矩形 6">
+              <a:extLst>
+                <a:ext uri="{FF2B5EF4-FFF2-40B4-BE49-F238E27FC236}">
+                  <a16:creationId xmlns="" xmlns:a16="http://schemas.microsoft.com/office/drawing/2014/main" id="{D5213AAE-A69E-40F7-931A-4EAD7707F511}"/>
+                </a:ext>
+              </a:extLst>
+            </p:cNvPr>
+            <p:cNvSpPr/>
+            <p:nvPr/>
+          </p:nvSpPr>
+          <p:spPr>
+            <a:xfrm>
+              <a:off x="0" y="6590670"/>
+              <a:ext cx="12192000" cy="267330"/>
+            </a:xfrm>
+            <a:prstGeom prst="rect">
+              <a:avLst/>
+            </a:prstGeom>
+            <a:solidFill>
+              <a:srgbClr val="00469C"/>
+            </a:solidFill>
+          </p:spPr>
+          <p:style>
+            <a:lnRef idx="2">
+              <a:schemeClr val="accent1">
+                <a:shade val="50000"/>
+              </a:schemeClr>
+            </a:lnRef>
+            <a:fillRef idx="1">
+              <a:schemeClr val="accent1"/>
+            </a:fillRef>
+            <a:effectRef idx="0">
+              <a:schemeClr val="accent1"/>
+            </a:effectRef>
+            <a:fontRef idx="minor">
+              <a:schemeClr val="lt1"/>
+            </a:fontRef>
+          </p:style>
+          <p:txBody>
+            <a:bodyPr rtlCol="0" anchor="ctr"/>
+            <a:lstStyle/>
+            <a:p>
+              <a:pPr algn="ctr"/>
+              <a:endParaRPr lang="zh-CN" altLang="en-US"/>
+            </a:p>
+          </p:txBody>
+        </p:sp>
+        <p:sp>
+          <p:nvSpPr>
+            <p:cNvPr id="8" name="矩形 7">
+              <a:extLst>
+                <a:ext uri="{FF2B5EF4-FFF2-40B4-BE49-F238E27FC236}">
+                  <a16:creationId xmlns="" xmlns:a16="http://schemas.microsoft.com/office/drawing/2014/main" id="{F74F58D4-5D9A-43AA-A842-4414D43E7D86}"/>
+                </a:ext>
+              </a:extLst>
+            </p:cNvPr>
+            <p:cNvSpPr/>
+            <p:nvPr/>
+          </p:nvSpPr>
+          <p:spPr>
+            <a:xfrm>
+              <a:off x="4865311" y="6590670"/>
+              <a:ext cx="2461379" cy="261609"/>
+            </a:xfrm>
+            <a:prstGeom prst="rect">
+              <a:avLst/>
+            </a:prstGeom>
+          </p:spPr>
+          <p:txBody>
+            <a:bodyPr wrap="none">
+              <a:spAutoFit/>
+            </a:bodyPr>
+            <a:lstStyle/>
+            <a:p>
+              <a:pPr lvl="0">
+                <a:defRPr/>
+              </a:pPr>
+              <a:r>
+                <a:rPr lang="en-US" altLang="zh-CN" sz="1100" kern="700" spc="-100" dirty="0" err="1">
+                  <a:solidFill>
+                    <a:schemeClr val="bg1"/>
+                  </a:solidFill>
+                  <a:latin typeface="微软雅黑" panose="020B0503020204020204" pitchFamily="34" charset="-122"/>
+                  <a:ea typeface="微软雅黑" panose="020B0503020204020204" pitchFamily="34" charset="-122"/>
+                </a:rPr>
+                <a:t>Keshun</a:t>
+              </a:r>
+              <a:r>
+                <a:rPr lang="en-US" altLang="zh-CN" sz="1100" kern="700" spc="-100" dirty="0">
+                  <a:solidFill>
+                    <a:schemeClr val="bg1"/>
+                  </a:solidFill>
+                  <a:latin typeface="微软雅黑" panose="020B0503020204020204" pitchFamily="34" charset="-122"/>
+                  <a:ea typeface="微软雅黑" panose="020B0503020204020204" pitchFamily="34" charset="-122"/>
+                </a:rPr>
+                <a:t>  Waterproof  Technology  Co. Ltd.</a:t>
+              </a:r>
+            </a:p>
+          </p:txBody>
+        </p:sp>
+      </p:grpSp>
+      <p:sp>
+        <p:nvSpPr>
+          <p:cNvPr id="28" name="TextBox 9">
+            <a:extLst>
+              <a:ext uri="{FF2B5EF4-FFF2-40B4-BE49-F238E27FC236}">
+                <a16:creationId xmlns="" xmlns:a16="http://schemas.microsoft.com/office/drawing/2014/main" id="{F9620907-505E-4433-8CD6-0B35E582F63E}"/>
+              </a:ext>
+            </a:extLst>
+          </p:cNvPr>
+          <p:cNvSpPr txBox="1"/>
+          <p:nvPr/>
+        </p:nvSpPr>
+        <p:spPr>
+          <a:xfrm>
+            <a:off x="423082" y="406639"/>
+            <a:ext cx="10686197" cy="861774"/>
+          </a:xfrm>
+          <a:prstGeom prst="rect">
+            <a:avLst/>
+          </a:prstGeom>
+          <a:noFill/>
+        </p:spPr>
+        <p:txBody>
+          <a:bodyPr wrap="square" rtlCol="0">
+            <a:spAutoFit/>
+          </a:bodyPr>
+          <a:lstStyle/>
+          <a:p>
+            <a:pPr algn="ctr"/>
+            <a:r>
+              <a:rPr lang="zh-CN" altLang="en-US" sz="3200" dirty="0" smtClean="0">
+                <a:gradFill>
+                  <a:gsLst>
+                    <a:gs pos="100000">
+                      <a:srgbClr val="00469C"/>
+                    </a:gs>
+                    <a:gs pos="0">
+                      <a:srgbClr val="00A0E8"/>
+                    </a:gs>
+                  </a:gsLst>
+                  <a:lin ang="5400000"/>
+                </a:gradFill>
+                <a:latin typeface="微软雅黑" panose="020B0503020204020204" pitchFamily="34" charset="-122"/>
+                <a:ea typeface="微软雅黑" panose="020B0503020204020204" pitchFamily="34" charset="-122"/>
+              </a:rPr>
+              <a:t>为什么要追求财务自由</a:t>
+            </a:r>
+            <a:endParaRPr lang="en-US" altLang="zh-CN" sz="3200" dirty="0">
+              <a:gradFill>
+                <a:gsLst>
+                  <a:gs pos="100000">
+                    <a:srgbClr val="00469C"/>
+                  </a:gs>
+                  <a:gs pos="0">
+                    <a:srgbClr val="00A0E8"/>
+                  </a:gs>
+                </a:gsLst>
+                <a:lin ang="5400000"/>
+              </a:gradFill>
+              <a:latin typeface="微软雅黑" panose="020B0503020204020204" pitchFamily="34" charset="-122"/>
+              <a:ea typeface="微软雅黑" panose="020B0503020204020204" pitchFamily="34" charset="-122"/>
+            </a:endParaRPr>
+          </a:p>
+          <a:p>
+            <a:pPr algn="ctr"/>
+            <a:r>
+              <a:rPr lang="zh-CN" altLang="en-US" dirty="0" smtClean="0">
+                <a:gradFill>
+                  <a:gsLst>
+                    <a:gs pos="100000">
+                      <a:srgbClr val="00469C"/>
+                    </a:gs>
+                    <a:gs pos="0">
+                      <a:srgbClr val="00A0E8"/>
+                    </a:gs>
+                  </a:gsLst>
+                  <a:lin ang="5400000"/>
+                </a:gradFill>
+                <a:latin typeface="微软雅黑 Light" panose="020B0502040204020203" pitchFamily="34" charset="-122"/>
+                <a:ea typeface="微软雅黑 Light" panose="020B0502040204020203" pitchFamily="34" charset="-122"/>
+              </a:rPr>
+              <a:t>追求财务自由的意义</a:t>
+            </a:r>
+            <a:endParaRPr lang="zh-CN" altLang="en-US" dirty="0">
+              <a:gradFill>
+                <a:gsLst>
+                  <a:gs pos="100000">
+                    <a:srgbClr val="00469C"/>
+                  </a:gs>
+                  <a:gs pos="0">
+                    <a:srgbClr val="00A0E8"/>
+                  </a:gs>
+                </a:gsLst>
+                <a:lin ang="5400000"/>
+              </a:gradFill>
+              <a:latin typeface="微软雅黑 Light" panose="020B0502040204020203" pitchFamily="34" charset="-122"/>
+              <a:ea typeface="微软雅黑 Light" panose="020B0502040204020203" pitchFamily="34" charset="-122"/>
+            </a:endParaRPr>
+          </a:p>
+        </p:txBody>
+      </p:sp>
+      <p:sp>
+        <p:nvSpPr>
+          <p:cNvPr id="6" name="TextBox 5"/>
+          <p:cNvSpPr txBox="1"/>
+          <p:nvPr/>
+        </p:nvSpPr>
+        <p:spPr>
+          <a:xfrm>
+            <a:off x="812799" y="5740401"/>
+            <a:ext cx="2954655" cy="461665"/>
+          </a:xfrm>
+          <a:prstGeom prst="rect">
+            <a:avLst/>
+          </a:prstGeom>
+          <a:noFill/>
+        </p:spPr>
+        <p:txBody>
+          <a:bodyPr wrap="none" rtlCol="0">
+            <a:spAutoFit/>
+          </a:bodyPr>
+          <a:lstStyle/>
+          <a:p>
+            <a:r>
+              <a:rPr lang="zh-CN" altLang="en-US" sz="2400" b="1" dirty="0" smtClean="0"/>
+              <a:t>活成自己喜欢的样子</a:t>
+            </a:r>
+            <a:endParaRPr lang="zh-CN" altLang="en-US" sz="2400" b="1" dirty="0"/>
+          </a:p>
+        </p:txBody>
+      </p:sp>
+      <p:sp>
+        <p:nvSpPr>
+          <p:cNvPr id="9" name="TextBox 8"/>
+          <p:cNvSpPr txBox="1"/>
+          <p:nvPr/>
+        </p:nvSpPr>
+        <p:spPr>
+          <a:xfrm>
+            <a:off x="7687732" y="5774266"/>
+            <a:ext cx="4185761" cy="461665"/>
+          </a:xfrm>
+          <a:prstGeom prst="rect">
+            <a:avLst/>
+          </a:prstGeom>
+          <a:noFill/>
+        </p:spPr>
+        <p:txBody>
+          <a:bodyPr wrap="none" rtlCol="0">
+            <a:spAutoFit/>
+          </a:bodyPr>
+          <a:lstStyle/>
+          <a:p>
+            <a:r>
+              <a:rPr lang="zh-CN" altLang="en-US" sz="2400" b="1" dirty="0" smtClean="0"/>
+              <a:t>让消费回归享受，不为钱所苦</a:t>
+            </a:r>
+          </a:p>
+        </p:txBody>
+      </p:sp>
+      <p:sp>
+        <p:nvSpPr>
+          <p:cNvPr id="10" name="TextBox 9"/>
+          <p:cNvSpPr txBox="1"/>
+          <p:nvPr/>
+        </p:nvSpPr>
+        <p:spPr>
+          <a:xfrm>
+            <a:off x="7667571" y="5147733"/>
+            <a:ext cx="4185761" cy="461665"/>
+          </a:xfrm>
+          <a:prstGeom prst="rect">
+            <a:avLst/>
+          </a:prstGeom>
+          <a:noFill/>
+        </p:spPr>
+        <p:txBody>
+          <a:bodyPr wrap="none" rtlCol="0">
+            <a:spAutoFit/>
+          </a:bodyPr>
+          <a:lstStyle/>
+          <a:p>
+            <a:r>
+              <a:rPr lang="zh-CN" altLang="en-US" sz="2400" b="1" dirty="0" smtClean="0"/>
+              <a:t>让爱好回归乐趣，不为钱折腰</a:t>
+            </a:r>
+          </a:p>
+        </p:txBody>
+      </p:sp>
+      <p:sp>
+        <p:nvSpPr>
+          <p:cNvPr id="11" name="TextBox 10"/>
+          <p:cNvSpPr txBox="1"/>
+          <p:nvPr/>
+        </p:nvSpPr>
+        <p:spPr>
+          <a:xfrm>
+            <a:off x="812798" y="5080002"/>
+            <a:ext cx="4185761" cy="461665"/>
+          </a:xfrm>
+          <a:prstGeom prst="rect">
+            <a:avLst/>
+          </a:prstGeom>
+          <a:noFill/>
+        </p:spPr>
+        <p:txBody>
+          <a:bodyPr wrap="none" rtlCol="0">
+            <a:spAutoFit/>
+          </a:bodyPr>
+          <a:lstStyle/>
+          <a:p>
+            <a:r>
+              <a:rPr lang="zh-CN" altLang="en-US" sz="2400" b="1" dirty="0" smtClean="0"/>
+              <a:t>让感情回归纯粹，不为钱所累</a:t>
+            </a:r>
+          </a:p>
+        </p:txBody>
+      </p:sp>
+      <p:sp>
+        <p:nvSpPr>
+          <p:cNvPr id="12" name="TextBox 11"/>
+          <p:cNvSpPr txBox="1"/>
+          <p:nvPr/>
+        </p:nvSpPr>
+        <p:spPr>
+          <a:xfrm>
+            <a:off x="690360" y="1814473"/>
+            <a:ext cx="10871199" cy="1938992"/>
+          </a:xfrm>
+          <a:prstGeom prst="rect">
+            <a:avLst/>
+          </a:prstGeom>
+          <a:noFill/>
+          <a:ln>
+            <a:solidFill>
+              <a:srgbClr val="3399FF"/>
+            </a:solidFill>
+          </a:ln>
+        </p:spPr>
+        <p:txBody>
+          <a:bodyPr wrap="square" rtlCol="0">
+            <a:spAutoFit/>
+          </a:bodyPr>
+          <a:lstStyle/>
+          <a:p>
+            <a:r>
+              <a:rPr lang="zh-CN" altLang="en-US" sz="2400" dirty="0" smtClean="0"/>
+              <a:t>一个风和日丽的早上，在美丽的海滩上，渔夫在懒洋洋晒太阳，旁边的一位正在度假的富翁问：你为什么不趁天气好去捕鱼，赚更多的钱呢？赚到了钱就可以做自己喜欢做的事情和享受生活。</a:t>
+            </a:r>
+            <a:endParaRPr lang="en-US" altLang="zh-CN" sz="2400" dirty="0" smtClean="0"/>
+          </a:p>
+          <a:p>
+            <a:endParaRPr lang="en-US" altLang="zh-CN" sz="2400" dirty="0" smtClean="0"/>
+          </a:p>
+          <a:p>
+            <a:r>
+              <a:rPr lang="zh-CN" altLang="en-US" sz="2400" dirty="0" smtClean="0"/>
+              <a:t>渔夫：我现在就在做喜欢的事情和享受生活。</a:t>
+            </a:r>
+            <a:endParaRPr lang="zh-CN" altLang="en-US" sz="2400" dirty="0"/>
+          </a:p>
+        </p:txBody>
+      </p:sp>
+    </p:spTree>
+    <p:extLst>
+      <p:ext uri="{BB962C8B-B14F-4D97-AF65-F5344CB8AC3E}">
+        <p14:creationId xmlns="" xmlns:p14="http://schemas.microsoft.com/office/powerpoint/2010/main" val="257282595"/>
+      </p:ext>
+    </p:extLst>
+  </p:cSld>
+  <p:clrMapOvr>
+    <a:masterClrMapping/>
+  </p:clrMapOvr>
+  <mc:AlternateContent xmlns:mc="http://schemas.openxmlformats.org/markup-compatibility/2006">
+    <mc:Choice xmlns="" xmlns:p14="http://schemas.microsoft.com/office/powerpoint/2010/main" Requires="p14">
       <p:transition spd="slow" p14:dur="1600">
         <p:blinds dir="vert"/>
       </p:transition>
@@ -23141,7 +21756,7 @@
   <a:extraClrSchemeLst/>
   <a:extLst>
     <a:ext uri="{05A4C25C-085E-4340-85A3-A5531E510DB2}">
-      <thm15:themeFamily xmlns:thm15="http://schemas.microsoft.com/office/thememl/2012/main" xmlns="" name="Office Theme" id="{62F939B6-93AF-4DB8-9C6B-D6C7DFDC589F}" vid="{4A3C46E8-61CC-4603-A589-7422A47A8E4A}"/>
+      <thm15:themeFamily xmlns="" xmlns:thm15="http://schemas.microsoft.com/office/thememl/2012/main" name="Office Theme" id="{62F939B6-93AF-4DB8-9C6B-D6C7DFDC589F}" vid="{4A3C46E8-61CC-4603-A589-7422A47A8E4A}"/>
     </a:ext>
   </a:extLst>
 </a:theme>
@@ -23436,7 +22051,7 @@
   <a:extraClrSchemeLst/>
   <a:extLst>
     <a:ext uri="{05A4C25C-085E-4340-85A3-A5531E510DB2}">
-      <thm15:themeFamily xmlns:thm15="http://schemas.microsoft.com/office/thememl/2012/main" xmlns="" name="Office Theme" id="{62F939B6-93AF-4DB8-9C6B-D6C7DFDC589F}" vid="{4A3C46E8-61CC-4603-A589-7422A47A8E4A}"/>
+      <thm15:themeFamily xmlns="" xmlns:thm15="http://schemas.microsoft.com/office/thememl/2012/main" name="Office Theme" id="{62F939B6-93AF-4DB8-9C6B-D6C7DFDC589F}" vid="{4A3C46E8-61CC-4603-A589-7422A47A8E4A}"/>
     </a:ext>
   </a:extLst>
 </a:theme>

--- a/专题研究/晨会主题/201904财务自由.pptx
+++ b/专题研究/晨会主题/201904财务自由.pptx
@@ -5,7 +5,7 @@
     <p:sldMasterId id="2147483663" r:id="rId1"/>
   </p:sldMasterIdLst>
   <p:notesMasterIdLst>
-    <p:notesMasterId r:id="rId16"/>
+    <p:notesMasterId r:id="rId17"/>
   </p:notesMasterIdLst>
   <p:sldIdLst>
     <p:sldId id="2404" r:id="rId2"/>
@@ -17,11 +17,12 @@
     <p:sldId id="2439" r:id="rId8"/>
     <p:sldId id="2442" r:id="rId9"/>
     <p:sldId id="2447" r:id="rId10"/>
-    <p:sldId id="2434" r:id="rId11"/>
-    <p:sldId id="2443" r:id="rId12"/>
-    <p:sldId id="2446" r:id="rId13"/>
-    <p:sldId id="2436" r:id="rId14"/>
-    <p:sldId id="2405" r:id="rId15"/>
+    <p:sldId id="2448" r:id="rId11"/>
+    <p:sldId id="2434" r:id="rId12"/>
+    <p:sldId id="2443" r:id="rId13"/>
+    <p:sldId id="2446" r:id="rId14"/>
+    <p:sldId id="2436" r:id="rId15"/>
+    <p:sldId id="2405" r:id="rId16"/>
   </p:sldIdLst>
   <p:sldSz cx="12192000" cy="6858000"/>
   <p:notesSz cx="6858000" cy="9144000"/>
@@ -265,7 +266,7 @@
             <a:fld id="{B0728DFB-0508-4D26-AE5C-71BF0E2783C5}" type="datetimeFigureOut">
               <a:rPr lang="zh-CN" altLang="en-US" smtClean="0"/>
               <a:pPr/>
-              <a:t>2019/4/27</a:t>
+              <a:t>2019/4/29</a:t>
             </a:fld>
             <a:endParaRPr lang="zh-CN" altLang="en-US"/>
           </a:p>
@@ -696,20 +697,69 @@
           </a:bodyPr>
           <a:lstStyle/>
           <a:p>
+            <a:pPr marL="0" marR="0" indent="0" algn="l" defTabSz="914400" rtl="0" eaLnBrk="1" fontAlgn="auto" latinLnBrk="0" hangingPunct="1">
+              <a:lnSpc>
+                <a:spcPct val="100000"/>
+              </a:lnSpc>
+              <a:spcBef>
+                <a:spcPts val="0"/>
+              </a:spcBef>
+              <a:spcAft>
+                <a:spcPts val="0"/>
+              </a:spcAft>
+              <a:buClrTx/>
+              <a:buSzTx/>
+              <a:buFontTx/>
+              <a:buNone/>
+              <a:tabLst/>
+              <a:defRPr/>
+            </a:pPr>
+            <a:r>
+              <a:rPr lang="en-US" altLang="zh-CN" dirty="0" smtClean="0"/>
+              <a:t>1</a:t>
+            </a:r>
             <a:r>
               <a:rPr lang="zh-CN" altLang="en-US" dirty="0" smtClean="0"/>
-              <a:t>如何实现财务自由？</a:t>
+              <a:t>、一千个读者有一千个哈姆雷特。</a:t>
+            </a:r>
+            <a:r>
+              <a:rPr lang="zh-CN" altLang="en-US" sz="1200" b="1" i="0" kern="1200" dirty="0" smtClean="0">
+                <a:solidFill>
+                  <a:schemeClr val="tx1"/>
+                </a:solidFill>
+                <a:latin typeface="+mn-lt"/>
+                <a:ea typeface="+mn-ea"/>
+                <a:cs typeface="+mn-cs"/>
+              </a:rPr>
+              <a:t>听过很多道理却仍过不好这一生？</a:t>
             </a:r>
             <a:endParaRPr lang="en-US" altLang="zh-CN" dirty="0" smtClean="0"/>
           </a:p>
           <a:p>
+            <a:pPr marL="0" marR="0" indent="0" algn="l" defTabSz="914400" rtl="0" eaLnBrk="1" fontAlgn="auto" latinLnBrk="0" hangingPunct="1">
+              <a:lnSpc>
+                <a:spcPct val="100000"/>
+              </a:lnSpc>
+              <a:spcBef>
+                <a:spcPts val="0"/>
+              </a:spcBef>
+              <a:spcAft>
+                <a:spcPts val="0"/>
+              </a:spcAft>
+              <a:buClrTx/>
+              <a:buSzTx/>
+              <a:buFontTx/>
+              <a:buNone/>
+              <a:tabLst/>
+              <a:defRPr/>
+            </a:pPr>
             <a:r>
               <a:rPr lang="en-US" altLang="zh-CN" dirty="0" smtClean="0"/>
-              <a:t>1</a:t>
+              <a:t>2</a:t>
             </a:r>
             <a:r>
               <a:rPr lang="zh-CN" altLang="en-US" dirty="0" smtClean="0"/>
-              <a:t>、最重要的投资就是投资自己的人生，其中投资的关键就是选择自己热爱的事业（生活愿景），事业不是职业，要区分。</a:t>
+              <a:t>、我们为什么要追求财务自由？</a:t>
             </a:r>
             <a:r>
               <a:rPr lang="zh-CN" altLang="en-US" sz="1200" b="0" i="0" kern="1200" dirty="0" smtClean="0">
@@ -720,7 +770,11 @@
                 <a:ea typeface="+mn-ea"/>
                 <a:cs typeface="+mn-cs"/>
               </a:rPr>
-              <a:t>憧憬你今后想要的人生，根据你的人生价值观找到你认为必须要完成的事，在它身上下功夫，就是对自己人生的一种投资</a:t>
+              <a:t>财务自由不是赚钱，也不是省钱，而是你如何衡量财务和自由之间的关系。</a:t>
+            </a:r>
+            <a:r>
+              <a:rPr lang="zh-CN" altLang="en-US" sz="1200" b="1" dirty="0" smtClean="0"/>
+              <a:t>让感情回归纯粹，不为钱所累，爱好回归乐趣，不为钱折腰，活成自己喜欢的样子，让消费回归享受，不为钱所苦。</a:t>
             </a:r>
             <a:r>
               <a:rPr lang="zh-CN" altLang="en-US" sz="1200" b="0" i="0" kern="1200" dirty="0" smtClean="0">
@@ -731,7 +785,18 @@
                 <a:ea typeface="+mn-ea"/>
                 <a:cs typeface="+mn-cs"/>
               </a:rPr>
-              <a:t>。大部分人是“干一行，爱一行”，在职业工作中投入热情，让职业变成了自己的事业。职业获得薪酬，事业获得成就。 </a:t>
+              <a:t>所谓自由，就是一个人可以按自己的意愿去生活，自己给自己作主。再回头看到“财务自由”这几个字</a:t>
+            </a:r>
+            <a:r>
+              <a:rPr lang="zh-CN" altLang="en-US" sz="1200" b="0" i="0" kern="1200" dirty="0" smtClean="0">
+                <a:solidFill>
+                  <a:schemeClr val="tx1"/>
+                </a:solidFill>
+                <a:latin typeface="+mn-lt"/>
+                <a:ea typeface="+mn-ea"/>
+                <a:cs typeface="+mn-cs"/>
+              </a:rPr>
+              <a:t>。</a:t>
             </a:r>
             <a:endParaRPr lang="en-US" altLang="zh-CN" sz="1200" b="0" i="0" kern="1200" dirty="0" smtClean="0">
               <a:solidFill>
@@ -743,6 +808,23 @@
             </a:endParaRPr>
           </a:p>
           <a:p>
+            <a:pPr marL="0" marR="0" indent="0" algn="l" defTabSz="914400" rtl="0" eaLnBrk="1" fontAlgn="auto" latinLnBrk="0" hangingPunct="1">
+              <a:lnSpc>
+                <a:spcPct val="100000"/>
+              </a:lnSpc>
+              <a:spcBef>
+                <a:spcPts val="0"/>
+              </a:spcBef>
+              <a:spcAft>
+                <a:spcPts val="0"/>
+              </a:spcAft>
+              <a:buClrTx/>
+              <a:buSzTx/>
+              <a:buFontTx/>
+              <a:buNone/>
+              <a:tabLst/>
+              <a:defRPr/>
+            </a:pPr>
             <a:r>
               <a:rPr lang="en-US" altLang="zh-CN" sz="1200" b="0" i="0" kern="1200" dirty="0" smtClean="0">
                 <a:solidFill>
@@ -752,7 +834,7 @@
                 <a:ea typeface="+mn-ea"/>
                 <a:cs typeface="+mn-cs"/>
               </a:rPr>
-              <a:t>2</a:t>
+              <a:t>3</a:t>
             </a:r>
             <a:r>
               <a:rPr lang="zh-CN" altLang="en-US" sz="1200" b="0" i="0" kern="1200" dirty="0" smtClean="0">
@@ -763,10 +845,10 @@
                 <a:ea typeface="+mn-ea"/>
                 <a:cs typeface="+mn-cs"/>
               </a:rPr>
-              <a:t>、在</a:t>
-            </a:r>
-            <a:r>
-              <a:rPr lang="zh-CN" altLang="en-US" sz="1200" b="0" i="0" kern="1200" dirty="0" smtClean="0">
+              <a:t>、富翁的角度看问题？？？渔夫的角度看问题？？？</a:t>
+            </a:r>
+            <a:r>
+              <a:rPr lang="zh-CN" altLang="en-US" sz="1200" b="0" i="0" kern="1200" baseline="0" dirty="0" smtClean="0">
                 <a:solidFill>
                   <a:schemeClr val="tx1"/>
                 </a:solidFill>
@@ -774,287 +856,9 @@
                 <a:ea typeface="+mn-ea"/>
                 <a:cs typeface="+mn-cs"/>
               </a:rPr>
-              <a:t>自己收入不高，财产不够丰厚的时候，适当的经营自己，规划配置资产，尽可能的减少对未来不确定性的恐惧，才能更好的享受生活，接近财务自由</a:t>
-            </a:r>
-            <a:r>
-              <a:rPr lang="zh-CN" altLang="en-US" sz="1200" b="0" i="0" kern="1200" dirty="0" smtClean="0">
-                <a:solidFill>
-                  <a:schemeClr val="tx1"/>
-                </a:solidFill>
-                <a:latin typeface="+mn-lt"/>
-                <a:ea typeface="+mn-ea"/>
-                <a:cs typeface="+mn-cs"/>
-              </a:rPr>
-              <a:t>。财务</a:t>
-            </a:r>
-            <a:r>
-              <a:rPr lang="zh-CN" altLang="en-US" sz="1200" b="0" i="0" kern="1200" dirty="0" smtClean="0">
-                <a:solidFill>
-                  <a:schemeClr val="tx1"/>
-                </a:solidFill>
-                <a:latin typeface="+mn-lt"/>
-                <a:ea typeface="+mn-ea"/>
-                <a:cs typeface="+mn-cs"/>
-              </a:rPr>
-              <a:t>自由并没有硬性规定，只是它能让你有多少选择，你就有多大的财务自由。中午可以选择吃十元的盒饭还是十五的盖饭，这也是一种财务自由。我们都在这个世界的泥土里奋力腾挪，给自己创造更大的喘息空间</a:t>
-            </a:r>
-            <a:r>
-              <a:rPr lang="zh-CN" altLang="en-US" sz="1200" b="0" i="0" kern="1200" dirty="0" smtClean="0">
-                <a:solidFill>
-                  <a:schemeClr val="tx1"/>
-                </a:solidFill>
-                <a:latin typeface="+mn-lt"/>
-                <a:ea typeface="+mn-ea"/>
-                <a:cs typeface="+mn-cs"/>
-              </a:rPr>
-              <a:t>。</a:t>
-            </a:r>
-            <a:endParaRPr lang="zh-CN" altLang="en-US" sz="1200" b="0" i="0" kern="1200" dirty="0" smtClean="0">
-              <a:solidFill>
-                <a:schemeClr val="tx1"/>
-              </a:solidFill>
-              <a:latin typeface="+mn-lt"/>
-              <a:ea typeface="+mn-ea"/>
-              <a:cs typeface="+mn-cs"/>
-            </a:endParaRPr>
-          </a:p>
-          <a:p>
-            <a:r>
-              <a:rPr lang="en-US" altLang="zh-CN" dirty="0" smtClean="0"/>
-              <a:t>3</a:t>
-            </a:r>
-            <a:r>
-              <a:rPr lang="zh-CN" altLang="en-US" dirty="0" smtClean="0"/>
-              <a:t>、</a:t>
-            </a:r>
-            <a:r>
-              <a:rPr lang="zh-CN" altLang="en-US" dirty="0" smtClean="0"/>
-              <a:t>创造财务自由的三大原则：创造资产、减少负债、管理日常开支</a:t>
-            </a:r>
-            <a:r>
-              <a:rPr lang="zh-CN" altLang="en-US" dirty="0" smtClean="0"/>
-              <a:t>。</a:t>
+              <a:t> 都描述一下</a:t>
             </a:r>
             <a:endParaRPr lang="en-US" altLang="zh-CN" dirty="0" smtClean="0"/>
-          </a:p>
-          <a:p>
-            <a:r>
-              <a:rPr lang="en-US" altLang="zh-CN" dirty="0" smtClean="0"/>
-              <a:t>4</a:t>
-            </a:r>
-            <a:r>
-              <a:rPr lang="zh-CN" altLang="en-US" dirty="0" smtClean="0"/>
-              <a:t>、寻找导师和顾问，建立自己的团队。</a:t>
-            </a:r>
-            <a:endParaRPr lang="en-US" altLang="zh-CN" dirty="0" smtClean="0"/>
-          </a:p>
-          <a:p>
-            <a:r>
-              <a:rPr lang="zh-CN" altLang="en-US" sz="1200" b="0" i="0" kern="1200" dirty="0" smtClean="0">
-                <a:solidFill>
-                  <a:schemeClr val="tx1"/>
-                </a:solidFill>
-                <a:latin typeface="+mn-lt"/>
-                <a:ea typeface="+mn-ea"/>
-                <a:cs typeface="+mn-cs"/>
-              </a:rPr>
-              <a:t>常言说：“听君一席话，胜读十年书”，导师就是这种人，可能他的一句话，真的可以让人少走十年的弯路。所以，成功的人，都不吝把荣誉授予自己的导师，他们都慷慨地认为，至少</a:t>
-            </a:r>
-            <a:r>
-              <a:rPr lang="en-US" altLang="zh-CN" sz="1200" b="0" i="0" kern="1200" dirty="0" smtClean="0">
-                <a:solidFill>
-                  <a:schemeClr val="tx1"/>
-                </a:solidFill>
-                <a:latin typeface="+mn-lt"/>
-                <a:ea typeface="+mn-ea"/>
-                <a:cs typeface="+mn-cs"/>
-              </a:rPr>
-              <a:t>80</a:t>
-            </a:r>
-            <a:r>
-              <a:rPr lang="zh-CN" altLang="en-US" sz="1200" b="0" i="0" kern="1200" dirty="0" smtClean="0">
-                <a:solidFill>
-                  <a:schemeClr val="tx1"/>
-                </a:solidFill>
-                <a:latin typeface="+mn-lt"/>
-                <a:ea typeface="+mn-ea"/>
-                <a:cs typeface="+mn-cs"/>
-              </a:rPr>
-              <a:t>％的成功要归因于导师。巴菲特在</a:t>
-            </a:r>
-            <a:r>
-              <a:rPr lang="en-US" altLang="zh-CN" sz="1200" b="0" i="0" kern="1200" dirty="0" smtClean="0">
-                <a:solidFill>
-                  <a:schemeClr val="tx1"/>
-                </a:solidFill>
-                <a:latin typeface="+mn-lt"/>
-                <a:ea typeface="+mn-ea"/>
-                <a:cs typeface="+mn-cs"/>
-              </a:rPr>
-              <a:t>《</a:t>
-            </a:r>
-            <a:r>
-              <a:rPr lang="zh-CN" altLang="en-US" sz="1200" b="0" i="0" kern="1200" dirty="0" smtClean="0">
-                <a:solidFill>
-                  <a:schemeClr val="tx1"/>
-                </a:solidFill>
-                <a:latin typeface="+mn-lt"/>
-                <a:ea typeface="+mn-ea"/>
-                <a:cs typeface="+mn-cs"/>
-              </a:rPr>
-              <a:t>回忆我的导师格雷厄姆</a:t>
-            </a:r>
-            <a:r>
-              <a:rPr lang="en-US" altLang="zh-CN" sz="1200" b="0" i="0" kern="1200" dirty="0" smtClean="0">
-                <a:solidFill>
-                  <a:schemeClr val="tx1"/>
-                </a:solidFill>
-                <a:latin typeface="+mn-lt"/>
-                <a:ea typeface="+mn-ea"/>
-                <a:cs typeface="+mn-cs"/>
-              </a:rPr>
-              <a:t>》</a:t>
-            </a:r>
-            <a:r>
-              <a:rPr lang="zh-CN" altLang="en-US" sz="1200" b="0" i="0" kern="1200" dirty="0" smtClean="0">
-                <a:solidFill>
-                  <a:schemeClr val="tx1"/>
-                </a:solidFill>
-                <a:latin typeface="+mn-lt"/>
-                <a:ea typeface="+mn-ea"/>
-                <a:cs typeface="+mn-cs"/>
-              </a:rPr>
-              <a:t>时说：</a:t>
-            </a:r>
-          </a:p>
-          <a:p>
-            <a:r>
-              <a:rPr lang="zh-CN" altLang="en-US" sz="1200" b="0" i="0" kern="1200" dirty="0" smtClean="0">
-                <a:solidFill>
-                  <a:schemeClr val="tx1"/>
-                </a:solidFill>
-                <a:latin typeface="+mn-lt"/>
-                <a:ea typeface="+mn-ea"/>
-                <a:cs typeface="+mn-cs"/>
-              </a:rPr>
-              <a:t>我这一生有时候运气很好，运气最好的一次是</a:t>
-            </a:r>
-            <a:r>
-              <a:rPr lang="en-US" altLang="zh-CN" sz="1200" b="0" i="0" kern="1200" dirty="0" smtClean="0">
-                <a:solidFill>
-                  <a:schemeClr val="tx1"/>
-                </a:solidFill>
-                <a:latin typeface="+mn-lt"/>
-                <a:ea typeface="+mn-ea"/>
-                <a:cs typeface="+mn-cs"/>
-              </a:rPr>
-              <a:t>1949</a:t>
-            </a:r>
-            <a:r>
-              <a:rPr lang="zh-CN" altLang="en-US" sz="1200" b="0" i="0" kern="1200" dirty="0" smtClean="0">
-                <a:solidFill>
-                  <a:schemeClr val="tx1"/>
-                </a:solidFill>
-                <a:latin typeface="+mn-lt"/>
-                <a:ea typeface="+mn-ea"/>
-                <a:cs typeface="+mn-cs"/>
-              </a:rPr>
-              <a:t>年，当时我</a:t>
-            </a:r>
-            <a:r>
-              <a:rPr lang="en-US" altLang="zh-CN" sz="1200" b="0" i="0" kern="1200" dirty="0" smtClean="0">
-                <a:solidFill>
-                  <a:schemeClr val="tx1"/>
-                </a:solidFill>
-                <a:latin typeface="+mn-lt"/>
-                <a:ea typeface="+mn-ea"/>
-                <a:cs typeface="+mn-cs"/>
-              </a:rPr>
-              <a:t>19</a:t>
-            </a:r>
-            <a:r>
-              <a:rPr lang="zh-CN" altLang="en-US" sz="1200" b="0" i="0" kern="1200" dirty="0" smtClean="0">
-                <a:solidFill>
-                  <a:schemeClr val="tx1"/>
-                </a:solidFill>
-                <a:latin typeface="+mn-lt"/>
-                <a:ea typeface="+mn-ea"/>
-                <a:cs typeface="+mn-cs"/>
-              </a:rPr>
-              <a:t>岁，在内布拉斯加州林肯市，我拿起了一本书</a:t>
-            </a:r>
-            <a:r>
-              <a:rPr lang="en-US" altLang="zh-CN" sz="1200" b="0" i="0" kern="1200" dirty="0" smtClean="0">
-                <a:solidFill>
-                  <a:schemeClr val="tx1"/>
-                </a:solidFill>
-                <a:latin typeface="+mn-lt"/>
-                <a:ea typeface="+mn-ea"/>
-                <a:cs typeface="+mn-cs"/>
-              </a:rPr>
-              <a:t>《</a:t>
-            </a:r>
-            <a:r>
-              <a:rPr lang="zh-CN" altLang="en-US" sz="1200" b="0" i="0" kern="1200" dirty="0" smtClean="0">
-                <a:solidFill>
-                  <a:schemeClr val="tx1"/>
-                </a:solidFill>
-                <a:latin typeface="+mn-lt"/>
-                <a:ea typeface="+mn-ea"/>
-                <a:cs typeface="+mn-cs"/>
-              </a:rPr>
-              <a:t>聪明的投资者</a:t>
-            </a:r>
-            <a:r>
-              <a:rPr lang="en-US" altLang="zh-CN" sz="1200" b="0" i="0" kern="1200" dirty="0" smtClean="0">
-                <a:solidFill>
-                  <a:schemeClr val="tx1"/>
-                </a:solidFill>
-                <a:latin typeface="+mn-lt"/>
-                <a:ea typeface="+mn-ea"/>
-                <a:cs typeface="+mn-cs"/>
-              </a:rPr>
-              <a:t>》</a:t>
-            </a:r>
-            <a:r>
-              <a:rPr lang="zh-CN" altLang="en-US" sz="1200" b="0" i="0" kern="1200" dirty="0" smtClean="0">
-                <a:solidFill>
-                  <a:schemeClr val="tx1"/>
-                </a:solidFill>
-                <a:latin typeface="+mn-lt"/>
-                <a:ea typeface="+mn-ea"/>
-                <a:cs typeface="+mn-cs"/>
-              </a:rPr>
-              <a:t>，这本书不但改变了我的投资理念，而且完全改变了我的人生。如果不是读了这本书，我不会是现在的我，也不会过现在这样的生活。</a:t>
-            </a:r>
-            <a:endParaRPr lang="en-US" altLang="zh-CN" sz="1200" b="0" i="0" kern="1200" dirty="0" smtClean="0">
-              <a:solidFill>
-                <a:schemeClr val="tx1"/>
-              </a:solidFill>
-              <a:latin typeface="+mn-lt"/>
-              <a:ea typeface="+mn-ea"/>
-              <a:cs typeface="+mn-cs"/>
-            </a:endParaRPr>
-          </a:p>
-          <a:p>
-            <a:r>
-              <a:rPr lang="zh-CN" altLang="en-US" sz="1200" b="0" i="0" kern="1200" dirty="0" smtClean="0">
-                <a:solidFill>
-                  <a:schemeClr val="tx1"/>
-                </a:solidFill>
-                <a:latin typeface="+mn-lt"/>
-                <a:ea typeface="+mn-ea"/>
-                <a:cs typeface="+mn-cs"/>
-              </a:rPr>
-              <a:t>而在软件开发的职业里面，一个好的老大，比一个好的职位重要。当你寻找到一个上司是亦师亦友的时候，他帮助你在人生和职业里面成长。</a:t>
-            </a:r>
-          </a:p>
-          <a:p>
-            <a:r>
-              <a:rPr lang="zh-CN" altLang="en-US" smtClean="0"/>
-              <a:t>阿里巴巴的十八罗汉成就了千亿帝国，个人的力量是有限的，一个好多的团队，更容易成功。</a:t>
-            </a:r>
-            <a:endParaRPr lang="zh-CN" altLang="en-US" dirty="0"/>
           </a:p>
         </p:txBody>
       </p:sp>
@@ -1117,12 +921,7 @@
             <p:ph type="sldImg"/>
           </p:nvPr>
         </p:nvSpPr>
-        <p:spPr>
-          <a:xfrm>
-            <a:off x="685800" y="1143000"/>
-            <a:ext cx="5486400" cy="3086100"/>
-          </a:xfrm>
-        </p:spPr>
+        <p:spPr/>
       </p:sp>
       <p:sp>
         <p:nvSpPr>
@@ -1142,6 +941,29 @@
           <a:lstStyle/>
           <a:p>
             <a:r>
+              <a:rPr lang="zh-CN" altLang="en-US" dirty="0" smtClean="0"/>
+              <a:t>如何实现财务自由？</a:t>
+            </a:r>
+            <a:endParaRPr lang="en-US" altLang="zh-CN" dirty="0" smtClean="0"/>
+          </a:p>
+          <a:p>
+            <a:r>
+              <a:rPr lang="en-US" altLang="zh-CN" dirty="0" smtClean="0"/>
+              <a:t>1</a:t>
+            </a:r>
+            <a:r>
+              <a:rPr lang="zh-CN" altLang="en-US" dirty="0" smtClean="0"/>
+              <a:t>、最重要的投资就是投资自己的人生，其中投资的关键就是选择自己热爱的事业（生活愿景），事业不是职业，</a:t>
+            </a:r>
+            <a:r>
+              <a:rPr lang="zh-CN" altLang="en-US" smtClean="0"/>
+              <a:t>要</a:t>
+            </a:r>
+            <a:r>
+              <a:rPr lang="zh-CN" altLang="en-US" smtClean="0"/>
+              <a:t>区分：事业是你今天做完了，明天还想继续做，职业是今天做完了，明天还得继续做。</a:t>
+            </a:r>
+            <a:r>
               <a:rPr lang="zh-CN" altLang="en-US" sz="1200" b="0" i="0" kern="1200" dirty="0" smtClean="0">
                 <a:solidFill>
                   <a:schemeClr val="tx1"/>
@@ -1150,12 +972,10 @@
                 <a:ea typeface="+mn-ea"/>
                 <a:cs typeface="+mn-cs"/>
               </a:rPr>
-              <a:t>所以如何理财，如何投资，是实现财务自由的第一要素。</a:t>
-            </a:r>
-          </a:p>
-          <a:p>
-            <a:r>
-              <a:rPr lang="zh-CN" altLang="en-US" sz="1200" b="0" i="0" kern="1200" dirty="0" smtClean="0">
+              <a:t>憧憬你今后想要的人生，根据你的人生价值观找到你认为必须要完成的事，在它身上下功夫，就是对自己人生的一种投资。大部分人是“干一行，爱一行”，在职业工作中投入热情，让职业变成了自己的事业。职业获得薪酬，事业</a:t>
+            </a:r>
+            <a:r>
+              <a:rPr lang="zh-CN" altLang="en-US" sz="1200" b="0" i="0" kern="1200" smtClean="0">
                 <a:solidFill>
                   <a:schemeClr val="tx1"/>
                 </a:solidFill>
@@ -1163,12 +983,10 @@
                 <a:ea typeface="+mn-ea"/>
                 <a:cs typeface="+mn-cs"/>
               </a:rPr>
-              <a:t>我们首先要做的，是认识自己的收入，然后计划开支，同时给出一定份额的储蓄用来投资。运营分配自身的资产，可以在获得巨大成就感的同时，对自身能力和抗风险能力有足够清晰的认识，这些都是实现财务自由的先决条件。</a:t>
-            </a:r>
-          </a:p>
-          <a:p>
-            <a:r>
-              <a:rPr lang="zh-CN" altLang="en-US" sz="1200" b="0" i="0" kern="1200" dirty="0" smtClean="0">
+              <a:t>获得</a:t>
+            </a:r>
+            <a:r>
+              <a:rPr lang="zh-CN" altLang="en-US" sz="1200" b="0" i="0" kern="1200" smtClean="0">
                 <a:solidFill>
                   <a:schemeClr val="tx1"/>
                 </a:solidFill>
@@ -1176,12 +994,10 @@
                 <a:ea typeface="+mn-ea"/>
                 <a:cs typeface="+mn-cs"/>
               </a:rPr>
-              <a:t>而投资可选的余地就有许多，但不建议年轻人在拥有一定资本前就去投资风险高收益高的产品，如股票、基金、私募等，这极容易产生赌博心理，对自制力不强或还在整理自身资产初期的人群造成经济崩盘，财务自由彻底成为美梦。</a:t>
-            </a:r>
-          </a:p>
-          <a:p>
-            <a:r>
-              <a:rPr lang="zh-CN" altLang="en-US" sz="1200" b="0" i="0" kern="1200" dirty="0" smtClean="0">
+              <a:t>成就，赚到钱的同时</a:t>
+            </a:r>
+            <a:r>
+              <a:rPr lang="zh-CN" altLang="en-US" sz="1200" b="0" i="0" kern="1200" baseline="0" smtClean="0">
                 <a:solidFill>
                   <a:schemeClr val="tx1"/>
                 </a:solidFill>
@@ -1189,10 +1005,10 @@
                 <a:ea typeface="+mn-ea"/>
                 <a:cs typeface="+mn-cs"/>
               </a:rPr>
-              <a:t>而银行余额宝等货币基金虽然稳定，但收益低，难以看作是一项值得期待的收入。所以应对初入门理财的人群，首选还是稳定和收益较为综合的</a:t>
-            </a:r>
-            <a:r>
-              <a:rPr lang="en-US" altLang="zh-CN" sz="1200" b="0" i="0" kern="1200" dirty="0" smtClean="0">
+              <a:t> 也赚到成就带来的快乐</a:t>
+            </a:r>
+            <a:r>
+              <a:rPr lang="zh-CN" altLang="en-US" sz="1200" b="0" i="0" kern="1200" smtClean="0">
                 <a:solidFill>
                   <a:schemeClr val="tx1"/>
                 </a:solidFill>
@@ -1200,10 +1016,20 @@
                 <a:ea typeface="+mn-ea"/>
                 <a:cs typeface="+mn-cs"/>
               </a:rPr>
-              <a:t>p2p</a:t>
-            </a:r>
-            <a:r>
-              <a:rPr lang="zh-CN" altLang="en-US" sz="1200" b="0" i="0" kern="1200" dirty="0" smtClean="0">
+              <a:t>。赚到第一桶金是非常重要的。</a:t>
+            </a:r>
+            <a:endParaRPr lang="en-US" altLang="zh-CN" sz="1200" b="0" i="0" kern="1200" dirty="0" smtClean="0">
+              <a:solidFill>
+                <a:schemeClr val="tx1"/>
+              </a:solidFill>
+              <a:latin typeface="+mn-lt"/>
+              <a:ea typeface="+mn-ea"/>
+              <a:cs typeface="+mn-cs"/>
+            </a:endParaRPr>
+          </a:p>
+          <a:p>
+            <a:r>
+              <a:rPr lang="en-US" altLang="zh-CN" sz="1200" b="0" i="0" kern="1200" dirty="0" smtClean="0">
                 <a:solidFill>
                   <a:schemeClr val="tx1"/>
                 </a:solidFill>
@@ -1211,10 +1037,8 @@
                 <a:ea typeface="+mn-ea"/>
                 <a:cs typeface="+mn-cs"/>
               </a:rPr>
-              <a:t>平台收益最高。分篮子投蛋，计算收益比，这都能让自身对经济的把控能力上几个台阶。</a:t>
-            </a:r>
-          </a:p>
-          <a:p>
+              <a:t>2</a:t>
+            </a:r>
             <a:r>
               <a:rPr lang="zh-CN" altLang="en-US" sz="1200" b="0" i="0" kern="1200" dirty="0" smtClean="0">
                 <a:solidFill>
@@ -1224,8 +1048,30 @@
                 <a:ea typeface="+mn-ea"/>
                 <a:cs typeface="+mn-cs"/>
               </a:rPr>
-              <a:t>但千万要记住，无论何种投资，都必须给自己存下至少一个季度的应急款项，这份钱可以放在余额宝，可以放在银行，这笔钱的意义在于投资风险发生后，自己还有至少一个季度的时间可以继续积累，而不会堕入负资产漩涡。这份安全感非常重要。</a:t>
-            </a:r>
+              <a:t>、在自己收入不高，财产不够丰厚的时候，适当的经营自己，规划配置资产，尽可能的减少对未来不确定性的恐惧，才能更好的享受生活，接近财务自由。财务自由并没有硬性规定，只是它能让你有多少选择，你就有多大的财务自由。中午可以选择吃十元的盒饭还是十五的盖饭，这也是一种财务自由。我们都在这个世界的泥土里奋力腾挪，给自己创造更大的喘息空间。</a:t>
+            </a:r>
+          </a:p>
+          <a:p>
+            <a:r>
+              <a:rPr lang="en-US" altLang="zh-CN" dirty="0" smtClean="0"/>
+              <a:t>3</a:t>
+            </a:r>
+            <a:r>
+              <a:rPr lang="zh-CN" altLang="en-US" dirty="0" smtClean="0"/>
+              <a:t>、创造财务自由的三大原则：创造资产、减少负债、管理日常开支。</a:t>
+            </a:r>
+            <a:endParaRPr lang="en-US" altLang="zh-CN" dirty="0" smtClean="0"/>
+          </a:p>
+          <a:p>
+            <a:r>
+              <a:rPr lang="en-US" altLang="zh-CN" dirty="0" smtClean="0"/>
+              <a:t>4</a:t>
+            </a:r>
+            <a:r>
+              <a:rPr lang="zh-CN" altLang="en-US" dirty="0" smtClean="0"/>
+              <a:t>、寻找导师和顾问，建立自己的团队。</a:t>
+            </a:r>
+            <a:endParaRPr lang="en-US" altLang="zh-CN" dirty="0" smtClean="0"/>
           </a:p>
           <a:p>
             <a:r>
@@ -1237,8 +1083,203 @@
                 <a:ea typeface="+mn-ea"/>
                 <a:cs typeface="+mn-cs"/>
               </a:rPr>
-              <a:t>开源和节流并进，在积累投资经验的同时，积累自身原始资本，一步步扩大自身投资比例，多项多种投资，逐步可以依靠理财的钱解决生活成本，缓慢配置自身所需，从而实现自身的财务自由。</a:t>
-            </a:r>
+              <a:t>常言说：“听君一席话，胜读十年书”，导师就是这种人，可能他的一句话，真的可以让人少走十年的弯路。所以，成功的人，都不吝把荣誉授予自己的导师，他们都慷慨地认为，至少</a:t>
+            </a:r>
+            <a:r>
+              <a:rPr lang="en-US" altLang="zh-CN" sz="1200" b="0" i="0" kern="1200" dirty="0" smtClean="0">
+                <a:solidFill>
+                  <a:schemeClr val="tx1"/>
+                </a:solidFill>
+                <a:latin typeface="+mn-lt"/>
+                <a:ea typeface="+mn-ea"/>
+                <a:cs typeface="+mn-cs"/>
+              </a:rPr>
+              <a:t>80</a:t>
+            </a:r>
+            <a:r>
+              <a:rPr lang="zh-CN" altLang="en-US" sz="1200" b="0" i="0" kern="1200" dirty="0" smtClean="0">
+                <a:solidFill>
+                  <a:schemeClr val="tx1"/>
+                </a:solidFill>
+                <a:latin typeface="+mn-lt"/>
+                <a:ea typeface="+mn-ea"/>
+                <a:cs typeface="+mn-cs"/>
+              </a:rPr>
+              <a:t>％的成功要归因于导师。巴菲特在</a:t>
+            </a:r>
+            <a:r>
+              <a:rPr lang="en-US" altLang="zh-CN" sz="1200" b="0" i="0" kern="1200" dirty="0" smtClean="0">
+                <a:solidFill>
+                  <a:schemeClr val="tx1"/>
+                </a:solidFill>
+                <a:latin typeface="+mn-lt"/>
+                <a:ea typeface="+mn-ea"/>
+                <a:cs typeface="+mn-cs"/>
+              </a:rPr>
+              <a:t>《</a:t>
+            </a:r>
+            <a:r>
+              <a:rPr lang="zh-CN" altLang="en-US" sz="1200" b="0" i="0" kern="1200" dirty="0" smtClean="0">
+                <a:solidFill>
+                  <a:schemeClr val="tx1"/>
+                </a:solidFill>
+                <a:latin typeface="+mn-lt"/>
+                <a:ea typeface="+mn-ea"/>
+                <a:cs typeface="+mn-cs"/>
+              </a:rPr>
+              <a:t>回忆我的导师格雷厄姆</a:t>
+            </a:r>
+            <a:r>
+              <a:rPr lang="en-US" altLang="zh-CN" sz="1200" b="0" i="0" kern="1200" dirty="0" smtClean="0">
+                <a:solidFill>
+                  <a:schemeClr val="tx1"/>
+                </a:solidFill>
+                <a:latin typeface="+mn-lt"/>
+                <a:ea typeface="+mn-ea"/>
+                <a:cs typeface="+mn-cs"/>
+              </a:rPr>
+              <a:t>》</a:t>
+            </a:r>
+            <a:r>
+              <a:rPr lang="zh-CN" altLang="en-US" sz="1200" b="0" i="0" kern="1200" dirty="0" smtClean="0">
+                <a:solidFill>
+                  <a:schemeClr val="tx1"/>
+                </a:solidFill>
+                <a:latin typeface="+mn-lt"/>
+                <a:ea typeface="+mn-ea"/>
+                <a:cs typeface="+mn-cs"/>
+              </a:rPr>
+              <a:t>时说：</a:t>
+            </a:r>
+          </a:p>
+          <a:p>
+            <a:r>
+              <a:rPr lang="zh-CN" altLang="en-US" sz="1200" b="0" i="0" kern="1200" dirty="0" smtClean="0">
+                <a:solidFill>
+                  <a:schemeClr val="tx1"/>
+                </a:solidFill>
+                <a:latin typeface="+mn-lt"/>
+                <a:ea typeface="+mn-ea"/>
+                <a:cs typeface="+mn-cs"/>
+              </a:rPr>
+              <a:t>我这一生有时候运气很好，运气最好的一次是</a:t>
+            </a:r>
+            <a:r>
+              <a:rPr lang="en-US" altLang="zh-CN" sz="1200" b="0" i="0" kern="1200" dirty="0" smtClean="0">
+                <a:solidFill>
+                  <a:schemeClr val="tx1"/>
+                </a:solidFill>
+                <a:latin typeface="+mn-lt"/>
+                <a:ea typeface="+mn-ea"/>
+                <a:cs typeface="+mn-cs"/>
+              </a:rPr>
+              <a:t>1949</a:t>
+            </a:r>
+            <a:r>
+              <a:rPr lang="zh-CN" altLang="en-US" sz="1200" b="0" i="0" kern="1200" dirty="0" smtClean="0">
+                <a:solidFill>
+                  <a:schemeClr val="tx1"/>
+                </a:solidFill>
+                <a:latin typeface="+mn-lt"/>
+                <a:ea typeface="+mn-ea"/>
+                <a:cs typeface="+mn-cs"/>
+              </a:rPr>
+              <a:t>年，当时我</a:t>
+            </a:r>
+            <a:r>
+              <a:rPr lang="en-US" altLang="zh-CN" sz="1200" b="0" i="0" kern="1200" dirty="0" smtClean="0">
+                <a:solidFill>
+                  <a:schemeClr val="tx1"/>
+                </a:solidFill>
+                <a:latin typeface="+mn-lt"/>
+                <a:ea typeface="+mn-ea"/>
+                <a:cs typeface="+mn-cs"/>
+              </a:rPr>
+              <a:t>19</a:t>
+            </a:r>
+            <a:r>
+              <a:rPr lang="zh-CN" altLang="en-US" sz="1200" b="0" i="0" kern="1200" dirty="0" smtClean="0">
+                <a:solidFill>
+                  <a:schemeClr val="tx1"/>
+                </a:solidFill>
+                <a:latin typeface="+mn-lt"/>
+                <a:ea typeface="+mn-ea"/>
+                <a:cs typeface="+mn-cs"/>
+              </a:rPr>
+              <a:t>岁，在内布拉斯加州林肯市，我拿起了一本书</a:t>
+            </a:r>
+            <a:r>
+              <a:rPr lang="en-US" altLang="zh-CN" sz="1200" b="0" i="0" kern="1200" dirty="0" smtClean="0">
+                <a:solidFill>
+                  <a:schemeClr val="tx1"/>
+                </a:solidFill>
+                <a:latin typeface="+mn-lt"/>
+                <a:ea typeface="+mn-ea"/>
+                <a:cs typeface="+mn-cs"/>
+              </a:rPr>
+              <a:t>《</a:t>
+            </a:r>
+            <a:r>
+              <a:rPr lang="zh-CN" altLang="en-US" sz="1200" b="0" i="0" kern="1200" dirty="0" smtClean="0">
+                <a:solidFill>
+                  <a:schemeClr val="tx1"/>
+                </a:solidFill>
+                <a:latin typeface="+mn-lt"/>
+                <a:ea typeface="+mn-ea"/>
+                <a:cs typeface="+mn-cs"/>
+              </a:rPr>
+              <a:t>聪明的投资者</a:t>
+            </a:r>
+            <a:r>
+              <a:rPr lang="en-US" altLang="zh-CN" sz="1200" b="0" i="0" kern="1200" dirty="0" smtClean="0">
+                <a:solidFill>
+                  <a:schemeClr val="tx1"/>
+                </a:solidFill>
+                <a:latin typeface="+mn-lt"/>
+                <a:ea typeface="+mn-ea"/>
+                <a:cs typeface="+mn-cs"/>
+              </a:rPr>
+              <a:t>》</a:t>
+            </a:r>
+            <a:r>
+              <a:rPr lang="zh-CN" altLang="en-US" sz="1200" b="0" i="0" kern="1200" dirty="0" smtClean="0">
+                <a:solidFill>
+                  <a:schemeClr val="tx1"/>
+                </a:solidFill>
+                <a:latin typeface="+mn-lt"/>
+                <a:ea typeface="+mn-ea"/>
+                <a:cs typeface="+mn-cs"/>
+              </a:rPr>
+              <a:t>，这本书不但改变了我的投资理念，而且完全改变了我的人生。如果不是读了这本书，我不会是现在的我，也不会过现在这样的生活。</a:t>
+            </a:r>
+            <a:endParaRPr lang="en-US" altLang="zh-CN" sz="1200" b="0" i="0" kern="1200" dirty="0" smtClean="0">
+              <a:solidFill>
+                <a:schemeClr val="tx1"/>
+              </a:solidFill>
+              <a:latin typeface="+mn-lt"/>
+              <a:ea typeface="+mn-ea"/>
+              <a:cs typeface="+mn-cs"/>
+            </a:endParaRPr>
+          </a:p>
+          <a:p>
+            <a:r>
+              <a:rPr lang="zh-CN" altLang="en-US" sz="1200" b="0" i="0" kern="1200" dirty="0" smtClean="0">
+                <a:solidFill>
+                  <a:schemeClr val="tx1"/>
+                </a:solidFill>
+                <a:latin typeface="+mn-lt"/>
+                <a:ea typeface="+mn-ea"/>
+                <a:cs typeface="+mn-cs"/>
+              </a:rPr>
+              <a:t>而在软件开发的职业里面，一个好的老大，比一个好的职位重要。当你寻找到一个上司是亦师亦友的时候，他帮助你在人生和职业里面成长。</a:t>
+            </a:r>
+          </a:p>
+          <a:p>
+            <a:r>
+              <a:rPr lang="zh-CN" altLang="en-US" dirty="0" smtClean="0"/>
+              <a:t>阿里巴巴的十八罗汉成就了千亿帝国，个人的力量是有限的，一个好多的团队，更容易成功。</a:t>
+            </a:r>
+            <a:endParaRPr lang="zh-CN" altLang="en-US" dirty="0"/>
           </a:p>
         </p:txBody>
       </p:sp>
@@ -1326,7 +1367,7 @@
           <a:lstStyle/>
           <a:p>
             <a:r>
-              <a:rPr lang="en-US" altLang="zh-CN" sz="1200" b="0" i="0" kern="1200" dirty="0" smtClean="0">
+              <a:rPr lang="zh-CN" altLang="en-US" sz="1200" b="0" i="0" kern="1200" dirty="0" smtClean="0">
                 <a:solidFill>
                   <a:schemeClr val="tx1"/>
                 </a:solidFill>
@@ -1334,8 +1375,10 @@
                 <a:ea typeface="+mn-ea"/>
                 <a:cs typeface="+mn-cs"/>
               </a:rPr>
-              <a:t>1</a:t>
-            </a:r>
+              <a:t>所以如何理财，如何投资，是实现财务自由的第一要素。</a:t>
+            </a:r>
+          </a:p>
+          <a:p>
             <a:r>
               <a:rPr lang="zh-CN" altLang="en-US" sz="1200" b="0" i="0" kern="1200" dirty="0" smtClean="0">
                 <a:solidFill>
@@ -1345,10 +1388,12 @@
                 <a:ea typeface="+mn-ea"/>
                 <a:cs typeface="+mn-cs"/>
               </a:rPr>
-              <a:t>、前段时间，有一个新闻，唐山撤销收费站，一大批收费站员工下岗，一位</a:t>
-            </a:r>
-            <a:r>
-              <a:rPr lang="en-US" altLang="zh-CN" sz="1200" b="0" i="0" kern="1200" dirty="0" smtClean="0">
+              <a:t>我们首先要做的，是认识自己的收入，然后计划开支，同时给出一定份额的储蓄用来投资。运营分配自身的资产，可以在获得巨大成就感的同时，对自身能力和抗风险能力有足够清晰的认识，这些都是实现财务自由的先决条件。</a:t>
+            </a:r>
+          </a:p>
+          <a:p>
+            <a:r>
+              <a:rPr lang="zh-CN" altLang="en-US" sz="1200" b="0" i="0" kern="1200" dirty="0" smtClean="0">
                 <a:solidFill>
                   <a:schemeClr val="tx1"/>
                 </a:solidFill>
@@ -1356,8 +1401,10 @@
                 <a:ea typeface="+mn-ea"/>
                 <a:cs typeface="+mn-cs"/>
               </a:rPr>
-              <a:t>36</a:t>
-            </a:r>
+              <a:t>而投资可选的余地就有许多，但不建议年轻人在拥有一定资本前就去投资风险高收益高的产品，如股票、基金、私募等，这极容易产生赌博心理，对自制力不强或还在整理自身资产初期的人群造成经济崩盘，财务自由彻底成为美梦。</a:t>
+            </a:r>
+          </a:p>
+          <a:p>
             <a:r>
               <a:rPr lang="zh-CN" altLang="en-US" sz="1200" b="0" i="0" kern="1200" dirty="0" smtClean="0">
                 <a:solidFill>
@@ -1367,10 +1414,10 @@
                 <a:ea typeface="+mn-ea"/>
                 <a:cs typeface="+mn-cs"/>
               </a:rPr>
-              <a:t>岁的女士突然之间</a:t>
-            </a:r>
-            <a:r>
-              <a:rPr lang="zh-CN" altLang="en-US" sz="1200" b="0" i="0" kern="1200" smtClean="0">
+              <a:t>而银行余额宝等货币基金虽然稳定，但收益低，难以看作是一项值得期待的收入。所以应对初入门理财的人群，首选还是稳定和收益较为综合的</a:t>
+            </a:r>
+            <a:r>
+              <a:rPr lang="en-US" altLang="zh-CN" sz="1200" b="0" i="0" kern="1200" dirty="0" smtClean="0">
                 <a:solidFill>
                   <a:schemeClr val="tx1"/>
                 </a:solidFill>
@@ -1378,7 +1425,7 @@
                 <a:ea typeface="+mn-ea"/>
                 <a:cs typeface="+mn-cs"/>
               </a:rPr>
-              <a:t>茫然不知所措。“</a:t>
+              <a:t>p2p</a:t>
             </a:r>
             <a:r>
               <a:rPr lang="zh-CN" altLang="en-US" sz="1200" b="0" i="0" kern="1200" dirty="0" smtClean="0">
@@ -1389,20 +1436,12 @@
                 <a:ea typeface="+mn-ea"/>
                 <a:cs typeface="+mn-cs"/>
               </a:rPr>
-              <a:t>我在收费站呆了十几年了，我从毕业就来收费站了，我除了收费，我什么也不会干呀。”</a:t>
-            </a:r>
-            <a:endParaRPr lang="en-US" altLang="zh-CN" sz="1200" b="0" i="0" kern="1200" dirty="0" smtClean="0">
-              <a:solidFill>
-                <a:schemeClr val="tx1"/>
-              </a:solidFill>
-              <a:latin typeface="+mn-lt"/>
-              <a:ea typeface="+mn-ea"/>
-              <a:cs typeface="+mn-cs"/>
-            </a:endParaRPr>
+              <a:t>平台收益最高。分篮子投蛋，计算收益比，这都能让自身对经济的把控能力上几个台阶。</a:t>
+            </a:r>
           </a:p>
           <a:p>
             <a:r>
-              <a:rPr lang="en-US" altLang="zh-CN" sz="1200" b="0" i="0" kern="1200" dirty="0" smtClean="0">
+              <a:rPr lang="zh-CN" altLang="en-US" sz="1200" b="0" i="0" kern="1200" dirty="0" smtClean="0">
                 <a:solidFill>
                   <a:schemeClr val="tx1"/>
                 </a:solidFill>
@@ -1410,8 +1449,10 @@
                 <a:ea typeface="+mn-ea"/>
                 <a:cs typeface="+mn-cs"/>
               </a:rPr>
-              <a:t>2</a:t>
-            </a:r>
+              <a:t>但千万要记住，无论何种投资，都必须给自己存下至少一个季度的应急款项，这份钱可以放在余额宝，可以放在银行，这笔钱的意义在于投资风险发生后，自己还有至少一个季度的时间可以继续积累，而不会堕入负资产漩涡。这份安全感非常重要。</a:t>
+            </a:r>
+          </a:p>
+          <a:p>
             <a:r>
               <a:rPr lang="zh-CN" altLang="en-US" sz="1200" b="0" i="0" kern="1200" dirty="0" smtClean="0">
                 <a:solidFill>
@@ -1421,238 +1462,8 @@
                 <a:ea typeface="+mn-ea"/>
                 <a:cs typeface="+mn-cs"/>
               </a:rPr>
-              <a:t>、即使是陆奇，即使已经爬到了雅虎总裁，做过百度总裁，他依然保持每天学习，坚持阅读最前沿的论文，获知最前沿的科技思潮。</a:t>
-            </a:r>
-            <a:endParaRPr lang="en-US" altLang="zh-CN" sz="1200" b="0" i="0" kern="1200" dirty="0" smtClean="0">
-              <a:solidFill>
-                <a:schemeClr val="tx1"/>
-              </a:solidFill>
-              <a:latin typeface="+mn-lt"/>
-              <a:ea typeface="+mn-ea"/>
-              <a:cs typeface="+mn-cs"/>
-            </a:endParaRPr>
-          </a:p>
-          <a:p>
-            <a:r>
-              <a:rPr lang="en-US" altLang="zh-CN" sz="1200" b="0" i="0" kern="1200" dirty="0" smtClean="0">
-                <a:solidFill>
-                  <a:schemeClr val="tx1"/>
-                </a:solidFill>
-                <a:latin typeface="+mn-lt"/>
-                <a:ea typeface="+mn-ea"/>
-                <a:cs typeface="+mn-cs"/>
-              </a:rPr>
-              <a:t>3</a:t>
-            </a:r>
-            <a:r>
-              <a:rPr lang="zh-CN" altLang="en-US" sz="1200" b="0" i="0" kern="1200" dirty="0" smtClean="0">
-                <a:solidFill>
-                  <a:schemeClr val="tx1"/>
-                </a:solidFill>
-                <a:latin typeface="+mn-lt"/>
-                <a:ea typeface="+mn-ea"/>
-                <a:cs typeface="+mn-cs"/>
-              </a:rPr>
-              <a:t>、</a:t>
-            </a:r>
-            <a:r>
-              <a:rPr lang="en-US" altLang="zh-CN" sz="1200" b="0" i="0" kern="1200" dirty="0" smtClean="0">
-                <a:solidFill>
-                  <a:schemeClr val="tx1"/>
-                </a:solidFill>
-                <a:latin typeface="+mn-lt"/>
-                <a:ea typeface="+mn-ea"/>
-                <a:cs typeface="+mn-cs"/>
-              </a:rPr>
-              <a:t>《</a:t>
-            </a:r>
-            <a:r>
-              <a:rPr lang="zh-CN" altLang="en-US" sz="1200" b="0" i="0" kern="1200" dirty="0" smtClean="0">
-                <a:solidFill>
-                  <a:schemeClr val="tx1"/>
-                </a:solidFill>
-                <a:latin typeface="+mn-lt"/>
-                <a:ea typeface="+mn-ea"/>
-                <a:cs typeface="+mn-cs"/>
-              </a:rPr>
-              <a:t>人民日报</a:t>
-            </a:r>
-            <a:r>
-              <a:rPr lang="en-US" altLang="zh-CN" sz="1200" b="0" i="0" kern="1200" dirty="0" smtClean="0">
-                <a:solidFill>
-                  <a:schemeClr val="tx1"/>
-                </a:solidFill>
-                <a:latin typeface="+mn-lt"/>
-                <a:ea typeface="+mn-ea"/>
-                <a:cs typeface="+mn-cs"/>
-              </a:rPr>
-              <a:t>》</a:t>
-            </a:r>
-            <a:r>
-              <a:rPr lang="zh-CN" altLang="en-US" sz="1200" b="0" i="0" kern="1200" dirty="0" smtClean="0">
-                <a:solidFill>
-                  <a:schemeClr val="tx1"/>
-                </a:solidFill>
-                <a:latin typeface="+mn-lt"/>
-                <a:ea typeface="+mn-ea"/>
-                <a:cs typeface="+mn-cs"/>
-              </a:rPr>
-              <a:t>曾经发表过一篇文章</a:t>
-            </a:r>
-            <a:r>
-              <a:rPr lang="en-US" altLang="zh-CN" sz="1200" b="0" i="0" kern="1200" dirty="0" smtClean="0">
-                <a:solidFill>
-                  <a:schemeClr val="tx1"/>
-                </a:solidFill>
-                <a:latin typeface="+mn-lt"/>
-                <a:ea typeface="+mn-ea"/>
-                <a:cs typeface="+mn-cs"/>
-              </a:rPr>
-              <a:t>《</a:t>
-            </a:r>
-            <a:r>
-              <a:rPr lang="zh-CN" altLang="en-US" sz="1200" b="0" i="0" kern="1200" dirty="0" smtClean="0">
-                <a:solidFill>
-                  <a:schemeClr val="tx1"/>
-                </a:solidFill>
-                <a:latin typeface="+mn-lt"/>
-                <a:ea typeface="+mn-ea"/>
-                <a:cs typeface="+mn-cs"/>
-              </a:rPr>
-              <a:t>靠物质获取幸福的时代已经过去了</a:t>
-            </a:r>
-            <a:r>
-              <a:rPr lang="en-US" altLang="zh-CN" sz="1200" b="0" i="0" kern="1200" dirty="0" smtClean="0">
-                <a:solidFill>
-                  <a:schemeClr val="tx1"/>
-                </a:solidFill>
-                <a:latin typeface="+mn-lt"/>
-                <a:ea typeface="+mn-ea"/>
-                <a:cs typeface="+mn-cs"/>
-              </a:rPr>
-              <a:t>》</a:t>
-            </a:r>
-            <a:r>
-              <a:rPr lang="zh-CN" altLang="en-US" sz="1200" b="0" i="0" kern="1200" dirty="0" smtClean="0">
-                <a:solidFill>
-                  <a:schemeClr val="tx1"/>
-                </a:solidFill>
-                <a:latin typeface="+mn-lt"/>
-                <a:ea typeface="+mn-ea"/>
-                <a:cs typeface="+mn-cs"/>
-              </a:rPr>
-              <a:t>，今天的人们，看着物质基础的同时，也更看重精神层面的滋养。</a:t>
-            </a:r>
-          </a:p>
-          <a:p>
-            <a:r>
-              <a:rPr lang="zh-CN" altLang="en-US" sz="1200" b="1" i="0" kern="1200" dirty="0" smtClean="0">
-                <a:solidFill>
-                  <a:schemeClr val="tx1"/>
-                </a:solidFill>
-                <a:latin typeface="+mn-lt"/>
-                <a:ea typeface="+mn-ea"/>
-                <a:cs typeface="+mn-cs"/>
-              </a:rPr>
-              <a:t>良田万顷，日食一升</a:t>
-            </a:r>
-            <a:r>
-              <a:rPr lang="en-US" altLang="zh-CN" sz="1200" b="1" i="0" kern="1200" dirty="0" smtClean="0">
-                <a:solidFill>
-                  <a:schemeClr val="tx1"/>
-                </a:solidFill>
-                <a:latin typeface="+mn-lt"/>
-                <a:ea typeface="+mn-ea"/>
-                <a:cs typeface="+mn-cs"/>
-              </a:rPr>
-              <a:t>;</a:t>
-            </a:r>
-            <a:r>
-              <a:rPr lang="zh-CN" altLang="en-US" sz="1200" b="1" i="0" kern="1200" dirty="0" smtClean="0">
-                <a:solidFill>
-                  <a:schemeClr val="tx1"/>
-                </a:solidFill>
-                <a:latin typeface="+mn-lt"/>
-                <a:ea typeface="+mn-ea"/>
-                <a:cs typeface="+mn-cs"/>
-              </a:rPr>
-              <a:t>广厦千间，夜眠八尺</a:t>
-            </a:r>
-            <a:r>
-              <a:rPr lang="zh-CN" altLang="en-US" sz="1200" b="0" i="0" kern="1200" dirty="0" smtClean="0">
-                <a:solidFill>
-                  <a:schemeClr val="tx1"/>
-                </a:solidFill>
-                <a:latin typeface="+mn-lt"/>
-                <a:ea typeface="+mn-ea"/>
-                <a:cs typeface="+mn-cs"/>
-              </a:rPr>
-              <a:t>，不追求大富大贵，彻底的自由自在，有收入，有空闲时间，陪家人，做一些有意义的事情，还能做公益。这是一种“新幸福指数”。</a:t>
-            </a:r>
-            <a:endParaRPr lang="en-US" altLang="zh-CN" sz="1200" b="0" i="0" kern="1200" dirty="0" smtClean="0">
-              <a:solidFill>
-                <a:schemeClr val="tx1"/>
-              </a:solidFill>
-              <a:latin typeface="+mn-lt"/>
-              <a:ea typeface="+mn-ea"/>
-              <a:cs typeface="+mn-cs"/>
-            </a:endParaRPr>
-          </a:p>
-          <a:p>
-            <a:r>
-              <a:rPr lang="en-US" altLang="zh-CN" sz="1200" b="0" i="0" kern="1200" dirty="0" smtClean="0">
-                <a:solidFill>
-                  <a:schemeClr val="tx1"/>
-                </a:solidFill>
-                <a:latin typeface="+mn-lt"/>
-                <a:ea typeface="+mn-ea"/>
-                <a:cs typeface="+mn-cs"/>
-              </a:rPr>
-              <a:t>4</a:t>
-            </a:r>
-            <a:r>
-              <a:rPr lang="zh-CN" altLang="en-US" sz="1200" b="0" i="0" kern="1200" dirty="0" smtClean="0">
-                <a:solidFill>
-                  <a:schemeClr val="tx1"/>
-                </a:solidFill>
-                <a:latin typeface="+mn-lt"/>
-                <a:ea typeface="+mn-ea"/>
-                <a:cs typeface="+mn-cs"/>
-              </a:rPr>
-              <a:t>、</a:t>
-            </a:r>
-            <a:r>
-              <a:rPr lang="zh-CN" altLang="en-US" sz="1200" b="1" i="0" kern="1200" dirty="0" smtClean="0">
-                <a:solidFill>
-                  <a:schemeClr val="tx1"/>
-                </a:solidFill>
-                <a:latin typeface="+mn-lt"/>
-                <a:ea typeface="+mn-ea"/>
-                <a:cs typeface="+mn-cs"/>
-              </a:rPr>
-              <a:t>工作带来收入，兴趣带来价值感</a:t>
-            </a:r>
-            <a:r>
-              <a:rPr lang="zh-CN" altLang="en-US" sz="1200" b="0" i="0" kern="1200" dirty="0" smtClean="0">
-                <a:solidFill>
-                  <a:schemeClr val="tx1"/>
-                </a:solidFill>
-                <a:latin typeface="+mn-lt"/>
-                <a:ea typeface="+mn-ea"/>
-                <a:cs typeface="+mn-cs"/>
-              </a:rPr>
-              <a:t>。一份无法带来价值感的工作，你可能可以做一段时间，但无法坚持，更无法深入。每一个人在一开始的时候，都不可能幸运地找到自己终其一生要从事的事业，这需要慢慢摸索。但这摸索是必要的。如果你做一份自己丝毫不感兴趣的工作，你不仅会变得憋屈，而且经常自我贬低自己。</a:t>
-            </a:r>
-          </a:p>
-          <a:p>
-            <a:endParaRPr lang="zh-CN" altLang="en-US" sz="1200" b="0" i="0" kern="1200" dirty="0" smtClean="0">
-              <a:solidFill>
-                <a:schemeClr val="tx1"/>
-              </a:solidFill>
-              <a:latin typeface="+mn-lt"/>
-              <a:ea typeface="+mn-ea"/>
-              <a:cs typeface="+mn-cs"/>
-            </a:endParaRPr>
+              <a:t>开源和节流并进，在积累投资经验的同时，积累自身原始资本，一步步扩大自身投资比例，多项多种投资，逐步可以依靠理财的钱解决生活成本，缓慢配置自身所需，从而实现自身的财务自由。</a:t>
+            </a:r>
           </a:p>
         </p:txBody>
       </p:sp>
@@ -1715,6 +1526,420 @@
             <p:ph type="sldImg"/>
           </p:nvPr>
         </p:nvSpPr>
+        <p:spPr>
+          <a:xfrm>
+            <a:off x="685800" y="1143000"/>
+            <a:ext cx="5486400" cy="3086100"/>
+          </a:xfrm>
+        </p:spPr>
+      </p:sp>
+      <p:sp>
+        <p:nvSpPr>
+          <p:cNvPr id="3" name="备注占位符 2"/>
+          <p:cNvSpPr>
+            <a:spLocks noGrp="1"/>
+          </p:cNvSpPr>
+          <p:nvPr>
+            <p:ph type="body" idx="1"/>
+          </p:nvPr>
+        </p:nvSpPr>
+        <p:spPr/>
+        <p:txBody>
+          <a:bodyPr>
+            <a:normAutofit/>
+          </a:bodyPr>
+          <a:lstStyle/>
+          <a:p>
+            <a:r>
+              <a:rPr lang="en-US" altLang="zh-CN" sz="1200" b="0" i="0" kern="1200" dirty="0" smtClean="0">
+                <a:solidFill>
+                  <a:schemeClr val="tx1"/>
+                </a:solidFill>
+                <a:latin typeface="+mn-lt"/>
+                <a:ea typeface="+mn-ea"/>
+                <a:cs typeface="+mn-cs"/>
+              </a:rPr>
+              <a:t>1</a:t>
+            </a:r>
+            <a:r>
+              <a:rPr lang="zh-CN" altLang="en-US" sz="1200" b="0" i="0" kern="1200" dirty="0" smtClean="0">
+                <a:solidFill>
+                  <a:schemeClr val="tx1"/>
+                </a:solidFill>
+                <a:latin typeface="+mn-lt"/>
+                <a:ea typeface="+mn-ea"/>
+                <a:cs typeface="+mn-cs"/>
+              </a:rPr>
+              <a:t>、前段时间，有一个新闻，唐山撤销收费站，一大批收费站员工下岗，一位</a:t>
+            </a:r>
+            <a:r>
+              <a:rPr lang="en-US" altLang="zh-CN" sz="1200" b="0" i="0" kern="1200" dirty="0" smtClean="0">
+                <a:solidFill>
+                  <a:schemeClr val="tx1"/>
+                </a:solidFill>
+                <a:latin typeface="+mn-lt"/>
+                <a:ea typeface="+mn-ea"/>
+                <a:cs typeface="+mn-cs"/>
+              </a:rPr>
+              <a:t>36</a:t>
+            </a:r>
+            <a:r>
+              <a:rPr lang="zh-CN" altLang="en-US" sz="1200" b="0" i="0" kern="1200" dirty="0" smtClean="0">
+                <a:solidFill>
+                  <a:schemeClr val="tx1"/>
+                </a:solidFill>
+                <a:latin typeface="+mn-lt"/>
+                <a:ea typeface="+mn-ea"/>
+                <a:cs typeface="+mn-cs"/>
+              </a:rPr>
+              <a:t>岁的女士突然之间</a:t>
+            </a:r>
+            <a:r>
+              <a:rPr lang="zh-CN" altLang="en-US" sz="1200" b="0" i="0" kern="1200" smtClean="0">
+                <a:solidFill>
+                  <a:schemeClr val="tx1"/>
+                </a:solidFill>
+                <a:latin typeface="+mn-lt"/>
+                <a:ea typeface="+mn-ea"/>
+                <a:cs typeface="+mn-cs"/>
+              </a:rPr>
+              <a:t>茫然不知所措。“</a:t>
+            </a:r>
+            <a:r>
+              <a:rPr lang="zh-CN" altLang="en-US" sz="1200" b="0" i="0" kern="1200" dirty="0" smtClean="0">
+                <a:solidFill>
+                  <a:schemeClr val="tx1"/>
+                </a:solidFill>
+                <a:latin typeface="+mn-lt"/>
+                <a:ea typeface="+mn-ea"/>
+                <a:cs typeface="+mn-cs"/>
+              </a:rPr>
+              <a:t>我在收费站呆了十几年了，我从毕业就来收费站了，我除了收费，我什么也不会干呀。”</a:t>
+            </a:r>
+            <a:endParaRPr lang="en-US" altLang="zh-CN" sz="1200" b="0" i="0" kern="1200" dirty="0" smtClean="0">
+              <a:solidFill>
+                <a:schemeClr val="tx1"/>
+              </a:solidFill>
+              <a:latin typeface="+mn-lt"/>
+              <a:ea typeface="+mn-ea"/>
+              <a:cs typeface="+mn-cs"/>
+            </a:endParaRPr>
+          </a:p>
+          <a:p>
+            <a:r>
+              <a:rPr lang="en-US" altLang="zh-CN" sz="1200" b="0" i="0" kern="1200" dirty="0" smtClean="0">
+                <a:solidFill>
+                  <a:schemeClr val="tx1"/>
+                </a:solidFill>
+                <a:latin typeface="+mn-lt"/>
+                <a:ea typeface="+mn-ea"/>
+                <a:cs typeface="+mn-cs"/>
+              </a:rPr>
+              <a:t>2</a:t>
+            </a:r>
+            <a:r>
+              <a:rPr lang="zh-CN" altLang="en-US" sz="1200" b="0" i="0" kern="1200" dirty="0" smtClean="0">
+                <a:solidFill>
+                  <a:schemeClr val="tx1"/>
+                </a:solidFill>
+                <a:latin typeface="+mn-lt"/>
+                <a:ea typeface="+mn-ea"/>
+                <a:cs typeface="+mn-cs"/>
+              </a:rPr>
+              <a:t>、即使是陆奇，即使已经爬到了雅虎总裁，做过百度总裁，他依然保持每天学习，坚持阅读最前沿的论文，获知最前沿的科技思潮。</a:t>
+            </a:r>
+            <a:endParaRPr lang="en-US" altLang="zh-CN" sz="1200" b="0" i="0" kern="1200" dirty="0" smtClean="0">
+              <a:solidFill>
+                <a:schemeClr val="tx1"/>
+              </a:solidFill>
+              <a:latin typeface="+mn-lt"/>
+              <a:ea typeface="+mn-ea"/>
+              <a:cs typeface="+mn-cs"/>
+            </a:endParaRPr>
+          </a:p>
+          <a:p>
+            <a:r>
+              <a:rPr lang="en-US" altLang="zh-CN" sz="1200" b="0" i="0" kern="1200" dirty="0" smtClean="0">
+                <a:solidFill>
+                  <a:schemeClr val="tx1"/>
+                </a:solidFill>
+                <a:latin typeface="+mn-lt"/>
+                <a:ea typeface="+mn-ea"/>
+                <a:cs typeface="+mn-cs"/>
+              </a:rPr>
+              <a:t>3</a:t>
+            </a:r>
+            <a:r>
+              <a:rPr lang="zh-CN" altLang="en-US" sz="1200" b="0" i="0" kern="1200" dirty="0" smtClean="0">
+                <a:solidFill>
+                  <a:schemeClr val="tx1"/>
+                </a:solidFill>
+                <a:latin typeface="+mn-lt"/>
+                <a:ea typeface="+mn-ea"/>
+                <a:cs typeface="+mn-cs"/>
+              </a:rPr>
+              <a:t>、</a:t>
+            </a:r>
+            <a:r>
+              <a:rPr lang="en-US" altLang="zh-CN" sz="1200" b="0" i="0" kern="1200" dirty="0" smtClean="0">
+                <a:solidFill>
+                  <a:schemeClr val="tx1"/>
+                </a:solidFill>
+                <a:latin typeface="+mn-lt"/>
+                <a:ea typeface="+mn-ea"/>
+                <a:cs typeface="+mn-cs"/>
+              </a:rPr>
+              <a:t>《</a:t>
+            </a:r>
+            <a:r>
+              <a:rPr lang="zh-CN" altLang="en-US" sz="1200" b="0" i="0" kern="1200" dirty="0" smtClean="0">
+                <a:solidFill>
+                  <a:schemeClr val="tx1"/>
+                </a:solidFill>
+                <a:latin typeface="+mn-lt"/>
+                <a:ea typeface="+mn-ea"/>
+                <a:cs typeface="+mn-cs"/>
+              </a:rPr>
+              <a:t>人民日报</a:t>
+            </a:r>
+            <a:r>
+              <a:rPr lang="en-US" altLang="zh-CN" sz="1200" b="0" i="0" kern="1200" dirty="0" smtClean="0">
+                <a:solidFill>
+                  <a:schemeClr val="tx1"/>
+                </a:solidFill>
+                <a:latin typeface="+mn-lt"/>
+                <a:ea typeface="+mn-ea"/>
+                <a:cs typeface="+mn-cs"/>
+              </a:rPr>
+              <a:t>》</a:t>
+            </a:r>
+            <a:r>
+              <a:rPr lang="zh-CN" altLang="en-US" sz="1200" b="0" i="0" kern="1200" dirty="0" smtClean="0">
+                <a:solidFill>
+                  <a:schemeClr val="tx1"/>
+                </a:solidFill>
+                <a:latin typeface="+mn-lt"/>
+                <a:ea typeface="+mn-ea"/>
+                <a:cs typeface="+mn-cs"/>
+              </a:rPr>
+              <a:t>曾经发表过一篇文章</a:t>
+            </a:r>
+            <a:r>
+              <a:rPr lang="en-US" altLang="zh-CN" sz="1200" b="0" i="0" kern="1200" dirty="0" smtClean="0">
+                <a:solidFill>
+                  <a:schemeClr val="tx1"/>
+                </a:solidFill>
+                <a:latin typeface="+mn-lt"/>
+                <a:ea typeface="+mn-ea"/>
+                <a:cs typeface="+mn-cs"/>
+              </a:rPr>
+              <a:t>《</a:t>
+            </a:r>
+            <a:r>
+              <a:rPr lang="zh-CN" altLang="en-US" sz="1200" b="0" i="0" kern="1200" dirty="0" smtClean="0">
+                <a:solidFill>
+                  <a:schemeClr val="tx1"/>
+                </a:solidFill>
+                <a:latin typeface="+mn-lt"/>
+                <a:ea typeface="+mn-ea"/>
+                <a:cs typeface="+mn-cs"/>
+              </a:rPr>
+              <a:t>靠物质获取幸福的时代已经过去了</a:t>
+            </a:r>
+            <a:r>
+              <a:rPr lang="en-US" altLang="zh-CN" sz="1200" b="0" i="0" kern="1200" dirty="0" smtClean="0">
+                <a:solidFill>
+                  <a:schemeClr val="tx1"/>
+                </a:solidFill>
+                <a:latin typeface="+mn-lt"/>
+                <a:ea typeface="+mn-ea"/>
+                <a:cs typeface="+mn-cs"/>
+              </a:rPr>
+              <a:t>》</a:t>
+            </a:r>
+            <a:r>
+              <a:rPr lang="zh-CN" altLang="en-US" sz="1200" b="0" i="0" kern="1200" dirty="0" smtClean="0">
+                <a:solidFill>
+                  <a:schemeClr val="tx1"/>
+                </a:solidFill>
+                <a:latin typeface="+mn-lt"/>
+                <a:ea typeface="+mn-ea"/>
+                <a:cs typeface="+mn-cs"/>
+              </a:rPr>
+              <a:t>，今天的人们，看着物质基础的同时，也更看重精神层面的滋养。</a:t>
+            </a:r>
+          </a:p>
+          <a:p>
+            <a:r>
+              <a:rPr lang="zh-CN" altLang="en-US" sz="1200" b="1" i="0" kern="1200" dirty="0" smtClean="0">
+                <a:solidFill>
+                  <a:schemeClr val="tx1"/>
+                </a:solidFill>
+                <a:latin typeface="+mn-lt"/>
+                <a:ea typeface="+mn-ea"/>
+                <a:cs typeface="+mn-cs"/>
+              </a:rPr>
+              <a:t>良田万顷，日食一升</a:t>
+            </a:r>
+            <a:r>
+              <a:rPr lang="en-US" altLang="zh-CN" sz="1200" b="1" i="0" kern="1200" dirty="0" smtClean="0">
+                <a:solidFill>
+                  <a:schemeClr val="tx1"/>
+                </a:solidFill>
+                <a:latin typeface="+mn-lt"/>
+                <a:ea typeface="+mn-ea"/>
+                <a:cs typeface="+mn-cs"/>
+              </a:rPr>
+              <a:t>;</a:t>
+            </a:r>
+            <a:r>
+              <a:rPr lang="zh-CN" altLang="en-US" sz="1200" b="1" i="0" kern="1200" dirty="0" smtClean="0">
+                <a:solidFill>
+                  <a:schemeClr val="tx1"/>
+                </a:solidFill>
+                <a:latin typeface="+mn-lt"/>
+                <a:ea typeface="+mn-ea"/>
+                <a:cs typeface="+mn-cs"/>
+              </a:rPr>
+              <a:t>广厦千间，夜眠八尺</a:t>
+            </a:r>
+            <a:r>
+              <a:rPr lang="zh-CN" altLang="en-US" sz="1200" b="0" i="0" kern="1200" dirty="0" smtClean="0">
+                <a:solidFill>
+                  <a:schemeClr val="tx1"/>
+                </a:solidFill>
+                <a:latin typeface="+mn-lt"/>
+                <a:ea typeface="+mn-ea"/>
+                <a:cs typeface="+mn-cs"/>
+              </a:rPr>
+              <a:t>，不追求大富大贵，彻底的自由自在，有收入，有空闲时间，陪家人，做一些有意义的事情，还能做公益。这是一种“新幸福指数”。</a:t>
+            </a:r>
+            <a:endParaRPr lang="en-US" altLang="zh-CN" sz="1200" b="0" i="0" kern="1200" dirty="0" smtClean="0">
+              <a:solidFill>
+                <a:schemeClr val="tx1"/>
+              </a:solidFill>
+              <a:latin typeface="+mn-lt"/>
+              <a:ea typeface="+mn-ea"/>
+              <a:cs typeface="+mn-cs"/>
+            </a:endParaRPr>
+          </a:p>
+          <a:p>
+            <a:r>
+              <a:rPr lang="en-US" altLang="zh-CN" sz="1200" b="0" i="0" kern="1200" dirty="0" smtClean="0">
+                <a:solidFill>
+                  <a:schemeClr val="tx1"/>
+                </a:solidFill>
+                <a:latin typeface="+mn-lt"/>
+                <a:ea typeface="+mn-ea"/>
+                <a:cs typeface="+mn-cs"/>
+              </a:rPr>
+              <a:t>4</a:t>
+            </a:r>
+            <a:r>
+              <a:rPr lang="zh-CN" altLang="en-US" sz="1200" b="0" i="0" kern="1200" dirty="0" smtClean="0">
+                <a:solidFill>
+                  <a:schemeClr val="tx1"/>
+                </a:solidFill>
+                <a:latin typeface="+mn-lt"/>
+                <a:ea typeface="+mn-ea"/>
+                <a:cs typeface="+mn-cs"/>
+              </a:rPr>
+              <a:t>、</a:t>
+            </a:r>
+            <a:r>
+              <a:rPr lang="zh-CN" altLang="en-US" sz="1200" b="1" i="0" kern="1200" dirty="0" smtClean="0">
+                <a:solidFill>
+                  <a:schemeClr val="tx1"/>
+                </a:solidFill>
+                <a:latin typeface="+mn-lt"/>
+                <a:ea typeface="+mn-ea"/>
+                <a:cs typeface="+mn-cs"/>
+              </a:rPr>
+              <a:t>工作带来收入，兴趣带来价值感</a:t>
+            </a:r>
+            <a:r>
+              <a:rPr lang="zh-CN" altLang="en-US" sz="1200" b="0" i="0" kern="1200" dirty="0" smtClean="0">
+                <a:solidFill>
+                  <a:schemeClr val="tx1"/>
+                </a:solidFill>
+                <a:latin typeface="+mn-lt"/>
+                <a:ea typeface="+mn-ea"/>
+                <a:cs typeface="+mn-cs"/>
+              </a:rPr>
+              <a:t>。一份无法带来价值感的工作，你可能可以做一段时间，但无法坚持，更无法深入。每一个人在一开始的时候，都不可能幸运地找到自己终其一生要从事的事业，这需要慢慢摸索。但这摸索是必要的。如果你做一份自己丝毫不感兴趣的工作，你不仅会变得憋屈，而且经常自我贬低自己。</a:t>
+            </a:r>
+          </a:p>
+          <a:p>
+            <a:endParaRPr lang="zh-CN" altLang="en-US" sz="1200" b="0" i="0" kern="1200" dirty="0" smtClean="0">
+              <a:solidFill>
+                <a:schemeClr val="tx1"/>
+              </a:solidFill>
+              <a:latin typeface="+mn-lt"/>
+              <a:ea typeface="+mn-ea"/>
+              <a:cs typeface="+mn-cs"/>
+            </a:endParaRPr>
+          </a:p>
+        </p:txBody>
+      </p:sp>
+      <p:sp>
+        <p:nvSpPr>
+          <p:cNvPr id="4" name="灯片编号占位符 3"/>
+          <p:cNvSpPr>
+            <a:spLocks noGrp="1"/>
+          </p:cNvSpPr>
+          <p:nvPr>
+            <p:ph type="sldNum" sz="quarter" idx="10"/>
+          </p:nvPr>
+        </p:nvSpPr>
+        <p:spPr/>
+        <p:txBody>
+          <a:bodyPr/>
+          <a:lstStyle/>
+          <a:p>
+            <a:fld id="{A82FCF1A-DE1D-4A03-B432-41B70649DC02}" type="slidenum">
+              <a:rPr lang="zh-CN" altLang="en-US" smtClean="0"/>
+              <a:pPr/>
+              <a:t>13</a:t>
+            </a:fld>
+            <a:endParaRPr lang="zh-CN" altLang="en-US"/>
+          </a:p>
+        </p:txBody>
+      </p:sp>
+    </p:spTree>
+  </p:cSld>
+  <p:clrMapOvr>
+    <a:masterClrMapping/>
+  </p:clrMapOvr>
+</p:notes>
+</file>
+
+<file path=ppt/notesSlides/notesSlide14.xml><?xml version="1.0" encoding="utf-8"?>
+<p:notes xmlns:a="http://schemas.openxmlformats.org/drawingml/2006/main" xmlns:r="http://schemas.openxmlformats.org/officeDocument/2006/relationships" xmlns:p="http://schemas.openxmlformats.org/presentationml/2006/main">
+  <p:cSld>
+    <p:spTree>
+      <p:nvGrpSpPr>
+        <p:cNvPr id="1" name=""/>
+        <p:cNvGrpSpPr/>
+        <p:nvPr/>
+      </p:nvGrpSpPr>
+      <p:grpSpPr>
+        <a:xfrm>
+          <a:off x="0" y="0"/>
+          <a:ext cx="0" cy="0"/>
+          <a:chOff x="0" y="0"/>
+          <a:chExt cx="0" cy="0"/>
+        </a:xfrm>
+      </p:grpSpPr>
+      <p:sp>
+        <p:nvSpPr>
+          <p:cNvPr id="2" name="幻灯片图像占位符 1"/>
+          <p:cNvSpPr>
+            <a:spLocks noGrp="1" noRot="1" noChangeAspect="1"/>
+          </p:cNvSpPr>
+          <p:nvPr>
+            <p:ph type="sldImg"/>
+          </p:nvPr>
+        </p:nvSpPr>
         <p:spPr/>
       </p:sp>
       <p:sp>
@@ -1908,6 +2133,59 @@
               </a:rPr>
               <a:t>等等这些问题都与一个人的时间自由有关。如果一个人的时间是不自由的，那么他的生命就会浪费在对他自己毫无意义或意义不大的事情上；反之，如果他的时间是自由的，那么他的生命就会在释放在他最感兴趣、最关心、最喜欢、最欣赏的事情和人上，也就使得整个生命充满价值。</a:t>
             </a:r>
+            <a:endParaRPr lang="en-US" altLang="zh-CN" sz="1200" b="0" i="0" kern="1200" dirty="0" smtClean="0">
+              <a:solidFill>
+                <a:schemeClr val="tx1"/>
+              </a:solidFill>
+              <a:latin typeface="+mn-lt"/>
+              <a:ea typeface="+mn-ea"/>
+              <a:cs typeface="+mn-cs"/>
+            </a:endParaRPr>
+          </a:p>
+          <a:p>
+            <a:r>
+              <a:rPr lang="en-US" altLang="zh-CN" sz="1200" b="0" i="0" kern="1200" dirty="0" smtClean="0">
+                <a:solidFill>
+                  <a:schemeClr val="tx1"/>
+                </a:solidFill>
+                <a:latin typeface="+mn-lt"/>
+                <a:ea typeface="+mn-ea"/>
+                <a:cs typeface="+mn-cs"/>
+              </a:rPr>
+              <a:t>2</a:t>
+            </a:r>
+            <a:r>
+              <a:rPr lang="zh-CN" altLang="en-US" sz="1200" b="0" i="0" kern="1200" dirty="0" smtClean="0">
+                <a:solidFill>
+                  <a:schemeClr val="tx1"/>
+                </a:solidFill>
+                <a:latin typeface="+mn-lt"/>
+                <a:ea typeface="+mn-ea"/>
+                <a:cs typeface="+mn-cs"/>
+              </a:rPr>
+              <a:t>、</a:t>
+            </a:r>
+            <a:r>
+              <a:rPr lang="zh-CN" altLang="en-US" sz="1200" b="1" i="0" kern="1200" dirty="0" smtClean="0">
+                <a:solidFill>
+                  <a:schemeClr val="tx1"/>
+                </a:solidFill>
+                <a:latin typeface="+mn-lt"/>
+                <a:ea typeface="+mn-ea"/>
+                <a:cs typeface="+mn-cs"/>
+              </a:rPr>
+              <a:t>我知道我要成为什么人，然后不断暗示自己，并坚定地走下去。</a:t>
+            </a:r>
+            <a:endParaRPr lang="en-US" altLang="zh-CN" sz="1200" b="0" i="0" kern="1200" dirty="0" smtClean="0">
+              <a:solidFill>
+                <a:schemeClr val="tx1"/>
+              </a:solidFill>
+              <a:latin typeface="+mn-lt"/>
+              <a:ea typeface="+mn-ea"/>
+              <a:cs typeface="+mn-cs"/>
+            </a:endParaRPr>
+          </a:p>
+          <a:p>
             <a:endParaRPr lang="en-US" altLang="zh-CN" sz="1200" b="0" i="0" kern="1200" dirty="0" smtClean="0">
               <a:solidFill>
                 <a:schemeClr val="tx1"/>
@@ -1937,7 +2215,7 @@
             <a:fld id="{A82FCF1A-DE1D-4A03-B432-41B70649DC02}" type="slidenum">
               <a:rPr lang="zh-CN" altLang="en-US" smtClean="0"/>
               <a:pPr/>
-              <a:t>13</a:t>
+              <a:t>14</a:t>
             </a:fld>
             <a:endParaRPr lang="zh-CN" altLang="en-US"/>
           </a:p>
@@ -2023,7 +2301,142 @@
             </a:r>
             <a:r>
               <a:rPr lang="zh-CN" altLang="en-US" dirty="0" smtClean="0"/>
-              <a:t>、基于“知识分子想要活得有尊严，就必须得有点钱”这样的认识，我今天分享一个和钱有关系的话题。财务自由</a:t>
+              <a:t>、今天这个主题的目的是想和大家一起探讨和学习：什么是财务自由，为什么需要要财务自由，如何实现财务自由。</a:t>
+            </a:r>
+            <a:r>
+              <a:rPr lang="zh-CN" altLang="en-US" b="1" dirty="0" smtClean="0">
+                <a:solidFill>
+                  <a:schemeClr val="bg1"/>
+                </a:solidFill>
+                <a:latin typeface="微软雅黑 Light" panose="020B0502040204020203" pitchFamily="34" charset="-122"/>
+                <a:ea typeface="微软雅黑 Light" panose="020B0502040204020203" pitchFamily="34" charset="-122"/>
+              </a:rPr>
+              <a:t>了解财务自由，积极面对生活，追求自己真实想要的生活。</a:t>
+            </a:r>
+            <a:endParaRPr lang="en-US" altLang="zh-CN" b="1" dirty="0" smtClean="0">
+              <a:solidFill>
+                <a:schemeClr val="bg1"/>
+              </a:solidFill>
+              <a:latin typeface="微软雅黑 Light" panose="020B0502040204020203" pitchFamily="34" charset="-122"/>
+              <a:ea typeface="微软雅黑 Light" panose="020B0502040204020203" pitchFamily="34" charset="-122"/>
+            </a:endParaRPr>
+          </a:p>
+          <a:p>
+            <a:pPr marL="0" marR="0" indent="0" algn="l" defTabSz="914400" rtl="0" eaLnBrk="1" fontAlgn="auto" latinLnBrk="0" hangingPunct="1">
+              <a:lnSpc>
+                <a:spcPct val="100000"/>
+              </a:lnSpc>
+              <a:spcBef>
+                <a:spcPts val="0"/>
+              </a:spcBef>
+              <a:spcAft>
+                <a:spcPts val="0"/>
+              </a:spcAft>
+              <a:buClrTx/>
+              <a:buSzTx/>
+              <a:buFontTx/>
+              <a:buNone/>
+              <a:tabLst/>
+              <a:defRPr/>
+            </a:pPr>
+            <a:r>
+              <a:rPr lang="en-US" altLang="zh-CN" b="1" dirty="0" smtClean="0">
+                <a:solidFill>
+                  <a:schemeClr val="bg1"/>
+                </a:solidFill>
+                <a:ea typeface="微软雅黑 Light" panose="020B0502040204020203" pitchFamily="34" charset="-122"/>
+              </a:rPr>
+              <a:t>2</a:t>
+            </a:r>
+            <a:r>
+              <a:rPr lang="zh-CN" altLang="en-US" b="1" dirty="0" smtClean="0">
+                <a:solidFill>
+                  <a:schemeClr val="bg1"/>
+                </a:solidFill>
+                <a:ea typeface="微软雅黑 Light" panose="020B0502040204020203" pitchFamily="34" charset="-122"/>
+              </a:rPr>
+              <a:t>、</a:t>
+            </a:r>
+            <a:r>
+              <a:rPr lang="zh-CN" altLang="en-US" sz="1200" b="0" i="0" kern="1200" dirty="0" smtClean="0">
+                <a:solidFill>
+                  <a:schemeClr val="tx1"/>
+                </a:solidFill>
+                <a:latin typeface="+mn-lt"/>
+                <a:ea typeface="+mn-ea"/>
+                <a:cs typeface="+mn-cs"/>
+              </a:rPr>
+              <a:t>生命诚可贵，爱情价更高。若为自由故，二者皆可抛。有人说</a:t>
+            </a:r>
+            <a:r>
+              <a:rPr lang="zh-CN" altLang="en-US" dirty="0" smtClean="0"/>
+              <a:t>人生三大终极目标：</a:t>
+            </a:r>
+            <a:r>
+              <a:rPr lang="zh-CN" altLang="en-US" sz="1200" b="1" i="0" kern="1200" dirty="0" smtClean="0">
+                <a:solidFill>
+                  <a:schemeClr val="tx1"/>
+                </a:solidFill>
+                <a:latin typeface="+mn-lt"/>
+                <a:ea typeface="+mn-ea"/>
+                <a:cs typeface="+mn-cs"/>
+              </a:rPr>
+              <a:t>财务自由：</a:t>
+            </a:r>
+            <a:r>
+              <a:rPr lang="zh-CN" altLang="en-US" sz="1200" b="0" i="0" kern="1200" dirty="0" smtClean="0">
+                <a:solidFill>
+                  <a:schemeClr val="tx1"/>
+                </a:solidFill>
+                <a:latin typeface="+mn-lt"/>
+                <a:ea typeface="+mn-ea"/>
+                <a:cs typeface="+mn-cs"/>
+              </a:rPr>
+              <a:t>有足够金钱支持生活所需，需要用钱时不用发愁；</a:t>
+            </a:r>
+            <a:r>
+              <a:rPr lang="zh-CN" altLang="en-US" sz="1200" b="1" i="0" kern="1200" dirty="0" smtClean="0">
+                <a:solidFill>
+                  <a:schemeClr val="tx1"/>
+                </a:solidFill>
+                <a:latin typeface="+mn-lt"/>
+                <a:ea typeface="+mn-ea"/>
+                <a:cs typeface="+mn-cs"/>
+              </a:rPr>
+              <a:t>时间自由：</a:t>
+            </a:r>
+            <a:r>
+              <a:rPr lang="zh-CN" altLang="en-US" sz="1200" b="0" i="0" kern="1200" dirty="0" smtClean="0">
+                <a:solidFill>
+                  <a:schemeClr val="tx1"/>
+                </a:solidFill>
+                <a:latin typeface="+mn-lt"/>
+                <a:ea typeface="+mn-ea"/>
+                <a:cs typeface="+mn-cs"/>
+              </a:rPr>
+              <a:t>有可支配时间，可以灵活安排工作、休息和娱乐；</a:t>
+            </a:r>
+            <a:r>
+              <a:rPr lang="zh-CN" altLang="en-US" sz="1200" b="1" i="0" kern="1200" dirty="0" smtClean="0">
+                <a:solidFill>
+                  <a:schemeClr val="tx1"/>
+                </a:solidFill>
+                <a:latin typeface="+mn-lt"/>
+                <a:ea typeface="+mn-ea"/>
+                <a:cs typeface="+mn-cs"/>
+              </a:rPr>
+              <a:t>心灵自由：</a:t>
+            </a:r>
+            <a:r>
+              <a:rPr lang="zh-CN" altLang="en-US" sz="1200" b="0" i="0" kern="1200" dirty="0" smtClean="0">
+                <a:solidFill>
+                  <a:schemeClr val="tx1"/>
+                </a:solidFill>
+                <a:latin typeface="+mn-lt"/>
+                <a:ea typeface="+mn-ea"/>
+                <a:cs typeface="+mn-cs"/>
+              </a:rPr>
+              <a:t>跟随内心，不让梦想憋屈。</a:t>
             </a:r>
             <a:endParaRPr lang="en-US" altLang="zh-CN" dirty="0" smtClean="0"/>
           </a:p>
@@ -2047,92 +2460,11 @@
             </a:pPr>
             <a:r>
               <a:rPr lang="en-US" altLang="zh-CN" dirty="0" smtClean="0"/>
-              <a:t>2</a:t>
+              <a:t>3</a:t>
             </a:r>
             <a:r>
               <a:rPr lang="zh-CN" altLang="en-US" dirty="0" smtClean="0"/>
-              <a:t>、</a:t>
-            </a:r>
-            <a:r>
-              <a:rPr lang="zh-CN" altLang="en-US" sz="1200" b="0" i="0" kern="1200" dirty="0" smtClean="0">
-                <a:solidFill>
-                  <a:schemeClr val="tx1"/>
-                </a:solidFill>
-                <a:latin typeface="+mn-lt"/>
-                <a:ea typeface="+mn-ea"/>
-                <a:cs typeface="+mn-cs"/>
-              </a:rPr>
-              <a:t>生命诚可贵，爱情价更高。若为自由故，二者皆可抛。有人说</a:t>
-            </a:r>
-            <a:r>
-              <a:rPr lang="zh-CN" altLang="en-US" dirty="0" smtClean="0"/>
-              <a:t>人生三大终极目标：</a:t>
-            </a:r>
-            <a:r>
-              <a:rPr lang="zh-CN" altLang="en-US" sz="1200" b="1" i="0" kern="1200" dirty="0" smtClean="0">
-                <a:solidFill>
-                  <a:schemeClr val="tx1"/>
-                </a:solidFill>
-                <a:latin typeface="+mn-lt"/>
-                <a:ea typeface="+mn-ea"/>
-                <a:cs typeface="+mn-cs"/>
-              </a:rPr>
-              <a:t>财务自由：</a:t>
-            </a:r>
-            <a:r>
-              <a:rPr lang="zh-CN" altLang="en-US" sz="1200" b="0" i="0" kern="1200" dirty="0" smtClean="0">
-                <a:solidFill>
-                  <a:schemeClr val="tx1"/>
-                </a:solidFill>
-                <a:latin typeface="+mn-lt"/>
-                <a:ea typeface="+mn-ea"/>
-                <a:cs typeface="+mn-cs"/>
-              </a:rPr>
-              <a:t>有足够金钱支持生活所需，需要用钱时不用发愁；</a:t>
-            </a:r>
-            <a:r>
-              <a:rPr lang="zh-CN" altLang="en-US" sz="1200" b="1" i="0" kern="1200" dirty="0" smtClean="0">
-                <a:solidFill>
-                  <a:schemeClr val="tx1"/>
-                </a:solidFill>
-                <a:latin typeface="+mn-lt"/>
-                <a:ea typeface="+mn-ea"/>
-                <a:cs typeface="+mn-cs"/>
-              </a:rPr>
-              <a:t>时间自由：</a:t>
-            </a:r>
-            <a:r>
-              <a:rPr lang="zh-CN" altLang="en-US" sz="1200" b="0" i="0" kern="1200" dirty="0" smtClean="0">
-                <a:solidFill>
-                  <a:schemeClr val="tx1"/>
-                </a:solidFill>
-                <a:latin typeface="+mn-lt"/>
-                <a:ea typeface="+mn-ea"/>
-                <a:cs typeface="+mn-cs"/>
-              </a:rPr>
-              <a:t>有可支配时间，可以灵活安排工作、休息和娱乐；</a:t>
-            </a:r>
-            <a:r>
-              <a:rPr lang="zh-CN" altLang="en-US" sz="1200" b="1" i="0" kern="1200" dirty="0" smtClean="0">
-                <a:solidFill>
-                  <a:schemeClr val="tx1"/>
-                </a:solidFill>
-                <a:latin typeface="+mn-lt"/>
-                <a:ea typeface="+mn-ea"/>
-                <a:cs typeface="+mn-cs"/>
-              </a:rPr>
-              <a:t>心灵自由：</a:t>
-            </a:r>
-            <a:r>
-              <a:rPr lang="zh-CN" altLang="en-US" sz="1200" b="0" i="0" kern="1200" dirty="0" smtClean="0">
-                <a:solidFill>
-                  <a:schemeClr val="tx1"/>
-                </a:solidFill>
-                <a:latin typeface="+mn-lt"/>
-                <a:ea typeface="+mn-ea"/>
-                <a:cs typeface="+mn-cs"/>
-              </a:rPr>
-              <a:t>跟随内心，不让梦想憋屈。</a:t>
+              <a:t>、基于“知识分子想要活得有尊严，就必须得有点钱”这样的认识，我今天分享一个和钱有关系的话题。财务自由</a:t>
             </a:r>
             <a:endParaRPr lang="en-US" altLang="zh-CN" dirty="0" smtClean="0"/>
           </a:p>
@@ -2154,32 +2486,13 @@
               <a:tabLst/>
               <a:defRPr/>
             </a:pPr>
-            <a:r>
-              <a:rPr lang="en-US" altLang="zh-CN" dirty="0" smtClean="0"/>
-              <a:t>3</a:t>
-            </a:r>
-            <a:r>
-              <a:rPr lang="zh-CN" altLang="en-US" dirty="0" smtClean="0"/>
-              <a:t>、</a:t>
-            </a:r>
-            <a:r>
-              <a:rPr lang="zh-CN" altLang="en-US" dirty="0" smtClean="0"/>
-              <a:t>财务自由似乎是一个比较浮躁的话题，但我今天分享的不是焦虑，今天这个主题的目的是想和大家一起探讨和学习：什么是财务自由，为什么需要要财务自由，如何实现财务自由</a:t>
-            </a:r>
-            <a:r>
-              <a:rPr lang="zh-CN" altLang="en-US" dirty="0" smtClean="0"/>
-              <a:t>。</a:t>
-            </a:r>
-            <a:r>
-              <a:rPr lang="zh-CN" altLang="en-US" b="1" dirty="0" smtClean="0">
-                <a:solidFill>
-                  <a:schemeClr val="bg1"/>
-                </a:solidFill>
-                <a:latin typeface="微软雅黑 Light" panose="020B0502040204020203" pitchFamily="34" charset="-122"/>
-                <a:ea typeface="微软雅黑 Light" panose="020B0502040204020203" pitchFamily="34" charset="-122"/>
-              </a:rPr>
-              <a:t>了解财务自由，积极面对生活，追求自己真实想要的生活。</a:t>
-            </a:r>
+            <a:endParaRPr lang="zh-CN" altLang="en-US" b="1" dirty="0" smtClean="0">
+              <a:solidFill>
+                <a:schemeClr val="bg1"/>
+              </a:solidFill>
+              <a:latin typeface="微软雅黑 Light" panose="020B0502040204020203" pitchFamily="34" charset="-122"/>
+              <a:ea typeface="微软雅黑 Light" panose="020B0502040204020203" pitchFamily="34" charset="-122"/>
+            </a:endParaRPr>
           </a:p>
           <a:p>
             <a:endParaRPr lang="en-US" altLang="zh-CN" dirty="0" smtClean="0"/>
@@ -2397,10 +2710,10 @@
                 <a:ea typeface="+mn-ea"/>
                 <a:cs typeface="+mn-cs"/>
               </a:rPr>
-              <a:t>、说</a:t>
-            </a:r>
-            <a:r>
-              <a:rPr lang="zh-CN" altLang="en-US" sz="1200" b="0" i="0" kern="1200" dirty="0" smtClean="0">
+              <a:t>、改革开放</a:t>
+            </a:r>
+            <a:r>
+              <a:rPr lang="en-US" altLang="zh-CN" sz="1200" b="0" i="0" kern="1200" dirty="0" smtClean="0">
                 <a:solidFill>
                   <a:schemeClr val="tx1"/>
                 </a:solidFill>
@@ -2408,7 +2721,7 @@
                 <a:ea typeface="+mn-ea"/>
                 <a:cs typeface="+mn-cs"/>
               </a:rPr>
-              <a:t>到财务自由</a:t>
+              <a:t>40</a:t>
             </a:r>
             <a:r>
               <a:rPr lang="zh-CN" altLang="en-US" sz="1200" b="0" i="0" kern="1200" dirty="0" smtClean="0">
@@ -2419,7 +2732,11 @@
                 <a:ea typeface="+mn-ea"/>
                 <a:cs typeface="+mn-cs"/>
               </a:rPr>
-              <a:t>，当然</a:t>
+              <a:t>年来，“一部分人先富起来”的口号有效激发了中国人追求财富的热情，也在客观上推动了经济社会的整体发展。上面提及到的几位大佬（</a:t>
+            </a:r>
+            <a:r>
+              <a:rPr lang="zh-CN" altLang="en-US" sz="1200" b="1" dirty="0" smtClean="0"/>
+              <a:t>马云、马明哲、马化腾 、李嘉诚 </a:t>
             </a:r>
             <a:r>
               <a:rPr lang="zh-CN" altLang="en-US" sz="1200" b="0" i="0" kern="1200" dirty="0" smtClean="0">
@@ -2430,55 +2747,7 @@
                 <a:ea typeface="+mn-ea"/>
                 <a:cs typeface="+mn-cs"/>
               </a:rPr>
-              <a:t>离不开</a:t>
-            </a:r>
-            <a:r>
-              <a:rPr lang="zh-CN" altLang="en-US" sz="1200" b="0" i="0" kern="1200" dirty="0" smtClean="0">
-                <a:solidFill>
-                  <a:schemeClr val="tx1"/>
-                </a:solidFill>
-                <a:latin typeface="+mn-lt"/>
-                <a:ea typeface="+mn-ea"/>
-                <a:cs typeface="+mn-cs"/>
-              </a:rPr>
-              <a:t>财富和自由。</a:t>
-            </a:r>
-            <a:r>
-              <a:rPr lang="zh-CN" altLang="en-US" sz="1200" b="0" i="0" kern="1200" dirty="0" smtClean="0">
-                <a:solidFill>
-                  <a:schemeClr val="tx1"/>
-                </a:solidFill>
-                <a:latin typeface="+mn-lt"/>
-                <a:ea typeface="+mn-ea"/>
-                <a:cs typeface="+mn-cs"/>
-              </a:rPr>
-              <a:t>上面提及到的几位大佬（</a:t>
-            </a:r>
-            <a:r>
-              <a:rPr lang="zh-CN" altLang="en-US" sz="1200" b="1" dirty="0" smtClean="0"/>
-              <a:t>马云、马明哲、马化腾 、李嘉诚 </a:t>
-            </a:r>
-            <a:r>
-              <a:rPr lang="zh-CN" altLang="en-US" sz="1200" b="0" i="0" kern="1200" dirty="0" smtClean="0">
-                <a:solidFill>
-                  <a:schemeClr val="tx1"/>
-                </a:solidFill>
-                <a:latin typeface="+mn-lt"/>
-                <a:ea typeface="+mn-ea"/>
-                <a:cs typeface="+mn-cs"/>
-              </a:rPr>
-              <a:t>）是财富榜上的榜首位置</a:t>
-            </a:r>
-            <a:r>
-              <a:rPr lang="zh-CN" altLang="en-US" sz="1200" b="0" i="0" kern="1200" dirty="0" smtClean="0">
-                <a:solidFill>
-                  <a:schemeClr val="tx1"/>
-                </a:solidFill>
-                <a:latin typeface="+mn-lt"/>
-                <a:ea typeface="+mn-ea"/>
-                <a:cs typeface="+mn-cs"/>
-              </a:rPr>
-              <a:t>。</a:t>
+              <a:t>）无疑是这个时代财富的模范代表。</a:t>
             </a:r>
             <a:endParaRPr lang="en-US" altLang="zh-CN" sz="1200" b="0" i="0" kern="1200" dirty="0" smtClean="0">
               <a:solidFill>
@@ -2527,51 +2796,7 @@
                 <a:ea typeface="+mn-ea"/>
                 <a:cs typeface="+mn-cs"/>
               </a:rPr>
-              <a:t>、我</a:t>
-            </a:r>
-            <a:r>
-              <a:rPr lang="zh-CN" altLang="en-US" sz="1200" b="0" i="0" kern="1200" dirty="0" smtClean="0">
-                <a:solidFill>
-                  <a:schemeClr val="tx1"/>
-                </a:solidFill>
-                <a:latin typeface="+mn-lt"/>
-                <a:ea typeface="+mn-ea"/>
-                <a:cs typeface="+mn-cs"/>
-              </a:rPr>
-              <a:t>也在通往“财务自由”的路上努力</a:t>
-            </a:r>
-            <a:r>
-              <a:rPr lang="zh-CN" altLang="en-US" sz="1200" b="0" i="0" kern="1200" dirty="0" smtClean="0">
-                <a:solidFill>
-                  <a:schemeClr val="tx1"/>
-                </a:solidFill>
-                <a:latin typeface="+mn-lt"/>
-                <a:ea typeface="+mn-ea"/>
-                <a:cs typeface="+mn-cs"/>
-              </a:rPr>
-              <a:t>着，也努力过。我们大部分人，一辈子都是在为钱努力工作中度过。生死有命，富贵在天，一个人要拥有几百亿</a:t>
-            </a:r>
-            <a:r>
-              <a:rPr lang="zh-CN" altLang="en-US" sz="1200" b="0" i="0" kern="1200" dirty="0" smtClean="0">
-                <a:solidFill>
-                  <a:schemeClr val="tx1"/>
-                </a:solidFill>
-                <a:latin typeface="+mn-lt"/>
-                <a:ea typeface="+mn-ea"/>
-                <a:cs typeface="+mn-cs"/>
-              </a:rPr>
-              <a:t>身价的</a:t>
-            </a:r>
-            <a:r>
-              <a:rPr lang="zh-CN" altLang="en-US" sz="1200" b="0" i="0" kern="1200" dirty="0" smtClean="0">
-                <a:solidFill>
-                  <a:schemeClr val="tx1"/>
-                </a:solidFill>
-                <a:latin typeface="+mn-lt"/>
-                <a:ea typeface="+mn-ea"/>
-                <a:cs typeface="+mn-cs"/>
-              </a:rPr>
-              <a:t>可能性低。</a:t>
+              <a:t>、我们大部分人，一辈子都是在为钱努力工作中度过。俗话说：生死有命，富贵在天，一个人要拥有几百亿身价的可能性低。在通往“财务自由”的路上努力着，并且将来很长一段时间里面，我仍然需要继续努力。那是因为我目前还没转到第一桶金。人生路上别忘记浏览风景</a:t>
             </a:r>
             <a:endParaRPr lang="en-US" altLang="zh-CN" sz="1200" b="0" i="0" kern="1200" dirty="0" smtClean="0">
               <a:solidFill>
@@ -2620,7 +2845,7 @@
                 <a:ea typeface="+mn-ea"/>
                 <a:cs typeface="+mn-cs"/>
               </a:rPr>
-              <a:t>、我们带着一些问题去了解“财务自由”，自由是否可以获得？财富是否可以衡量一个人的成功和幸福？人的一生应该如何努力？</a:t>
+              <a:t>、很多人都在说财务自由，到底它是怎样一个东西呢？我们带着一些问题去分析、了解“财务自由”，自由是否可以获得？财富是否可以衡量一个人的成功和幸福？人的一生应该如何努力？</a:t>
             </a:r>
             <a:endParaRPr lang="en-US" altLang="zh-CN" sz="1200" b="0" i="0" kern="1200" dirty="0" smtClean="0">
               <a:solidFill>
@@ -2774,22 +2999,19 @@
                 <a:ea typeface="+mn-ea"/>
                 <a:cs typeface="+mn-cs"/>
               </a:rPr>
-              <a:t>、不必为钱而工作</a:t>
-            </a:r>
-            <a:r>
-              <a:rPr lang="zh-CN" altLang="en-US" sz="1200" b="0" i="0" kern="1200" dirty="0" smtClean="0">
-                <a:solidFill>
-                  <a:schemeClr val="tx1"/>
-                </a:solidFill>
-                <a:latin typeface="+mn-lt"/>
-                <a:ea typeface="+mn-ea"/>
-                <a:cs typeface="+mn-cs"/>
-              </a:rPr>
-              <a:t>；</a:t>
+              <a:t>、不必为钱而工作；在这个点上，我想</a:t>
             </a:r>
             <a:r>
               <a:rPr lang="zh-CN" altLang="en-US" dirty="0" smtClean="0"/>
-              <a:t>大部分人的工作都是为了讨生活即为个人或家庭，为供房供车，为维持一个体面的生活。如果你可以不必为钱而工作，而是为兴趣而工作，那你有幸在通往财务自由的路上迈出了重要的一步。</a:t>
+              <a:t>大部分人的工作都是为了 房子、车子、票子、妻子、儿子、老子</a:t>
+            </a:r>
+            <a:r>
+              <a:rPr lang="en-US" altLang="zh-CN" dirty="0" smtClean="0"/>
+              <a:t>……</a:t>
+            </a:r>
+            <a:r>
+              <a:rPr lang="zh-CN" altLang="en-US" dirty="0" smtClean="0"/>
+              <a:t>等等，为维持一个体面的生活而努力着。如果你可以不必为钱而工作，那么，为什么工作呢？是为兴趣而工作，那你有幸在通往财务自由的路上迈出了重要的一步。</a:t>
             </a:r>
             <a:endParaRPr lang="zh-CN" altLang="zh-CN" dirty="0" smtClean="0">
               <a:solidFill>
@@ -2835,40 +3057,7 @@
                 <a:ea typeface="+mn-ea"/>
                 <a:cs typeface="+mn-cs"/>
               </a:rPr>
-              <a:t>、不工作的时候保持财产性收入</a:t>
-            </a:r>
-            <a:r>
-              <a:rPr lang="zh-CN" altLang="en-US" sz="1200" b="0" i="0" kern="1200" dirty="0" smtClean="0">
-                <a:solidFill>
-                  <a:schemeClr val="tx1"/>
-                </a:solidFill>
-                <a:latin typeface="+mn-lt"/>
-                <a:ea typeface="+mn-ea"/>
-                <a:cs typeface="+mn-cs"/>
-              </a:rPr>
-              <a:t>（即：房租</a:t>
-            </a:r>
-            <a:r>
-              <a:rPr lang="zh-CN" altLang="en-US" sz="1200" b="0" i="0" kern="1200" dirty="0" smtClean="0">
-                <a:solidFill>
-                  <a:schemeClr val="tx1"/>
-                </a:solidFill>
-                <a:latin typeface="+mn-lt"/>
-                <a:ea typeface="+mn-ea"/>
-                <a:cs typeface="+mn-cs"/>
-              </a:rPr>
-              <a:t>、股票红利、债券利息）的净现金</a:t>
-            </a:r>
-            <a:r>
-              <a:rPr lang="zh-CN" altLang="en-US" sz="1200" b="0" i="0" kern="1200" dirty="0" smtClean="0">
-                <a:solidFill>
-                  <a:schemeClr val="tx1"/>
-                </a:solidFill>
-                <a:latin typeface="+mn-lt"/>
-                <a:ea typeface="+mn-ea"/>
-                <a:cs typeface="+mn-cs"/>
-              </a:rPr>
-              <a:t>流入，使得你现在的生活得以支撑起来。</a:t>
+              <a:t>、比较重要的是不工作的时候保持财产性收入（即：房租、股票红利、债券利息）的净现金流入，使得你维持原有的生活。</a:t>
             </a:r>
             <a:r>
               <a:rPr lang="zh-CN" altLang="en-US" dirty="0" smtClean="0"/>
@@ -2909,10 +3098,33 @@
                 <a:ea typeface="+mn-ea"/>
                 <a:cs typeface="+mn-cs"/>
               </a:rPr>
-              <a:t>、保有一定量的净资产</a:t>
-            </a:r>
-            <a:r>
-              <a:rPr lang="zh-CN" altLang="en-US" sz="1200" b="0" i="0" kern="1200" dirty="0" smtClean="0">
+              <a:t>、保有一定量的净资产；在财务的角度来说：</a:t>
+            </a:r>
+            <a:r>
+              <a:rPr lang="zh-CN" altLang="en-US" dirty="0" smtClean="0"/>
+              <a:t>净资产</a:t>
+            </a:r>
+            <a:r>
+              <a:rPr lang="en-US" altLang="zh-CN" dirty="0" smtClean="0"/>
+              <a:t>=</a:t>
+            </a:r>
+            <a:r>
+              <a:rPr lang="zh-CN" altLang="en-US" dirty="0" smtClean="0"/>
+              <a:t>资产</a:t>
+            </a:r>
+            <a:r>
+              <a:rPr lang="en-US" altLang="zh-CN" dirty="0" smtClean="0"/>
+              <a:t>-</a:t>
+            </a:r>
+            <a:r>
+              <a:rPr lang="zh-CN" altLang="en-US" dirty="0" smtClean="0"/>
+              <a:t>负债，如果你负债很高，可能你像万达的王先生一样，今天是首付，明天就是首负。</a:t>
+            </a:r>
+            <a:endParaRPr lang="zh-CN" altLang="zh-CN" dirty="0" smtClean="0"/>
+          </a:p>
+          <a:p>
+            <a:r>
+              <a:rPr lang="en-US" altLang="zh-CN" sz="1200" b="0" i="0" kern="1200" dirty="0" smtClean="0">
                 <a:solidFill>
                   <a:schemeClr val="tx1"/>
                 </a:solidFill>
@@ -2920,41 +3132,10 @@
                 <a:ea typeface="+mn-ea"/>
                 <a:cs typeface="+mn-cs"/>
               </a:rPr>
-              <a:t>；</a:t>
-            </a:r>
-            <a:r>
-              <a:rPr lang="zh-CN" altLang="en-US" dirty="0" smtClean="0"/>
-              <a:t>财务自由一个定量的概念，净资产</a:t>
-            </a:r>
-            <a:r>
-              <a:rPr lang="en-US" altLang="en-US" dirty="0" smtClean="0"/>
-              <a:t>Net Wealth </a:t>
-            </a:r>
-            <a:r>
-              <a:rPr lang="zh-CN" altLang="en-US" dirty="0" smtClean="0"/>
-              <a:t>，净资产</a:t>
-            </a:r>
-            <a:r>
-              <a:rPr lang="en-US" altLang="zh-CN" dirty="0" smtClean="0"/>
-              <a:t>=</a:t>
-            </a:r>
-            <a:r>
-              <a:rPr lang="zh-CN" altLang="en-US" dirty="0" smtClean="0"/>
-              <a:t>资产</a:t>
-            </a:r>
-            <a:r>
-              <a:rPr lang="en-US" altLang="zh-CN" dirty="0" smtClean="0"/>
-              <a:t>-</a:t>
-            </a:r>
-            <a:r>
-              <a:rPr lang="zh-CN" altLang="en-US" dirty="0" smtClean="0"/>
-              <a:t>负债。</a:t>
-            </a:r>
-            <a:endParaRPr lang="zh-CN" altLang="zh-CN" dirty="0" smtClean="0"/>
-          </a:p>
-          <a:p>
-            <a:r>
-              <a:rPr lang="en-US" altLang="zh-CN" sz="1200" b="0" i="0" kern="1200" dirty="0" smtClean="0">
+              <a:t>4</a:t>
+            </a:r>
+            <a:r>
+              <a:rPr lang="zh-CN" altLang="en-US" sz="1200" b="0" i="0" kern="1200" dirty="0" smtClean="0">
                 <a:solidFill>
                   <a:schemeClr val="tx1"/>
                 </a:solidFill>
@@ -2962,40 +3143,7 @@
                 <a:ea typeface="+mn-ea"/>
                 <a:cs typeface="+mn-cs"/>
               </a:rPr>
-              <a:t>4</a:t>
-            </a:r>
-            <a:r>
-              <a:rPr lang="zh-CN" altLang="en-US" sz="1200" b="0" i="0" kern="1200" dirty="0" smtClean="0">
-                <a:solidFill>
-                  <a:schemeClr val="tx1"/>
-                </a:solidFill>
-                <a:latin typeface="+mn-lt"/>
-                <a:ea typeface="+mn-ea"/>
-                <a:cs typeface="+mn-cs"/>
-              </a:rPr>
-              <a:t>、其实更重要的是保有</a:t>
-            </a:r>
-            <a:r>
-              <a:rPr lang="zh-CN" altLang="en-US" sz="1200" b="0" i="0" kern="1200" dirty="0" smtClean="0">
-                <a:solidFill>
-                  <a:schemeClr val="tx1"/>
-                </a:solidFill>
-                <a:latin typeface="+mn-lt"/>
-                <a:ea typeface="+mn-ea"/>
-                <a:cs typeface="+mn-cs"/>
-              </a:rPr>
-              <a:t>一个平常和自由的心，过上自己真实想要的生活，这里的真实指符合实际的内心期待</a:t>
-            </a:r>
-            <a:r>
-              <a:rPr lang="zh-CN" altLang="en-US" sz="1200" b="0" i="0" kern="1200" dirty="0" smtClean="0">
-                <a:solidFill>
-                  <a:schemeClr val="tx1"/>
-                </a:solidFill>
-                <a:latin typeface="+mn-lt"/>
-                <a:ea typeface="+mn-ea"/>
-                <a:cs typeface="+mn-cs"/>
-              </a:rPr>
-              <a:t>的的生活；</a:t>
+              <a:t>、其实想一下：人生不过百年，为什么要财务自由？在我认为，真正的原因，在于让你的时间是为自己而度过，而不是为下一顿饭而活着！，过上自己真实想要的生活；</a:t>
             </a:r>
             <a:endParaRPr lang="en-US" altLang="zh-CN" sz="1200" b="0" i="0" kern="1200" dirty="0" smtClean="0">
               <a:solidFill>
@@ -3116,13 +3264,69 @@
           </a:bodyPr>
           <a:lstStyle/>
           <a:p>
+            <a:pPr marL="0" marR="0" indent="0" algn="l" defTabSz="914400" rtl="0" eaLnBrk="1" fontAlgn="auto" latinLnBrk="0" hangingPunct="1">
+              <a:lnSpc>
+                <a:spcPct val="100000"/>
+              </a:lnSpc>
+              <a:spcBef>
+                <a:spcPts val="0"/>
+              </a:spcBef>
+              <a:spcAft>
+                <a:spcPts val="0"/>
+              </a:spcAft>
+              <a:buClrTx/>
+              <a:buSzTx/>
+              <a:buFontTx/>
+              <a:buNone/>
+              <a:tabLst/>
+              <a:defRPr/>
+            </a:pPr>
             <a:r>
               <a:rPr lang="en-US" altLang="zh-CN" dirty="0" smtClean="0"/>
               <a:t>1</a:t>
             </a:r>
             <a:r>
               <a:rPr lang="zh-CN" altLang="en-US" dirty="0" smtClean="0"/>
-              <a:t>、被动收入是什么意思？</a:t>
+              <a:t>、</a:t>
+            </a:r>
+            <a:r>
+              <a:rPr lang="zh-CN" altLang="en-US" sz="1200" b="1" dirty="0" smtClean="0">
+                <a:solidFill>
+                  <a:schemeClr val="tx1">
+                    <a:lumMod val="75000"/>
+                    <a:lumOff val="25000"/>
+                  </a:schemeClr>
+                </a:solidFill>
+                <a:latin typeface="微软雅黑" pitchFamily="34" charset="-122"/>
+                <a:ea typeface="微软雅黑" panose="020B0503020204020204" pitchFamily="34" charset="-122"/>
+              </a:rPr>
+              <a:t>被动收入</a:t>
+            </a:r>
+            <a:r>
+              <a:rPr lang="zh-CN" altLang="en-US" sz="1200" dirty="0" smtClean="0">
+                <a:solidFill>
+                  <a:schemeClr val="tx1">
+                    <a:lumMod val="75000"/>
+                    <a:lumOff val="25000"/>
+                  </a:schemeClr>
+                </a:solidFill>
+                <a:latin typeface="微软雅黑" pitchFamily="34" charset="-122"/>
+                <a:ea typeface="微软雅黑" panose="020B0503020204020204" pitchFamily="34" charset="-122"/>
+              </a:rPr>
+              <a:t>：不用花时间和精力而自动产生的收入，如房产租金，知识产权、银行利息等</a:t>
+            </a:r>
+            <a:r>
+              <a:rPr lang="zh-CN" altLang="en-US" sz="1200" dirty="0" smtClean="0">
+                <a:solidFill>
+                  <a:schemeClr val="tx1">
+                    <a:lumMod val="75000"/>
+                    <a:lumOff val="25000"/>
+                  </a:schemeClr>
+                </a:solidFill>
+                <a:latin typeface="微软雅黑" pitchFamily="34" charset="-122"/>
+                <a:ea typeface="微软雅黑" panose="020B0503020204020204" pitchFamily="34" charset="-122"/>
+              </a:rPr>
+              <a:t>。我思考了过：</a:t>
             </a:r>
             <a:r>
               <a:rPr lang="zh-CN" altLang="en-US" sz="1200" b="1" i="0" kern="1200" dirty="0" smtClean="0">
@@ -3133,7 +3337,18 @@
                 <a:ea typeface="+mn-ea"/>
                 <a:cs typeface="+mn-cs"/>
               </a:rPr>
-              <a:t>想要实现财富自由，你要把你的财富组成一个能够自行运转的系统，那么，你的财富就会像机器人一样，源源不断地给你提供新的产出，享受财富带来的乐趣的同时，你也不必担心自己会“坐吃山空”。</a:t>
+              <a:t>想</a:t>
+            </a:r>
+            <a:r>
+              <a:rPr lang="zh-CN" altLang="en-US" sz="1200" b="1" i="0" kern="1200" dirty="0" smtClean="0">
+                <a:solidFill>
+                  <a:schemeClr val="tx1"/>
+                </a:solidFill>
+                <a:latin typeface="+mn-lt"/>
+                <a:ea typeface="+mn-ea"/>
+                <a:cs typeface="+mn-cs"/>
+              </a:rPr>
+              <a:t>要实现财富自由，你要把你的财富组成一个能够自行运转的系统，那么，你的财富就会像机器人一样，源源不断地给你提供新的产出，享受财富带来的乐趣的同时，你也不必担心自己会“坐吃山空”。</a:t>
             </a:r>
             <a:endParaRPr lang="en-US" altLang="zh-CN" b="0" dirty="0" smtClean="0"/>
           </a:p>
@@ -3284,18 +3499,7 @@
                 <a:ea typeface="+mn-ea"/>
                 <a:cs typeface="+mn-cs"/>
               </a:rPr>
-              <a:t>元，就已经解决一家三口的早餐开支</a:t>
-            </a:r>
-            <a:r>
-              <a:rPr lang="zh-CN" altLang="en-US" sz="1200" b="0" i="0" kern="1200" dirty="0" smtClean="0">
-                <a:solidFill>
-                  <a:schemeClr val="tx1"/>
-                </a:solidFill>
-                <a:latin typeface="+mn-lt"/>
-                <a:ea typeface="+mn-ea"/>
-                <a:cs typeface="+mn-cs"/>
-              </a:rPr>
-              <a:t>。</a:t>
+              <a:t>元，就已经解决一家三口的早餐开支。</a:t>
             </a:r>
             <a:endParaRPr lang="en-US" altLang="zh-CN" sz="1200" b="0" i="0" kern="1200" dirty="0" smtClean="0">
               <a:solidFill>
@@ -3460,10 +3664,10 @@
                 <a:ea typeface="+mn-ea"/>
                 <a:cs typeface="+mn-cs"/>
               </a:rPr>
-              <a:t>年的标准</a:t>
-            </a:r>
-            <a:r>
-              <a:rPr lang="zh-CN" altLang="en-US" sz="1200" b="0" i="0" kern="1200" dirty="0" smtClean="0">
+              <a:t>年的标准是 </a:t>
+            </a:r>
+            <a:r>
+              <a:rPr lang="en-US" altLang="zh-CN" sz="1200" b="0" i="0" kern="1200" dirty="0" smtClean="0">
                 <a:solidFill>
                   <a:schemeClr val="tx1"/>
                 </a:solidFill>
@@ -3471,10 +3675,10 @@
                 <a:ea typeface="+mn-ea"/>
                 <a:cs typeface="+mn-cs"/>
               </a:rPr>
-              <a:t>是 </a:t>
-            </a:r>
-            <a:r>
-              <a:rPr lang="en-US" altLang="zh-CN" sz="1200" b="0" i="0" kern="1200" dirty="0" smtClean="0">
+              <a:t>2.9</a:t>
+            </a:r>
+            <a:r>
+              <a:rPr lang="zh-CN" altLang="en-US" sz="1200" b="0" i="0" kern="1200" dirty="0" smtClean="0">
                 <a:solidFill>
                   <a:schemeClr val="tx1"/>
                 </a:solidFill>
@@ -3482,10 +3686,10 @@
                 <a:ea typeface="+mn-ea"/>
                 <a:cs typeface="+mn-cs"/>
               </a:rPr>
-              <a:t>2.9</a:t>
-            </a:r>
-            <a:r>
-              <a:rPr lang="zh-CN" altLang="en-US" sz="1200" b="0" i="0" kern="1200" dirty="0" smtClean="0">
+              <a:t>亿人民币，看到这个数字的时候，大家可能会：先定一个小目标，比如赚它一个亿元，这样才容易实现财务自由了。</a:t>
+            </a:r>
+            <a:r>
+              <a:rPr lang="en-US" altLang="zh-CN" sz="1200" b="0" i="0" kern="1200" dirty="0" smtClean="0">
                 <a:solidFill>
                   <a:schemeClr val="tx1"/>
                 </a:solidFill>
@@ -3493,7 +3697,7 @@
                 <a:ea typeface="+mn-ea"/>
                 <a:cs typeface="+mn-cs"/>
               </a:rPr>
-              <a:t>亿人民币</a:t>
+              <a:t>2.9</a:t>
             </a:r>
             <a:r>
               <a:rPr lang="zh-CN" altLang="en-US" sz="1200" b="0" i="0" kern="1200" dirty="0" smtClean="0">
@@ -3504,10 +3708,10 @@
                 <a:ea typeface="+mn-ea"/>
                 <a:cs typeface="+mn-cs"/>
               </a:rPr>
-              <a:t>，看到这个数字的时候，大家可能会：先</a:t>
-            </a:r>
-            <a:r>
-              <a:rPr lang="zh-CN" altLang="en-US" sz="1200" b="0" i="0" kern="1200" dirty="0" smtClean="0">
+              <a:t>亿元人民币，这个是非常大的一个数目，远远超出了普通家庭的经济收入</a:t>
+            </a:r>
+            <a:r>
+              <a:rPr lang="zh-CN" altLang="en-US" sz="1200" b="0" i="0" kern="1200" smtClean="0">
                 <a:solidFill>
                   <a:schemeClr val="tx1"/>
                 </a:solidFill>
@@ -3515,10 +3719,14 @@
                 <a:ea typeface="+mn-ea"/>
                 <a:cs typeface="+mn-cs"/>
               </a:rPr>
-              <a:t>定一个小目标，比如赚它一个亿</a:t>
-            </a:r>
-            <a:r>
-              <a:rPr lang="zh-CN" altLang="en-US" sz="1200" b="0" i="0" kern="1200" dirty="0" smtClean="0">
+              <a:t>水平。</a:t>
+            </a:r>
+            <a:r>
+              <a:rPr lang="zh-CN" altLang="en-US" smtClean="0"/>
+              <a:t>还真的是不想看这些专家的报告：因为觉得他很扯蛋，但是还是去看了，因为想知道他是怎么扯的，</a:t>
+            </a:r>
+            <a:r>
+              <a:rPr lang="zh-CN" altLang="en-US" sz="1200" b="0" i="0" kern="1200" smtClean="0">
                 <a:solidFill>
                   <a:schemeClr val="tx1"/>
                 </a:solidFill>
@@ -3526,7 +3734,7 @@
                 <a:ea typeface="+mn-ea"/>
                 <a:cs typeface="+mn-cs"/>
               </a:rPr>
-              <a:t>元，</a:t>
+              <a:t>据悉</a:t>
             </a:r>
             <a:r>
               <a:rPr lang="zh-CN" altLang="en-US" sz="1200" b="0" i="0" kern="1200" dirty="0" smtClean="0">
@@ -3537,40 +3745,7 @@
                 <a:ea typeface="+mn-ea"/>
                 <a:cs typeface="+mn-cs"/>
               </a:rPr>
-              <a:t>这样才容易实现财务自由了</a:t>
-            </a:r>
-            <a:r>
-              <a:rPr lang="zh-CN" altLang="en-US" sz="1200" b="0" i="0" kern="1200" dirty="0" smtClean="0">
-                <a:solidFill>
-                  <a:schemeClr val="tx1"/>
-                </a:solidFill>
-                <a:latin typeface="+mn-lt"/>
-                <a:ea typeface="+mn-ea"/>
-                <a:cs typeface="+mn-cs"/>
-              </a:rPr>
-              <a:t>。</a:t>
-            </a:r>
-            <a:r>
-              <a:rPr lang="en-US" altLang="zh-CN" sz="1200" b="0" i="0" kern="1200" dirty="0" smtClean="0">
-                <a:solidFill>
-                  <a:schemeClr val="tx1"/>
-                </a:solidFill>
-                <a:latin typeface="+mn-lt"/>
-                <a:ea typeface="+mn-ea"/>
-                <a:cs typeface="+mn-cs"/>
-              </a:rPr>
-              <a:t>2.9</a:t>
-            </a:r>
-            <a:r>
-              <a:rPr lang="zh-CN" altLang="en-US" sz="1200" b="0" i="0" kern="1200" dirty="0" smtClean="0">
-                <a:solidFill>
-                  <a:schemeClr val="tx1"/>
-                </a:solidFill>
-                <a:latin typeface="+mn-lt"/>
-                <a:ea typeface="+mn-ea"/>
-                <a:cs typeface="+mn-cs"/>
-              </a:rPr>
-              <a:t>亿元人民币，这个是非常大的一个数目，远远超出了普通家庭的经济收入水平。这些年我也得到了两个“忆”，一个是失忆，另外一个是回忆。</a:t>
+              <a:t>是因为一线城市的房价水平的原因导致标准偏高。</a:t>
             </a:r>
             <a:endParaRPr lang="en-US" altLang="zh-CN" sz="1200" b="0" i="0" kern="1200" dirty="0" smtClean="0">
               <a:solidFill>
@@ -3602,10 +3777,10 @@
                 <a:ea typeface="+mn-ea"/>
                 <a:cs typeface="+mn-cs"/>
               </a:rPr>
-              <a:t>、有</a:t>
-            </a:r>
-            <a:r>
-              <a:rPr lang="zh-CN" altLang="en-US" sz="1200" b="0" i="0" kern="1200" dirty="0" smtClean="0">
+              <a:t>、有一个话题：“逃离北上广深”。想想这么多年为了财务自由奋斗，在一线城市里面工作生活，却在追求财务自由的路上，失去了自由</a:t>
+            </a:r>
+            <a:r>
+              <a:rPr lang="en-US" altLang="zh-CN" sz="1200" b="0" i="0" kern="1200" dirty="0" smtClean="0">
                 <a:solidFill>
                   <a:schemeClr val="tx1"/>
                 </a:solidFill>
@@ -3613,7 +3788,7 @@
                 <a:ea typeface="+mn-ea"/>
                 <a:cs typeface="+mn-cs"/>
               </a:rPr>
-              <a:t>一个话题：“逃离北上广深”。想想这么多年</a:t>
+              <a:t>,</a:t>
             </a:r>
             <a:r>
               <a:rPr lang="zh-CN" altLang="en-US" sz="1200" b="0" i="0" kern="1200" dirty="0" smtClean="0">
@@ -3624,95 +3799,7 @@
                 <a:ea typeface="+mn-ea"/>
                 <a:cs typeface="+mn-cs"/>
               </a:rPr>
-              <a:t>为了财务自由</a:t>
-            </a:r>
-            <a:r>
-              <a:rPr lang="zh-CN" altLang="en-US" sz="1200" b="0" i="0" kern="1200" dirty="0" smtClean="0">
-                <a:solidFill>
-                  <a:schemeClr val="tx1"/>
-                </a:solidFill>
-                <a:latin typeface="+mn-lt"/>
-                <a:ea typeface="+mn-ea"/>
-                <a:cs typeface="+mn-cs"/>
-              </a:rPr>
-              <a:t>奋斗</a:t>
-            </a:r>
-            <a:r>
-              <a:rPr lang="zh-CN" altLang="en-US" sz="1200" b="0" i="0" kern="1200" dirty="0" smtClean="0">
-                <a:solidFill>
-                  <a:schemeClr val="tx1"/>
-                </a:solidFill>
-                <a:latin typeface="+mn-lt"/>
-                <a:ea typeface="+mn-ea"/>
-                <a:cs typeface="+mn-cs"/>
-              </a:rPr>
-              <a:t>，在一线城市里面工作生活，却在追求</a:t>
-            </a:r>
-            <a:r>
-              <a:rPr lang="zh-CN" altLang="en-US" sz="1200" b="0" i="0" kern="1200" dirty="0" smtClean="0">
-                <a:solidFill>
-                  <a:schemeClr val="tx1"/>
-                </a:solidFill>
-                <a:latin typeface="+mn-lt"/>
-                <a:ea typeface="+mn-ea"/>
-                <a:cs typeface="+mn-cs"/>
-              </a:rPr>
-              <a:t>财务自由的路上，失去了自由</a:t>
-            </a:r>
-            <a:r>
-              <a:rPr lang="en-US" altLang="zh-CN" sz="1200" b="0" i="0" kern="1200" dirty="0" smtClean="0">
-                <a:solidFill>
-                  <a:schemeClr val="tx1"/>
-                </a:solidFill>
-                <a:latin typeface="+mn-lt"/>
-                <a:ea typeface="+mn-ea"/>
-                <a:cs typeface="+mn-cs"/>
-              </a:rPr>
-              <a:t>,</a:t>
-            </a:r>
-            <a:r>
-              <a:rPr lang="zh-CN" altLang="en-US" sz="1200" b="0" i="0" kern="1200" dirty="0" smtClean="0">
-                <a:solidFill>
-                  <a:schemeClr val="tx1"/>
-                </a:solidFill>
-                <a:latin typeface="+mn-lt"/>
-                <a:ea typeface="+mn-ea"/>
-                <a:cs typeface="+mn-cs"/>
-              </a:rPr>
-              <a:t>这一刻是不是觉得自己从未自由</a:t>
-            </a:r>
-            <a:r>
-              <a:rPr lang="zh-CN" altLang="en-US" sz="1200" b="0" i="0" kern="1200" dirty="0" smtClean="0">
-                <a:solidFill>
-                  <a:schemeClr val="tx1"/>
-                </a:solidFill>
-                <a:latin typeface="+mn-lt"/>
-                <a:ea typeface="+mn-ea"/>
-                <a:cs typeface="+mn-cs"/>
-              </a:rPr>
-              <a:t>过。</a:t>
-            </a:r>
-            <a:r>
-              <a:rPr lang="zh-CN" altLang="en-US" sz="1200" b="0" i="0" kern="1200" dirty="0" smtClean="0">
-                <a:solidFill>
-                  <a:schemeClr val="tx1"/>
-                </a:solidFill>
-                <a:latin typeface="+mn-lt"/>
-                <a:ea typeface="+mn-ea"/>
-                <a:cs typeface="+mn-cs"/>
-              </a:rPr>
-              <a:t>那些前半生在北上广打拼挣钱，三四十岁后去三四线城市生活的人。只要国家大的形势保持稳定，他们可以很自由</a:t>
-            </a:r>
-            <a:r>
-              <a:rPr lang="zh-CN" altLang="en-US" sz="1200" b="0" i="0" kern="1200" dirty="0" smtClean="0">
-                <a:solidFill>
-                  <a:schemeClr val="tx1"/>
-                </a:solidFill>
-                <a:latin typeface="+mn-lt"/>
-                <a:ea typeface="+mn-ea"/>
-                <a:cs typeface="+mn-cs"/>
-              </a:rPr>
-              <a:t>。</a:t>
+              <a:t>这一刻是不是觉得自己从未自由过。那些前半生在北上广打拼挣钱，三四十岁后去三四线城市生活的人。只要国家大的形势保持稳定，他们可以很自由。</a:t>
             </a:r>
             <a:endParaRPr lang="en-US" altLang="zh-CN" sz="1200" b="0" i="0" kern="1200" dirty="0" smtClean="0">
               <a:solidFill>
@@ -3725,7 +3812,15 @@
           </a:p>
           <a:p>
             <a:r>
-              <a:rPr lang="en-US" altLang="zh-CN" sz="1200" b="0" i="0" kern="1200" dirty="0" smtClean="0">
+              <a:rPr lang="en-US" altLang="zh-CN" dirty="0" smtClean="0"/>
+              <a:t>3</a:t>
+            </a:r>
+            <a:r>
+              <a:rPr lang="zh-CN" altLang="en-US" dirty="0" smtClean="0"/>
+              <a:t>、好像说：</a:t>
+            </a:r>
+            <a:r>
+              <a:rPr lang="zh-CN" altLang="en-US" sz="1200" b="0" i="0" kern="1200" dirty="0" smtClean="0">
                 <a:solidFill>
                   <a:schemeClr val="tx1"/>
                 </a:solidFill>
@@ -3733,62 +3828,8 @@
                 <a:ea typeface="+mn-ea"/>
                 <a:cs typeface="+mn-cs"/>
               </a:rPr>
-              <a:t>3</a:t>
-            </a:r>
-            <a:r>
-              <a:rPr lang="zh-CN" altLang="en-US" sz="1200" b="0" i="0" kern="1200" dirty="0" smtClean="0">
-                <a:solidFill>
-                  <a:schemeClr val="tx1"/>
-                </a:solidFill>
-                <a:latin typeface="+mn-lt"/>
-                <a:ea typeface="+mn-ea"/>
-                <a:cs typeface="+mn-cs"/>
-              </a:rPr>
-              <a:t>、当你不必为钱而努力工作的时候，你用爱好去创造财富，并且获得的财富中，你继续进行理财，那么，你的财富会越来越多。我在想：</a:t>
-            </a:r>
-            <a:r>
-              <a:rPr lang="zh-CN" altLang="en-US" sz="1200" b="1" i="0" kern="1200" dirty="0" smtClean="0">
-                <a:solidFill>
-                  <a:schemeClr val="tx1"/>
-                </a:solidFill>
-                <a:latin typeface="+mn-lt"/>
-                <a:ea typeface="+mn-ea"/>
-                <a:cs typeface="+mn-cs"/>
-              </a:rPr>
-              <a:t>贫富</a:t>
-            </a:r>
-            <a:r>
-              <a:rPr lang="zh-CN" altLang="en-US" sz="1200" b="1" i="0" kern="1200" dirty="0" smtClean="0">
-                <a:solidFill>
-                  <a:schemeClr val="tx1"/>
-                </a:solidFill>
-                <a:latin typeface="+mn-lt"/>
-                <a:ea typeface="+mn-ea"/>
-                <a:cs typeface="+mn-cs"/>
-              </a:rPr>
-              <a:t>差距在最近几十年来越来越大，主要原因在于资本收入相对劳动收入增长过快</a:t>
-            </a:r>
-            <a:r>
-              <a:rPr lang="zh-CN" altLang="en-US" sz="1200" b="1" i="0" kern="1200" dirty="0" smtClean="0">
-                <a:solidFill>
-                  <a:schemeClr val="tx1"/>
-                </a:solidFill>
-                <a:latin typeface="+mn-lt"/>
-                <a:ea typeface="+mn-ea"/>
-                <a:cs typeface="+mn-cs"/>
-              </a:rPr>
-              <a:t>。</a:t>
-            </a:r>
-            <a:endParaRPr lang="zh-CN" altLang="en-US" sz="1200" b="0" i="0" kern="1200" dirty="0" smtClean="0">
-              <a:solidFill>
-                <a:schemeClr val="tx1"/>
-              </a:solidFill>
-              <a:latin typeface="+mn-lt"/>
-              <a:ea typeface="+mn-ea"/>
-              <a:cs typeface="+mn-cs"/>
-            </a:endParaRPr>
-          </a:p>
-          <a:p>
+              <a:t>这些年我也得到了两个“忆”，一个是失忆，另外一个是回忆。</a:t>
+            </a:r>
             <a:r>
               <a:rPr lang="zh-CN" altLang="en-US" dirty="0" smtClean="0"/>
               <a:t/>
@@ -3939,11 +3980,7 @@
             </a:r>
             <a:r>
               <a:rPr lang="zh-CN" altLang="en-US" sz="1200" dirty="0" smtClean="0"/>
-              <a:t>财务自由是当你不必担忧生活后，过上你真实想要的生活</a:t>
-            </a:r>
-            <a:r>
-              <a:rPr lang="zh-CN" altLang="en-US" sz="1200" dirty="0" smtClean="0"/>
-              <a:t>。</a:t>
+              <a:t>财务自由是当你不必担忧生活后，过上你真实想要的生活。</a:t>
             </a:r>
             <a:endParaRPr lang="en-US" altLang="zh-CN" sz="1200" dirty="0" smtClean="0"/>
           </a:p>
@@ -3962,7 +3999,18 @@
             </a:r>
             <a:r>
               <a:rPr lang="zh-CN" altLang="en-US" dirty="0" smtClean="0"/>
-              <a:t>。当你需要养家糊口的时候，精神压力和生活压力也随之而来。当你不必担忧生病、不必担心儿女教育、不必操劳养家糊口，这是一个非常完美的状态。</a:t>
+              <a:t>。当你需要养家糊口的时候，精神压力和生活压力也随之而来。</a:t>
+            </a:r>
+            <a:r>
+              <a:rPr lang="zh-CN" altLang="en-US" sz="1200" b="0" i="0" kern="1200" dirty="0" smtClean="0">
+                <a:solidFill>
+                  <a:schemeClr val="tx1"/>
+                </a:solidFill>
+                <a:latin typeface="+mn-lt"/>
+                <a:ea typeface="+mn-ea"/>
+                <a:cs typeface="+mn-cs"/>
+              </a:rPr>
+              <a:t>拿破仑曾经说过这样一句话： “有两个杠杆推动了社会的前进，一个是个人利益，另一个是恐惧。”，对利益的追求促进了人类社会向着更高层次发展，促进了社会财富的增长。对未来不确定的恐惧和担忧，推动我们努力获得足够的资源应对生活和未来。</a:t>
             </a:r>
             <a:endParaRPr lang="en-US" altLang="zh-CN" dirty="0" smtClean="0"/>
           </a:p>
@@ -4158,40 +4206,154 @@
           </a:bodyPr>
           <a:lstStyle/>
           <a:p>
-            <a:pPr marL="0" marR="0" indent="0" algn="l" defTabSz="914400" rtl="0" eaLnBrk="1" fontAlgn="auto" latinLnBrk="0" hangingPunct="1">
-              <a:lnSpc>
-                <a:spcPct val="100000"/>
-              </a:lnSpc>
-              <a:spcBef>
-                <a:spcPts val="0"/>
-              </a:spcBef>
-              <a:spcAft>
-                <a:spcPts val="0"/>
-              </a:spcAft>
-              <a:buClrTx/>
-              <a:buSzTx/>
-              <a:buFontTx/>
-              <a:buNone/>
-              <a:tabLst/>
-              <a:defRPr/>
-            </a:pPr>
             <a:r>
               <a:rPr lang="en-US" altLang="zh-CN" dirty="0" smtClean="0"/>
               <a:t>1</a:t>
             </a:r>
             <a:r>
               <a:rPr lang="zh-CN" altLang="en-US" dirty="0" smtClean="0"/>
-              <a:t>、一千</a:t>
+              <a:t>、上有老，下有小，柴米油盐酱醋茶，房子（学区房）、车子、妻子、孩子、老子（老人家）。</a:t>
+            </a:r>
+            <a:endParaRPr lang="en-US" altLang="zh-CN" dirty="0" smtClean="0"/>
+          </a:p>
+          <a:p>
+            <a:r>
+              <a:rPr lang="en-US" altLang="zh-CN" dirty="0" smtClean="0"/>
+              <a:t>2</a:t>
             </a:r>
             <a:r>
               <a:rPr lang="zh-CN" altLang="en-US" dirty="0" smtClean="0"/>
-              <a:t>个读者有一千个</a:t>
+              <a:t>、我们这一代人，</a:t>
+            </a:r>
+            <a:r>
+              <a:rPr lang="zh-CN" altLang="en-US" sz="1200" b="0" i="0" kern="1200" dirty="0" smtClean="0">
+                <a:solidFill>
+                  <a:schemeClr val="tx1"/>
+                </a:solidFill>
+                <a:latin typeface="+mn-lt"/>
+                <a:ea typeface="+mn-ea"/>
+                <a:cs typeface="+mn-cs"/>
+              </a:rPr>
+              <a:t>赶上了中国经济社会发展最快的二十年，一切美满都天经地义，他们不断调高自己对美好生活的期望值。偏偏他们既没有能力打碎老龄化必然伴生的社会壁垒，又没有办法抗拒技术革命带来的年轻一代的逆袭。</a:t>
+            </a:r>
+            <a:r>
+              <a:rPr lang="zh-CN" altLang="en-US" sz="1200" b="1" i="0" kern="1200" dirty="0" smtClean="0">
+                <a:solidFill>
+                  <a:schemeClr val="tx1"/>
+                </a:solidFill>
+                <a:latin typeface="+mn-lt"/>
+                <a:ea typeface="+mn-ea"/>
+                <a:cs typeface="+mn-cs"/>
+              </a:rPr>
+              <a:t>当谈婚论嫁的年龄，思考的是对方经济收入、学历水平，家庭条件</a:t>
+            </a:r>
+            <a:r>
+              <a:rPr lang="en-US" altLang="zh-CN" sz="1200" b="1" i="0" kern="1200" dirty="0" smtClean="0">
+                <a:solidFill>
+                  <a:schemeClr val="tx1"/>
+                </a:solidFill>
+                <a:latin typeface="+mn-lt"/>
+                <a:ea typeface="+mn-ea"/>
+                <a:cs typeface="+mn-cs"/>
+              </a:rPr>
+              <a:t>……</a:t>
+            </a:r>
+            <a:r>
+              <a:rPr lang="en-US" altLang="zh-CN" sz="1200" b="1" i="0" kern="1200" baseline="0" dirty="0" smtClean="0">
+                <a:solidFill>
+                  <a:schemeClr val="tx1"/>
+                </a:solidFill>
+                <a:latin typeface="+mn-lt"/>
+                <a:ea typeface="+mn-ea"/>
+                <a:cs typeface="+mn-cs"/>
+              </a:rPr>
+              <a:t> </a:t>
+            </a:r>
+            <a:r>
+              <a:rPr lang="zh-CN" altLang="en-US" sz="1200" b="1" i="0" kern="1200" baseline="0" dirty="0" smtClean="0">
+                <a:solidFill>
+                  <a:schemeClr val="tx1"/>
+                </a:solidFill>
+                <a:latin typeface="+mn-lt"/>
+                <a:ea typeface="+mn-ea"/>
+                <a:cs typeface="+mn-cs"/>
+              </a:rPr>
+              <a:t>当工作的时候，小心翼翼地做人做事，畏首畏尾，不敢突出、改变，当生活、消费的时候，精打细算，量入为出</a:t>
+            </a:r>
+            <a:r>
+              <a:rPr lang="zh-CN" altLang="en-US" sz="1200" b="0" i="0" kern="1200" baseline="0" dirty="0" smtClean="0">
+                <a:solidFill>
+                  <a:schemeClr val="tx1"/>
+                </a:solidFill>
+                <a:latin typeface="+mn-lt"/>
+                <a:ea typeface="+mn-ea"/>
+                <a:cs typeface="+mn-cs"/>
+              </a:rPr>
+              <a:t>。</a:t>
+            </a:r>
+            <a:endParaRPr lang="en-US" altLang="zh-CN" dirty="0" smtClean="0"/>
+          </a:p>
+          <a:p>
+            <a:r>
+              <a:rPr lang="en-US" altLang="zh-CN" dirty="0" smtClean="0"/>
+              <a:t>3</a:t>
             </a:r>
             <a:r>
               <a:rPr lang="zh-CN" altLang="en-US" dirty="0" smtClean="0"/>
-              <a:t>哈姆雷特，活在当下很重要，生于忧患而死于安乐也有道理。</a:t>
-            </a:r>
-            <a:endParaRPr lang="en-US" altLang="zh-CN" dirty="0" smtClean="0"/>
+              <a:t>、</a:t>
+            </a:r>
+            <a:r>
+              <a:rPr lang="zh-CN" altLang="en-US" sz="1200" b="0" i="0" u="none" strike="noStrike" kern="1200" dirty="0" smtClean="0">
+                <a:solidFill>
+                  <a:schemeClr val="tx1"/>
+                </a:solidFill>
+                <a:latin typeface="+mn-lt"/>
+                <a:ea typeface="+mn-ea"/>
+                <a:cs typeface="+mn-cs"/>
+              </a:rPr>
+              <a:t>财务自由最大的好处不是让你从此不用工作了（毕竟通胀、投资风险、未来无论是子女还是医疗的开支增加都随时可能把你从天堂打回人间），而是让你有时间和钱作为你的后盾，帮助你去做你真正想做的事情。因此，财务自由不等于从此闲在家里啥事不做。财务自由</a:t>
+            </a:r>
+            <a:r>
+              <a:rPr lang="en-US" altLang="zh-CN" sz="1200" b="0" i="0" kern="1200" dirty="0" smtClean="0">
+                <a:solidFill>
+                  <a:schemeClr val="tx1"/>
+                </a:solidFill>
+                <a:latin typeface="+mn-lt"/>
+                <a:ea typeface="+mn-ea"/>
+                <a:cs typeface="+mn-cs"/>
+              </a:rPr>
+              <a:t>=</a:t>
+            </a:r>
+            <a:r>
+              <a:rPr lang="zh-CN" altLang="en-US" sz="1200" b="0" i="0" u="none" strike="noStrike" kern="1200" dirty="0" smtClean="0">
+                <a:solidFill>
+                  <a:schemeClr val="tx1"/>
+                </a:solidFill>
+                <a:latin typeface="+mn-lt"/>
+                <a:ea typeface="+mn-ea"/>
+                <a:cs typeface="+mn-cs"/>
+              </a:rPr>
+              <a:t>让你为兴趣而工作，而且不必畏惧挫折，因为还有被动收入让你能够和以前一样的生活</a:t>
+            </a:r>
+            <a:r>
+              <a:rPr lang="zh-CN" altLang="en-US" sz="1200" b="0" i="0" u="none" strike="noStrike" kern="1200" dirty="0" smtClean="0">
+                <a:solidFill>
+                  <a:schemeClr val="tx1"/>
+                </a:solidFill>
+                <a:latin typeface="+mn-lt"/>
+                <a:ea typeface="+mn-ea"/>
+                <a:cs typeface="+mn-cs"/>
+              </a:rPr>
+              <a:t>。</a:t>
+            </a:r>
+            <a:endParaRPr lang="en-US" altLang="zh-CN" sz="1200" b="0" i="0" u="none" strike="noStrike" kern="1200" dirty="0" smtClean="0">
+              <a:solidFill>
+                <a:schemeClr val="tx1"/>
+              </a:solidFill>
+              <a:latin typeface="+mn-lt"/>
+              <a:ea typeface="+mn-ea"/>
+              <a:cs typeface="+mn-cs"/>
+            </a:endParaRPr>
           </a:p>
           <a:p>
             <a:pPr marL="0" marR="0" indent="0" algn="l" defTabSz="914400" rtl="0" eaLnBrk="1" fontAlgn="auto" latinLnBrk="0" hangingPunct="1">
@@ -4212,27 +4374,7 @@
               <a:defRPr/>
             </a:pPr>
             <a:r>
-              <a:rPr lang="en-US" altLang="zh-CN" dirty="0" smtClean="0"/>
-              <a:t>2</a:t>
-            </a:r>
-            <a:r>
-              <a:rPr lang="zh-CN" altLang="en-US" dirty="0" smtClean="0"/>
-              <a:t>、我们</a:t>
-            </a:r>
-            <a:r>
-              <a:rPr lang="zh-CN" altLang="en-US" dirty="0" smtClean="0"/>
-              <a:t>为什么要追求财务自由？</a:t>
-            </a:r>
-            <a:r>
-              <a:rPr lang="zh-CN" altLang="en-US" sz="1200" b="1" dirty="0" smtClean="0"/>
-              <a:t>让感情回归纯粹，不为钱所累，爱好回归乐趣，不为钱折腰，活成自己喜欢的样子，让消费回归享受，不为钱所苦</a:t>
-            </a:r>
-            <a:r>
-              <a:rPr lang="zh-CN" altLang="en-US" sz="1200" b="1" dirty="0" smtClean="0"/>
-              <a:t>。</a:t>
-            </a:r>
-            <a:r>
-              <a:rPr lang="zh-CN" altLang="en-US" sz="1200" b="0" i="0" kern="1200" dirty="0" smtClean="0">
+              <a:rPr lang="en-US" altLang="zh-CN" sz="1200" b="0" i="0" u="none" strike="noStrike" kern="1200" dirty="0" smtClean="0">
                 <a:solidFill>
                   <a:schemeClr val="tx1"/>
                 </a:solidFill>
@@ -4240,10 +4382,10 @@
                 <a:ea typeface="+mn-ea"/>
                 <a:cs typeface="+mn-cs"/>
               </a:rPr>
-              <a:t>所谓</a:t>
-            </a:r>
-            <a:r>
-              <a:rPr lang="zh-CN" altLang="en-US" sz="1200" b="0" i="0" kern="1200" dirty="0" smtClean="0">
+              <a:t>4</a:t>
+            </a:r>
+            <a:r>
+              <a:rPr lang="zh-CN" altLang="en-US" sz="1200" b="0" i="0" u="none" strike="noStrike" kern="1200" dirty="0" smtClean="0">
                 <a:solidFill>
                   <a:schemeClr val="tx1"/>
                 </a:solidFill>
@@ -4251,10 +4393,14 @@
                 <a:ea typeface="+mn-ea"/>
                 <a:cs typeface="+mn-cs"/>
               </a:rPr>
-              <a:t>自由，就是一个人可以按自己的意愿去生活，自己给自己作主</a:t>
-            </a:r>
-            <a:r>
-              <a:rPr lang="zh-CN" altLang="en-US" sz="1200" b="0" i="0" kern="1200" dirty="0" smtClean="0">
+              <a:t>、</a:t>
+            </a:r>
+            <a:r>
+              <a:rPr lang="zh-CN" altLang="en-US" sz="1200" b="1" dirty="0" smtClean="0"/>
+              <a:t>让消费回归享受，不为钱所苦，</a:t>
+            </a:r>
+            <a:r>
+              <a:rPr lang="zh-CN" altLang="en-US" sz="1200" b="0" i="0" u="none" strike="noStrike" kern="1200" dirty="0" smtClean="0">
                 <a:solidFill>
                   <a:schemeClr val="tx1"/>
                 </a:solidFill>
@@ -4262,10 +4408,14 @@
                 <a:ea typeface="+mn-ea"/>
                 <a:cs typeface="+mn-cs"/>
               </a:rPr>
-              <a:t>。再</a:t>
-            </a:r>
-            <a:r>
-              <a:rPr lang="zh-CN" altLang="en-US" sz="1200" b="0" i="0" kern="1200" dirty="0" smtClean="0">
+              <a:t>最记得小时候不舍得花钱买好的，能够用就可以了，生活没质量。</a:t>
+            </a:r>
+            <a:r>
+              <a:rPr lang="zh-CN" altLang="en-US" sz="1200" b="1" dirty="0" smtClean="0"/>
+              <a:t>让爱好回归乐趣，不为钱折腰</a:t>
+            </a:r>
+            <a:r>
+              <a:rPr lang="en-US" altLang="zh-CN" sz="1200" b="0" i="0" u="none" strike="noStrike" kern="1200" dirty="0" smtClean="0">
                 <a:solidFill>
                   <a:schemeClr val="tx1"/>
                 </a:solidFill>
@@ -4273,12 +4423,63 @@
                 <a:ea typeface="+mn-ea"/>
                 <a:cs typeface="+mn-cs"/>
               </a:rPr>
-              <a:t>回头看到“财务自由”这几个字，原来说的是不是财务，而是自由。</a:t>
-            </a:r>
-            <a:endParaRPr lang="en-US" altLang="zh-CN" dirty="0" smtClean="0"/>
+              <a:t>S </a:t>
+            </a:r>
+            <a:r>
+              <a:rPr lang="zh-CN" altLang="en-US" sz="1200" b="0" i="0" u="none" strike="noStrike" kern="1200" dirty="0" smtClean="0">
+                <a:solidFill>
+                  <a:schemeClr val="tx1"/>
+                </a:solidFill>
+                <a:latin typeface="+mn-lt"/>
+                <a:ea typeface="+mn-ea"/>
+                <a:cs typeface="+mn-cs"/>
+              </a:rPr>
+              <a:t>我们实现财务自由后，可以不用怕没饭吃，选择自己喜欢的职业、或许没有钱收入也不怕。</a:t>
+            </a:r>
+            <a:r>
+              <a:rPr lang="zh-CN" altLang="en-US" sz="1200" b="1" dirty="0" smtClean="0"/>
+              <a:t>让感情回归纯粹，不为钱所累</a:t>
+            </a:r>
+            <a:r>
+              <a:rPr lang="zh-CN" altLang="en-US" sz="1200" b="0" i="0" u="none" strike="noStrike" kern="1200" dirty="0" smtClean="0">
+                <a:solidFill>
+                  <a:schemeClr val="tx1"/>
+                </a:solidFill>
+                <a:latin typeface="+mn-lt"/>
+                <a:ea typeface="+mn-ea"/>
+                <a:cs typeface="+mn-cs"/>
+              </a:rPr>
+              <a:t>适婚年龄的男女就特别体现这一点了。你找对象的时候，除了看高矮肥瘦还得看学历、家庭、收入。</a:t>
+            </a:r>
+            <a:endParaRPr lang="zh-CN" altLang="en-US" sz="1200" b="1" dirty="0" smtClean="0"/>
           </a:p>
           <a:p>
-            <a:endParaRPr lang="en-US" altLang="zh-CN" dirty="0" smtClean="0"/>
+            <a:pPr marL="0" marR="0" indent="0" algn="l" defTabSz="914400" rtl="0" eaLnBrk="1" fontAlgn="auto" latinLnBrk="0" hangingPunct="1">
+              <a:lnSpc>
+                <a:spcPct val="100000"/>
+              </a:lnSpc>
+              <a:spcBef>
+                <a:spcPts val="0"/>
+              </a:spcBef>
+              <a:spcAft>
+                <a:spcPts val="0"/>
+              </a:spcAft>
+              <a:buClrTx/>
+              <a:buSzTx/>
+              <a:buFontTx/>
+              <a:buNone/>
+              <a:tabLst/>
+              <a:defRPr/>
+            </a:pPr>
+            <a:r>
+              <a:rPr lang="en-US" altLang="zh-CN" sz="1200" b="1" dirty="0" smtClean="0"/>
+              <a:t>5</a:t>
+            </a:r>
+            <a:r>
+              <a:rPr lang="zh-CN" altLang="en-US" sz="1200" b="1" dirty="0" smtClean="0"/>
+              <a:t>、综上所述</a:t>
+            </a:r>
+            <a:endParaRPr lang="zh-CN" altLang="en-US" sz="1200" b="1" dirty="0" smtClean="0"/>
           </a:p>
         </p:txBody>
       </p:sp>
@@ -6285,7 +6486,7 @@
             <a:fld id="{B1319713-D4D7-42AA-83A4-99C7908F9AC2}" type="datetimeFigureOut">
               <a:rPr lang="zh-CN" altLang="en-US" smtClean="0"/>
               <a:pPr/>
-              <a:t>2019/4/27</a:t>
+              <a:t>2019/4/29</a:t>
             </a:fld>
             <a:endParaRPr lang="zh-CN" altLang="en-US" dirty="0"/>
           </a:p>
@@ -7339,6 +7540,366 @@
                 <a:latin typeface="微软雅黑" panose="020B0503020204020204" pitchFamily="34" charset="-122"/>
                 <a:ea typeface="微软雅黑" panose="020B0503020204020204" pitchFamily="34" charset="-122"/>
               </a:rPr>
+              <a:t>为什么要追求财务自由</a:t>
+            </a:r>
+            <a:endParaRPr lang="en-US" altLang="zh-CN" sz="3200" dirty="0">
+              <a:gradFill>
+                <a:gsLst>
+                  <a:gs pos="100000">
+                    <a:srgbClr val="00469C"/>
+                  </a:gs>
+                  <a:gs pos="0">
+                    <a:srgbClr val="00A0E8"/>
+                  </a:gs>
+                </a:gsLst>
+                <a:lin ang="5400000"/>
+              </a:gradFill>
+              <a:latin typeface="微软雅黑" panose="020B0503020204020204" pitchFamily="34" charset="-122"/>
+              <a:ea typeface="微软雅黑" panose="020B0503020204020204" pitchFamily="34" charset="-122"/>
+            </a:endParaRPr>
+          </a:p>
+          <a:p>
+            <a:pPr algn="ctr"/>
+            <a:r>
+              <a:rPr lang="zh-CN" altLang="en-US" dirty="0" smtClean="0">
+                <a:gradFill>
+                  <a:gsLst>
+                    <a:gs pos="100000">
+                      <a:srgbClr val="00469C"/>
+                    </a:gs>
+                    <a:gs pos="0">
+                      <a:srgbClr val="00A0E8"/>
+                    </a:gs>
+                  </a:gsLst>
+                  <a:lin ang="5400000"/>
+                </a:gradFill>
+                <a:latin typeface="微软雅黑 Light" panose="020B0502040204020203" pitchFamily="34" charset="-122"/>
+                <a:ea typeface="微软雅黑 Light" panose="020B0502040204020203" pitchFamily="34" charset="-122"/>
+              </a:rPr>
+              <a:t>追求财务自由的意义</a:t>
+            </a:r>
+            <a:endParaRPr lang="zh-CN" altLang="en-US" dirty="0">
+              <a:gradFill>
+                <a:gsLst>
+                  <a:gs pos="100000">
+                    <a:srgbClr val="00469C"/>
+                  </a:gs>
+                  <a:gs pos="0">
+                    <a:srgbClr val="00A0E8"/>
+                  </a:gs>
+                </a:gsLst>
+                <a:lin ang="5400000"/>
+              </a:gradFill>
+              <a:latin typeface="微软雅黑 Light" panose="020B0502040204020203" pitchFamily="34" charset="-122"/>
+              <a:ea typeface="微软雅黑 Light" panose="020B0502040204020203" pitchFamily="34" charset="-122"/>
+            </a:endParaRPr>
+          </a:p>
+        </p:txBody>
+      </p:sp>
+      <p:sp>
+        <p:nvSpPr>
+          <p:cNvPr id="12" name="TextBox 11"/>
+          <p:cNvSpPr txBox="1"/>
+          <p:nvPr/>
+        </p:nvSpPr>
+        <p:spPr>
+          <a:xfrm>
+            <a:off x="690360" y="1814473"/>
+            <a:ext cx="10871199" cy="1938992"/>
+          </a:xfrm>
+          <a:prstGeom prst="rect">
+            <a:avLst/>
+          </a:prstGeom>
+          <a:noFill/>
+          <a:ln>
+            <a:solidFill>
+              <a:srgbClr val="3399FF"/>
+            </a:solidFill>
+          </a:ln>
+        </p:spPr>
+        <p:txBody>
+          <a:bodyPr wrap="square" rtlCol="0">
+            <a:spAutoFit/>
+          </a:bodyPr>
+          <a:lstStyle/>
+          <a:p>
+            <a:r>
+              <a:rPr lang="zh-CN" altLang="en-US" sz="2400" dirty="0" smtClean="0"/>
+              <a:t>一个风和日丽的早上，在美丽的海滩上，捕鱼归来的渔夫在懒洋洋晒太阳，旁边的一位正在度假的富翁问：你为什么不趁天气好去捕鱼，赚更多的钱呢？赚到了钱就可以做自己喜欢做的事情和享受生活。</a:t>
+            </a:r>
+            <a:endParaRPr lang="en-US" altLang="zh-CN" sz="2400" dirty="0" smtClean="0"/>
+          </a:p>
+          <a:p>
+            <a:endParaRPr lang="en-US" altLang="zh-CN" sz="2400" dirty="0" smtClean="0"/>
+          </a:p>
+          <a:p>
+            <a:r>
+              <a:rPr lang="zh-CN" altLang="en-US" sz="2400" dirty="0" smtClean="0"/>
+              <a:t>渔夫：我现在就在做喜欢的事情和享受生活。</a:t>
+            </a:r>
+            <a:endParaRPr lang="zh-CN" altLang="en-US" sz="2400" dirty="0"/>
+          </a:p>
+        </p:txBody>
+      </p:sp>
+      <p:sp>
+        <p:nvSpPr>
+          <p:cNvPr id="13" name="TextBox 12"/>
+          <p:cNvSpPr txBox="1"/>
+          <p:nvPr/>
+        </p:nvSpPr>
+        <p:spPr>
+          <a:xfrm>
+            <a:off x="863600" y="4775199"/>
+            <a:ext cx="10718799" cy="1015663"/>
+          </a:xfrm>
+          <a:prstGeom prst="rect">
+            <a:avLst/>
+          </a:prstGeom>
+          <a:noFill/>
+        </p:spPr>
+        <p:txBody>
+          <a:bodyPr wrap="square" rtlCol="0">
+            <a:spAutoFit/>
+          </a:bodyPr>
+          <a:lstStyle/>
+          <a:p>
+            <a:r>
+              <a:rPr lang="en-US" altLang="zh-CN" sz="2000" i="1" dirty="0" smtClean="0"/>
+              <a:t>Tip:</a:t>
+            </a:r>
+            <a:r>
+              <a:rPr lang="zh-CN" altLang="en-US" sz="2000" i="1" dirty="0" smtClean="0"/>
+              <a:t>财务</a:t>
+            </a:r>
+            <a:r>
+              <a:rPr lang="zh-CN" altLang="en-US" sz="2000" i="1" dirty="0" smtClean="0"/>
+              <a:t>自由似乎不是</a:t>
+            </a:r>
+            <a:r>
+              <a:rPr lang="zh-CN" altLang="en-US" sz="2000" i="1" dirty="0" smtClean="0"/>
+              <a:t>一个经济的话题，而是一个哲学的话题。财务自由不是赚钱，也不是省钱，而是你如何衡量财务和自由之间的关系。每个人的自由都是不一样的，而你的自由需要多大的收入来支撑呢？</a:t>
+            </a:r>
+            <a:endParaRPr lang="zh-CN" altLang="en-US" sz="2000" i="1" dirty="0"/>
+          </a:p>
+        </p:txBody>
+      </p:sp>
+    </p:spTree>
+    <p:extLst>
+      <p:ext uri="{BB962C8B-B14F-4D97-AF65-F5344CB8AC3E}">
+        <p14:creationId xmlns="" xmlns:p14="http://schemas.microsoft.com/office/powerpoint/2010/main" val="257282595"/>
+      </p:ext>
+    </p:extLst>
+  </p:cSld>
+  <p:clrMapOvr>
+    <a:masterClrMapping/>
+  </p:clrMapOvr>
+  <mc:AlternateContent xmlns:mc="http://schemas.openxmlformats.org/markup-compatibility/2006">
+    <mc:Choice xmlns="" xmlns:p14="http://schemas.microsoft.com/office/powerpoint/2010/main" Requires="p14">
+      <p:transition spd="slow" p14:dur="1600">
+        <p:blinds dir="vert"/>
+      </p:transition>
+    </mc:Choice>
+    <mc:Fallback>
+      <p:transition spd="slow">
+        <p:blinds dir="vert"/>
+      </p:transition>
+    </mc:Fallback>
+  </mc:AlternateContent>
+  <p:timing>
+    <p:tnLst>
+      <p:par>
+        <p:cTn id="1" dur="indefinite" restart="never" nodeType="tmRoot"/>
+      </p:par>
+    </p:tnLst>
+  </p:timing>
+</p:sld>
+</file>
+
+<file path=ppt/slides/slide11.xml><?xml version="1.0" encoding="utf-8"?>
+<p:sld xmlns:a="http://schemas.openxmlformats.org/drawingml/2006/main" xmlns:r="http://schemas.openxmlformats.org/officeDocument/2006/relationships" xmlns:p="http://schemas.openxmlformats.org/presentationml/2006/main">
+  <p:cSld>
+    <p:spTree>
+      <p:nvGrpSpPr>
+        <p:cNvPr id="1" name=""/>
+        <p:cNvGrpSpPr/>
+        <p:nvPr/>
+      </p:nvGrpSpPr>
+      <p:grpSpPr>
+        <a:xfrm>
+          <a:off x="0" y="0"/>
+          <a:ext cx="0" cy="0"/>
+          <a:chOff x="0" y="0"/>
+          <a:chExt cx="0" cy="0"/>
+        </a:xfrm>
+      </p:grpSpPr>
+      <p:grpSp>
+        <p:nvGrpSpPr>
+          <p:cNvPr id="2" name="组合 1">
+            <a:extLst>
+              <a:ext uri="{FF2B5EF4-FFF2-40B4-BE49-F238E27FC236}">
+                <a16:creationId xmlns="" xmlns:a16="http://schemas.microsoft.com/office/drawing/2014/main" id="{E50DEB0B-1C12-44D1-AAA1-F4E0A4F19E17}"/>
+              </a:ext>
+            </a:extLst>
+          </p:cNvPr>
+          <p:cNvGrpSpPr/>
+          <p:nvPr/>
+        </p:nvGrpSpPr>
+        <p:grpSpPr>
+          <a:xfrm>
+            <a:off x="0" y="6590686"/>
+            <a:ext cx="12192000" cy="267331"/>
+            <a:chOff x="0" y="6590670"/>
+            <a:chExt cx="12192000" cy="267330"/>
+          </a:xfrm>
+        </p:grpSpPr>
+        <p:sp>
+          <p:nvSpPr>
+            <p:cNvPr id="7" name="矩形 6">
+              <a:extLst>
+                <a:ext uri="{FF2B5EF4-FFF2-40B4-BE49-F238E27FC236}">
+                  <a16:creationId xmlns="" xmlns:a16="http://schemas.microsoft.com/office/drawing/2014/main" id="{D5213AAE-A69E-40F7-931A-4EAD7707F511}"/>
+                </a:ext>
+              </a:extLst>
+            </p:cNvPr>
+            <p:cNvSpPr/>
+            <p:nvPr/>
+          </p:nvSpPr>
+          <p:spPr>
+            <a:xfrm>
+              <a:off x="0" y="6590670"/>
+              <a:ext cx="12192000" cy="267330"/>
+            </a:xfrm>
+            <a:prstGeom prst="rect">
+              <a:avLst/>
+            </a:prstGeom>
+            <a:solidFill>
+              <a:srgbClr val="00469C"/>
+            </a:solidFill>
+          </p:spPr>
+          <p:style>
+            <a:lnRef idx="2">
+              <a:schemeClr val="accent1">
+                <a:shade val="50000"/>
+              </a:schemeClr>
+            </a:lnRef>
+            <a:fillRef idx="1">
+              <a:schemeClr val="accent1"/>
+            </a:fillRef>
+            <a:effectRef idx="0">
+              <a:schemeClr val="accent1"/>
+            </a:effectRef>
+            <a:fontRef idx="minor">
+              <a:schemeClr val="lt1"/>
+            </a:fontRef>
+          </p:style>
+          <p:txBody>
+            <a:bodyPr rtlCol="0" anchor="ctr"/>
+            <a:lstStyle/>
+            <a:p>
+              <a:pPr algn="ctr"/>
+              <a:endParaRPr lang="zh-CN" altLang="en-US"/>
+            </a:p>
+          </p:txBody>
+        </p:sp>
+        <p:sp>
+          <p:nvSpPr>
+            <p:cNvPr id="8" name="矩形 7">
+              <a:extLst>
+                <a:ext uri="{FF2B5EF4-FFF2-40B4-BE49-F238E27FC236}">
+                  <a16:creationId xmlns="" xmlns:a16="http://schemas.microsoft.com/office/drawing/2014/main" id="{F74F58D4-5D9A-43AA-A842-4414D43E7D86}"/>
+                </a:ext>
+              </a:extLst>
+            </p:cNvPr>
+            <p:cNvSpPr/>
+            <p:nvPr/>
+          </p:nvSpPr>
+          <p:spPr>
+            <a:xfrm>
+              <a:off x="4865311" y="6590670"/>
+              <a:ext cx="2461379" cy="261609"/>
+            </a:xfrm>
+            <a:prstGeom prst="rect">
+              <a:avLst/>
+            </a:prstGeom>
+          </p:spPr>
+          <p:txBody>
+            <a:bodyPr wrap="none">
+              <a:spAutoFit/>
+            </a:bodyPr>
+            <a:lstStyle/>
+            <a:p>
+              <a:pPr lvl="0">
+                <a:defRPr/>
+              </a:pPr>
+              <a:r>
+                <a:rPr lang="en-US" altLang="zh-CN" sz="1100" kern="700" spc="-100" dirty="0" err="1">
+                  <a:solidFill>
+                    <a:schemeClr val="bg1"/>
+                  </a:solidFill>
+                  <a:latin typeface="微软雅黑" panose="020B0503020204020204" pitchFamily="34" charset="-122"/>
+                  <a:ea typeface="微软雅黑" panose="020B0503020204020204" pitchFamily="34" charset="-122"/>
+                </a:rPr>
+                <a:t>Keshun</a:t>
+              </a:r>
+              <a:r>
+                <a:rPr lang="en-US" altLang="zh-CN" sz="1100" kern="700" spc="-100" dirty="0">
+                  <a:solidFill>
+                    <a:schemeClr val="bg1"/>
+                  </a:solidFill>
+                  <a:latin typeface="微软雅黑" panose="020B0503020204020204" pitchFamily="34" charset="-122"/>
+                  <a:ea typeface="微软雅黑" panose="020B0503020204020204" pitchFamily="34" charset="-122"/>
+                </a:rPr>
+                <a:t>  Waterproof  Technology  Co. Ltd.</a:t>
+              </a:r>
+            </a:p>
+          </p:txBody>
+        </p:sp>
+      </p:grpSp>
+      <p:sp>
+        <p:nvSpPr>
+          <p:cNvPr id="28" name="TextBox 9">
+            <a:extLst>
+              <a:ext uri="{FF2B5EF4-FFF2-40B4-BE49-F238E27FC236}">
+                <a16:creationId xmlns="" xmlns:a16="http://schemas.microsoft.com/office/drawing/2014/main" id="{F9620907-505E-4433-8CD6-0B35E582F63E}"/>
+              </a:ext>
+            </a:extLst>
+          </p:cNvPr>
+          <p:cNvSpPr txBox="1"/>
+          <p:nvPr/>
+        </p:nvSpPr>
+        <p:spPr>
+          <a:xfrm>
+            <a:off x="423082" y="406639"/>
+            <a:ext cx="10686197" cy="861774"/>
+          </a:xfrm>
+          <a:prstGeom prst="rect">
+            <a:avLst/>
+          </a:prstGeom>
+          <a:noFill/>
+        </p:spPr>
+        <p:txBody>
+          <a:bodyPr wrap="square" rtlCol="0">
+            <a:spAutoFit/>
+          </a:bodyPr>
+          <a:lstStyle/>
+          <a:p>
+            <a:pPr algn="ctr"/>
+            <a:r>
+              <a:rPr lang="zh-CN" altLang="en-US" sz="3200" dirty="0" smtClean="0">
+                <a:gradFill>
+                  <a:gsLst>
+                    <a:gs pos="100000">
+                      <a:srgbClr val="00469C"/>
+                    </a:gs>
+                    <a:gs pos="0">
+                      <a:srgbClr val="00A0E8"/>
+                    </a:gs>
+                  </a:gsLst>
+                  <a:lin ang="5400000"/>
+                </a:gradFill>
+                <a:latin typeface="微软雅黑" panose="020B0503020204020204" pitchFamily="34" charset="-122"/>
+                <a:ea typeface="微软雅黑" panose="020B0503020204020204" pitchFamily="34" charset="-122"/>
+              </a:rPr>
               <a:t>如何实现财务自由</a:t>
             </a:r>
             <a:endParaRPr lang="en-US" altLang="zh-CN" sz="3200" dirty="0">
@@ -8827,7 +9388,7 @@
 </p:sld>
 </file>
 
-<file path=ppt/slides/slide11.xml><?xml version="1.0" encoding="utf-8"?>
+<file path=ppt/slides/slide12.xml><?xml version="1.0" encoding="utf-8"?>
 <p:sld xmlns:a="http://schemas.openxmlformats.org/drawingml/2006/main" xmlns:r="http://schemas.openxmlformats.org/officeDocument/2006/relationships" xmlns:p="http://schemas.openxmlformats.org/presentationml/2006/main">
   <p:cSld>
     <p:spTree>
@@ -10375,7 +10936,7 @@
 </p:sld>
 </file>
 
-<file path=ppt/slides/slide12.xml><?xml version="1.0" encoding="utf-8"?>
+<file path=ppt/slides/slide13.xml><?xml version="1.0" encoding="utf-8"?>
 <p:sld xmlns:a="http://schemas.openxmlformats.org/drawingml/2006/main" xmlns:r="http://schemas.openxmlformats.org/officeDocument/2006/relationships" xmlns:p="http://schemas.openxmlformats.org/presentationml/2006/main">
   <p:cSld>
     <p:spTree>
@@ -16346,7 +16907,7 @@
 </p:sld>
 </file>
 
-<file path=ppt/slides/slide13.xml><?xml version="1.0" encoding="utf-8"?>
+<file path=ppt/slides/slide14.xml><?xml version="1.0" encoding="utf-8"?>
 <p:sld xmlns:a="http://schemas.openxmlformats.org/drawingml/2006/main" xmlns:r="http://schemas.openxmlformats.org/officeDocument/2006/relationships" xmlns:p="http://schemas.openxmlformats.org/presentationml/2006/main">
   <p:cSld>
     <p:spTree>
@@ -16501,7 +17062,7 @@
         <p:spPr>
           <a:xfrm>
             <a:off x="423082" y="406639"/>
-            <a:ext cx="10686197" cy="584775"/>
+            <a:ext cx="10686197" cy="861774"/>
           </a:xfrm>
           <a:prstGeom prst="rect">
             <a:avLst/>
@@ -16533,7 +17094,43 @@
               </a:rPr>
               <a:t>思考人生</a:t>
             </a:r>
-            <a:endParaRPr lang="en-US" altLang="zh-CN" sz="3200" dirty="0">
+            <a:endParaRPr lang="en-US" altLang="zh-CN" sz="3200" dirty="0" smtClean="0">
+              <a:gradFill>
+                <a:gsLst>
+                  <a:gs pos="100000">
+                    <a:srgbClr val="00469C"/>
+                  </a:gs>
+                  <a:gs pos="0">
+                    <a:srgbClr val="00A0E8"/>
+                  </a:gs>
+                </a:gsLst>
+                <a:lin ang="5400000"/>
+              </a:gradFill>
+              <a:latin typeface="微软雅黑" panose="020B0503020204020204" pitchFamily="34" charset="-122"/>
+              <a:ea typeface="微软雅黑" panose="020B0503020204020204" pitchFamily="34" charset="-122"/>
+            </a:endParaRPr>
+          </a:p>
+          <a:p>
+            <a:pPr algn="ctr"/>
+            <a:r>
+              <a:rPr lang="zh-CN" altLang="en-US" dirty="0" smtClean="0">
+                <a:gradFill>
+                  <a:gsLst>
+                    <a:gs pos="100000">
+                      <a:srgbClr val="00469C"/>
+                    </a:gs>
+                    <a:gs pos="0">
+                      <a:srgbClr val="00A0E8"/>
+                    </a:gs>
+                  </a:gsLst>
+                  <a:lin ang="5400000"/>
+                </a:gradFill>
+                <a:latin typeface="微软雅黑 Light" panose="020B0502040204020203" pitchFamily="34" charset="-122"/>
+                <a:ea typeface="微软雅黑 Light" panose="020B0502040204020203" pitchFamily="34" charset="-122"/>
+              </a:rPr>
+              <a:t>关于你</a:t>
+            </a:r>
+            <a:endParaRPr lang="en-US" altLang="zh-CN" dirty="0">
               <a:gradFill>
                 <a:gsLst>
                   <a:gs pos="100000">
@@ -16559,7 +17156,7 @@
         </p:nvSpPr>
         <p:spPr>
           <a:xfrm>
-            <a:off x="2959533" y="2761860"/>
+            <a:off x="2807133" y="2507860"/>
             <a:ext cx="6286066" cy="492443"/>
           </a:xfrm>
           <a:prstGeom prst="rect">
@@ -16613,7 +17210,7 @@
 </p:sld>
 </file>
 
-<file path=ppt/slides/slide14.xml><?xml version="1.0" encoding="utf-8"?>
+<file path=ppt/slides/slide15.xml><?xml version="1.0" encoding="utf-8"?>
 <p:sld xmlns:a="http://schemas.openxmlformats.org/drawingml/2006/main" xmlns:r="http://schemas.openxmlformats.org/officeDocument/2006/relationships" xmlns:p="http://schemas.openxmlformats.org/presentationml/2006/main">
   <p:cSld>
     <p:spTree>
@@ -18263,7 +18860,7 @@
         <p:spPr>
           <a:xfrm>
             <a:off x="1222433" y="2385725"/>
-            <a:ext cx="9746559" cy="1107996"/>
+            <a:ext cx="9746559" cy="1169551"/>
           </a:xfrm>
           <a:prstGeom prst="rect">
             <a:avLst/>
@@ -18291,19 +18888,15 @@
             <a:pPr latinLnBrk="1"/>
             <a:r>
               <a:rPr lang="zh-CN" altLang="en-US" sz="2400" dirty="0" smtClean="0"/>
-              <a:t>我站阳台上，想了一个</a:t>
-            </a:r>
-            <a:r>
-              <a:rPr lang="zh-CN" altLang="en-US" sz="2400" dirty="0" smtClean="0"/>
-              <a:t>晚上</a:t>
-            </a:r>
-            <a:r>
-              <a:rPr lang="zh-CN" altLang="en-US" sz="2400" b="1" i="1" dirty="0" smtClean="0"/>
-              <a:t>究竟</a:t>
-            </a:r>
-            <a:r>
-              <a:rPr lang="zh-CN" altLang="en-US" sz="2400" b="1" i="1" dirty="0" smtClean="0"/>
-              <a:t>是谁 走漏的风声</a:t>
+              <a:t>我站阳台上，想了一个晚上</a:t>
+            </a:r>
+            <a:r>
+              <a:rPr lang="zh-CN" altLang="en-US" sz="2600" b="1" i="1" dirty="0" smtClean="0"/>
+              <a:t>究竟是谁 </a:t>
+            </a:r>
+            <a:r>
+              <a:rPr lang="zh-CN" altLang="en-US" sz="2800" b="1" i="1" dirty="0" smtClean="0"/>
+              <a:t>走漏的风声</a:t>
             </a:r>
             <a:r>
               <a:rPr lang="en-US" altLang="zh-CN" sz="2400" b="1" i="1" dirty="0" smtClean="0"/>
@@ -20495,59 +21088,7 @@
                 <a:latin typeface="微软雅黑" pitchFamily="34" charset="-122"/>
                 <a:ea typeface="微软雅黑" panose="020B0503020204020204" pitchFamily="34" charset="-122"/>
               </a:rPr>
-              <a:t>：不用花时间和</a:t>
-            </a:r>
-            <a:r>
-              <a:rPr lang="zh-CN" altLang="en-US" sz="1800" dirty="0" smtClean="0">
-                <a:solidFill>
-                  <a:schemeClr val="tx1">
-                    <a:lumMod val="75000"/>
-                    <a:lumOff val="25000"/>
-                  </a:schemeClr>
-                </a:solidFill>
-                <a:latin typeface="微软雅黑" pitchFamily="34" charset="-122"/>
-                <a:ea typeface="微软雅黑" panose="020B0503020204020204" pitchFamily="34" charset="-122"/>
-              </a:rPr>
-              <a:t>精力而自动产生的</a:t>
-            </a:r>
-            <a:r>
-              <a:rPr lang="zh-CN" altLang="en-US" sz="1800" dirty="0" smtClean="0">
-                <a:solidFill>
-                  <a:schemeClr val="tx1">
-                    <a:lumMod val="75000"/>
-                    <a:lumOff val="25000"/>
-                  </a:schemeClr>
-                </a:solidFill>
-                <a:latin typeface="微软雅黑" pitchFamily="34" charset="-122"/>
-                <a:ea typeface="微软雅黑" panose="020B0503020204020204" pitchFamily="34" charset="-122"/>
-              </a:rPr>
-              <a:t>收入，如房产租金，知识产权、银行</a:t>
-            </a:r>
-            <a:r>
-              <a:rPr lang="zh-CN" altLang="en-US" sz="1800" dirty="0" smtClean="0">
-                <a:solidFill>
-                  <a:schemeClr val="tx1">
-                    <a:lumMod val="75000"/>
-                    <a:lumOff val="25000"/>
-                  </a:schemeClr>
-                </a:solidFill>
-                <a:latin typeface="微软雅黑" pitchFamily="34" charset="-122"/>
-                <a:ea typeface="微软雅黑" panose="020B0503020204020204" pitchFamily="34" charset="-122"/>
-              </a:rPr>
-              <a:t>利息等</a:t>
-            </a:r>
-            <a:r>
-              <a:rPr lang="zh-CN" altLang="en-US" sz="1800" dirty="0" smtClean="0">
-                <a:solidFill>
-                  <a:schemeClr val="tx1">
-                    <a:lumMod val="75000"/>
-                    <a:lumOff val="25000"/>
-                  </a:schemeClr>
-                </a:solidFill>
-                <a:latin typeface="微软雅黑" pitchFamily="34" charset="-122"/>
-                <a:ea typeface="微软雅黑" panose="020B0503020204020204" pitchFamily="34" charset="-122"/>
-              </a:rPr>
-              <a:t>。</a:t>
+              <a:t>：不用花时间和精力而自动产生的收入，如房产租金，知识产权、银行利息等。</a:t>
             </a:r>
             <a:endParaRPr lang="en-US" altLang="zh-CN" sz="1800" dirty="0" smtClean="0">
               <a:solidFill>
@@ -21307,15 +21848,128 @@
           </a:p>
         </p:txBody>
       </p:sp>
+      <p:pic>
+        <p:nvPicPr>
+          <p:cNvPr id="1026" name="Picture 2" descr="D:\用户目录\Desktop\ec683ab45cdc463e8e73750a12861c41.jpeg"/>
+          <p:cNvPicPr>
+            <a:picLocks noChangeAspect="1" noChangeArrowheads="1"/>
+          </p:cNvPicPr>
+          <p:nvPr/>
+        </p:nvPicPr>
+        <p:blipFill>
+          <a:blip r:embed="rId3"/>
+          <a:srcRect/>
+          <a:stretch>
+            <a:fillRect/>
+          </a:stretch>
+        </p:blipFill>
+        <p:spPr bwMode="auto">
+          <a:xfrm>
+            <a:off x="4851400" y="1492250"/>
+            <a:ext cx="6959600" cy="4940300"/>
+          </a:xfrm>
+          <a:prstGeom prst="rect">
+            <a:avLst/>
+          </a:prstGeom>
+          <a:noFill/>
+        </p:spPr>
+      </p:pic>
       <p:sp>
         <p:nvSpPr>
-          <p:cNvPr id="6" name="TextBox 5"/>
+          <p:cNvPr id="13" name="TextBox 12"/>
           <p:cNvSpPr txBox="1"/>
           <p:nvPr/>
         </p:nvSpPr>
         <p:spPr>
           <a:xfrm>
-            <a:off x="812799" y="5740401"/>
+            <a:off x="296332" y="2751666"/>
+            <a:ext cx="4185761" cy="461665"/>
+          </a:xfrm>
+          <a:prstGeom prst="rect">
+            <a:avLst/>
+          </a:prstGeom>
+          <a:noFill/>
+        </p:spPr>
+        <p:txBody>
+          <a:bodyPr wrap="none" rtlCol="0">
+            <a:spAutoFit/>
+          </a:bodyPr>
+          <a:lstStyle/>
+          <a:p>
+            <a:r>
+              <a:rPr lang="zh-CN" altLang="en-US" sz="2400" b="1" dirty="0" smtClean="0"/>
+              <a:t>让消费回归享受，不为钱所苦</a:t>
+            </a:r>
+          </a:p>
+        </p:txBody>
+      </p:sp>
+      <p:sp>
+        <p:nvSpPr>
+          <p:cNvPr id="14" name="TextBox 13"/>
+          <p:cNvSpPr txBox="1"/>
+          <p:nvPr/>
+        </p:nvSpPr>
+        <p:spPr>
+          <a:xfrm>
+            <a:off x="276171" y="3547533"/>
+            <a:ext cx="4185761" cy="461665"/>
+          </a:xfrm>
+          <a:prstGeom prst="rect">
+            <a:avLst/>
+          </a:prstGeom>
+          <a:noFill/>
+        </p:spPr>
+        <p:txBody>
+          <a:bodyPr wrap="none" rtlCol="0">
+            <a:spAutoFit/>
+          </a:bodyPr>
+          <a:lstStyle/>
+          <a:p>
+            <a:r>
+              <a:rPr lang="zh-CN" altLang="en-US" sz="2400" b="1" dirty="0" smtClean="0"/>
+              <a:t>让爱好回归乐趣，不为钱折腰</a:t>
+            </a:r>
+          </a:p>
+        </p:txBody>
+      </p:sp>
+      <p:sp>
+        <p:nvSpPr>
+          <p:cNvPr id="15" name="TextBox 14"/>
+          <p:cNvSpPr txBox="1"/>
+          <p:nvPr/>
+        </p:nvSpPr>
+        <p:spPr>
+          <a:xfrm>
+            <a:off x="279398" y="4292602"/>
+            <a:ext cx="4185761" cy="461665"/>
+          </a:xfrm>
+          <a:prstGeom prst="rect">
+            <a:avLst/>
+          </a:prstGeom>
+          <a:noFill/>
+        </p:spPr>
+        <p:txBody>
+          <a:bodyPr wrap="none" rtlCol="0">
+            <a:spAutoFit/>
+          </a:bodyPr>
+          <a:lstStyle/>
+          <a:p>
+            <a:r>
+              <a:rPr lang="zh-CN" altLang="en-US" sz="2400" b="1" dirty="0" smtClean="0"/>
+              <a:t>让感情回归纯粹，不为钱所累</a:t>
+            </a:r>
+          </a:p>
+        </p:txBody>
+      </p:sp>
+      <p:sp>
+        <p:nvSpPr>
+          <p:cNvPr id="16" name="TextBox 15"/>
+          <p:cNvSpPr txBox="1"/>
+          <p:nvPr/>
+        </p:nvSpPr>
+        <p:spPr>
+          <a:xfrm>
+            <a:off x="330199" y="5105401"/>
             <a:ext cx="2954655" cy="461665"/>
           </a:xfrm>
           <a:prstGeom prst="rect">
@@ -21334,138 +21988,6 @@
               <a:t>活成自己喜欢的样子</a:t>
             </a:r>
             <a:endParaRPr lang="zh-CN" altLang="en-US" sz="2400" b="1" dirty="0"/>
-          </a:p>
-        </p:txBody>
-      </p:sp>
-      <p:sp>
-        <p:nvSpPr>
-          <p:cNvPr id="9" name="TextBox 8"/>
-          <p:cNvSpPr txBox="1"/>
-          <p:nvPr/>
-        </p:nvSpPr>
-        <p:spPr>
-          <a:xfrm>
-            <a:off x="7687732" y="5774266"/>
-            <a:ext cx="4185761" cy="461665"/>
-          </a:xfrm>
-          <a:prstGeom prst="rect">
-            <a:avLst/>
-          </a:prstGeom>
-          <a:noFill/>
-        </p:spPr>
-        <p:txBody>
-          <a:bodyPr wrap="none" rtlCol="0">
-            <a:spAutoFit/>
-          </a:bodyPr>
-          <a:lstStyle/>
-          <a:p>
-            <a:r>
-              <a:rPr lang="zh-CN" altLang="en-US" sz="2400" b="1" dirty="0" smtClean="0"/>
-              <a:t>让消费回归享受，不为钱所苦</a:t>
-            </a:r>
-          </a:p>
-        </p:txBody>
-      </p:sp>
-      <p:sp>
-        <p:nvSpPr>
-          <p:cNvPr id="10" name="TextBox 9"/>
-          <p:cNvSpPr txBox="1"/>
-          <p:nvPr/>
-        </p:nvSpPr>
-        <p:spPr>
-          <a:xfrm>
-            <a:off x="7667571" y="5147733"/>
-            <a:ext cx="4185761" cy="461665"/>
-          </a:xfrm>
-          <a:prstGeom prst="rect">
-            <a:avLst/>
-          </a:prstGeom>
-          <a:noFill/>
-        </p:spPr>
-        <p:txBody>
-          <a:bodyPr wrap="none" rtlCol="0">
-            <a:spAutoFit/>
-          </a:bodyPr>
-          <a:lstStyle/>
-          <a:p>
-            <a:r>
-              <a:rPr lang="zh-CN" altLang="en-US" sz="2400" b="1" dirty="0" smtClean="0"/>
-              <a:t>让爱好回归乐趣，不为钱折腰</a:t>
-            </a:r>
-          </a:p>
-        </p:txBody>
-      </p:sp>
-      <p:sp>
-        <p:nvSpPr>
-          <p:cNvPr id="11" name="TextBox 10"/>
-          <p:cNvSpPr txBox="1"/>
-          <p:nvPr/>
-        </p:nvSpPr>
-        <p:spPr>
-          <a:xfrm>
-            <a:off x="812798" y="5080002"/>
-            <a:ext cx="4185761" cy="461665"/>
-          </a:xfrm>
-          <a:prstGeom prst="rect">
-            <a:avLst/>
-          </a:prstGeom>
-          <a:noFill/>
-        </p:spPr>
-        <p:txBody>
-          <a:bodyPr wrap="none" rtlCol="0">
-            <a:spAutoFit/>
-          </a:bodyPr>
-          <a:lstStyle/>
-          <a:p>
-            <a:r>
-              <a:rPr lang="zh-CN" altLang="en-US" sz="2400" b="1" dirty="0" smtClean="0"/>
-              <a:t>让感情回归纯粹，不为钱所累</a:t>
-            </a:r>
-          </a:p>
-        </p:txBody>
-      </p:sp>
-      <p:sp>
-        <p:nvSpPr>
-          <p:cNvPr id="12" name="TextBox 11"/>
-          <p:cNvSpPr txBox="1"/>
-          <p:nvPr/>
-        </p:nvSpPr>
-        <p:spPr>
-          <a:xfrm>
-            <a:off x="690360" y="1814473"/>
-            <a:ext cx="10871199" cy="1938992"/>
-          </a:xfrm>
-          <a:prstGeom prst="rect">
-            <a:avLst/>
-          </a:prstGeom>
-          <a:noFill/>
-          <a:ln>
-            <a:solidFill>
-              <a:srgbClr val="3399FF"/>
-            </a:solidFill>
-          </a:ln>
-        </p:spPr>
-        <p:txBody>
-          <a:bodyPr wrap="square" rtlCol="0">
-            <a:spAutoFit/>
-          </a:bodyPr>
-          <a:lstStyle/>
-          <a:p>
-            <a:r>
-              <a:rPr lang="zh-CN" altLang="en-US" sz="2400" dirty="0" smtClean="0"/>
-              <a:t>一个风和日丽的早上，在美丽的海滩上，渔夫在懒洋洋晒太阳，旁边的一位正在度假的富翁问：你为什么不趁天气好去捕鱼，赚更多的钱呢？赚到了钱就可以做自己喜欢做的事情和享受生活。</a:t>
-            </a:r>
-            <a:endParaRPr lang="en-US" altLang="zh-CN" sz="2400" dirty="0" smtClean="0"/>
-          </a:p>
-          <a:p>
-            <a:endParaRPr lang="en-US" altLang="zh-CN" sz="2400" dirty="0" smtClean="0"/>
-          </a:p>
-          <a:p>
-            <a:r>
-              <a:rPr lang="zh-CN" altLang="en-US" sz="2400" dirty="0" smtClean="0"/>
-              <a:t>渔夫：我现在就在做喜欢的事情和享受生活。</a:t>
-            </a:r>
-            <a:endParaRPr lang="zh-CN" altLang="en-US" sz="2400" dirty="0"/>
           </a:p>
         </p:txBody>
       </p:sp>

--- a/专题研究/晨会主题/201904财务自由.pptx
+++ b/专题研究/晨会主题/201904财务自由.pptx
@@ -1,28 +1,28 @@
 
 <file path=ppt/presentation.xml><?xml version="1.0" encoding="utf-8"?>
-<p:presentation xmlns:a="http://schemas.openxmlformats.org/drawingml/2006/main" xmlns:r="http://schemas.openxmlformats.org/officeDocument/2006/relationships" xmlns:p="http://schemas.openxmlformats.org/presentationml/2006/main" saveSubsetFonts="1">
+<p:presentation xmlns:a="http://schemas.openxmlformats.org/drawingml/2006/main" xmlns:r="http://schemas.openxmlformats.org/officeDocument/2006/relationships" xmlns:p="http://schemas.openxmlformats.org/presentationml/2006/main">
   <p:sldMasterIdLst>
-    <p:sldMasterId id="2147483663" r:id="rId1"/>
+    <p:sldMasterId id="2147483648" r:id="rId1"/>
   </p:sldMasterIdLst>
   <p:notesMasterIdLst>
-    <p:notesMasterId r:id="rId17"/>
+    <p:notesMasterId r:id="rId4"/>
   </p:notesMasterIdLst>
   <p:sldIdLst>
-    <p:sldId id="2404" r:id="rId2"/>
-    <p:sldId id="256" r:id="rId3"/>
-    <p:sldId id="259" r:id="rId4"/>
-    <p:sldId id="2444" r:id="rId5"/>
-    <p:sldId id="2445" r:id="rId6"/>
-    <p:sldId id="2441" r:id="rId7"/>
-    <p:sldId id="2439" r:id="rId8"/>
-    <p:sldId id="2442" r:id="rId9"/>
-    <p:sldId id="2447" r:id="rId10"/>
-    <p:sldId id="2448" r:id="rId11"/>
-    <p:sldId id="2434" r:id="rId12"/>
-    <p:sldId id="2443" r:id="rId13"/>
-    <p:sldId id="2446" r:id="rId14"/>
-    <p:sldId id="2436" r:id="rId15"/>
-    <p:sldId id="2405" r:id="rId16"/>
+    <p:sldId id="2404" r:id="rId3"/>
+    <p:sldId id="256" r:id="rId5"/>
+    <p:sldId id="259" r:id="rId6"/>
+    <p:sldId id="2444" r:id="rId7"/>
+    <p:sldId id="2445" r:id="rId8"/>
+    <p:sldId id="2441" r:id="rId9"/>
+    <p:sldId id="2439" r:id="rId10"/>
+    <p:sldId id="2442" r:id="rId11"/>
+    <p:sldId id="2447" r:id="rId12"/>
+    <p:sldId id="2448" r:id="rId13"/>
+    <p:sldId id="2434" r:id="rId14"/>
+    <p:sldId id="2443" r:id="rId15"/>
+    <p:sldId id="2446" r:id="rId16"/>
+    <p:sldId id="2436" r:id="rId17"/>
+    <p:sldId id="2405" r:id="rId18"/>
   </p:sldIdLst>
   <p:sldSz cx="12192000" cy="6858000"/>
   <p:notesSz cx="6858000" cy="9144000"/>
@@ -123,7 +123,7 @@
   </p:defaultTextStyle>
   <p:extLst>
     <p:ext uri="{521415D9-36F7-43E2-AB2F-B90AF26B5E84}">
-      <p14:sectionLst xmlns="" xmlns:p14="http://schemas.microsoft.com/office/powerpoint/2010/main">
+      <p14:sectionLst xmlns:p14="http://schemas.microsoft.com/office/powerpoint/2010/main">
         <p14:section name="封面" id="{D7D87A2E-EAB7-4E0B-91AB-5997C8278163}">
           <p14:sldIdLst>
             <p14:sldId id="2404"/>
@@ -137,13 +137,21 @@
         <p14:section name="目录" id="{4F637FF1-F576-496A-BFA5-D256499DBC80}">
           <p14:sldIdLst>
             <p14:sldId id="259"/>
+            <p14:sldId id="2444"/>
+            <p14:sldId id="2445"/>
+            <p14:sldId id="2441"/>
+            <p14:sldId id="2439"/>
+            <p14:sldId id="2442"/>
+            <p14:sldId id="2447"/>
+            <p14:sldId id="2448"/>
+            <p14:sldId id="2434"/>
+            <p14:sldId id="2443"/>
+            <p14:sldId id="2446"/>
+            <p14:sldId id="2436"/>
           </p14:sldIdLst>
         </p14:section>
         <p14:section name="正文" id="{E85E467A-5CE7-4931-AD29-ECA2C61C1782}">
-          <p14:sldIdLst>
-            <p14:sldId id="2401"/>
-            <p14:sldId id="2403"/>
-          </p14:sldIdLst>
+          <p14:sldIdLst/>
         </p14:section>
         <p14:section name="封底" id="{30741261-DF8D-4D4F-A968-7F50FE8A8449}">
           <p14:sldIdLst>
@@ -151,33 +159,9 @@
           </p14:sldIdLst>
         </p14:section>
         <p14:section name="图标" id="{F91E3116-4C59-4DF9-991E-8E9736614E96}">
-          <p14:sldIdLst>
-            <p14:sldId id="2400"/>
-            <p14:sldId id="2429"/>
-            <p14:sldId id="328"/>
-            <p14:sldId id="329"/>
-          </p14:sldIdLst>
+          <p14:sldIdLst/>
         </p14:section>
       </p14:sectionLst>
-    </p:ext>
-    <p:ext uri="{EFAFB233-063F-42B5-8137-9DF3F51BA10A}">
-      <p15:sldGuideLst xmlns="" xmlns:p15="http://schemas.microsoft.com/office/powerpoint/2012/main">
-        <p15:guide id="2" pos="3840" userDrawn="1">
-          <p15:clr>
-            <a:srgbClr val="A4A3A4"/>
-          </p15:clr>
-        </p15:guide>
-        <p15:guide id="3" orient="horz" pos="2795" userDrawn="1">
-          <p15:clr>
-            <a:srgbClr val="A4A3A4"/>
-          </p15:clr>
-        </p15:guide>
-        <p15:guide id="5" orient="horz" pos="799" userDrawn="1">
-          <p15:clr>
-            <a:srgbClr val="A4A3A4"/>
-          </p15:clr>
-        </p15:guide>
-      </p15:sldGuideLst>
     </p:ext>
   </p:extLst>
 </p:presentation>
@@ -265,8 +249,6 @@
           <a:p>
             <a:fld id="{B0728DFB-0508-4D26-AE5C-71BF0E2783C5}" type="datetimeFigureOut">
               <a:rPr lang="zh-CN" altLang="en-US" smtClean="0"/>
-              <a:pPr/>
-              <a:t>2019/4/29</a:t>
             </a:fld>
             <a:endParaRPr lang="zh-CN" altLang="en-US"/>
           </a:p>
@@ -333,6 +315,7 @@
               <a:rPr lang="zh-CN" altLang="en-US"/>
               <a:t>编辑母版文本样式</a:t>
             </a:r>
+            <a:endParaRPr lang="zh-CN" altLang="en-US"/>
           </a:p>
           <a:p>
             <a:pPr lvl="1"/>
@@ -340,6 +323,7 @@
               <a:rPr lang="zh-CN" altLang="en-US"/>
               <a:t>第二级</a:t>
             </a:r>
+            <a:endParaRPr lang="zh-CN" altLang="en-US"/>
           </a:p>
           <a:p>
             <a:pPr lvl="2"/>
@@ -347,6 +331,7 @@
               <a:rPr lang="zh-CN" altLang="en-US"/>
               <a:t>第三级</a:t>
             </a:r>
+            <a:endParaRPr lang="zh-CN" altLang="en-US"/>
           </a:p>
           <a:p>
             <a:pPr lvl="3"/>
@@ -354,6 +339,7 @@
               <a:rPr lang="zh-CN" altLang="en-US"/>
               <a:t>第四级</a:t>
             </a:r>
+            <a:endParaRPr lang="zh-CN" altLang="en-US"/>
           </a:p>
           <a:p>
             <a:pPr lvl="4"/>
@@ -361,6 +347,7 @@
               <a:rPr lang="zh-CN" altLang="en-US"/>
               <a:t>第五级</a:t>
             </a:r>
+            <a:endParaRPr lang="zh-CN" altLang="en-US"/>
           </a:p>
         </p:txBody>
       </p:sp>
@@ -424,19 +411,12 @@
           <a:p>
             <a:fld id="{A82FCF1A-DE1D-4A03-B432-41B70649DC02}" type="slidenum">
               <a:rPr lang="zh-CN" altLang="en-US" smtClean="0"/>
-              <a:pPr/>
-              <a:t>‹#›</a:t>
             </a:fld>
             <a:endParaRPr lang="zh-CN" altLang="en-US"/>
           </a:p>
         </p:txBody>
       </p:sp>
     </p:spTree>
-    <p:extLst>
-      <p:ext uri="{BB962C8B-B14F-4D97-AF65-F5344CB8AC3E}">
-        <p14:creationId xmlns="" xmlns:p14="http://schemas.microsoft.com/office/powerpoint/2010/main" val="3786332847"/>
-      </p:ext>
-    </p:extLst>
   </p:cSld>
   <p:clrMap bg1="lt1" tx1="dk1" bg2="lt2" tx2="dk2" accent1="accent1" accent2="accent2" accent3="accent3" accent4="accent4" accent5="accent5" accent6="accent6" hlink="hlink" folHlink="folHlink"/>
   <p:notesStyle>
@@ -636,8 +616,6 @@
           <a:p>
             <a:fld id="{A82FCF1A-DE1D-4A03-B432-41B70649DC02}" type="slidenum">
               <a:rPr lang="zh-CN" altLang="en-US" smtClean="0"/>
-              <a:pPr/>
-              <a:t>1</a:t>
             </a:fld>
             <a:endParaRPr lang="zh-CN" altLang="en-US"/>
           </a:p>
@@ -711,7 +689,6 @@
               <a:buSzTx/>
               <a:buFontTx/>
               <a:buNone/>
-              <a:tabLst/>
               <a:defRPr/>
             </a:pPr>
             <a:r>
@@ -720,20 +697,9 @@
             </a:r>
             <a:r>
               <a:rPr lang="zh-CN" altLang="en-US" dirty="0" smtClean="0"/>
-              <a:t>、一千个读者有一千个哈姆雷特。</a:t>
-            </a:r>
-            <a:r>
-              <a:rPr lang="zh-CN" altLang="en-US" sz="1200" b="1" i="0" kern="1200" dirty="0" smtClean="0">
-                <a:solidFill>
-                  <a:schemeClr val="tx1"/>
-                </a:solidFill>
-                <a:latin typeface="+mn-lt"/>
-                <a:ea typeface="+mn-ea"/>
-                <a:cs typeface="+mn-cs"/>
-              </a:rPr>
-              <a:t>听过很多道理却仍过不好这一生？</a:t>
-            </a:r>
-            <a:endParaRPr lang="en-US" altLang="zh-CN" dirty="0" smtClean="0"/>
+              <a:t>、一千个读者有一千个哈姆雷特。你可能会为渔夫担忧，你可能会觉得富翁过分最求财富而失去享受。但，他们两个人正是在关于财务自由的解答。</a:t>
+            </a:r>
+            <a:endParaRPr lang="zh-CN" altLang="en-US" dirty="0" smtClean="0"/>
           </a:p>
           <a:p>
             <a:pPr marL="0" marR="0" indent="0" algn="l" defTabSz="914400" rtl="0" eaLnBrk="1" fontAlgn="auto" latinLnBrk="0" hangingPunct="1">
@@ -750,7 +716,6 @@
               <a:buSzTx/>
               <a:buFontTx/>
               <a:buNone/>
-              <a:tabLst/>
               <a:defRPr/>
             </a:pPr>
             <a:r>
@@ -822,7 +787,6 @@
               <a:buSzTx/>
               <a:buFontTx/>
               <a:buNone/>
-              <a:tabLst/>
               <a:defRPr/>
             </a:pPr>
             <a:r>
@@ -858,7 +822,47 @@
               </a:rPr>
               <a:t> 都描述一下</a:t>
             </a:r>
-            <a:endParaRPr lang="en-US" altLang="zh-CN" dirty="0" smtClean="0"/>
+            <a:endParaRPr lang="zh-CN" altLang="en-US" sz="1200" b="0" i="0" kern="1200" baseline="0" dirty="0" smtClean="0">
+              <a:solidFill>
+                <a:schemeClr val="tx1"/>
+              </a:solidFill>
+              <a:latin typeface="+mn-lt"/>
+              <a:ea typeface="+mn-ea"/>
+              <a:cs typeface="+mn-cs"/>
+            </a:endParaRPr>
+          </a:p>
+          <a:p>
+            <a:pPr marL="0" marR="0" indent="0" algn="l" defTabSz="914400" rtl="0" eaLnBrk="1" fontAlgn="auto" latinLnBrk="0" hangingPunct="1">
+              <a:lnSpc>
+                <a:spcPct val="100000"/>
+              </a:lnSpc>
+              <a:spcBef>
+                <a:spcPts val="0"/>
+              </a:spcBef>
+              <a:spcAft>
+                <a:spcPts val="0"/>
+              </a:spcAft>
+              <a:buClrTx/>
+              <a:buSzTx/>
+              <a:buFontTx/>
+              <a:buNone/>
+              <a:defRPr/>
+            </a:pPr>
+            <a:r>
+              <a:rPr lang="en-US" altLang="zh-CN" dirty="0" smtClean="0"/>
+              <a:t>4</a:t>
+            </a:r>
+            <a:r>
+              <a:rPr lang="zh-CN" altLang="en-US" dirty="0" smtClean="0"/>
+              <a:t>、</a:t>
+            </a:r>
+            <a:r>
+              <a:rPr lang="zh-CN" altLang="en-US" b="1" dirty="0" smtClean="0">
+                <a:sym typeface="+mn-ea"/>
+              </a:rPr>
+              <a:t>听过很多道理，却仍过不好这一生？财务自由都懂，但，怎么实现财务自由？</a:t>
+            </a:r>
+            <a:endParaRPr lang="zh-CN" altLang="en-US" dirty="0" smtClean="0"/>
           </a:p>
         </p:txBody>
       </p:sp>
@@ -879,8 +883,6 @@
           <a:p>
             <a:fld id="{A82FCF1A-DE1D-4A03-B432-41B70649DC02}" type="slidenum">
               <a:rPr lang="zh-CN" altLang="en-US" smtClean="0"/>
-              <a:pPr/>
-              <a:t>10</a:t>
             </a:fld>
             <a:endParaRPr lang="zh-CN" altLang="en-US"/>
           </a:p>
@@ -1050,6 +1052,14 @@
               </a:rPr>
               <a:t>、在自己收入不高，财产不够丰厚的时候，适当的经营自己，规划配置资产，尽可能的减少对未来不确定性的恐惧，才能更好的享受生活，接近财务自由。财务自由并没有硬性规定，只是它能让你有多少选择，你就有多大的财务自由。中午可以选择吃十元的盒饭还是十五的盖饭，这也是一种财务自由。我们都在这个世界的泥土里奋力腾挪，给自己创造更大的喘息空间。</a:t>
             </a:r>
+            <a:endParaRPr lang="zh-CN" altLang="en-US" sz="1200" b="0" i="0" kern="1200" dirty="0" smtClean="0">
+              <a:solidFill>
+                <a:schemeClr val="tx1"/>
+              </a:solidFill>
+              <a:latin typeface="+mn-lt"/>
+              <a:ea typeface="+mn-ea"/>
+              <a:cs typeface="+mn-cs"/>
+            </a:endParaRPr>
           </a:p>
           <a:p>
             <a:r>
@@ -1151,6 +1161,14 @@
               </a:rPr>
               <a:t>时说：</a:t>
             </a:r>
+            <a:endParaRPr lang="zh-CN" altLang="en-US" sz="1200" b="0" i="0" kern="1200" dirty="0" smtClean="0">
+              <a:solidFill>
+                <a:schemeClr val="tx1"/>
+              </a:solidFill>
+              <a:latin typeface="+mn-lt"/>
+              <a:ea typeface="+mn-ea"/>
+              <a:cs typeface="+mn-cs"/>
+            </a:endParaRPr>
           </a:p>
           <a:p>
             <a:r>
@@ -1273,6 +1291,14 @@
               </a:rPr>
               <a:t>而在软件开发的职业里面，一个好的老大，比一个好的职位重要。当你寻找到一个上司是亦师亦友的时候，他帮助你在人生和职业里面成长。</a:t>
             </a:r>
+            <a:endParaRPr lang="zh-CN" altLang="en-US" sz="1200" b="0" i="0" kern="1200" dirty="0" smtClean="0">
+              <a:solidFill>
+                <a:schemeClr val="tx1"/>
+              </a:solidFill>
+              <a:latin typeface="+mn-lt"/>
+              <a:ea typeface="+mn-ea"/>
+              <a:cs typeface="+mn-cs"/>
+            </a:endParaRPr>
           </a:p>
           <a:p>
             <a:r>
@@ -1300,8 +1326,6 @@
           <a:p>
             <a:fld id="{A82FCF1A-DE1D-4A03-B432-41B70649DC02}" type="slidenum">
               <a:rPr lang="zh-CN" altLang="en-US" smtClean="0"/>
-              <a:pPr/>
-              <a:t>11</a:t>
             </a:fld>
             <a:endParaRPr lang="zh-CN" altLang="en-US"/>
           </a:p>
@@ -1377,6 +1401,14 @@
               </a:rPr>
               <a:t>所以如何理财，如何投资，是实现财务自由的第一要素。</a:t>
             </a:r>
+            <a:endParaRPr lang="zh-CN" altLang="en-US" sz="1200" b="0" i="0" kern="1200" dirty="0" smtClean="0">
+              <a:solidFill>
+                <a:schemeClr val="tx1"/>
+              </a:solidFill>
+              <a:latin typeface="+mn-lt"/>
+              <a:ea typeface="+mn-ea"/>
+              <a:cs typeface="+mn-cs"/>
+            </a:endParaRPr>
           </a:p>
           <a:p>
             <a:r>
@@ -1390,6 +1422,14 @@
               </a:rPr>
               <a:t>我们首先要做的，是认识自己的收入，然后计划开支，同时给出一定份额的储蓄用来投资。运营分配自身的资产，可以在获得巨大成就感的同时，对自身能力和抗风险能力有足够清晰的认识，这些都是实现财务自由的先决条件。</a:t>
             </a:r>
+            <a:endParaRPr lang="zh-CN" altLang="en-US" sz="1200" b="0" i="0" kern="1200" dirty="0" smtClean="0">
+              <a:solidFill>
+                <a:schemeClr val="tx1"/>
+              </a:solidFill>
+              <a:latin typeface="+mn-lt"/>
+              <a:ea typeface="+mn-ea"/>
+              <a:cs typeface="+mn-cs"/>
+            </a:endParaRPr>
           </a:p>
           <a:p>
             <a:r>
@@ -1403,6 +1443,14 @@
               </a:rPr>
               <a:t>而投资可选的余地就有许多，但不建议年轻人在拥有一定资本前就去投资风险高收益高的产品，如股票、基金、私募等，这极容易产生赌博心理，对自制力不强或还在整理自身资产初期的人群造成经济崩盘，财务自由彻底成为美梦。</a:t>
             </a:r>
+            <a:endParaRPr lang="zh-CN" altLang="en-US" sz="1200" b="0" i="0" kern="1200" dirty="0" smtClean="0">
+              <a:solidFill>
+                <a:schemeClr val="tx1"/>
+              </a:solidFill>
+              <a:latin typeface="+mn-lt"/>
+              <a:ea typeface="+mn-ea"/>
+              <a:cs typeface="+mn-cs"/>
+            </a:endParaRPr>
           </a:p>
           <a:p>
             <a:r>
@@ -1438,6 +1486,14 @@
               </a:rPr>
               <a:t>平台收益最高。分篮子投蛋，计算收益比，这都能让自身对经济的把控能力上几个台阶。</a:t>
             </a:r>
+            <a:endParaRPr lang="zh-CN" altLang="en-US" sz="1200" b="0" i="0" kern="1200" dirty="0" smtClean="0">
+              <a:solidFill>
+                <a:schemeClr val="tx1"/>
+              </a:solidFill>
+              <a:latin typeface="+mn-lt"/>
+              <a:ea typeface="+mn-ea"/>
+              <a:cs typeface="+mn-cs"/>
+            </a:endParaRPr>
           </a:p>
           <a:p>
             <a:r>
@@ -1451,6 +1507,14 @@
               </a:rPr>
               <a:t>但千万要记住，无论何种投资，都必须给自己存下至少一个季度的应急款项，这份钱可以放在余额宝，可以放在银行，这笔钱的意义在于投资风险发生后，自己还有至少一个季度的时间可以继续积累，而不会堕入负资产漩涡。这份安全感非常重要。</a:t>
             </a:r>
+            <a:endParaRPr lang="zh-CN" altLang="en-US" sz="1200" b="0" i="0" kern="1200" dirty="0" smtClean="0">
+              <a:solidFill>
+                <a:schemeClr val="tx1"/>
+              </a:solidFill>
+              <a:latin typeface="+mn-lt"/>
+              <a:ea typeface="+mn-ea"/>
+              <a:cs typeface="+mn-cs"/>
+            </a:endParaRPr>
           </a:p>
           <a:p>
             <a:r>
@@ -1464,6 +1528,14 @@
               </a:rPr>
               <a:t>开源和节流并进，在积累投资经验的同时，积累自身原始资本，一步步扩大自身投资比例，多项多种投资，逐步可以依靠理财的钱解决生活成本，缓慢配置自身所需，从而实现自身的财务自由。</a:t>
             </a:r>
+            <a:endParaRPr lang="zh-CN" altLang="en-US" sz="1200" b="0" i="0" kern="1200" dirty="0" smtClean="0">
+              <a:solidFill>
+                <a:schemeClr val="tx1"/>
+              </a:solidFill>
+              <a:latin typeface="+mn-lt"/>
+              <a:ea typeface="+mn-ea"/>
+              <a:cs typeface="+mn-cs"/>
+            </a:endParaRPr>
           </a:p>
         </p:txBody>
       </p:sp>
@@ -1484,8 +1556,6 @@
           <a:p>
             <a:fld id="{A82FCF1A-DE1D-4A03-B432-41B70649DC02}" type="slidenum">
               <a:rPr lang="zh-CN" altLang="en-US" smtClean="0"/>
-              <a:pPr/>
-              <a:t>12</a:t>
             </a:fld>
             <a:endParaRPr lang="zh-CN" altLang="en-US"/>
           </a:p>
@@ -1768,6 +1838,14 @@
               </a:rPr>
               <a:t>，今天的人们，看着物质基础的同时，也更看重精神层面的滋养。</a:t>
             </a:r>
+            <a:endParaRPr lang="zh-CN" altLang="en-US" sz="1200" b="0" i="0" kern="1200" dirty="0" smtClean="0">
+              <a:solidFill>
+                <a:schemeClr val="tx1"/>
+              </a:solidFill>
+              <a:latin typeface="+mn-lt"/>
+              <a:ea typeface="+mn-ea"/>
+              <a:cs typeface="+mn-cs"/>
+            </a:endParaRPr>
           </a:p>
           <a:p>
             <a:r>
@@ -1868,6 +1946,14 @@
               </a:rPr>
               <a:t>。一份无法带来价值感的工作，你可能可以做一段时间，但无法坚持，更无法深入。每一个人在一开始的时候，都不可能幸运地找到自己终其一生要从事的事业，这需要慢慢摸索。但这摸索是必要的。如果你做一份自己丝毫不感兴趣的工作，你不仅会变得憋屈，而且经常自我贬低自己。</a:t>
             </a:r>
+            <a:endParaRPr lang="zh-CN" altLang="en-US" sz="1200" b="0" i="0" kern="1200" dirty="0" smtClean="0">
+              <a:solidFill>
+                <a:schemeClr val="tx1"/>
+              </a:solidFill>
+              <a:latin typeface="+mn-lt"/>
+              <a:ea typeface="+mn-ea"/>
+              <a:cs typeface="+mn-cs"/>
+            </a:endParaRPr>
           </a:p>
           <a:p>
             <a:endParaRPr lang="zh-CN" altLang="en-US" sz="1200" b="0" i="0" kern="1200" dirty="0" smtClean="0">
@@ -1898,8 +1984,6 @@
           <a:p>
             <a:fld id="{A82FCF1A-DE1D-4A03-B432-41B70649DC02}" type="slidenum">
               <a:rPr lang="zh-CN" altLang="en-US" smtClean="0"/>
-              <a:pPr/>
-              <a:t>13</a:t>
             </a:fld>
             <a:endParaRPr lang="zh-CN" altLang="en-US"/>
           </a:p>
@@ -2143,39 +2227,6 @@
             </a:endParaRPr>
           </a:p>
           <a:p>
-            <a:r>
-              <a:rPr lang="en-US" altLang="zh-CN" sz="1200" b="0" i="0" kern="1200" dirty="0" smtClean="0">
-                <a:solidFill>
-                  <a:schemeClr val="tx1"/>
-                </a:solidFill>
-                <a:latin typeface="+mn-lt"/>
-                <a:ea typeface="+mn-ea"/>
-                <a:cs typeface="+mn-cs"/>
-              </a:rPr>
-              <a:t>2</a:t>
-            </a:r>
-            <a:r>
-              <a:rPr lang="zh-CN" altLang="en-US" sz="1200" b="0" i="0" kern="1200" dirty="0" smtClean="0">
-                <a:solidFill>
-                  <a:schemeClr val="tx1"/>
-                </a:solidFill>
-                <a:latin typeface="+mn-lt"/>
-                <a:ea typeface="+mn-ea"/>
-                <a:cs typeface="+mn-cs"/>
-              </a:rPr>
-              <a:t>、</a:t>
-            </a:r>
-            <a:r>
-              <a:rPr lang="zh-CN" altLang="en-US" sz="1200" b="1" i="0" kern="1200" dirty="0" smtClean="0">
-                <a:solidFill>
-                  <a:schemeClr val="tx1"/>
-                </a:solidFill>
-                <a:latin typeface="+mn-lt"/>
-                <a:ea typeface="+mn-ea"/>
-                <a:cs typeface="+mn-cs"/>
-              </a:rPr>
-              <a:t>我知道我要成为什么人，然后不断暗示自己，并坚定地走下去。</a:t>
-            </a:r>
             <a:endParaRPr lang="en-US" altLang="zh-CN" sz="1200" b="0" i="0" kern="1200" dirty="0" smtClean="0">
               <a:solidFill>
                 <a:schemeClr val="tx1"/>
@@ -2214,8 +2265,6 @@
           <a:p>
             <a:fld id="{A82FCF1A-DE1D-4A03-B432-41B70649DC02}" type="slidenum">
               <a:rPr lang="zh-CN" altLang="en-US" smtClean="0"/>
-              <a:pPr/>
-              <a:t>14</a:t>
             </a:fld>
             <a:endParaRPr lang="zh-CN" altLang="en-US"/>
           </a:p>
@@ -2292,7 +2341,6 @@
               <a:buSzTx/>
               <a:buFontTx/>
               <a:buNone/>
-              <a:tabLst/>
               <a:defRPr/>
             </a:pPr>
             <a:r>
@@ -2336,7 +2384,6 @@
               <a:buSzTx/>
               <a:buFontTx/>
               <a:buNone/>
-              <a:tabLst/>
               <a:defRPr/>
             </a:pPr>
             <a:r>
@@ -2455,7 +2502,6 @@
               <a:buSzTx/>
               <a:buFontTx/>
               <a:buNone/>
-              <a:tabLst/>
               <a:defRPr/>
             </a:pPr>
             <a:r>
@@ -2483,7 +2529,6 @@
               <a:buSzTx/>
               <a:buFontTx/>
               <a:buNone/>
-              <a:tabLst/>
               <a:defRPr/>
             </a:pPr>
             <a:endParaRPr lang="zh-CN" altLang="en-US" b="1" dirty="0" smtClean="0">
@@ -2516,19 +2561,12 @@
           <a:p>
             <a:fld id="{1AE7DF64-77F5-43D3-8E92-386811FA98C8}" type="slidenum">
               <a:rPr lang="zh-CN" altLang="en-US" smtClean="0"/>
-              <a:pPr/>
-              <a:t>2</a:t>
             </a:fld>
             <a:endParaRPr lang="zh-CN" altLang="en-US"/>
           </a:p>
         </p:txBody>
       </p:sp>
     </p:spTree>
-    <p:extLst>
-      <p:ext uri="{BB962C8B-B14F-4D97-AF65-F5344CB8AC3E}">
-        <p14:creationId xmlns="" xmlns:p14="http://schemas.microsoft.com/office/powerpoint/2010/main" val="1012520732"/>
-      </p:ext>
-    </p:extLst>
   </p:cSld>
   <p:clrMapOvr>
     <a:masterClrMapping/>
@@ -2607,8 +2645,6 @@
           <a:p>
             <a:fld id="{A82FCF1A-DE1D-4A03-B432-41B70649DC02}" type="slidenum">
               <a:rPr lang="zh-CN" altLang="en-US" smtClean="0"/>
-              <a:pPr/>
-              <a:t>3</a:t>
             </a:fld>
             <a:endParaRPr lang="zh-CN" altLang="en-US"/>
           </a:p>
@@ -2687,7 +2723,6 @@
               <a:buSzTx/>
               <a:buFontTx/>
               <a:buNone/>
-              <a:tabLst/>
               <a:defRPr/>
             </a:pPr>
             <a:r>
@@ -2747,7 +2782,7 @@
                 <a:ea typeface="+mn-ea"/>
                 <a:cs typeface="+mn-cs"/>
               </a:rPr>
-              <a:t>）无疑是这个时代财富的模范代表。</a:t>
+              <a:t>）无疑是这个财富的模范代表。</a:t>
             </a:r>
             <a:endParaRPr lang="en-US" altLang="zh-CN" sz="1200" b="0" i="0" kern="1200" dirty="0" smtClean="0">
               <a:solidFill>
@@ -2773,7 +2808,6 @@
               <a:buSzTx/>
               <a:buFontTx/>
               <a:buNone/>
-              <a:tabLst/>
               <a:defRPr/>
             </a:pPr>
             <a:r>
@@ -2822,7 +2856,6 @@
               <a:buSzTx/>
               <a:buFontTx/>
               <a:buNone/>
-              <a:tabLst/>
               <a:defRPr/>
             </a:pPr>
             <a:r>
@@ -2896,8 +2929,6 @@
           <a:p>
             <a:fld id="{A82FCF1A-DE1D-4A03-B432-41B70649DC02}" type="slidenum">
               <a:rPr lang="zh-CN" altLang="en-US" smtClean="0"/>
-              <a:pPr/>
-              <a:t>4</a:t>
             </a:fld>
             <a:endParaRPr lang="zh-CN" altLang="en-US"/>
           </a:p>
@@ -2976,7 +3007,6 @@
               <a:buSzTx/>
               <a:buFontTx/>
               <a:buNone/>
-              <a:tabLst/>
               <a:defRPr/>
             </a:pPr>
             <a:r>
@@ -3011,34 +3041,10 @@
             </a:r>
             <a:r>
               <a:rPr lang="zh-CN" altLang="en-US" dirty="0" smtClean="0"/>
-              <a:t>等等，为维持一个体面的生活而努力着。如果你可以不必为钱而工作，那么，为什么工作呢？是为兴趣而工作，那你有幸在通往财务自由的路上迈出了重要的一步。</a:t>
-            </a:r>
-            <a:endParaRPr lang="zh-CN" altLang="zh-CN" dirty="0" smtClean="0">
-              <a:solidFill>
-                <a:schemeClr val="tx1">
-                  <a:lumMod val="75000"/>
-                  <a:lumOff val="25000"/>
-                </a:schemeClr>
-              </a:solidFill>
-              <a:latin typeface="微软雅黑" pitchFamily="34" charset="-122"/>
-              <a:ea typeface="微软雅黑" pitchFamily="34" charset="-122"/>
-            </a:endParaRPr>
-          </a:p>
-          <a:p>
-            <a:pPr fontAlgn="base">
-              <a:lnSpc>
-                <a:spcPct val="120000"/>
-              </a:lnSpc>
-              <a:spcBef>
-                <a:spcPct val="0"/>
-              </a:spcBef>
-              <a:spcAft>
-                <a:spcPct val="0"/>
-              </a:spcAft>
-              <a:defRPr/>
-            </a:pPr>
-            <a:r>
-              <a:rPr lang="en-US" altLang="zh-CN" sz="1200" b="0" i="0" kern="1200" dirty="0" smtClean="0">
+              <a:t>等等，为维持一个体面的生活而努力着。如果你可以不必为钱而工作，那么，为什么工作呢？是为兴趣而工作，那你有幸在通往财务自由的路上迈出了重要的一步。你的资产产生的收入，能够支持你在没有工作收入的情况下的体面生活，你有足够的勇气去做你想要做的工作。</a:t>
+            </a:r>
+            <a:r>
+              <a:rPr lang="zh-CN" altLang="en-US" sz="1200" b="0" i="0" kern="1200" dirty="0" smtClean="0">
                 <a:solidFill>
                   <a:schemeClr val="tx1"/>
                 </a:solidFill>
@@ -3046,18 +3052,7 @@
                 <a:ea typeface="+mn-ea"/>
                 <a:cs typeface="+mn-cs"/>
               </a:rPr>
-              <a:t>2</a:t>
-            </a:r>
-            <a:r>
-              <a:rPr lang="zh-CN" altLang="en-US" sz="1200" b="0" i="0" kern="1200" dirty="0" smtClean="0">
-                <a:solidFill>
-                  <a:schemeClr val="tx1"/>
-                </a:solidFill>
-                <a:latin typeface="+mn-lt"/>
-                <a:ea typeface="+mn-ea"/>
-                <a:cs typeface="+mn-cs"/>
-              </a:rPr>
-              <a:t>、比较重要的是不工作的时候保持财产性收入（即：房租、股票红利、债券利息）的净现金流入，使得你维持原有的生活。</a:t>
+              <a:t>比较重要的是不工作的时候保持财产性收入（即：房租、股票红利、债券利息）的净现金流入，使得你维持原有的生活。</a:t>
             </a:r>
             <a:r>
               <a:rPr lang="zh-CN" altLang="en-US" dirty="0" smtClean="0"/>
@@ -3087,7 +3082,7 @@
                 <a:ea typeface="+mn-ea"/>
                 <a:cs typeface="+mn-cs"/>
               </a:rPr>
-              <a:t>3</a:t>
+              <a:t>2</a:t>
             </a:r>
             <a:r>
               <a:rPr lang="zh-CN" altLang="en-US" sz="1200" b="0" i="0" kern="1200" dirty="0" smtClean="0">
@@ -3118,9 +3113,36 @@
             </a:r>
             <a:r>
               <a:rPr lang="zh-CN" altLang="en-US" dirty="0" smtClean="0"/>
-              <a:t>负债，如果你负债很高，可能你像万达的王先生一样，今天是首付，明天就是首负。</a:t>
-            </a:r>
-            <a:endParaRPr lang="zh-CN" altLang="zh-CN" dirty="0" smtClean="0"/>
+              <a:t>负债，如果你负债很高，可能你像万达的王先生一样，前一段时间是首富，后一段时间就是首负。</a:t>
+            </a:r>
+            <a:endParaRPr lang="zh-CN" altLang="en-US" dirty="0" smtClean="0"/>
+          </a:p>
+          <a:p>
+            <a:pPr fontAlgn="base">
+              <a:lnSpc>
+                <a:spcPct val="120000"/>
+              </a:lnSpc>
+              <a:spcBef>
+                <a:spcPct val="0"/>
+              </a:spcBef>
+              <a:spcAft>
+                <a:spcPct val="0"/>
+              </a:spcAft>
+              <a:defRPr/>
+            </a:pPr>
+            <a:r>
+              <a:rPr lang="en-US" altLang="zh-CN" dirty="0" smtClean="0"/>
+              <a:t>3</a:t>
+            </a:r>
+            <a:r>
+              <a:rPr lang="zh-CN" altLang="en-US" dirty="0" smtClean="0"/>
+              <a:t>、</a:t>
+            </a:r>
+            <a:r>
+              <a:rPr lang="zh-CN" altLang="en-US" dirty="0" smtClean="0"/>
+              <a:t>有的人可能拥有不少物业，但每个月下来收入的租金还不够覆盖银行的按揭供款，现金流是负数。像这样的资产在财务负债表上是一个“债务（liability)"，而不是一个真正意义上的“资产（asset)"。作为一个企业的股东也是一样，如果每年从这个企业分不到红利，而只是不断地追加投资，那这份股权也很可能是一个“liability”。当一项资产不能给你带来“净现金流”的时候，它很可能就是一个“债务（liability)”。这是一个知易行难的理财命题。</a:t>
+            </a:r>
+            <a:endParaRPr lang="zh-CN" altLang="en-US" dirty="0" smtClean="0"/>
           </a:p>
           <a:p>
             <a:r>
@@ -3144,6 +3166,38 @@
                 <a:cs typeface="+mn-cs"/>
               </a:rPr>
               <a:t>、其实想一下：人生不过百年，为什么要财务自由？在我认为，真正的原因，在于让你的时间是为自己而度过，而不是为下一顿饭而活着！，过上自己真实想要的生活；</a:t>
+            </a:r>
+            <a:endParaRPr lang="zh-CN" altLang="en-US" sz="1200" b="0" i="0" kern="1200" dirty="0" smtClean="0">
+              <a:solidFill>
+                <a:schemeClr val="tx1"/>
+              </a:solidFill>
+              <a:latin typeface="+mn-lt"/>
+              <a:ea typeface="+mn-ea"/>
+              <a:cs typeface="+mn-cs"/>
+            </a:endParaRPr>
+          </a:p>
+          <a:p>
+            <a:r>
+              <a:rPr lang="en-US" altLang="zh-CN" sz="1200" b="0" i="0" kern="1200" dirty="0" smtClean="0">
+                <a:solidFill>
+                  <a:schemeClr val="tx1"/>
+                </a:solidFill>
+                <a:latin typeface="+mn-lt"/>
+                <a:ea typeface="+mn-ea"/>
+                <a:cs typeface="+mn-cs"/>
+              </a:rPr>
+              <a:t>5</a:t>
+            </a:r>
+            <a:r>
+              <a:rPr lang="zh-CN" altLang="en-US" sz="1200" b="0" i="0" kern="1200" dirty="0" smtClean="0">
+                <a:solidFill>
+                  <a:schemeClr val="tx1"/>
+                </a:solidFill>
+                <a:latin typeface="+mn-lt"/>
+                <a:ea typeface="+mn-ea"/>
+                <a:cs typeface="+mn-cs"/>
+              </a:rPr>
+              <a:t>、财务自由如何计算呢？</a:t>
             </a:r>
             <a:endParaRPr lang="en-US" altLang="zh-CN" sz="1200" b="0" i="0" kern="1200" dirty="0" smtClean="0">
               <a:solidFill>
@@ -3203,8 +3257,6 @@
           <a:p>
             <a:fld id="{A82FCF1A-DE1D-4A03-B432-41B70649DC02}" type="slidenum">
               <a:rPr lang="zh-CN" altLang="en-US" smtClean="0"/>
-              <a:pPr/>
-              <a:t>5</a:t>
             </a:fld>
             <a:endParaRPr lang="zh-CN" altLang="en-US"/>
           </a:p>
@@ -3278,7 +3330,6 @@
               <a:buSzTx/>
               <a:buFontTx/>
               <a:buNone/>
-              <a:tabLst/>
               <a:defRPr/>
             </a:pPr>
             <a:r>
@@ -3297,7 +3348,7 @@
                     <a:lumOff val="25000"/>
                   </a:schemeClr>
                 </a:solidFill>
-                <a:latin typeface="微软雅黑" pitchFamily="34" charset="-122"/>
+                <a:latin typeface="微软雅黑" panose="020B0503020204020204" pitchFamily="34" charset="-122"/>
                 <a:ea typeface="微软雅黑" panose="020B0503020204020204" pitchFamily="34" charset="-122"/>
               </a:rPr>
               <a:t>被动收入</a:t>
@@ -3310,7 +3361,7 @@
                     <a:lumOff val="25000"/>
                   </a:schemeClr>
                 </a:solidFill>
-                <a:latin typeface="微软雅黑" pitchFamily="34" charset="-122"/>
+                <a:latin typeface="微软雅黑" panose="020B0503020204020204" pitchFamily="34" charset="-122"/>
                 <a:ea typeface="微软雅黑" panose="020B0503020204020204" pitchFamily="34" charset="-122"/>
               </a:rPr>
               <a:t>：不用花时间和精力而自动产生的收入，如房产租金，知识产权、银行利息等</a:t>
@@ -3323,7 +3374,7 @@
                     <a:lumOff val="25000"/>
                   </a:schemeClr>
                 </a:solidFill>
-                <a:latin typeface="微软雅黑" pitchFamily="34" charset="-122"/>
+                <a:latin typeface="微软雅黑" panose="020B0503020204020204" pitchFamily="34" charset="-122"/>
                 <a:ea typeface="微软雅黑" panose="020B0503020204020204" pitchFamily="34" charset="-122"/>
               </a:rPr>
               <a:t>。我思考了过：</a:t>
@@ -3378,7 +3429,6 @@
               <a:buSzTx/>
               <a:buFontTx/>
               <a:buNone/>
-              <a:tabLst/>
               <a:defRPr/>
             </a:pPr>
             <a:r>
@@ -3392,16 +3442,6 @@
               </a:rPr>
               <a:t>如果你每月的开支是一千元，且你能获得一千零一元无需劳心劳力干活所挣来的被动收入的话，那你就已经达到这种人人都羡慕的财务自由了。</a:t>
             </a:r>
-            <a:endParaRPr lang="en-US" altLang="zh-CN" sz="1200" kern="1200" dirty="0" smtClean="0">
-              <a:solidFill>
-                <a:schemeClr val="tx1"/>
-              </a:solidFill>
-              <a:latin typeface="+mn-lt"/>
-              <a:ea typeface="+mn-ea"/>
-              <a:cs typeface="+mn-cs"/>
-            </a:endParaRPr>
-          </a:p>
-          <a:p>
             <a:r>
               <a:rPr lang="zh-CN" altLang="en-US" sz="1200" b="0" i="0" kern="1200" dirty="0" smtClean="0">
                 <a:solidFill>
@@ -3561,8 +3601,6 @@
           <a:p>
             <a:fld id="{A82FCF1A-DE1D-4A03-B432-41B70649DC02}" type="slidenum">
               <a:rPr lang="zh-CN" altLang="en-US" smtClean="0"/>
-              <a:pPr/>
-              <a:t>6</a:t>
             </a:fld>
             <a:endParaRPr lang="zh-CN" altLang="en-US"/>
           </a:p>
@@ -3777,7 +3815,62 @@
                 <a:ea typeface="+mn-ea"/>
                 <a:cs typeface="+mn-cs"/>
               </a:rPr>
-              <a:t>、有一个话题：“逃离北上广深”。想想这么多年为了财务自由奋斗，在一线城市里面工作生活，却在追求财务自由的路上，失去了自由</a:t>
+              <a:t>、有一个话题：“逃离北上广深”。想想这么多年为了财务自由奋斗，在一线城市里面工作生活，却在追求财务自由的路上，失去了自由，</a:t>
+            </a:r>
+            <a:r>
+              <a:rPr lang="en-US" altLang="zh-CN" sz="1200" b="0" i="0" kern="1200" dirty="0" smtClean="0">
+                <a:solidFill>
+                  <a:schemeClr val="tx1"/>
+                </a:solidFill>
+                <a:latin typeface="+mn-lt"/>
+                <a:ea typeface="+mn-ea"/>
+                <a:cs typeface="+mn-cs"/>
+              </a:rPr>
+              <a:t>“</a:t>
+            </a:r>
+            <a:r>
+              <a:rPr lang="zh-CN" altLang="en-US" sz="1200" b="0" i="0" kern="1200" dirty="0" smtClean="0">
+                <a:solidFill>
+                  <a:schemeClr val="tx1"/>
+                </a:solidFill>
+                <a:latin typeface="+mn-lt"/>
+                <a:ea typeface="+mn-ea"/>
+                <a:cs typeface="+mn-cs"/>
+              </a:rPr>
+              <a:t>什么</a:t>
+            </a:r>
+            <a:r>
+              <a:rPr lang="en-US" altLang="zh-CN" sz="1200" b="0" i="0" kern="1200" dirty="0" smtClean="0">
+                <a:solidFill>
+                  <a:schemeClr val="tx1"/>
+                </a:solidFill>
+                <a:latin typeface="+mn-lt"/>
+                <a:ea typeface="+mn-ea"/>
+                <a:cs typeface="+mn-cs"/>
+              </a:rPr>
+              <a:t>996</a:t>
+            </a:r>
+            <a:r>
+              <a:rPr lang="zh-CN" altLang="en-US" sz="1200" b="0" i="0" kern="1200" dirty="0" smtClean="0">
+                <a:solidFill>
+                  <a:schemeClr val="tx1"/>
+                </a:solidFill>
+                <a:latin typeface="+mn-lt"/>
+                <a:ea typeface="+mn-ea"/>
+                <a:cs typeface="+mn-cs"/>
+              </a:rPr>
+              <a:t>啊，什么狼性文化啊</a:t>
+            </a:r>
+            <a:r>
+              <a:rPr lang="en-US" altLang="zh-CN" sz="1200" b="0" i="0" kern="1200" dirty="0" smtClean="0">
+                <a:solidFill>
+                  <a:schemeClr val="tx1"/>
+                </a:solidFill>
+                <a:latin typeface="+mn-lt"/>
+                <a:ea typeface="+mn-ea"/>
+                <a:cs typeface="+mn-cs"/>
+              </a:rPr>
+              <a:t>”</a:t>
             </a:r>
             <a:r>
               <a:rPr lang="en-US" altLang="zh-CN" sz="1200" b="0" i="0" kern="1200" dirty="0" smtClean="0">
@@ -3828,11 +3921,29 @@
                 <a:ea typeface="+mn-ea"/>
                 <a:cs typeface="+mn-cs"/>
               </a:rPr>
-              <a:t>这些年我也得到了两个“忆”，一个是失忆，另外一个是回忆。</a:t>
-            </a:r>
-            <a:r>
-              <a:rPr lang="zh-CN" altLang="en-US" dirty="0" smtClean="0"/>
-              <a:t/>
+              <a:t>这些年我也得到了两个“忆”，一个是失忆，另外一个是回忆。财务自由到底是不是钱多就可以了呢？如果是</a:t>
+            </a:r>
+            <a:r>
+              <a:rPr lang="en-US" altLang="zh-CN" sz="1200" b="0" i="0" kern="1200" dirty="0" smtClean="0">
+                <a:solidFill>
+                  <a:schemeClr val="tx1"/>
+                </a:solidFill>
+                <a:latin typeface="+mn-lt"/>
+                <a:ea typeface="+mn-ea"/>
+                <a:cs typeface="+mn-cs"/>
+              </a:rPr>
+              <a:t>,</a:t>
+            </a:r>
+            <a:r>
+              <a:rPr lang="zh-CN" altLang="en-US" sz="1200" b="0" i="0" kern="1200" dirty="0" smtClean="0">
+                <a:solidFill>
+                  <a:schemeClr val="tx1"/>
+                </a:solidFill>
+                <a:latin typeface="+mn-lt"/>
+                <a:ea typeface="+mn-ea"/>
+                <a:cs typeface="+mn-cs"/>
+              </a:rPr>
+              <a:t>那么需要多少钱？如果不是？它是一个关于什么的东西呢？</a:t>
             </a:r>
             <a:br>
               <a:rPr lang="zh-CN" altLang="en-US" dirty="0" smtClean="0"/>
@@ -3861,7 +3972,6 @@
               <a:buSzTx/>
               <a:buFontTx/>
               <a:buNone/>
-              <a:tabLst/>
               <a:defRPr/>
             </a:pPr>
             <a:endParaRPr lang="en-US" altLang="zh-CN" sz="1200" b="0" i="0" kern="1200" dirty="0" smtClean="0">
@@ -3892,8 +4002,6 @@
           <a:p>
             <a:fld id="{A82FCF1A-DE1D-4A03-B432-41B70649DC02}" type="slidenum">
               <a:rPr lang="zh-CN" altLang="en-US" smtClean="0"/>
-              <a:pPr/>
-              <a:t>7</a:t>
             </a:fld>
             <a:endParaRPr lang="zh-CN" altLang="en-US"/>
           </a:p>
@@ -3967,7 +4075,6 @@
               <a:buSzTx/>
               <a:buFontTx/>
               <a:buNone/>
-              <a:tabLst/>
               <a:defRPr/>
             </a:pPr>
             <a:r>
@@ -4001,6 +4108,17 @@
               <a:rPr lang="zh-CN" altLang="en-US" dirty="0" smtClean="0"/>
               <a:t>。当你需要养家糊口的时候，精神压力和生活压力也随之而来。</a:t>
             </a:r>
+            <a:endParaRPr lang="zh-CN" altLang="en-US" dirty="0" smtClean="0"/>
+          </a:p>
+          <a:p>
+            <a:r>
+              <a:rPr lang="en-US" altLang="zh-CN" dirty="0" smtClean="0"/>
+              <a:t>3</a:t>
+            </a:r>
+            <a:r>
+              <a:rPr lang="zh-CN" altLang="en-US" dirty="0" smtClean="0"/>
+              <a:t>、</a:t>
+            </a:r>
             <a:r>
               <a:rPr lang="zh-CN" altLang="en-US" sz="1200" b="0" i="0" kern="1200" dirty="0" smtClean="0">
                 <a:solidFill>
@@ -4010,32 +4128,13 @@
                 <a:ea typeface="+mn-ea"/>
                 <a:cs typeface="+mn-cs"/>
               </a:rPr>
-              <a:t>拿破仑曾经说过这样一句话： “有两个杠杆推动了社会的前进，一个是个人利益，另一个是恐惧。”，对利益的追求促进了人类社会向着更高层次发展，促进了社会财富的增长。对未来不确定的恐惧和担忧，推动我们努力获得足够的资源应对生活和未来。</a:t>
-            </a:r>
-            <a:endParaRPr lang="en-US" altLang="zh-CN" dirty="0" smtClean="0"/>
-          </a:p>
-          <a:p>
-            <a:r>
-              <a:rPr lang="en-US" altLang="zh-CN" sz="1200" b="0" i="0" kern="1200" dirty="0" smtClean="0">
-                <a:solidFill>
-                  <a:schemeClr val="tx1"/>
-                </a:solidFill>
-                <a:latin typeface="+mn-lt"/>
-                <a:ea typeface="+mn-ea"/>
-                <a:cs typeface="+mn-cs"/>
-              </a:rPr>
-              <a:t>3</a:t>
-            </a:r>
-            <a:r>
-              <a:rPr lang="zh-CN" altLang="en-US" sz="1200" b="0" i="0" kern="1200" dirty="0" smtClean="0">
-                <a:solidFill>
-                  <a:schemeClr val="tx1"/>
-                </a:solidFill>
-                <a:latin typeface="+mn-lt"/>
-                <a:ea typeface="+mn-ea"/>
-                <a:cs typeface="+mn-cs"/>
-              </a:rPr>
-              <a:t>、那时候我一直以为，财务自由最大的意义就是可以自由自在地去做各种喜欢的事情。其实。财务自由最大的意义，不是你可以去做你喜欢做的事情。财务自由，意味着你可以选择不做你不喜欢做的事情。</a:t>
+              <a:t>拿破仑曾经说过这样一句话： “有两个杠杆推动了社会的前进，一个是个人利益，另一个是恐惧。”，对利益的追求促进了人类社会向着更高层次发展，促进了社会财富的增长。对未来不确定的恐惧和担忧，推动我们努力获得足够的资源应对生活和未来。那时候我一直以为，财务自由最大的意义就是可以自由自在地去做各种喜欢的事情。其实。财务自由最大的意义，不是你可以去做你喜欢做的事情。财务自由，意味着你可以选择不做你不喜欢做的事情。</a:t>
+            </a:r>
+            <a:r>
+              <a:rPr lang="zh-CN" altLang="en-US" dirty="0" smtClean="0">
+                <a:sym typeface="+mn-ea"/>
+              </a:rPr>
+              <a:t>驾驭你的恐惧和担忧</a:t>
             </a:r>
             <a:endParaRPr lang="en-US" altLang="zh-CN" sz="1200" b="0" i="0" kern="1200" dirty="0" smtClean="0">
               <a:solidFill>
@@ -4113,9 +4212,41 @@
               </a:rPr>
               <a:t>不是让你可以随心所欲，而是你可以掌控自己；不是为所欲为，而是可以有所不为。</a:t>
             </a:r>
+            <a:endParaRPr lang="zh-CN" altLang="en-US" sz="1200" b="1" i="0" kern="1200" dirty="0" smtClean="0">
+              <a:solidFill>
+                <a:schemeClr val="tx1"/>
+              </a:solidFill>
+              <a:latin typeface="+mn-lt"/>
+              <a:ea typeface="+mn-ea"/>
+              <a:cs typeface="+mn-cs"/>
+            </a:endParaRPr>
+          </a:p>
+          <a:p>
+            <a:r>
+              <a:rPr lang="en-US" altLang="zh-CN" sz="1200" b="1" i="0" kern="1200" dirty="0" smtClean="0">
+                <a:solidFill>
+                  <a:schemeClr val="tx1"/>
+                </a:solidFill>
+                <a:latin typeface="+mn-lt"/>
+                <a:ea typeface="+mn-ea"/>
+                <a:cs typeface="+mn-cs"/>
+              </a:rPr>
+              <a:t>5</a:t>
+            </a:r>
+            <a:r>
+              <a:rPr lang="zh-CN" altLang="en-US" sz="1200" b="1" i="0" kern="1200" dirty="0" smtClean="0">
+                <a:solidFill>
+                  <a:schemeClr val="tx1"/>
+                </a:solidFill>
+                <a:latin typeface="+mn-lt"/>
+                <a:ea typeface="+mn-ea"/>
+                <a:cs typeface="+mn-cs"/>
+              </a:rPr>
+              <a:t>、</a:t>
+            </a:r>
             <a:r>
               <a:rPr lang="zh-CN" altLang="en-US" sz="1200" dirty="0" smtClean="0"/>
-              <a:t>得到了生活质量的提升和摆脱恐惧和担忧，得到安全的保障</a:t>
+              <a:t>得到了生活质量的提升和摆脱恐惧和担忧，得到安全的保障，不惧因为生病而导致家庭困难，不再为菜米油盐而苛刻地精打细算。</a:t>
             </a:r>
             <a:endParaRPr lang="en-US" altLang="zh-CN" sz="1200" b="0" i="0" kern="1200" dirty="0" smtClean="0">
               <a:solidFill>
@@ -4145,8 +4276,6 @@
           <a:p>
             <a:fld id="{A82FCF1A-DE1D-4A03-B432-41B70649DC02}" type="slidenum">
               <a:rPr lang="zh-CN" altLang="en-US" smtClean="0"/>
-              <a:pPr/>
-              <a:t>8</a:t>
             </a:fld>
             <a:endParaRPr lang="zh-CN" altLang="en-US"/>
           </a:p>
@@ -4370,7 +4499,6 @@
               <a:buSzTx/>
               <a:buFontTx/>
               <a:buNone/>
-              <a:tabLst/>
               <a:defRPr/>
             </a:pPr>
             <a:r>
@@ -4468,7 +4596,6 @@
               <a:buSzTx/>
               <a:buFontTx/>
               <a:buNone/>
-              <a:tabLst/>
               <a:defRPr/>
             </a:pPr>
             <a:r>
@@ -4500,8 +4627,6 @@
           <a:p>
             <a:fld id="{A82FCF1A-DE1D-4A03-B432-41B70649DC02}" type="slidenum">
               <a:rPr lang="zh-CN" altLang="en-US" smtClean="0"/>
-              <a:pPr/>
-              <a:t>9</a:t>
             </a:fld>
             <a:endParaRPr lang="zh-CN" altLang="en-US"/>
           </a:p>
@@ -4534,13 +4659,7 @@
       </p:grpSpPr>
       <p:sp>
         <p:nvSpPr>
-          <p:cNvPr id="2" name="矩形 1">
-            <a:extLst>
-              <a:ext uri="{FF2B5EF4-FFF2-40B4-BE49-F238E27FC236}">
-                <a16:creationId xmlns="" xmlns:a16="http://schemas.microsoft.com/office/drawing/2014/main" id="{FE720040-6A73-4D7E-88A3-11A25FE289F6}"/>
-              </a:ext>
-            </a:extLst>
-          </p:cNvPr>
+          <p:cNvPr id="2" name="矩形 1"/>
           <p:cNvSpPr/>
           <p:nvPr userDrawn="1"/>
         </p:nvSpPr>
@@ -4582,15 +4701,17 @@
               </a:rPr>
               <a:t>  Waterproof  Technology  Co. Ltd.</a:t>
             </a:r>
+            <a:endParaRPr lang="en-US" altLang="zh-CN" sz="1100" kern="700" spc="-100" dirty="0">
+              <a:solidFill>
+                <a:srgbClr val="00469C"/>
+              </a:solidFill>
+              <a:latin typeface="微软雅黑" panose="020B0503020204020204" pitchFamily="34" charset="-122"/>
+              <a:ea typeface="微软雅黑" panose="020B0503020204020204" pitchFamily="34" charset="-122"/>
+            </a:endParaRPr>
           </a:p>
         </p:txBody>
       </p:sp>
     </p:spTree>
-    <p:extLst>
-      <p:ext uri="{BB962C8B-B14F-4D97-AF65-F5344CB8AC3E}">
-        <p14:creationId xmlns="" xmlns:p14="http://schemas.microsoft.com/office/powerpoint/2010/main" val="2957361615"/>
-      </p:ext>
-    </p:extLst>
   </p:cSld>
   <p:clrMapOvr>
     <a:masterClrMapping/>
@@ -4617,13 +4738,7 @@
       </p:grpSpPr>
       <p:sp>
         <p:nvSpPr>
-          <p:cNvPr id="4" name="矩形 3">
-            <a:extLst>
-              <a:ext uri="{FF2B5EF4-FFF2-40B4-BE49-F238E27FC236}">
-                <a16:creationId xmlns="" xmlns:a16="http://schemas.microsoft.com/office/drawing/2014/main" id="{727F4D38-7936-420D-BB2A-2AB2DA277905}"/>
-              </a:ext>
-            </a:extLst>
-          </p:cNvPr>
+          <p:cNvPr id="4" name="矩形 3"/>
           <p:cNvSpPr/>
           <p:nvPr userDrawn="1"/>
         </p:nvSpPr>
@@ -4665,18 +4780,19 @@
               </a:rPr>
               <a:t>  Waterproof  Technology  Co. Ltd.</a:t>
             </a:r>
+            <a:endParaRPr lang="en-US" altLang="zh-CN" sz="1100" kern="700" spc="-100" dirty="0">
+              <a:solidFill>
+                <a:srgbClr val="00469C"/>
+              </a:solidFill>
+              <a:latin typeface="微软雅黑" panose="020B0503020204020204" pitchFamily="34" charset="-122"/>
+              <a:ea typeface="微软雅黑" panose="020B0503020204020204" pitchFamily="34" charset="-122"/>
+            </a:endParaRPr>
           </a:p>
         </p:txBody>
       </p:sp>
       <p:sp>
         <p:nvSpPr>
-          <p:cNvPr id="10" name="矩形 9">
-            <a:extLst>
-              <a:ext uri="{FF2B5EF4-FFF2-40B4-BE49-F238E27FC236}">
-                <a16:creationId xmlns="" xmlns:a16="http://schemas.microsoft.com/office/drawing/2014/main" id="{BF2368AD-72E6-411D-8E44-8798DE8DE854}"/>
-              </a:ext>
-            </a:extLst>
-          </p:cNvPr>
+          <p:cNvPr id="10" name="矩形 9"/>
           <p:cNvSpPr/>
           <p:nvPr userDrawn="1"/>
         </p:nvSpPr>
@@ -4719,13 +4835,7 @@
       </p:sp>
       <p:grpSp>
         <p:nvGrpSpPr>
-          <p:cNvPr id="11" name="组合 10">
-            <a:extLst>
-              <a:ext uri="{FF2B5EF4-FFF2-40B4-BE49-F238E27FC236}">
-                <a16:creationId xmlns="" xmlns:a16="http://schemas.microsoft.com/office/drawing/2014/main" id="{A7555473-BEC3-4523-99BC-DDEFB4A6AE0E}"/>
-              </a:ext>
-            </a:extLst>
-          </p:cNvPr>
+          <p:cNvPr id="11" name="组合 10"/>
           <p:cNvGrpSpPr/>
           <p:nvPr userDrawn="1"/>
         </p:nvGrpSpPr>
@@ -4739,13 +4849,7 @@
         </p:grpSpPr>
         <p:pic>
           <p:nvPicPr>
-            <p:cNvPr id="12" name="图片 11">
-              <a:extLst>
-                <a:ext uri="{FF2B5EF4-FFF2-40B4-BE49-F238E27FC236}">
-                  <a16:creationId xmlns="" xmlns:a16="http://schemas.microsoft.com/office/drawing/2014/main" id="{8D41D6E8-4E63-404B-BE01-AFDAC7B49A50}"/>
-                </a:ext>
-              </a:extLst>
-            </p:cNvPr>
+            <p:cNvPr id="12" name="图片 11"/>
             <p:cNvPicPr>
               <a:picLocks noChangeAspect="1"/>
             </p:cNvPicPr>
@@ -4755,7 +4859,7 @@
             <a:blip r:embed="rId2" cstate="print">
               <a:extLst>
                 <a:ext uri="{28A0092B-C50C-407E-A947-70E740481C1C}">
-                  <a14:useLocalDpi xmlns="" xmlns:a14="http://schemas.microsoft.com/office/drawing/2010/main" val="0"/>
+                  <a14:useLocalDpi xmlns:a14="http://schemas.microsoft.com/office/drawing/2010/main" val="0"/>
                 </a:ext>
               </a:extLst>
             </a:blip>
@@ -4775,13 +4879,7 @@
         </p:pic>
         <p:sp>
           <p:nvSpPr>
-            <p:cNvPr id="15" name="Freeform 197" descr="e7d195523061f1c03a90ee8e42cb24248e56383cd534985688F9F494128731F165EE95AB4B0C0A38076AAEA07667B1565C446FC45FF01DFB0E885BCDBDF3A284F3DB14DA61DD97F0BAB2E6C668FB4931659DCAC52277681B35A97A58EB1CDE1A30E511E1F70EEB23193653529328E29B82636547E25AC41088D20F0A52114429D13EF1D12E4FBA26373564D4CAB325C9">
-              <a:extLst>
-                <a:ext uri="{FF2B5EF4-FFF2-40B4-BE49-F238E27FC236}">
-                  <a16:creationId xmlns="" xmlns:a16="http://schemas.microsoft.com/office/drawing/2014/main" id="{693A3A7E-8A6F-43C4-8924-BE4267DA1AFA}"/>
-                </a:ext>
-              </a:extLst>
-            </p:cNvPr>
+            <p:cNvPr id="15" name="Freeform 197" descr="e7d195523061f1c03a90ee8e42cb24248e56383cd534985688F9F494128731F165EE95AB4B0C0A38076AAEA07667B1565C446FC45FF01DFB0E885BCDBDF3A284F3DB14DA61DD97F0BAB2E6C668FB4931659DCAC52277681B35A97A58EB1CDE1A30E511E1F70EEB23193653529328E29B82636547E25AC41088D20F0A52114429D13EF1D12E4FBA26373564D4CAB325C9"/>
             <p:cNvSpPr>
               <a:spLocks noChangeArrowheads="1"/>
             </p:cNvSpPr>
@@ -5146,7 +5244,6 @@
               <a:noFill/>
             </a:ln>
             <a:effectLst/>
-            <a:extLst/>
           </p:spPr>
           <p:txBody>
             <a:bodyPr wrap="none" lIns="91408" tIns="45704" rIns="91408" bIns="45704" anchor="ctr"/>
@@ -5260,7 +5357,6 @@
                 <a:buSzTx/>
                 <a:buFontTx/>
                 <a:buNone/>
-                <a:tabLst/>
                 <a:defRPr/>
               </a:pPr>
               <a:endParaRPr kumimoji="0" lang="en-US" sz="2700" b="0" i="0" u="none" strike="noStrike" kern="1200" cap="none" spc="0" normalizeH="0" baseline="0" noProof="0" dirty="0">
@@ -5283,13 +5379,7 @@
       </p:grpSp>
       <p:sp>
         <p:nvSpPr>
-          <p:cNvPr id="16" name="文本框 17" descr="e7d195523061f1c03a90ee8e42cb24248e56383cd534985688F9F494128731F165EE95AB4B0C0A38076AAEA07667B1565C446FC45FF01DFB0E885BCDBDF3A284F3DB14DA61DD97F0BAB2E6C668FB4931659DCAC52277681B35A97A58EB1CDE1A30E511E1F70EEB23193653529328E29B82636547E25AC41088D20F0A52114429D13EF1D12E4FBA26373564D4CAB325C9">
-            <a:extLst>
-              <a:ext uri="{FF2B5EF4-FFF2-40B4-BE49-F238E27FC236}">
-                <a16:creationId xmlns="" xmlns:a16="http://schemas.microsoft.com/office/drawing/2014/main" id="{DC8306CE-23BC-43E0-B271-F7BDFAD2BE97}"/>
-              </a:ext>
-            </a:extLst>
-          </p:cNvPr>
+          <p:cNvPr id="16" name="文本框 17" descr="e7d195523061f1c03a90ee8e42cb24248e56383cd534985688F9F494128731F165EE95AB4B0C0A38076AAEA07667B1565C446FC45FF01DFB0E885BCDBDF3A284F3DB14DA61DD97F0BAB2E6C668FB4931659DCAC52277681B35A97A58EB1CDE1A30E511E1F70EEB23193653529328E29B82636547E25AC41088D20F0A52114429D13EF1D12E4FBA26373564D4CAB325C9"/>
           <p:cNvSpPr txBox="1"/>
           <p:nvPr userDrawn="1"/>
         </p:nvSpPr>
@@ -5486,15 +5576,17 @@
               </a:rPr>
               <a:t>4</a:t>
             </a:r>
+            <a:endParaRPr lang="en-US" altLang="zh-CN" sz="1200" dirty="0">
+              <a:solidFill>
+                <a:schemeClr val="bg1"/>
+              </a:solidFill>
+              <a:latin typeface="微软雅黑" panose="020B0503020204020204" pitchFamily="34" charset="-122"/>
+              <a:ea typeface="微软雅黑" panose="020B0503020204020204" pitchFamily="34" charset="-122"/>
+            </a:endParaRPr>
           </a:p>
         </p:txBody>
       </p:sp>
     </p:spTree>
-    <p:extLst>
-      <p:ext uri="{BB962C8B-B14F-4D97-AF65-F5344CB8AC3E}">
-        <p14:creationId xmlns="" xmlns:p14="http://schemas.microsoft.com/office/powerpoint/2010/main" val="1252666115"/>
-      </p:ext>
-    </p:extLst>
   </p:cSld>
   <p:clrMapOvr>
     <a:masterClrMapping/>
@@ -5521,13 +5613,7 @@
       </p:grpSpPr>
       <p:sp>
         <p:nvSpPr>
-          <p:cNvPr id="12" name="矩形 11">
-            <a:extLst>
-              <a:ext uri="{FF2B5EF4-FFF2-40B4-BE49-F238E27FC236}">
-                <a16:creationId xmlns="" xmlns:a16="http://schemas.microsoft.com/office/drawing/2014/main" id="{A2934E02-885F-4DE5-A8CD-A0B755BCF10C}"/>
-              </a:ext>
-            </a:extLst>
-          </p:cNvPr>
+          <p:cNvPr id="12" name="矩形 11"/>
           <p:cNvSpPr/>
           <p:nvPr userDrawn="1"/>
         </p:nvSpPr>
@@ -5569,18 +5655,19 @@
               </a:rPr>
               <a:t>  Waterproof  Technology  Co. Ltd.</a:t>
             </a:r>
+            <a:endParaRPr lang="en-US" altLang="zh-CN" sz="1100" kern="700" spc="-100" dirty="0">
+              <a:solidFill>
+                <a:srgbClr val="00469C"/>
+              </a:solidFill>
+              <a:latin typeface="微软雅黑" panose="020B0503020204020204" pitchFamily="34" charset="-122"/>
+              <a:ea typeface="微软雅黑" panose="020B0503020204020204" pitchFamily="34" charset="-122"/>
+            </a:endParaRPr>
           </a:p>
         </p:txBody>
       </p:sp>
       <p:grpSp>
         <p:nvGrpSpPr>
-          <p:cNvPr id="3" name="组合 2">
-            <a:extLst>
-              <a:ext uri="{FF2B5EF4-FFF2-40B4-BE49-F238E27FC236}">
-                <a16:creationId xmlns="" xmlns:a16="http://schemas.microsoft.com/office/drawing/2014/main" id="{35C4FA5F-A368-4CE1-B551-429560142B43}"/>
-              </a:ext>
-            </a:extLst>
-          </p:cNvPr>
+          <p:cNvPr id="3" name="组合 2"/>
           <p:cNvGrpSpPr/>
           <p:nvPr userDrawn="1"/>
         </p:nvGrpSpPr>
@@ -5594,13 +5681,7 @@
         </p:grpSpPr>
         <p:sp>
           <p:nvSpPr>
-            <p:cNvPr id="4" name="文本框 17" descr="e7d195523061f1c03a90ee8e42cb24248e56383cd534985688F9F494128731F165EE95AB4B0C0A38076AAEA07667B1565C446FC45FF01DFB0E885BCDBDF3A284F3DB14DA61DD97F0BAB2E6C668FB4931659DCAC52277681B35A97A58EB1CDE1A30E511E1F70EEB23193653529328E29B82636547E25AC41088D20F0A52114429D13EF1D12E4FBA26373564D4CAB325C9">
-              <a:extLst>
-                <a:ext uri="{FF2B5EF4-FFF2-40B4-BE49-F238E27FC236}">
-                  <a16:creationId xmlns="" xmlns:a16="http://schemas.microsoft.com/office/drawing/2014/main" id="{D9028075-8FE7-4A48-8137-1C92E6CFA414}"/>
-                </a:ext>
-              </a:extLst>
-            </p:cNvPr>
+            <p:cNvPr id="4" name="文本框 17" descr="e7d195523061f1c03a90ee8e42cb24248e56383cd534985688F9F494128731F165EE95AB4B0C0A38076AAEA07667B1565C446FC45FF01DFB0E885BCDBDF3A284F3DB14DA61DD97F0BAB2E6C668FB4931659DCAC52277681B35A97A58EB1CDE1A30E511E1F70EEB23193653529328E29B82636547E25AC41088D20F0A52114429D13EF1D12E4FBA26373564D4CAB325C9"/>
             <p:cNvSpPr txBox="1"/>
             <p:nvPr/>
           </p:nvSpPr>
@@ -5797,18 +5878,19 @@
                 </a:rPr>
                 <a:t>4</a:t>
               </a:r>
+              <a:endParaRPr lang="en-US" altLang="zh-CN" sz="1200" dirty="0">
+                <a:solidFill>
+                  <a:srgbClr val="00469C"/>
+                </a:solidFill>
+                <a:latin typeface="微软雅黑" panose="020B0503020204020204" pitchFamily="34" charset="-122"/>
+                <a:ea typeface="微软雅黑" panose="020B0503020204020204" pitchFamily="34" charset="-122"/>
+              </a:endParaRPr>
             </a:p>
           </p:txBody>
         </p:sp>
         <p:sp>
           <p:nvSpPr>
-            <p:cNvPr id="5" name="Freeform 197" descr="e7d195523061f1c03a90ee8e42cb24248e56383cd534985688F9F494128731F165EE95AB4B0C0A38076AAEA07667B1565C446FC45FF01DFB0E885BCDBDF3A284F3DB14DA61DD97F0BAB2E6C668FB4931659DCAC52277681B35A97A58EB1CDE1A30E511E1F70EEB23193653529328E29B82636547E25AC41088D20F0A52114429D13EF1D12E4FBA26373564D4CAB325C9">
-              <a:extLst>
-                <a:ext uri="{FF2B5EF4-FFF2-40B4-BE49-F238E27FC236}">
-                  <a16:creationId xmlns="" xmlns:a16="http://schemas.microsoft.com/office/drawing/2014/main" id="{F0EFBFDE-6013-42FF-91E7-778DBD6B7790}"/>
-                </a:ext>
-              </a:extLst>
-            </p:cNvPr>
+            <p:cNvPr id="5" name="Freeform 197" descr="e7d195523061f1c03a90ee8e42cb24248e56383cd534985688F9F494128731F165EE95AB4B0C0A38076AAEA07667B1565C446FC45FF01DFB0E885BCDBDF3A284F3DB14DA61DD97F0BAB2E6C668FB4931659DCAC52277681B35A97A58EB1CDE1A30E511E1F70EEB23193653529328E29B82636547E25AC41088D20F0A52114429D13EF1D12E4FBA26373564D4CAB325C9"/>
             <p:cNvSpPr>
               <a:spLocks noChangeArrowheads="1"/>
             </p:cNvSpPr>
@@ -6173,7 +6255,6 @@
               <a:noFill/>
             </a:ln>
             <a:effectLst/>
-            <a:extLst/>
           </p:spPr>
           <p:txBody>
             <a:bodyPr wrap="none" lIns="91408" tIns="45704" rIns="91408" bIns="45704" anchor="ctr"/>
@@ -6287,7 +6368,6 @@
                 <a:buSzTx/>
                 <a:buFontTx/>
                 <a:buNone/>
-                <a:tabLst/>
                 <a:defRPr/>
               </a:pPr>
               <a:endParaRPr kumimoji="0" lang="en-US" sz="2700" b="0" i="0" u="none" strike="noStrike" kern="1200" cap="none" spc="0" normalizeH="0" baseline="0" noProof="0" dirty="0">
@@ -6308,26 +6388,14 @@
         </p:sp>
         <p:pic>
           <p:nvPicPr>
-            <p:cNvPr id="6" name="图片 5">
-              <a:extLst>
-                <a:ext uri="{FF2B5EF4-FFF2-40B4-BE49-F238E27FC236}">
-                  <a16:creationId xmlns="" xmlns:a16="http://schemas.microsoft.com/office/drawing/2014/main" id="{F41DDECF-8C72-49B8-A170-462E1808EE82}"/>
-                </a:ext>
-              </a:extLst>
-            </p:cNvPr>
+            <p:cNvPr id="6" name="图片 5"/>
             <p:cNvPicPr>
               <a:picLocks noChangeAspect="1"/>
             </p:cNvPicPr>
             <p:nvPr/>
           </p:nvPicPr>
           <p:blipFill>
-            <a:blip r:embed="rId2" cstate="screen">
-              <a:extLst>
-                <a:ext uri="{28A0092B-C50C-407E-A947-70E740481C1C}">
-                  <a14:useLocalDpi xmlns="" xmlns:a14="http://schemas.microsoft.com/office/drawing/2010/main"/>
-                </a:ext>
-              </a:extLst>
-            </a:blip>
+            <a:blip r:embed="rId2" cstate="screen"/>
             <a:stretch>
               <a:fillRect/>
             </a:stretch>
@@ -6344,11 +6412,6 @@
         </p:pic>
       </p:grpSp>
     </p:spTree>
-    <p:extLst>
-      <p:ext uri="{BB962C8B-B14F-4D97-AF65-F5344CB8AC3E}">
-        <p14:creationId xmlns="" xmlns:p14="http://schemas.microsoft.com/office/powerpoint/2010/main" val="681434284"/>
-      </p:ext>
-    </p:extLst>
   </p:cSld>
   <p:clrMapOvr>
     <a:masterClrMapping/>
@@ -6401,6 +6464,7 @@
               <a:rPr lang="zh-CN" altLang="en-US"/>
               <a:t>单击此处编辑母版标题样式</a:t>
             </a:r>
+            <a:endParaRPr lang="zh-CN" altLang="en-US"/>
           </a:p>
         </p:txBody>
       </p:sp>
@@ -6465,6 +6529,7 @@
               <a:rPr lang="zh-CN" altLang="en-US"/>
               <a:t>单击此处编辑母版副标题样式</a:t>
             </a:r>
+            <a:endParaRPr lang="zh-CN" altLang="en-US"/>
           </a:p>
         </p:txBody>
       </p:sp>
@@ -6485,8 +6550,6 @@
           <a:p>
             <a:fld id="{B1319713-D4D7-42AA-83A4-99C7908F9AC2}" type="datetimeFigureOut">
               <a:rPr lang="zh-CN" altLang="en-US" smtClean="0"/>
-              <a:pPr/>
-              <a:t>2019/4/29</a:t>
             </a:fld>
             <a:endParaRPr lang="zh-CN" altLang="en-US" dirty="0"/>
           </a:p>
@@ -6528,19 +6591,12 @@
           <a:p>
             <a:fld id="{D27ED609-9F03-446E-8537-FB8FA74519A3}" type="slidenum">
               <a:rPr lang="zh-CN" altLang="en-US" smtClean="0"/>
-              <a:pPr/>
-              <a:t>‹#›</a:t>
             </a:fld>
             <a:endParaRPr lang="zh-CN" altLang="en-US"/>
           </a:p>
         </p:txBody>
       </p:sp>
     </p:spTree>
-    <p:extLst>
-      <p:ext uri="{BB962C8B-B14F-4D97-AF65-F5344CB8AC3E}">
-        <p14:creationId xmlns="" xmlns:p14="http://schemas.microsoft.com/office/powerpoint/2010/main" val="913174607"/>
-      </p:ext>
-    </p:extLst>
   </p:cSld>
   <p:clrMapOvr>
     <a:masterClrMapping/>
@@ -6554,7 +6610,7 @@
     <p:bg>
       <p:bgPr>
         <a:blipFill dpi="0" rotWithShape="1">
-          <a:blip r:embed="rId6">
+          <a:blip r:embed="rId5">
             <a:lum/>
           </a:blip>
           <a:srcRect/>
@@ -6580,18 +6636,13 @@
         </a:xfrm>
       </p:grpSpPr>
     </p:spTree>
-    <p:extLst>
-      <p:ext uri="{BB962C8B-B14F-4D97-AF65-F5344CB8AC3E}">
-        <p14:creationId xmlns="" xmlns:p14="http://schemas.microsoft.com/office/powerpoint/2010/main" val="3673115167"/>
-      </p:ext>
-    </p:extLst>
   </p:cSld>
   <p:clrMap bg1="lt1" tx1="dk1" bg2="lt2" tx2="dk2" accent1="accent1" accent2="accent2" accent3="accent3" accent4="accent4" accent5="accent5" accent6="accent6" hlink="hlink" folHlink="folHlink"/>
   <p:sldLayoutIdLst>
-    <p:sldLayoutId id="2147483665" r:id="rId1"/>
-    <p:sldLayoutId id="2147483668" r:id="rId2"/>
-    <p:sldLayoutId id="2147483669" r:id="rId3"/>
-    <p:sldLayoutId id="2147483670" r:id="rId4"/>
+    <p:sldLayoutId id="2147483649" r:id="rId1"/>
+    <p:sldLayoutId id="2147483650" r:id="rId2"/>
+    <p:sldLayoutId id="2147483651" r:id="rId3"/>
+    <p:sldLayoutId id="2147483652" r:id="rId4"/>
   </p:sldLayoutIdLst>
   <p:txStyles>
     <p:titleStyle>
@@ -6895,28 +6946,24 @@
       </p:grpSpPr>
       <p:pic>
         <p:nvPicPr>
-          <p:cNvPr id="5" name="图片 4" descr="图片包含 户外, 天空, 建筑物, 时钟&#10;&#10;已生成极高可信度的说明">
-            <a:extLst>
-              <a:ext uri="{FF2B5EF4-FFF2-40B4-BE49-F238E27FC236}">
-                <a16:creationId xmlns="" xmlns:a16="http://schemas.microsoft.com/office/drawing/2014/main" id="{E742670A-5F99-4FC0-B09D-715419AF7596}"/>
-              </a:ext>
-            </a:extLst>
-          </p:cNvPr>
+          <p:cNvPr id="5" name="图片 4" descr="图片包含 户外, 天空, 建筑物, 时钟&#10;&#10;已生成极高可信度的说明"/>
           <p:cNvPicPr>
             <a:picLocks noChangeAspect="1"/>
           </p:cNvPicPr>
           <p:nvPr/>
         </p:nvPicPr>
         <p:blipFill rotWithShape="1">
-          <a:blip r:embed="rId3" cstate="screen">
+          <a:blip r:embed="rId1" cstate="screen">
             <a:extLst>
               <a:ext uri="{28A0092B-C50C-407E-A947-70E740481C1C}">
-                <a14:useLocalDpi xmlns="" xmlns:a14="http://schemas.microsoft.com/office/drawing/2010/main" val="0"/>
+                <a14:useLocalDpi xmlns:a14="http://schemas.microsoft.com/office/drawing/2010/main" val="0"/>
               </a:ext>
             </a:extLst>
           </a:blip>
           <a:srcRect r="4776" b="28891"/>
-          <a:stretch/>
+          <a:stretch>
+            <a:fillRect/>
+          </a:stretch>
         </p:blipFill>
         <p:spPr>
           <a:xfrm>
@@ -6930,13 +6977,7 @@
       </p:pic>
       <p:sp>
         <p:nvSpPr>
-          <p:cNvPr id="22" name="任意多边形: 形状 21">
-            <a:extLst>
-              <a:ext uri="{FF2B5EF4-FFF2-40B4-BE49-F238E27FC236}">
-                <a16:creationId xmlns="" xmlns:a16="http://schemas.microsoft.com/office/drawing/2014/main" id="{8B512DC7-300D-4210-A41E-42FB36991E9E}"/>
-              </a:ext>
-            </a:extLst>
-          </p:cNvPr>
+          <p:cNvPr id="22" name="任意多边形: 形状 21"/>
           <p:cNvSpPr/>
           <p:nvPr/>
         </p:nvSpPr>
@@ -7035,13 +7076,7 @@
       </p:sp>
       <p:sp>
         <p:nvSpPr>
-          <p:cNvPr id="15" name="文本框 14">
-            <a:extLst>
-              <a:ext uri="{FF2B5EF4-FFF2-40B4-BE49-F238E27FC236}">
-                <a16:creationId xmlns="" xmlns:a16="http://schemas.microsoft.com/office/drawing/2014/main" id="{CF7CF6A1-F42F-4345-8E65-512E3468ABDA}"/>
-              </a:ext>
-            </a:extLst>
-          </p:cNvPr>
+          <p:cNvPr id="15" name="文本框 14"/>
           <p:cNvSpPr txBox="1"/>
           <p:nvPr/>
         </p:nvSpPr>
@@ -7083,13 +7118,7 @@
       </p:sp>
       <p:sp>
         <p:nvSpPr>
-          <p:cNvPr id="16" name="文本框 15">
-            <a:extLst>
-              <a:ext uri="{FF2B5EF4-FFF2-40B4-BE49-F238E27FC236}">
-                <a16:creationId xmlns="" xmlns:a16="http://schemas.microsoft.com/office/drawing/2014/main" id="{E3C4B4E8-ECCF-4E52-9071-7F4A94909060}"/>
-              </a:ext>
-            </a:extLst>
-          </p:cNvPr>
+          <p:cNvPr id="16" name="文本框 15"/>
           <p:cNvSpPr txBox="1"/>
           <p:nvPr/>
         </p:nvSpPr>
@@ -7119,18 +7148,19 @@
               </a:rPr>
               <a:t>科顺防水科技股份有限公司</a:t>
             </a:r>
+            <a:endParaRPr lang="zh-CN" altLang="en-US" sz="2800" dirty="0">
+              <a:solidFill>
+                <a:schemeClr val="bg1"/>
+              </a:solidFill>
+              <a:latin typeface="微软雅黑 Light" panose="020B0502040204020203" pitchFamily="34" charset="-122"/>
+              <a:ea typeface="微软雅黑 Light" panose="020B0502040204020203" pitchFamily="34" charset="-122"/>
+            </a:endParaRPr>
           </a:p>
         </p:txBody>
       </p:sp>
       <p:sp>
         <p:nvSpPr>
-          <p:cNvPr id="17" name="文本框 16">
-            <a:extLst>
-              <a:ext uri="{FF2B5EF4-FFF2-40B4-BE49-F238E27FC236}">
-                <a16:creationId xmlns="" xmlns:a16="http://schemas.microsoft.com/office/drawing/2014/main" id="{7E55C8BE-7C88-4A39-9A21-F62BEB66A5C6}"/>
-              </a:ext>
-            </a:extLst>
-          </p:cNvPr>
+          <p:cNvPr id="17" name="文本框 16"/>
           <p:cNvSpPr txBox="1"/>
           <p:nvPr/>
         </p:nvSpPr>
@@ -7170,18 +7200,19 @@
               </a:rPr>
               <a:t>  Waterproof  Technology  Co. Ltd.</a:t>
             </a:r>
+            <a:endParaRPr lang="en-US" altLang="zh-CN" dirty="0">
+              <a:solidFill>
+                <a:schemeClr val="bg1"/>
+              </a:solidFill>
+              <a:latin typeface="微软雅黑 Light" panose="020B0502040204020203" pitchFamily="34" charset="-122"/>
+              <a:ea typeface="微软雅黑 Light" panose="020B0502040204020203" pitchFamily="34" charset="-122"/>
+            </a:endParaRPr>
           </a:p>
         </p:txBody>
       </p:sp>
       <p:sp>
         <p:nvSpPr>
-          <p:cNvPr id="18" name="文本框 17">
-            <a:extLst>
-              <a:ext uri="{FF2B5EF4-FFF2-40B4-BE49-F238E27FC236}">
-                <a16:creationId xmlns="" xmlns:a16="http://schemas.microsoft.com/office/drawing/2014/main" id="{E686CBDB-D9D1-4811-9A5B-F924146BFAE3}"/>
-              </a:ext>
-            </a:extLst>
-          </p:cNvPr>
+          <p:cNvPr id="18" name="文本框 17"/>
           <p:cNvSpPr txBox="1"/>
           <p:nvPr/>
         </p:nvSpPr>
@@ -7242,13 +7273,7 @@
       </p:sp>
       <p:sp>
         <p:nvSpPr>
-          <p:cNvPr id="23" name="任意多边形: 形状 22">
-            <a:extLst>
-              <a:ext uri="{FF2B5EF4-FFF2-40B4-BE49-F238E27FC236}">
-                <a16:creationId xmlns="" xmlns:a16="http://schemas.microsoft.com/office/drawing/2014/main" id="{2AB7E925-98D4-4048-93D2-B55FDA2BA567}"/>
-              </a:ext>
-            </a:extLst>
-          </p:cNvPr>
+          <p:cNvPr id="23" name="任意多边形: 形状 22"/>
           <p:cNvSpPr/>
           <p:nvPr/>
         </p:nvSpPr>
@@ -7336,11 +7361,6 @@
         </p:txBody>
       </p:sp>
     </p:spTree>
-    <p:extLst>
-      <p:ext uri="{BB962C8B-B14F-4D97-AF65-F5344CB8AC3E}">
-        <p14:creationId xmlns="" xmlns:p14="http://schemas.microsoft.com/office/powerpoint/2010/main" val="2097106355"/>
-      </p:ext>
-    </p:extLst>
   </p:cSld>
   <p:clrMapOvr>
     <a:masterClrMapping/>
@@ -7374,13 +7394,7 @@
       </p:grpSpPr>
       <p:grpSp>
         <p:nvGrpSpPr>
-          <p:cNvPr id="2" name="组合 1">
-            <a:extLst>
-              <a:ext uri="{FF2B5EF4-FFF2-40B4-BE49-F238E27FC236}">
-                <a16:creationId xmlns="" xmlns:a16="http://schemas.microsoft.com/office/drawing/2014/main" id="{E50DEB0B-1C12-44D1-AAA1-F4E0A4F19E17}"/>
-              </a:ext>
-            </a:extLst>
-          </p:cNvPr>
+          <p:cNvPr id="2" name="组合 1"/>
           <p:cNvGrpSpPr/>
           <p:nvPr/>
         </p:nvGrpSpPr>
@@ -7394,13 +7408,7 @@
         </p:grpSpPr>
         <p:sp>
           <p:nvSpPr>
-            <p:cNvPr id="7" name="矩形 6">
-              <a:extLst>
-                <a:ext uri="{FF2B5EF4-FFF2-40B4-BE49-F238E27FC236}">
-                  <a16:creationId xmlns="" xmlns:a16="http://schemas.microsoft.com/office/drawing/2014/main" id="{D5213AAE-A69E-40F7-931A-4EAD7707F511}"/>
-                </a:ext>
-              </a:extLst>
-            </p:cNvPr>
+            <p:cNvPr id="7" name="矩形 6"/>
             <p:cNvSpPr/>
             <p:nvPr/>
           </p:nvSpPr>
@@ -7443,13 +7451,7 @@
         </p:sp>
         <p:sp>
           <p:nvSpPr>
-            <p:cNvPr id="8" name="矩形 7">
-              <a:extLst>
-                <a:ext uri="{FF2B5EF4-FFF2-40B4-BE49-F238E27FC236}">
-                  <a16:creationId xmlns="" xmlns:a16="http://schemas.microsoft.com/office/drawing/2014/main" id="{F74F58D4-5D9A-43AA-A842-4414D43E7D86}"/>
-                </a:ext>
-              </a:extLst>
-            </p:cNvPr>
+            <p:cNvPr id="8" name="矩形 7"/>
             <p:cNvSpPr/>
             <p:nvPr/>
           </p:nvSpPr>
@@ -7491,19 +7493,20 @@
                 </a:rPr>
                 <a:t>  Waterproof  Technology  Co. Ltd.</a:t>
               </a:r>
+              <a:endParaRPr lang="en-US" altLang="zh-CN" sz="1100" kern="700" spc="-100" dirty="0">
+                <a:solidFill>
+                  <a:schemeClr val="bg1"/>
+                </a:solidFill>
+                <a:latin typeface="微软雅黑" panose="020B0503020204020204" pitchFamily="34" charset="-122"/>
+                <a:ea typeface="微软雅黑" panose="020B0503020204020204" pitchFamily="34" charset="-122"/>
+              </a:endParaRPr>
             </a:p>
           </p:txBody>
         </p:sp>
       </p:grpSp>
       <p:sp>
         <p:nvSpPr>
-          <p:cNvPr id="28" name="TextBox 9">
-            <a:extLst>
-              <a:ext uri="{FF2B5EF4-FFF2-40B4-BE49-F238E27FC236}">
-                <a16:creationId xmlns="" xmlns:a16="http://schemas.microsoft.com/office/drawing/2014/main" id="{F9620907-505E-4433-8CD6-0B35E582F63E}"/>
-              </a:ext>
-            </a:extLst>
-          </p:cNvPr>
+          <p:cNvPr id="28" name="TextBox 9"/>
           <p:cNvSpPr txBox="1"/>
           <p:nvPr/>
         </p:nvSpPr>
@@ -7605,7 +7608,7 @@
         <p:spPr>
           <a:xfrm>
             <a:off x="690360" y="1814473"/>
-            <a:ext cx="10871199" cy="1938992"/>
+            <a:ext cx="10871199" cy="1938020"/>
           </a:xfrm>
           <a:prstGeom prst="rect">
             <a:avLst/>
@@ -7625,7 +7628,7 @@
           <a:p>
             <a:r>
               <a:rPr lang="zh-CN" altLang="en-US" sz="2400" dirty="0" smtClean="0"/>
-              <a:t>一个风和日丽的早上，在美丽的海滩上，捕鱼归来的渔夫在懒洋洋晒太阳，旁边的一位正在度假的富翁问：你为什么不趁天气好去捕鱼，赚更多的钱呢？赚到了钱就可以做自己喜欢做的事情和享受生活。</a:t>
+              <a:t>一个风和日丽的早上，在美丽的海滩上，捕鱼归来的渔夫在懒洋洋晒太阳，旁边的一位正在度假的富翁问：你为什么不趁天气好去捕更多的鱼，赚更多的钱呢？赚到了钱就可以做自己喜欢做的事情和享受生活。</a:t>
             </a:r>
             <a:endParaRPr lang="en-US" altLang="zh-CN" sz="2400" dirty="0" smtClean="0"/>
           </a:p>
@@ -7635,7 +7638,7 @@
           <a:p>
             <a:r>
               <a:rPr lang="zh-CN" altLang="en-US" sz="2400" dirty="0" smtClean="0"/>
-              <a:t>渔夫：我现在就在做喜欢的事情和享受生活。</a:t>
+              <a:t>渔夫：我不捕鱼也刚好能三餐温饱了，现在就在做喜欢的事情和享受生活。</a:t>
             </a:r>
             <a:endParaRPr lang="zh-CN" altLang="en-US" sz="2400" dirty="0"/>
           </a:p>
@@ -7650,7 +7653,7 @@
         <p:spPr>
           <a:xfrm>
             <a:off x="863600" y="4775199"/>
-            <a:ext cx="10718799" cy="1015663"/>
+            <a:ext cx="10718799" cy="1014730"/>
           </a:xfrm>
           <a:prstGeom prst="rect">
             <a:avLst/>
@@ -7665,7 +7668,7 @@
           <a:p>
             <a:r>
               <a:rPr lang="en-US" altLang="zh-CN" sz="2000" i="1" dirty="0" smtClean="0"/>
-              <a:t>Tip:</a:t>
+              <a:t>Tip1:</a:t>
             </a:r>
             <a:r>
               <a:rPr lang="zh-CN" altLang="en-US" sz="2000" i="1" dirty="0" smtClean="0"/>
@@ -7679,22 +7682,17 @@
               <a:rPr lang="zh-CN" altLang="en-US" sz="2000" i="1" dirty="0" smtClean="0"/>
               <a:t>一个经济的话题，而是一个哲学的话题。财务自由不是赚钱，也不是省钱，而是你如何衡量财务和自由之间的关系。每个人的自由都是不一样的，而你的自由需要多大的收入来支撑呢？</a:t>
             </a:r>
-            <a:endParaRPr lang="zh-CN" altLang="en-US" sz="2000" i="1" dirty="0"/>
+            <a:endParaRPr lang="en-US" altLang="zh-CN" sz="2000" i="1" dirty="0"/>
           </a:p>
         </p:txBody>
       </p:sp>
     </p:spTree>
-    <p:extLst>
-      <p:ext uri="{BB962C8B-B14F-4D97-AF65-F5344CB8AC3E}">
-        <p14:creationId xmlns="" xmlns:p14="http://schemas.microsoft.com/office/powerpoint/2010/main" val="257282595"/>
-      </p:ext>
-    </p:extLst>
   </p:cSld>
   <p:clrMapOvr>
     <a:masterClrMapping/>
   </p:clrMapOvr>
   <mc:AlternateContent xmlns:mc="http://schemas.openxmlformats.org/markup-compatibility/2006">
-    <mc:Choice xmlns="" xmlns:p14="http://schemas.microsoft.com/office/powerpoint/2010/main" Requires="p14">
+    <mc:Choice xmlns:p14="http://schemas.microsoft.com/office/powerpoint/2010/main" Requires="p14">
       <p:transition spd="slow" p14:dur="1600">
         <p:blinds dir="vert"/>
       </p:transition>
@@ -7734,13 +7732,7 @@
       </p:grpSpPr>
       <p:grpSp>
         <p:nvGrpSpPr>
-          <p:cNvPr id="2" name="组合 1">
-            <a:extLst>
-              <a:ext uri="{FF2B5EF4-FFF2-40B4-BE49-F238E27FC236}">
-                <a16:creationId xmlns="" xmlns:a16="http://schemas.microsoft.com/office/drawing/2014/main" id="{E50DEB0B-1C12-44D1-AAA1-F4E0A4F19E17}"/>
-              </a:ext>
-            </a:extLst>
-          </p:cNvPr>
+          <p:cNvPr id="2" name="组合 1"/>
           <p:cNvGrpSpPr/>
           <p:nvPr/>
         </p:nvGrpSpPr>
@@ -7754,13 +7746,7 @@
         </p:grpSpPr>
         <p:sp>
           <p:nvSpPr>
-            <p:cNvPr id="7" name="矩形 6">
-              <a:extLst>
-                <a:ext uri="{FF2B5EF4-FFF2-40B4-BE49-F238E27FC236}">
-                  <a16:creationId xmlns="" xmlns:a16="http://schemas.microsoft.com/office/drawing/2014/main" id="{D5213AAE-A69E-40F7-931A-4EAD7707F511}"/>
-                </a:ext>
-              </a:extLst>
-            </p:cNvPr>
+            <p:cNvPr id="7" name="矩形 6"/>
             <p:cNvSpPr/>
             <p:nvPr/>
           </p:nvSpPr>
@@ -7803,13 +7789,7 @@
         </p:sp>
         <p:sp>
           <p:nvSpPr>
-            <p:cNvPr id="8" name="矩形 7">
-              <a:extLst>
-                <a:ext uri="{FF2B5EF4-FFF2-40B4-BE49-F238E27FC236}">
-                  <a16:creationId xmlns="" xmlns:a16="http://schemas.microsoft.com/office/drawing/2014/main" id="{F74F58D4-5D9A-43AA-A842-4414D43E7D86}"/>
-                </a:ext>
-              </a:extLst>
-            </p:cNvPr>
+            <p:cNvPr id="8" name="矩形 7"/>
             <p:cNvSpPr/>
             <p:nvPr/>
           </p:nvSpPr>
@@ -7851,19 +7831,20 @@
                 </a:rPr>
                 <a:t>  Waterproof  Technology  Co. Ltd.</a:t>
               </a:r>
+              <a:endParaRPr lang="en-US" altLang="zh-CN" sz="1100" kern="700" spc="-100" dirty="0">
+                <a:solidFill>
+                  <a:schemeClr val="bg1"/>
+                </a:solidFill>
+                <a:latin typeface="微软雅黑" panose="020B0503020204020204" pitchFamily="34" charset="-122"/>
+                <a:ea typeface="微软雅黑" panose="020B0503020204020204" pitchFamily="34" charset="-122"/>
+              </a:endParaRPr>
             </a:p>
           </p:txBody>
         </p:sp>
       </p:grpSp>
       <p:sp>
         <p:nvSpPr>
-          <p:cNvPr id="28" name="TextBox 9">
-            <a:extLst>
-              <a:ext uri="{FF2B5EF4-FFF2-40B4-BE49-F238E27FC236}">
-                <a16:creationId xmlns="" xmlns:a16="http://schemas.microsoft.com/office/drawing/2014/main" id="{F9620907-505E-4433-8CD6-0B35E582F63E}"/>
-              </a:ext>
-            </a:extLst>
-          </p:cNvPr>
+          <p:cNvPr id="28" name="TextBox 9"/>
           <p:cNvSpPr txBox="1"/>
           <p:nvPr/>
         </p:nvSpPr>
@@ -8000,7 +7981,6 @@
                   <a:gd name="adj" fmla="val 9350"/>
                 </a:avLst>
               </a:prstGeom>
-              <a:ln/>
             </p:spPr>
             <p:style>
               <a:lnRef idx="0">
@@ -8249,7 +8229,7 @@
               <a:p>
                 <a:pPr algn="ctr"/>
                 <a:endParaRPr lang="zh-HK" altLang="en-US">
-                  <a:latin typeface="Impact" pitchFamily="34" charset="0"/>
+                  <a:latin typeface="Impact" panose="020B0806030902050204" pitchFamily="34" charset="0"/>
                 </a:endParaRPr>
               </a:p>
             </p:txBody>
@@ -8282,7 +8262,7 @@
                     <a:solidFill>
                       <a:schemeClr val="bg1"/>
                     </a:solidFill>
-                    <a:latin typeface="Impact" pitchFamily="34" charset="0"/>
+                    <a:latin typeface="Impact" panose="020B0806030902050204" pitchFamily="34" charset="0"/>
                     <a:ea typeface="张海山锐谐体2.0-授权联系：Samtype@QQ.com" panose="02000000000000000000" pitchFamily="2" charset="-122"/>
                   </a:rPr>
                   <a:t>01</a:t>
@@ -8291,7 +8271,7 @@
                   <a:solidFill>
                     <a:schemeClr val="bg1"/>
                   </a:solidFill>
-                  <a:latin typeface="Impact" pitchFamily="34" charset="0"/>
+                  <a:latin typeface="Impact" panose="020B0806030902050204" pitchFamily="34" charset="0"/>
                   <a:ea typeface="张海山锐谐体2.0-授权联系：Samtype@QQ.com" panose="02000000000000000000" pitchFamily="2" charset="-122"/>
                 </a:endParaRPr>
               </a:p>
@@ -8327,8 +8307,8 @@
                       <a:lumOff val="25000"/>
                     </a:schemeClr>
                   </a:solidFill>
-                  <a:latin typeface="微软雅黑" pitchFamily="34" charset="-122"/>
-                  <a:ea typeface="微软雅黑" pitchFamily="34" charset="-122"/>
+                  <a:latin typeface="微软雅黑" panose="020B0503020204020204" pitchFamily="34" charset="-122"/>
+                  <a:ea typeface="微软雅黑" panose="020B0503020204020204" pitchFamily="34" charset="-122"/>
                 </a:endParaRPr>
               </a:p>
             </p:txBody>
@@ -8364,7 +8344,6 @@
                   <a:gd name="adj" fmla="val 9350"/>
                 </a:avLst>
               </a:prstGeom>
-              <a:ln/>
             </p:spPr>
             <p:style>
               <a:lnRef idx="0">
@@ -8628,7 +8607,7 @@
               <a:p>
                 <a:pPr algn="ctr"/>
                 <a:endParaRPr lang="zh-HK" altLang="en-US">
-                  <a:latin typeface="Impact" pitchFamily="34" charset="0"/>
+                  <a:latin typeface="Impact" panose="020B0806030902050204" pitchFamily="34" charset="0"/>
                 </a:endParaRPr>
               </a:p>
             </p:txBody>
@@ -8661,7 +8640,7 @@
                     <a:solidFill>
                       <a:schemeClr val="bg1"/>
                     </a:solidFill>
-                    <a:latin typeface="Impact" pitchFamily="34" charset="0"/>
+                    <a:latin typeface="Impact" panose="020B0806030902050204" pitchFamily="34" charset="0"/>
                     <a:ea typeface="张海山锐谐体2.0-授权联系：Samtype@QQ.com" panose="02000000000000000000" pitchFamily="2" charset="-122"/>
                   </a:rPr>
                   <a:t>02</a:t>
@@ -8670,7 +8649,7 @@
                   <a:solidFill>
                     <a:schemeClr val="bg1"/>
                   </a:solidFill>
-                  <a:latin typeface="Impact" pitchFamily="34" charset="0"/>
+                  <a:latin typeface="Impact" panose="020B0806030902050204" pitchFamily="34" charset="0"/>
                   <a:ea typeface="张海山锐谐体2.0-授权联系：Samtype@QQ.com" panose="02000000000000000000" pitchFamily="2" charset="-122"/>
                 </a:endParaRPr>
               </a:p>
@@ -8707,7 +8686,6 @@
                   <a:gd name="adj" fmla="val 9350"/>
                 </a:avLst>
               </a:prstGeom>
-              <a:ln/>
             </p:spPr>
             <p:style>
               <a:lnRef idx="0">
@@ -8955,7 +8933,7 @@
               <a:p>
                 <a:pPr algn="ctr"/>
                 <a:endParaRPr lang="zh-HK" altLang="en-US">
-                  <a:latin typeface="Impact" pitchFamily="34" charset="0"/>
+                  <a:latin typeface="Impact" panose="020B0806030902050204" pitchFamily="34" charset="0"/>
                 </a:endParaRPr>
               </a:p>
             </p:txBody>
@@ -8988,7 +8966,7 @@
                     <a:solidFill>
                       <a:schemeClr val="bg1"/>
                     </a:solidFill>
-                    <a:latin typeface="Impact" pitchFamily="34" charset="0"/>
+                    <a:latin typeface="Impact" panose="020B0806030902050204" pitchFamily="34" charset="0"/>
                     <a:ea typeface="张海山锐谐体2.0-授权联系：Samtype@QQ.com" panose="02000000000000000000" pitchFamily="2" charset="-122"/>
                   </a:rPr>
                   <a:t>03</a:t>
@@ -8997,7 +8975,7 @@
                   <a:solidFill>
                     <a:schemeClr val="bg1"/>
                   </a:solidFill>
-                  <a:latin typeface="Impact" pitchFamily="34" charset="0"/>
+                  <a:latin typeface="Impact" panose="020B0806030902050204" pitchFamily="34" charset="0"/>
                   <a:ea typeface="张海山锐谐体2.0-授权联系：Samtype@QQ.com" panose="02000000000000000000" pitchFamily="2" charset="-122"/>
                 </a:endParaRPr>
               </a:p>
@@ -9306,7 +9284,7 @@
               <a:p>
                 <a:pPr algn="ctr"/>
                 <a:endParaRPr lang="zh-HK" altLang="en-US">
-                  <a:latin typeface="Impact" pitchFamily="34" charset="0"/>
+                  <a:latin typeface="Impact" panose="020B0806030902050204" pitchFamily="34" charset="0"/>
                 </a:endParaRPr>
               </a:p>
             </p:txBody>
@@ -9339,7 +9317,7 @@
                     <a:solidFill>
                       <a:schemeClr val="bg1"/>
                     </a:solidFill>
-                    <a:latin typeface="Impact" pitchFamily="34" charset="0"/>
+                    <a:latin typeface="Impact" panose="020B0806030902050204" pitchFamily="34" charset="0"/>
                     <a:ea typeface="张海山锐谐体2.0-授权联系：Samtype@QQ.com" panose="02000000000000000000" pitchFamily="2" charset="-122"/>
                   </a:rPr>
                   <a:t>04</a:t>
@@ -9348,7 +9326,7 @@
                   <a:solidFill>
                     <a:schemeClr val="bg1"/>
                   </a:solidFill>
-                  <a:latin typeface="Impact" pitchFamily="34" charset="0"/>
+                  <a:latin typeface="Impact" panose="020B0806030902050204" pitchFamily="34" charset="0"/>
                   <a:ea typeface="张海山锐谐体2.0-授权联系：Samtype@QQ.com" panose="02000000000000000000" pitchFamily="2" charset="-122"/>
                 </a:endParaRPr>
               </a:p>
@@ -9357,17 +9335,12 @@
         </p:grpSp>
       </p:grpSp>
     </p:spTree>
-    <p:extLst>
-      <p:ext uri="{BB962C8B-B14F-4D97-AF65-F5344CB8AC3E}">
-        <p14:creationId xmlns="" xmlns:p14="http://schemas.microsoft.com/office/powerpoint/2010/main" val="257282595"/>
-      </p:ext>
-    </p:extLst>
   </p:cSld>
   <p:clrMapOvr>
     <a:masterClrMapping/>
   </p:clrMapOvr>
   <mc:AlternateContent xmlns:mc="http://schemas.openxmlformats.org/markup-compatibility/2006">
-    <mc:Choice xmlns="" xmlns:p14="http://schemas.microsoft.com/office/powerpoint/2010/main" Requires="p14">
+    <mc:Choice xmlns:p14="http://schemas.microsoft.com/office/powerpoint/2010/main" Requires="p14">
       <p:transition spd="slow" p14:dur="1600">
         <p:blinds dir="vert"/>
       </p:transition>
@@ -9407,13 +9380,7 @@
       </p:grpSpPr>
       <p:sp>
         <p:nvSpPr>
-          <p:cNvPr id="31" name="TextBox 9">
-            <a:extLst>
-              <a:ext uri="{FF2B5EF4-FFF2-40B4-BE49-F238E27FC236}">
-                <a16:creationId xmlns="" xmlns:a16="http://schemas.microsoft.com/office/drawing/2014/main" id="{196AEFB1-B5B8-48EC-BBBA-092BE2D0990E}"/>
-              </a:ext>
-            </a:extLst>
-          </p:cNvPr>
+          <p:cNvPr id="31" name="TextBox 9"/>
           <p:cNvSpPr txBox="1"/>
           <p:nvPr/>
         </p:nvSpPr>
@@ -9922,11 +9889,6 @@
               <a:miter lim="400000"/>
             </a:ln>
             <a:effectLst/>
-            <a:extLst>
-              <a:ext uri="{C572A759-6A51-4108-AA02-DFA0A04FC94B}">
-                <ma14:wrappingTextBoxFlag xmlns="" xmlns:ma14="http://schemas.microsoft.com/office/mac/drawingml/2011/main" val="1"/>
-              </a:ext>
-            </a:extLst>
           </p:spPr>
           <p:txBody>
             <a:bodyPr wrap="square" lIns="0" tIns="0" rIns="0" bIns="0" numCol="1" anchor="ctr">
@@ -10103,11 +10065,6 @@
               <a:miter lim="400000"/>
             </a:ln>
             <a:effectLst/>
-            <a:extLst>
-              <a:ext uri="{C572A759-6A51-4108-AA02-DFA0A04FC94B}">
-                <ma14:wrappingTextBoxFlag xmlns="" xmlns:ma14="http://schemas.microsoft.com/office/mac/drawingml/2011/main" val="1"/>
-              </a:ext>
-            </a:extLst>
           </p:spPr>
           <p:txBody>
             <a:bodyPr wrap="square" lIns="0" tIns="0" rIns="0" bIns="0" numCol="1" anchor="ctr">
@@ -10144,6 +10101,13 @@
                 </a:rPr>
                 <a:t>财富增长</a:t>
               </a:r>
+              <a:endParaRPr lang="zh-CN" altLang="en-US" sz="2000" b="1" dirty="0" smtClean="0">
+                <a:solidFill>
+                  <a:schemeClr val="bg1"/>
+                </a:solidFill>
+                <a:latin typeface="微软雅黑" panose="020B0503020204020204" pitchFamily="34" charset="-122"/>
+                <a:ea typeface="微软雅黑" panose="020B0503020204020204" pitchFamily="34" charset="-122"/>
+              </a:endParaRPr>
             </a:p>
           </p:txBody>
         </p:sp>
@@ -10277,11 +10241,6 @@
               <a:miter lim="400000"/>
             </a:ln>
             <a:effectLst/>
-            <a:extLst>
-              <a:ext uri="{C572A759-6A51-4108-AA02-DFA0A04FC94B}">
-                <ma14:wrappingTextBoxFlag xmlns="" xmlns:ma14="http://schemas.microsoft.com/office/mac/drawingml/2011/main" val="1"/>
-              </a:ext>
-            </a:extLst>
           </p:spPr>
           <p:txBody>
             <a:bodyPr wrap="square" lIns="0" tIns="0" rIns="0" bIns="0" numCol="1" anchor="ctr">
@@ -10318,6 +10277,13 @@
                 </a:rPr>
                 <a:t>日常开销</a:t>
               </a:r>
+              <a:endParaRPr lang="zh-CN" altLang="en-US" sz="2000" b="1" dirty="0" smtClean="0">
+                <a:solidFill>
+                  <a:schemeClr val="bg1"/>
+                </a:solidFill>
+                <a:latin typeface="微软雅黑" panose="020B0503020204020204" pitchFamily="34" charset="-122"/>
+                <a:ea typeface="微软雅黑" panose="020B0503020204020204" pitchFamily="34" charset="-122"/>
+              </a:endParaRPr>
             </a:p>
           </p:txBody>
         </p:sp>
@@ -10451,11 +10417,6 @@
               <a:miter lim="400000"/>
             </a:ln>
             <a:effectLst/>
-            <a:extLst>
-              <a:ext uri="{C572A759-6A51-4108-AA02-DFA0A04FC94B}">
-                <ma14:wrappingTextBoxFlag xmlns="" xmlns:ma14="http://schemas.microsoft.com/office/mac/drawingml/2011/main" val="1"/>
-              </a:ext>
-            </a:extLst>
           </p:spPr>
           <p:txBody>
             <a:bodyPr wrap="square" lIns="0" tIns="0" rIns="0" bIns="0" numCol="1" anchor="ctr">
@@ -10492,6 +10453,13 @@
                 </a:rPr>
                 <a:t>人生保障</a:t>
               </a:r>
+              <a:endParaRPr lang="zh-CN" altLang="en-US" sz="2000" b="1" dirty="0" smtClean="0">
+                <a:solidFill>
+                  <a:schemeClr val="bg1"/>
+                </a:solidFill>
+                <a:latin typeface="微软雅黑" panose="020B0503020204020204" pitchFamily="34" charset="-122"/>
+                <a:ea typeface="微软雅黑" panose="020B0503020204020204" pitchFamily="34" charset="-122"/>
+              </a:endParaRPr>
             </a:p>
           </p:txBody>
         </p:sp>
@@ -10542,7 +10510,7 @@
           <a:p>
             <a:pPr algn="ctr"/>
             <a:endParaRPr lang="bg-BG" dirty="0">
-              <a:latin typeface="Calibri Light"/>
+              <a:latin typeface="Calibri Light" panose="020F0302020204030204"/>
             </a:endParaRPr>
           </a:p>
         </p:txBody>
@@ -10593,7 +10561,7 @@
           <a:p>
             <a:pPr algn="ctr"/>
             <a:endParaRPr lang="bg-BG" dirty="0">
-              <a:latin typeface="Calibri Light"/>
+              <a:latin typeface="Calibri Light" panose="020F0302020204030204"/>
             </a:endParaRPr>
           </a:p>
         </p:txBody>
@@ -10644,7 +10612,7 @@
           <a:p>
             <a:pPr algn="ctr"/>
             <a:endParaRPr lang="bg-BG" dirty="0">
-              <a:latin typeface="Calibri Light"/>
+              <a:latin typeface="Calibri Light" panose="020F0302020204030204"/>
             </a:endParaRPr>
           </a:p>
         </p:txBody>
@@ -10815,7 +10783,7 @@
           <a:p>
             <a:pPr algn="ctr"/>
             <a:endParaRPr lang="bg-BG" dirty="0">
-              <a:latin typeface="Calibri Light"/>
+              <a:latin typeface="Calibri Light" panose="020F0302020204030204"/>
             </a:endParaRPr>
           </a:p>
         </p:txBody>
@@ -10905,17 +10873,12 @@
         </p:txBody>
       </p:sp>
     </p:spTree>
-    <p:extLst>
-      <p:ext uri="{BB962C8B-B14F-4D97-AF65-F5344CB8AC3E}">
-        <p14:creationId xmlns="" xmlns:p14="http://schemas.microsoft.com/office/powerpoint/2010/main" val="4095140424"/>
-      </p:ext>
-    </p:extLst>
   </p:cSld>
   <p:clrMapOvr>
     <a:masterClrMapping/>
   </p:clrMapOvr>
   <mc:AlternateContent xmlns:mc="http://schemas.openxmlformats.org/markup-compatibility/2006">
-    <mc:Choice xmlns="" xmlns:p14="http://schemas.microsoft.com/office/powerpoint/2010/main" Requires="p14">
+    <mc:Choice xmlns:p14="http://schemas.microsoft.com/office/powerpoint/2010/main" Requires="p14">
       <p:transition spd="slow" p14:dur="1600">
         <p:blinds dir="vert"/>
       </p:transition>
@@ -10955,13 +10918,7 @@
       </p:grpSpPr>
       <p:sp>
         <p:nvSpPr>
-          <p:cNvPr id="31" name="TextBox 9">
-            <a:extLst>
-              <a:ext uri="{FF2B5EF4-FFF2-40B4-BE49-F238E27FC236}">
-                <a16:creationId xmlns="" xmlns:a16="http://schemas.microsoft.com/office/drawing/2014/main" id="{196AEFB1-B5B8-48EC-BBBA-092BE2D0990E}"/>
-              </a:ext>
-            </a:extLst>
-          </p:cNvPr>
+          <p:cNvPr id="31" name="TextBox 9"/>
           <p:cNvSpPr txBox="1"/>
           <p:nvPr/>
         </p:nvSpPr>
@@ -11091,8 +11048,8 @@
                 <a:solidFill>
                   <a:schemeClr val="accent1"/>
                 </a:solidFill>
-                <a:latin typeface="Arial" pitchFamily="34" charset="0"/>
-                <a:ea typeface="微软雅黑" pitchFamily="34" charset="-122"/>
+                <a:latin typeface="Arial" panose="020B0604020202020204" pitchFamily="34" charset="0"/>
+                <a:ea typeface="微软雅黑" panose="020B0503020204020204" pitchFamily="34" charset="-122"/>
               </a:defRPr>
             </a:lvl1pPr>
             <a:lvl2pPr marL="742950" indent="-285750" eaLnBrk="0" hangingPunct="0">
@@ -11104,7 +11061,7 @@
                 <a:solidFill>
                   <a:schemeClr val="accent1"/>
                 </a:solidFill>
-                <a:latin typeface="Arial" pitchFamily="34" charset="0"/>
+                <a:latin typeface="Arial" panose="020B0604020202020204" pitchFamily="34" charset="0"/>
                 <a:ea typeface="仿宋_GB2312" pitchFamily="1" charset="-122"/>
               </a:defRPr>
             </a:lvl2pPr>
@@ -11117,8 +11074,8 @@
                 <a:solidFill>
                   <a:schemeClr val="tx1"/>
                 </a:solidFill>
-                <a:latin typeface="Arial" pitchFamily="34" charset="0"/>
-                <a:ea typeface="宋体" pitchFamily="2" charset="-122"/>
+                <a:latin typeface="Arial" panose="020B0604020202020204" pitchFamily="34" charset="0"/>
+                <a:ea typeface="宋体" panose="02010600030101010101" pitchFamily="2" charset="-122"/>
               </a:defRPr>
             </a:lvl3pPr>
             <a:lvl4pPr marL="1600200" indent="-228600" eaLnBrk="0" hangingPunct="0">
@@ -11130,8 +11087,8 @@
                 <a:solidFill>
                   <a:schemeClr val="tx1"/>
                 </a:solidFill>
-                <a:latin typeface="Arial" pitchFamily="34" charset="0"/>
-                <a:ea typeface="宋体" pitchFamily="2" charset="-122"/>
+                <a:latin typeface="Arial" panose="020B0604020202020204" pitchFamily="34" charset="0"/>
+                <a:ea typeface="宋体" panose="02010600030101010101" pitchFamily="2" charset="-122"/>
               </a:defRPr>
             </a:lvl4pPr>
             <a:lvl5pPr marL="2057400" indent="-228600" eaLnBrk="0" hangingPunct="0">
@@ -11143,8 +11100,8 @@
                 <a:solidFill>
                   <a:schemeClr val="tx1"/>
                 </a:solidFill>
-                <a:latin typeface="Arial" pitchFamily="34" charset="0"/>
-                <a:ea typeface="宋体" pitchFamily="2" charset="-122"/>
+                <a:latin typeface="Arial" panose="020B0604020202020204" pitchFamily="34" charset="0"/>
+                <a:ea typeface="宋体" panose="02010600030101010101" pitchFamily="2" charset="-122"/>
               </a:defRPr>
             </a:lvl5pPr>
             <a:lvl6pPr marL="2514600" indent="-228600" eaLnBrk="0" fontAlgn="base" hangingPunct="0">
@@ -11159,8 +11116,8 @@
                 <a:solidFill>
                   <a:schemeClr val="tx1"/>
                 </a:solidFill>
-                <a:latin typeface="Arial" pitchFamily="34" charset="0"/>
-                <a:ea typeface="宋体" pitchFamily="2" charset="-122"/>
+                <a:latin typeface="Arial" panose="020B0604020202020204" pitchFamily="34" charset="0"/>
+                <a:ea typeface="宋体" panose="02010600030101010101" pitchFamily="2" charset="-122"/>
               </a:defRPr>
             </a:lvl6pPr>
             <a:lvl7pPr marL="2971800" indent="-228600" eaLnBrk="0" fontAlgn="base" hangingPunct="0">
@@ -11175,8 +11132,8 @@
                 <a:solidFill>
                   <a:schemeClr val="tx1"/>
                 </a:solidFill>
-                <a:latin typeface="Arial" pitchFamily="34" charset="0"/>
-                <a:ea typeface="宋体" pitchFamily="2" charset="-122"/>
+                <a:latin typeface="Arial" panose="020B0604020202020204" pitchFamily="34" charset="0"/>
+                <a:ea typeface="宋体" panose="02010600030101010101" pitchFamily="2" charset="-122"/>
               </a:defRPr>
             </a:lvl7pPr>
             <a:lvl8pPr marL="3429000" indent="-228600" eaLnBrk="0" fontAlgn="base" hangingPunct="0">
@@ -11191,8 +11148,8 @@
                 <a:solidFill>
                   <a:schemeClr val="tx1"/>
                 </a:solidFill>
-                <a:latin typeface="Arial" pitchFamily="34" charset="0"/>
-                <a:ea typeface="宋体" pitchFamily="2" charset="-122"/>
+                <a:latin typeface="Arial" panose="020B0604020202020204" pitchFamily="34" charset="0"/>
+                <a:ea typeface="宋体" panose="02010600030101010101" pitchFamily="2" charset="-122"/>
               </a:defRPr>
             </a:lvl8pPr>
             <a:lvl9pPr marL="3886200" indent="-228600" eaLnBrk="0" fontAlgn="base" hangingPunct="0">
@@ -11207,8 +11164,8 @@
                 <a:solidFill>
                   <a:schemeClr val="tx1"/>
                 </a:solidFill>
-                <a:latin typeface="Arial" pitchFamily="34" charset="0"/>
-                <a:ea typeface="宋体" pitchFamily="2" charset="-122"/>
+                <a:latin typeface="Arial" panose="020B0604020202020204" pitchFamily="34" charset="0"/>
+                <a:ea typeface="宋体" panose="02010600030101010101" pitchFamily="2" charset="-122"/>
               </a:defRPr>
             </a:lvl9pPr>
           </a:lstStyle>
@@ -11232,9 +11189,7 @@
       <p:sp>
         <p:nvSpPr>
           <p:cNvPr id="69" name="Freeform 42"/>
-          <p:cNvSpPr>
-            <a:spLocks/>
-          </p:cNvSpPr>
+          <p:cNvSpPr/>
           <p:nvPr/>
         </p:nvSpPr>
         <p:spPr bwMode="auto">
@@ -11294,7 +11249,7 @@
           </a:ln>
           <a:extLst>
             <a:ext uri="{909E8E84-426E-40DD-AFC4-6F175D3DCCD1}">
-              <a14:hiddenFill xmlns="" xmlns:a14="http://schemas.microsoft.com/office/drawing/2010/main">
+              <a14:hiddenFill xmlns:a14="http://schemas.microsoft.com/office/drawing/2010/main">
                 <a:solidFill>
                   <a:srgbClr val="FFFFFF"/>
                 </a:solidFill>
@@ -11316,9 +11271,7 @@
       <p:sp>
         <p:nvSpPr>
           <p:cNvPr id="70" name="Freeform 42"/>
-          <p:cNvSpPr>
-            <a:spLocks/>
-          </p:cNvSpPr>
+          <p:cNvSpPr/>
           <p:nvPr/>
         </p:nvSpPr>
         <p:spPr bwMode="auto">
@@ -11378,7 +11331,7 @@
           </a:ln>
           <a:extLst>
             <a:ext uri="{909E8E84-426E-40DD-AFC4-6F175D3DCCD1}">
-              <a14:hiddenFill xmlns="" xmlns:a14="http://schemas.microsoft.com/office/drawing/2010/main">
+              <a14:hiddenFill xmlns:a14="http://schemas.microsoft.com/office/drawing/2010/main">
                 <a:solidFill>
                   <a:srgbClr val="FFFFFF"/>
                 </a:solidFill>
@@ -11400,9 +11353,7 @@
       <p:sp>
         <p:nvSpPr>
           <p:cNvPr id="71" name="Freeform 42"/>
-          <p:cNvSpPr>
-            <a:spLocks/>
-          </p:cNvSpPr>
+          <p:cNvSpPr/>
           <p:nvPr/>
         </p:nvSpPr>
         <p:spPr bwMode="auto">
@@ -11462,7 +11413,7 @@
           </a:ln>
           <a:extLst>
             <a:ext uri="{909E8E84-426E-40DD-AFC4-6F175D3DCCD1}">
-              <a14:hiddenFill xmlns="" xmlns:a14="http://schemas.microsoft.com/office/drawing/2010/main">
+              <a14:hiddenFill xmlns:a14="http://schemas.microsoft.com/office/drawing/2010/main">
                 <a:solidFill>
                   <a:srgbClr val="FFFFFF"/>
                 </a:solidFill>
@@ -11484,9 +11435,7 @@
       <p:sp>
         <p:nvSpPr>
           <p:cNvPr id="72" name="Freeform 42"/>
-          <p:cNvSpPr>
-            <a:spLocks/>
-          </p:cNvSpPr>
+          <p:cNvSpPr/>
           <p:nvPr/>
         </p:nvSpPr>
         <p:spPr bwMode="auto">
@@ -11546,7 +11495,7 @@
           </a:ln>
           <a:extLst>
             <a:ext uri="{909E8E84-426E-40DD-AFC4-6F175D3DCCD1}">
-              <a14:hiddenFill xmlns="" xmlns:a14="http://schemas.microsoft.com/office/drawing/2010/main">
+              <a14:hiddenFill xmlns:a14="http://schemas.microsoft.com/office/drawing/2010/main">
                 <a:solidFill>
                   <a:srgbClr val="FFFFFF"/>
                 </a:solidFill>
@@ -11600,8 +11549,8 @@
                 <a:solidFill>
                   <a:schemeClr val="accent1"/>
                 </a:solidFill>
-                <a:latin typeface="Arial" pitchFamily="34" charset="0"/>
-                <a:ea typeface="微软雅黑" pitchFamily="34" charset="-122"/>
+                <a:latin typeface="Arial" panose="020B0604020202020204" pitchFamily="34" charset="0"/>
+                <a:ea typeface="微软雅黑" panose="020B0503020204020204" pitchFamily="34" charset="-122"/>
               </a:defRPr>
             </a:lvl1pPr>
             <a:lvl2pPr marL="742950" indent="-285750" eaLnBrk="0" hangingPunct="0">
@@ -11613,7 +11562,7 @@
                 <a:solidFill>
                   <a:schemeClr val="accent1"/>
                 </a:solidFill>
-                <a:latin typeface="Arial" pitchFamily="34" charset="0"/>
+                <a:latin typeface="Arial" panose="020B0604020202020204" pitchFamily="34" charset="0"/>
                 <a:ea typeface="仿宋_GB2312" pitchFamily="1" charset="-122"/>
               </a:defRPr>
             </a:lvl2pPr>
@@ -11626,8 +11575,8 @@
                 <a:solidFill>
                   <a:schemeClr val="tx1"/>
                 </a:solidFill>
-                <a:latin typeface="Arial" pitchFamily="34" charset="0"/>
-                <a:ea typeface="宋体" pitchFamily="2" charset="-122"/>
+                <a:latin typeface="Arial" panose="020B0604020202020204" pitchFamily="34" charset="0"/>
+                <a:ea typeface="宋体" panose="02010600030101010101" pitchFamily="2" charset="-122"/>
               </a:defRPr>
             </a:lvl3pPr>
             <a:lvl4pPr marL="1600200" indent="-228600" eaLnBrk="0" hangingPunct="0">
@@ -11639,8 +11588,8 @@
                 <a:solidFill>
                   <a:schemeClr val="tx1"/>
                 </a:solidFill>
-                <a:latin typeface="Arial" pitchFamily="34" charset="0"/>
-                <a:ea typeface="宋体" pitchFamily="2" charset="-122"/>
+                <a:latin typeface="Arial" panose="020B0604020202020204" pitchFamily="34" charset="0"/>
+                <a:ea typeface="宋体" panose="02010600030101010101" pitchFamily="2" charset="-122"/>
               </a:defRPr>
             </a:lvl4pPr>
             <a:lvl5pPr marL="2057400" indent="-228600" eaLnBrk="0" hangingPunct="0">
@@ -11652,8 +11601,8 @@
                 <a:solidFill>
                   <a:schemeClr val="tx1"/>
                 </a:solidFill>
-                <a:latin typeface="Arial" pitchFamily="34" charset="0"/>
-                <a:ea typeface="宋体" pitchFamily="2" charset="-122"/>
+                <a:latin typeface="Arial" panose="020B0604020202020204" pitchFamily="34" charset="0"/>
+                <a:ea typeface="宋体" panose="02010600030101010101" pitchFamily="2" charset="-122"/>
               </a:defRPr>
             </a:lvl5pPr>
             <a:lvl6pPr marL="2514600" indent="-228600" eaLnBrk="0" fontAlgn="base" hangingPunct="0">
@@ -11668,8 +11617,8 @@
                 <a:solidFill>
                   <a:schemeClr val="tx1"/>
                 </a:solidFill>
-                <a:latin typeface="Arial" pitchFamily="34" charset="0"/>
-                <a:ea typeface="宋体" pitchFamily="2" charset="-122"/>
+                <a:latin typeface="Arial" panose="020B0604020202020204" pitchFamily="34" charset="0"/>
+                <a:ea typeface="宋体" panose="02010600030101010101" pitchFamily="2" charset="-122"/>
               </a:defRPr>
             </a:lvl6pPr>
             <a:lvl7pPr marL="2971800" indent="-228600" eaLnBrk="0" fontAlgn="base" hangingPunct="0">
@@ -11684,8 +11633,8 @@
                 <a:solidFill>
                   <a:schemeClr val="tx1"/>
                 </a:solidFill>
-                <a:latin typeface="Arial" pitchFamily="34" charset="0"/>
-                <a:ea typeface="宋体" pitchFamily="2" charset="-122"/>
+                <a:latin typeface="Arial" panose="020B0604020202020204" pitchFamily="34" charset="0"/>
+                <a:ea typeface="宋体" panose="02010600030101010101" pitchFamily="2" charset="-122"/>
               </a:defRPr>
             </a:lvl7pPr>
             <a:lvl8pPr marL="3429000" indent="-228600" eaLnBrk="0" fontAlgn="base" hangingPunct="0">
@@ -11700,8 +11649,8 @@
                 <a:solidFill>
                   <a:schemeClr val="tx1"/>
                 </a:solidFill>
-                <a:latin typeface="Arial" pitchFamily="34" charset="0"/>
-                <a:ea typeface="宋体" pitchFamily="2" charset="-122"/>
+                <a:latin typeface="Arial" panose="020B0604020202020204" pitchFamily="34" charset="0"/>
+                <a:ea typeface="宋体" panose="02010600030101010101" pitchFamily="2" charset="-122"/>
               </a:defRPr>
             </a:lvl8pPr>
             <a:lvl9pPr marL="3886200" indent="-228600" eaLnBrk="0" fontAlgn="base" hangingPunct="0">
@@ -11716,8 +11665,8 @@
                 <a:solidFill>
                   <a:schemeClr val="tx1"/>
                 </a:solidFill>
-                <a:latin typeface="Arial" pitchFamily="34" charset="0"/>
-                <a:ea typeface="宋体" pitchFamily="2" charset="-122"/>
+                <a:latin typeface="Arial" panose="020B0604020202020204" pitchFamily="34" charset="0"/>
+                <a:ea typeface="宋体" panose="02010600030101010101" pitchFamily="2" charset="-122"/>
               </a:defRPr>
             </a:lvl9pPr>
           </a:lstStyle>
@@ -11737,7 +11686,7 @@
                     <a:lumOff val="25000"/>
                   </a:schemeClr>
                 </a:solidFill>
-                <a:latin typeface="微软雅黑" pitchFamily="34" charset="-122"/>
+                <a:latin typeface="微软雅黑" panose="020B0503020204020204" pitchFamily="34" charset="-122"/>
               </a:rPr>
               <a:t>关于财务自由的四点想法</a:t>
             </a:r>
@@ -11748,7 +11697,7 @@
                   <a:lumOff val="25000"/>
                 </a:schemeClr>
               </a:solidFill>
-              <a:latin typeface="微软雅黑" pitchFamily="34" charset="-122"/>
+              <a:latin typeface="微软雅黑" panose="020B0503020204020204" pitchFamily="34" charset="-122"/>
             </a:endParaRPr>
           </a:p>
         </p:txBody>
@@ -11756,9 +11705,7 @@
       <p:grpSp>
         <p:nvGrpSpPr>
           <p:cNvPr id="74" name="组合 34"/>
-          <p:cNvGrpSpPr>
-            <a:grpSpLocks/>
-          </p:cNvGrpSpPr>
+          <p:cNvGrpSpPr/>
           <p:nvPr/>
         </p:nvGrpSpPr>
         <p:grpSpPr bwMode="auto">
@@ -11798,8 +11745,6 @@
                 <a:schemeClr val="bg1"/>
               </a:solidFill>
               <a:round/>
-              <a:headEnd/>
-              <a:tailEnd/>
             </a:ln>
             <a:effectLst>
               <a:outerShdw blurRad="101600" dist="38100" dir="8100000" algn="tr" rotWithShape="0">
@@ -11808,7 +11753,6 @@
                 </a:prstClr>
               </a:outerShdw>
             </a:effectLst>
-            <a:extLst/>
           </p:spPr>
           <p:txBody>
             <a:bodyPr/>
@@ -11822,8 +11766,8 @@
                   <a:solidFill>
                     <a:schemeClr val="accent1"/>
                   </a:solidFill>
-                  <a:latin typeface="Arial" pitchFamily="34" charset="0"/>
-                  <a:ea typeface="微软雅黑" pitchFamily="34" charset="-122"/>
+                  <a:latin typeface="Arial" panose="020B0604020202020204" pitchFamily="34" charset="0"/>
+                  <a:ea typeface="微软雅黑" panose="020B0503020204020204" pitchFamily="34" charset="-122"/>
                 </a:defRPr>
               </a:lvl1pPr>
               <a:lvl2pPr marL="742950" indent="-285750" eaLnBrk="0" hangingPunct="0">
@@ -11835,7 +11779,7 @@
                   <a:solidFill>
                     <a:schemeClr val="accent1"/>
                   </a:solidFill>
-                  <a:latin typeface="Arial" pitchFamily="34" charset="0"/>
+                  <a:latin typeface="Arial" panose="020B0604020202020204" pitchFamily="34" charset="0"/>
                   <a:ea typeface="仿宋_GB2312" pitchFamily="1" charset="-122"/>
                 </a:defRPr>
               </a:lvl2pPr>
@@ -11848,8 +11792,8 @@
                   <a:solidFill>
                     <a:schemeClr val="tx1"/>
                   </a:solidFill>
-                  <a:latin typeface="Arial" pitchFamily="34" charset="0"/>
-                  <a:ea typeface="宋体" pitchFamily="2" charset="-122"/>
+                  <a:latin typeface="Arial" panose="020B0604020202020204" pitchFamily="34" charset="0"/>
+                  <a:ea typeface="宋体" panose="02010600030101010101" pitchFamily="2" charset="-122"/>
                 </a:defRPr>
               </a:lvl3pPr>
               <a:lvl4pPr marL="1600200" indent="-228600" eaLnBrk="0" hangingPunct="0">
@@ -11861,8 +11805,8 @@
                   <a:solidFill>
                     <a:schemeClr val="tx1"/>
                   </a:solidFill>
-                  <a:latin typeface="Arial" pitchFamily="34" charset="0"/>
-                  <a:ea typeface="宋体" pitchFamily="2" charset="-122"/>
+                  <a:latin typeface="Arial" panose="020B0604020202020204" pitchFamily="34" charset="0"/>
+                  <a:ea typeface="宋体" panose="02010600030101010101" pitchFamily="2" charset="-122"/>
                 </a:defRPr>
               </a:lvl4pPr>
               <a:lvl5pPr marL="2057400" indent="-228600" eaLnBrk="0" hangingPunct="0">
@@ -11874,8 +11818,8 @@
                   <a:solidFill>
                     <a:schemeClr val="tx1"/>
                   </a:solidFill>
-                  <a:latin typeface="Arial" pitchFamily="34" charset="0"/>
-                  <a:ea typeface="宋体" pitchFamily="2" charset="-122"/>
+                  <a:latin typeface="Arial" panose="020B0604020202020204" pitchFamily="34" charset="0"/>
+                  <a:ea typeface="宋体" panose="02010600030101010101" pitchFamily="2" charset="-122"/>
                 </a:defRPr>
               </a:lvl5pPr>
               <a:lvl6pPr marL="2514600" indent="-228600" eaLnBrk="0" fontAlgn="base" hangingPunct="0">
@@ -11890,8 +11834,8 @@
                   <a:solidFill>
                     <a:schemeClr val="tx1"/>
                   </a:solidFill>
-                  <a:latin typeface="Arial" pitchFamily="34" charset="0"/>
-                  <a:ea typeface="宋体" pitchFamily="2" charset="-122"/>
+                  <a:latin typeface="Arial" panose="020B0604020202020204" pitchFamily="34" charset="0"/>
+                  <a:ea typeface="宋体" panose="02010600030101010101" pitchFamily="2" charset="-122"/>
                 </a:defRPr>
               </a:lvl6pPr>
               <a:lvl7pPr marL="2971800" indent="-228600" eaLnBrk="0" fontAlgn="base" hangingPunct="0">
@@ -11906,8 +11850,8 @@
                   <a:solidFill>
                     <a:schemeClr val="tx1"/>
                   </a:solidFill>
-                  <a:latin typeface="Arial" pitchFamily="34" charset="0"/>
-                  <a:ea typeface="宋体" pitchFamily="2" charset="-122"/>
+                  <a:latin typeface="Arial" panose="020B0604020202020204" pitchFamily="34" charset="0"/>
+                  <a:ea typeface="宋体" panose="02010600030101010101" pitchFamily="2" charset="-122"/>
                 </a:defRPr>
               </a:lvl7pPr>
               <a:lvl8pPr marL="3429000" indent="-228600" eaLnBrk="0" fontAlgn="base" hangingPunct="0">
@@ -11922,8 +11866,8 @@
                   <a:solidFill>
                     <a:schemeClr val="tx1"/>
                   </a:solidFill>
-                  <a:latin typeface="Arial" pitchFamily="34" charset="0"/>
-                  <a:ea typeface="宋体" pitchFamily="2" charset="-122"/>
+                  <a:latin typeface="Arial" panose="020B0604020202020204" pitchFamily="34" charset="0"/>
+                  <a:ea typeface="宋体" panose="02010600030101010101" pitchFamily="2" charset="-122"/>
                 </a:defRPr>
               </a:lvl8pPr>
               <a:lvl9pPr marL="3886200" indent="-228600" eaLnBrk="0" fontAlgn="base" hangingPunct="0">
@@ -11938,8 +11882,8 @@
                   <a:solidFill>
                     <a:schemeClr val="tx1"/>
                   </a:solidFill>
-                  <a:latin typeface="Arial" pitchFamily="34" charset="0"/>
-                  <a:ea typeface="宋体" pitchFamily="2" charset="-122"/>
+                  <a:latin typeface="Arial" panose="020B0604020202020204" pitchFamily="34" charset="0"/>
+                  <a:ea typeface="宋体" panose="02010600030101010101" pitchFamily="2" charset="-122"/>
                 </a:defRPr>
               </a:lvl9pPr>
             </a:lstStyle>
@@ -12673,13 +12617,11 @@
             </a:ln>
             <a:extLst>
               <a:ext uri="{91240B29-F687-4F45-9708-019B960494DF}">
-                <a14:hiddenLine xmlns="" xmlns:a14="http://schemas.microsoft.com/office/drawing/2010/main" w="9525">
+                <a14:hiddenLine xmlns:a14="http://schemas.microsoft.com/office/drawing/2010/main" w="9525">
                   <a:solidFill>
                     <a:srgbClr val="000000"/>
                   </a:solidFill>
                   <a:round/>
-                  <a:headEnd/>
-                  <a:tailEnd/>
                 </a14:hiddenLine>
               </a:ext>
             </a:extLst>
@@ -12699,9 +12641,7 @@
       <p:grpSp>
         <p:nvGrpSpPr>
           <p:cNvPr id="75" name="组合 37"/>
-          <p:cNvGrpSpPr>
-            <a:grpSpLocks/>
-          </p:cNvGrpSpPr>
+          <p:cNvGrpSpPr/>
           <p:nvPr/>
         </p:nvGrpSpPr>
         <p:grpSpPr bwMode="auto">
@@ -12741,8 +12681,6 @@
                 <a:schemeClr val="bg1"/>
               </a:solidFill>
               <a:round/>
-              <a:headEnd/>
-              <a:tailEnd/>
             </a:ln>
             <a:effectLst>
               <a:outerShdw blurRad="101600" dist="38100" dir="8100000" algn="tr" rotWithShape="0">
@@ -12751,7 +12689,6 @@
                 </a:prstClr>
               </a:outerShdw>
             </a:effectLst>
-            <a:extLst/>
           </p:spPr>
           <p:txBody>
             <a:bodyPr/>
@@ -12765,8 +12702,8 @@
                   <a:solidFill>
                     <a:schemeClr val="accent1"/>
                   </a:solidFill>
-                  <a:latin typeface="Arial" pitchFamily="34" charset="0"/>
-                  <a:ea typeface="微软雅黑" pitchFamily="34" charset="-122"/>
+                  <a:latin typeface="Arial" panose="020B0604020202020204" pitchFamily="34" charset="0"/>
+                  <a:ea typeface="微软雅黑" panose="020B0503020204020204" pitchFamily="34" charset="-122"/>
                 </a:defRPr>
               </a:lvl1pPr>
               <a:lvl2pPr marL="742950" indent="-285750" eaLnBrk="0" hangingPunct="0">
@@ -12778,7 +12715,7 @@
                   <a:solidFill>
                     <a:schemeClr val="accent1"/>
                   </a:solidFill>
-                  <a:latin typeface="Arial" pitchFamily="34" charset="0"/>
+                  <a:latin typeface="Arial" panose="020B0604020202020204" pitchFamily="34" charset="0"/>
                   <a:ea typeface="仿宋_GB2312" pitchFamily="1" charset="-122"/>
                 </a:defRPr>
               </a:lvl2pPr>
@@ -12791,8 +12728,8 @@
                   <a:solidFill>
                     <a:schemeClr val="tx1"/>
                   </a:solidFill>
-                  <a:latin typeface="Arial" pitchFamily="34" charset="0"/>
-                  <a:ea typeface="宋体" pitchFamily="2" charset="-122"/>
+                  <a:latin typeface="Arial" panose="020B0604020202020204" pitchFamily="34" charset="0"/>
+                  <a:ea typeface="宋体" panose="02010600030101010101" pitchFamily="2" charset="-122"/>
                 </a:defRPr>
               </a:lvl3pPr>
               <a:lvl4pPr marL="1600200" indent="-228600" eaLnBrk="0" hangingPunct="0">
@@ -12804,8 +12741,8 @@
                   <a:solidFill>
                     <a:schemeClr val="tx1"/>
                   </a:solidFill>
-                  <a:latin typeface="Arial" pitchFamily="34" charset="0"/>
-                  <a:ea typeface="宋体" pitchFamily="2" charset="-122"/>
+                  <a:latin typeface="Arial" panose="020B0604020202020204" pitchFamily="34" charset="0"/>
+                  <a:ea typeface="宋体" panose="02010600030101010101" pitchFamily="2" charset="-122"/>
                 </a:defRPr>
               </a:lvl4pPr>
               <a:lvl5pPr marL="2057400" indent="-228600" eaLnBrk="0" hangingPunct="0">
@@ -12817,8 +12754,8 @@
                   <a:solidFill>
                     <a:schemeClr val="tx1"/>
                   </a:solidFill>
-                  <a:latin typeface="Arial" pitchFamily="34" charset="0"/>
-                  <a:ea typeface="宋体" pitchFamily="2" charset="-122"/>
+                  <a:latin typeface="Arial" panose="020B0604020202020204" pitchFamily="34" charset="0"/>
+                  <a:ea typeface="宋体" panose="02010600030101010101" pitchFamily="2" charset="-122"/>
                 </a:defRPr>
               </a:lvl5pPr>
               <a:lvl6pPr marL="2514600" indent="-228600" eaLnBrk="0" fontAlgn="base" hangingPunct="0">
@@ -12833,8 +12770,8 @@
                   <a:solidFill>
                     <a:schemeClr val="tx1"/>
                   </a:solidFill>
-                  <a:latin typeface="Arial" pitchFamily="34" charset="0"/>
-                  <a:ea typeface="宋体" pitchFamily="2" charset="-122"/>
+                  <a:latin typeface="Arial" panose="020B0604020202020204" pitchFamily="34" charset="0"/>
+                  <a:ea typeface="宋体" panose="02010600030101010101" pitchFamily="2" charset="-122"/>
                 </a:defRPr>
               </a:lvl6pPr>
               <a:lvl7pPr marL="2971800" indent="-228600" eaLnBrk="0" fontAlgn="base" hangingPunct="0">
@@ -12849,8 +12786,8 @@
                   <a:solidFill>
                     <a:schemeClr val="tx1"/>
                   </a:solidFill>
-                  <a:latin typeface="Arial" pitchFamily="34" charset="0"/>
-                  <a:ea typeface="宋体" pitchFamily="2" charset="-122"/>
+                  <a:latin typeface="Arial" panose="020B0604020202020204" pitchFamily="34" charset="0"/>
+                  <a:ea typeface="宋体" panose="02010600030101010101" pitchFamily="2" charset="-122"/>
                 </a:defRPr>
               </a:lvl7pPr>
               <a:lvl8pPr marL="3429000" indent="-228600" eaLnBrk="0" fontAlgn="base" hangingPunct="0">
@@ -12865,8 +12802,8 @@
                   <a:solidFill>
                     <a:schemeClr val="tx1"/>
                   </a:solidFill>
-                  <a:latin typeface="Arial" pitchFamily="34" charset="0"/>
-                  <a:ea typeface="宋体" pitchFamily="2" charset="-122"/>
+                  <a:latin typeface="Arial" panose="020B0604020202020204" pitchFamily="34" charset="0"/>
+                  <a:ea typeface="宋体" panose="02010600030101010101" pitchFamily="2" charset="-122"/>
                 </a:defRPr>
               </a:lvl8pPr>
               <a:lvl9pPr marL="3886200" indent="-228600" eaLnBrk="0" fontAlgn="base" hangingPunct="0">
@@ -12881,8 +12818,8 @@
                   <a:solidFill>
                     <a:schemeClr val="tx1"/>
                   </a:solidFill>
-                  <a:latin typeface="Arial" pitchFamily="34" charset="0"/>
-                  <a:ea typeface="宋体" pitchFamily="2" charset="-122"/>
+                  <a:latin typeface="Arial" panose="020B0604020202020204" pitchFamily="34" charset="0"/>
+                  <a:ea typeface="宋体" panose="02010600030101010101" pitchFamily="2" charset="-122"/>
                 </a:defRPr>
               </a:lvl9pPr>
             </a:lstStyle>
@@ -13705,13 +13642,11 @@
             </a:ln>
             <a:extLst>
               <a:ext uri="{91240B29-F687-4F45-9708-019B960494DF}">
-                <a14:hiddenLine xmlns="" xmlns:a14="http://schemas.microsoft.com/office/drawing/2010/main" w="9525">
+                <a14:hiddenLine xmlns:a14="http://schemas.microsoft.com/office/drawing/2010/main" w="9525">
                   <a:solidFill>
                     <a:srgbClr val="000000"/>
                   </a:solidFill>
                   <a:round/>
-                  <a:headEnd/>
-                  <a:tailEnd/>
                 </a14:hiddenLine>
               </a:ext>
             </a:extLst>
@@ -13731,9 +13666,7 @@
       <p:grpSp>
         <p:nvGrpSpPr>
           <p:cNvPr id="76" name="组合 40"/>
-          <p:cNvGrpSpPr>
-            <a:grpSpLocks/>
-          </p:cNvGrpSpPr>
+          <p:cNvGrpSpPr/>
           <p:nvPr/>
         </p:nvGrpSpPr>
         <p:grpSpPr bwMode="auto">
@@ -13773,8 +13706,6 @@
                 <a:schemeClr val="bg1"/>
               </a:solidFill>
               <a:round/>
-              <a:headEnd/>
-              <a:tailEnd/>
             </a:ln>
             <a:effectLst>
               <a:outerShdw blurRad="101600" dist="38100" dir="8100000" algn="tr" rotWithShape="0">
@@ -13783,7 +13714,6 @@
                 </a:prstClr>
               </a:outerShdw>
             </a:effectLst>
-            <a:extLst/>
           </p:spPr>
           <p:txBody>
             <a:bodyPr/>
@@ -13797,8 +13727,8 @@
                   <a:solidFill>
                     <a:schemeClr val="accent1"/>
                   </a:solidFill>
-                  <a:latin typeface="Arial" pitchFamily="34" charset="0"/>
-                  <a:ea typeface="微软雅黑" pitchFamily="34" charset="-122"/>
+                  <a:latin typeface="Arial" panose="020B0604020202020204" pitchFamily="34" charset="0"/>
+                  <a:ea typeface="微软雅黑" panose="020B0503020204020204" pitchFamily="34" charset="-122"/>
                 </a:defRPr>
               </a:lvl1pPr>
               <a:lvl2pPr marL="742950" indent="-285750" eaLnBrk="0" hangingPunct="0">
@@ -13810,7 +13740,7 @@
                   <a:solidFill>
                     <a:schemeClr val="accent1"/>
                   </a:solidFill>
-                  <a:latin typeface="Arial" pitchFamily="34" charset="0"/>
+                  <a:latin typeface="Arial" panose="020B0604020202020204" pitchFamily="34" charset="0"/>
                   <a:ea typeface="仿宋_GB2312" pitchFamily="1" charset="-122"/>
                 </a:defRPr>
               </a:lvl2pPr>
@@ -13823,8 +13753,8 @@
                   <a:solidFill>
                     <a:schemeClr val="tx1"/>
                   </a:solidFill>
-                  <a:latin typeface="Arial" pitchFamily="34" charset="0"/>
-                  <a:ea typeface="宋体" pitchFamily="2" charset="-122"/>
+                  <a:latin typeface="Arial" panose="020B0604020202020204" pitchFamily="34" charset="0"/>
+                  <a:ea typeface="宋体" panose="02010600030101010101" pitchFamily="2" charset="-122"/>
                 </a:defRPr>
               </a:lvl3pPr>
               <a:lvl4pPr marL="1600200" indent="-228600" eaLnBrk="0" hangingPunct="0">
@@ -13836,8 +13766,8 @@
                   <a:solidFill>
                     <a:schemeClr val="tx1"/>
                   </a:solidFill>
-                  <a:latin typeface="Arial" pitchFamily="34" charset="0"/>
-                  <a:ea typeface="宋体" pitchFamily="2" charset="-122"/>
+                  <a:latin typeface="Arial" panose="020B0604020202020204" pitchFamily="34" charset="0"/>
+                  <a:ea typeface="宋体" panose="02010600030101010101" pitchFamily="2" charset="-122"/>
                 </a:defRPr>
               </a:lvl4pPr>
               <a:lvl5pPr marL="2057400" indent="-228600" eaLnBrk="0" hangingPunct="0">
@@ -13849,8 +13779,8 @@
                   <a:solidFill>
                     <a:schemeClr val="tx1"/>
                   </a:solidFill>
-                  <a:latin typeface="Arial" pitchFamily="34" charset="0"/>
-                  <a:ea typeface="宋体" pitchFamily="2" charset="-122"/>
+                  <a:latin typeface="Arial" panose="020B0604020202020204" pitchFamily="34" charset="0"/>
+                  <a:ea typeface="宋体" panose="02010600030101010101" pitchFamily="2" charset="-122"/>
                 </a:defRPr>
               </a:lvl5pPr>
               <a:lvl6pPr marL="2514600" indent="-228600" eaLnBrk="0" fontAlgn="base" hangingPunct="0">
@@ -13865,8 +13795,8 @@
                   <a:solidFill>
                     <a:schemeClr val="tx1"/>
                   </a:solidFill>
-                  <a:latin typeface="Arial" pitchFamily="34" charset="0"/>
-                  <a:ea typeface="宋体" pitchFamily="2" charset="-122"/>
+                  <a:latin typeface="Arial" panose="020B0604020202020204" pitchFamily="34" charset="0"/>
+                  <a:ea typeface="宋体" panose="02010600030101010101" pitchFamily="2" charset="-122"/>
                 </a:defRPr>
               </a:lvl6pPr>
               <a:lvl7pPr marL="2971800" indent="-228600" eaLnBrk="0" fontAlgn="base" hangingPunct="0">
@@ -13881,8 +13811,8 @@
                   <a:solidFill>
                     <a:schemeClr val="tx1"/>
                   </a:solidFill>
-                  <a:latin typeface="Arial" pitchFamily="34" charset="0"/>
-                  <a:ea typeface="宋体" pitchFamily="2" charset="-122"/>
+                  <a:latin typeface="Arial" panose="020B0604020202020204" pitchFamily="34" charset="0"/>
+                  <a:ea typeface="宋体" panose="02010600030101010101" pitchFamily="2" charset="-122"/>
                 </a:defRPr>
               </a:lvl7pPr>
               <a:lvl8pPr marL="3429000" indent="-228600" eaLnBrk="0" fontAlgn="base" hangingPunct="0">
@@ -13897,8 +13827,8 @@
                   <a:solidFill>
                     <a:schemeClr val="tx1"/>
                   </a:solidFill>
-                  <a:latin typeface="Arial" pitchFamily="34" charset="0"/>
-                  <a:ea typeface="宋体" pitchFamily="2" charset="-122"/>
+                  <a:latin typeface="Arial" panose="020B0604020202020204" pitchFamily="34" charset="0"/>
+                  <a:ea typeface="宋体" panose="02010600030101010101" pitchFamily="2" charset="-122"/>
                 </a:defRPr>
               </a:lvl8pPr>
               <a:lvl9pPr marL="3886200" indent="-228600" eaLnBrk="0" fontAlgn="base" hangingPunct="0">
@@ -13913,8 +13843,8 @@
                   <a:solidFill>
                     <a:schemeClr val="tx1"/>
                   </a:solidFill>
-                  <a:latin typeface="Arial" pitchFamily="34" charset="0"/>
-                  <a:ea typeface="宋体" pitchFamily="2" charset="-122"/>
+                  <a:latin typeface="Arial" panose="020B0604020202020204" pitchFamily="34" charset="0"/>
+                  <a:ea typeface="宋体" panose="02010600030101010101" pitchFamily="2" charset="-122"/>
                 </a:defRPr>
               </a:lvl9pPr>
             </a:lstStyle>
@@ -14568,13 +14498,11 @@
             </a:ln>
             <a:extLst>
               <a:ext uri="{91240B29-F687-4F45-9708-019B960494DF}">
-                <a14:hiddenLine xmlns="" xmlns:a14="http://schemas.microsoft.com/office/drawing/2010/main" w="9525">
+                <a14:hiddenLine xmlns:a14="http://schemas.microsoft.com/office/drawing/2010/main" w="9525">
                   <a:solidFill>
                     <a:srgbClr val="000000"/>
                   </a:solidFill>
                   <a:round/>
-                  <a:headEnd/>
-                  <a:tailEnd/>
                 </a14:hiddenLine>
               </a:ext>
             </a:extLst>
@@ -14594,9 +14522,7 @@
       <p:grpSp>
         <p:nvGrpSpPr>
           <p:cNvPr id="77" name="组合 43"/>
-          <p:cNvGrpSpPr>
-            <a:grpSpLocks/>
-          </p:cNvGrpSpPr>
+          <p:cNvGrpSpPr/>
           <p:nvPr/>
         </p:nvGrpSpPr>
         <p:grpSpPr bwMode="auto">
@@ -14636,8 +14562,6 @@
                 <a:schemeClr val="bg1"/>
               </a:solidFill>
               <a:round/>
-              <a:headEnd/>
-              <a:tailEnd/>
             </a:ln>
             <a:effectLst>
               <a:outerShdw blurRad="101600" dist="38100" dir="8100000" algn="tr" rotWithShape="0">
@@ -14646,7 +14570,6 @@
                 </a:prstClr>
               </a:outerShdw>
             </a:effectLst>
-            <a:extLst/>
           </p:spPr>
           <p:txBody>
             <a:bodyPr/>
@@ -14660,8 +14583,8 @@
                   <a:solidFill>
                     <a:schemeClr val="accent1"/>
                   </a:solidFill>
-                  <a:latin typeface="Arial" pitchFamily="34" charset="0"/>
-                  <a:ea typeface="微软雅黑" pitchFamily="34" charset="-122"/>
+                  <a:latin typeface="Arial" panose="020B0604020202020204" pitchFamily="34" charset="0"/>
+                  <a:ea typeface="微软雅黑" panose="020B0503020204020204" pitchFamily="34" charset="-122"/>
                 </a:defRPr>
               </a:lvl1pPr>
               <a:lvl2pPr marL="742950" indent="-285750" eaLnBrk="0" hangingPunct="0">
@@ -14673,7 +14596,7 @@
                   <a:solidFill>
                     <a:schemeClr val="accent1"/>
                   </a:solidFill>
-                  <a:latin typeface="Arial" pitchFamily="34" charset="0"/>
+                  <a:latin typeface="Arial" panose="020B0604020202020204" pitchFamily="34" charset="0"/>
                   <a:ea typeface="仿宋_GB2312" pitchFamily="1" charset="-122"/>
                 </a:defRPr>
               </a:lvl2pPr>
@@ -14686,8 +14609,8 @@
                   <a:solidFill>
                     <a:schemeClr val="tx1"/>
                   </a:solidFill>
-                  <a:latin typeface="Arial" pitchFamily="34" charset="0"/>
-                  <a:ea typeface="宋体" pitchFamily="2" charset="-122"/>
+                  <a:latin typeface="Arial" panose="020B0604020202020204" pitchFamily="34" charset="0"/>
+                  <a:ea typeface="宋体" panose="02010600030101010101" pitchFamily="2" charset="-122"/>
                 </a:defRPr>
               </a:lvl3pPr>
               <a:lvl4pPr marL="1600200" indent="-228600" eaLnBrk="0" hangingPunct="0">
@@ -14699,8 +14622,8 @@
                   <a:solidFill>
                     <a:schemeClr val="tx1"/>
                   </a:solidFill>
-                  <a:latin typeface="Arial" pitchFamily="34" charset="0"/>
-                  <a:ea typeface="宋体" pitchFamily="2" charset="-122"/>
+                  <a:latin typeface="Arial" panose="020B0604020202020204" pitchFamily="34" charset="0"/>
+                  <a:ea typeface="宋体" panose="02010600030101010101" pitchFamily="2" charset="-122"/>
                 </a:defRPr>
               </a:lvl4pPr>
               <a:lvl5pPr marL="2057400" indent="-228600" eaLnBrk="0" hangingPunct="0">
@@ -14712,8 +14635,8 @@
                   <a:solidFill>
                     <a:schemeClr val="tx1"/>
                   </a:solidFill>
-                  <a:latin typeface="Arial" pitchFamily="34" charset="0"/>
-                  <a:ea typeface="宋体" pitchFamily="2" charset="-122"/>
+                  <a:latin typeface="Arial" panose="020B0604020202020204" pitchFamily="34" charset="0"/>
+                  <a:ea typeface="宋体" panose="02010600030101010101" pitchFamily="2" charset="-122"/>
                 </a:defRPr>
               </a:lvl5pPr>
               <a:lvl6pPr marL="2514600" indent="-228600" eaLnBrk="0" fontAlgn="base" hangingPunct="0">
@@ -14728,8 +14651,8 @@
                   <a:solidFill>
                     <a:schemeClr val="tx1"/>
                   </a:solidFill>
-                  <a:latin typeface="Arial" pitchFamily="34" charset="0"/>
-                  <a:ea typeface="宋体" pitchFamily="2" charset="-122"/>
+                  <a:latin typeface="Arial" panose="020B0604020202020204" pitchFamily="34" charset="0"/>
+                  <a:ea typeface="宋体" panose="02010600030101010101" pitchFamily="2" charset="-122"/>
                 </a:defRPr>
               </a:lvl6pPr>
               <a:lvl7pPr marL="2971800" indent="-228600" eaLnBrk="0" fontAlgn="base" hangingPunct="0">
@@ -14744,8 +14667,8 @@
                   <a:solidFill>
                     <a:schemeClr val="tx1"/>
                   </a:solidFill>
-                  <a:latin typeface="Arial" pitchFamily="34" charset="0"/>
-                  <a:ea typeface="宋体" pitchFamily="2" charset="-122"/>
+                  <a:latin typeface="Arial" panose="020B0604020202020204" pitchFamily="34" charset="0"/>
+                  <a:ea typeface="宋体" panose="02010600030101010101" pitchFamily="2" charset="-122"/>
                 </a:defRPr>
               </a:lvl7pPr>
               <a:lvl8pPr marL="3429000" indent="-228600" eaLnBrk="0" fontAlgn="base" hangingPunct="0">
@@ -14760,8 +14683,8 @@
                   <a:solidFill>
                     <a:schemeClr val="tx1"/>
                   </a:solidFill>
-                  <a:latin typeface="Arial" pitchFamily="34" charset="0"/>
-                  <a:ea typeface="宋体" pitchFamily="2" charset="-122"/>
+                  <a:latin typeface="Arial" panose="020B0604020202020204" pitchFamily="34" charset="0"/>
+                  <a:ea typeface="宋体" panose="02010600030101010101" pitchFamily="2" charset="-122"/>
                 </a:defRPr>
               </a:lvl8pPr>
               <a:lvl9pPr marL="3886200" indent="-228600" eaLnBrk="0" fontAlgn="base" hangingPunct="0">
@@ -14776,8 +14699,8 @@
                   <a:solidFill>
                     <a:schemeClr val="tx1"/>
                   </a:solidFill>
-                  <a:latin typeface="Arial" pitchFamily="34" charset="0"/>
-                  <a:ea typeface="宋体" pitchFamily="2" charset="-122"/>
+                  <a:latin typeface="Arial" panose="020B0604020202020204" pitchFamily="34" charset="0"/>
+                  <a:ea typeface="宋体" panose="02010600030101010101" pitchFamily="2" charset="-122"/>
                 </a:defRPr>
               </a:lvl9pPr>
             </a:lstStyle>
@@ -15274,13 +15197,11 @@
             </a:ln>
             <a:extLst>
               <a:ext uri="{91240B29-F687-4F45-9708-019B960494DF}">
-                <a14:hiddenLine xmlns="" xmlns:a14="http://schemas.microsoft.com/office/drawing/2010/main" w="9525">
+                <a14:hiddenLine xmlns:a14="http://schemas.microsoft.com/office/drawing/2010/main" w="9525">
                   <a:solidFill>
                     <a:srgbClr val="000000"/>
                   </a:solidFill>
                   <a:round/>
-                  <a:headEnd/>
-                  <a:tailEnd/>
                 </a14:hiddenLine>
               </a:ext>
             </a:extLst>
@@ -15319,14 +15240,14 @@
           </a:ln>
           <a:extLst>
             <a:ext uri="{909E8E84-426E-40DD-AFC4-6F175D3DCCD1}">
-              <a14:hiddenFill xmlns="" xmlns:a14="http://schemas.microsoft.com/office/drawing/2010/main">
+              <a14:hiddenFill xmlns:a14="http://schemas.microsoft.com/office/drawing/2010/main">
                 <a:solidFill>
                   <a:srgbClr val="FFFFFF"/>
                 </a:solidFill>
               </a14:hiddenFill>
             </a:ext>
             <a:ext uri="{91240B29-F687-4F45-9708-019B960494DF}">
-              <a14:hiddenLine xmlns="" xmlns:a14="http://schemas.microsoft.com/office/drawing/2010/main" w="9525">
+              <a14:hiddenLine xmlns:a14="http://schemas.microsoft.com/office/drawing/2010/main" w="9525">
                 <a:solidFill>
                   <a:srgbClr val="000000"/>
                 </a:solidFill>
@@ -15351,8 +15272,8 @@
                 <a:solidFill>
                   <a:schemeClr val="accent1"/>
                 </a:solidFill>
-                <a:latin typeface="Arial" pitchFamily="34" charset="0"/>
-                <a:ea typeface="微软雅黑" pitchFamily="34" charset="-122"/>
+                <a:latin typeface="Arial" panose="020B0604020202020204" pitchFamily="34" charset="0"/>
+                <a:ea typeface="微软雅黑" panose="020B0503020204020204" pitchFamily="34" charset="-122"/>
               </a:defRPr>
             </a:lvl1pPr>
             <a:lvl2pPr marL="742950" indent="-285750" eaLnBrk="0" hangingPunct="0">
@@ -15364,7 +15285,7 @@
                 <a:solidFill>
                   <a:schemeClr val="accent1"/>
                 </a:solidFill>
-                <a:latin typeface="Arial" pitchFamily="34" charset="0"/>
+                <a:latin typeface="Arial" panose="020B0604020202020204" pitchFamily="34" charset="0"/>
                 <a:ea typeface="仿宋_GB2312" pitchFamily="1" charset="-122"/>
               </a:defRPr>
             </a:lvl2pPr>
@@ -15377,8 +15298,8 @@
                 <a:solidFill>
                   <a:schemeClr val="tx1"/>
                 </a:solidFill>
-                <a:latin typeface="Arial" pitchFamily="34" charset="0"/>
-                <a:ea typeface="宋体" pitchFamily="2" charset="-122"/>
+                <a:latin typeface="Arial" panose="020B0604020202020204" pitchFamily="34" charset="0"/>
+                <a:ea typeface="宋体" panose="02010600030101010101" pitchFamily="2" charset="-122"/>
               </a:defRPr>
             </a:lvl3pPr>
             <a:lvl4pPr marL="1600200" indent="-228600" eaLnBrk="0" hangingPunct="0">
@@ -15390,8 +15311,8 @@
                 <a:solidFill>
                   <a:schemeClr val="tx1"/>
                 </a:solidFill>
-                <a:latin typeface="Arial" pitchFamily="34" charset="0"/>
-                <a:ea typeface="宋体" pitchFamily="2" charset="-122"/>
+                <a:latin typeface="Arial" panose="020B0604020202020204" pitchFamily="34" charset="0"/>
+                <a:ea typeface="宋体" panose="02010600030101010101" pitchFamily="2" charset="-122"/>
               </a:defRPr>
             </a:lvl4pPr>
             <a:lvl5pPr marL="2057400" indent="-228600" eaLnBrk="0" hangingPunct="0">
@@ -15403,8 +15324,8 @@
                 <a:solidFill>
                   <a:schemeClr val="tx1"/>
                 </a:solidFill>
-                <a:latin typeface="Arial" pitchFamily="34" charset="0"/>
-                <a:ea typeface="宋体" pitchFamily="2" charset="-122"/>
+                <a:latin typeface="Arial" panose="020B0604020202020204" pitchFamily="34" charset="0"/>
+                <a:ea typeface="宋体" panose="02010600030101010101" pitchFamily="2" charset="-122"/>
               </a:defRPr>
             </a:lvl5pPr>
             <a:lvl6pPr marL="2514600" indent="-228600" eaLnBrk="0" fontAlgn="base" hangingPunct="0">
@@ -15419,8 +15340,8 @@
                 <a:solidFill>
                   <a:schemeClr val="tx1"/>
                 </a:solidFill>
-                <a:latin typeface="Arial" pitchFamily="34" charset="0"/>
-                <a:ea typeface="宋体" pitchFamily="2" charset="-122"/>
+                <a:latin typeface="Arial" panose="020B0604020202020204" pitchFamily="34" charset="0"/>
+                <a:ea typeface="宋体" panose="02010600030101010101" pitchFamily="2" charset="-122"/>
               </a:defRPr>
             </a:lvl6pPr>
             <a:lvl7pPr marL="2971800" indent="-228600" eaLnBrk="0" fontAlgn="base" hangingPunct="0">
@@ -15435,8 +15356,8 @@
                 <a:solidFill>
                   <a:schemeClr val="tx1"/>
                 </a:solidFill>
-                <a:latin typeface="Arial" pitchFamily="34" charset="0"/>
-                <a:ea typeface="宋体" pitchFamily="2" charset="-122"/>
+                <a:latin typeface="Arial" panose="020B0604020202020204" pitchFamily="34" charset="0"/>
+                <a:ea typeface="宋体" panose="02010600030101010101" pitchFamily="2" charset="-122"/>
               </a:defRPr>
             </a:lvl7pPr>
             <a:lvl8pPr marL="3429000" indent="-228600" eaLnBrk="0" fontAlgn="base" hangingPunct="0">
@@ -15451,8 +15372,8 @@
                 <a:solidFill>
                   <a:schemeClr val="tx1"/>
                 </a:solidFill>
-                <a:latin typeface="Arial" pitchFamily="34" charset="0"/>
-                <a:ea typeface="宋体" pitchFamily="2" charset="-122"/>
+                <a:latin typeface="Arial" panose="020B0604020202020204" pitchFamily="34" charset="0"/>
+                <a:ea typeface="宋体" panose="02010600030101010101" pitchFamily="2" charset="-122"/>
               </a:defRPr>
             </a:lvl8pPr>
             <a:lvl9pPr marL="3886200" indent="-228600" eaLnBrk="0" fontAlgn="base" hangingPunct="0">
@@ -15467,8 +15388,8 @@
                 <a:solidFill>
                   <a:schemeClr val="tx1"/>
                 </a:solidFill>
-                <a:latin typeface="Arial" pitchFamily="34" charset="0"/>
-                <a:ea typeface="宋体" pitchFamily="2" charset="-122"/>
+                <a:latin typeface="Arial" panose="020B0604020202020204" pitchFamily="34" charset="0"/>
+                <a:ea typeface="宋体" panose="02010600030101010101" pitchFamily="2" charset="-122"/>
               </a:defRPr>
             </a:lvl9pPr>
           </a:lstStyle>
@@ -15482,12 +15403,12 @@
             </a:pPr>
             <a:r>
               <a:rPr lang="zh-CN" altLang="en-US" sz="2400" b="1" dirty="0" smtClean="0">
-                <a:latin typeface="微软雅黑" pitchFamily="34" charset="-122"/>
+                <a:latin typeface="微软雅黑" panose="020B0503020204020204" pitchFamily="34" charset="-122"/>
               </a:rPr>
               <a:t>拥有一技之长</a:t>
             </a:r>
             <a:endParaRPr lang="en-US" altLang="zh-CN" sz="2400" b="1" dirty="0">
-              <a:latin typeface="微软雅黑" pitchFamily="34" charset="-122"/>
+              <a:latin typeface="微软雅黑" panose="020B0503020204020204" pitchFamily="34" charset="-122"/>
             </a:endParaRPr>
           </a:p>
         </p:txBody>
@@ -15514,14 +15435,14 @@
           </a:ln>
           <a:extLst>
             <a:ext uri="{909E8E84-426E-40DD-AFC4-6F175D3DCCD1}">
-              <a14:hiddenFill xmlns="" xmlns:a14="http://schemas.microsoft.com/office/drawing/2010/main">
+              <a14:hiddenFill xmlns:a14="http://schemas.microsoft.com/office/drawing/2010/main">
                 <a:solidFill>
                   <a:srgbClr val="FFFFFF"/>
                 </a:solidFill>
               </a14:hiddenFill>
             </a:ext>
             <a:ext uri="{91240B29-F687-4F45-9708-019B960494DF}">
-              <a14:hiddenLine xmlns="" xmlns:a14="http://schemas.microsoft.com/office/drawing/2010/main" w="9525">
+              <a14:hiddenLine xmlns:a14="http://schemas.microsoft.com/office/drawing/2010/main" w="9525">
                 <a:solidFill>
                   <a:srgbClr val="000000"/>
                 </a:solidFill>
@@ -15546,8 +15467,8 @@
                 <a:solidFill>
                   <a:schemeClr val="accent1"/>
                 </a:solidFill>
-                <a:latin typeface="Arial" pitchFamily="34" charset="0"/>
-                <a:ea typeface="微软雅黑" pitchFamily="34" charset="-122"/>
+                <a:latin typeface="Arial" panose="020B0604020202020204" pitchFamily="34" charset="0"/>
+                <a:ea typeface="微软雅黑" panose="020B0503020204020204" pitchFamily="34" charset="-122"/>
               </a:defRPr>
             </a:lvl1pPr>
             <a:lvl2pPr marL="742950" indent="-285750" eaLnBrk="0" hangingPunct="0">
@@ -15559,7 +15480,7 @@
                 <a:solidFill>
                   <a:schemeClr val="accent1"/>
                 </a:solidFill>
-                <a:latin typeface="Arial" pitchFamily="34" charset="0"/>
+                <a:latin typeface="Arial" panose="020B0604020202020204" pitchFamily="34" charset="0"/>
                 <a:ea typeface="仿宋_GB2312" pitchFamily="1" charset="-122"/>
               </a:defRPr>
             </a:lvl2pPr>
@@ -15572,8 +15493,8 @@
                 <a:solidFill>
                   <a:schemeClr val="tx1"/>
                 </a:solidFill>
-                <a:latin typeface="Arial" pitchFamily="34" charset="0"/>
-                <a:ea typeface="宋体" pitchFamily="2" charset="-122"/>
+                <a:latin typeface="Arial" panose="020B0604020202020204" pitchFamily="34" charset="0"/>
+                <a:ea typeface="宋体" panose="02010600030101010101" pitchFamily="2" charset="-122"/>
               </a:defRPr>
             </a:lvl3pPr>
             <a:lvl4pPr marL="1600200" indent="-228600" eaLnBrk="0" hangingPunct="0">
@@ -15585,8 +15506,8 @@
                 <a:solidFill>
                   <a:schemeClr val="tx1"/>
                 </a:solidFill>
-                <a:latin typeface="Arial" pitchFamily="34" charset="0"/>
-                <a:ea typeface="宋体" pitchFamily="2" charset="-122"/>
+                <a:latin typeface="Arial" panose="020B0604020202020204" pitchFamily="34" charset="0"/>
+                <a:ea typeface="宋体" panose="02010600030101010101" pitchFamily="2" charset="-122"/>
               </a:defRPr>
             </a:lvl4pPr>
             <a:lvl5pPr marL="2057400" indent="-228600" eaLnBrk="0" hangingPunct="0">
@@ -15598,8 +15519,8 @@
                 <a:solidFill>
                   <a:schemeClr val="tx1"/>
                 </a:solidFill>
-                <a:latin typeface="Arial" pitchFamily="34" charset="0"/>
-                <a:ea typeface="宋体" pitchFamily="2" charset="-122"/>
+                <a:latin typeface="Arial" panose="020B0604020202020204" pitchFamily="34" charset="0"/>
+                <a:ea typeface="宋体" panose="02010600030101010101" pitchFamily="2" charset="-122"/>
               </a:defRPr>
             </a:lvl5pPr>
             <a:lvl6pPr marL="2514600" indent="-228600" eaLnBrk="0" fontAlgn="base" hangingPunct="0">
@@ -15614,8 +15535,8 @@
                 <a:solidFill>
                   <a:schemeClr val="tx1"/>
                 </a:solidFill>
-                <a:latin typeface="Arial" pitchFamily="34" charset="0"/>
-                <a:ea typeface="宋体" pitchFamily="2" charset="-122"/>
+                <a:latin typeface="Arial" panose="020B0604020202020204" pitchFamily="34" charset="0"/>
+                <a:ea typeface="宋体" panose="02010600030101010101" pitchFamily="2" charset="-122"/>
               </a:defRPr>
             </a:lvl6pPr>
             <a:lvl7pPr marL="2971800" indent="-228600" eaLnBrk="0" fontAlgn="base" hangingPunct="0">
@@ -15630,8 +15551,8 @@
                 <a:solidFill>
                   <a:schemeClr val="tx1"/>
                 </a:solidFill>
-                <a:latin typeface="Arial" pitchFamily="34" charset="0"/>
-                <a:ea typeface="宋体" pitchFamily="2" charset="-122"/>
+                <a:latin typeface="Arial" panose="020B0604020202020204" pitchFamily="34" charset="0"/>
+                <a:ea typeface="宋体" panose="02010600030101010101" pitchFamily="2" charset="-122"/>
               </a:defRPr>
             </a:lvl7pPr>
             <a:lvl8pPr marL="3429000" indent="-228600" eaLnBrk="0" fontAlgn="base" hangingPunct="0">
@@ -15646,8 +15567,8 @@
                 <a:solidFill>
                   <a:schemeClr val="tx1"/>
                 </a:solidFill>
-                <a:latin typeface="Arial" pitchFamily="34" charset="0"/>
-                <a:ea typeface="宋体" pitchFamily="2" charset="-122"/>
+                <a:latin typeface="Arial" panose="020B0604020202020204" pitchFamily="34" charset="0"/>
+                <a:ea typeface="宋体" panose="02010600030101010101" pitchFamily="2" charset="-122"/>
               </a:defRPr>
             </a:lvl8pPr>
             <a:lvl9pPr marL="3886200" indent="-228600" eaLnBrk="0" fontAlgn="base" hangingPunct="0">
@@ -15662,8 +15583,8 @@
                 <a:solidFill>
                   <a:schemeClr val="tx1"/>
                 </a:solidFill>
-                <a:latin typeface="Arial" pitchFamily="34" charset="0"/>
-                <a:ea typeface="宋体" pitchFamily="2" charset="-122"/>
+                <a:latin typeface="Arial" panose="020B0604020202020204" pitchFamily="34" charset="0"/>
+                <a:ea typeface="宋体" panose="02010600030101010101" pitchFamily="2" charset="-122"/>
               </a:defRPr>
             </a:lvl9pPr>
           </a:lstStyle>
@@ -15715,14 +15636,14 @@
           </a:ln>
           <a:extLst>
             <a:ext uri="{909E8E84-426E-40DD-AFC4-6F175D3DCCD1}">
-              <a14:hiddenFill xmlns="" xmlns:a14="http://schemas.microsoft.com/office/drawing/2010/main">
+              <a14:hiddenFill xmlns:a14="http://schemas.microsoft.com/office/drawing/2010/main">
                 <a:solidFill>
                   <a:srgbClr val="FFFFFF"/>
                 </a:solidFill>
               </a14:hiddenFill>
             </a:ext>
             <a:ext uri="{91240B29-F687-4F45-9708-019B960494DF}">
-              <a14:hiddenLine xmlns="" xmlns:a14="http://schemas.microsoft.com/office/drawing/2010/main" w="9525">
+              <a14:hiddenLine xmlns:a14="http://schemas.microsoft.com/office/drawing/2010/main" w="9525">
                 <a:solidFill>
                   <a:srgbClr val="000000"/>
                 </a:solidFill>
@@ -15747,8 +15668,8 @@
                 <a:solidFill>
                   <a:schemeClr val="accent1"/>
                 </a:solidFill>
-                <a:latin typeface="Arial" pitchFamily="34" charset="0"/>
-                <a:ea typeface="微软雅黑" pitchFamily="34" charset="-122"/>
+                <a:latin typeface="Arial" panose="020B0604020202020204" pitchFamily="34" charset="0"/>
+                <a:ea typeface="微软雅黑" panose="020B0503020204020204" pitchFamily="34" charset="-122"/>
               </a:defRPr>
             </a:lvl1pPr>
             <a:lvl2pPr marL="742950" indent="-285750" eaLnBrk="0" hangingPunct="0">
@@ -15760,7 +15681,7 @@
                 <a:solidFill>
                   <a:schemeClr val="accent1"/>
                 </a:solidFill>
-                <a:latin typeface="Arial" pitchFamily="34" charset="0"/>
+                <a:latin typeface="Arial" panose="020B0604020202020204" pitchFamily="34" charset="0"/>
                 <a:ea typeface="仿宋_GB2312" pitchFamily="1" charset="-122"/>
               </a:defRPr>
             </a:lvl2pPr>
@@ -15773,8 +15694,8 @@
                 <a:solidFill>
                   <a:schemeClr val="tx1"/>
                 </a:solidFill>
-                <a:latin typeface="Arial" pitchFamily="34" charset="0"/>
-                <a:ea typeface="宋体" pitchFamily="2" charset="-122"/>
+                <a:latin typeface="Arial" panose="020B0604020202020204" pitchFamily="34" charset="0"/>
+                <a:ea typeface="宋体" panose="02010600030101010101" pitchFamily="2" charset="-122"/>
               </a:defRPr>
             </a:lvl3pPr>
             <a:lvl4pPr marL="1600200" indent="-228600" eaLnBrk="0" hangingPunct="0">
@@ -15786,8 +15707,8 @@
                 <a:solidFill>
                   <a:schemeClr val="tx1"/>
                 </a:solidFill>
-                <a:latin typeface="Arial" pitchFamily="34" charset="0"/>
-                <a:ea typeface="宋体" pitchFamily="2" charset="-122"/>
+                <a:latin typeface="Arial" panose="020B0604020202020204" pitchFamily="34" charset="0"/>
+                <a:ea typeface="宋体" panose="02010600030101010101" pitchFamily="2" charset="-122"/>
               </a:defRPr>
             </a:lvl4pPr>
             <a:lvl5pPr marL="2057400" indent="-228600" eaLnBrk="0" hangingPunct="0">
@@ -15799,8 +15720,8 @@
                 <a:solidFill>
                   <a:schemeClr val="tx1"/>
                 </a:solidFill>
-                <a:latin typeface="Arial" pitchFamily="34" charset="0"/>
-                <a:ea typeface="宋体" pitchFamily="2" charset="-122"/>
+                <a:latin typeface="Arial" panose="020B0604020202020204" pitchFamily="34" charset="0"/>
+                <a:ea typeface="宋体" panose="02010600030101010101" pitchFamily="2" charset="-122"/>
               </a:defRPr>
             </a:lvl5pPr>
             <a:lvl6pPr marL="2514600" indent="-228600" eaLnBrk="0" fontAlgn="base" hangingPunct="0">
@@ -15815,8 +15736,8 @@
                 <a:solidFill>
                   <a:schemeClr val="tx1"/>
                 </a:solidFill>
-                <a:latin typeface="Arial" pitchFamily="34" charset="0"/>
-                <a:ea typeface="宋体" pitchFamily="2" charset="-122"/>
+                <a:latin typeface="Arial" panose="020B0604020202020204" pitchFamily="34" charset="0"/>
+                <a:ea typeface="宋体" panose="02010600030101010101" pitchFamily="2" charset="-122"/>
               </a:defRPr>
             </a:lvl6pPr>
             <a:lvl7pPr marL="2971800" indent="-228600" eaLnBrk="0" fontAlgn="base" hangingPunct="0">
@@ -15831,8 +15752,8 @@
                 <a:solidFill>
                   <a:schemeClr val="tx1"/>
                 </a:solidFill>
-                <a:latin typeface="Arial" pitchFamily="34" charset="0"/>
-                <a:ea typeface="宋体" pitchFamily="2" charset="-122"/>
+                <a:latin typeface="Arial" panose="020B0604020202020204" pitchFamily="34" charset="0"/>
+                <a:ea typeface="宋体" panose="02010600030101010101" pitchFamily="2" charset="-122"/>
               </a:defRPr>
             </a:lvl7pPr>
             <a:lvl8pPr marL="3429000" indent="-228600" eaLnBrk="0" fontAlgn="base" hangingPunct="0">
@@ -15847,8 +15768,8 @@
                 <a:solidFill>
                   <a:schemeClr val="tx1"/>
                 </a:solidFill>
-                <a:latin typeface="Arial" pitchFamily="34" charset="0"/>
-                <a:ea typeface="宋体" pitchFamily="2" charset="-122"/>
+                <a:latin typeface="Arial" panose="020B0604020202020204" pitchFamily="34" charset="0"/>
+                <a:ea typeface="宋体" panose="02010600030101010101" pitchFamily="2" charset="-122"/>
               </a:defRPr>
             </a:lvl8pPr>
             <a:lvl9pPr marL="3886200" indent="-228600" eaLnBrk="0" fontAlgn="base" hangingPunct="0">
@@ -15863,8 +15784,8 @@
                 <a:solidFill>
                   <a:schemeClr val="tx1"/>
                 </a:solidFill>
-                <a:latin typeface="Arial" pitchFamily="34" charset="0"/>
-                <a:ea typeface="宋体" pitchFamily="2" charset="-122"/>
+                <a:latin typeface="Arial" panose="020B0604020202020204" pitchFamily="34" charset="0"/>
+                <a:ea typeface="宋体" panose="02010600030101010101" pitchFamily="2" charset="-122"/>
               </a:defRPr>
             </a:lvl9pPr>
           </a:lstStyle>
@@ -15877,12 +15798,12 @@
             </a:pPr>
             <a:r>
               <a:rPr lang="zh-CN" altLang="en-US" sz="2400" b="1" dirty="0" smtClean="0">
-                <a:latin typeface="微软雅黑" pitchFamily="34" charset="-122"/>
+                <a:latin typeface="微软雅黑" panose="020B0503020204020204" pitchFamily="34" charset="-122"/>
               </a:rPr>
               <a:t>平常和自由的心</a:t>
             </a:r>
             <a:endParaRPr lang="en-US" altLang="zh-CN" sz="2400" b="1" dirty="0">
-              <a:latin typeface="微软雅黑" pitchFamily="34" charset="-122"/>
+              <a:latin typeface="微软雅黑" panose="020B0503020204020204" pitchFamily="34" charset="-122"/>
             </a:endParaRPr>
           </a:p>
         </p:txBody>
@@ -15909,14 +15830,14 @@
           </a:ln>
           <a:extLst>
             <a:ext uri="{909E8E84-426E-40DD-AFC4-6F175D3DCCD1}">
-              <a14:hiddenFill xmlns="" xmlns:a14="http://schemas.microsoft.com/office/drawing/2010/main">
+              <a14:hiddenFill xmlns:a14="http://schemas.microsoft.com/office/drawing/2010/main">
                 <a:solidFill>
                   <a:srgbClr val="FFFFFF"/>
                 </a:solidFill>
               </a14:hiddenFill>
             </a:ext>
             <a:ext uri="{91240B29-F687-4F45-9708-019B960494DF}">
-              <a14:hiddenLine xmlns="" xmlns:a14="http://schemas.microsoft.com/office/drawing/2010/main" w="9525">
+              <a14:hiddenLine xmlns:a14="http://schemas.microsoft.com/office/drawing/2010/main" w="9525">
                 <a:solidFill>
                   <a:srgbClr val="000000"/>
                 </a:solidFill>
@@ -15941,8 +15862,8 @@
                 <a:solidFill>
                   <a:schemeClr val="accent1"/>
                 </a:solidFill>
-                <a:latin typeface="Arial" pitchFamily="34" charset="0"/>
-                <a:ea typeface="微软雅黑" pitchFamily="34" charset="-122"/>
+                <a:latin typeface="Arial" panose="020B0604020202020204" pitchFamily="34" charset="0"/>
+                <a:ea typeface="微软雅黑" panose="020B0503020204020204" pitchFamily="34" charset="-122"/>
               </a:defRPr>
             </a:lvl1pPr>
             <a:lvl2pPr marL="742950" indent="-285750" eaLnBrk="0" hangingPunct="0">
@@ -15954,7 +15875,7 @@
                 <a:solidFill>
                   <a:schemeClr val="accent1"/>
                 </a:solidFill>
-                <a:latin typeface="Arial" pitchFamily="34" charset="0"/>
+                <a:latin typeface="Arial" panose="020B0604020202020204" pitchFamily="34" charset="0"/>
                 <a:ea typeface="仿宋_GB2312" pitchFamily="1" charset="-122"/>
               </a:defRPr>
             </a:lvl2pPr>
@@ -15967,8 +15888,8 @@
                 <a:solidFill>
                   <a:schemeClr val="tx1"/>
                 </a:solidFill>
-                <a:latin typeface="Arial" pitchFamily="34" charset="0"/>
-                <a:ea typeface="宋体" pitchFamily="2" charset="-122"/>
+                <a:latin typeface="Arial" panose="020B0604020202020204" pitchFamily="34" charset="0"/>
+                <a:ea typeface="宋体" panose="02010600030101010101" pitchFamily="2" charset="-122"/>
               </a:defRPr>
             </a:lvl3pPr>
             <a:lvl4pPr marL="1600200" indent="-228600" eaLnBrk="0" hangingPunct="0">
@@ -15980,8 +15901,8 @@
                 <a:solidFill>
                   <a:schemeClr val="tx1"/>
                 </a:solidFill>
-                <a:latin typeface="Arial" pitchFamily="34" charset="0"/>
-                <a:ea typeface="宋体" pitchFamily="2" charset="-122"/>
+                <a:latin typeface="Arial" panose="020B0604020202020204" pitchFamily="34" charset="0"/>
+                <a:ea typeface="宋体" panose="02010600030101010101" pitchFamily="2" charset="-122"/>
               </a:defRPr>
             </a:lvl4pPr>
             <a:lvl5pPr marL="2057400" indent="-228600" eaLnBrk="0" hangingPunct="0">
@@ -15993,8 +15914,8 @@
                 <a:solidFill>
                   <a:schemeClr val="tx1"/>
                 </a:solidFill>
-                <a:latin typeface="Arial" pitchFamily="34" charset="0"/>
-                <a:ea typeface="宋体" pitchFamily="2" charset="-122"/>
+                <a:latin typeface="Arial" panose="020B0604020202020204" pitchFamily="34" charset="0"/>
+                <a:ea typeface="宋体" panose="02010600030101010101" pitchFamily="2" charset="-122"/>
               </a:defRPr>
             </a:lvl5pPr>
             <a:lvl6pPr marL="2514600" indent="-228600" eaLnBrk="0" fontAlgn="base" hangingPunct="0">
@@ -16009,8 +15930,8 @@
                 <a:solidFill>
                   <a:schemeClr val="tx1"/>
                 </a:solidFill>
-                <a:latin typeface="Arial" pitchFamily="34" charset="0"/>
-                <a:ea typeface="宋体" pitchFamily="2" charset="-122"/>
+                <a:latin typeface="Arial" panose="020B0604020202020204" pitchFamily="34" charset="0"/>
+                <a:ea typeface="宋体" panose="02010600030101010101" pitchFamily="2" charset="-122"/>
               </a:defRPr>
             </a:lvl6pPr>
             <a:lvl7pPr marL="2971800" indent="-228600" eaLnBrk="0" fontAlgn="base" hangingPunct="0">
@@ -16025,8 +15946,8 @@
                 <a:solidFill>
                   <a:schemeClr val="tx1"/>
                 </a:solidFill>
-                <a:latin typeface="Arial" pitchFamily="34" charset="0"/>
-                <a:ea typeface="宋体" pitchFamily="2" charset="-122"/>
+                <a:latin typeface="Arial" panose="020B0604020202020204" pitchFamily="34" charset="0"/>
+                <a:ea typeface="宋体" panose="02010600030101010101" pitchFamily="2" charset="-122"/>
               </a:defRPr>
             </a:lvl7pPr>
             <a:lvl8pPr marL="3429000" indent="-228600" eaLnBrk="0" fontAlgn="base" hangingPunct="0">
@@ -16041,8 +15962,8 @@
                 <a:solidFill>
                   <a:schemeClr val="tx1"/>
                 </a:solidFill>
-                <a:latin typeface="Arial" pitchFamily="34" charset="0"/>
-                <a:ea typeface="宋体" pitchFamily="2" charset="-122"/>
+                <a:latin typeface="Arial" panose="020B0604020202020204" pitchFamily="34" charset="0"/>
+                <a:ea typeface="宋体" panose="02010600030101010101" pitchFamily="2" charset="-122"/>
               </a:defRPr>
             </a:lvl8pPr>
             <a:lvl9pPr marL="3886200" indent="-228600" eaLnBrk="0" fontAlgn="base" hangingPunct="0">
@@ -16057,8 +15978,8 @@
                 <a:solidFill>
                   <a:schemeClr val="tx1"/>
                 </a:solidFill>
-                <a:latin typeface="Arial" pitchFamily="34" charset="0"/>
-                <a:ea typeface="宋体" pitchFamily="2" charset="-122"/>
+                <a:latin typeface="Arial" panose="020B0604020202020204" pitchFamily="34" charset="0"/>
+                <a:ea typeface="宋体" panose="02010600030101010101" pitchFamily="2" charset="-122"/>
               </a:defRPr>
             </a:lvl9pPr>
           </a:lstStyle>
@@ -16085,6 +16006,11 @@
               </a:rPr>
               <a:t>,</a:t>
             </a:r>
+            <a:endParaRPr lang="en-US" altLang="zh-CN" sz="1800" dirty="0" smtClean="0">
+              <a:solidFill>
+                <a:schemeClr val="tx1"/>
+              </a:solidFill>
+            </a:endParaRPr>
           </a:p>
         </p:txBody>
       </p:sp>
@@ -16110,14 +16036,14 @@
           </a:ln>
           <a:extLst>
             <a:ext uri="{909E8E84-426E-40DD-AFC4-6F175D3DCCD1}">
-              <a14:hiddenFill xmlns="" xmlns:a14="http://schemas.microsoft.com/office/drawing/2010/main">
+              <a14:hiddenFill xmlns:a14="http://schemas.microsoft.com/office/drawing/2010/main">
                 <a:solidFill>
                   <a:srgbClr val="FFFFFF"/>
                 </a:solidFill>
               </a14:hiddenFill>
             </a:ext>
             <a:ext uri="{91240B29-F687-4F45-9708-019B960494DF}">
-              <a14:hiddenLine xmlns="" xmlns:a14="http://schemas.microsoft.com/office/drawing/2010/main" w="9525">
+              <a14:hiddenLine xmlns:a14="http://schemas.microsoft.com/office/drawing/2010/main" w="9525">
                 <a:solidFill>
                   <a:srgbClr val="000000"/>
                 </a:solidFill>
@@ -16142,8 +16068,8 @@
                 <a:solidFill>
                   <a:schemeClr val="accent1"/>
                 </a:solidFill>
-                <a:latin typeface="Arial" pitchFamily="34" charset="0"/>
-                <a:ea typeface="微软雅黑" pitchFamily="34" charset="-122"/>
+                <a:latin typeface="Arial" panose="020B0604020202020204" pitchFamily="34" charset="0"/>
+                <a:ea typeface="微软雅黑" panose="020B0503020204020204" pitchFamily="34" charset="-122"/>
               </a:defRPr>
             </a:lvl1pPr>
             <a:lvl2pPr marL="742950" indent="-285750" eaLnBrk="0" hangingPunct="0">
@@ -16155,7 +16081,7 @@
                 <a:solidFill>
                   <a:schemeClr val="accent1"/>
                 </a:solidFill>
-                <a:latin typeface="Arial" pitchFamily="34" charset="0"/>
+                <a:latin typeface="Arial" panose="020B0604020202020204" pitchFamily="34" charset="0"/>
                 <a:ea typeface="仿宋_GB2312" pitchFamily="1" charset="-122"/>
               </a:defRPr>
             </a:lvl2pPr>
@@ -16168,8 +16094,8 @@
                 <a:solidFill>
                   <a:schemeClr val="tx1"/>
                 </a:solidFill>
-                <a:latin typeface="Arial" pitchFamily="34" charset="0"/>
-                <a:ea typeface="宋体" pitchFamily="2" charset="-122"/>
+                <a:latin typeface="Arial" panose="020B0604020202020204" pitchFamily="34" charset="0"/>
+                <a:ea typeface="宋体" panose="02010600030101010101" pitchFamily="2" charset="-122"/>
               </a:defRPr>
             </a:lvl3pPr>
             <a:lvl4pPr marL="1600200" indent="-228600" eaLnBrk="0" hangingPunct="0">
@@ -16181,8 +16107,8 @@
                 <a:solidFill>
                   <a:schemeClr val="tx1"/>
                 </a:solidFill>
-                <a:latin typeface="Arial" pitchFamily="34" charset="0"/>
-                <a:ea typeface="宋体" pitchFamily="2" charset="-122"/>
+                <a:latin typeface="Arial" panose="020B0604020202020204" pitchFamily="34" charset="0"/>
+                <a:ea typeface="宋体" panose="02010600030101010101" pitchFamily="2" charset="-122"/>
               </a:defRPr>
             </a:lvl4pPr>
             <a:lvl5pPr marL="2057400" indent="-228600" eaLnBrk="0" hangingPunct="0">
@@ -16194,8 +16120,8 @@
                 <a:solidFill>
                   <a:schemeClr val="tx1"/>
                 </a:solidFill>
-                <a:latin typeface="Arial" pitchFamily="34" charset="0"/>
-                <a:ea typeface="宋体" pitchFamily="2" charset="-122"/>
+                <a:latin typeface="Arial" panose="020B0604020202020204" pitchFamily="34" charset="0"/>
+                <a:ea typeface="宋体" panose="02010600030101010101" pitchFamily="2" charset="-122"/>
               </a:defRPr>
             </a:lvl5pPr>
             <a:lvl6pPr marL="2514600" indent="-228600" eaLnBrk="0" fontAlgn="base" hangingPunct="0">
@@ -16210,8 +16136,8 @@
                 <a:solidFill>
                   <a:schemeClr val="tx1"/>
                 </a:solidFill>
-                <a:latin typeface="Arial" pitchFamily="34" charset="0"/>
-                <a:ea typeface="宋体" pitchFamily="2" charset="-122"/>
+                <a:latin typeface="Arial" panose="020B0604020202020204" pitchFamily="34" charset="0"/>
+                <a:ea typeface="宋体" panose="02010600030101010101" pitchFamily="2" charset="-122"/>
               </a:defRPr>
             </a:lvl6pPr>
             <a:lvl7pPr marL="2971800" indent="-228600" eaLnBrk="0" fontAlgn="base" hangingPunct="0">
@@ -16226,8 +16152,8 @@
                 <a:solidFill>
                   <a:schemeClr val="tx1"/>
                 </a:solidFill>
-                <a:latin typeface="Arial" pitchFamily="34" charset="0"/>
-                <a:ea typeface="宋体" pitchFamily="2" charset="-122"/>
+                <a:latin typeface="Arial" panose="020B0604020202020204" pitchFamily="34" charset="0"/>
+                <a:ea typeface="宋体" panose="02010600030101010101" pitchFamily="2" charset="-122"/>
               </a:defRPr>
             </a:lvl7pPr>
             <a:lvl8pPr marL="3429000" indent="-228600" eaLnBrk="0" fontAlgn="base" hangingPunct="0">
@@ -16242,8 +16168,8 @@
                 <a:solidFill>
                   <a:schemeClr val="tx1"/>
                 </a:solidFill>
-                <a:latin typeface="Arial" pitchFamily="34" charset="0"/>
-                <a:ea typeface="宋体" pitchFamily="2" charset="-122"/>
+                <a:latin typeface="Arial" panose="020B0604020202020204" pitchFamily="34" charset="0"/>
+                <a:ea typeface="宋体" panose="02010600030101010101" pitchFamily="2" charset="-122"/>
               </a:defRPr>
             </a:lvl8pPr>
             <a:lvl9pPr marL="3886200" indent="-228600" eaLnBrk="0" fontAlgn="base" hangingPunct="0">
@@ -16258,8 +16184,8 @@
                 <a:solidFill>
                   <a:schemeClr val="tx1"/>
                 </a:solidFill>
-                <a:latin typeface="Arial" pitchFamily="34" charset="0"/>
-                <a:ea typeface="宋体" pitchFamily="2" charset="-122"/>
+                <a:latin typeface="Arial" panose="020B0604020202020204" pitchFamily="34" charset="0"/>
+                <a:ea typeface="宋体" panose="02010600030101010101" pitchFamily="2" charset="-122"/>
               </a:defRPr>
             </a:lvl9pPr>
           </a:lstStyle>
@@ -16272,12 +16198,12 @@
             </a:pPr>
             <a:r>
               <a:rPr lang="zh-CN" altLang="en-US" sz="2400" b="1" dirty="0" smtClean="0">
-                <a:latin typeface="微软雅黑" pitchFamily="34" charset="-122"/>
+                <a:latin typeface="微软雅黑" panose="020B0503020204020204" pitchFamily="34" charset="-122"/>
               </a:rPr>
               <a:t>学会自我教育与更新</a:t>
             </a:r>
             <a:endParaRPr lang="en-US" altLang="zh-CN" sz="2400" b="1" dirty="0">
-              <a:latin typeface="微软雅黑" pitchFamily="34" charset="-122"/>
+              <a:latin typeface="微软雅黑" panose="020B0503020204020204" pitchFamily="34" charset="-122"/>
             </a:endParaRPr>
           </a:p>
         </p:txBody>
@@ -16304,14 +16230,14 @@
           </a:ln>
           <a:extLst>
             <a:ext uri="{909E8E84-426E-40DD-AFC4-6F175D3DCCD1}">
-              <a14:hiddenFill xmlns="" xmlns:a14="http://schemas.microsoft.com/office/drawing/2010/main">
+              <a14:hiddenFill xmlns:a14="http://schemas.microsoft.com/office/drawing/2010/main">
                 <a:solidFill>
                   <a:srgbClr val="FFFFFF"/>
                 </a:solidFill>
               </a14:hiddenFill>
             </a:ext>
             <a:ext uri="{91240B29-F687-4F45-9708-019B960494DF}">
-              <a14:hiddenLine xmlns="" xmlns:a14="http://schemas.microsoft.com/office/drawing/2010/main" w="9525">
+              <a14:hiddenLine xmlns:a14="http://schemas.microsoft.com/office/drawing/2010/main" w="9525">
                 <a:solidFill>
                   <a:srgbClr val="000000"/>
                 </a:solidFill>
@@ -16336,8 +16262,8 @@
                 <a:solidFill>
                   <a:schemeClr val="accent1"/>
                 </a:solidFill>
-                <a:latin typeface="Arial" pitchFamily="34" charset="0"/>
-                <a:ea typeface="微软雅黑" pitchFamily="34" charset="-122"/>
+                <a:latin typeface="Arial" panose="020B0604020202020204" pitchFamily="34" charset="0"/>
+                <a:ea typeface="微软雅黑" panose="020B0503020204020204" pitchFamily="34" charset="-122"/>
               </a:defRPr>
             </a:lvl1pPr>
             <a:lvl2pPr marL="742950" indent="-285750" eaLnBrk="0" hangingPunct="0">
@@ -16349,7 +16275,7 @@
                 <a:solidFill>
                   <a:schemeClr val="accent1"/>
                 </a:solidFill>
-                <a:latin typeface="Arial" pitchFamily="34" charset="0"/>
+                <a:latin typeface="Arial" panose="020B0604020202020204" pitchFamily="34" charset="0"/>
                 <a:ea typeface="仿宋_GB2312" pitchFamily="1" charset="-122"/>
               </a:defRPr>
             </a:lvl2pPr>
@@ -16362,8 +16288,8 @@
                 <a:solidFill>
                   <a:schemeClr val="tx1"/>
                 </a:solidFill>
-                <a:latin typeface="Arial" pitchFamily="34" charset="0"/>
-                <a:ea typeface="宋体" pitchFamily="2" charset="-122"/>
+                <a:latin typeface="Arial" panose="020B0604020202020204" pitchFamily="34" charset="0"/>
+                <a:ea typeface="宋体" panose="02010600030101010101" pitchFamily="2" charset="-122"/>
               </a:defRPr>
             </a:lvl3pPr>
             <a:lvl4pPr marL="1600200" indent="-228600" eaLnBrk="0" hangingPunct="0">
@@ -16375,8 +16301,8 @@
                 <a:solidFill>
                   <a:schemeClr val="tx1"/>
                 </a:solidFill>
-                <a:latin typeface="Arial" pitchFamily="34" charset="0"/>
-                <a:ea typeface="宋体" pitchFamily="2" charset="-122"/>
+                <a:latin typeface="Arial" panose="020B0604020202020204" pitchFamily="34" charset="0"/>
+                <a:ea typeface="宋体" panose="02010600030101010101" pitchFamily="2" charset="-122"/>
               </a:defRPr>
             </a:lvl4pPr>
             <a:lvl5pPr marL="2057400" indent="-228600" eaLnBrk="0" hangingPunct="0">
@@ -16388,8 +16314,8 @@
                 <a:solidFill>
                   <a:schemeClr val="tx1"/>
                 </a:solidFill>
-                <a:latin typeface="Arial" pitchFamily="34" charset="0"/>
-                <a:ea typeface="宋体" pitchFamily="2" charset="-122"/>
+                <a:latin typeface="Arial" panose="020B0604020202020204" pitchFamily="34" charset="0"/>
+                <a:ea typeface="宋体" panose="02010600030101010101" pitchFamily="2" charset="-122"/>
               </a:defRPr>
             </a:lvl5pPr>
             <a:lvl6pPr marL="2514600" indent="-228600" eaLnBrk="0" fontAlgn="base" hangingPunct="0">
@@ -16404,8 +16330,8 @@
                 <a:solidFill>
                   <a:schemeClr val="tx1"/>
                 </a:solidFill>
-                <a:latin typeface="Arial" pitchFamily="34" charset="0"/>
-                <a:ea typeface="宋体" pitchFamily="2" charset="-122"/>
+                <a:latin typeface="Arial" panose="020B0604020202020204" pitchFamily="34" charset="0"/>
+                <a:ea typeface="宋体" panose="02010600030101010101" pitchFamily="2" charset="-122"/>
               </a:defRPr>
             </a:lvl6pPr>
             <a:lvl7pPr marL="2971800" indent="-228600" eaLnBrk="0" fontAlgn="base" hangingPunct="0">
@@ -16420,8 +16346,8 @@
                 <a:solidFill>
                   <a:schemeClr val="tx1"/>
                 </a:solidFill>
-                <a:latin typeface="Arial" pitchFamily="34" charset="0"/>
-                <a:ea typeface="宋体" pitchFamily="2" charset="-122"/>
+                <a:latin typeface="Arial" panose="020B0604020202020204" pitchFamily="34" charset="0"/>
+                <a:ea typeface="宋体" panose="02010600030101010101" pitchFamily="2" charset="-122"/>
               </a:defRPr>
             </a:lvl7pPr>
             <a:lvl8pPr marL="3429000" indent="-228600" eaLnBrk="0" fontAlgn="base" hangingPunct="0">
@@ -16436,8 +16362,8 @@
                 <a:solidFill>
                   <a:schemeClr val="tx1"/>
                 </a:solidFill>
-                <a:latin typeface="Arial" pitchFamily="34" charset="0"/>
-                <a:ea typeface="宋体" pitchFamily="2" charset="-122"/>
+                <a:latin typeface="Arial" panose="020B0604020202020204" pitchFamily="34" charset="0"/>
+                <a:ea typeface="宋体" panose="02010600030101010101" pitchFamily="2" charset="-122"/>
               </a:defRPr>
             </a:lvl8pPr>
             <a:lvl9pPr marL="3886200" indent="-228600" eaLnBrk="0" fontAlgn="base" hangingPunct="0">
@@ -16452,8 +16378,8 @@
                 <a:solidFill>
                   <a:schemeClr val="tx1"/>
                 </a:solidFill>
-                <a:latin typeface="Arial" pitchFamily="34" charset="0"/>
-                <a:ea typeface="宋体" pitchFamily="2" charset="-122"/>
+                <a:latin typeface="Arial" panose="020B0604020202020204" pitchFamily="34" charset="0"/>
+                <a:ea typeface="宋体" panose="02010600030101010101" pitchFamily="2" charset="-122"/>
               </a:defRPr>
             </a:lvl9pPr>
           </a:lstStyle>
@@ -16505,14 +16431,14 @@
           </a:ln>
           <a:extLst>
             <a:ext uri="{909E8E84-426E-40DD-AFC4-6F175D3DCCD1}">
-              <a14:hiddenFill xmlns="" xmlns:a14="http://schemas.microsoft.com/office/drawing/2010/main">
+              <a14:hiddenFill xmlns:a14="http://schemas.microsoft.com/office/drawing/2010/main">
                 <a:solidFill>
                   <a:srgbClr val="FFFFFF"/>
                 </a:solidFill>
               </a14:hiddenFill>
             </a:ext>
             <a:ext uri="{91240B29-F687-4F45-9708-019B960494DF}">
-              <a14:hiddenLine xmlns="" xmlns:a14="http://schemas.microsoft.com/office/drawing/2010/main" w="9525">
+              <a14:hiddenLine xmlns:a14="http://schemas.microsoft.com/office/drawing/2010/main" w="9525">
                 <a:solidFill>
                   <a:srgbClr val="000000"/>
                 </a:solidFill>
@@ -16537,8 +16463,8 @@
                 <a:solidFill>
                   <a:schemeClr val="accent1"/>
                 </a:solidFill>
-                <a:latin typeface="Arial" pitchFamily="34" charset="0"/>
-                <a:ea typeface="微软雅黑" pitchFamily="34" charset="-122"/>
+                <a:latin typeface="Arial" panose="020B0604020202020204" pitchFamily="34" charset="0"/>
+                <a:ea typeface="微软雅黑" panose="020B0503020204020204" pitchFamily="34" charset="-122"/>
               </a:defRPr>
             </a:lvl1pPr>
             <a:lvl2pPr marL="742950" indent="-285750" eaLnBrk="0" hangingPunct="0">
@@ -16550,7 +16476,7 @@
                 <a:solidFill>
                   <a:schemeClr val="accent1"/>
                 </a:solidFill>
-                <a:latin typeface="Arial" pitchFamily="34" charset="0"/>
+                <a:latin typeface="Arial" panose="020B0604020202020204" pitchFamily="34" charset="0"/>
                 <a:ea typeface="仿宋_GB2312" pitchFamily="1" charset="-122"/>
               </a:defRPr>
             </a:lvl2pPr>
@@ -16563,8 +16489,8 @@
                 <a:solidFill>
                   <a:schemeClr val="tx1"/>
                 </a:solidFill>
-                <a:latin typeface="Arial" pitchFamily="34" charset="0"/>
-                <a:ea typeface="宋体" pitchFamily="2" charset="-122"/>
+                <a:latin typeface="Arial" panose="020B0604020202020204" pitchFamily="34" charset="0"/>
+                <a:ea typeface="宋体" panose="02010600030101010101" pitchFamily="2" charset="-122"/>
               </a:defRPr>
             </a:lvl3pPr>
             <a:lvl4pPr marL="1600200" indent="-228600" eaLnBrk="0" hangingPunct="0">
@@ -16576,8 +16502,8 @@
                 <a:solidFill>
                   <a:schemeClr val="tx1"/>
                 </a:solidFill>
-                <a:latin typeface="Arial" pitchFamily="34" charset="0"/>
-                <a:ea typeface="宋体" pitchFamily="2" charset="-122"/>
+                <a:latin typeface="Arial" panose="020B0604020202020204" pitchFamily="34" charset="0"/>
+                <a:ea typeface="宋体" panose="02010600030101010101" pitchFamily="2" charset="-122"/>
               </a:defRPr>
             </a:lvl4pPr>
             <a:lvl5pPr marL="2057400" indent="-228600" eaLnBrk="0" hangingPunct="0">
@@ -16589,8 +16515,8 @@
                 <a:solidFill>
                   <a:schemeClr val="tx1"/>
                 </a:solidFill>
-                <a:latin typeface="Arial" pitchFamily="34" charset="0"/>
-                <a:ea typeface="宋体" pitchFamily="2" charset="-122"/>
+                <a:latin typeface="Arial" panose="020B0604020202020204" pitchFamily="34" charset="0"/>
+                <a:ea typeface="宋体" panose="02010600030101010101" pitchFamily="2" charset="-122"/>
               </a:defRPr>
             </a:lvl5pPr>
             <a:lvl6pPr marL="2514600" indent="-228600" eaLnBrk="0" fontAlgn="base" hangingPunct="0">
@@ -16605,8 +16531,8 @@
                 <a:solidFill>
                   <a:schemeClr val="tx1"/>
                 </a:solidFill>
-                <a:latin typeface="Arial" pitchFamily="34" charset="0"/>
-                <a:ea typeface="宋体" pitchFamily="2" charset="-122"/>
+                <a:latin typeface="Arial" panose="020B0604020202020204" pitchFamily="34" charset="0"/>
+                <a:ea typeface="宋体" panose="02010600030101010101" pitchFamily="2" charset="-122"/>
               </a:defRPr>
             </a:lvl6pPr>
             <a:lvl7pPr marL="2971800" indent="-228600" eaLnBrk="0" fontAlgn="base" hangingPunct="0">
@@ -16621,8 +16547,8 @@
                 <a:solidFill>
                   <a:schemeClr val="tx1"/>
                 </a:solidFill>
-                <a:latin typeface="Arial" pitchFamily="34" charset="0"/>
-                <a:ea typeface="宋体" pitchFamily="2" charset="-122"/>
+                <a:latin typeface="Arial" panose="020B0604020202020204" pitchFamily="34" charset="0"/>
+                <a:ea typeface="宋体" panose="02010600030101010101" pitchFamily="2" charset="-122"/>
               </a:defRPr>
             </a:lvl7pPr>
             <a:lvl8pPr marL="3429000" indent="-228600" eaLnBrk="0" fontAlgn="base" hangingPunct="0">
@@ -16637,8 +16563,8 @@
                 <a:solidFill>
                   <a:schemeClr val="tx1"/>
                 </a:solidFill>
-                <a:latin typeface="Arial" pitchFamily="34" charset="0"/>
-                <a:ea typeface="宋体" pitchFamily="2" charset="-122"/>
+                <a:latin typeface="Arial" panose="020B0604020202020204" pitchFamily="34" charset="0"/>
+                <a:ea typeface="宋体" panose="02010600030101010101" pitchFamily="2" charset="-122"/>
               </a:defRPr>
             </a:lvl8pPr>
             <a:lvl9pPr marL="3886200" indent="-228600" eaLnBrk="0" fontAlgn="base" hangingPunct="0">
@@ -16653,8 +16579,8 @@
                 <a:solidFill>
                   <a:schemeClr val="tx1"/>
                 </a:solidFill>
-                <a:latin typeface="Arial" pitchFamily="34" charset="0"/>
-                <a:ea typeface="宋体" pitchFamily="2" charset="-122"/>
+                <a:latin typeface="Arial" panose="020B0604020202020204" pitchFamily="34" charset="0"/>
+                <a:ea typeface="宋体" panose="02010600030101010101" pitchFamily="2" charset="-122"/>
               </a:defRPr>
             </a:lvl9pPr>
           </a:lstStyle>
@@ -16667,12 +16593,12 @@
             </a:pPr>
             <a:r>
               <a:rPr lang="zh-CN" altLang="en-US" sz="2400" b="1" dirty="0" smtClean="0">
-                <a:latin typeface="微软雅黑" pitchFamily="34" charset="-122"/>
+                <a:latin typeface="微软雅黑" panose="020B0503020204020204" pitchFamily="34" charset="-122"/>
               </a:rPr>
               <a:t>让工作与兴趣建立联系</a:t>
             </a:r>
             <a:endParaRPr lang="en-US" altLang="zh-CN" sz="2400" b="1" dirty="0">
-              <a:latin typeface="微软雅黑" pitchFamily="34" charset="-122"/>
+              <a:latin typeface="微软雅黑" panose="020B0503020204020204" pitchFamily="34" charset="-122"/>
             </a:endParaRPr>
           </a:p>
         </p:txBody>
@@ -16699,14 +16625,14 @@
           </a:ln>
           <a:extLst>
             <a:ext uri="{909E8E84-426E-40DD-AFC4-6F175D3DCCD1}">
-              <a14:hiddenFill xmlns="" xmlns:a14="http://schemas.microsoft.com/office/drawing/2010/main">
+              <a14:hiddenFill xmlns:a14="http://schemas.microsoft.com/office/drawing/2010/main">
                 <a:solidFill>
                   <a:srgbClr val="FFFFFF"/>
                 </a:solidFill>
               </a14:hiddenFill>
             </a:ext>
             <a:ext uri="{91240B29-F687-4F45-9708-019B960494DF}">
-              <a14:hiddenLine xmlns="" xmlns:a14="http://schemas.microsoft.com/office/drawing/2010/main" w="9525">
+              <a14:hiddenLine xmlns:a14="http://schemas.microsoft.com/office/drawing/2010/main" w="9525">
                 <a:solidFill>
                   <a:srgbClr val="000000"/>
                 </a:solidFill>
@@ -16731,8 +16657,8 @@
                 <a:solidFill>
                   <a:schemeClr val="accent1"/>
                 </a:solidFill>
-                <a:latin typeface="Arial" pitchFamily="34" charset="0"/>
-                <a:ea typeface="微软雅黑" pitchFamily="34" charset="-122"/>
+                <a:latin typeface="Arial" panose="020B0604020202020204" pitchFamily="34" charset="0"/>
+                <a:ea typeface="微软雅黑" panose="020B0503020204020204" pitchFamily="34" charset="-122"/>
               </a:defRPr>
             </a:lvl1pPr>
             <a:lvl2pPr marL="742950" indent="-285750" eaLnBrk="0" hangingPunct="0">
@@ -16744,7 +16670,7 @@
                 <a:solidFill>
                   <a:schemeClr val="accent1"/>
                 </a:solidFill>
-                <a:latin typeface="Arial" pitchFamily="34" charset="0"/>
+                <a:latin typeface="Arial" panose="020B0604020202020204" pitchFamily="34" charset="0"/>
                 <a:ea typeface="仿宋_GB2312" pitchFamily="1" charset="-122"/>
               </a:defRPr>
             </a:lvl2pPr>
@@ -16757,8 +16683,8 @@
                 <a:solidFill>
                   <a:schemeClr val="tx1"/>
                 </a:solidFill>
-                <a:latin typeface="Arial" pitchFamily="34" charset="0"/>
-                <a:ea typeface="宋体" pitchFamily="2" charset="-122"/>
+                <a:latin typeface="Arial" panose="020B0604020202020204" pitchFamily="34" charset="0"/>
+                <a:ea typeface="宋体" panose="02010600030101010101" pitchFamily="2" charset="-122"/>
               </a:defRPr>
             </a:lvl3pPr>
             <a:lvl4pPr marL="1600200" indent="-228600" eaLnBrk="0" hangingPunct="0">
@@ -16770,8 +16696,8 @@
                 <a:solidFill>
                   <a:schemeClr val="tx1"/>
                 </a:solidFill>
-                <a:latin typeface="Arial" pitchFamily="34" charset="0"/>
-                <a:ea typeface="宋体" pitchFamily="2" charset="-122"/>
+                <a:latin typeface="Arial" panose="020B0604020202020204" pitchFamily="34" charset="0"/>
+                <a:ea typeface="宋体" panose="02010600030101010101" pitchFamily="2" charset="-122"/>
               </a:defRPr>
             </a:lvl4pPr>
             <a:lvl5pPr marL="2057400" indent="-228600" eaLnBrk="0" hangingPunct="0">
@@ -16783,8 +16709,8 @@
                 <a:solidFill>
                   <a:schemeClr val="tx1"/>
                 </a:solidFill>
-                <a:latin typeface="Arial" pitchFamily="34" charset="0"/>
-                <a:ea typeface="宋体" pitchFamily="2" charset="-122"/>
+                <a:latin typeface="Arial" panose="020B0604020202020204" pitchFamily="34" charset="0"/>
+                <a:ea typeface="宋体" panose="02010600030101010101" pitchFamily="2" charset="-122"/>
               </a:defRPr>
             </a:lvl5pPr>
             <a:lvl6pPr marL="2514600" indent="-228600" eaLnBrk="0" fontAlgn="base" hangingPunct="0">
@@ -16799,8 +16725,8 @@
                 <a:solidFill>
                   <a:schemeClr val="tx1"/>
                 </a:solidFill>
-                <a:latin typeface="Arial" pitchFamily="34" charset="0"/>
-                <a:ea typeface="宋体" pitchFamily="2" charset="-122"/>
+                <a:latin typeface="Arial" panose="020B0604020202020204" pitchFamily="34" charset="0"/>
+                <a:ea typeface="宋体" panose="02010600030101010101" pitchFamily="2" charset="-122"/>
               </a:defRPr>
             </a:lvl6pPr>
             <a:lvl7pPr marL="2971800" indent="-228600" eaLnBrk="0" fontAlgn="base" hangingPunct="0">
@@ -16815,8 +16741,8 @@
                 <a:solidFill>
                   <a:schemeClr val="tx1"/>
                 </a:solidFill>
-                <a:latin typeface="Arial" pitchFamily="34" charset="0"/>
-                <a:ea typeface="宋体" pitchFamily="2" charset="-122"/>
+                <a:latin typeface="Arial" panose="020B0604020202020204" pitchFamily="34" charset="0"/>
+                <a:ea typeface="宋体" panose="02010600030101010101" pitchFamily="2" charset="-122"/>
               </a:defRPr>
             </a:lvl7pPr>
             <a:lvl8pPr marL="3429000" indent="-228600" eaLnBrk="0" fontAlgn="base" hangingPunct="0">
@@ -16831,8 +16757,8 @@
                 <a:solidFill>
                   <a:schemeClr val="tx1"/>
                 </a:solidFill>
-                <a:latin typeface="Arial" pitchFamily="34" charset="0"/>
-                <a:ea typeface="宋体" pitchFamily="2" charset="-122"/>
+                <a:latin typeface="Arial" panose="020B0604020202020204" pitchFamily="34" charset="0"/>
+                <a:ea typeface="宋体" panose="02010600030101010101" pitchFamily="2" charset="-122"/>
               </a:defRPr>
             </a:lvl8pPr>
             <a:lvl9pPr marL="3886200" indent="-228600" eaLnBrk="0" fontAlgn="base" hangingPunct="0">
@@ -16847,8 +16773,8 @@
                 <a:solidFill>
                   <a:schemeClr val="tx1"/>
                 </a:solidFill>
-                <a:latin typeface="Arial" pitchFamily="34" charset="0"/>
-                <a:ea typeface="宋体" pitchFamily="2" charset="-122"/>
+                <a:latin typeface="Arial" panose="020B0604020202020204" pitchFamily="34" charset="0"/>
+                <a:ea typeface="宋体" panose="02010600030101010101" pitchFamily="2" charset="-122"/>
               </a:defRPr>
             </a:lvl9pPr>
           </a:lstStyle>
@@ -16876,17 +16802,12 @@
         </p:txBody>
       </p:sp>
     </p:spTree>
-    <p:extLst>
-      <p:ext uri="{BB962C8B-B14F-4D97-AF65-F5344CB8AC3E}">
-        <p14:creationId xmlns="" xmlns:p14="http://schemas.microsoft.com/office/powerpoint/2010/main" val="4095140424"/>
-      </p:ext>
-    </p:extLst>
   </p:cSld>
   <p:clrMapOvr>
     <a:masterClrMapping/>
   </p:clrMapOvr>
   <mc:AlternateContent xmlns:mc="http://schemas.openxmlformats.org/markup-compatibility/2006">
-    <mc:Choice xmlns="" xmlns:p14="http://schemas.microsoft.com/office/powerpoint/2010/main" Requires="p14">
+    <mc:Choice xmlns:p14="http://schemas.microsoft.com/office/powerpoint/2010/main" Requires="p14">
       <p:transition spd="slow" p14:dur="1600">
         <p:blinds dir="vert"/>
       </p:transition>
@@ -16926,13 +16847,7 @@
       </p:grpSpPr>
       <p:grpSp>
         <p:nvGrpSpPr>
-          <p:cNvPr id="2" name="组合 1">
-            <a:extLst>
-              <a:ext uri="{FF2B5EF4-FFF2-40B4-BE49-F238E27FC236}">
-                <a16:creationId xmlns="" xmlns:a16="http://schemas.microsoft.com/office/drawing/2014/main" id="{E50DEB0B-1C12-44D1-AAA1-F4E0A4F19E17}"/>
-              </a:ext>
-            </a:extLst>
-          </p:cNvPr>
+          <p:cNvPr id="2" name="组合 1"/>
           <p:cNvGrpSpPr/>
           <p:nvPr/>
         </p:nvGrpSpPr>
@@ -16946,13 +16861,7 @@
         </p:grpSpPr>
         <p:sp>
           <p:nvSpPr>
-            <p:cNvPr id="7" name="矩形 6">
-              <a:extLst>
-                <a:ext uri="{FF2B5EF4-FFF2-40B4-BE49-F238E27FC236}">
-                  <a16:creationId xmlns="" xmlns:a16="http://schemas.microsoft.com/office/drawing/2014/main" id="{D5213AAE-A69E-40F7-931A-4EAD7707F511}"/>
-                </a:ext>
-              </a:extLst>
-            </p:cNvPr>
+            <p:cNvPr id="7" name="矩形 6"/>
             <p:cNvSpPr/>
             <p:nvPr/>
           </p:nvSpPr>
@@ -16995,13 +16904,7 @@
         </p:sp>
         <p:sp>
           <p:nvSpPr>
-            <p:cNvPr id="8" name="矩形 7">
-              <a:extLst>
-                <a:ext uri="{FF2B5EF4-FFF2-40B4-BE49-F238E27FC236}">
-                  <a16:creationId xmlns="" xmlns:a16="http://schemas.microsoft.com/office/drawing/2014/main" id="{F74F58D4-5D9A-43AA-A842-4414D43E7D86}"/>
-                </a:ext>
-              </a:extLst>
-            </p:cNvPr>
+            <p:cNvPr id="8" name="矩形 7"/>
             <p:cNvSpPr/>
             <p:nvPr/>
           </p:nvSpPr>
@@ -17043,19 +16946,20 @@
                 </a:rPr>
                 <a:t>  Waterproof  Technology  Co. Ltd.</a:t>
               </a:r>
+              <a:endParaRPr lang="en-US" altLang="zh-CN" sz="1100" kern="700" spc="-100" dirty="0">
+                <a:solidFill>
+                  <a:schemeClr val="bg1"/>
+                </a:solidFill>
+                <a:latin typeface="微软雅黑" panose="020B0503020204020204" pitchFamily="34" charset="-122"/>
+                <a:ea typeface="微软雅黑" panose="020B0503020204020204" pitchFamily="34" charset="-122"/>
+              </a:endParaRPr>
             </a:p>
           </p:txBody>
         </p:sp>
       </p:grpSp>
       <p:sp>
         <p:nvSpPr>
-          <p:cNvPr id="28" name="TextBox 9">
-            <a:extLst>
-              <a:ext uri="{FF2B5EF4-FFF2-40B4-BE49-F238E27FC236}">
-                <a16:creationId xmlns="" xmlns:a16="http://schemas.microsoft.com/office/drawing/2014/main" id="{F9620907-505E-4433-8CD6-0B35E582F63E}"/>
-              </a:ext>
-            </a:extLst>
-          </p:cNvPr>
+          <p:cNvPr id="28" name="TextBox 9"/>
           <p:cNvSpPr txBox="1"/>
           <p:nvPr/>
         </p:nvSpPr>
@@ -17179,17 +17083,12 @@
         </p:txBody>
       </p:sp>
     </p:spTree>
-    <p:extLst>
-      <p:ext uri="{BB962C8B-B14F-4D97-AF65-F5344CB8AC3E}">
-        <p14:creationId xmlns="" xmlns:p14="http://schemas.microsoft.com/office/powerpoint/2010/main" val="257282595"/>
-      </p:ext>
-    </p:extLst>
   </p:cSld>
   <p:clrMapOvr>
     <a:masterClrMapping/>
   </p:clrMapOvr>
   <mc:AlternateContent xmlns:mc="http://schemas.openxmlformats.org/markup-compatibility/2006">
-    <mc:Choice xmlns="" xmlns:p14="http://schemas.microsoft.com/office/powerpoint/2010/main" Requires="p14">
+    <mc:Choice xmlns:p14="http://schemas.microsoft.com/office/powerpoint/2010/main" Requires="p14">
       <p:transition spd="slow" p14:dur="1600">
         <p:blinds dir="vert"/>
       </p:transition>
@@ -17229,28 +17128,24 @@
       </p:grpSpPr>
       <p:pic>
         <p:nvPicPr>
-          <p:cNvPr id="12" name="图片 11" descr="图片包含 户外, 天空, 建筑物, 时钟&#10;&#10;已生成极高可信度的说明">
-            <a:extLst>
-              <a:ext uri="{FF2B5EF4-FFF2-40B4-BE49-F238E27FC236}">
-                <a16:creationId xmlns="" xmlns:a16="http://schemas.microsoft.com/office/drawing/2014/main" id="{63120D12-FE94-4606-8069-50689EE820FD}"/>
-              </a:ext>
-            </a:extLst>
-          </p:cNvPr>
+          <p:cNvPr id="12" name="图片 11" descr="图片包含 户外, 天空, 建筑物, 时钟&#10;&#10;已生成极高可信度的说明"/>
           <p:cNvPicPr>
             <a:picLocks noChangeAspect="1"/>
           </p:cNvPicPr>
           <p:nvPr/>
         </p:nvPicPr>
         <p:blipFill rotWithShape="1">
-          <a:blip r:embed="rId2" cstate="screen">
+          <a:blip r:embed="rId1" cstate="screen">
             <a:extLst>
               <a:ext uri="{28A0092B-C50C-407E-A947-70E740481C1C}">
-                <a14:useLocalDpi xmlns="" xmlns:a14="http://schemas.microsoft.com/office/drawing/2010/main" val="0"/>
+                <a14:useLocalDpi xmlns:a14="http://schemas.microsoft.com/office/drawing/2010/main" val="0"/>
               </a:ext>
             </a:extLst>
           </a:blip>
           <a:srcRect r="4776" b="28891"/>
-          <a:stretch/>
+          <a:stretch>
+            <a:fillRect/>
+          </a:stretch>
         </p:blipFill>
         <p:spPr>
           <a:xfrm>
@@ -17264,13 +17159,7 @@
       </p:pic>
       <p:sp>
         <p:nvSpPr>
-          <p:cNvPr id="22" name="任意多边形: 形状 21">
-            <a:extLst>
-              <a:ext uri="{FF2B5EF4-FFF2-40B4-BE49-F238E27FC236}">
-                <a16:creationId xmlns="" xmlns:a16="http://schemas.microsoft.com/office/drawing/2014/main" id="{8B512DC7-300D-4210-A41E-42FB36991E9E}"/>
-              </a:ext>
-            </a:extLst>
-          </p:cNvPr>
+          <p:cNvPr id="22" name="任意多边形: 形状 21"/>
           <p:cNvSpPr/>
           <p:nvPr/>
         </p:nvSpPr>
@@ -17369,13 +17258,7 @@
       </p:sp>
       <p:sp>
         <p:nvSpPr>
-          <p:cNvPr id="23" name="任意多边形: 形状 22">
-            <a:extLst>
-              <a:ext uri="{FF2B5EF4-FFF2-40B4-BE49-F238E27FC236}">
-                <a16:creationId xmlns="" xmlns:a16="http://schemas.microsoft.com/office/drawing/2014/main" id="{2AB7E925-98D4-4048-93D2-B55FDA2BA567}"/>
-              </a:ext>
-            </a:extLst>
-          </p:cNvPr>
+          <p:cNvPr id="23" name="任意多边形: 形状 22"/>
           <p:cNvSpPr/>
           <p:nvPr/>
         </p:nvSpPr>
@@ -17464,13 +17347,7 @@
       </p:sp>
       <p:sp>
         <p:nvSpPr>
-          <p:cNvPr id="9" name="文本框 8">
-            <a:extLst>
-              <a:ext uri="{FF2B5EF4-FFF2-40B4-BE49-F238E27FC236}">
-                <a16:creationId xmlns="" xmlns:a16="http://schemas.microsoft.com/office/drawing/2014/main" id="{3F978CFE-16BB-4CF5-BC84-BDA91949BA0B}"/>
-              </a:ext>
-            </a:extLst>
-          </p:cNvPr>
+          <p:cNvPr id="9" name="文本框 8"/>
           <p:cNvSpPr txBox="1"/>
           <p:nvPr/>
         </p:nvSpPr>
@@ -17501,21 +17378,20 @@
               </a:rPr>
               <a:t>谢谢聆听</a:t>
             </a:r>
+            <a:endParaRPr lang="zh-CN" altLang="en-US" sz="3600" dirty="0">
+              <a:solidFill>
+                <a:schemeClr val="bg1"/>
+              </a:solidFill>
+              <a:latin typeface="微软雅黑 Light" panose="020B0502040204020203" pitchFamily="34" charset="-122"/>
+              <a:ea typeface="微软雅黑 Light" panose="020B0502040204020203" pitchFamily="34" charset="-122"/>
+            </a:endParaRPr>
           </a:p>
         </p:txBody>
       </p:sp>
       <p:cxnSp>
         <p:nvCxnSpPr>
-          <p:cNvPr id="10" name="直接连接符 9">
-            <a:extLst>
-              <a:ext uri="{FF2B5EF4-FFF2-40B4-BE49-F238E27FC236}">
-                <a16:creationId xmlns="" xmlns:a16="http://schemas.microsoft.com/office/drawing/2014/main" id="{819AA1A6-D93E-4DB4-BADD-A8D07C38C156}"/>
-              </a:ext>
-            </a:extLst>
-          </p:cNvPr>
-          <p:cNvCxnSpPr>
-            <a:cxnSpLocks/>
-          </p:cNvCxnSpPr>
+          <p:cNvPr id="10" name="直接连接符 9"/>
+          <p:cNvCxnSpPr/>
           <p:nvPr/>
         </p:nvCxnSpPr>
         <p:spPr>
@@ -17548,11 +17424,6 @@
         </p:style>
       </p:cxnSp>
     </p:spTree>
-    <p:extLst>
-      <p:ext uri="{BB962C8B-B14F-4D97-AF65-F5344CB8AC3E}">
-        <p14:creationId xmlns="" xmlns:p14="http://schemas.microsoft.com/office/powerpoint/2010/main" val="3968927684"/>
-      </p:ext>
-    </p:extLst>
   </p:cSld>
   <p:clrMapOvr>
     <a:masterClrMapping/>
@@ -17593,15 +17464,17 @@
           <p:nvPr/>
         </p:nvPicPr>
         <p:blipFill rotWithShape="1">
-          <a:blip r:embed="rId3">
+          <a:blip r:embed="rId1">
             <a:extLst>
               <a:ext uri="{28A0092B-C50C-407E-A947-70E740481C1C}">
-                <a14:useLocalDpi xmlns="" xmlns:a14="http://schemas.microsoft.com/office/drawing/2010/main" val="0"/>
+                <a14:useLocalDpi xmlns:a14="http://schemas.microsoft.com/office/drawing/2010/main" val="0"/>
               </a:ext>
             </a:extLst>
           </a:blip>
           <a:srcRect l="15017" r="22235"/>
-          <a:stretch/>
+          <a:stretch>
+            <a:fillRect/>
+          </a:stretch>
         </p:blipFill>
         <p:spPr>
           <a:xfrm>
@@ -17615,13 +17488,7 @@
       </p:pic>
       <p:sp>
         <p:nvSpPr>
-          <p:cNvPr id="7" name="矩形 6">
-            <a:extLst>
-              <a:ext uri="{FF2B5EF4-FFF2-40B4-BE49-F238E27FC236}">
-                <a16:creationId xmlns="" xmlns:a16="http://schemas.microsoft.com/office/drawing/2014/main" id="{6B4B2360-7218-48B5-AE5D-F4365A4C9468}"/>
-              </a:ext>
-            </a:extLst>
-          </p:cNvPr>
+          <p:cNvPr id="7" name="矩形 6"/>
           <p:cNvSpPr/>
           <p:nvPr/>
         </p:nvSpPr>
@@ -17676,7 +17543,6 @@
               <a:buSzTx/>
               <a:buFontTx/>
               <a:buNone/>
-              <a:tabLst/>
               <a:defRPr/>
             </a:pPr>
             <a:endParaRPr kumimoji="0" lang="zh-CN" altLang="en-US" sz="1800" b="0" i="0" u="none" strike="noStrike" kern="1200" cap="none" spc="0" normalizeH="0" baseline="0" noProof="0" dirty="0">
@@ -17817,7 +17683,7 @@
           <p:nvPr/>
         </p:nvPicPr>
         <p:blipFill>
-          <a:blip r:embed="rId4"/>
+          <a:blip r:embed="rId2"/>
           <a:stretch>
             <a:fillRect/>
           </a:stretch>
@@ -17938,17 +17804,12 @@
         </p:style>
       </p:cxnSp>
     </p:spTree>
-    <p:extLst>
-      <p:ext uri="{BB962C8B-B14F-4D97-AF65-F5344CB8AC3E}">
-        <p14:creationId xmlns="" xmlns:p14="http://schemas.microsoft.com/office/powerpoint/2010/main" val="3100316483"/>
-      </p:ext>
-    </p:extLst>
   </p:cSld>
   <p:clrMapOvr>
     <a:masterClrMapping/>
   </p:clrMapOvr>
   <mc:AlternateContent xmlns:mc="http://schemas.openxmlformats.org/markup-compatibility/2006">
-    <mc:Choice xmlns="" xmlns:p14="http://schemas.microsoft.com/office/powerpoint/2010/main" Requires="p14">
+    <mc:Choice xmlns:p14="http://schemas.microsoft.com/office/powerpoint/2010/main" Requires="p14">
       <p:transition spd="slow" p14:dur="1600">
         <p:blinds dir="vert"/>
       </p:transition>
@@ -17988,13 +17849,7 @@
       </p:grpSpPr>
       <p:grpSp>
         <p:nvGrpSpPr>
-          <p:cNvPr id="6" name="组合 5">
-            <a:extLst>
-              <a:ext uri="{FF2B5EF4-FFF2-40B4-BE49-F238E27FC236}">
-                <a16:creationId xmlns="" xmlns:a16="http://schemas.microsoft.com/office/drawing/2014/main" id="{3ECCECFB-8A2B-42E3-BB90-84B05A511565}"/>
-              </a:ext>
-            </a:extLst>
-          </p:cNvPr>
+          <p:cNvPr id="6" name="组合 5"/>
           <p:cNvGrpSpPr/>
           <p:nvPr/>
         </p:nvGrpSpPr>
@@ -18008,13 +17863,7 @@
         </p:grpSpPr>
         <p:sp>
           <p:nvSpPr>
-            <p:cNvPr id="2" name="文本框 1">
-              <a:extLst>
-                <a:ext uri="{FF2B5EF4-FFF2-40B4-BE49-F238E27FC236}">
-                  <a16:creationId xmlns="" xmlns:a16="http://schemas.microsoft.com/office/drawing/2014/main" id="{2871A151-4299-4FEA-AEED-88771DC8FE9A}"/>
-                </a:ext>
-              </a:extLst>
-            </p:cNvPr>
+            <p:cNvPr id="2" name="文本框 1"/>
             <p:cNvSpPr txBox="1"/>
             <p:nvPr/>
           </p:nvSpPr>
@@ -18070,13 +17919,7 @@
         </p:sp>
         <p:sp>
           <p:nvSpPr>
-            <p:cNvPr id="8" name="矩形 7">
-              <a:extLst>
-                <a:ext uri="{FF2B5EF4-FFF2-40B4-BE49-F238E27FC236}">
-                  <a16:creationId xmlns="" xmlns:a16="http://schemas.microsoft.com/office/drawing/2014/main" id="{FDEDE40B-7AB0-4730-8567-A24599FF8BAA}"/>
-                </a:ext>
-              </a:extLst>
-            </p:cNvPr>
+            <p:cNvPr id="8" name="矩形 7"/>
             <p:cNvSpPr/>
             <p:nvPr/>
           </p:nvSpPr>
@@ -18127,13 +17970,7 @@
         </p:sp>
         <p:sp>
           <p:nvSpPr>
-            <p:cNvPr id="9" name="矩形 8">
-              <a:extLst>
-                <a:ext uri="{FF2B5EF4-FFF2-40B4-BE49-F238E27FC236}">
-                  <a16:creationId xmlns="" xmlns:a16="http://schemas.microsoft.com/office/drawing/2014/main" id="{2B21ED84-23FD-4FBF-B40A-00DCAA6BAFEE}"/>
-                </a:ext>
-              </a:extLst>
-            </p:cNvPr>
+            <p:cNvPr id="9" name="矩形 8"/>
             <p:cNvSpPr/>
             <p:nvPr/>
           </p:nvSpPr>
@@ -18185,13 +18022,7 @@
       </p:grpSp>
       <p:grpSp>
         <p:nvGrpSpPr>
-          <p:cNvPr id="5" name="组合 4">
-            <a:extLst>
-              <a:ext uri="{FF2B5EF4-FFF2-40B4-BE49-F238E27FC236}">
-                <a16:creationId xmlns="" xmlns:a16="http://schemas.microsoft.com/office/drawing/2014/main" id="{D43511E3-9523-485E-913F-7199E1F70272}"/>
-              </a:ext>
-            </a:extLst>
-          </p:cNvPr>
+          <p:cNvPr id="5" name="组合 4"/>
           <p:cNvGrpSpPr/>
           <p:nvPr/>
         </p:nvGrpSpPr>
@@ -18205,13 +18036,7 @@
         </p:grpSpPr>
         <p:sp>
           <p:nvSpPr>
-            <p:cNvPr id="10" name="文本框 9">
-              <a:extLst>
-                <a:ext uri="{FF2B5EF4-FFF2-40B4-BE49-F238E27FC236}">
-                  <a16:creationId xmlns="" xmlns:a16="http://schemas.microsoft.com/office/drawing/2014/main" id="{6F59C157-714D-4AA7-8082-EE86C700A2B2}"/>
-                </a:ext>
-              </a:extLst>
-            </p:cNvPr>
+            <p:cNvPr id="10" name="文本框 9"/>
             <p:cNvSpPr txBox="1"/>
             <p:nvPr/>
           </p:nvSpPr>
@@ -18243,6 +18068,10 @@
                 </a:rPr>
                 <a:t>PART ONE</a:t>
               </a:r>
+              <a:endParaRPr lang="en-US" altLang="zh-CN" sz="1600" dirty="0">
+                <a:latin typeface="微软雅黑" panose="020B0503020204020204" pitchFamily="34" charset="-122"/>
+                <a:ea typeface="微软雅黑" panose="020B0503020204020204" pitchFamily="34" charset="-122"/>
+              </a:endParaRPr>
             </a:p>
             <a:p>
               <a:pPr>
@@ -18266,13 +18095,7 @@
         </p:sp>
         <p:sp>
           <p:nvSpPr>
-            <p:cNvPr id="11" name="文本框 10">
-              <a:extLst>
-                <a:ext uri="{FF2B5EF4-FFF2-40B4-BE49-F238E27FC236}">
-                  <a16:creationId xmlns="" xmlns:a16="http://schemas.microsoft.com/office/drawing/2014/main" id="{A184154C-8112-4CE4-A52B-44F73641C7A3}"/>
-                </a:ext>
-              </a:extLst>
-            </p:cNvPr>
+            <p:cNvPr id="11" name="文本框 10"/>
             <p:cNvSpPr txBox="1"/>
             <p:nvPr/>
           </p:nvSpPr>
@@ -18314,13 +18137,7 @@
         </p:sp>
         <p:sp>
           <p:nvSpPr>
-            <p:cNvPr id="15" name="文本框 14">
-              <a:extLst>
-                <a:ext uri="{FF2B5EF4-FFF2-40B4-BE49-F238E27FC236}">
-                  <a16:creationId xmlns="" xmlns:a16="http://schemas.microsoft.com/office/drawing/2014/main" id="{A7807FB4-0BE9-4940-9960-80E3DEF1B4C0}"/>
-                </a:ext>
-              </a:extLst>
-            </p:cNvPr>
+            <p:cNvPr id="15" name="文本框 14"/>
             <p:cNvSpPr txBox="1"/>
             <p:nvPr/>
           </p:nvSpPr>
@@ -18352,6 +18169,10 @@
                 </a:rPr>
                 <a:t>PART TWO</a:t>
               </a:r>
+              <a:endParaRPr lang="en-US" altLang="zh-CN" sz="1600" dirty="0">
+                <a:latin typeface="微软雅黑" panose="020B0503020204020204" pitchFamily="34" charset="-122"/>
+                <a:ea typeface="微软雅黑" panose="020B0503020204020204" pitchFamily="34" charset="-122"/>
+              </a:endParaRPr>
             </a:p>
             <a:p>
               <a:pPr>
@@ -18375,13 +18196,7 @@
         </p:sp>
         <p:sp>
           <p:nvSpPr>
-            <p:cNvPr id="16" name="文本框 15">
-              <a:extLst>
-                <a:ext uri="{FF2B5EF4-FFF2-40B4-BE49-F238E27FC236}">
-                  <a16:creationId xmlns="" xmlns:a16="http://schemas.microsoft.com/office/drawing/2014/main" id="{38AB1FC5-DE30-41B7-A72F-5700F344ECE1}"/>
-                </a:ext>
-              </a:extLst>
-            </p:cNvPr>
+            <p:cNvPr id="16" name="文本框 15"/>
             <p:cNvSpPr txBox="1"/>
             <p:nvPr/>
           </p:nvSpPr>
@@ -18423,13 +18238,7 @@
         </p:sp>
         <p:sp>
           <p:nvSpPr>
-            <p:cNvPr id="18" name="文本框 17">
-              <a:extLst>
-                <a:ext uri="{FF2B5EF4-FFF2-40B4-BE49-F238E27FC236}">
-                  <a16:creationId xmlns="" xmlns:a16="http://schemas.microsoft.com/office/drawing/2014/main" id="{8A691021-8A29-4525-88E3-6ABFFEC1A7CF}"/>
-                </a:ext>
-              </a:extLst>
-            </p:cNvPr>
+            <p:cNvPr id="18" name="文本框 17"/>
             <p:cNvSpPr txBox="1"/>
             <p:nvPr/>
           </p:nvSpPr>
@@ -18461,6 +18270,10 @@
                 </a:rPr>
                 <a:t>PART THREE</a:t>
               </a:r>
+              <a:endParaRPr lang="en-US" altLang="zh-CN" sz="1600" dirty="0">
+                <a:latin typeface="微软雅黑" panose="020B0503020204020204" pitchFamily="34" charset="-122"/>
+                <a:ea typeface="微软雅黑" panose="020B0503020204020204" pitchFamily="34" charset="-122"/>
+              </a:endParaRPr>
             </a:p>
             <a:p>
               <a:pPr>
@@ -18484,13 +18297,7 @@
         </p:sp>
         <p:sp>
           <p:nvSpPr>
-            <p:cNvPr id="19" name="文本框 18">
-              <a:extLst>
-                <a:ext uri="{FF2B5EF4-FFF2-40B4-BE49-F238E27FC236}">
-                  <a16:creationId xmlns="" xmlns:a16="http://schemas.microsoft.com/office/drawing/2014/main" id="{E24CF56E-54A3-4AB8-A02E-C2A9A0D5CE84}"/>
-                </a:ext>
-              </a:extLst>
-            </p:cNvPr>
+            <p:cNvPr id="19" name="文本框 18"/>
             <p:cNvSpPr txBox="1"/>
             <p:nvPr/>
           </p:nvSpPr>
@@ -18532,13 +18339,7 @@
         </p:sp>
         <p:sp>
           <p:nvSpPr>
-            <p:cNvPr id="21" name="文本框 20">
-              <a:extLst>
-                <a:ext uri="{FF2B5EF4-FFF2-40B4-BE49-F238E27FC236}">
-                  <a16:creationId xmlns="" xmlns:a16="http://schemas.microsoft.com/office/drawing/2014/main" id="{7E63000E-6151-4B4D-A526-7607F5A8E7E3}"/>
-                </a:ext>
-              </a:extLst>
-            </p:cNvPr>
+            <p:cNvPr id="21" name="文本框 20"/>
             <p:cNvSpPr txBox="1"/>
             <p:nvPr/>
           </p:nvSpPr>
@@ -18570,6 +18371,10 @@
                 </a:rPr>
                 <a:t>PART FOUR</a:t>
               </a:r>
+              <a:endParaRPr lang="en-US" altLang="zh-CN" sz="1600" dirty="0">
+                <a:latin typeface="微软雅黑" panose="020B0503020204020204" pitchFamily="34" charset="-122"/>
+                <a:ea typeface="微软雅黑" panose="020B0503020204020204" pitchFamily="34" charset="-122"/>
+              </a:endParaRPr>
             </a:p>
             <a:p>
               <a:pPr>
@@ -18593,13 +18398,7 @@
         </p:sp>
         <p:sp>
           <p:nvSpPr>
-            <p:cNvPr id="22" name="文本框 21">
-              <a:extLst>
-                <a:ext uri="{FF2B5EF4-FFF2-40B4-BE49-F238E27FC236}">
-                  <a16:creationId xmlns="" xmlns:a16="http://schemas.microsoft.com/office/drawing/2014/main" id="{FEAE2CCE-B35E-4932-B5A1-77F0FA08E6E5}"/>
-                </a:ext>
-              </a:extLst>
-            </p:cNvPr>
+            <p:cNvPr id="22" name="文本框 21"/>
             <p:cNvSpPr txBox="1"/>
             <p:nvPr/>
           </p:nvSpPr>
@@ -18641,11 +18440,6 @@
         </p:sp>
       </p:grpSp>
     </p:spTree>
-    <p:extLst>
-      <p:ext uri="{BB962C8B-B14F-4D97-AF65-F5344CB8AC3E}">
-        <p14:creationId xmlns="" xmlns:p14="http://schemas.microsoft.com/office/powerpoint/2010/main" val="2325327428"/>
-      </p:ext>
-    </p:extLst>
   </p:cSld>
   <p:clrMapOvr>
     <a:masterClrMapping/>
@@ -18679,13 +18473,7 @@
       </p:grpSpPr>
       <p:grpSp>
         <p:nvGrpSpPr>
-          <p:cNvPr id="2" name="组合 1">
-            <a:extLst>
-              <a:ext uri="{FF2B5EF4-FFF2-40B4-BE49-F238E27FC236}">
-                <a16:creationId xmlns="" xmlns:a16="http://schemas.microsoft.com/office/drawing/2014/main" id="{E50DEB0B-1C12-44D1-AAA1-F4E0A4F19E17}"/>
-              </a:ext>
-            </a:extLst>
-          </p:cNvPr>
+          <p:cNvPr id="2" name="组合 1"/>
           <p:cNvGrpSpPr/>
           <p:nvPr/>
         </p:nvGrpSpPr>
@@ -18699,13 +18487,7 @@
         </p:grpSpPr>
         <p:sp>
           <p:nvSpPr>
-            <p:cNvPr id="7" name="矩形 6">
-              <a:extLst>
-                <a:ext uri="{FF2B5EF4-FFF2-40B4-BE49-F238E27FC236}">
-                  <a16:creationId xmlns="" xmlns:a16="http://schemas.microsoft.com/office/drawing/2014/main" id="{D5213AAE-A69E-40F7-931A-4EAD7707F511}"/>
-                </a:ext>
-              </a:extLst>
-            </p:cNvPr>
+            <p:cNvPr id="7" name="矩形 6"/>
             <p:cNvSpPr/>
             <p:nvPr/>
           </p:nvSpPr>
@@ -18748,13 +18530,7 @@
         </p:sp>
         <p:sp>
           <p:nvSpPr>
-            <p:cNvPr id="8" name="矩形 7">
-              <a:extLst>
-                <a:ext uri="{FF2B5EF4-FFF2-40B4-BE49-F238E27FC236}">
-                  <a16:creationId xmlns="" xmlns:a16="http://schemas.microsoft.com/office/drawing/2014/main" id="{F74F58D4-5D9A-43AA-A842-4414D43E7D86}"/>
-                </a:ext>
-              </a:extLst>
-            </p:cNvPr>
+            <p:cNvPr id="8" name="矩形 7"/>
             <p:cNvSpPr/>
             <p:nvPr/>
           </p:nvSpPr>
@@ -18796,6 +18572,13 @@
                 </a:rPr>
                 <a:t>  Waterproof  Technology  Co. Ltd.</a:t>
               </a:r>
+              <a:endParaRPr lang="en-US" altLang="zh-CN" sz="1100" kern="700" spc="-100" dirty="0">
+                <a:solidFill>
+                  <a:schemeClr val="bg1"/>
+                </a:solidFill>
+                <a:latin typeface="微软雅黑" panose="020B0503020204020204" pitchFamily="34" charset="-122"/>
+                <a:ea typeface="微软雅黑" panose="020B0503020204020204" pitchFamily="34" charset="-122"/>
+              </a:endParaRPr>
             </a:p>
           </p:txBody>
         </p:sp>
@@ -19093,6 +18876,7 @@
               <a:rPr lang="zh-CN" altLang="en-US" sz="2000" dirty="0" smtClean="0"/>
               <a:t>甚至世界的经济体系。</a:t>
             </a:r>
+            <a:endParaRPr lang="zh-CN" altLang="en-US" sz="2000" dirty="0" smtClean="0"/>
           </a:p>
           <a:p>
             <a:endParaRPr lang="zh-CN" altLang="en-US" dirty="0"/>
@@ -19101,13 +18885,7 @@
       </p:sp>
       <p:sp>
         <p:nvSpPr>
-          <p:cNvPr id="22" name="TextBox 9">
-            <a:extLst>
-              <a:ext uri="{FF2B5EF4-FFF2-40B4-BE49-F238E27FC236}">
-                <a16:creationId xmlns="" xmlns:a16="http://schemas.microsoft.com/office/drawing/2014/main" id="{F9620907-505E-4433-8CD6-0B35E582F63E}"/>
-              </a:ext>
-            </a:extLst>
-          </p:cNvPr>
+          <p:cNvPr id="22" name="TextBox 9"/>
           <p:cNvSpPr txBox="1"/>
           <p:nvPr/>
         </p:nvSpPr>
@@ -19183,17 +18961,12 @@
         </p:txBody>
       </p:sp>
     </p:spTree>
-    <p:extLst>
-      <p:ext uri="{BB962C8B-B14F-4D97-AF65-F5344CB8AC3E}">
-        <p14:creationId xmlns="" xmlns:p14="http://schemas.microsoft.com/office/powerpoint/2010/main" val="257282595"/>
-      </p:ext>
-    </p:extLst>
   </p:cSld>
   <p:clrMapOvr>
     <a:masterClrMapping/>
   </p:clrMapOvr>
   <mc:AlternateContent xmlns:mc="http://schemas.openxmlformats.org/markup-compatibility/2006">
-    <mc:Choice xmlns="" xmlns:p14="http://schemas.microsoft.com/office/powerpoint/2010/main" Requires="p14">
+    <mc:Choice xmlns:p14="http://schemas.microsoft.com/office/powerpoint/2010/main" Requires="p14">
       <p:transition spd="slow" p14:dur="1600">
         <p:blinds dir="vert"/>
       </p:transition>
@@ -19233,13 +19006,7 @@
       </p:grpSpPr>
       <p:grpSp>
         <p:nvGrpSpPr>
-          <p:cNvPr id="2" name="组合 1">
-            <a:extLst>
-              <a:ext uri="{FF2B5EF4-FFF2-40B4-BE49-F238E27FC236}">
-                <a16:creationId xmlns="" xmlns:a16="http://schemas.microsoft.com/office/drawing/2014/main" id="{E50DEB0B-1C12-44D1-AAA1-F4E0A4F19E17}"/>
-              </a:ext>
-            </a:extLst>
-          </p:cNvPr>
+          <p:cNvPr id="2" name="组合 1"/>
           <p:cNvGrpSpPr/>
           <p:nvPr/>
         </p:nvGrpSpPr>
@@ -19253,13 +19020,7 @@
         </p:grpSpPr>
         <p:sp>
           <p:nvSpPr>
-            <p:cNvPr id="7" name="矩形 6">
-              <a:extLst>
-                <a:ext uri="{FF2B5EF4-FFF2-40B4-BE49-F238E27FC236}">
-                  <a16:creationId xmlns="" xmlns:a16="http://schemas.microsoft.com/office/drawing/2014/main" id="{D5213AAE-A69E-40F7-931A-4EAD7707F511}"/>
-                </a:ext>
-              </a:extLst>
-            </p:cNvPr>
+            <p:cNvPr id="7" name="矩形 6"/>
             <p:cNvSpPr/>
             <p:nvPr/>
           </p:nvSpPr>
@@ -19302,13 +19063,7 @@
         </p:sp>
         <p:sp>
           <p:nvSpPr>
-            <p:cNvPr id="8" name="矩形 7">
-              <a:extLst>
-                <a:ext uri="{FF2B5EF4-FFF2-40B4-BE49-F238E27FC236}">
-                  <a16:creationId xmlns="" xmlns:a16="http://schemas.microsoft.com/office/drawing/2014/main" id="{F74F58D4-5D9A-43AA-A842-4414D43E7D86}"/>
-                </a:ext>
-              </a:extLst>
-            </p:cNvPr>
+            <p:cNvPr id="8" name="矩形 7"/>
             <p:cNvSpPr/>
             <p:nvPr/>
           </p:nvSpPr>
@@ -19350,19 +19105,20 @@
                 </a:rPr>
                 <a:t>  Waterproof  Technology  Co. Ltd.</a:t>
               </a:r>
+              <a:endParaRPr lang="en-US" altLang="zh-CN" sz="1100" kern="700" spc="-100" dirty="0">
+                <a:solidFill>
+                  <a:schemeClr val="bg1"/>
+                </a:solidFill>
+                <a:latin typeface="微软雅黑" panose="020B0503020204020204" pitchFamily="34" charset="-122"/>
+                <a:ea typeface="微软雅黑" panose="020B0503020204020204" pitchFamily="34" charset="-122"/>
+              </a:endParaRPr>
             </a:p>
           </p:txBody>
         </p:sp>
       </p:grpSp>
       <p:sp>
         <p:nvSpPr>
-          <p:cNvPr id="28" name="TextBox 9">
-            <a:extLst>
-              <a:ext uri="{FF2B5EF4-FFF2-40B4-BE49-F238E27FC236}">
-                <a16:creationId xmlns="" xmlns:a16="http://schemas.microsoft.com/office/drawing/2014/main" id="{F9620907-505E-4433-8CD6-0B35E582F63E}"/>
-              </a:ext>
-            </a:extLst>
-          </p:cNvPr>
+          <p:cNvPr id="28" name="TextBox 9"/>
           <p:cNvSpPr txBox="1"/>
           <p:nvPr/>
         </p:nvSpPr>
@@ -19717,9 +19473,7 @@
       <p:sp>
         <p:nvSpPr>
           <p:cNvPr id="14" name="Freeform 5"/>
-          <p:cNvSpPr>
-            <a:spLocks/>
-          </p:cNvSpPr>
+          <p:cNvSpPr/>
           <p:nvPr/>
         </p:nvSpPr>
         <p:spPr bwMode="auto">
@@ -19926,8 +19680,6 @@
             </a:solidFill>
             <a:prstDash val="solid"/>
             <a:miter lim="800000"/>
-            <a:headEnd/>
-            <a:tailEnd/>
           </a:ln>
           <a:effectLst>
             <a:outerShdw blurRad="127000" dist="63500" dir="6600000" algn="t" rotWithShape="0">
@@ -19936,14 +19688,9 @@
               </a:prstClr>
             </a:outerShdw>
           </a:effectLst>
-          <a:extLst/>
         </p:spPr>
         <p:txBody>
-          <a:bodyPr vert="horz" wrap="square" lIns="91440" tIns="45720" rIns="91440" bIns="45720" numCol="1" anchor="t" anchorCtr="0" compatLnSpc="1">
-            <a:prstTxWarp prst="textNoShape">
-              <a:avLst/>
-            </a:prstTxWarp>
-          </a:bodyPr>
+          <a:bodyPr vert="horz" wrap="square" lIns="91440" tIns="45720" rIns="91440" bIns="45720" numCol="1" anchor="t" anchorCtr="0" compatLnSpc="1"/>
           <a:lstStyle/>
           <a:p>
             <a:endParaRPr lang="zh-CN" altLang="en-US">
@@ -19983,8 +19730,8 @@
                 <a:solidFill>
                   <a:schemeClr val="bg1"/>
                 </a:solidFill>
-                <a:latin typeface="微软雅黑" pitchFamily="34" charset="-122"/>
-                <a:ea typeface="微软雅黑" pitchFamily="34" charset="-122"/>
+                <a:latin typeface="微软雅黑" panose="020B0503020204020204" pitchFamily="34" charset="-122"/>
+                <a:ea typeface="微软雅黑" panose="020B0503020204020204" pitchFamily="34" charset="-122"/>
               </a:defRPr>
             </a:lvl1pPr>
           </a:lstStyle>
@@ -20001,9 +19748,7 @@
       <p:sp>
         <p:nvSpPr>
           <p:cNvPr id="16" name="Freeform 5"/>
-          <p:cNvSpPr>
-            <a:spLocks/>
-          </p:cNvSpPr>
+          <p:cNvSpPr/>
           <p:nvPr/>
         </p:nvSpPr>
         <p:spPr bwMode="auto">
@@ -20210,8 +19955,6 @@
             </a:solidFill>
             <a:prstDash val="solid"/>
             <a:miter lim="800000"/>
-            <a:headEnd/>
-            <a:tailEnd/>
           </a:ln>
           <a:effectLst>
             <a:outerShdw blurRad="127000" dist="63500" dir="6600000" algn="t" rotWithShape="0">
@@ -20220,14 +19963,9 @@
               </a:prstClr>
             </a:outerShdw>
           </a:effectLst>
-          <a:extLst/>
         </p:spPr>
         <p:txBody>
-          <a:bodyPr vert="horz" wrap="square" lIns="91440" tIns="45720" rIns="91440" bIns="45720" numCol="1" anchor="t" anchorCtr="0" compatLnSpc="1">
-            <a:prstTxWarp prst="textNoShape">
-              <a:avLst/>
-            </a:prstTxWarp>
-          </a:bodyPr>
+          <a:bodyPr vert="horz" wrap="square" lIns="91440" tIns="45720" rIns="91440" bIns="45720" numCol="1" anchor="t" anchorCtr="0" compatLnSpc="1"/>
           <a:lstStyle/>
           <a:p>
             <a:endParaRPr lang="zh-CN" altLang="en-US">
@@ -20241,9 +19979,7 @@
       <p:sp>
         <p:nvSpPr>
           <p:cNvPr id="17" name="Freeform 5"/>
-          <p:cNvSpPr>
-            <a:spLocks/>
-          </p:cNvSpPr>
+          <p:cNvSpPr/>
           <p:nvPr/>
         </p:nvSpPr>
         <p:spPr bwMode="auto">
@@ -20450,8 +20186,6 @@
             </a:solidFill>
             <a:prstDash val="solid"/>
             <a:miter lim="800000"/>
-            <a:headEnd/>
-            <a:tailEnd/>
           </a:ln>
           <a:effectLst>
             <a:outerShdw blurRad="127000" dist="63500" dir="6600000" algn="t" rotWithShape="0">
@@ -20460,14 +20194,9 @@
               </a:prstClr>
             </a:outerShdw>
           </a:effectLst>
-          <a:extLst/>
         </p:spPr>
         <p:txBody>
-          <a:bodyPr vert="horz" wrap="square" lIns="91440" tIns="45720" rIns="91440" bIns="45720" numCol="1" anchor="t" anchorCtr="0" compatLnSpc="1">
-            <a:prstTxWarp prst="textNoShape">
-              <a:avLst/>
-            </a:prstTxWarp>
-          </a:bodyPr>
+          <a:bodyPr vert="horz" wrap="square" lIns="91440" tIns="45720" rIns="91440" bIns="45720" numCol="1" anchor="t" anchorCtr="0" compatLnSpc="1"/>
           <a:lstStyle/>
           <a:p>
             <a:endParaRPr lang="zh-CN" altLang="en-US">
@@ -20507,8 +20236,8 @@
                 <a:solidFill>
                   <a:schemeClr val="bg1"/>
                 </a:solidFill>
-                <a:latin typeface="微软雅黑" pitchFamily="34" charset="-122"/>
-                <a:ea typeface="微软雅黑" pitchFamily="34" charset="-122"/>
+                <a:latin typeface="微软雅黑" panose="020B0503020204020204" pitchFamily="34" charset="-122"/>
+                <a:ea typeface="微软雅黑" panose="020B0503020204020204" pitchFamily="34" charset="-122"/>
               </a:defRPr>
             </a:lvl1pPr>
           </a:lstStyle>
@@ -20559,8 +20288,8 @@
                 <a:solidFill>
                   <a:schemeClr val="bg1"/>
                 </a:solidFill>
-                <a:latin typeface="微软雅黑" pitchFamily="34" charset="-122"/>
-                <a:ea typeface="微软雅黑" pitchFamily="34" charset="-122"/>
+                <a:latin typeface="微软雅黑" panose="020B0503020204020204" pitchFamily="34" charset="-122"/>
+                <a:ea typeface="微软雅黑" panose="020B0503020204020204" pitchFamily="34" charset="-122"/>
               </a:defRPr>
             </a:lvl1pPr>
           </a:lstStyle>
@@ -20570,6 +20299,7 @@
               <a:rPr lang="zh-CN" altLang="en-US" sz="2000" b="1" dirty="0" smtClean="0"/>
               <a:t>保持财产性收入的净现金流入</a:t>
             </a:r>
+            <a:endParaRPr lang="zh-CN" altLang="en-US" sz="2000" b="1" dirty="0" smtClean="0"/>
           </a:p>
           <a:p>
             <a:pPr algn="ctr"/>
@@ -20578,17 +20308,12 @@
         </p:txBody>
       </p:sp>
     </p:spTree>
-    <p:extLst>
-      <p:ext uri="{BB962C8B-B14F-4D97-AF65-F5344CB8AC3E}">
-        <p14:creationId xmlns="" xmlns:p14="http://schemas.microsoft.com/office/powerpoint/2010/main" val="257282595"/>
-      </p:ext>
-    </p:extLst>
   </p:cSld>
   <p:clrMapOvr>
     <a:masterClrMapping/>
   </p:clrMapOvr>
   <mc:AlternateContent xmlns:mc="http://schemas.openxmlformats.org/markup-compatibility/2006">
-    <mc:Choice xmlns="" xmlns:p14="http://schemas.microsoft.com/office/powerpoint/2010/main" Requires="p14">
+    <mc:Choice xmlns:p14="http://schemas.microsoft.com/office/powerpoint/2010/main" Requires="p14">
       <p:transition spd="slow" p14:dur="1600">
         <p:blinds dir="vert"/>
       </p:transition>
@@ -20628,13 +20353,7 @@
       </p:grpSpPr>
       <p:sp>
         <p:nvSpPr>
-          <p:cNvPr id="31" name="TextBox 9">
-            <a:extLst>
-              <a:ext uri="{FF2B5EF4-FFF2-40B4-BE49-F238E27FC236}">
-                <a16:creationId xmlns="" xmlns:a16="http://schemas.microsoft.com/office/drawing/2014/main" id="{196AEFB1-B5B8-48EC-BBBA-092BE2D0990E}"/>
-              </a:ext>
-            </a:extLst>
-          </p:cNvPr>
+          <p:cNvPr id="31" name="TextBox 9"/>
           <p:cNvSpPr txBox="1"/>
           <p:nvPr/>
         </p:nvSpPr>
@@ -20780,8 +20499,8 @@
                     <a:lumOff val="15000"/>
                   </a:schemeClr>
                 </a:solidFill>
-                <a:latin typeface="微软雅黑" pitchFamily="34" charset="-122"/>
-                <a:ea typeface="微软雅黑" pitchFamily="34" charset="-122"/>
+                <a:latin typeface="微软雅黑" panose="020B0503020204020204" pitchFamily="34" charset="-122"/>
+                <a:ea typeface="微软雅黑" panose="020B0503020204020204" pitchFamily="34" charset="-122"/>
               </a:rPr>
               <a:t>。</a:t>
             </a:r>
@@ -20792,8 +20511,8 @@
                   <a:lumOff val="15000"/>
                 </a:schemeClr>
               </a:solidFill>
-              <a:latin typeface="微软雅黑" pitchFamily="34" charset="-122"/>
-              <a:ea typeface="微软雅黑" pitchFamily="34" charset="-122"/>
+              <a:latin typeface="微软雅黑" panose="020B0503020204020204" pitchFamily="34" charset="-122"/>
+              <a:ea typeface="微软雅黑" panose="020B0503020204020204" pitchFamily="34" charset="-122"/>
             </a:endParaRPr>
           </a:p>
         </p:txBody>
@@ -20801,9 +20520,7 @@
       <p:sp>
         <p:nvSpPr>
           <p:cNvPr id="80" name="Content Placeholder 2"/>
-          <p:cNvSpPr txBox="1">
-            <a:spLocks/>
-          </p:cNvSpPr>
+          <p:cNvSpPr txBox="1"/>
           <p:nvPr/>
         </p:nvSpPr>
         <p:spPr>
@@ -20833,7 +20550,7 @@
                 </a:schemeClr>
               </a:buClr>
               <a:buSzPct val="145000"/>
-              <a:buFont typeface="Arial"/>
+              <a:buFont typeface="Arial" panose="020B0604020202020204"/>
               <a:buNone/>
               <a:defRPr sz="2100" kern="1200" cap="none">
                 <a:solidFill>
@@ -20858,7 +20575,7 @@
                 </a:schemeClr>
               </a:buClr>
               <a:buSzPct val="145000"/>
-              <a:buFont typeface="Arial"/>
+              <a:buFont typeface="Arial" panose="020B0604020202020204"/>
               <a:buNone/>
               <a:defRPr sz="2000" kern="1200" cap="none">
                 <a:solidFill>
@@ -20885,7 +20602,7 @@
                 </a:schemeClr>
               </a:buClr>
               <a:buSzPct val="145000"/>
-              <a:buFont typeface="Arial"/>
+              <a:buFont typeface="Arial" panose="020B0604020202020204"/>
               <a:buNone/>
               <a:defRPr sz="1800" kern="1200" cap="none">
                 <a:solidFill>
@@ -20912,7 +20629,7 @@
                 </a:schemeClr>
               </a:buClr>
               <a:buSzPct val="145000"/>
-              <a:buFont typeface="Arial"/>
+              <a:buFont typeface="Arial" panose="020B0604020202020204"/>
               <a:buNone/>
               <a:defRPr sz="1600" kern="1200" cap="none">
                 <a:solidFill>
@@ -20939,7 +20656,7 @@
                 </a:schemeClr>
               </a:buClr>
               <a:buSzPct val="145000"/>
-              <a:buFont typeface="Arial"/>
+              <a:buFont typeface="Arial" panose="020B0604020202020204"/>
               <a:buNone/>
               <a:defRPr sz="1400" kern="1200" cap="none">
                 <a:solidFill>
@@ -20966,7 +20683,7 @@
                 </a:schemeClr>
               </a:buClr>
               <a:buSzPct val="145000"/>
-              <a:buFont typeface="Arial"/>
+              <a:buFont typeface="Arial" panose="020B0604020202020204"/>
               <a:buNone/>
               <a:defRPr sz="1400" kern="1200" cap="none">
                 <a:solidFill>
@@ -20993,7 +20710,7 @@
                 </a:schemeClr>
               </a:buClr>
               <a:buSzPct val="145000"/>
-              <a:buFont typeface="Arial"/>
+              <a:buFont typeface="Arial" panose="020B0604020202020204"/>
               <a:buNone/>
               <a:defRPr sz="1400" kern="1200" cap="none">
                 <a:solidFill>
@@ -21020,7 +20737,7 @@
                 </a:schemeClr>
               </a:buClr>
               <a:buSzPct val="145000"/>
-              <a:buFont typeface="Arial"/>
+              <a:buFont typeface="Arial" panose="020B0604020202020204"/>
               <a:buNone/>
               <a:defRPr sz="1400" kern="1200" cap="none">
                 <a:solidFill>
@@ -21047,7 +20764,7 @@
                 </a:schemeClr>
               </a:buClr>
               <a:buSzPct val="145000"/>
-              <a:buFont typeface="Arial"/>
+              <a:buFont typeface="Arial" panose="020B0604020202020204"/>
               <a:buNone/>
               <a:defRPr sz="1400" kern="1200" cap="none">
                 <a:solidFill>
@@ -21072,7 +20789,7 @@
                     <a:lumOff val="25000"/>
                   </a:schemeClr>
                 </a:solidFill>
-                <a:latin typeface="微软雅黑" pitchFamily="34" charset="-122"/>
+                <a:latin typeface="微软雅黑" panose="020B0503020204020204" pitchFamily="34" charset="-122"/>
                 <a:ea typeface="微软雅黑" panose="020B0503020204020204" pitchFamily="34" charset="-122"/>
               </a:rPr>
               <a:t>被动收入</a:t>
@@ -21085,7 +20802,7 @@
                     <a:lumOff val="25000"/>
                   </a:schemeClr>
                 </a:solidFill>
-                <a:latin typeface="微软雅黑" pitchFamily="34" charset="-122"/>
+                <a:latin typeface="微软雅黑" panose="020B0503020204020204" pitchFamily="34" charset="-122"/>
                 <a:ea typeface="微软雅黑" panose="020B0503020204020204" pitchFamily="34" charset="-122"/>
               </a:rPr>
               <a:t>：不用花时间和精力而自动产生的收入，如房产租金，知识产权、银行利息等。</a:t>
@@ -21097,7 +20814,7 @@
                   <a:lumOff val="25000"/>
                 </a:schemeClr>
               </a:solidFill>
-              <a:latin typeface="微软雅黑" pitchFamily="34" charset="-122"/>
+              <a:latin typeface="微软雅黑" panose="020B0503020204020204" pitchFamily="34" charset="-122"/>
               <a:ea typeface="微软雅黑" panose="020B0503020204020204" pitchFamily="34" charset="-122"/>
             </a:endParaRPr>
           </a:p>
@@ -21130,7 +20847,7 @@
                   <a:lumOff val="25000"/>
                 </a:schemeClr>
               </a:solidFill>
-              <a:latin typeface="微软雅黑" pitchFamily="34" charset="-122"/>
+              <a:latin typeface="微软雅黑" panose="020B0503020204020204" pitchFamily="34" charset="-122"/>
               <a:ea typeface="微软雅黑" panose="020B0503020204020204" pitchFamily="34" charset="-122"/>
             </a:endParaRPr>
           </a:p>
@@ -21145,7 +20862,7 @@
           <p:nvPr/>
         </p:nvPicPr>
         <p:blipFill>
-          <a:blip r:embed="rId3"/>
+          <a:blip r:embed="rId1"/>
           <a:srcRect/>
           <a:stretch>
             <a:fillRect/>
@@ -21163,17 +20880,12 @@
         </p:spPr>
       </p:pic>
     </p:spTree>
-    <p:extLst>
-      <p:ext uri="{BB962C8B-B14F-4D97-AF65-F5344CB8AC3E}">
-        <p14:creationId xmlns="" xmlns:p14="http://schemas.microsoft.com/office/powerpoint/2010/main" val="4095140424"/>
-      </p:ext>
-    </p:extLst>
   </p:cSld>
   <p:clrMapOvr>
     <a:masterClrMapping/>
   </p:clrMapOvr>
   <mc:AlternateContent xmlns:mc="http://schemas.openxmlformats.org/markup-compatibility/2006">
-    <mc:Choice xmlns="" xmlns:p14="http://schemas.microsoft.com/office/powerpoint/2010/main" Requires="p14">
+    <mc:Choice xmlns:p14="http://schemas.microsoft.com/office/powerpoint/2010/main" Requires="p14">
       <p:transition spd="slow" p14:dur="1600">
         <p:blinds dir="vert"/>
       </p:transition>
@@ -21213,13 +20925,7 @@
       </p:grpSpPr>
       <p:sp>
         <p:nvSpPr>
-          <p:cNvPr id="31" name="TextBox 9">
-            <a:extLst>
-              <a:ext uri="{FF2B5EF4-FFF2-40B4-BE49-F238E27FC236}">
-                <a16:creationId xmlns="" xmlns:a16="http://schemas.microsoft.com/office/drawing/2014/main" id="{196AEFB1-B5B8-48EC-BBBA-092BE2D0990E}"/>
-              </a:ext>
-            </a:extLst>
-          </p:cNvPr>
+          <p:cNvPr id="31" name="TextBox 9"/>
           <p:cNvSpPr txBox="1"/>
           <p:nvPr/>
         </p:nvSpPr>
@@ -21321,7 +21027,7 @@
           <p:nvPr/>
         </p:nvPicPr>
         <p:blipFill>
-          <a:blip r:embed="rId3"/>
+          <a:blip r:embed="rId1"/>
           <a:srcRect/>
           <a:stretch>
             <a:fillRect/>
@@ -21346,17 +21052,12 @@
         </p:spPr>
       </p:pic>
     </p:spTree>
-    <p:extLst>
-      <p:ext uri="{BB962C8B-B14F-4D97-AF65-F5344CB8AC3E}">
-        <p14:creationId xmlns="" xmlns:p14="http://schemas.microsoft.com/office/powerpoint/2010/main" val="4095140424"/>
-      </p:ext>
-    </p:extLst>
   </p:cSld>
   <p:clrMapOvr>
     <a:masterClrMapping/>
   </p:clrMapOvr>
   <mc:AlternateContent xmlns:mc="http://schemas.openxmlformats.org/markup-compatibility/2006">
-    <mc:Choice xmlns="" xmlns:p14="http://schemas.microsoft.com/office/powerpoint/2010/main" Requires="p14">
+    <mc:Choice xmlns:p14="http://schemas.microsoft.com/office/powerpoint/2010/main" Requires="p14">
       <p:transition spd="slow" p14:dur="1600">
         <p:blinds dir="vert"/>
       </p:transition>
@@ -21396,13 +21097,7 @@
       </p:grpSpPr>
       <p:sp>
         <p:nvSpPr>
-          <p:cNvPr id="31" name="TextBox 9">
-            <a:extLst>
-              <a:ext uri="{FF2B5EF4-FFF2-40B4-BE49-F238E27FC236}">
-                <a16:creationId xmlns="" xmlns:a16="http://schemas.microsoft.com/office/drawing/2014/main" id="{196AEFB1-B5B8-48EC-BBBA-092BE2D0990E}"/>
-              </a:ext>
-            </a:extLst>
-          </p:cNvPr>
+          <p:cNvPr id="31" name="TextBox 9"/>
           <p:cNvSpPr txBox="1"/>
           <p:nvPr/>
         </p:nvSpPr>
@@ -21576,17 +21271,12 @@
         </p:txBody>
       </p:sp>
     </p:spTree>
-    <p:extLst>
-      <p:ext uri="{BB962C8B-B14F-4D97-AF65-F5344CB8AC3E}">
-        <p14:creationId xmlns="" xmlns:p14="http://schemas.microsoft.com/office/powerpoint/2010/main" val="4095140424"/>
-      </p:ext>
-    </p:extLst>
   </p:cSld>
   <p:clrMapOvr>
     <a:masterClrMapping/>
   </p:clrMapOvr>
   <mc:AlternateContent xmlns:mc="http://schemas.openxmlformats.org/markup-compatibility/2006">
-    <mc:Choice xmlns="" xmlns:p14="http://schemas.microsoft.com/office/powerpoint/2010/main" Requires="p14">
+    <mc:Choice xmlns:p14="http://schemas.microsoft.com/office/powerpoint/2010/main" Requires="p14">
       <p:transition spd="slow" p14:dur="1600">
         <p:blinds dir="vert"/>
       </p:transition>
@@ -21626,13 +21316,7 @@
       </p:grpSpPr>
       <p:grpSp>
         <p:nvGrpSpPr>
-          <p:cNvPr id="2" name="组合 1">
-            <a:extLst>
-              <a:ext uri="{FF2B5EF4-FFF2-40B4-BE49-F238E27FC236}">
-                <a16:creationId xmlns="" xmlns:a16="http://schemas.microsoft.com/office/drawing/2014/main" id="{E50DEB0B-1C12-44D1-AAA1-F4E0A4F19E17}"/>
-              </a:ext>
-            </a:extLst>
-          </p:cNvPr>
+          <p:cNvPr id="2" name="组合 1"/>
           <p:cNvGrpSpPr/>
           <p:nvPr/>
         </p:nvGrpSpPr>
@@ -21646,13 +21330,7 @@
         </p:grpSpPr>
         <p:sp>
           <p:nvSpPr>
-            <p:cNvPr id="7" name="矩形 6">
-              <a:extLst>
-                <a:ext uri="{FF2B5EF4-FFF2-40B4-BE49-F238E27FC236}">
-                  <a16:creationId xmlns="" xmlns:a16="http://schemas.microsoft.com/office/drawing/2014/main" id="{D5213AAE-A69E-40F7-931A-4EAD7707F511}"/>
-                </a:ext>
-              </a:extLst>
-            </p:cNvPr>
+            <p:cNvPr id="7" name="矩形 6"/>
             <p:cNvSpPr/>
             <p:nvPr/>
           </p:nvSpPr>
@@ -21695,13 +21373,7 @@
         </p:sp>
         <p:sp>
           <p:nvSpPr>
-            <p:cNvPr id="8" name="矩形 7">
-              <a:extLst>
-                <a:ext uri="{FF2B5EF4-FFF2-40B4-BE49-F238E27FC236}">
-                  <a16:creationId xmlns="" xmlns:a16="http://schemas.microsoft.com/office/drawing/2014/main" id="{F74F58D4-5D9A-43AA-A842-4414D43E7D86}"/>
-                </a:ext>
-              </a:extLst>
-            </p:cNvPr>
+            <p:cNvPr id="8" name="矩形 7"/>
             <p:cNvSpPr/>
             <p:nvPr/>
           </p:nvSpPr>
@@ -21743,19 +21415,20 @@
                 </a:rPr>
                 <a:t>  Waterproof  Technology  Co. Ltd.</a:t>
               </a:r>
+              <a:endParaRPr lang="en-US" altLang="zh-CN" sz="1100" kern="700" spc="-100" dirty="0">
+                <a:solidFill>
+                  <a:schemeClr val="bg1"/>
+                </a:solidFill>
+                <a:latin typeface="微软雅黑" panose="020B0503020204020204" pitchFamily="34" charset="-122"/>
+                <a:ea typeface="微软雅黑" panose="020B0503020204020204" pitchFamily="34" charset="-122"/>
+              </a:endParaRPr>
             </a:p>
           </p:txBody>
         </p:sp>
       </p:grpSp>
       <p:sp>
         <p:nvSpPr>
-          <p:cNvPr id="28" name="TextBox 9">
-            <a:extLst>
-              <a:ext uri="{FF2B5EF4-FFF2-40B4-BE49-F238E27FC236}">
-                <a16:creationId xmlns="" xmlns:a16="http://schemas.microsoft.com/office/drawing/2014/main" id="{F9620907-505E-4433-8CD6-0B35E582F63E}"/>
-              </a:ext>
-            </a:extLst>
-          </p:cNvPr>
+          <p:cNvPr id="28" name="TextBox 9"/>
           <p:cNvSpPr txBox="1"/>
           <p:nvPr/>
         </p:nvSpPr>
@@ -21857,7 +21530,7 @@
           <p:nvPr/>
         </p:nvPicPr>
         <p:blipFill>
-          <a:blip r:embed="rId3"/>
+          <a:blip r:embed="rId1"/>
           <a:srcRect/>
           <a:stretch>
             <a:fillRect/>
@@ -21900,6 +21573,7 @@
               <a:rPr lang="zh-CN" altLang="en-US" sz="2400" b="1" dirty="0" smtClean="0"/>
               <a:t>让消费回归享受，不为钱所苦</a:t>
             </a:r>
+            <a:endParaRPr lang="zh-CN" altLang="en-US" sz="2400" b="1" dirty="0" smtClean="0"/>
           </a:p>
         </p:txBody>
       </p:sp>
@@ -21929,6 +21603,7 @@
               <a:rPr lang="zh-CN" altLang="en-US" sz="2400" b="1" dirty="0" smtClean="0"/>
               <a:t>让爱好回归乐趣，不为钱折腰</a:t>
             </a:r>
+            <a:endParaRPr lang="zh-CN" altLang="en-US" sz="2400" b="1" dirty="0" smtClean="0"/>
           </a:p>
         </p:txBody>
       </p:sp>
@@ -21958,6 +21633,7 @@
               <a:rPr lang="zh-CN" altLang="en-US" sz="2400" b="1" dirty="0" smtClean="0"/>
               <a:t>让感情回归纯粹，不为钱所累</a:t>
             </a:r>
+            <a:endParaRPr lang="zh-CN" altLang="en-US" sz="2400" b="1" dirty="0" smtClean="0"/>
           </a:p>
         </p:txBody>
       </p:sp>
@@ -21992,17 +21668,12 @@
         </p:txBody>
       </p:sp>
     </p:spTree>
-    <p:extLst>
-      <p:ext uri="{BB962C8B-B14F-4D97-AF65-F5344CB8AC3E}">
-        <p14:creationId xmlns="" xmlns:p14="http://schemas.microsoft.com/office/powerpoint/2010/main" val="257282595"/>
-      </p:ext>
-    </p:extLst>
   </p:cSld>
   <p:clrMapOvr>
     <a:masterClrMapping/>
   </p:clrMapOvr>
   <mc:AlternateContent xmlns:mc="http://schemas.openxmlformats.org/markup-compatibility/2006">
-    <mc:Choice xmlns="" xmlns:p14="http://schemas.microsoft.com/office/powerpoint/2010/main" Requires="p14">
+    <mc:Choice xmlns:p14="http://schemas.microsoft.com/office/powerpoint/2010/main" Requires="p14">
       <p:transition spd="slow" p14:dur="1600">
         <p:blinds dir="vert"/>
       </p:transition>
@@ -22274,11 +21945,9 @@
       </a:bgFillStyleLst>
     </a:fmtScheme>
   </a:themeElements>
-  <a:objectDefaults/>
-  <a:extraClrSchemeLst/>
   <a:extLst>
     <a:ext uri="{05A4C25C-085E-4340-85A3-A5531E510DB2}">
-      <thm15:themeFamily xmlns="" xmlns:thm15="http://schemas.microsoft.com/office/thememl/2012/main" name="Office Theme" id="{62F939B6-93AF-4DB8-9C6B-D6C7DFDC589F}" vid="{4A3C46E8-61CC-4603-A589-7422A47A8E4A}"/>
+      <thm15:themeFamily xmlns:thm15="http://schemas.microsoft.com/office/thememl/2012/main" name="Office Theme" id="{62F939B6-93AF-4DB8-9C6B-D6C7DFDC589F}" vid="{4A3C46E8-61CC-4603-A589-7422A47A8E4A}"/>
     </a:ext>
   </a:extLst>
 </a:theme>
@@ -22360,23 +22029,6 @@
         <a:font script="Viet" typeface="Times New Roman"/>
         <a:font script="Uigh" typeface="Microsoft Uighur"/>
         <a:font script="Geor" typeface="Sylfaen"/>
-        <a:font script="Armn" typeface="Arial"/>
-        <a:font script="Bugi" typeface="Leelawadee UI"/>
-        <a:font script="Bopo" typeface="Microsoft JhengHei"/>
-        <a:font script="Java" typeface="Javanese Text"/>
-        <a:font script="Lisu" typeface="Segoe UI"/>
-        <a:font script="Mymr" typeface="Myanmar Text"/>
-        <a:font script="Nkoo" typeface="Ebrima"/>
-        <a:font script="Olck" typeface="Nirmala UI"/>
-        <a:font script="Osma" typeface="Ebrima"/>
-        <a:font script="Phag" typeface="Phagspa"/>
-        <a:font script="Syrn" typeface="Estrangelo Edessa"/>
-        <a:font script="Syrj" typeface="Estrangelo Edessa"/>
-        <a:font script="Syre" typeface="Estrangelo Edessa"/>
-        <a:font script="Sora" typeface="Nirmala UI"/>
-        <a:font script="Tale" typeface="Microsoft Tai Le"/>
-        <a:font script="Talu" typeface="Microsoft New Tai Lue"/>
-        <a:font script="Tfng" typeface="Ebrima"/>
       </a:majorFont>
       <a:minorFont>
         <a:latin typeface="等线"/>
@@ -22412,23 +22064,6 @@
         <a:font script="Viet" typeface="Arial"/>
         <a:font script="Uigh" typeface="Microsoft Uighur"/>
         <a:font script="Geor" typeface="Sylfaen"/>
-        <a:font script="Armn" typeface="Arial"/>
-        <a:font script="Bugi" typeface="Leelawadee UI"/>
-        <a:font script="Bopo" typeface="Microsoft JhengHei"/>
-        <a:font script="Java" typeface="Javanese Text"/>
-        <a:font script="Lisu" typeface="Segoe UI"/>
-        <a:font script="Mymr" typeface="Myanmar Text"/>
-        <a:font script="Nkoo" typeface="Ebrima"/>
-        <a:font script="Olck" typeface="Nirmala UI"/>
-        <a:font script="Osma" typeface="Ebrima"/>
-        <a:font script="Phag" typeface="Phagspa"/>
-        <a:font script="Syrn" typeface="Estrangelo Edessa"/>
-        <a:font script="Syrj" typeface="Estrangelo Edessa"/>
-        <a:font script="Syre" typeface="Estrangelo Edessa"/>
-        <a:font script="Sora" typeface="Nirmala UI"/>
-        <a:font script="Tale" typeface="Microsoft Tai Le"/>
-        <a:font script="Talu" typeface="Microsoft New Tai Lue"/>
-        <a:font script="Tfng" typeface="Ebrima"/>
       </a:minorFont>
     </a:fontScheme>
     <a:fmtScheme name="Office">
@@ -22569,11 +22204,9 @@
       </a:bgFillStyleLst>
     </a:fmtScheme>
   </a:themeElements>
-  <a:objectDefaults/>
-  <a:extraClrSchemeLst/>
   <a:extLst>
     <a:ext uri="{05A4C25C-085E-4340-85A3-A5531E510DB2}">
-      <thm15:themeFamily xmlns="" xmlns:thm15="http://schemas.microsoft.com/office/thememl/2012/main" name="Office Theme" id="{62F939B6-93AF-4DB8-9C6B-D6C7DFDC589F}" vid="{4A3C46E8-61CC-4603-A589-7422A47A8E4A}"/>
+      <thm15:themeFamily xmlns:thm15="http://schemas.microsoft.com/office/thememl/2012/main" name="Office Theme" id="{62F939B6-93AF-4DB8-9C6B-D6C7DFDC589F}" vid="{4A3C46E8-61CC-4603-A589-7422A47A8E4A}"/>
     </a:ext>
   </a:extLst>
 </a:theme>
